--- a/slides/GraphqlSlides.pptx
+++ b/slides/GraphqlSlides.pptx
@@ -262,7 +262,7 @@
           <a:p>
             <a:fld id="{858036E5-7FF6-491F-BDEF-E833DBCA9680}" type="datetimeFigureOut">
               <a:rPr lang="de-DE" smtClean="0"/>
-              <a:t>31.03.2019</a:t>
+              <a:t>01.04.2019</a:t>
             </a:fld>
             <a:endParaRPr lang="de-DE"/>
           </a:p>
@@ -4381,7 +4381,7 @@
           <a:p>
             <a:fld id="{3A538C34-53B0-4EA9-8596-22F17B12308D}" type="datetimeFigureOut">
               <a:rPr lang="de-DE" smtClean="0"/>
-              <a:t>31.03.2019</a:t>
+              <a:t>01.04.2019</a:t>
             </a:fld>
             <a:endParaRPr lang="de-DE"/>
           </a:p>
@@ -4579,7 +4579,7 @@
           <a:p>
             <a:fld id="{3A538C34-53B0-4EA9-8596-22F17B12308D}" type="datetimeFigureOut">
               <a:rPr lang="de-DE" smtClean="0"/>
-              <a:t>31.03.2019</a:t>
+              <a:t>01.04.2019</a:t>
             </a:fld>
             <a:endParaRPr lang="de-DE"/>
           </a:p>
@@ -4787,7 +4787,7 @@
           <a:p>
             <a:fld id="{3A538C34-53B0-4EA9-8596-22F17B12308D}" type="datetimeFigureOut">
               <a:rPr lang="de-DE" smtClean="0"/>
-              <a:t>31.03.2019</a:t>
+              <a:t>01.04.2019</a:t>
             </a:fld>
             <a:endParaRPr lang="de-DE"/>
           </a:p>
@@ -4985,7 +4985,7 @@
           <a:p>
             <a:fld id="{3A538C34-53B0-4EA9-8596-22F17B12308D}" type="datetimeFigureOut">
               <a:rPr lang="de-DE" smtClean="0"/>
-              <a:t>31.03.2019</a:t>
+              <a:t>01.04.2019</a:t>
             </a:fld>
             <a:endParaRPr lang="de-DE"/>
           </a:p>
@@ -5260,7 +5260,7 @@
           <a:p>
             <a:fld id="{3A538C34-53B0-4EA9-8596-22F17B12308D}" type="datetimeFigureOut">
               <a:rPr lang="de-DE" smtClean="0"/>
-              <a:t>31.03.2019</a:t>
+              <a:t>01.04.2019</a:t>
             </a:fld>
             <a:endParaRPr lang="de-DE"/>
           </a:p>
@@ -5525,7 +5525,7 @@
           <a:p>
             <a:fld id="{3A538C34-53B0-4EA9-8596-22F17B12308D}" type="datetimeFigureOut">
               <a:rPr lang="de-DE" smtClean="0"/>
-              <a:t>31.03.2019</a:t>
+              <a:t>01.04.2019</a:t>
             </a:fld>
             <a:endParaRPr lang="de-DE"/>
           </a:p>
@@ -5937,7 +5937,7 @@
           <a:p>
             <a:fld id="{3A538C34-53B0-4EA9-8596-22F17B12308D}" type="datetimeFigureOut">
               <a:rPr lang="de-DE" smtClean="0"/>
-              <a:t>31.03.2019</a:t>
+              <a:t>01.04.2019</a:t>
             </a:fld>
             <a:endParaRPr lang="de-DE"/>
           </a:p>
@@ -6078,7 +6078,7 @@
           <a:p>
             <a:fld id="{3A538C34-53B0-4EA9-8596-22F17B12308D}" type="datetimeFigureOut">
               <a:rPr lang="de-DE" smtClean="0"/>
-              <a:t>31.03.2019</a:t>
+              <a:t>01.04.2019</a:t>
             </a:fld>
             <a:endParaRPr lang="de-DE"/>
           </a:p>
@@ -6191,7 +6191,7 @@
           <a:p>
             <a:fld id="{3A538C34-53B0-4EA9-8596-22F17B12308D}" type="datetimeFigureOut">
               <a:rPr lang="de-DE" smtClean="0"/>
-              <a:t>31.03.2019</a:t>
+              <a:t>01.04.2019</a:t>
             </a:fld>
             <a:endParaRPr lang="de-DE"/>
           </a:p>
@@ -6502,7 +6502,7 @@
           <a:p>
             <a:fld id="{3A538C34-53B0-4EA9-8596-22F17B12308D}" type="datetimeFigureOut">
               <a:rPr lang="de-DE" smtClean="0"/>
-              <a:t>31.03.2019</a:t>
+              <a:t>01.04.2019</a:t>
             </a:fld>
             <a:endParaRPr lang="de-DE"/>
           </a:p>
@@ -6790,7 +6790,7 @@
           <a:p>
             <a:fld id="{3A538C34-53B0-4EA9-8596-22F17B12308D}" type="datetimeFigureOut">
               <a:rPr lang="de-DE" smtClean="0"/>
-              <a:t>31.03.2019</a:t>
+              <a:t>01.04.2019</a:t>
             </a:fld>
             <a:endParaRPr lang="de-DE"/>
           </a:p>
@@ -7031,7 +7031,7 @@
           <a:p>
             <a:fld id="{3A538C34-53B0-4EA9-8596-22F17B12308D}" type="datetimeFigureOut">
               <a:rPr lang="de-DE" smtClean="0"/>
-              <a:t>31.03.2019</a:t>
+              <a:t>01.04.2019</a:t>
             </a:fld>
             <a:endParaRPr lang="de-DE"/>
           </a:p>
@@ -7471,13 +7471,13 @@
           <p:nvPr/>
         </p:nvPicPr>
         <p:blipFill>
-          <a:blip r:embed="rId3">
+          <a:blip r:embed="rId3" cstate="hqprint">
             <a:extLst>
               <a:ext uri="{28A0092B-C50C-407E-A947-70E740481C1C}">
                 <a14:useLocalDpi xmlns:a14="http://schemas.microsoft.com/office/drawing/2010/main" val="0"/>
               </a:ext>
               <a:ext uri="{96DAC541-7B7A-43D3-8B79-37D633B846F1}">
-                <asvg:svgBlip xmlns:asvg="http://schemas.microsoft.com/office/drawing/2016/SVG/main" r:embed="rId4"/>
+                <asvg:svgBlip xmlns:asvg="http://schemas.microsoft.com/office/drawing/2016/SVG/main" xmlns="" r:embed="rId4"/>
               </a:ext>
             </a:extLst>
           </a:blip>
@@ -7630,6 +7630,13 @@
   <p:clrMapOvr>
     <a:masterClrMapping/>
   </p:clrMapOvr>
+  <p:timing>
+    <p:tnLst>
+      <p:par>
+        <p:cTn id="1" dur="indefinite" restart="never" nodeType="tmRoot"/>
+      </p:par>
+    </p:tnLst>
+  </p:timing>
 </p:sld>
 </file>
 
@@ -8092,6 +8099,13 @@
   <p:clrMapOvr>
     <a:masterClrMapping/>
   </p:clrMapOvr>
+  <p:timing>
+    <p:tnLst>
+      <p:par>
+        <p:cTn id="1" dur="indefinite" restart="never" nodeType="tmRoot"/>
+      </p:par>
+    </p:tnLst>
+  </p:timing>
 </p:sld>
 </file>
 
@@ -8649,6 +8663,13 @@
   <p:clrMapOvr>
     <a:masterClrMapping/>
   </p:clrMapOvr>
+  <p:timing>
+    <p:tnLst>
+      <p:par>
+        <p:cTn id="1" dur="indefinite" restart="never" nodeType="tmRoot"/>
+      </p:par>
+    </p:tnLst>
+  </p:timing>
 </p:sld>
 </file>
 
@@ -9223,6 +9244,13 @@
   <p:clrMapOvr>
     <a:masterClrMapping/>
   </p:clrMapOvr>
+  <p:timing>
+    <p:tnLst>
+      <p:par>
+        <p:cTn id="1" dur="indefinite" restart="never" nodeType="tmRoot"/>
+      </p:par>
+    </p:tnLst>
+  </p:timing>
 </p:sld>
 </file>
 
@@ -9883,6 +9911,13 @@
   <p:clrMapOvr>
     <a:masterClrMapping/>
   </p:clrMapOvr>
+  <p:timing>
+    <p:tnLst>
+      <p:par>
+        <p:cTn id="1" dur="indefinite" restart="never" nodeType="tmRoot"/>
+      </p:par>
+    </p:tnLst>
+  </p:timing>
 </p:sld>
 </file>
 
@@ -10486,6 +10521,13 @@
   <p:clrMapOvr>
     <a:masterClrMapping/>
   </p:clrMapOvr>
+  <p:timing>
+    <p:tnLst>
+      <p:par>
+        <p:cTn id="1" dur="indefinite" restart="never" nodeType="tmRoot"/>
+      </p:par>
+    </p:tnLst>
+  </p:timing>
 </p:sld>
 </file>
 
@@ -10994,6 +11036,13 @@
   <p:clrMapOvr>
     <a:masterClrMapping/>
   </p:clrMapOvr>
+  <p:timing>
+    <p:tnLst>
+      <p:par>
+        <p:cTn id="1" dur="indefinite" restart="never" nodeType="tmRoot"/>
+      </p:par>
+    </p:tnLst>
+  </p:timing>
 </p:sld>
 </file>
 
@@ -12708,6 +12757,13 @@
   <p:clrMapOvr>
     <a:masterClrMapping/>
   </p:clrMapOvr>
+  <p:timing>
+    <p:tnLst>
+      <p:par>
+        <p:cTn id="1" dur="indefinite" restart="never" nodeType="tmRoot"/>
+      </p:par>
+    </p:tnLst>
+  </p:timing>
 </p:sld>
 </file>
 
@@ -12861,6 +12917,13 @@
   <p:clrMapOvr>
     <a:masterClrMapping/>
   </p:clrMapOvr>
+  <p:timing>
+    <p:tnLst>
+      <p:par>
+        <p:cTn id="1" dur="indefinite" restart="never" nodeType="tmRoot"/>
+      </p:par>
+    </p:tnLst>
+  </p:timing>
 </p:sld>
 </file>
 
@@ -12990,6 +13053,13 @@
   <p:clrMapOvr>
     <a:masterClrMapping/>
   </p:clrMapOvr>
+  <p:timing>
+    <p:tnLst>
+      <p:par>
+        <p:cTn id="1" dur="indefinite" restart="never" nodeType="tmRoot"/>
+      </p:par>
+    </p:tnLst>
+  </p:timing>
 </p:sld>
 </file>
 
@@ -13418,6 +13488,13 @@
   <p:clrMapOvr>
     <a:masterClrMapping/>
   </p:clrMapOvr>
+  <p:timing>
+    <p:tnLst>
+      <p:par>
+        <p:cTn id="1" dur="indefinite" restart="never" nodeType="tmRoot"/>
+      </p:par>
+    </p:tnLst>
+  </p:timing>
 </p:sld>
 </file>
 
@@ -13619,13 +13696,13 @@
           <p:nvPr/>
         </p:nvPicPr>
         <p:blipFill>
-          <a:blip r:embed="rId5">
+          <a:blip r:embed="rId5" cstate="hqprint">
             <a:extLst>
               <a:ext uri="{28A0092B-C50C-407E-A947-70E740481C1C}">
                 <a14:useLocalDpi xmlns:a14="http://schemas.microsoft.com/office/drawing/2010/main" val="0"/>
               </a:ext>
               <a:ext uri="{96DAC541-7B7A-43D3-8B79-37D633B846F1}">
-                <asvg:svgBlip xmlns:asvg="http://schemas.microsoft.com/office/drawing/2016/SVG/main" r:embed="rId6"/>
+                <asvg:svgBlip xmlns:asvg="http://schemas.microsoft.com/office/drawing/2016/SVG/main" xmlns="" r:embed="rId6"/>
               </a:ext>
             </a:extLst>
           </a:blip>
@@ -13658,13 +13735,13 @@
           <p:nvPr/>
         </p:nvPicPr>
         <p:blipFill>
-          <a:blip r:embed="rId5">
+          <a:blip r:embed="rId5" cstate="hqprint">
             <a:extLst>
               <a:ext uri="{28A0092B-C50C-407E-A947-70E740481C1C}">
                 <a14:useLocalDpi xmlns:a14="http://schemas.microsoft.com/office/drawing/2010/main" val="0"/>
               </a:ext>
               <a:ext uri="{96DAC541-7B7A-43D3-8B79-37D633B846F1}">
-                <asvg:svgBlip xmlns:asvg="http://schemas.microsoft.com/office/drawing/2016/SVG/main" r:embed="rId6"/>
+                <asvg:svgBlip xmlns:asvg="http://schemas.microsoft.com/office/drawing/2016/SVG/main" xmlns="" r:embed="rId6"/>
               </a:ext>
             </a:extLst>
           </a:blip>
@@ -13784,13 +13861,6 @@
                   <a:schemeClr val="bg1"/>
                 </a:solidFill>
                 <a:latin typeface="Segoe UI" panose="020B0502040204020203" pitchFamily="34" charset="0"/>
-                <a:hlinkClick r:id="rId7">
-                  <a:extLst>
-                    <a:ext uri="{A12FA001-AC4F-418D-AE19-62706E023703}">
-                      <ahyp:hlinkClr xmlns:ahyp="http://schemas.microsoft.com/office/drawing/2018/hyperlinkcolor" val="tx"/>
-                    </a:ext>
-                  </a:extLst>
-                </a:hlinkClick>
               </a:rPr>
               <a:t> </a:t>
             </a:r>
@@ -14006,6 +14076,13 @@
   <p:clrMapOvr>
     <a:masterClrMapping/>
   </p:clrMapOvr>
+  <p:timing>
+    <p:tnLst>
+      <p:par>
+        <p:cTn id="1" dur="indefinite" restart="never" nodeType="tmRoot"/>
+      </p:par>
+    </p:tnLst>
+  </p:timing>
 </p:sld>
 </file>
 
@@ -14489,6 +14566,13 @@
   <p:clrMapOvr>
     <a:masterClrMapping/>
   </p:clrMapOvr>
+  <p:timing>
+    <p:tnLst>
+      <p:par>
+        <p:cTn id="1" dur="indefinite" restart="never" nodeType="tmRoot"/>
+      </p:par>
+    </p:tnLst>
+  </p:timing>
 </p:sld>
 </file>
 
@@ -14976,6 +15060,13 @@
   <p:clrMapOvr>
     <a:masterClrMapping/>
   </p:clrMapOvr>
+  <p:timing>
+    <p:tnLst>
+      <p:par>
+        <p:cTn id="1" dur="indefinite" restart="never" nodeType="tmRoot"/>
+      </p:par>
+    </p:tnLst>
+  </p:timing>
 </p:sld>
 </file>
 
@@ -15491,6 +15582,13 @@
   <p:clrMapOvr>
     <a:masterClrMapping/>
   </p:clrMapOvr>
+  <p:timing>
+    <p:tnLst>
+      <p:par>
+        <p:cTn id="1" dur="indefinite" restart="never" nodeType="tmRoot"/>
+      </p:par>
+    </p:tnLst>
+  </p:timing>
 </p:sld>
 </file>
 
@@ -16018,6 +16116,13 @@
   <p:clrMapOvr>
     <a:masterClrMapping/>
   </p:clrMapOvr>
+  <p:timing>
+    <p:tnLst>
+      <p:par>
+        <p:cTn id="1" dur="indefinite" restart="never" nodeType="tmRoot"/>
+      </p:par>
+    </p:tnLst>
+  </p:timing>
 </p:sld>
 </file>
 
@@ -16424,6 +16529,13 @@
   <p:clrMapOvr>
     <a:masterClrMapping/>
   </p:clrMapOvr>
+  <p:timing>
+    <p:tnLst>
+      <p:par>
+        <p:cTn id="1" dur="indefinite" restart="never" nodeType="tmRoot"/>
+      </p:par>
+    </p:tnLst>
+  </p:timing>
 </p:sld>
 </file>
 
@@ -16916,6 +17028,15 @@
           </a:bodyPr>
           <a:lstStyle/>
           <a:p>
+            <a:r>
+              <a:rPr lang="en-US" dirty="0">
+                <a:solidFill>
+                  <a:srgbClr val="F8F8F2"/>
+                </a:solidFill>
+                <a:latin typeface="Fira Code" panose="020B0509050000020004" pitchFamily="49" charset="0"/>
+              </a:rPr>
+              <a:t/>
+            </a:r>
             <a:br>
               <a:rPr lang="en-US" dirty="0">
                 <a:solidFill>
@@ -17049,6 +17170,13 @@
   <p:clrMapOvr>
     <a:masterClrMapping/>
   </p:clrMapOvr>
+  <p:timing>
+    <p:tnLst>
+      <p:par>
+        <p:cTn id="1" dur="indefinite" restart="never" nodeType="tmRoot"/>
+      </p:par>
+    </p:tnLst>
+  </p:timing>
 </p:sld>
 </file>
 
@@ -17884,6 +18012,13 @@
   <p:clrMapOvr>
     <a:masterClrMapping/>
   </p:clrMapOvr>
+  <p:timing>
+    <p:tnLst>
+      <p:par>
+        <p:cTn id="1" dur="indefinite" restart="never" nodeType="tmRoot"/>
+      </p:par>
+    </p:tnLst>
+  </p:timing>
 </p:sld>
 </file>
 
@@ -18811,6 +18946,13 @@
   <p:clrMapOvr>
     <a:masterClrMapping/>
   </p:clrMapOvr>
+  <p:timing>
+    <p:tnLst>
+      <p:par>
+        <p:cTn id="1" dur="indefinite" restart="never" nodeType="tmRoot"/>
+      </p:par>
+    </p:tnLst>
+  </p:timing>
 </p:sld>
 </file>
 
@@ -19762,6 +19904,13 @@
   <p:clrMapOvr>
     <a:masterClrMapping/>
   </p:clrMapOvr>
+  <p:timing>
+    <p:tnLst>
+      <p:par>
+        <p:cTn id="1" dur="indefinite" restart="never" nodeType="tmRoot"/>
+      </p:par>
+    </p:tnLst>
+  </p:timing>
 </p:sld>
 </file>
 
@@ -19995,6 +20144,21 @@
   <p:clrMapOvr>
     <a:masterClrMapping/>
   </p:clrMapOvr>
+  <mc:AlternateContent xmlns:mc="http://schemas.openxmlformats.org/markup-compatibility/2006">
+    <mc:Choice xmlns:p14="http://schemas.microsoft.com/office/powerpoint/2010/main" Requires="p14">
+      <p:transition spd="slow" p14:dur="2000"/>
+    </mc:Choice>
+    <mc:Fallback>
+      <p:transition spd="slow"/>
+    </mc:Fallback>
+  </mc:AlternateContent>
+  <p:timing>
+    <p:tnLst>
+      <p:par>
+        <p:cTn id="1" dur="indefinite" restart="never" nodeType="tmRoot"/>
+      </p:par>
+    </p:tnLst>
+  </p:timing>
 </p:sld>
 </file>
 
@@ -20122,13 +20286,13 @@
           <p:nvPr/>
         </p:nvPicPr>
         <p:blipFill>
-          <a:blip r:embed="rId4">
+          <a:blip r:embed="rId4" cstate="hqprint">
             <a:extLst>
               <a:ext uri="{28A0092B-C50C-407E-A947-70E740481C1C}">
                 <a14:useLocalDpi xmlns:a14="http://schemas.microsoft.com/office/drawing/2010/main" val="0"/>
               </a:ext>
               <a:ext uri="{96DAC541-7B7A-43D3-8B79-37D633B846F1}">
-                <asvg:svgBlip xmlns:asvg="http://schemas.microsoft.com/office/drawing/2016/SVG/main" r:embed="rId5"/>
+                <asvg:svgBlip xmlns:asvg="http://schemas.microsoft.com/office/drawing/2016/SVG/main" xmlns="" r:embed="rId5"/>
               </a:ext>
             </a:extLst>
           </a:blip>
@@ -20161,13 +20325,13 @@
           <p:nvPr/>
         </p:nvPicPr>
         <p:blipFill>
-          <a:blip r:embed="rId6">
+          <a:blip r:embed="rId6" cstate="hqprint">
             <a:extLst>
               <a:ext uri="{28A0092B-C50C-407E-A947-70E740481C1C}">
                 <a14:useLocalDpi xmlns:a14="http://schemas.microsoft.com/office/drawing/2010/main" val="0"/>
               </a:ext>
               <a:ext uri="{96DAC541-7B7A-43D3-8B79-37D633B846F1}">
-                <asvg:svgBlip xmlns:asvg="http://schemas.microsoft.com/office/drawing/2016/SVG/main" r:embed="rId7"/>
+                <asvg:svgBlip xmlns:asvg="http://schemas.microsoft.com/office/drawing/2016/SVG/main" xmlns="" r:embed="rId7"/>
               </a:ext>
             </a:extLst>
           </a:blip>
@@ -20819,6 +20983,13 @@
   <p:clrMapOvr>
     <a:masterClrMapping/>
   </p:clrMapOvr>
+  <p:timing>
+    <p:tnLst>
+      <p:par>
+        <p:cTn id="1" dur="indefinite" restart="never" nodeType="tmRoot"/>
+      </p:par>
+    </p:tnLst>
+  </p:timing>
 </p:sld>
 </file>
 
@@ -21408,6 +21579,14 @@
   <p:clrMapOvr>
     <a:masterClrMapping/>
   </p:clrMapOvr>
+  <mc:AlternateContent xmlns:mc="http://schemas.openxmlformats.org/markup-compatibility/2006">
+    <mc:Choice xmlns:p14="http://schemas.microsoft.com/office/powerpoint/2010/main" Requires="p14">
+      <p:transition spd="slow" p14:dur="2000"/>
+    </mc:Choice>
+    <mc:Fallback>
+      <p:transition spd="slow"/>
+    </mc:Fallback>
+  </mc:AlternateContent>
 </p:sld>
 </file>
 
@@ -22278,6 +22457,21 @@
   <p:clrMapOvr>
     <a:masterClrMapping/>
   </p:clrMapOvr>
+  <mc:AlternateContent xmlns:mc="http://schemas.openxmlformats.org/markup-compatibility/2006">
+    <mc:Choice xmlns:p14="http://schemas.microsoft.com/office/powerpoint/2010/main" Requires="p14">
+      <p:transition spd="slow" p14:dur="2000"/>
+    </mc:Choice>
+    <mc:Fallback>
+      <p:transition spd="slow"/>
+    </mc:Fallback>
+  </mc:AlternateContent>
+  <p:timing>
+    <p:tnLst>
+      <p:par>
+        <p:cTn id="1" dur="indefinite" restart="never" nodeType="tmRoot"/>
+      </p:par>
+    </p:tnLst>
+  </p:timing>
 </p:sld>
 </file>
 
@@ -22354,13 +22548,13 @@
           <p:nvPr/>
         </p:nvPicPr>
         <p:blipFill>
-          <a:blip r:embed="rId2">
+          <a:blip r:embed="rId2" cstate="hqprint">
             <a:extLst>
               <a:ext uri="{28A0092B-C50C-407E-A947-70E740481C1C}">
                 <a14:useLocalDpi xmlns:a14="http://schemas.microsoft.com/office/drawing/2010/main" val="0"/>
               </a:ext>
               <a:ext uri="{96DAC541-7B7A-43D3-8B79-37D633B846F1}">
-                <asvg:svgBlip xmlns:asvg="http://schemas.microsoft.com/office/drawing/2016/SVG/main" r:embed="rId3"/>
+                <asvg:svgBlip xmlns:asvg="http://schemas.microsoft.com/office/drawing/2016/SVG/main" xmlns="" r:embed="rId3"/>
               </a:ext>
             </a:extLst>
           </a:blip>
@@ -22434,6 +22628,13 @@
   <p:clrMapOvr>
     <a:masterClrMapping/>
   </p:clrMapOvr>
+  <p:timing>
+    <p:tnLst>
+      <p:par>
+        <p:cTn id="1" dur="indefinite" restart="never" nodeType="tmRoot"/>
+      </p:par>
+    </p:tnLst>
+  </p:timing>
 </p:sld>
 </file>
 
@@ -22510,13 +22711,13 @@
           <p:nvPr/>
         </p:nvPicPr>
         <p:blipFill>
-          <a:blip r:embed="rId3">
+          <a:blip r:embed="rId3" cstate="hqprint">
             <a:extLst>
               <a:ext uri="{28A0092B-C50C-407E-A947-70E740481C1C}">
                 <a14:useLocalDpi xmlns:a14="http://schemas.microsoft.com/office/drawing/2010/main" val="0"/>
               </a:ext>
               <a:ext uri="{96DAC541-7B7A-43D3-8B79-37D633B846F1}">
-                <asvg:svgBlip xmlns:asvg="http://schemas.microsoft.com/office/drawing/2016/SVG/main" r:embed="rId4"/>
+                <asvg:svgBlip xmlns:asvg="http://schemas.microsoft.com/office/drawing/2016/SVG/main" xmlns="" r:embed="rId4"/>
               </a:ext>
             </a:extLst>
           </a:blip>
@@ -22549,13 +22750,13 @@
           <p:nvPr/>
         </p:nvPicPr>
         <p:blipFill>
-          <a:blip r:embed="rId5">
+          <a:blip r:embed="rId5" cstate="hqprint">
             <a:extLst>
               <a:ext uri="{28A0092B-C50C-407E-A947-70E740481C1C}">
                 <a14:useLocalDpi xmlns:a14="http://schemas.microsoft.com/office/drawing/2010/main" val="0"/>
               </a:ext>
               <a:ext uri="{96DAC541-7B7A-43D3-8B79-37D633B846F1}">
-                <asvg:svgBlip xmlns:asvg="http://schemas.microsoft.com/office/drawing/2016/SVG/main" r:embed="rId6"/>
+                <asvg:svgBlip xmlns:asvg="http://schemas.microsoft.com/office/drawing/2016/SVG/main" xmlns="" r:embed="rId6"/>
               </a:ext>
             </a:extLst>
           </a:blip>
@@ -22672,6 +22873,13 @@
   <p:clrMapOvr>
     <a:masterClrMapping/>
   </p:clrMapOvr>
+  <p:timing>
+    <p:tnLst>
+      <p:par>
+        <p:cTn id="1" dur="indefinite" restart="never" nodeType="tmRoot"/>
+      </p:par>
+    </p:tnLst>
+  </p:timing>
 </p:sld>
 </file>
 
@@ -22812,6 +23020,13 @@
   <p:clrMapOvr>
     <a:masterClrMapping/>
   </p:clrMapOvr>
+  <p:timing>
+    <p:tnLst>
+      <p:par>
+        <p:cTn id="1" dur="indefinite" restart="never" nodeType="tmRoot"/>
+      </p:par>
+    </p:tnLst>
+  </p:timing>
 </p:sld>
 </file>
 
@@ -23322,6 +23537,91 @@
           </a:p>
         </p:txBody>
       </p:sp>
+      <p:sp>
+        <p:nvSpPr>
+          <p:cNvPr id="12" name="Textfeld 11">
+            <a:extLst>
+              <a:ext uri="{FF2B5EF4-FFF2-40B4-BE49-F238E27FC236}">
+                <a16:creationId xmlns:a16="http://schemas.microsoft.com/office/drawing/2014/main" id="{B3C89B06-EE7D-44D8-A605-79603E5D69A5}"/>
+              </a:ext>
+            </a:extLst>
+          </p:cNvPr>
+          <p:cNvSpPr txBox="1"/>
+          <p:nvPr/>
+        </p:nvSpPr>
+        <p:spPr>
+          <a:xfrm>
+            <a:off x="1800291" y="4121977"/>
+            <a:ext cx="1710925" cy="523220"/>
+          </a:xfrm>
+          <a:prstGeom prst="rect">
+            <a:avLst/>
+          </a:prstGeom>
+          <a:noFill/>
+        </p:spPr>
+        <p:txBody>
+          <a:bodyPr wrap="square" rtlCol="0">
+            <a:spAutoFit/>
+          </a:bodyPr>
+          <a:lstStyle/>
+          <a:p>
+            <a:pPr algn="ctr"/>
+            <a:r>
+              <a:rPr lang="de-DE" sz="2800" dirty="0">
+                <a:solidFill>
+                  <a:schemeClr val="bg1"/>
+                </a:solidFill>
+              </a:rPr>
+              <a:t>Query</a:t>
+            </a:r>
+          </a:p>
+        </p:txBody>
+      </p:sp>
+      <p:sp>
+        <p:nvSpPr>
+          <p:cNvPr id="13" name="Textfeld 12">
+            <a:extLst>
+              <a:ext uri="{FF2B5EF4-FFF2-40B4-BE49-F238E27FC236}">
+                <a16:creationId xmlns:a16="http://schemas.microsoft.com/office/drawing/2014/main" id="{B3C89B06-EE7D-44D8-A605-79603E5D69A5}"/>
+              </a:ext>
+            </a:extLst>
+          </p:cNvPr>
+          <p:cNvSpPr txBox="1"/>
+          <p:nvPr/>
+        </p:nvSpPr>
+        <p:spPr>
+          <a:xfrm>
+            <a:off x="7433075" y="4121977"/>
+            <a:ext cx="1710925" cy="523220"/>
+          </a:xfrm>
+          <a:prstGeom prst="rect">
+            <a:avLst/>
+          </a:prstGeom>
+          <a:noFill/>
+        </p:spPr>
+        <p:txBody>
+          <a:bodyPr wrap="square" rtlCol="0">
+            <a:spAutoFit/>
+          </a:bodyPr>
+          <a:lstStyle/>
+          <a:p>
+            <a:pPr algn="ctr"/>
+            <a:r>
+              <a:rPr lang="de-DE" sz="2800" smtClean="0">
+                <a:solidFill>
+                  <a:schemeClr val="bg1"/>
+                </a:solidFill>
+              </a:rPr>
+              <a:t>Schema</a:t>
+            </a:r>
+            <a:endParaRPr lang="de-DE" sz="2800" dirty="0">
+              <a:solidFill>
+                <a:schemeClr val="bg1"/>
+              </a:solidFill>
+            </a:endParaRPr>
+          </a:p>
+        </p:txBody>
+      </p:sp>
     </p:spTree>
     <p:extLst>
       <p:ext uri="{BB962C8B-B14F-4D97-AF65-F5344CB8AC3E}">
@@ -23332,6 +23632,13 @@
   <p:clrMapOvr>
     <a:masterClrMapping/>
   </p:clrMapOvr>
+  <p:timing>
+    <p:tnLst>
+      <p:par>
+        <p:cTn id="1" dur="indefinite" restart="never" nodeType="tmRoot"/>
+      </p:par>
+    </p:tnLst>
+  </p:timing>
 </p:sld>
 </file>
 
@@ -23958,6 +24265,13 @@
   <p:clrMapOvr>
     <a:masterClrMapping/>
   </p:clrMapOvr>
+  <p:timing>
+    <p:tnLst>
+      <p:par>
+        <p:cTn id="1" dur="indefinite" restart="never" nodeType="tmRoot"/>
+      </p:par>
+    </p:tnLst>
+  </p:timing>
 </p:sld>
 </file>
 
@@ -24401,6 +24715,13 @@
   <p:clrMapOvr>
     <a:masterClrMapping/>
   </p:clrMapOvr>
+  <p:timing>
+    <p:tnLst>
+      <p:par>
+        <p:cTn id="1" dur="indefinite" restart="never" nodeType="tmRoot"/>
+      </p:par>
+    </p:tnLst>
+  </p:timing>
 </p:sld>
 </file>
 
@@ -24554,6 +24875,13 @@
   <p:clrMapOvr>
     <a:masterClrMapping/>
   </p:clrMapOvr>
+  <p:timing>
+    <p:tnLst>
+      <p:par>
+        <p:cTn id="1" dur="indefinite" restart="never" nodeType="tmRoot"/>
+      </p:par>
+    </p:tnLst>
+  </p:timing>
 </p:sld>
 </file>
 
@@ -24686,6 +25014,13 @@
   <p:clrMapOvr>
     <a:masterClrMapping/>
   </p:clrMapOvr>
+  <p:timing>
+    <p:tnLst>
+      <p:par>
+        <p:cTn id="1" dur="indefinite" restart="never" nodeType="tmRoot"/>
+      </p:par>
+    </p:tnLst>
+  </p:timing>
 </p:sld>
 </file>
 
@@ -24729,13 +25064,13 @@
           <p:nvPr/>
         </p:nvPicPr>
         <p:blipFill>
-          <a:blip r:embed="rId3">
+          <a:blip r:embed="rId3" cstate="hqprint">
             <a:extLst>
               <a:ext uri="{28A0092B-C50C-407E-A947-70E740481C1C}">
                 <a14:useLocalDpi xmlns:a14="http://schemas.microsoft.com/office/drawing/2010/main" val="0"/>
               </a:ext>
               <a:ext uri="{96DAC541-7B7A-43D3-8B79-37D633B846F1}">
-                <asvg:svgBlip xmlns:asvg="http://schemas.microsoft.com/office/drawing/2016/SVG/main" r:embed="rId4"/>
+                <asvg:svgBlip xmlns:asvg="http://schemas.microsoft.com/office/drawing/2016/SVG/main" xmlns="" r:embed="rId4"/>
               </a:ext>
             </a:extLst>
           </a:blip>
@@ -25668,6 +26003,13 @@
   <p:clrMapOvr>
     <a:masterClrMapping/>
   </p:clrMapOvr>
+  <p:timing>
+    <p:tnLst>
+      <p:par>
+        <p:cTn id="1" dur="indefinite" restart="never" nodeType="tmRoot"/>
+      </p:par>
+    </p:tnLst>
+  </p:timing>
 </p:sld>
 </file>
 
@@ -25710,7 +26052,7 @@
         </p:nvSpPr>
         <p:spPr>
           <a:xfrm>
-            <a:off x="2484234" y="2967335"/>
+            <a:off x="4065384" y="4377035"/>
             <a:ext cx="7223532" cy="923330"/>
           </a:xfrm>
           <a:prstGeom prst="rect">
@@ -25985,6 +26327,279 @@
           </a:p>
         </p:txBody>
       </p:sp>
+      <p:sp>
+        <p:nvSpPr>
+          <p:cNvPr id="5" name="Rechteck 4">
+            <a:extLst>
+              <a:ext uri="{FF2B5EF4-FFF2-40B4-BE49-F238E27FC236}">
+                <a16:creationId xmlns:a16="http://schemas.microsoft.com/office/drawing/2014/main" id="{5FD08E23-8BA9-4DA9-B317-140050312C18}"/>
+              </a:ext>
+            </a:extLst>
+          </p:cNvPr>
+          <p:cNvSpPr/>
+          <p:nvPr/>
+        </p:nvSpPr>
+        <p:spPr>
+          <a:xfrm>
+            <a:off x="4065384" y="2479390"/>
+            <a:ext cx="6096000" cy="923330"/>
+          </a:xfrm>
+          <a:prstGeom prst="rect">
+            <a:avLst/>
+          </a:prstGeom>
+        </p:spPr>
+        <p:txBody>
+          <a:bodyPr>
+            <a:spAutoFit/>
+          </a:bodyPr>
+          <a:lstStyle/>
+          <a:p>
+            <a:r>
+              <a:rPr lang="de-DE">
+                <a:solidFill>
+                  <a:srgbClr val="FF79C6"/>
+                </a:solidFill>
+                <a:latin typeface="Fira Code" panose="020B0509050000020004" pitchFamily="49" charset="0"/>
+              </a:rPr>
+              <a:t>type</a:t>
+            </a:r>
+            <a:r>
+              <a:rPr lang="de-DE">
+                <a:solidFill>
+                  <a:srgbClr val="F8F8F2"/>
+                </a:solidFill>
+                <a:latin typeface="Fira Code" panose="020B0509050000020004" pitchFamily="49" charset="0"/>
+              </a:rPr>
+              <a:t> </a:t>
+            </a:r>
+            <a:r>
+              <a:rPr lang="de-DE" i="1" smtClean="0">
+                <a:solidFill>
+                  <a:srgbClr val="8BE9FD"/>
+                </a:solidFill>
+                <a:latin typeface="Fira Code" panose="020B0509050000020004" pitchFamily="49" charset="0"/>
+              </a:rPr>
+              <a:t>Mutation</a:t>
+            </a:r>
+            <a:r>
+              <a:rPr lang="de-DE" smtClean="0">
+                <a:solidFill>
+                  <a:srgbClr val="F8F8F2"/>
+                </a:solidFill>
+                <a:latin typeface="Fira Code" panose="020B0509050000020004" pitchFamily="49" charset="0"/>
+              </a:rPr>
+              <a:t> </a:t>
+            </a:r>
+            <a:r>
+              <a:rPr lang="de-DE" dirty="0">
+                <a:solidFill>
+                  <a:srgbClr val="F8F8F2"/>
+                </a:solidFill>
+                <a:latin typeface="Fira Code" panose="020B0509050000020004" pitchFamily="49" charset="0"/>
+              </a:rPr>
+              <a:t>{</a:t>
+            </a:r>
+          </a:p>
+          <a:p>
+            <a:r>
+              <a:rPr lang="de-DE">
+                <a:solidFill>
+                  <a:srgbClr val="F8F8F2"/>
+                </a:solidFill>
+                <a:latin typeface="Fira Code" panose="020B0509050000020004" pitchFamily="49" charset="0"/>
+              </a:rPr>
+              <a:t>    </a:t>
+            </a:r>
+            <a:r>
+              <a:rPr lang="de-DE" smtClean="0">
+                <a:solidFill>
+                  <a:srgbClr val="F8F8F2"/>
+                </a:solidFill>
+                <a:latin typeface="Fira Code" panose="020B0509050000020004" pitchFamily="49" charset="0"/>
+              </a:rPr>
+              <a:t>createPost(post</a:t>
+            </a:r>
+            <a:r>
+              <a:rPr lang="de-DE" smtClean="0">
+                <a:solidFill>
+                  <a:srgbClr val="FF79C6"/>
+                </a:solidFill>
+                <a:latin typeface="Fira Code" panose="020B0509050000020004" pitchFamily="49" charset="0"/>
+              </a:rPr>
+              <a:t>:</a:t>
+            </a:r>
+            <a:r>
+              <a:rPr lang="de-DE" smtClean="0">
+                <a:solidFill>
+                  <a:srgbClr val="F8F8F2"/>
+                </a:solidFill>
+                <a:latin typeface="Fira Code" panose="020B0509050000020004" pitchFamily="49" charset="0"/>
+              </a:rPr>
+              <a:t> </a:t>
+            </a:r>
+            <a:r>
+              <a:rPr lang="de-DE" i="1" smtClean="0">
+                <a:solidFill>
+                  <a:srgbClr val="8BE9FD"/>
+                </a:solidFill>
+                <a:latin typeface="Fira Code" panose="020B0509050000020004" pitchFamily="49" charset="0"/>
+              </a:rPr>
+              <a:t>Post</a:t>
+            </a:r>
+            <a:r>
+              <a:rPr lang="de-DE" smtClean="0">
+                <a:solidFill>
+                  <a:srgbClr val="FF79C6"/>
+                </a:solidFill>
+                <a:latin typeface="Fira Code" panose="020B0509050000020004" pitchFamily="49" charset="0"/>
+              </a:rPr>
+              <a:t>!</a:t>
+            </a:r>
+            <a:r>
+              <a:rPr lang="de-DE" smtClean="0">
+                <a:solidFill>
+                  <a:srgbClr val="F8F8F2"/>
+                </a:solidFill>
+                <a:latin typeface="Fira Code" panose="020B0509050000020004" pitchFamily="49" charset="0"/>
+              </a:rPr>
+              <a:t>)</a:t>
+            </a:r>
+            <a:r>
+              <a:rPr lang="de-DE" smtClean="0">
+                <a:solidFill>
+                  <a:srgbClr val="FF79C6"/>
+                </a:solidFill>
+                <a:latin typeface="Fira Code" panose="020B0509050000020004" pitchFamily="49" charset="0"/>
+              </a:rPr>
+              <a:t>:</a:t>
+            </a:r>
+            <a:r>
+              <a:rPr lang="de-DE" smtClean="0">
+                <a:solidFill>
+                  <a:srgbClr val="F8F8F2"/>
+                </a:solidFill>
+                <a:latin typeface="Fira Code" panose="020B0509050000020004" pitchFamily="49" charset="0"/>
+              </a:rPr>
+              <a:t> </a:t>
+            </a:r>
+            <a:r>
+              <a:rPr lang="de-DE" i="1" smtClean="0">
+                <a:solidFill>
+                  <a:srgbClr val="8BE9FD"/>
+                </a:solidFill>
+                <a:latin typeface="Fira Code" panose="020B0509050000020004" pitchFamily="49" charset="0"/>
+              </a:rPr>
+              <a:t>Post</a:t>
+            </a:r>
+            <a:endParaRPr lang="de-DE" dirty="0">
+              <a:solidFill>
+                <a:srgbClr val="F8F8F2"/>
+              </a:solidFill>
+              <a:latin typeface="Fira Code" panose="020B0509050000020004" pitchFamily="49" charset="0"/>
+            </a:endParaRPr>
+          </a:p>
+          <a:p>
+            <a:r>
+              <a:rPr lang="de-DE" smtClean="0">
+                <a:solidFill>
+                  <a:srgbClr val="F8F8F2"/>
+                </a:solidFill>
+                <a:latin typeface="Fira Code" panose="020B0509050000020004" pitchFamily="49" charset="0"/>
+              </a:rPr>
+              <a:t>}</a:t>
+            </a:r>
+            <a:endParaRPr lang="de-DE" dirty="0">
+              <a:solidFill>
+                <a:srgbClr val="F8F8F2"/>
+              </a:solidFill>
+              <a:latin typeface="Fira Code" panose="020B0509050000020004" pitchFamily="49" charset="0"/>
+            </a:endParaRPr>
+          </a:p>
+        </p:txBody>
+      </p:sp>
+      <p:sp>
+        <p:nvSpPr>
+          <p:cNvPr id="6" name="Textfeld 5">
+            <a:extLst>
+              <a:ext uri="{FF2B5EF4-FFF2-40B4-BE49-F238E27FC236}">
+                <a16:creationId xmlns:a16="http://schemas.microsoft.com/office/drawing/2014/main" id="{B3C89B06-EE7D-44D8-A605-79603E5D69A5}"/>
+              </a:ext>
+            </a:extLst>
+          </p:cNvPr>
+          <p:cNvSpPr txBox="1"/>
+          <p:nvPr/>
+        </p:nvSpPr>
+        <p:spPr>
+          <a:xfrm>
+            <a:off x="1331705" y="4421687"/>
+            <a:ext cx="1710925" cy="523220"/>
+          </a:xfrm>
+          <a:prstGeom prst="rect">
+            <a:avLst/>
+          </a:prstGeom>
+          <a:noFill/>
+        </p:spPr>
+        <p:txBody>
+          <a:bodyPr wrap="square" rtlCol="0">
+            <a:spAutoFit/>
+          </a:bodyPr>
+          <a:lstStyle/>
+          <a:p>
+            <a:r>
+              <a:rPr lang="de-DE" sz="2800" dirty="0">
+                <a:solidFill>
+                  <a:schemeClr val="bg1"/>
+                </a:solidFill>
+              </a:rPr>
+              <a:t>Query</a:t>
+            </a:r>
+          </a:p>
+        </p:txBody>
+      </p:sp>
+      <p:sp>
+        <p:nvSpPr>
+          <p:cNvPr id="7" name="Textfeld 6">
+            <a:extLst>
+              <a:ext uri="{FF2B5EF4-FFF2-40B4-BE49-F238E27FC236}">
+                <a16:creationId xmlns:a16="http://schemas.microsoft.com/office/drawing/2014/main" id="{B3C89B06-EE7D-44D8-A605-79603E5D69A5}"/>
+              </a:ext>
+            </a:extLst>
+          </p:cNvPr>
+          <p:cNvSpPr txBox="1"/>
+          <p:nvPr/>
+        </p:nvSpPr>
+        <p:spPr>
+          <a:xfrm>
+            <a:off x="1331705" y="2594435"/>
+            <a:ext cx="1710925" cy="523220"/>
+          </a:xfrm>
+          <a:prstGeom prst="rect">
+            <a:avLst/>
+          </a:prstGeom>
+          <a:noFill/>
+        </p:spPr>
+        <p:txBody>
+          <a:bodyPr wrap="square" rtlCol="0">
+            <a:spAutoFit/>
+          </a:bodyPr>
+          <a:lstStyle/>
+          <a:p>
+            <a:r>
+              <a:rPr lang="de-DE" sz="2800" smtClean="0">
+                <a:solidFill>
+                  <a:schemeClr val="bg1"/>
+                </a:solidFill>
+              </a:rPr>
+              <a:t>Schema</a:t>
+            </a:r>
+            <a:endParaRPr lang="de-DE" sz="2800" dirty="0">
+              <a:solidFill>
+                <a:schemeClr val="bg1"/>
+              </a:solidFill>
+            </a:endParaRPr>
+          </a:p>
+        </p:txBody>
+      </p:sp>
     </p:spTree>
     <p:extLst>
       <p:ext uri="{BB962C8B-B14F-4D97-AF65-F5344CB8AC3E}">
@@ -25995,6 +26610,13 @@
   <p:clrMapOvr>
     <a:masterClrMapping/>
   </p:clrMapOvr>
+  <p:timing>
+    <p:tnLst>
+      <p:par>
+        <p:cTn id="1" dur="indefinite" restart="never" nodeType="tmRoot"/>
+      </p:par>
+    </p:tnLst>
+  </p:timing>
 </p:sld>
 </file>
 
@@ -26755,6 +27377,13 @@
   <p:clrMapOvr>
     <a:masterClrMapping/>
   </p:clrMapOvr>
+  <p:timing>
+    <p:tnLst>
+      <p:par>
+        <p:cTn id="1" dur="indefinite" restart="never" nodeType="tmRoot"/>
+      </p:par>
+    </p:tnLst>
+  </p:timing>
 </p:sld>
 </file>
 
@@ -27805,6 +28434,13 @@
   <p:clrMapOvr>
     <a:masterClrMapping/>
   </p:clrMapOvr>
+  <p:timing>
+    <p:tnLst>
+      <p:par>
+        <p:cTn id="1" dur="indefinite" restart="never" nodeType="tmRoot"/>
+      </p:par>
+    </p:tnLst>
+  </p:timing>
 </p:sld>
 </file>
 
@@ -27958,6 +28594,13 @@
   <p:clrMapOvr>
     <a:masterClrMapping/>
   </p:clrMapOvr>
+  <p:timing>
+    <p:tnLst>
+      <p:par>
+        <p:cTn id="1" dur="indefinite" restart="never" nodeType="tmRoot"/>
+      </p:par>
+    </p:tnLst>
+  </p:timing>
 </p:sld>
 </file>
 
@@ -28090,6 +28733,13 @@
   <p:clrMapOvr>
     <a:masterClrMapping/>
   </p:clrMapOvr>
+  <p:timing>
+    <p:tnLst>
+      <p:par>
+        <p:cTn id="1" dur="indefinite" restart="never" nodeType="tmRoot"/>
+      </p:par>
+    </p:tnLst>
+  </p:timing>
 </p:sld>
 </file>
 
@@ -28224,15 +28874,15 @@
         </p:nvSpPr>
         <p:spPr>
           <a:xfrm>
-            <a:off x="3048000" y="2136339"/>
-            <a:ext cx="6096000" cy="2585323"/>
+            <a:off x="1476375" y="2984064"/>
+            <a:ext cx="4124325" cy="2585323"/>
           </a:xfrm>
           <a:prstGeom prst="rect">
             <a:avLst/>
           </a:prstGeom>
         </p:spPr>
         <p:txBody>
-          <a:bodyPr>
+          <a:bodyPr wrap="square">
             <a:spAutoFit/>
           </a:bodyPr>
           <a:lstStyle/>
@@ -28439,6 +29089,236 @@
               </a:solidFill>
               <a:effectLst/>
               <a:latin typeface="Fira Code" panose="020B0509050000020004" pitchFamily="49" charset="0"/>
+            </a:endParaRPr>
+          </a:p>
+        </p:txBody>
+      </p:sp>
+      <p:sp>
+        <p:nvSpPr>
+          <p:cNvPr id="5" name="Rechteck 4">
+            <a:extLst>
+              <a:ext uri="{FF2B5EF4-FFF2-40B4-BE49-F238E27FC236}">
+                <a16:creationId xmlns:a16="http://schemas.microsoft.com/office/drawing/2014/main" id="{5FD08E23-8BA9-4DA9-B317-140050312C18}"/>
+              </a:ext>
+            </a:extLst>
+          </p:cNvPr>
+          <p:cNvSpPr/>
+          <p:nvPr/>
+        </p:nvSpPr>
+        <p:spPr>
+          <a:xfrm>
+            <a:off x="6894309" y="2984064"/>
+            <a:ext cx="4545216" cy="923330"/>
+          </a:xfrm>
+          <a:prstGeom prst="rect">
+            <a:avLst/>
+          </a:prstGeom>
+        </p:spPr>
+        <p:txBody>
+          <a:bodyPr wrap="square">
+            <a:spAutoFit/>
+          </a:bodyPr>
+          <a:lstStyle/>
+          <a:p>
+            <a:r>
+              <a:rPr lang="de-DE">
+                <a:solidFill>
+                  <a:srgbClr val="FF79C6"/>
+                </a:solidFill>
+                <a:latin typeface="Fira Code" panose="020B0509050000020004" pitchFamily="49" charset="0"/>
+              </a:rPr>
+              <a:t>type</a:t>
+            </a:r>
+            <a:r>
+              <a:rPr lang="de-DE">
+                <a:solidFill>
+                  <a:srgbClr val="F8F8F2"/>
+                </a:solidFill>
+                <a:latin typeface="Fira Code" panose="020B0509050000020004" pitchFamily="49" charset="0"/>
+              </a:rPr>
+              <a:t> </a:t>
+            </a:r>
+            <a:r>
+              <a:rPr lang="de-DE" i="1" smtClean="0">
+                <a:solidFill>
+                  <a:srgbClr val="8BE9FD"/>
+                </a:solidFill>
+                <a:latin typeface="Fira Code" panose="020B0509050000020004" pitchFamily="49" charset="0"/>
+              </a:rPr>
+              <a:t>Subscription</a:t>
+            </a:r>
+            <a:r>
+              <a:rPr lang="de-DE" smtClean="0">
+                <a:solidFill>
+                  <a:srgbClr val="F8F8F2"/>
+                </a:solidFill>
+                <a:latin typeface="Fira Code" panose="020B0509050000020004" pitchFamily="49" charset="0"/>
+              </a:rPr>
+              <a:t> </a:t>
+            </a:r>
+            <a:r>
+              <a:rPr lang="de-DE" dirty="0">
+                <a:solidFill>
+                  <a:srgbClr val="F8F8F2"/>
+                </a:solidFill>
+                <a:latin typeface="Fira Code" panose="020B0509050000020004" pitchFamily="49" charset="0"/>
+              </a:rPr>
+              <a:t>{</a:t>
+            </a:r>
+          </a:p>
+          <a:p>
+            <a:r>
+              <a:rPr lang="de-DE">
+                <a:solidFill>
+                  <a:srgbClr val="F8F8F2"/>
+                </a:solidFill>
+                <a:latin typeface="Fira Code" panose="020B0509050000020004" pitchFamily="49" charset="0"/>
+              </a:rPr>
+              <a:t>    </a:t>
+            </a:r>
+            <a:r>
+              <a:rPr lang="de-DE" smtClean="0">
+                <a:solidFill>
+                  <a:srgbClr val="F8F8F2"/>
+                </a:solidFill>
+                <a:latin typeface="Fira Code" panose="020B0509050000020004" pitchFamily="49" charset="0"/>
+              </a:rPr>
+              <a:t>postAdded</a:t>
+            </a:r>
+            <a:r>
+              <a:rPr lang="de-DE" smtClean="0">
+                <a:solidFill>
+                  <a:srgbClr val="FF79C6"/>
+                </a:solidFill>
+                <a:latin typeface="Fira Code" panose="020B0509050000020004" pitchFamily="49" charset="0"/>
+              </a:rPr>
+              <a:t>:</a:t>
+            </a:r>
+            <a:r>
+              <a:rPr lang="de-DE" smtClean="0">
+                <a:solidFill>
+                  <a:srgbClr val="F8F8F2"/>
+                </a:solidFill>
+                <a:latin typeface="Fira Code" panose="020B0509050000020004" pitchFamily="49" charset="0"/>
+              </a:rPr>
+              <a:t> </a:t>
+            </a:r>
+            <a:r>
+              <a:rPr lang="de-DE" i="1" smtClean="0">
+                <a:solidFill>
+                  <a:srgbClr val="8BE9FD"/>
+                </a:solidFill>
+                <a:latin typeface="Fira Code" panose="020B0509050000020004" pitchFamily="49" charset="0"/>
+              </a:rPr>
+              <a:t>Post</a:t>
+            </a:r>
+            <a:endParaRPr lang="de-DE" dirty="0">
+              <a:solidFill>
+                <a:srgbClr val="F8F8F2"/>
+              </a:solidFill>
+              <a:latin typeface="Fira Code" panose="020B0509050000020004" pitchFamily="49" charset="0"/>
+            </a:endParaRPr>
+          </a:p>
+          <a:p>
+            <a:r>
+              <a:rPr lang="de-DE" smtClean="0">
+                <a:solidFill>
+                  <a:srgbClr val="F8F8F2"/>
+                </a:solidFill>
+                <a:latin typeface="Fira Code" panose="020B0509050000020004" pitchFamily="49" charset="0"/>
+              </a:rPr>
+              <a:t>}</a:t>
+            </a:r>
+            <a:endParaRPr lang="de-DE" dirty="0">
+              <a:solidFill>
+                <a:srgbClr val="F8F8F2"/>
+              </a:solidFill>
+              <a:latin typeface="Fira Code" panose="020B0509050000020004" pitchFamily="49" charset="0"/>
+            </a:endParaRPr>
+          </a:p>
+        </p:txBody>
+      </p:sp>
+      <p:sp>
+        <p:nvSpPr>
+          <p:cNvPr id="6" name="Textfeld 5">
+            <a:extLst>
+              <a:ext uri="{FF2B5EF4-FFF2-40B4-BE49-F238E27FC236}">
+                <a16:creationId xmlns:a16="http://schemas.microsoft.com/office/drawing/2014/main" id="{B3C89B06-EE7D-44D8-A605-79603E5D69A5}"/>
+              </a:ext>
+            </a:extLst>
+          </p:cNvPr>
+          <p:cNvSpPr txBox="1"/>
+          <p:nvPr/>
+        </p:nvSpPr>
+        <p:spPr>
+          <a:xfrm>
+            <a:off x="1800291" y="2150302"/>
+            <a:ext cx="1710925" cy="523220"/>
+          </a:xfrm>
+          <a:prstGeom prst="rect">
+            <a:avLst/>
+          </a:prstGeom>
+          <a:noFill/>
+        </p:spPr>
+        <p:txBody>
+          <a:bodyPr wrap="square" rtlCol="0">
+            <a:spAutoFit/>
+          </a:bodyPr>
+          <a:lstStyle/>
+          <a:p>
+            <a:pPr algn="ctr"/>
+            <a:r>
+              <a:rPr lang="de-DE" sz="2800" dirty="0">
+                <a:solidFill>
+                  <a:schemeClr val="bg1"/>
+                </a:solidFill>
+              </a:rPr>
+              <a:t>Query</a:t>
+            </a:r>
+          </a:p>
+        </p:txBody>
+      </p:sp>
+      <p:sp>
+        <p:nvSpPr>
+          <p:cNvPr id="7" name="Textfeld 6">
+            <a:extLst>
+              <a:ext uri="{FF2B5EF4-FFF2-40B4-BE49-F238E27FC236}">
+                <a16:creationId xmlns:a16="http://schemas.microsoft.com/office/drawing/2014/main" id="{B3C89B06-EE7D-44D8-A605-79603E5D69A5}"/>
+              </a:ext>
+            </a:extLst>
+          </p:cNvPr>
+          <p:cNvSpPr txBox="1"/>
+          <p:nvPr/>
+        </p:nvSpPr>
+        <p:spPr>
+          <a:xfrm>
+            <a:off x="7433075" y="2150302"/>
+            <a:ext cx="1710925" cy="523220"/>
+          </a:xfrm>
+          <a:prstGeom prst="rect">
+            <a:avLst/>
+          </a:prstGeom>
+          <a:noFill/>
+        </p:spPr>
+        <p:txBody>
+          <a:bodyPr wrap="square" rtlCol="0">
+            <a:spAutoFit/>
+          </a:bodyPr>
+          <a:lstStyle/>
+          <a:p>
+            <a:pPr algn="ctr"/>
+            <a:r>
+              <a:rPr lang="de-DE" sz="2800" smtClean="0">
+                <a:solidFill>
+                  <a:schemeClr val="bg1"/>
+                </a:solidFill>
+              </a:rPr>
+              <a:t>Schema</a:t>
+            </a:r>
+            <a:endParaRPr lang="de-DE" sz="2800" dirty="0">
+              <a:solidFill>
+                <a:schemeClr val="bg1"/>
+              </a:solidFill>
             </a:endParaRPr>
           </a:p>
         </p:txBody>
@@ -28453,6 +29333,13 @@
   <p:clrMapOvr>
     <a:masterClrMapping/>
   </p:clrMapOvr>
+  <p:timing>
+    <p:tnLst>
+      <p:par>
+        <p:cTn id="1" dur="indefinite" restart="never" nodeType="tmRoot"/>
+      </p:par>
+    </p:tnLst>
+  </p:timing>
 </p:sld>
 </file>
 
@@ -28606,6 +29493,13 @@
   <p:clrMapOvr>
     <a:masterClrMapping/>
   </p:clrMapOvr>
+  <p:timing>
+    <p:tnLst>
+      <p:par>
+        <p:cTn id="1" dur="indefinite" restart="never" nodeType="tmRoot"/>
+      </p:par>
+    </p:tnLst>
+  </p:timing>
 </p:sld>
 </file>
 
@@ -29097,6 +29991,13 @@
   <p:clrMapOvr>
     <a:masterClrMapping/>
   </p:clrMapOvr>
+  <p:timing>
+    <p:tnLst>
+      <p:par>
+        <p:cTn id="1" dur="indefinite" restart="never" nodeType="tmRoot"/>
+      </p:par>
+    </p:tnLst>
+  </p:timing>
 </p:sld>
 </file>
 
@@ -30469,6 +31370,13 @@
   <p:clrMapOvr>
     <a:masterClrMapping/>
   </p:clrMapOvr>
+  <p:timing>
+    <p:tnLst>
+      <p:par>
+        <p:cTn id="1" dur="indefinite" restart="never" nodeType="tmRoot"/>
+      </p:par>
+    </p:tnLst>
+  </p:timing>
 </p:sld>
 </file>
 
@@ -30777,6 +31685,13 @@
   <p:clrMapOvr>
     <a:masterClrMapping/>
   </p:clrMapOvr>
+  <p:timing>
+    <p:tnLst>
+      <p:par>
+        <p:cTn id="1" dur="indefinite" restart="never" nodeType="tmRoot"/>
+      </p:par>
+    </p:tnLst>
+  </p:timing>
 </p:sld>
 </file>
 
@@ -31013,6 +31928,13 @@
   <p:clrMapOvr>
     <a:masterClrMapping/>
   </p:clrMapOvr>
+  <p:timing>
+    <p:tnLst>
+      <p:par>
+        <p:cTn id="1" dur="indefinite" restart="never" nodeType="tmRoot"/>
+      </p:par>
+    </p:tnLst>
+  </p:timing>
 </p:sld>
 </file>
 
@@ -31317,6 +32239,13 @@
   <p:clrMapOvr>
     <a:masterClrMapping/>
   </p:clrMapOvr>
+  <p:timing>
+    <p:tnLst>
+      <p:par>
+        <p:cTn id="1" dur="indefinite" restart="never" nodeType="tmRoot"/>
+      </p:par>
+    </p:tnLst>
+  </p:timing>
 </p:sld>
 </file>
 
@@ -31670,6 +32599,13 @@
   <p:clrMapOvr>
     <a:masterClrMapping/>
   </p:clrMapOvr>
+  <p:timing>
+    <p:tnLst>
+      <p:par>
+        <p:cTn id="1" dur="indefinite" restart="never" nodeType="tmRoot"/>
+      </p:par>
+    </p:tnLst>
+  </p:timing>
 </p:sld>
 </file>
 
@@ -32039,6 +32975,13 @@
   <p:clrMapOvr>
     <a:masterClrMapping/>
   </p:clrMapOvr>
+  <p:timing>
+    <p:tnLst>
+      <p:par>
+        <p:cTn id="1" dur="indefinite" restart="never" nodeType="tmRoot"/>
+      </p:par>
+    </p:tnLst>
+  </p:timing>
 </p:sld>
 </file>
 
@@ -32216,6 +33159,13 @@
   <p:clrMapOvr>
     <a:masterClrMapping/>
   </p:clrMapOvr>
+  <p:timing>
+    <p:tnLst>
+      <p:par>
+        <p:cTn id="1" dur="indefinite" restart="never" nodeType="tmRoot"/>
+      </p:par>
+    </p:tnLst>
+  </p:timing>
 </p:sld>
 </file>
 
@@ -32384,7 +33334,7 @@
                 <a:hlinkClick r:id="rId4">
                   <a:extLst>
                     <a:ext uri="{A12FA001-AC4F-418D-AE19-62706E023703}">
-                      <ahyp:hlinkClr xmlns:ahyp="http://schemas.microsoft.com/office/drawing/2018/hyperlinkcolor" val="tx"/>
+                      <ahyp:hlinkClr xmlns:ahyp="http://schemas.microsoft.com/office/drawing/2018/hyperlinkcolor" xmlns="" val="tx"/>
                     </a:ext>
                   </a:extLst>
                 </a:hlinkClick>
@@ -32434,7 +33384,7 @@
                 <a:hlinkClick r:id="rId5">
                   <a:extLst>
                     <a:ext uri="{A12FA001-AC4F-418D-AE19-62706E023703}">
-                      <ahyp:hlinkClr xmlns:ahyp="http://schemas.microsoft.com/office/drawing/2018/hyperlinkcolor" val="tx"/>
+                      <ahyp:hlinkClr xmlns:ahyp="http://schemas.microsoft.com/office/drawing/2018/hyperlinkcolor" xmlns="" val="tx"/>
                     </a:ext>
                   </a:extLst>
                 </a:hlinkClick>
@@ -32484,7 +33434,7 @@
                 <a:hlinkClick r:id="rId6">
                   <a:extLst>
                     <a:ext uri="{A12FA001-AC4F-418D-AE19-62706E023703}">
-                      <ahyp:hlinkClr xmlns:ahyp="http://schemas.microsoft.com/office/drawing/2018/hyperlinkcolor" val="tx"/>
+                      <ahyp:hlinkClr xmlns:ahyp="http://schemas.microsoft.com/office/drawing/2018/hyperlinkcolor" xmlns="" val="tx"/>
                     </a:ext>
                   </a:extLst>
                 </a:hlinkClick>
@@ -32534,7 +33484,7 @@
                 <a:hlinkClick r:id="rId7">
                   <a:extLst>
                     <a:ext uri="{A12FA001-AC4F-418D-AE19-62706E023703}">
-                      <ahyp:hlinkClr xmlns:ahyp="http://schemas.microsoft.com/office/drawing/2018/hyperlinkcolor" val="tx"/>
+                      <ahyp:hlinkClr xmlns:ahyp="http://schemas.microsoft.com/office/drawing/2018/hyperlinkcolor" xmlns="" val="tx"/>
                     </a:ext>
                   </a:extLst>
                 </a:hlinkClick>
@@ -32559,6 +33509,13 @@
   <p:clrMapOvr>
     <a:masterClrMapping/>
   </p:clrMapOvr>
+  <p:timing>
+    <p:tnLst>
+      <p:par>
+        <p:cTn id="1" dur="indefinite" restart="never" nodeType="tmRoot"/>
+      </p:par>
+    </p:tnLst>
+  </p:timing>
 </p:sld>
 </file>
 
@@ -32623,6 +33580,14 @@
               </a:rPr>
               <a:t>Credits</a:t>
             </a:r>
+            <a:r>
+              <a:rPr lang="de-DE" dirty="0">
+                <a:solidFill>
+                  <a:schemeClr val="bg1"/>
+                </a:solidFill>
+              </a:rPr>
+              <a:t/>
+            </a:r>
             <a:br>
               <a:rPr lang="de-DE" dirty="0">
                 <a:solidFill>
@@ -32630,6 +33595,14 @@
                 </a:solidFill>
               </a:rPr>
             </a:br>
+            <a:r>
+              <a:rPr lang="de-DE" dirty="0">
+                <a:solidFill>
+                  <a:schemeClr val="bg1"/>
+                </a:solidFill>
+              </a:rPr>
+              <a:t/>
+            </a:r>
             <a:br>
               <a:rPr lang="de-DE" dirty="0">
                 <a:solidFill>
@@ -32652,6 +33625,14 @@
                 </a:solidFill>
               </a:rPr>
               <a:t>:</a:t>
+            </a:r>
+            <a:r>
+              <a:rPr lang="de-DE" dirty="0">
+                <a:solidFill>
+                  <a:schemeClr val="bg1"/>
+                </a:solidFill>
+              </a:rPr>
+              <a:t/>
             </a:r>
             <a:br>
               <a:rPr lang="de-DE" dirty="0">
@@ -32808,6 +33789,13 @@
   <p:clrMapOvr>
     <a:masterClrMapping/>
   </p:clrMapOvr>
+  <p:timing>
+    <p:tnLst>
+      <p:par>
+        <p:cTn id="1" dur="indefinite" restart="never" nodeType="tmRoot"/>
+      </p:par>
+    </p:tnLst>
+  </p:timing>
 </p:sld>
 </file>
 
@@ -33309,6 +34297,13 @@
   <p:clrMapOvr>
     <a:masterClrMapping/>
   </p:clrMapOvr>
+  <p:timing>
+    <p:tnLst>
+      <p:par>
+        <p:cTn id="1" dur="indefinite" restart="never" nodeType="tmRoot"/>
+      </p:par>
+    </p:tnLst>
+  </p:timing>
 </p:sld>
 </file>
 
@@ -33712,7 +34707,7 @@
                 <a:hlinkClick r:id="rId2">
                   <a:extLst>
                     <a:ext uri="{A12FA001-AC4F-418D-AE19-62706E023703}">
-                      <ahyp:hlinkClr xmlns:ahyp="http://schemas.microsoft.com/office/drawing/2018/hyperlinkcolor" val="tx"/>
+                      <ahyp:hlinkClr xmlns:ahyp="http://schemas.microsoft.com/office/drawing/2018/hyperlinkcolor" xmlns="" val="tx"/>
                     </a:ext>
                   </a:extLst>
                 </a:hlinkClick>
@@ -33742,13 +34737,13 @@
           <p:nvPr/>
         </p:nvPicPr>
         <p:blipFill>
-          <a:blip r:embed="rId3">
+          <a:blip r:embed="rId3" cstate="hqprint">
             <a:extLst>
               <a:ext uri="{28A0092B-C50C-407E-A947-70E740481C1C}">
                 <a14:useLocalDpi xmlns:a14="http://schemas.microsoft.com/office/drawing/2010/main" val="0"/>
               </a:ext>
               <a:ext uri="{96DAC541-7B7A-43D3-8B79-37D633B846F1}">
-                <asvg:svgBlip xmlns:asvg="http://schemas.microsoft.com/office/drawing/2016/SVG/main" r:embed="rId4"/>
+                <asvg:svgBlip xmlns:asvg="http://schemas.microsoft.com/office/drawing/2016/SVG/main" xmlns="" r:embed="rId4"/>
               </a:ext>
             </a:extLst>
           </a:blip>
@@ -33801,7 +34796,7 @@
                 <a:hlinkClick r:id="rId5">
                   <a:extLst>
                     <a:ext uri="{A12FA001-AC4F-418D-AE19-62706E023703}">
-                      <ahyp:hlinkClr xmlns:ahyp="http://schemas.microsoft.com/office/drawing/2018/hyperlinkcolor" val="tx"/>
+                      <ahyp:hlinkClr xmlns:ahyp="http://schemas.microsoft.com/office/drawing/2018/hyperlinkcolor" xmlns="" val="tx"/>
                     </a:ext>
                   </a:extLst>
                 </a:hlinkClick>
@@ -33831,13 +34826,13 @@
           <p:nvPr/>
         </p:nvPicPr>
         <p:blipFill>
-          <a:blip r:embed="rId6">
+          <a:blip r:embed="rId6" cstate="hqprint">
             <a:extLst>
               <a:ext uri="{28A0092B-C50C-407E-A947-70E740481C1C}">
                 <a14:useLocalDpi xmlns:a14="http://schemas.microsoft.com/office/drawing/2010/main" val="0"/>
               </a:ext>
               <a:ext uri="{96DAC541-7B7A-43D3-8B79-37D633B846F1}">
-                <asvg:svgBlip xmlns:asvg="http://schemas.microsoft.com/office/drawing/2016/SVG/main" r:embed="rId7"/>
+                <asvg:svgBlip xmlns:asvg="http://schemas.microsoft.com/office/drawing/2016/SVG/main" xmlns="" r:embed="rId7"/>
               </a:ext>
             </a:extLst>
           </a:blip>
@@ -33870,13 +34865,13 @@
           <p:nvPr/>
         </p:nvPicPr>
         <p:blipFill>
-          <a:blip r:embed="rId8">
+          <a:blip r:embed="rId8" cstate="hqprint">
             <a:extLst>
               <a:ext uri="{28A0092B-C50C-407E-A947-70E740481C1C}">
                 <a14:useLocalDpi xmlns:a14="http://schemas.microsoft.com/office/drawing/2010/main" val="0"/>
               </a:ext>
               <a:ext uri="{96DAC541-7B7A-43D3-8B79-37D633B846F1}">
-                <asvg:svgBlip xmlns:asvg="http://schemas.microsoft.com/office/drawing/2016/SVG/main" r:embed="rId9"/>
+                <asvg:svgBlip xmlns:asvg="http://schemas.microsoft.com/office/drawing/2016/SVG/main" xmlns="" r:embed="rId9"/>
               </a:ext>
             </a:extLst>
           </a:blip>
@@ -33909,13 +34904,13 @@
           <p:nvPr/>
         </p:nvPicPr>
         <p:blipFill>
-          <a:blip r:embed="rId10">
+          <a:blip r:embed="rId10" cstate="hqprint">
             <a:extLst>
               <a:ext uri="{28A0092B-C50C-407E-A947-70E740481C1C}">
                 <a14:useLocalDpi xmlns:a14="http://schemas.microsoft.com/office/drawing/2010/main" val="0"/>
               </a:ext>
               <a:ext uri="{96DAC541-7B7A-43D3-8B79-37D633B846F1}">
-                <asvg:svgBlip xmlns:asvg="http://schemas.microsoft.com/office/drawing/2016/SVG/main" r:embed="rId11"/>
+                <asvg:svgBlip xmlns:asvg="http://schemas.microsoft.com/office/drawing/2016/SVG/main" xmlns="" r:embed="rId11"/>
               </a:ext>
             </a:extLst>
           </a:blip>
@@ -33948,13 +34943,13 @@
           <p:nvPr/>
         </p:nvPicPr>
         <p:blipFill>
-          <a:blip r:embed="rId12">
+          <a:blip r:embed="rId12" cstate="hqprint">
             <a:extLst>
               <a:ext uri="{28A0092B-C50C-407E-A947-70E740481C1C}">
                 <a14:useLocalDpi xmlns:a14="http://schemas.microsoft.com/office/drawing/2010/main" val="0"/>
               </a:ext>
               <a:ext uri="{96DAC541-7B7A-43D3-8B79-37D633B846F1}">
-                <asvg:svgBlip xmlns:asvg="http://schemas.microsoft.com/office/drawing/2016/SVG/main" r:embed="rId13"/>
+                <asvg:svgBlip xmlns:asvg="http://schemas.microsoft.com/office/drawing/2016/SVG/main" xmlns="" r:embed="rId13"/>
               </a:ext>
             </a:extLst>
           </a:blip>
@@ -34444,13 +35439,13 @@
           <p:nvPr/>
         </p:nvPicPr>
         <p:blipFill>
-          <a:blip r:embed="rId3">
+          <a:blip r:embed="rId3" cstate="hqprint">
             <a:extLst>
               <a:ext uri="{28A0092B-C50C-407E-A947-70E740481C1C}">
                 <a14:useLocalDpi xmlns:a14="http://schemas.microsoft.com/office/drawing/2010/main" val="0"/>
               </a:ext>
               <a:ext uri="{96DAC541-7B7A-43D3-8B79-37D633B846F1}">
-                <asvg:svgBlip xmlns:asvg="http://schemas.microsoft.com/office/drawing/2016/SVG/main" r:embed="rId4"/>
+                <asvg:svgBlip xmlns:asvg="http://schemas.microsoft.com/office/drawing/2016/SVG/main" xmlns="" r:embed="rId4"/>
               </a:ext>
             </a:extLst>
           </a:blip>
@@ -35168,6 +36163,13 @@
   <p:clrMapOvr>
     <a:masterClrMapping/>
   </p:clrMapOvr>
+  <p:timing>
+    <p:tnLst>
+      <p:par>
+        <p:cTn id="1" dur="indefinite" restart="never" nodeType="tmRoot"/>
+      </p:par>
+    </p:tnLst>
+  </p:timing>
 </p:sld>
 </file>
 

--- a/slides/GraphqlSlides.pptx
+++ b/slides/GraphqlSlides.pptx
@@ -5,7 +5,7 @@
     <p:sldMasterId id="2147483648" r:id="rId1"/>
   </p:sldMasterIdLst>
   <p:notesMasterIdLst>
-    <p:notesMasterId r:id="rId57"/>
+    <p:notesMasterId r:id="rId60"/>
   </p:notesMasterIdLst>
   <p:sldIdLst>
     <p:sldId id="256" r:id="rId2"/>
@@ -58,11 +58,14 @@
     <p:sldId id="276" r:id="rId49"/>
     <p:sldId id="268" r:id="rId50"/>
     <p:sldId id="330" r:id="rId51"/>
-    <p:sldId id="337" r:id="rId52"/>
-    <p:sldId id="339" r:id="rId53"/>
-    <p:sldId id="280" r:id="rId54"/>
-    <p:sldId id="326" r:id="rId55"/>
-    <p:sldId id="270" r:id="rId56"/>
+    <p:sldId id="341" r:id="rId52"/>
+    <p:sldId id="343" r:id="rId53"/>
+    <p:sldId id="340" r:id="rId54"/>
+    <p:sldId id="337" r:id="rId55"/>
+    <p:sldId id="339" r:id="rId56"/>
+    <p:sldId id="280" r:id="rId57"/>
+    <p:sldId id="326" r:id="rId58"/>
+    <p:sldId id="270" r:id="rId59"/>
   </p:sldIdLst>
   <p:sldSz cx="12192000" cy="6858000"/>
   <p:notesSz cx="6858000" cy="9144000"/>
@@ -3439,25 +3442,57 @@
           <a:lstStyle/>
           <a:p>
             <a:r>
+              <a:rPr lang="de-DE" dirty="0"/>
+              <a:t>Im Gegensatz zu Rest verwendet </a:t>
+            </a:r>
+            <a:r>
               <a:rPr lang="de-DE" dirty="0" err="1"/>
-              <a:t>Repo</a:t>
+              <a:t>GraphQL</a:t>
             </a:r>
             <a:r>
               <a:rPr lang="de-DE" dirty="0"/>
-              <a:t> link, verwendete </a:t>
+              <a:t> nur einen HTTP Status code. Liefert im Fehlerfall also zum Beispiel keine 404 zurück. Das macht die die Fehlerbehandlung etwas komplexer, da kein direktes Feedback vom Server zurück kommt. Stattdessen wird eine Fehlermeldung in der </a:t>
             </a:r>
             <a:r>
               <a:rPr lang="de-DE" dirty="0" err="1"/>
-              <a:t>frameworks</a:t>
+              <a:t>Antwortjson</a:t>
             </a:r>
             <a:r>
               <a:rPr lang="de-DE" dirty="0"/>
-              <a:t>, </a:t>
+              <a:t> </a:t>
             </a:r>
             <a:r>
               <a:rPr lang="de-DE" dirty="0" err="1"/>
-              <a:t>docu</a:t>
-            </a:r>
+              <a:t>gewrappt</a:t>
+            </a:r>
+            <a:r>
+              <a:rPr lang="de-DE" dirty="0"/>
+              <a:t> und es muss im </a:t>
+            </a:r>
+            <a:r>
+              <a:rPr lang="de-DE" dirty="0" err="1"/>
+              <a:t>client</a:t>
+            </a:r>
+            <a:r>
+              <a:rPr lang="de-DE" dirty="0"/>
+              <a:t> entsprechend darauf reagiert werden</a:t>
+            </a:r>
+          </a:p>
+          <a:p>
+            <a:r>
+              <a:rPr lang="de-DE" dirty="0"/>
+              <a:t>Begründung, </a:t>
+            </a:r>
+            <a:r>
+              <a:rPr lang="de-DE" dirty="0" err="1"/>
+              <a:t>GraphQL</a:t>
+            </a:r>
+            <a:r>
+              <a:rPr lang="de-DE" dirty="0"/>
+              <a:t> ist ja Protokoll agnostisch, könnte theoretisch auch ohne http eingesetzt werden, deshalb kann auch nicht drauf eingegangen werden</a:t>
+            </a:r>
+          </a:p>
+          <a:p>
             <a:endParaRPr lang="de-DE" dirty="0"/>
           </a:p>
         </p:txBody>
@@ -3479,7 +3514,247 @@
           <a:p>
             <a:fld id="{4951A4F0-27A8-4C6D-A90A-FB4CDD31FFC6}" type="slidenum">
               <a:rPr lang="de-DE" smtClean="0"/>
-              <a:t>54</a:t>
+              <a:t>51</a:t>
+            </a:fld>
+            <a:endParaRPr lang="de-DE"/>
+          </a:p>
+        </p:txBody>
+      </p:sp>
+    </p:spTree>
+    <p:extLst>
+      <p:ext uri="{BB962C8B-B14F-4D97-AF65-F5344CB8AC3E}">
+        <p14:creationId xmlns:p14="http://schemas.microsoft.com/office/powerpoint/2010/main" val="2144589463"/>
+      </p:ext>
+    </p:extLst>
+  </p:cSld>
+  <p:clrMapOvr>
+    <a:masterClrMapping/>
+  </p:clrMapOvr>
+</p:notes>
+</file>
+
+<file path=ppt/notesSlides/notesSlide28.xml><?xml version="1.0" encoding="utf-8"?>
+<p:notes xmlns:a="http://schemas.openxmlformats.org/drawingml/2006/main" xmlns:r="http://schemas.openxmlformats.org/officeDocument/2006/relationships" xmlns:p="http://schemas.openxmlformats.org/presentationml/2006/main">
+  <p:cSld>
+    <p:spTree>
+      <p:nvGrpSpPr>
+        <p:cNvPr id="1" name=""/>
+        <p:cNvGrpSpPr/>
+        <p:nvPr/>
+      </p:nvGrpSpPr>
+      <p:grpSpPr>
+        <a:xfrm>
+          <a:off x="0" y="0"/>
+          <a:ext cx="0" cy="0"/>
+          <a:chOff x="0" y="0"/>
+          <a:chExt cx="0" cy="0"/>
+        </a:xfrm>
+      </p:grpSpPr>
+      <p:sp>
+        <p:nvSpPr>
+          <p:cNvPr id="2" name="Folienbildplatzhalter 1"/>
+          <p:cNvSpPr>
+            <a:spLocks noGrp="1" noRot="1" noChangeAspect="1"/>
+          </p:cNvSpPr>
+          <p:nvPr>
+            <p:ph type="sldImg"/>
+          </p:nvPr>
+        </p:nvSpPr>
+        <p:spPr/>
+      </p:sp>
+      <p:sp>
+        <p:nvSpPr>
+          <p:cNvPr id="3" name="Notizenplatzhalter 2"/>
+          <p:cNvSpPr>
+            <a:spLocks noGrp="1"/>
+          </p:cNvSpPr>
+          <p:nvPr>
+            <p:ph type="body" idx="1"/>
+          </p:nvPr>
+        </p:nvSpPr>
+        <p:spPr/>
+        <p:txBody>
+          <a:bodyPr/>
+          <a:lstStyle/>
+          <a:p>
+            <a:r>
+              <a:rPr lang="de-DE" dirty="0"/>
+              <a:t>Im Gegensatz zu Rest verwendet </a:t>
+            </a:r>
+            <a:r>
+              <a:rPr lang="de-DE" dirty="0" err="1"/>
+              <a:t>GraphQL</a:t>
+            </a:r>
+            <a:r>
+              <a:rPr lang="de-DE" dirty="0"/>
+              <a:t> nur einen HTTP Status code. Liefert im Fehlerfall also zum Beispiel keine 404 zurück. Das macht die die Fehlerbehandlung etwas komplexer, da kein direktes Feedback vom Server zurück kommt. Stattdessen wird eine Fehlermeldung in der </a:t>
+            </a:r>
+            <a:r>
+              <a:rPr lang="de-DE" dirty="0" err="1"/>
+              <a:t>Antwortjson</a:t>
+            </a:r>
+            <a:r>
+              <a:rPr lang="de-DE" dirty="0"/>
+              <a:t> </a:t>
+            </a:r>
+            <a:r>
+              <a:rPr lang="de-DE" dirty="0" err="1"/>
+              <a:t>gewrappt</a:t>
+            </a:r>
+            <a:r>
+              <a:rPr lang="de-DE" dirty="0"/>
+              <a:t> und es muss im </a:t>
+            </a:r>
+            <a:r>
+              <a:rPr lang="de-DE" dirty="0" err="1"/>
+              <a:t>client</a:t>
+            </a:r>
+            <a:r>
+              <a:rPr lang="de-DE" dirty="0"/>
+              <a:t> entsprechend darauf reagiert werden</a:t>
+            </a:r>
+          </a:p>
+          <a:p>
+            <a:r>
+              <a:rPr lang="de-DE" dirty="0"/>
+              <a:t>Begründung, </a:t>
+            </a:r>
+            <a:r>
+              <a:rPr lang="de-DE" dirty="0" err="1"/>
+              <a:t>GraphQL</a:t>
+            </a:r>
+            <a:r>
+              <a:rPr lang="de-DE" dirty="0"/>
+              <a:t> ist ja Protokoll agnostisch, könnte theoretisch auch ohne http eingesetzt werden, deshalb kann auch nicht drauf eingegangen werden</a:t>
+            </a:r>
+          </a:p>
+          <a:p>
+            <a:endParaRPr lang="de-DE" dirty="0"/>
+          </a:p>
+        </p:txBody>
+      </p:sp>
+      <p:sp>
+        <p:nvSpPr>
+          <p:cNvPr id="4" name="Foliennummernplatzhalter 3"/>
+          <p:cNvSpPr>
+            <a:spLocks noGrp="1"/>
+          </p:cNvSpPr>
+          <p:nvPr>
+            <p:ph type="sldNum" sz="quarter" idx="5"/>
+          </p:nvPr>
+        </p:nvSpPr>
+        <p:spPr/>
+        <p:txBody>
+          <a:bodyPr/>
+          <a:lstStyle/>
+          <a:p>
+            <a:fld id="{4951A4F0-27A8-4C6D-A90A-FB4CDD31FFC6}" type="slidenum">
+              <a:rPr lang="de-DE" smtClean="0"/>
+              <a:t>53</a:t>
+            </a:fld>
+            <a:endParaRPr lang="de-DE"/>
+          </a:p>
+        </p:txBody>
+      </p:sp>
+    </p:spTree>
+    <p:extLst>
+      <p:ext uri="{BB962C8B-B14F-4D97-AF65-F5344CB8AC3E}">
+        <p14:creationId xmlns:p14="http://schemas.microsoft.com/office/powerpoint/2010/main" val="2419900930"/>
+      </p:ext>
+    </p:extLst>
+  </p:cSld>
+  <p:clrMapOvr>
+    <a:masterClrMapping/>
+  </p:clrMapOvr>
+</p:notes>
+</file>
+
+<file path=ppt/notesSlides/notesSlide29.xml><?xml version="1.0" encoding="utf-8"?>
+<p:notes xmlns:a="http://schemas.openxmlformats.org/drawingml/2006/main" xmlns:r="http://schemas.openxmlformats.org/officeDocument/2006/relationships" xmlns:p="http://schemas.openxmlformats.org/presentationml/2006/main">
+  <p:cSld>
+    <p:spTree>
+      <p:nvGrpSpPr>
+        <p:cNvPr id="1" name=""/>
+        <p:cNvGrpSpPr/>
+        <p:nvPr/>
+      </p:nvGrpSpPr>
+      <p:grpSpPr>
+        <a:xfrm>
+          <a:off x="0" y="0"/>
+          <a:ext cx="0" cy="0"/>
+          <a:chOff x="0" y="0"/>
+          <a:chExt cx="0" cy="0"/>
+        </a:xfrm>
+      </p:grpSpPr>
+      <p:sp>
+        <p:nvSpPr>
+          <p:cNvPr id="2" name="Folienbildplatzhalter 1"/>
+          <p:cNvSpPr>
+            <a:spLocks noGrp="1" noRot="1" noChangeAspect="1"/>
+          </p:cNvSpPr>
+          <p:nvPr>
+            <p:ph type="sldImg"/>
+          </p:nvPr>
+        </p:nvSpPr>
+        <p:spPr/>
+      </p:sp>
+      <p:sp>
+        <p:nvSpPr>
+          <p:cNvPr id="3" name="Notizenplatzhalter 2"/>
+          <p:cNvSpPr>
+            <a:spLocks noGrp="1"/>
+          </p:cNvSpPr>
+          <p:nvPr>
+            <p:ph type="body" idx="1"/>
+          </p:nvPr>
+        </p:nvSpPr>
+        <p:spPr/>
+        <p:txBody>
+          <a:bodyPr/>
+          <a:lstStyle/>
+          <a:p>
+            <a:r>
+              <a:rPr lang="de-DE" dirty="0" err="1"/>
+              <a:t>Repo</a:t>
+            </a:r>
+            <a:r>
+              <a:rPr lang="de-DE" dirty="0"/>
+              <a:t> link, verwendete </a:t>
+            </a:r>
+            <a:r>
+              <a:rPr lang="de-DE" dirty="0" err="1"/>
+              <a:t>frameworks</a:t>
+            </a:r>
+            <a:r>
+              <a:rPr lang="de-DE" dirty="0"/>
+              <a:t>, </a:t>
+            </a:r>
+            <a:r>
+              <a:rPr lang="de-DE" dirty="0" err="1"/>
+              <a:t>docu</a:t>
+            </a:r>
+            <a:endParaRPr lang="de-DE" dirty="0"/>
+          </a:p>
+        </p:txBody>
+      </p:sp>
+      <p:sp>
+        <p:nvSpPr>
+          <p:cNvPr id="4" name="Foliennummernplatzhalter 3"/>
+          <p:cNvSpPr>
+            <a:spLocks noGrp="1"/>
+          </p:cNvSpPr>
+          <p:nvPr>
+            <p:ph type="sldNum" sz="quarter" idx="5"/>
+          </p:nvPr>
+        </p:nvSpPr>
+        <p:spPr/>
+        <p:txBody>
+          <a:bodyPr/>
+          <a:lstStyle/>
+          <a:p>
+            <a:fld id="{4951A4F0-27A8-4C6D-A90A-FB4CDD31FFC6}" type="slidenum">
+              <a:rPr lang="de-DE" smtClean="0"/>
+              <a:t>57</a:t>
             </a:fld>
             <a:endParaRPr lang="de-DE"/>
           </a:p>
@@ -7477,7 +7752,7 @@
                 <a14:useLocalDpi xmlns:a14="http://schemas.microsoft.com/office/drawing/2010/main" val="0"/>
               </a:ext>
               <a:ext uri="{96DAC541-7B7A-43D3-8B79-37D633B846F1}">
-                <asvg:svgBlip xmlns:asvg="http://schemas.microsoft.com/office/drawing/2016/SVG/main" xmlns="" r:embed="rId4"/>
+                <asvg:svgBlip xmlns="" xmlns:asvg="http://schemas.microsoft.com/office/drawing/2016/SVG/main" r:embed="rId4"/>
               </a:ext>
             </a:extLst>
           </a:blip>
@@ -13702,7 +13977,7 @@
                 <a14:useLocalDpi xmlns:a14="http://schemas.microsoft.com/office/drawing/2010/main" val="0"/>
               </a:ext>
               <a:ext uri="{96DAC541-7B7A-43D3-8B79-37D633B846F1}">
-                <asvg:svgBlip xmlns:asvg="http://schemas.microsoft.com/office/drawing/2016/SVG/main" xmlns="" r:embed="rId6"/>
+                <asvg:svgBlip xmlns="" xmlns:asvg="http://schemas.microsoft.com/office/drawing/2016/SVG/main" r:embed="rId6"/>
               </a:ext>
             </a:extLst>
           </a:blip>
@@ -13741,7 +14016,7 @@
                 <a14:useLocalDpi xmlns:a14="http://schemas.microsoft.com/office/drawing/2010/main" val="0"/>
               </a:ext>
               <a:ext uri="{96DAC541-7B7A-43D3-8B79-37D633B846F1}">
-                <asvg:svgBlip xmlns:asvg="http://schemas.microsoft.com/office/drawing/2016/SVG/main" xmlns="" r:embed="rId6"/>
+                <asvg:svgBlip xmlns="" xmlns:asvg="http://schemas.microsoft.com/office/drawing/2016/SVG/main" r:embed="rId6"/>
               </a:ext>
             </a:extLst>
           </a:blip>
@@ -20144,11 +20419,11 @@
   <p:clrMapOvr>
     <a:masterClrMapping/>
   </p:clrMapOvr>
-  <mc:AlternateContent xmlns:mc="http://schemas.openxmlformats.org/markup-compatibility/2006">
-    <mc:Choice xmlns:p14="http://schemas.microsoft.com/office/powerpoint/2010/main" Requires="p14">
+  <mc:AlternateContent xmlns:mc="http://schemas.openxmlformats.org/markup-compatibility/2006" xmlns:p14="http://schemas.microsoft.com/office/powerpoint/2010/main">
+    <mc:Choice Requires="p14">
       <p:transition spd="slow" p14:dur="2000"/>
     </mc:Choice>
-    <mc:Fallback>
+    <mc:Fallback xmlns="">
       <p:transition spd="slow"/>
     </mc:Fallback>
   </mc:AlternateContent>
@@ -20292,7 +20567,7 @@
                 <a14:useLocalDpi xmlns:a14="http://schemas.microsoft.com/office/drawing/2010/main" val="0"/>
               </a:ext>
               <a:ext uri="{96DAC541-7B7A-43D3-8B79-37D633B846F1}">
-                <asvg:svgBlip xmlns:asvg="http://schemas.microsoft.com/office/drawing/2016/SVG/main" xmlns="" r:embed="rId5"/>
+                <asvg:svgBlip xmlns="" xmlns:asvg="http://schemas.microsoft.com/office/drawing/2016/SVG/main" r:embed="rId5"/>
               </a:ext>
             </a:extLst>
           </a:blip>
@@ -20331,7 +20606,7 @@
                 <a14:useLocalDpi xmlns:a14="http://schemas.microsoft.com/office/drawing/2010/main" val="0"/>
               </a:ext>
               <a:ext uri="{96DAC541-7B7A-43D3-8B79-37D633B846F1}">
-                <asvg:svgBlip xmlns:asvg="http://schemas.microsoft.com/office/drawing/2016/SVG/main" xmlns="" r:embed="rId7"/>
+                <asvg:svgBlip xmlns="" xmlns:asvg="http://schemas.microsoft.com/office/drawing/2016/SVG/main" r:embed="rId7"/>
               </a:ext>
             </a:extLst>
           </a:blip>
@@ -21579,11 +21854,11 @@
   <p:clrMapOvr>
     <a:masterClrMapping/>
   </p:clrMapOvr>
-  <mc:AlternateContent xmlns:mc="http://schemas.openxmlformats.org/markup-compatibility/2006">
-    <mc:Choice xmlns:p14="http://schemas.microsoft.com/office/powerpoint/2010/main" Requires="p14">
+  <mc:AlternateContent xmlns:mc="http://schemas.openxmlformats.org/markup-compatibility/2006" xmlns:p14="http://schemas.microsoft.com/office/powerpoint/2010/main">
+    <mc:Choice Requires="p14">
       <p:transition spd="slow" p14:dur="2000"/>
     </mc:Choice>
-    <mc:Fallback>
+    <mc:Fallback xmlns="">
       <p:transition spd="slow"/>
     </mc:Fallback>
   </mc:AlternateContent>
@@ -22457,11 +22732,11 @@
   <p:clrMapOvr>
     <a:masterClrMapping/>
   </p:clrMapOvr>
-  <mc:AlternateContent xmlns:mc="http://schemas.openxmlformats.org/markup-compatibility/2006">
-    <mc:Choice xmlns:p14="http://schemas.microsoft.com/office/powerpoint/2010/main" Requires="p14">
+  <mc:AlternateContent xmlns:mc="http://schemas.openxmlformats.org/markup-compatibility/2006" xmlns:p14="http://schemas.microsoft.com/office/powerpoint/2010/main">
+    <mc:Choice Requires="p14">
       <p:transition spd="slow" p14:dur="2000"/>
     </mc:Choice>
-    <mc:Fallback>
+    <mc:Fallback xmlns="">
       <p:transition spd="slow"/>
     </mc:Fallback>
   </mc:AlternateContent>
@@ -22554,7 +22829,7 @@
                 <a14:useLocalDpi xmlns:a14="http://schemas.microsoft.com/office/drawing/2010/main" val="0"/>
               </a:ext>
               <a:ext uri="{96DAC541-7B7A-43D3-8B79-37D633B846F1}">
-                <asvg:svgBlip xmlns:asvg="http://schemas.microsoft.com/office/drawing/2016/SVG/main" xmlns="" r:embed="rId3"/>
+                <asvg:svgBlip xmlns="" xmlns:asvg="http://schemas.microsoft.com/office/drawing/2016/SVG/main" r:embed="rId3"/>
               </a:ext>
             </a:extLst>
           </a:blip>
@@ -22717,7 +22992,7 @@
                 <a14:useLocalDpi xmlns:a14="http://schemas.microsoft.com/office/drawing/2010/main" val="0"/>
               </a:ext>
               <a:ext uri="{96DAC541-7B7A-43D3-8B79-37D633B846F1}">
-                <asvg:svgBlip xmlns:asvg="http://schemas.microsoft.com/office/drawing/2016/SVG/main" xmlns="" r:embed="rId4"/>
+                <asvg:svgBlip xmlns="" xmlns:asvg="http://schemas.microsoft.com/office/drawing/2016/SVG/main" r:embed="rId4"/>
               </a:ext>
             </a:extLst>
           </a:blip>
@@ -22756,7 +23031,7 @@
                 <a14:useLocalDpi xmlns:a14="http://schemas.microsoft.com/office/drawing/2010/main" val="0"/>
               </a:ext>
               <a:ext uri="{96DAC541-7B7A-43D3-8B79-37D633B846F1}">
-                <asvg:svgBlip xmlns:asvg="http://schemas.microsoft.com/office/drawing/2016/SVG/main" xmlns="" r:embed="rId6"/>
+                <asvg:svgBlip xmlns="" xmlns:asvg="http://schemas.microsoft.com/office/drawing/2016/SVG/main" r:embed="rId6"/>
               </a:ext>
             </a:extLst>
           </a:blip>
@@ -25070,7 +25345,7 @@
                 <a14:useLocalDpi xmlns:a14="http://schemas.microsoft.com/office/drawing/2010/main" val="0"/>
               </a:ext>
               <a:ext uri="{96DAC541-7B7A-43D3-8B79-37D633B846F1}">
-                <asvg:svgBlip xmlns:asvg="http://schemas.microsoft.com/office/drawing/2016/SVG/main" xmlns="" r:embed="rId4"/>
+                <asvg:svgBlip xmlns="" xmlns:asvg="http://schemas.microsoft.com/office/drawing/2016/SVG/main" r:embed="rId4"/>
               </a:ext>
             </a:extLst>
           </a:blip>
@@ -31963,58 +32238,6 @@
           <a:chExt cx="0" cy="0"/>
         </a:xfrm>
       </p:grpSpPr>
-      <p:sp>
-        <p:nvSpPr>
-          <p:cNvPr id="2" name="Textfeld 1">
-            <a:extLst>
-              <a:ext uri="{FF2B5EF4-FFF2-40B4-BE49-F238E27FC236}">
-                <a16:creationId xmlns:a16="http://schemas.microsoft.com/office/drawing/2014/main" id="{82946B83-2EE8-48AB-9594-6CD78F3B38A0}"/>
-              </a:ext>
-            </a:extLst>
-          </p:cNvPr>
-          <p:cNvSpPr txBox="1"/>
-          <p:nvPr/>
-        </p:nvSpPr>
-        <p:spPr>
-          <a:xfrm>
-            <a:off x="4883937" y="2496480"/>
-            <a:ext cx="2424125" cy="461665"/>
-          </a:xfrm>
-          <a:prstGeom prst="rect">
-            <a:avLst/>
-          </a:prstGeom>
-          <a:noFill/>
-        </p:spPr>
-        <p:txBody>
-          <a:bodyPr wrap="none" rtlCol="0">
-            <a:spAutoFit/>
-          </a:bodyPr>
-          <a:lstStyle/>
-          <a:p>
-            <a:r>
-              <a:rPr lang="de-DE" sz="2400" dirty="0">
-                <a:solidFill>
-                  <a:schemeClr val="bg1"/>
-                </a:solidFill>
-              </a:rPr>
-              <a:t>Rekursive </a:t>
-            </a:r>
-            <a:r>
-              <a:rPr lang="de-DE" sz="2400" dirty="0" err="1">
-                <a:solidFill>
-                  <a:schemeClr val="bg1"/>
-                </a:solidFill>
-              </a:rPr>
-              <a:t>Queries</a:t>
-            </a:r>
-            <a:endParaRPr lang="de-DE" sz="2400" dirty="0">
-              <a:solidFill>
-                <a:schemeClr val="bg1"/>
-              </a:solidFill>
-            </a:endParaRPr>
-          </a:p>
-        </p:txBody>
-      </p:sp>
       <p:pic>
         <p:nvPicPr>
           <p:cNvPr id="3" name="Picture 6">
@@ -32089,22 +32312,27 @@
           <a:p>
             <a:pPr algn="ctr"/>
             <a:r>
-              <a:rPr lang="de-DE" dirty="0">
+              <a:rPr lang="de-DE" smtClean="0">
                 <a:solidFill>
                   <a:schemeClr val="bg1"/>
                 </a:solidFill>
               </a:rPr>
-              <a:t>Nachteile</a:t>
-            </a:r>
+              <a:t>GraphQL vs. REST</a:t>
+            </a:r>
+            <a:endParaRPr lang="de-DE" dirty="0">
+              <a:solidFill>
+                <a:schemeClr val="bg1"/>
+              </a:solidFill>
+            </a:endParaRPr>
           </a:p>
         </p:txBody>
       </p:sp>
       <p:sp>
         <p:nvSpPr>
-          <p:cNvPr id="7" name="Textfeld 6">
+          <p:cNvPr id="8" name="Textfeld 7">
             <a:extLst>
               <a:ext uri="{FF2B5EF4-FFF2-40B4-BE49-F238E27FC236}">
-                <a16:creationId xmlns:a16="http://schemas.microsoft.com/office/drawing/2014/main" id="{A089DA1C-906A-4802-BC39-1F32E694997C}"/>
+                <a16:creationId xmlns:a16="http://schemas.microsoft.com/office/drawing/2014/main" id="{E78A8F7B-DD53-43B3-B0C2-8C47CBB8C7B0}"/>
               </a:ext>
             </a:extLst>
           </p:cNvPr>
@@ -32113,8 +32341,8 @@
         </p:nvSpPr>
         <p:spPr>
           <a:xfrm>
-            <a:off x="3973526" y="3051892"/>
-            <a:ext cx="4244945" cy="461665"/>
+            <a:off x="1746156" y="2264918"/>
+            <a:ext cx="9607643" cy="2677656"/>
           </a:xfrm>
           <a:prstGeom prst="rect">
             <a:avLst/>
@@ -32122,110 +32350,103 @@
           <a:noFill/>
         </p:spPr>
         <p:txBody>
-          <a:bodyPr wrap="none" rtlCol="0">
+          <a:bodyPr wrap="square" rtlCol="0">
             <a:spAutoFit/>
           </a:bodyPr>
           <a:lstStyle/>
           <a:p>
-            <a:r>
-              <a:rPr lang="de-DE" sz="2400" dirty="0">
+            <a:pPr marL="342900" indent="-342900">
+              <a:buFont typeface="Arial" panose="020B0604020202020204" pitchFamily="34" charset="0"/>
+              <a:buChar char="•"/>
+            </a:pPr>
+            <a:r>
+              <a:rPr lang="en-US" sz="2400" smtClean="0">
                 <a:solidFill>
                   <a:schemeClr val="bg1"/>
                 </a:solidFill>
               </a:rPr>
-              <a:t>Kein Caching auf Netzwerkebene</a:t>
-            </a:r>
-          </a:p>
-        </p:txBody>
-      </p:sp>
-      <p:sp>
-        <p:nvSpPr>
-          <p:cNvPr id="8" name="Textfeld 7">
-            <a:extLst>
-              <a:ext uri="{FF2B5EF4-FFF2-40B4-BE49-F238E27FC236}">
-                <a16:creationId xmlns:a16="http://schemas.microsoft.com/office/drawing/2014/main" id="{E78A8F7B-DD53-43B3-B0C2-8C47CBB8C7B0}"/>
-              </a:ext>
-            </a:extLst>
-          </p:cNvPr>
-          <p:cNvSpPr txBox="1"/>
-          <p:nvPr/>
-        </p:nvSpPr>
-        <p:spPr>
-          <a:xfrm>
-            <a:off x="4890605" y="1941068"/>
-            <a:ext cx="2417457" cy="461665"/>
-          </a:xfrm>
-          <a:prstGeom prst="rect">
-            <a:avLst/>
-          </a:prstGeom>
-          <a:noFill/>
-        </p:spPr>
-        <p:txBody>
-          <a:bodyPr wrap="none" rtlCol="0">
-            <a:spAutoFit/>
-          </a:bodyPr>
-          <a:lstStyle/>
-          <a:p>
-            <a:r>
-              <a:rPr lang="de-DE" sz="2400" dirty="0">
+              <a:t>REST und GraphQL sind sehr verschieden</a:t>
+            </a:r>
+          </a:p>
+          <a:p>
+            <a:pPr marL="342900" indent="-342900">
+              <a:buFont typeface="Arial" panose="020B0604020202020204" pitchFamily="34" charset="0"/>
+              <a:buChar char="•"/>
+            </a:pPr>
+            <a:endParaRPr lang="en-US" sz="2400" smtClean="0">
+              <a:solidFill>
+                <a:schemeClr val="bg1"/>
+              </a:solidFill>
+            </a:endParaRPr>
+          </a:p>
+          <a:p>
+            <a:pPr marL="342900" indent="-342900">
+              <a:buFont typeface="Arial" panose="020B0604020202020204" pitchFamily="34" charset="0"/>
+              <a:buChar char="•"/>
+            </a:pPr>
+            <a:r>
+              <a:rPr lang="en-US" sz="2400" smtClean="0">
                 <a:solidFill>
                   <a:schemeClr val="bg1"/>
                 </a:solidFill>
               </a:rPr>
-              <a:t>Größere </a:t>
-            </a:r>
-            <a:r>
-              <a:rPr lang="de-DE" sz="2400" dirty="0" err="1">
+              <a:t>GraphQL ist weder einer “silver bullet”, noch ist es besser</a:t>
+            </a:r>
+          </a:p>
+          <a:p>
+            <a:pPr marL="342900" indent="-342900">
+              <a:buFont typeface="Arial" panose="020B0604020202020204" pitchFamily="34" charset="0"/>
+              <a:buChar char="•"/>
+            </a:pPr>
+            <a:endParaRPr lang="en-US" sz="2400" smtClean="0">
+              <a:solidFill>
+                <a:schemeClr val="bg1"/>
+              </a:solidFill>
+            </a:endParaRPr>
+          </a:p>
+          <a:p>
+            <a:pPr marL="342900" indent="-342900">
+              <a:buFont typeface="Arial" panose="020B0604020202020204" pitchFamily="34" charset="0"/>
+              <a:buChar char="•"/>
+            </a:pPr>
+            <a:r>
+              <a:rPr lang="en-US" sz="2400" smtClean="0">
                 <a:solidFill>
                   <a:schemeClr val="bg1"/>
                 </a:solidFill>
               </a:rPr>
-              <a:t>Requests</a:t>
+              <a:t>Man kann beide im gleichen Projekt verwenden</a:t>
+            </a:r>
+          </a:p>
+          <a:p>
+            <a:pPr marL="342900" indent="-342900">
+              <a:buFont typeface="Arial" panose="020B0604020202020204" pitchFamily="34" charset="0"/>
+              <a:buChar char="•"/>
+            </a:pPr>
+            <a:endParaRPr lang="en-US" sz="2400" smtClean="0">
+              <a:solidFill>
+                <a:schemeClr val="bg1"/>
+              </a:solidFill>
+            </a:endParaRPr>
+          </a:p>
+          <a:p>
+            <a:pPr marL="342900" indent="-342900">
+              <a:buFont typeface="Arial" panose="020B0604020202020204" pitchFamily="34" charset="0"/>
+              <a:buChar char="•"/>
+            </a:pPr>
+            <a:r>
+              <a:rPr lang="en-US" sz="2400" smtClean="0">
+                <a:solidFill>
+                  <a:schemeClr val="bg1"/>
+                </a:solidFill>
+              </a:rPr>
+              <a:t>GraphQL ist richtig cool, wenn man es für das richtige Szenario einsetzt</a:t>
             </a:r>
             <a:endParaRPr lang="de-DE" sz="2400" dirty="0">
               <a:solidFill>
                 <a:schemeClr val="bg1"/>
               </a:solidFill>
             </a:endParaRPr>
-          </a:p>
-        </p:txBody>
-      </p:sp>
-      <p:sp>
-        <p:nvSpPr>
-          <p:cNvPr id="9" name="Textfeld 8">
-            <a:extLst>
-              <a:ext uri="{FF2B5EF4-FFF2-40B4-BE49-F238E27FC236}">
-                <a16:creationId xmlns:a16="http://schemas.microsoft.com/office/drawing/2014/main" id="{CCC7EB27-1F0C-46F2-BC94-B3D9CD6CCBAA}"/>
-              </a:ext>
-            </a:extLst>
-          </p:cNvPr>
-          <p:cNvSpPr txBox="1"/>
-          <p:nvPr/>
-        </p:nvSpPr>
-        <p:spPr>
-          <a:xfrm>
-            <a:off x="4251422" y="3607304"/>
-            <a:ext cx="3689151" cy="461665"/>
-          </a:xfrm>
-          <a:prstGeom prst="rect">
-            <a:avLst/>
-          </a:prstGeom>
-          <a:noFill/>
-        </p:spPr>
-        <p:txBody>
-          <a:bodyPr wrap="none" rtlCol="0">
-            <a:spAutoFit/>
-          </a:bodyPr>
-          <a:lstStyle/>
-          <a:p>
-            <a:r>
-              <a:rPr lang="de-DE" sz="2400" dirty="0">
-                <a:solidFill>
-                  <a:schemeClr val="bg1"/>
-                </a:solidFill>
-              </a:rPr>
-              <a:t>Status Code wird „ignoriert“</a:t>
-            </a:r>
           </a:p>
         </p:txBody>
       </p:sp>
@@ -32250,6 +32471,1024 @@
 </file>
 
 <file path=ppt/slides/slide51.xml><?xml version="1.0" encoding="utf-8"?>
+<p:sld xmlns:a="http://schemas.openxmlformats.org/drawingml/2006/main" xmlns:r="http://schemas.openxmlformats.org/officeDocument/2006/relationships" xmlns:p="http://schemas.openxmlformats.org/presentationml/2006/main">
+  <p:cSld>
+    <p:bg>
+      <p:bgPr>
+        <a:solidFill>
+          <a:srgbClr val="3D464F"/>
+        </a:solidFill>
+        <a:effectLst/>
+      </p:bgPr>
+    </p:bg>
+    <p:spTree>
+      <p:nvGrpSpPr>
+        <p:cNvPr id="1" name=""/>
+        <p:cNvGrpSpPr/>
+        <p:nvPr/>
+      </p:nvGrpSpPr>
+      <p:grpSpPr>
+        <a:xfrm>
+          <a:off x="0" y="0"/>
+          <a:ext cx="0" cy="0"/>
+          <a:chOff x="0" y="0"/>
+          <a:chExt cx="0" cy="0"/>
+        </a:xfrm>
+      </p:grpSpPr>
+      <p:pic>
+        <p:nvPicPr>
+          <p:cNvPr id="3" name="Picture 6">
+            <a:extLst>
+              <a:ext uri="{FF2B5EF4-FFF2-40B4-BE49-F238E27FC236}">
+                <a16:creationId xmlns:a16="http://schemas.microsoft.com/office/drawing/2014/main" id="{BB4D76B5-F601-4182-8120-17433B9C7935}"/>
+              </a:ext>
+            </a:extLst>
+          </p:cNvPr>
+          <p:cNvPicPr>
+            <a:picLocks noChangeAspect="1" noChangeArrowheads="1"/>
+          </p:cNvPicPr>
+          <p:nvPr/>
+        </p:nvPicPr>
+        <p:blipFill>
+          <a:blip r:embed="rId3">
+            <a:extLst>
+              <a:ext uri="{28A0092B-C50C-407E-A947-70E740481C1C}">
+                <a14:useLocalDpi xmlns:a14="http://schemas.microsoft.com/office/drawing/2010/main" val="0"/>
+              </a:ext>
+            </a:extLst>
+          </a:blip>
+          <a:stretch>
+            <a:fillRect/>
+          </a:stretch>
+        </p:blipFill>
+        <p:spPr bwMode="auto">
+          <a:xfrm>
+            <a:off x="10564167" y="6353503"/>
+            <a:ext cx="1475682" cy="352753"/>
+          </a:xfrm>
+          <a:prstGeom prst="rect">
+            <a:avLst/>
+          </a:prstGeom>
+          <a:noFill/>
+          <a:extLst>
+            <a:ext uri="{909E8E84-426E-40DD-AFC4-6F175D3DCCD1}">
+              <a14:hiddenFill xmlns:a14="http://schemas.microsoft.com/office/drawing/2010/main">
+                <a:solidFill>
+                  <a:srgbClr val="FFFFFF"/>
+                </a:solidFill>
+              </a14:hiddenFill>
+            </a:ext>
+          </a:extLst>
+        </p:spPr>
+      </p:pic>
+      <p:sp>
+        <p:nvSpPr>
+          <p:cNvPr id="6" name="Titel 1">
+            <a:extLst>
+              <a:ext uri="{FF2B5EF4-FFF2-40B4-BE49-F238E27FC236}">
+                <a16:creationId xmlns:a16="http://schemas.microsoft.com/office/drawing/2014/main" id="{99D3E06E-2805-4C3F-BA38-2AFDADFF670A}"/>
+              </a:ext>
+            </a:extLst>
+          </p:cNvPr>
+          <p:cNvSpPr>
+            <a:spLocks noGrp="1"/>
+          </p:cNvSpPr>
+          <p:nvPr>
+            <p:ph type="title"/>
+          </p:nvPr>
+        </p:nvSpPr>
+        <p:spPr>
+          <a:xfrm>
+            <a:off x="838200" y="365125"/>
+            <a:ext cx="10515600" cy="1325563"/>
+          </a:xfrm>
+        </p:spPr>
+        <p:txBody>
+          <a:bodyPr/>
+          <a:lstStyle/>
+          <a:p>
+            <a:pPr algn="ctr"/>
+            <a:r>
+              <a:rPr lang="de-DE" smtClean="0">
+                <a:solidFill>
+                  <a:schemeClr val="bg1"/>
+                </a:solidFill>
+              </a:rPr>
+              <a:t>GraphQL vs. REST</a:t>
+            </a:r>
+            <a:endParaRPr lang="de-DE" dirty="0">
+              <a:solidFill>
+                <a:schemeClr val="bg1"/>
+              </a:solidFill>
+            </a:endParaRPr>
+          </a:p>
+        </p:txBody>
+      </p:sp>
+      <p:sp>
+        <p:nvSpPr>
+          <p:cNvPr id="8" name="Textfeld 7">
+            <a:extLst>
+              <a:ext uri="{FF2B5EF4-FFF2-40B4-BE49-F238E27FC236}">
+                <a16:creationId xmlns:a16="http://schemas.microsoft.com/office/drawing/2014/main" id="{E78A8F7B-DD53-43B3-B0C2-8C47CBB8C7B0}"/>
+              </a:ext>
+            </a:extLst>
+          </p:cNvPr>
+          <p:cNvSpPr txBox="1"/>
+          <p:nvPr/>
+        </p:nvSpPr>
+        <p:spPr>
+          <a:xfrm>
+            <a:off x="1746156" y="2264918"/>
+            <a:ext cx="9607643" cy="2677656"/>
+          </a:xfrm>
+          <a:prstGeom prst="rect">
+            <a:avLst/>
+          </a:prstGeom>
+          <a:noFill/>
+        </p:spPr>
+        <p:txBody>
+          <a:bodyPr wrap="square" rtlCol="0">
+            <a:spAutoFit/>
+          </a:bodyPr>
+          <a:lstStyle/>
+          <a:p>
+            <a:pPr marL="342900" indent="-342900">
+              <a:buFont typeface="Arial" panose="020B0604020202020204" pitchFamily="34" charset="0"/>
+              <a:buChar char="•"/>
+            </a:pPr>
+            <a:r>
+              <a:rPr lang="en-US" sz="2400" smtClean="0">
+                <a:solidFill>
+                  <a:schemeClr val="bg1"/>
+                </a:solidFill>
+              </a:rPr>
+              <a:t>Wie sehr unterscheiden sich deine Clients?</a:t>
+            </a:r>
+          </a:p>
+          <a:p>
+            <a:pPr marL="342900" indent="-342900">
+              <a:buFont typeface="Arial" panose="020B0604020202020204" pitchFamily="34" charset="0"/>
+              <a:buChar char="•"/>
+            </a:pPr>
+            <a:endParaRPr lang="en-US" sz="2400" smtClean="0">
+              <a:solidFill>
+                <a:schemeClr val="bg1"/>
+              </a:solidFill>
+            </a:endParaRPr>
+          </a:p>
+          <a:p>
+            <a:pPr marL="342900" indent="-342900">
+              <a:buFont typeface="Arial" panose="020B0604020202020204" pitchFamily="34" charset="0"/>
+              <a:buChar char="•"/>
+            </a:pPr>
+            <a:r>
+              <a:rPr lang="en-US" sz="2400" smtClean="0">
+                <a:solidFill>
+                  <a:schemeClr val="bg1"/>
+                </a:solidFill>
+              </a:rPr>
+              <a:t>Können sich die Clients selbst um Caching kümmern?</a:t>
+            </a:r>
+          </a:p>
+          <a:p>
+            <a:pPr marL="342900" indent="-342900">
+              <a:buFont typeface="Arial" panose="020B0604020202020204" pitchFamily="34" charset="0"/>
+              <a:buChar char="•"/>
+            </a:pPr>
+            <a:endParaRPr lang="en-US" sz="2400" smtClean="0">
+              <a:solidFill>
+                <a:schemeClr val="bg1"/>
+              </a:solidFill>
+            </a:endParaRPr>
+          </a:p>
+          <a:p>
+            <a:pPr marL="342900" indent="-342900">
+              <a:buFont typeface="Arial" panose="020B0604020202020204" pitchFamily="34" charset="0"/>
+              <a:buChar char="•"/>
+            </a:pPr>
+            <a:r>
+              <a:rPr lang="en-US" sz="2400" smtClean="0">
+                <a:solidFill>
+                  <a:schemeClr val="bg1"/>
+                </a:solidFill>
+              </a:rPr>
+              <a:t>Wie verschieden sind die Anfragen?</a:t>
+            </a:r>
+          </a:p>
+          <a:p>
+            <a:pPr marL="342900" indent="-342900">
+              <a:buFont typeface="Arial" panose="020B0604020202020204" pitchFamily="34" charset="0"/>
+              <a:buChar char="•"/>
+            </a:pPr>
+            <a:endParaRPr lang="en-US" sz="2400" smtClean="0">
+              <a:solidFill>
+                <a:schemeClr val="bg1"/>
+              </a:solidFill>
+            </a:endParaRPr>
+          </a:p>
+          <a:p>
+            <a:pPr marL="342900" indent="-342900">
+              <a:buFont typeface="Arial" panose="020B0604020202020204" pitchFamily="34" charset="0"/>
+              <a:buChar char="•"/>
+            </a:pPr>
+            <a:r>
+              <a:rPr lang="en-US" sz="2400" smtClean="0">
+                <a:solidFill>
+                  <a:schemeClr val="bg1"/>
+                </a:solidFill>
+              </a:rPr>
+              <a:t>Geht es um CRUD mit JSON oder wird auch Dateitransfer gebracht?</a:t>
+            </a:r>
+            <a:endParaRPr lang="de-DE" sz="2400" dirty="0">
+              <a:solidFill>
+                <a:schemeClr val="bg1"/>
+              </a:solidFill>
+            </a:endParaRPr>
+          </a:p>
+        </p:txBody>
+      </p:sp>
+    </p:spTree>
+    <p:extLst>
+      <p:ext uri="{BB962C8B-B14F-4D97-AF65-F5344CB8AC3E}">
+        <p14:creationId xmlns:p14="http://schemas.microsoft.com/office/powerpoint/2010/main" val="3361049209"/>
+      </p:ext>
+    </p:extLst>
+  </p:cSld>
+  <p:clrMapOvr>
+    <a:masterClrMapping/>
+  </p:clrMapOvr>
+  <p:timing>
+    <p:tnLst>
+      <p:par>
+        <p:cTn id="1" dur="indefinite" restart="never" nodeType="tmRoot"/>
+      </p:par>
+    </p:tnLst>
+  </p:timing>
+</p:sld>
+</file>
+
+<file path=ppt/slides/slide52.xml><?xml version="1.0" encoding="utf-8"?>
+<p:sld xmlns:a="http://schemas.openxmlformats.org/drawingml/2006/main" xmlns:r="http://schemas.openxmlformats.org/officeDocument/2006/relationships" xmlns:p="http://schemas.openxmlformats.org/presentationml/2006/main">
+  <p:cSld>
+    <p:bg>
+      <p:bgPr>
+        <a:solidFill>
+          <a:srgbClr val="3D464F"/>
+        </a:solidFill>
+        <a:effectLst/>
+      </p:bgPr>
+    </p:bg>
+    <p:spTree>
+      <p:nvGrpSpPr>
+        <p:cNvPr id="1" name=""/>
+        <p:cNvGrpSpPr/>
+        <p:nvPr/>
+      </p:nvGrpSpPr>
+      <p:grpSpPr>
+        <a:xfrm>
+          <a:off x="0" y="0"/>
+          <a:ext cx="0" cy="0"/>
+          <a:chOff x="0" y="0"/>
+          <a:chExt cx="0" cy="0"/>
+        </a:xfrm>
+      </p:grpSpPr>
+      <p:pic>
+        <p:nvPicPr>
+          <p:cNvPr id="3" name="Picture 6">
+            <a:extLst>
+              <a:ext uri="{FF2B5EF4-FFF2-40B4-BE49-F238E27FC236}">
+                <a16:creationId xmlns:a16="http://schemas.microsoft.com/office/drawing/2014/main" id="{4363A093-C69A-4CFD-93B8-14DCF67F3D72}"/>
+              </a:ext>
+            </a:extLst>
+          </p:cNvPr>
+          <p:cNvPicPr>
+            <a:picLocks noChangeAspect="1" noChangeArrowheads="1"/>
+          </p:cNvPicPr>
+          <p:nvPr/>
+        </p:nvPicPr>
+        <p:blipFill>
+          <a:blip r:embed="rId2">
+            <a:extLst>
+              <a:ext uri="{28A0092B-C50C-407E-A947-70E740481C1C}">
+                <a14:useLocalDpi xmlns:a14="http://schemas.microsoft.com/office/drawing/2010/main" val="0"/>
+              </a:ext>
+            </a:extLst>
+          </a:blip>
+          <a:stretch>
+            <a:fillRect/>
+          </a:stretch>
+        </p:blipFill>
+        <p:spPr bwMode="auto">
+          <a:xfrm>
+            <a:off x="10564167" y="6353503"/>
+            <a:ext cx="1475682" cy="352753"/>
+          </a:xfrm>
+          <a:prstGeom prst="rect">
+            <a:avLst/>
+          </a:prstGeom>
+          <a:noFill/>
+          <a:extLst>
+            <a:ext uri="{909E8E84-426E-40DD-AFC4-6F175D3DCCD1}">
+              <a14:hiddenFill xmlns:a14="http://schemas.microsoft.com/office/drawing/2010/main">
+                <a:solidFill>
+                  <a:srgbClr val="FFFFFF"/>
+                </a:solidFill>
+              </a14:hiddenFill>
+            </a:ext>
+          </a:extLst>
+        </p:spPr>
+      </p:pic>
+      <p:graphicFrame>
+        <p:nvGraphicFramePr>
+          <p:cNvPr id="7" name="Tabelle 6">
+            <a:extLst>
+              <a:ext uri="{FF2B5EF4-FFF2-40B4-BE49-F238E27FC236}">
+                <a16:creationId xmlns:a16="http://schemas.microsoft.com/office/drawing/2014/main" id="{A04F6A91-E751-4C04-81F5-CF091FAFE553}"/>
+              </a:ext>
+            </a:extLst>
+          </p:cNvPr>
+          <p:cNvGraphicFramePr>
+            <a:graphicFrameLocks noGrp="1"/>
+          </p:cNvGraphicFramePr>
+          <p:nvPr>
+            <p:extLst>
+              <p:ext uri="{D42A27DB-BD31-4B8C-83A1-F6EECF244321}">
+                <p14:modId xmlns:p14="http://schemas.microsoft.com/office/powerpoint/2010/main" val="920669261"/>
+              </p:ext>
+            </p:extLst>
+          </p:nvPr>
+        </p:nvGraphicFramePr>
+        <p:xfrm>
+          <a:off x="2032000" y="1924685"/>
+          <a:ext cx="8128000" cy="2865120"/>
+        </p:xfrm>
+        <a:graphic>
+          <a:graphicData uri="http://schemas.openxmlformats.org/drawingml/2006/table">
+            <a:tbl>
+              <a:tblPr firstRow="1" bandRow="1">
+                <a:tableStyleId>{5C22544A-7EE6-4342-B048-85BDC9FD1C3A}</a:tableStyleId>
+              </a:tblPr>
+              <a:tblGrid>
+                <a:gridCol w="4064000">
+                  <a:extLst>
+                    <a:ext uri="{9D8B030D-6E8A-4147-A177-3AD203B41FA5}">
+                      <a16:colId xmlns:a16="http://schemas.microsoft.com/office/drawing/2014/main" val="151269249"/>
+                    </a:ext>
+                  </a:extLst>
+                </a:gridCol>
+                <a:gridCol w="4064000">
+                  <a:extLst>
+                    <a:ext uri="{9D8B030D-6E8A-4147-A177-3AD203B41FA5}">
+                      <a16:colId xmlns:a16="http://schemas.microsoft.com/office/drawing/2014/main" val="4140112189"/>
+                    </a:ext>
+                  </a:extLst>
+                </a:gridCol>
+              </a:tblGrid>
+              <a:tr h="370840">
+                <a:tc>
+                  <a:txBody>
+                    <a:bodyPr/>
+                    <a:lstStyle/>
+                    <a:p>
+                      <a:r>
+                        <a:rPr lang="de-DE" smtClean="0"/>
+                        <a:t>Vorteile GraphQL</a:t>
+                      </a:r>
+                      <a:endParaRPr lang="de-DE" dirty="0"/>
+                    </a:p>
+                  </a:txBody>
+                  <a:tcPr>
+                    <a:solidFill>
+                      <a:srgbClr val="92D050"/>
+                    </a:solidFill>
+                  </a:tcPr>
+                </a:tc>
+                <a:tc>
+                  <a:txBody>
+                    <a:bodyPr/>
+                    <a:lstStyle/>
+                    <a:p>
+                      <a:r>
+                        <a:rPr lang="de-DE" smtClean="0"/>
+                        <a:t>Vorteile REST</a:t>
+                      </a:r>
+                      <a:endParaRPr lang="de-DE" dirty="0"/>
+                    </a:p>
+                  </a:txBody>
+                  <a:tcPr>
+                    <a:solidFill>
+                      <a:schemeClr val="accent2"/>
+                    </a:solidFill>
+                  </a:tcPr>
+                </a:tc>
+                <a:extLst>
+                  <a:ext uri="{0D108BD9-81ED-4DB2-BD59-A6C34878D82A}">
+                    <a16:rowId xmlns:a16="http://schemas.microsoft.com/office/drawing/2014/main" val="2380294708"/>
+                  </a:ext>
+                </a:extLst>
+              </a:tr>
+              <a:tr h="370840">
+                <a:tc>
+                  <a:txBody>
+                    <a:bodyPr/>
+                    <a:lstStyle/>
+                    <a:p>
+                      <a:r>
+                        <a:rPr lang="en-US" smtClean="0"/>
+                        <a:t>Man</a:t>
+                      </a:r>
+                      <a:r>
+                        <a:rPr lang="en-US" baseline="0" smtClean="0"/>
+                        <a:t> bekommt genau die Daten, die man braucht</a:t>
+                      </a:r>
+                      <a:endParaRPr lang="de-DE" dirty="0"/>
+                    </a:p>
+                  </a:txBody>
+                  <a:tcPr/>
+                </a:tc>
+                <a:tc>
+                  <a:txBody>
+                    <a:bodyPr/>
+                    <a:lstStyle/>
+                    <a:p>
+                      <a:r>
+                        <a:rPr lang="en-US" smtClean="0"/>
+                        <a:t>Hoch Skalierbar</a:t>
+                      </a:r>
+                      <a:endParaRPr lang="de-DE" dirty="0"/>
+                    </a:p>
+                  </a:txBody>
+                  <a:tcPr/>
+                </a:tc>
+                <a:extLst>
+                  <a:ext uri="{0D108BD9-81ED-4DB2-BD59-A6C34878D82A}">
+                    <a16:rowId xmlns:a16="http://schemas.microsoft.com/office/drawing/2014/main" val="3469410437"/>
+                  </a:ext>
+                </a:extLst>
+              </a:tr>
+              <a:tr h="370840">
+                <a:tc>
+                  <a:txBody>
+                    <a:bodyPr/>
+                    <a:lstStyle/>
+                    <a:p>
+                      <a:r>
+                        <a:rPr lang="en-US" smtClean="0"/>
+                        <a:t>Mehrere Abfragen in einem Request</a:t>
+                      </a:r>
+                      <a:endParaRPr lang="de-DE" dirty="0"/>
+                    </a:p>
+                  </a:txBody>
+                  <a:tcPr/>
+                </a:tc>
+                <a:tc>
+                  <a:txBody>
+                    <a:bodyPr/>
+                    <a:lstStyle/>
+                    <a:p>
+                      <a:r>
+                        <a:rPr lang="en-US" smtClean="0"/>
+                        <a:t>Http-caching</a:t>
+                      </a:r>
+                      <a:endParaRPr lang="de-DE" dirty="0"/>
+                    </a:p>
+                  </a:txBody>
+                  <a:tcPr/>
+                </a:tc>
+                <a:extLst>
+                  <a:ext uri="{0D108BD9-81ED-4DB2-BD59-A6C34878D82A}">
+                    <a16:rowId xmlns:a16="http://schemas.microsoft.com/office/drawing/2014/main" val="2290994106"/>
+                  </a:ext>
+                </a:extLst>
+              </a:tr>
+              <a:tr h="370840">
+                <a:tc>
+                  <a:txBody>
+                    <a:bodyPr/>
+                    <a:lstStyle/>
+                    <a:p>
+                      <a:r>
+                        <a:rPr lang="en-US" smtClean="0"/>
+                        <a:t>Integrierter Pub-Sub-Mechanismus</a:t>
+                      </a:r>
+                      <a:endParaRPr lang="de-DE" dirty="0"/>
+                    </a:p>
+                  </a:txBody>
+                  <a:tcPr/>
+                </a:tc>
+                <a:tc>
+                  <a:txBody>
+                    <a:bodyPr/>
+                    <a:lstStyle/>
+                    <a:p>
+                      <a:r>
+                        <a:rPr lang="en-US" smtClean="0"/>
+                        <a:t>Einfacher</a:t>
+                      </a:r>
+                      <a:r>
+                        <a:rPr lang="en-US" baseline="0" smtClean="0"/>
+                        <a:t> File-Transfer/Streaming</a:t>
+                      </a:r>
+                      <a:endParaRPr lang="de-DE" dirty="0"/>
+                    </a:p>
+                  </a:txBody>
+                  <a:tcPr/>
+                </a:tc>
+                <a:extLst>
+                  <a:ext uri="{0D108BD9-81ED-4DB2-BD59-A6C34878D82A}">
+                    <a16:rowId xmlns:a16="http://schemas.microsoft.com/office/drawing/2014/main" val="928261541"/>
+                  </a:ext>
+                </a:extLst>
+              </a:tr>
+              <a:tr h="370840">
+                <a:tc>
+                  <a:txBody>
+                    <a:bodyPr/>
+                    <a:lstStyle/>
+                    <a:p>
+                      <a:r>
+                        <a:rPr lang="en-US" smtClean="0"/>
+                        <a:t>Performance-Orientiert</a:t>
+                      </a:r>
+                      <a:endParaRPr lang="de-DE" dirty="0"/>
+                    </a:p>
+                  </a:txBody>
+                  <a:tcPr/>
+                </a:tc>
+                <a:tc>
+                  <a:txBody>
+                    <a:bodyPr/>
+                    <a:lstStyle/>
+                    <a:p>
+                      <a:r>
+                        <a:rPr lang="en-US" smtClean="0"/>
+                        <a:t>Arbeitet mit allen Media-Typen</a:t>
+                      </a:r>
+                      <a:endParaRPr lang="de-DE" dirty="0"/>
+                    </a:p>
+                  </a:txBody>
+                  <a:tcPr/>
+                </a:tc>
+                <a:extLst>
+                  <a:ext uri="{0D108BD9-81ED-4DB2-BD59-A6C34878D82A}">
+                    <a16:rowId xmlns:a16="http://schemas.microsoft.com/office/drawing/2014/main" val="3950061895"/>
+                  </a:ext>
+                </a:extLst>
+              </a:tr>
+              <a:tr h="370840">
+                <a:tc>
+                  <a:txBody>
+                    <a:bodyPr/>
+                    <a:lstStyle/>
+                    <a:p>
+                      <a:r>
+                        <a:rPr lang="en-US" smtClean="0"/>
+                        <a:t>Integrierte Introspection</a:t>
+                      </a:r>
+                      <a:endParaRPr lang="de-DE" dirty="0"/>
+                    </a:p>
+                  </a:txBody>
+                  <a:tcPr/>
+                </a:tc>
+                <a:tc>
+                  <a:txBody>
+                    <a:bodyPr/>
+                    <a:lstStyle/>
+                    <a:p>
+                      <a:r>
+                        <a:rPr lang="en-US" smtClean="0"/>
+                        <a:t>Verlinkungen zwischen APIs</a:t>
+                      </a:r>
+                      <a:endParaRPr lang="de-DE" dirty="0"/>
+                    </a:p>
+                  </a:txBody>
+                  <a:tcPr/>
+                </a:tc>
+                <a:extLst>
+                  <a:ext uri="{0D108BD9-81ED-4DB2-BD59-A6C34878D82A}">
+                    <a16:rowId xmlns:a16="http://schemas.microsoft.com/office/drawing/2014/main" val="2364080554"/>
+                  </a:ext>
+                </a:extLst>
+              </a:tr>
+              <a:tr h="370840">
+                <a:tc>
+                  <a:txBody>
+                    <a:bodyPr/>
+                    <a:lstStyle/>
+                    <a:p>
+                      <a:r>
+                        <a:rPr lang="en-US" smtClean="0"/>
+                        <a:t>Weniger API-Design</a:t>
+                      </a:r>
+                      <a:r>
+                        <a:rPr lang="en-US" baseline="0" smtClean="0"/>
+                        <a:t> vorab</a:t>
+                      </a:r>
+                      <a:endParaRPr lang="de-DE" dirty="0"/>
+                    </a:p>
+                  </a:txBody>
+                  <a:tcPr/>
+                </a:tc>
+                <a:tc>
+                  <a:txBody>
+                    <a:bodyPr/>
+                    <a:lstStyle/>
+                    <a:p>
+                      <a:endParaRPr lang="de-DE" dirty="0"/>
+                    </a:p>
+                  </a:txBody>
+                  <a:tcPr/>
+                </a:tc>
+                <a:extLst>
+                  <a:ext uri="{0D108BD9-81ED-4DB2-BD59-A6C34878D82A}">
+                    <a16:rowId xmlns:a16="http://schemas.microsoft.com/office/drawing/2014/main" val="1227437283"/>
+                  </a:ext>
+                </a:extLst>
+              </a:tr>
+            </a:tbl>
+          </a:graphicData>
+        </a:graphic>
+      </p:graphicFrame>
+      <p:sp>
+        <p:nvSpPr>
+          <p:cNvPr id="9" name="Titel 1">
+            <a:extLst>
+              <a:ext uri="{FF2B5EF4-FFF2-40B4-BE49-F238E27FC236}">
+                <a16:creationId xmlns:a16="http://schemas.microsoft.com/office/drawing/2014/main" id="{99D3E06E-2805-4C3F-BA38-2AFDADFF670A}"/>
+              </a:ext>
+            </a:extLst>
+          </p:cNvPr>
+          <p:cNvSpPr>
+            <a:spLocks noGrp="1"/>
+          </p:cNvSpPr>
+          <p:nvPr>
+            <p:ph type="title"/>
+          </p:nvPr>
+        </p:nvSpPr>
+        <p:spPr>
+          <a:xfrm>
+            <a:off x="838200" y="365125"/>
+            <a:ext cx="10515600" cy="1325563"/>
+          </a:xfrm>
+        </p:spPr>
+        <p:txBody>
+          <a:bodyPr/>
+          <a:lstStyle/>
+          <a:p>
+            <a:pPr algn="ctr"/>
+            <a:r>
+              <a:rPr lang="de-DE" smtClean="0">
+                <a:solidFill>
+                  <a:schemeClr val="bg1"/>
+                </a:solidFill>
+              </a:rPr>
+              <a:t>GraphQL vs. REST</a:t>
+            </a:r>
+            <a:endParaRPr lang="de-DE" dirty="0">
+              <a:solidFill>
+                <a:schemeClr val="bg1"/>
+              </a:solidFill>
+            </a:endParaRPr>
+          </a:p>
+        </p:txBody>
+      </p:sp>
+    </p:spTree>
+    <p:extLst>
+      <p:ext uri="{BB962C8B-B14F-4D97-AF65-F5344CB8AC3E}">
+        <p14:creationId xmlns:p14="http://schemas.microsoft.com/office/powerpoint/2010/main" val="4114840573"/>
+      </p:ext>
+    </p:extLst>
+  </p:cSld>
+  <p:clrMapOvr>
+    <a:masterClrMapping/>
+  </p:clrMapOvr>
+  <p:timing>
+    <p:tnLst>
+      <p:par>
+        <p:cTn id="1" dur="indefinite" restart="never" nodeType="tmRoot"/>
+      </p:par>
+    </p:tnLst>
+  </p:timing>
+</p:sld>
+</file>
+
+<file path=ppt/slides/slide53.xml><?xml version="1.0" encoding="utf-8"?>
+<p:sld xmlns:a="http://schemas.openxmlformats.org/drawingml/2006/main" xmlns:r="http://schemas.openxmlformats.org/officeDocument/2006/relationships" xmlns:p="http://schemas.openxmlformats.org/presentationml/2006/main">
+  <p:cSld>
+    <p:bg>
+      <p:bgPr>
+        <a:solidFill>
+          <a:srgbClr val="3D464F"/>
+        </a:solidFill>
+        <a:effectLst/>
+      </p:bgPr>
+    </p:bg>
+    <p:spTree>
+      <p:nvGrpSpPr>
+        <p:cNvPr id="1" name=""/>
+        <p:cNvGrpSpPr/>
+        <p:nvPr/>
+      </p:nvGrpSpPr>
+      <p:grpSpPr>
+        <a:xfrm>
+          <a:off x="0" y="0"/>
+          <a:ext cx="0" cy="0"/>
+          <a:chOff x="0" y="0"/>
+          <a:chExt cx="0" cy="0"/>
+        </a:xfrm>
+      </p:grpSpPr>
+      <p:sp>
+        <p:nvSpPr>
+          <p:cNvPr id="2" name="Textfeld 1">
+            <a:extLst>
+              <a:ext uri="{FF2B5EF4-FFF2-40B4-BE49-F238E27FC236}">
+                <a16:creationId xmlns:a16="http://schemas.microsoft.com/office/drawing/2014/main" id="{82946B83-2EE8-48AB-9594-6CD78F3B38A0}"/>
+              </a:ext>
+            </a:extLst>
+          </p:cNvPr>
+          <p:cNvSpPr txBox="1"/>
+          <p:nvPr/>
+        </p:nvSpPr>
+        <p:spPr>
+          <a:xfrm>
+            <a:off x="4883937" y="2496480"/>
+            <a:ext cx="2424125" cy="461665"/>
+          </a:xfrm>
+          <a:prstGeom prst="rect">
+            <a:avLst/>
+          </a:prstGeom>
+          <a:noFill/>
+        </p:spPr>
+        <p:txBody>
+          <a:bodyPr wrap="none" rtlCol="0">
+            <a:spAutoFit/>
+          </a:bodyPr>
+          <a:lstStyle/>
+          <a:p>
+            <a:r>
+              <a:rPr lang="de-DE" sz="2400" dirty="0">
+                <a:solidFill>
+                  <a:schemeClr val="bg1"/>
+                </a:solidFill>
+              </a:rPr>
+              <a:t>Rekursive </a:t>
+            </a:r>
+            <a:r>
+              <a:rPr lang="de-DE" sz="2400" dirty="0" err="1">
+                <a:solidFill>
+                  <a:schemeClr val="bg1"/>
+                </a:solidFill>
+              </a:rPr>
+              <a:t>Queries</a:t>
+            </a:r>
+            <a:endParaRPr lang="de-DE" sz="2400" dirty="0">
+              <a:solidFill>
+                <a:schemeClr val="bg1"/>
+              </a:solidFill>
+            </a:endParaRPr>
+          </a:p>
+        </p:txBody>
+      </p:sp>
+      <p:pic>
+        <p:nvPicPr>
+          <p:cNvPr id="3" name="Picture 6">
+            <a:extLst>
+              <a:ext uri="{FF2B5EF4-FFF2-40B4-BE49-F238E27FC236}">
+                <a16:creationId xmlns:a16="http://schemas.microsoft.com/office/drawing/2014/main" id="{BB4D76B5-F601-4182-8120-17433B9C7935}"/>
+              </a:ext>
+            </a:extLst>
+          </p:cNvPr>
+          <p:cNvPicPr>
+            <a:picLocks noChangeAspect="1" noChangeArrowheads="1"/>
+          </p:cNvPicPr>
+          <p:nvPr/>
+        </p:nvPicPr>
+        <p:blipFill>
+          <a:blip r:embed="rId3">
+            <a:extLst>
+              <a:ext uri="{28A0092B-C50C-407E-A947-70E740481C1C}">
+                <a14:useLocalDpi xmlns:a14="http://schemas.microsoft.com/office/drawing/2010/main" val="0"/>
+              </a:ext>
+            </a:extLst>
+          </a:blip>
+          <a:stretch>
+            <a:fillRect/>
+          </a:stretch>
+        </p:blipFill>
+        <p:spPr bwMode="auto">
+          <a:xfrm>
+            <a:off x="10564167" y="6353503"/>
+            <a:ext cx="1475682" cy="352753"/>
+          </a:xfrm>
+          <a:prstGeom prst="rect">
+            <a:avLst/>
+          </a:prstGeom>
+          <a:noFill/>
+          <a:extLst>
+            <a:ext uri="{909E8E84-426E-40DD-AFC4-6F175D3DCCD1}">
+              <a14:hiddenFill xmlns:a14="http://schemas.microsoft.com/office/drawing/2010/main">
+                <a:solidFill>
+                  <a:srgbClr val="FFFFFF"/>
+                </a:solidFill>
+              </a14:hiddenFill>
+            </a:ext>
+          </a:extLst>
+        </p:spPr>
+      </p:pic>
+      <p:sp>
+        <p:nvSpPr>
+          <p:cNvPr id="6" name="Titel 1">
+            <a:extLst>
+              <a:ext uri="{FF2B5EF4-FFF2-40B4-BE49-F238E27FC236}">
+                <a16:creationId xmlns:a16="http://schemas.microsoft.com/office/drawing/2014/main" id="{99D3E06E-2805-4C3F-BA38-2AFDADFF670A}"/>
+              </a:ext>
+            </a:extLst>
+          </p:cNvPr>
+          <p:cNvSpPr>
+            <a:spLocks noGrp="1"/>
+          </p:cNvSpPr>
+          <p:nvPr>
+            <p:ph type="title"/>
+          </p:nvPr>
+        </p:nvSpPr>
+        <p:spPr>
+          <a:xfrm>
+            <a:off x="838200" y="365125"/>
+            <a:ext cx="10515600" cy="1325563"/>
+          </a:xfrm>
+        </p:spPr>
+        <p:txBody>
+          <a:bodyPr/>
+          <a:lstStyle/>
+          <a:p>
+            <a:pPr algn="ctr"/>
+            <a:r>
+              <a:rPr lang="de-DE" smtClean="0">
+                <a:solidFill>
+                  <a:schemeClr val="bg1"/>
+                </a:solidFill>
+              </a:rPr>
+              <a:t>Nachteile</a:t>
+            </a:r>
+            <a:endParaRPr lang="de-DE" dirty="0">
+              <a:solidFill>
+                <a:schemeClr val="bg1"/>
+              </a:solidFill>
+            </a:endParaRPr>
+          </a:p>
+        </p:txBody>
+      </p:sp>
+      <p:sp>
+        <p:nvSpPr>
+          <p:cNvPr id="7" name="Textfeld 6">
+            <a:extLst>
+              <a:ext uri="{FF2B5EF4-FFF2-40B4-BE49-F238E27FC236}">
+                <a16:creationId xmlns:a16="http://schemas.microsoft.com/office/drawing/2014/main" id="{A089DA1C-906A-4802-BC39-1F32E694997C}"/>
+              </a:ext>
+            </a:extLst>
+          </p:cNvPr>
+          <p:cNvSpPr txBox="1"/>
+          <p:nvPr/>
+        </p:nvSpPr>
+        <p:spPr>
+          <a:xfrm>
+            <a:off x="3973526" y="3051892"/>
+            <a:ext cx="4244945" cy="461665"/>
+          </a:xfrm>
+          <a:prstGeom prst="rect">
+            <a:avLst/>
+          </a:prstGeom>
+          <a:noFill/>
+        </p:spPr>
+        <p:txBody>
+          <a:bodyPr wrap="none" rtlCol="0">
+            <a:spAutoFit/>
+          </a:bodyPr>
+          <a:lstStyle/>
+          <a:p>
+            <a:r>
+              <a:rPr lang="de-DE" sz="2400" dirty="0">
+                <a:solidFill>
+                  <a:schemeClr val="bg1"/>
+                </a:solidFill>
+              </a:rPr>
+              <a:t>Kein Caching auf Netzwerkebene</a:t>
+            </a:r>
+          </a:p>
+        </p:txBody>
+      </p:sp>
+      <p:sp>
+        <p:nvSpPr>
+          <p:cNvPr id="8" name="Textfeld 7">
+            <a:extLst>
+              <a:ext uri="{FF2B5EF4-FFF2-40B4-BE49-F238E27FC236}">
+                <a16:creationId xmlns:a16="http://schemas.microsoft.com/office/drawing/2014/main" id="{E78A8F7B-DD53-43B3-B0C2-8C47CBB8C7B0}"/>
+              </a:ext>
+            </a:extLst>
+          </p:cNvPr>
+          <p:cNvSpPr txBox="1"/>
+          <p:nvPr/>
+        </p:nvSpPr>
+        <p:spPr>
+          <a:xfrm>
+            <a:off x="4890605" y="1941068"/>
+            <a:ext cx="2417457" cy="461665"/>
+          </a:xfrm>
+          <a:prstGeom prst="rect">
+            <a:avLst/>
+          </a:prstGeom>
+          <a:noFill/>
+        </p:spPr>
+        <p:txBody>
+          <a:bodyPr wrap="none" rtlCol="0">
+            <a:spAutoFit/>
+          </a:bodyPr>
+          <a:lstStyle/>
+          <a:p>
+            <a:r>
+              <a:rPr lang="de-DE" sz="2400" dirty="0">
+                <a:solidFill>
+                  <a:schemeClr val="bg1"/>
+                </a:solidFill>
+              </a:rPr>
+              <a:t>Größere </a:t>
+            </a:r>
+            <a:r>
+              <a:rPr lang="de-DE" sz="2400" dirty="0" err="1">
+                <a:solidFill>
+                  <a:schemeClr val="bg1"/>
+                </a:solidFill>
+              </a:rPr>
+              <a:t>Requests</a:t>
+            </a:r>
+            <a:endParaRPr lang="de-DE" sz="2400" dirty="0">
+              <a:solidFill>
+                <a:schemeClr val="bg1"/>
+              </a:solidFill>
+            </a:endParaRPr>
+          </a:p>
+        </p:txBody>
+      </p:sp>
+      <p:sp>
+        <p:nvSpPr>
+          <p:cNvPr id="9" name="Textfeld 8">
+            <a:extLst>
+              <a:ext uri="{FF2B5EF4-FFF2-40B4-BE49-F238E27FC236}">
+                <a16:creationId xmlns:a16="http://schemas.microsoft.com/office/drawing/2014/main" id="{CCC7EB27-1F0C-46F2-BC94-B3D9CD6CCBAA}"/>
+              </a:ext>
+            </a:extLst>
+          </p:cNvPr>
+          <p:cNvSpPr txBox="1"/>
+          <p:nvPr/>
+        </p:nvSpPr>
+        <p:spPr>
+          <a:xfrm>
+            <a:off x="4251422" y="3607304"/>
+            <a:ext cx="3689151" cy="461665"/>
+          </a:xfrm>
+          <a:prstGeom prst="rect">
+            <a:avLst/>
+          </a:prstGeom>
+          <a:noFill/>
+        </p:spPr>
+        <p:txBody>
+          <a:bodyPr wrap="none" rtlCol="0">
+            <a:spAutoFit/>
+          </a:bodyPr>
+          <a:lstStyle/>
+          <a:p>
+            <a:r>
+              <a:rPr lang="de-DE" sz="2400" dirty="0">
+                <a:solidFill>
+                  <a:schemeClr val="bg1"/>
+                </a:solidFill>
+              </a:rPr>
+              <a:t>Status Code wird „ignoriert“</a:t>
+            </a:r>
+          </a:p>
+        </p:txBody>
+      </p:sp>
+    </p:spTree>
+    <p:extLst>
+      <p:ext uri="{BB962C8B-B14F-4D97-AF65-F5344CB8AC3E}">
+        <p14:creationId xmlns:p14="http://schemas.microsoft.com/office/powerpoint/2010/main" val="2126656050"/>
+      </p:ext>
+    </p:extLst>
+  </p:cSld>
+  <p:clrMapOvr>
+    <a:masterClrMapping/>
+  </p:clrMapOvr>
+  <p:timing>
+    <p:tnLst>
+      <p:par>
+        <p:cTn id="1" dur="indefinite" restart="never" nodeType="tmRoot"/>
+      </p:par>
+    </p:tnLst>
+  </p:timing>
+</p:sld>
+</file>
+
+<file path=ppt/slides/slide54.xml><?xml version="1.0" encoding="utf-8"?>
 <p:sld xmlns:a="http://schemas.openxmlformats.org/drawingml/2006/main" xmlns:r="http://schemas.openxmlformats.org/officeDocument/2006/relationships" xmlns:p="http://schemas.openxmlformats.org/presentationml/2006/main">
   <p:cSld>
     <p:bg>
@@ -32609,7 +33848,7 @@
 </p:sld>
 </file>
 
-<file path=ppt/slides/slide52.xml><?xml version="1.0" encoding="utf-8"?>
+<file path=ppt/slides/slide55.xml><?xml version="1.0" encoding="utf-8"?>
 <p:sld xmlns:a="http://schemas.openxmlformats.org/drawingml/2006/main" xmlns:r="http://schemas.openxmlformats.org/officeDocument/2006/relationships" xmlns:p="http://schemas.openxmlformats.org/presentationml/2006/main">
   <p:cSld>
     <p:bg>
@@ -32985,7 +34224,7 @@
 </p:sld>
 </file>
 
-<file path=ppt/slides/slide53.xml><?xml version="1.0" encoding="utf-8"?>
+<file path=ppt/slides/slide56.xml><?xml version="1.0" encoding="utf-8"?>
 <p:sld xmlns:a="http://schemas.openxmlformats.org/drawingml/2006/main" xmlns:r="http://schemas.openxmlformats.org/officeDocument/2006/relationships" xmlns:p="http://schemas.openxmlformats.org/presentationml/2006/main">
   <p:cSld>
     <p:bg>
@@ -33169,7 +34408,7 @@
 </p:sld>
 </file>
 
-<file path=ppt/slides/slide54.xml><?xml version="1.0" encoding="utf-8"?>
+<file path=ppt/slides/slide57.xml><?xml version="1.0" encoding="utf-8"?>
 <p:sld xmlns:a="http://schemas.openxmlformats.org/drawingml/2006/main" xmlns:r="http://schemas.openxmlformats.org/officeDocument/2006/relationships" xmlns:p="http://schemas.openxmlformats.org/presentationml/2006/main">
   <p:cSld>
     <p:bg>
@@ -33334,7 +34573,7 @@
                 <a:hlinkClick r:id="rId4">
                   <a:extLst>
                     <a:ext uri="{A12FA001-AC4F-418D-AE19-62706E023703}">
-                      <ahyp:hlinkClr xmlns:ahyp="http://schemas.microsoft.com/office/drawing/2018/hyperlinkcolor" xmlns="" val="tx"/>
+                      <ahyp:hlinkClr xmlns="" xmlns:ahyp="http://schemas.microsoft.com/office/drawing/2018/hyperlinkcolor" val="tx"/>
                     </a:ext>
                   </a:extLst>
                 </a:hlinkClick>
@@ -33384,7 +34623,7 @@
                 <a:hlinkClick r:id="rId5">
                   <a:extLst>
                     <a:ext uri="{A12FA001-AC4F-418D-AE19-62706E023703}">
-                      <ahyp:hlinkClr xmlns:ahyp="http://schemas.microsoft.com/office/drawing/2018/hyperlinkcolor" xmlns="" val="tx"/>
+                      <ahyp:hlinkClr xmlns="" xmlns:ahyp="http://schemas.microsoft.com/office/drawing/2018/hyperlinkcolor" val="tx"/>
                     </a:ext>
                   </a:extLst>
                 </a:hlinkClick>
@@ -33434,7 +34673,7 @@
                 <a:hlinkClick r:id="rId6">
                   <a:extLst>
                     <a:ext uri="{A12FA001-AC4F-418D-AE19-62706E023703}">
-                      <ahyp:hlinkClr xmlns:ahyp="http://schemas.microsoft.com/office/drawing/2018/hyperlinkcolor" xmlns="" val="tx"/>
+                      <ahyp:hlinkClr xmlns="" xmlns:ahyp="http://schemas.microsoft.com/office/drawing/2018/hyperlinkcolor" val="tx"/>
                     </a:ext>
                   </a:extLst>
                 </a:hlinkClick>
@@ -33484,7 +34723,7 @@
                 <a:hlinkClick r:id="rId7">
                   <a:extLst>
                     <a:ext uri="{A12FA001-AC4F-418D-AE19-62706E023703}">
-                      <ahyp:hlinkClr xmlns:ahyp="http://schemas.microsoft.com/office/drawing/2018/hyperlinkcolor" xmlns="" val="tx"/>
+                      <ahyp:hlinkClr xmlns="" xmlns:ahyp="http://schemas.microsoft.com/office/drawing/2018/hyperlinkcolor" val="tx"/>
                     </a:ext>
                   </a:extLst>
                 </a:hlinkClick>
@@ -33519,7 +34758,7 @@
 </p:sld>
 </file>
 
-<file path=ppt/slides/slide55.xml><?xml version="1.0" encoding="utf-8"?>
+<file path=ppt/slides/slide58.xml><?xml version="1.0" encoding="utf-8"?>
 <p:sld xmlns:a="http://schemas.openxmlformats.org/drawingml/2006/main" xmlns:r="http://schemas.openxmlformats.org/officeDocument/2006/relationships" xmlns:p="http://schemas.openxmlformats.org/presentationml/2006/main">
   <p:cSld>
     <p:bg>
@@ -34707,7 +35946,7 @@
                 <a:hlinkClick r:id="rId2">
                   <a:extLst>
                     <a:ext uri="{A12FA001-AC4F-418D-AE19-62706E023703}">
-                      <ahyp:hlinkClr xmlns:ahyp="http://schemas.microsoft.com/office/drawing/2018/hyperlinkcolor" xmlns="" val="tx"/>
+                      <ahyp:hlinkClr xmlns="" xmlns:ahyp="http://schemas.microsoft.com/office/drawing/2018/hyperlinkcolor" val="tx"/>
                     </a:ext>
                   </a:extLst>
                 </a:hlinkClick>
@@ -34743,7 +35982,7 @@
                 <a14:useLocalDpi xmlns:a14="http://schemas.microsoft.com/office/drawing/2010/main" val="0"/>
               </a:ext>
               <a:ext uri="{96DAC541-7B7A-43D3-8B79-37D633B846F1}">
-                <asvg:svgBlip xmlns:asvg="http://schemas.microsoft.com/office/drawing/2016/SVG/main" xmlns="" r:embed="rId4"/>
+                <asvg:svgBlip xmlns="" xmlns:asvg="http://schemas.microsoft.com/office/drawing/2016/SVG/main" r:embed="rId4"/>
               </a:ext>
             </a:extLst>
           </a:blip>
@@ -34796,7 +36035,7 @@
                 <a:hlinkClick r:id="rId5">
                   <a:extLst>
                     <a:ext uri="{A12FA001-AC4F-418D-AE19-62706E023703}">
-                      <ahyp:hlinkClr xmlns:ahyp="http://schemas.microsoft.com/office/drawing/2018/hyperlinkcolor" xmlns="" val="tx"/>
+                      <ahyp:hlinkClr xmlns="" xmlns:ahyp="http://schemas.microsoft.com/office/drawing/2018/hyperlinkcolor" val="tx"/>
                     </a:ext>
                   </a:extLst>
                 </a:hlinkClick>
@@ -34832,7 +36071,7 @@
                 <a14:useLocalDpi xmlns:a14="http://schemas.microsoft.com/office/drawing/2010/main" val="0"/>
               </a:ext>
               <a:ext uri="{96DAC541-7B7A-43D3-8B79-37D633B846F1}">
-                <asvg:svgBlip xmlns:asvg="http://schemas.microsoft.com/office/drawing/2016/SVG/main" xmlns="" r:embed="rId7"/>
+                <asvg:svgBlip xmlns="" xmlns:asvg="http://schemas.microsoft.com/office/drawing/2016/SVG/main" r:embed="rId7"/>
               </a:ext>
             </a:extLst>
           </a:blip>
@@ -34871,7 +36110,7 @@
                 <a14:useLocalDpi xmlns:a14="http://schemas.microsoft.com/office/drawing/2010/main" val="0"/>
               </a:ext>
               <a:ext uri="{96DAC541-7B7A-43D3-8B79-37D633B846F1}">
-                <asvg:svgBlip xmlns:asvg="http://schemas.microsoft.com/office/drawing/2016/SVG/main" xmlns="" r:embed="rId9"/>
+                <asvg:svgBlip xmlns="" xmlns:asvg="http://schemas.microsoft.com/office/drawing/2016/SVG/main" r:embed="rId9"/>
               </a:ext>
             </a:extLst>
           </a:blip>
@@ -34910,7 +36149,7 @@
                 <a14:useLocalDpi xmlns:a14="http://schemas.microsoft.com/office/drawing/2010/main" val="0"/>
               </a:ext>
               <a:ext uri="{96DAC541-7B7A-43D3-8B79-37D633B846F1}">
-                <asvg:svgBlip xmlns:asvg="http://schemas.microsoft.com/office/drawing/2016/SVG/main" xmlns="" r:embed="rId11"/>
+                <asvg:svgBlip xmlns="" xmlns:asvg="http://schemas.microsoft.com/office/drawing/2016/SVG/main" r:embed="rId11"/>
               </a:ext>
             </a:extLst>
           </a:blip>
@@ -34949,7 +36188,7 @@
                 <a14:useLocalDpi xmlns:a14="http://schemas.microsoft.com/office/drawing/2010/main" val="0"/>
               </a:ext>
               <a:ext uri="{96DAC541-7B7A-43D3-8B79-37D633B846F1}">
-                <asvg:svgBlip xmlns:asvg="http://schemas.microsoft.com/office/drawing/2016/SVG/main" xmlns="" r:embed="rId13"/>
+                <asvg:svgBlip xmlns="" xmlns:asvg="http://schemas.microsoft.com/office/drawing/2016/SVG/main" r:embed="rId13"/>
               </a:ext>
             </a:extLst>
           </a:blip>
@@ -35445,7 +36684,7 @@
                 <a14:useLocalDpi xmlns:a14="http://schemas.microsoft.com/office/drawing/2010/main" val="0"/>
               </a:ext>
               <a:ext uri="{96DAC541-7B7A-43D3-8B79-37D633B846F1}">
-                <asvg:svgBlip xmlns:asvg="http://schemas.microsoft.com/office/drawing/2016/SVG/main" xmlns="" r:embed="rId4"/>
+                <asvg:svgBlip xmlns="" xmlns:asvg="http://schemas.microsoft.com/office/drawing/2016/SVG/main" r:embed="rId4"/>
               </a:ext>
             </a:extLst>
           </a:blip>

--- a/slides/GraphqlSlides.pptx
+++ b/slides/GraphqlSlides.pptx
@@ -255,7 +255,7 @@
           <a:p>
             <a:fld id="{858036E5-7FF6-491F-BDEF-E833DBCA9680}" type="datetimeFigureOut">
               <a:rPr lang="de-DE" smtClean="0"/>
-              <a:t>04.04.2019</a:t>
+              <a:t>05.04.2019</a:t>
             </a:fld>
             <a:endParaRPr lang="de-DE"/>
           </a:p>
@@ -566,10 +566,7 @@
           <a:bodyPr/>
           <a:lstStyle/>
           <a:p>
-            <a:r>
-              <a:rPr lang="de-DE" dirty="0"/>
-              <a:t>TODO: Überschriften!!!</a:t>
-            </a:r>
+            <a:endParaRPr lang="de-DE" dirty="0"/>
           </a:p>
         </p:txBody>
       </p:sp>
@@ -4149,7 +4146,7 @@
           <a:p>
             <a:fld id="{3A538C34-53B0-4EA9-8596-22F17B12308D}" type="datetimeFigureOut">
               <a:rPr lang="de-DE" smtClean="0"/>
-              <a:t>04.04.2019</a:t>
+              <a:t>05.04.2019</a:t>
             </a:fld>
             <a:endParaRPr lang="de-DE"/>
           </a:p>
@@ -4347,7 +4344,7 @@
           <a:p>
             <a:fld id="{3A538C34-53B0-4EA9-8596-22F17B12308D}" type="datetimeFigureOut">
               <a:rPr lang="de-DE" smtClean="0"/>
-              <a:t>04.04.2019</a:t>
+              <a:t>05.04.2019</a:t>
             </a:fld>
             <a:endParaRPr lang="de-DE"/>
           </a:p>
@@ -4555,7 +4552,7 @@
           <a:p>
             <a:fld id="{3A538C34-53B0-4EA9-8596-22F17B12308D}" type="datetimeFigureOut">
               <a:rPr lang="de-DE" smtClean="0"/>
-              <a:t>04.04.2019</a:t>
+              <a:t>05.04.2019</a:t>
             </a:fld>
             <a:endParaRPr lang="de-DE"/>
           </a:p>
@@ -4753,7 +4750,7 @@
           <a:p>
             <a:fld id="{3A538C34-53B0-4EA9-8596-22F17B12308D}" type="datetimeFigureOut">
               <a:rPr lang="de-DE" smtClean="0"/>
-              <a:t>04.04.2019</a:t>
+              <a:t>05.04.2019</a:t>
             </a:fld>
             <a:endParaRPr lang="de-DE"/>
           </a:p>
@@ -5028,7 +5025,7 @@
           <a:p>
             <a:fld id="{3A538C34-53B0-4EA9-8596-22F17B12308D}" type="datetimeFigureOut">
               <a:rPr lang="de-DE" smtClean="0"/>
-              <a:t>04.04.2019</a:t>
+              <a:t>05.04.2019</a:t>
             </a:fld>
             <a:endParaRPr lang="de-DE"/>
           </a:p>
@@ -5293,7 +5290,7 @@
           <a:p>
             <a:fld id="{3A538C34-53B0-4EA9-8596-22F17B12308D}" type="datetimeFigureOut">
               <a:rPr lang="de-DE" smtClean="0"/>
-              <a:t>04.04.2019</a:t>
+              <a:t>05.04.2019</a:t>
             </a:fld>
             <a:endParaRPr lang="de-DE"/>
           </a:p>
@@ -5705,7 +5702,7 @@
           <a:p>
             <a:fld id="{3A538C34-53B0-4EA9-8596-22F17B12308D}" type="datetimeFigureOut">
               <a:rPr lang="de-DE" smtClean="0"/>
-              <a:t>04.04.2019</a:t>
+              <a:t>05.04.2019</a:t>
             </a:fld>
             <a:endParaRPr lang="de-DE"/>
           </a:p>
@@ -5846,7 +5843,7 @@
           <a:p>
             <a:fld id="{3A538C34-53B0-4EA9-8596-22F17B12308D}" type="datetimeFigureOut">
               <a:rPr lang="de-DE" smtClean="0"/>
-              <a:t>04.04.2019</a:t>
+              <a:t>05.04.2019</a:t>
             </a:fld>
             <a:endParaRPr lang="de-DE"/>
           </a:p>
@@ -5959,7 +5956,7 @@
           <a:p>
             <a:fld id="{3A538C34-53B0-4EA9-8596-22F17B12308D}" type="datetimeFigureOut">
               <a:rPr lang="de-DE" smtClean="0"/>
-              <a:t>04.04.2019</a:t>
+              <a:t>05.04.2019</a:t>
             </a:fld>
             <a:endParaRPr lang="de-DE"/>
           </a:p>
@@ -6270,7 +6267,7 @@
           <a:p>
             <a:fld id="{3A538C34-53B0-4EA9-8596-22F17B12308D}" type="datetimeFigureOut">
               <a:rPr lang="de-DE" smtClean="0"/>
-              <a:t>04.04.2019</a:t>
+              <a:t>05.04.2019</a:t>
             </a:fld>
             <a:endParaRPr lang="de-DE"/>
           </a:p>
@@ -6558,7 +6555,7 @@
           <a:p>
             <a:fld id="{3A538C34-53B0-4EA9-8596-22F17B12308D}" type="datetimeFigureOut">
               <a:rPr lang="de-DE" smtClean="0"/>
-              <a:t>04.04.2019</a:t>
+              <a:t>05.04.2019</a:t>
             </a:fld>
             <a:endParaRPr lang="de-DE"/>
           </a:p>
@@ -6799,7 +6796,7 @@
           <a:p>
             <a:fld id="{3A538C34-53B0-4EA9-8596-22F17B12308D}" type="datetimeFigureOut">
               <a:rPr lang="de-DE" smtClean="0"/>
-              <a:t>04.04.2019</a:t>
+              <a:t>05.04.2019</a:t>
             </a:fld>
             <a:endParaRPr lang="de-DE"/>
           </a:p>
@@ -17285,7 +17282,7 @@
         </p:nvSpPr>
         <p:spPr>
           <a:xfrm>
-            <a:off x="2558845" y="3201837"/>
+            <a:off x="2558845" y="3168244"/>
             <a:ext cx="1629613" cy="369332"/>
           </a:xfrm>
           <a:prstGeom prst="rect">
@@ -17909,7 +17906,7 @@
           <a:noFill/>
           <a:ln w="12700" cap="flat" cmpd="sng" algn="ctr">
             <a:solidFill>
-              <a:srgbClr val="FFB86C"/>
+              <a:srgbClr val="B1108E"/>
             </a:solidFill>
             <a:prstDash val="solid"/>
             <a:round/>
@@ -17939,7 +17936,7 @@
             <a:r>
               <a:rPr lang="de-DE" dirty="0">
                 <a:solidFill>
-                  <a:srgbClr val="FFB86C"/>
+                  <a:srgbClr val="B1108E"/>
                 </a:solidFill>
               </a:rPr>
               <a:t>Arguments</a:t>
@@ -17971,7 +17968,7 @@
           </a:prstGeom>
           <a:ln w="12700">
             <a:solidFill>
-              <a:srgbClr val="FFB86C"/>
+              <a:srgbClr val="B1108E"/>
             </a:solidFill>
             <a:tailEnd type="triangle"/>
           </a:ln>
@@ -18015,7 +18012,7 @@
           </a:prstGeom>
           <a:ln w="12700">
             <a:solidFill>
-              <a:srgbClr val="FFB86C"/>
+              <a:srgbClr val="B1108E"/>
             </a:solidFill>
             <a:tailEnd type="triangle"/>
           </a:ln>
@@ -19184,7 +19181,7 @@
             <a:r>
               <a:rPr lang="de-DE" dirty="0" err="1">
                 <a:solidFill>
-                  <a:srgbClr val="FF79C6"/>
+                  <a:srgbClr val="7B30D0"/>
                 </a:solidFill>
                 <a:latin typeface="Fira Code" panose="020B0509050000020004" pitchFamily="49" charset="0"/>
               </a:rPr>
@@ -19193,7 +19190,7 @@
             <a:r>
               <a:rPr lang="de-DE" dirty="0">
                 <a:solidFill>
-                  <a:srgbClr val="F8F8F2"/>
+                  <a:srgbClr val="236EBF"/>
                 </a:solidFill>
                 <a:latin typeface="Fira Code" panose="020B0509050000020004" pitchFamily="49" charset="0"/>
               </a:rPr>
@@ -19202,7 +19199,7 @@
             <a:r>
               <a:rPr lang="de-DE" dirty="0" err="1">
                 <a:solidFill>
-                  <a:srgbClr val="50FA7B"/>
+                  <a:srgbClr val="B1108E"/>
                 </a:solidFill>
                 <a:latin typeface="Fira Code" panose="020B0509050000020004" pitchFamily="49" charset="0"/>
               </a:rPr>
@@ -19211,25 +19208,25 @@
             <a:r>
               <a:rPr lang="de-DE" dirty="0">
                 <a:solidFill>
-                  <a:srgbClr val="F8F8F2"/>
+                  <a:srgbClr val="236EBF"/>
                 </a:solidFill>
                 <a:latin typeface="Fira Code" panose="020B0509050000020004" pitchFamily="49" charset="0"/>
               </a:rPr>
               <a:t>(</a:t>
             </a:r>
             <a:r>
-              <a:rPr lang="de-DE" i="1" dirty="0">
-                <a:solidFill>
-                  <a:srgbClr val="FFB86C"/>
+              <a:rPr lang="de-DE" dirty="0">
+                <a:solidFill>
+                  <a:srgbClr val="B1108E"/>
                 </a:solidFill>
                 <a:latin typeface="Fira Code" panose="020B0509050000020004" pitchFamily="49" charset="0"/>
               </a:rPr>
               <a:t>$</a:t>
             </a:r>
             <a:r>
-              <a:rPr lang="de-DE" i="1" dirty="0" err="1">
-                <a:solidFill>
-                  <a:srgbClr val="FFB86C"/>
+              <a:rPr lang="de-DE" dirty="0" err="1">
+                <a:solidFill>
+                  <a:srgbClr val="B1108E"/>
                 </a:solidFill>
                 <a:latin typeface="Fira Code" panose="020B0509050000020004" pitchFamily="49" charset="0"/>
               </a:rPr>
@@ -19238,119 +19235,110 @@
             <a:r>
               <a:rPr lang="de-DE" dirty="0">
                 <a:solidFill>
-                  <a:srgbClr val="FF79C6"/>
-                </a:solidFill>
-                <a:latin typeface="Fira Code" panose="020B0509050000020004" pitchFamily="49" charset="0"/>
-              </a:rPr>
-              <a:t>:</a:t>
+                  <a:srgbClr val="236EBF"/>
+                </a:solidFill>
+                <a:latin typeface="Fira Code" panose="020B0509050000020004" pitchFamily="49" charset="0"/>
+              </a:rPr>
+              <a:t>: </a:t>
+            </a:r>
+            <a:r>
+              <a:rPr lang="de-DE" dirty="0" err="1">
+                <a:solidFill>
+                  <a:srgbClr val="DC3EB7"/>
+                </a:solidFill>
+                <a:latin typeface="Fira Code" panose="020B0509050000020004" pitchFamily="49" charset="0"/>
+              </a:rPr>
+              <a:t>PostInput</a:t>
             </a:r>
             <a:r>
               <a:rPr lang="de-DE" dirty="0">
                 <a:solidFill>
-                  <a:srgbClr val="F8F8F2"/>
-                </a:solidFill>
-                <a:latin typeface="Fira Code" panose="020B0509050000020004" pitchFamily="49" charset="0"/>
-              </a:rPr>
-              <a:t> </a:t>
-            </a:r>
-            <a:r>
-              <a:rPr lang="de-DE" i="1" dirty="0" err="1">
-                <a:solidFill>
-                  <a:srgbClr val="8BE9FD"/>
-                </a:solidFill>
-                <a:latin typeface="Fira Code" panose="020B0509050000020004" pitchFamily="49" charset="0"/>
-              </a:rPr>
-              <a:t>PostInput</a:t>
-            </a:r>
+                  <a:srgbClr val="236EBF"/>
+                </a:solidFill>
+                <a:latin typeface="Fira Code" panose="020B0509050000020004" pitchFamily="49" charset="0"/>
+              </a:rPr>
+              <a:t>) {</a:t>
+            </a:r>
+          </a:p>
+          <a:p>
             <a:r>
               <a:rPr lang="de-DE" dirty="0">
                 <a:solidFill>
-                  <a:srgbClr val="F8F8F2"/>
-                </a:solidFill>
-                <a:latin typeface="Fira Code" panose="020B0509050000020004" pitchFamily="49" charset="0"/>
-              </a:rPr>
-              <a:t>) {</a:t>
-            </a:r>
-          </a:p>
-          <a:p>
+                  <a:srgbClr val="2F86D2"/>
+                </a:solidFill>
+                <a:latin typeface="Fira Code" panose="020B0509050000020004" pitchFamily="49" charset="0"/>
+              </a:rPr>
+              <a:t>  </a:t>
+            </a:r>
+            <a:r>
+              <a:rPr lang="de-DE" dirty="0" err="1">
+                <a:solidFill>
+                  <a:srgbClr val="2F86D2"/>
+                </a:solidFill>
+                <a:latin typeface="Fira Code" panose="020B0509050000020004" pitchFamily="49" charset="0"/>
+              </a:rPr>
+              <a:t>createPost</a:t>
+            </a:r>
             <a:r>
               <a:rPr lang="de-DE" dirty="0">
                 <a:solidFill>
-                  <a:srgbClr val="F1FA8C"/>
-                </a:solidFill>
-                <a:latin typeface="Fira Code" panose="020B0509050000020004" pitchFamily="49" charset="0"/>
-              </a:rPr>
-              <a:t>  </a:t>
+                  <a:srgbClr val="236EBF"/>
+                </a:solidFill>
+                <a:latin typeface="Fira Code" panose="020B0509050000020004" pitchFamily="49" charset="0"/>
+              </a:rPr>
+              <a:t>(</a:t>
             </a:r>
             <a:r>
               <a:rPr lang="de-DE" dirty="0" err="1">
                 <a:solidFill>
-                  <a:srgbClr val="F1FA8C"/>
-                </a:solidFill>
-                <a:latin typeface="Fira Code" panose="020B0509050000020004" pitchFamily="49" charset="0"/>
-              </a:rPr>
-              <a:t>createPost</a:t>
+                  <a:srgbClr val="B1108E"/>
+                </a:solidFill>
+                <a:latin typeface="Fira Code" panose="020B0509050000020004" pitchFamily="49" charset="0"/>
+              </a:rPr>
+              <a:t>post</a:t>
             </a:r>
             <a:r>
               <a:rPr lang="de-DE" dirty="0">
                 <a:solidFill>
-                  <a:srgbClr val="F8F8F2"/>
-                </a:solidFill>
-                <a:latin typeface="Fira Code" panose="020B0509050000020004" pitchFamily="49" charset="0"/>
-              </a:rPr>
-              <a:t>(</a:t>
-            </a:r>
-            <a:r>
-              <a:rPr lang="de-DE" i="1" dirty="0" err="1">
-                <a:solidFill>
-                  <a:srgbClr val="FFB86C"/>
-                </a:solidFill>
-                <a:latin typeface="Fira Code" panose="020B0509050000020004" pitchFamily="49" charset="0"/>
-              </a:rPr>
-              <a:t>post</a:t>
+                  <a:srgbClr val="236EBF"/>
+                </a:solidFill>
+                <a:latin typeface="Fira Code" panose="020B0509050000020004" pitchFamily="49" charset="0"/>
+              </a:rPr>
+              <a:t>: </a:t>
             </a:r>
             <a:r>
               <a:rPr lang="de-DE" dirty="0">
                 <a:solidFill>
-                  <a:srgbClr val="FF79C6"/>
-                </a:solidFill>
-                <a:latin typeface="Fira Code" panose="020B0509050000020004" pitchFamily="49" charset="0"/>
-              </a:rPr>
-              <a:t>:</a:t>
+                  <a:srgbClr val="2F86D2"/>
+                </a:solidFill>
+                <a:latin typeface="Fira Code" panose="020B0509050000020004" pitchFamily="49" charset="0"/>
+              </a:rPr>
+              <a:t>$</a:t>
+            </a:r>
+            <a:r>
+              <a:rPr lang="de-DE" dirty="0" err="1">
+                <a:solidFill>
+                  <a:srgbClr val="2F86D2"/>
+                </a:solidFill>
+                <a:latin typeface="Fira Code" panose="020B0509050000020004" pitchFamily="49" charset="0"/>
+              </a:rPr>
+              <a:t>newPost</a:t>
             </a:r>
             <a:r>
               <a:rPr lang="de-DE" dirty="0">
                 <a:solidFill>
-                  <a:srgbClr val="F8F8F2"/>
-                </a:solidFill>
-                <a:latin typeface="Fira Code" panose="020B0509050000020004" pitchFamily="49" charset="0"/>
-              </a:rPr>
-              <a:t> $</a:t>
-            </a:r>
-            <a:r>
-              <a:rPr lang="de-DE" dirty="0" err="1">
-                <a:solidFill>
-                  <a:srgbClr val="F8F8F2"/>
-                </a:solidFill>
-                <a:latin typeface="Fira Code" panose="020B0509050000020004" pitchFamily="49" charset="0"/>
-              </a:rPr>
-              <a:t>newPost</a:t>
-            </a:r>
+                  <a:srgbClr val="236EBF"/>
+                </a:solidFill>
+                <a:latin typeface="Fira Code" panose="020B0509050000020004" pitchFamily="49" charset="0"/>
+              </a:rPr>
+              <a:t>)</a:t>
+            </a:r>
+          </a:p>
+          <a:p>
             <a:r>
               <a:rPr lang="de-DE" dirty="0">
                 <a:solidFill>
-                  <a:srgbClr val="F8F8F2"/>
-                </a:solidFill>
-                <a:latin typeface="Fira Code" panose="020B0509050000020004" pitchFamily="49" charset="0"/>
-              </a:rPr>
-              <a:t>)</a:t>
-            </a:r>
-          </a:p>
-          <a:p>
-            <a:r>
-              <a:rPr lang="de-DE" dirty="0">
-                <a:solidFill>
-                  <a:srgbClr val="F8F8F2"/>
+                  <a:srgbClr val="236EBF"/>
                 </a:solidFill>
                 <a:latin typeface="Fira Code" panose="020B0509050000020004" pitchFamily="49" charset="0"/>
               </a:rPr>
@@ -19467,128 +19455,119 @@
           <a:lstStyle/>
           <a:p>
             <a:r>
-              <a:rPr lang="de-DE">
-                <a:solidFill>
-                  <a:srgbClr val="FF79C6"/>
+              <a:rPr lang="de-DE" dirty="0">
+                <a:solidFill>
+                  <a:srgbClr val="7B30D0"/>
                 </a:solidFill>
                 <a:latin typeface="Fira Code" panose="020B0509050000020004" pitchFamily="49" charset="0"/>
               </a:rPr>
               <a:t>type</a:t>
             </a:r>
             <a:r>
-              <a:rPr lang="de-DE">
-                <a:solidFill>
-                  <a:srgbClr val="F8F8F2"/>
+              <a:rPr lang="de-DE" dirty="0">
+                <a:solidFill>
+                  <a:srgbClr val="236EBF"/>
                 </a:solidFill>
                 <a:latin typeface="Fira Code" panose="020B0509050000020004" pitchFamily="49" charset="0"/>
               </a:rPr>
               <a:t> </a:t>
             </a:r>
             <a:r>
-              <a:rPr lang="de-DE" i="1">
-                <a:solidFill>
-                  <a:srgbClr val="8BE9FD"/>
+              <a:rPr lang="de-DE" dirty="0">
+                <a:solidFill>
+                  <a:srgbClr val="DC3EB7"/>
                 </a:solidFill>
                 <a:latin typeface="Fira Code" panose="020B0509050000020004" pitchFamily="49" charset="0"/>
               </a:rPr>
               <a:t>Mutation</a:t>
             </a:r>
             <a:r>
-              <a:rPr lang="de-DE">
-                <a:solidFill>
-                  <a:srgbClr val="F8F8F2"/>
-                </a:solidFill>
-                <a:latin typeface="Fira Code" panose="020B0509050000020004" pitchFamily="49" charset="0"/>
-              </a:rPr>
-              <a:t> </a:t>
-            </a:r>
-            <a:r>
               <a:rPr lang="de-DE" dirty="0">
                 <a:solidFill>
-                  <a:srgbClr val="F8F8F2"/>
-                </a:solidFill>
-                <a:latin typeface="Fira Code" panose="020B0509050000020004" pitchFamily="49" charset="0"/>
-              </a:rPr>
-              <a:t>{</a:t>
-            </a:r>
-          </a:p>
-          <a:p>
-            <a:r>
-              <a:rPr lang="de-DE">
-                <a:solidFill>
-                  <a:srgbClr val="F8F8F2"/>
-                </a:solidFill>
-                <a:latin typeface="Fira Code" panose="020B0509050000020004" pitchFamily="49" charset="0"/>
-              </a:rPr>
-              <a:t>    createPost(post</a:t>
-            </a:r>
-            <a:r>
-              <a:rPr lang="de-DE">
-                <a:solidFill>
-                  <a:srgbClr val="FF79C6"/>
-                </a:solidFill>
-                <a:latin typeface="Fira Code" panose="020B0509050000020004" pitchFamily="49" charset="0"/>
-              </a:rPr>
-              <a:t>:</a:t>
-            </a:r>
-            <a:r>
-              <a:rPr lang="de-DE">
-                <a:solidFill>
-                  <a:srgbClr val="F8F8F2"/>
-                </a:solidFill>
-                <a:latin typeface="Fira Code" panose="020B0509050000020004" pitchFamily="49" charset="0"/>
-              </a:rPr>
-              <a:t> </a:t>
-            </a:r>
-            <a:r>
-              <a:rPr lang="de-DE" i="1">
-                <a:solidFill>
-                  <a:srgbClr val="8BE9FD"/>
+                  <a:srgbClr val="236EBF"/>
+                </a:solidFill>
+                <a:latin typeface="Fira Code" panose="020B0509050000020004" pitchFamily="49" charset="0"/>
+              </a:rPr>
+              <a:t> {</a:t>
+            </a:r>
+          </a:p>
+          <a:p>
+            <a:r>
+              <a:rPr lang="de-DE" dirty="0">
+                <a:solidFill>
+                  <a:srgbClr val="2F86D2"/>
+                </a:solidFill>
+                <a:latin typeface="Fira Code" panose="020B0509050000020004" pitchFamily="49" charset="0"/>
+              </a:rPr>
+              <a:t>  </a:t>
+            </a:r>
+            <a:r>
+              <a:rPr lang="de-DE" dirty="0" err="1">
+                <a:solidFill>
+                  <a:srgbClr val="2F86D2"/>
+                </a:solidFill>
+                <a:latin typeface="Fira Code" panose="020B0509050000020004" pitchFamily="49" charset="0"/>
+              </a:rPr>
+              <a:t>createPost</a:t>
+            </a:r>
+            <a:r>
+              <a:rPr lang="de-DE" dirty="0">
+                <a:solidFill>
+                  <a:srgbClr val="236EBF"/>
+                </a:solidFill>
+                <a:latin typeface="Fira Code" panose="020B0509050000020004" pitchFamily="49" charset="0"/>
+              </a:rPr>
+              <a:t>(</a:t>
+            </a:r>
+            <a:r>
+              <a:rPr lang="de-DE" dirty="0" err="1">
+                <a:solidFill>
+                  <a:srgbClr val="B1108E"/>
+                </a:solidFill>
+                <a:latin typeface="Fira Code" panose="020B0509050000020004" pitchFamily="49" charset="0"/>
+              </a:rPr>
+              <a:t>post</a:t>
+            </a:r>
+            <a:r>
+              <a:rPr lang="de-DE" dirty="0">
+                <a:solidFill>
+                  <a:srgbClr val="236EBF"/>
+                </a:solidFill>
+                <a:latin typeface="Fira Code" panose="020B0509050000020004" pitchFamily="49" charset="0"/>
+              </a:rPr>
+              <a:t>: </a:t>
+            </a:r>
+            <a:r>
+              <a:rPr lang="de-DE" dirty="0">
+                <a:solidFill>
+                  <a:srgbClr val="DC3EB7"/>
                 </a:solidFill>
                 <a:latin typeface="Fira Code" panose="020B0509050000020004" pitchFamily="49" charset="0"/>
               </a:rPr>
               <a:t>Post</a:t>
             </a:r>
             <a:r>
-              <a:rPr lang="de-DE">
-                <a:solidFill>
-                  <a:srgbClr val="FF79C6"/>
+              <a:rPr lang="de-DE" dirty="0">
+                <a:solidFill>
+                  <a:srgbClr val="7B30D0"/>
                 </a:solidFill>
                 <a:latin typeface="Fira Code" panose="020B0509050000020004" pitchFamily="49" charset="0"/>
               </a:rPr>
               <a:t>!</a:t>
             </a:r>
             <a:r>
-              <a:rPr lang="de-DE">
-                <a:solidFill>
-                  <a:srgbClr val="F8F8F2"/>
-                </a:solidFill>
-                <a:latin typeface="Fira Code" panose="020B0509050000020004" pitchFamily="49" charset="0"/>
-              </a:rPr>
-              <a:t>)</a:t>
-            </a:r>
-            <a:r>
-              <a:rPr lang="de-DE">
-                <a:solidFill>
-                  <a:srgbClr val="FF79C6"/>
-                </a:solidFill>
-                <a:latin typeface="Fira Code" panose="020B0509050000020004" pitchFamily="49" charset="0"/>
-              </a:rPr>
-              <a:t>:</a:t>
-            </a:r>
-            <a:r>
-              <a:rPr lang="de-DE">
-                <a:solidFill>
-                  <a:srgbClr val="F8F8F2"/>
-                </a:solidFill>
-                <a:latin typeface="Fira Code" panose="020B0509050000020004" pitchFamily="49" charset="0"/>
-              </a:rPr>
-              <a:t> </a:t>
-            </a:r>
-            <a:r>
-              <a:rPr lang="de-DE" i="1">
-                <a:solidFill>
-                  <a:srgbClr val="8BE9FD"/>
+              <a:rPr lang="de-DE" dirty="0">
+                <a:solidFill>
+                  <a:srgbClr val="236EBF"/>
+                </a:solidFill>
+                <a:latin typeface="Fira Code" panose="020B0509050000020004" pitchFamily="49" charset="0"/>
+              </a:rPr>
+              <a:t>): </a:t>
+            </a:r>
+            <a:r>
+              <a:rPr lang="de-DE" dirty="0">
+                <a:solidFill>
+                  <a:srgbClr val="DC3EB7"/>
                 </a:solidFill>
                 <a:latin typeface="Fira Code" panose="020B0509050000020004" pitchFamily="49" charset="0"/>
               </a:rPr>
@@ -19596,27 +19575,21 @@
             </a:r>
             <a:endParaRPr lang="de-DE" dirty="0">
               <a:solidFill>
-                <a:srgbClr val="F8F8F2"/>
+                <a:srgbClr val="236EBF"/>
               </a:solidFill>
               <a:latin typeface="Fira Code" panose="020B0509050000020004" pitchFamily="49" charset="0"/>
             </a:endParaRPr>
           </a:p>
           <a:p>
             <a:r>
-              <a:rPr lang="de-DE">
-                <a:solidFill>
-                  <a:srgbClr val="F8F8F2"/>
+              <a:rPr lang="de-DE" dirty="0">
+                <a:solidFill>
+                  <a:srgbClr val="236EBF"/>
                 </a:solidFill>
                 <a:latin typeface="Fira Code" panose="020B0509050000020004" pitchFamily="49" charset="0"/>
               </a:rPr>
               <a:t>}</a:t>
             </a:r>
-            <a:endParaRPr lang="de-DE" dirty="0">
-              <a:solidFill>
-                <a:srgbClr val="F8F8F2"/>
-              </a:solidFill>
-              <a:latin typeface="Fira Code" panose="020B0509050000020004" pitchFamily="49" charset="0"/>
-            </a:endParaRPr>
           </a:p>
         </p:txBody>
       </p:sp>
@@ -19759,7 +19732,7 @@
             <a:r>
               <a:rPr lang="de-DE" dirty="0" err="1">
                 <a:solidFill>
-                  <a:srgbClr val="FF79C6"/>
+                  <a:srgbClr val="7B30D0"/>
                 </a:solidFill>
                 <a:latin typeface="Fira Code" panose="020B0509050000020004" pitchFamily="49" charset="0"/>
               </a:rPr>
@@ -19768,7 +19741,7 @@
             <a:r>
               <a:rPr lang="de-DE" dirty="0">
                 <a:solidFill>
-                  <a:srgbClr val="F8F8F2"/>
+                  <a:srgbClr val="236EBF"/>
                 </a:solidFill>
                 <a:latin typeface="Fira Code" panose="020B0509050000020004" pitchFamily="49" charset="0"/>
               </a:rPr>
@@ -19777,7 +19750,7 @@
             <a:r>
               <a:rPr lang="de-DE" dirty="0" err="1">
                 <a:solidFill>
-                  <a:srgbClr val="50FA7B"/>
+                  <a:srgbClr val="B1108E"/>
                 </a:solidFill>
                 <a:latin typeface="Fira Code" panose="020B0509050000020004" pitchFamily="49" charset="0"/>
               </a:rPr>
@@ -19786,25 +19759,25 @@
             <a:r>
               <a:rPr lang="de-DE" dirty="0">
                 <a:solidFill>
-                  <a:srgbClr val="F8F8F2"/>
+                  <a:srgbClr val="236EBF"/>
                 </a:solidFill>
                 <a:latin typeface="Fira Code" panose="020B0509050000020004" pitchFamily="49" charset="0"/>
               </a:rPr>
               <a:t>(</a:t>
             </a:r>
             <a:r>
-              <a:rPr lang="de-DE" i="1" dirty="0">
-                <a:solidFill>
-                  <a:srgbClr val="FFB86C"/>
+              <a:rPr lang="de-DE" dirty="0">
+                <a:solidFill>
+                  <a:srgbClr val="B1108E"/>
                 </a:solidFill>
                 <a:latin typeface="Fira Code" panose="020B0509050000020004" pitchFamily="49" charset="0"/>
               </a:rPr>
               <a:t>$</a:t>
             </a:r>
             <a:r>
-              <a:rPr lang="de-DE" i="1" dirty="0" err="1">
-                <a:solidFill>
-                  <a:srgbClr val="FFB86C"/>
+              <a:rPr lang="de-DE" dirty="0" err="1">
+                <a:solidFill>
+                  <a:srgbClr val="B1108E"/>
                 </a:solidFill>
                 <a:latin typeface="Fira Code" panose="020B0509050000020004" pitchFamily="49" charset="0"/>
               </a:rPr>
@@ -19813,34 +19786,25 @@
             <a:r>
               <a:rPr lang="de-DE" dirty="0">
                 <a:solidFill>
-                  <a:srgbClr val="FF79C6"/>
-                </a:solidFill>
-                <a:latin typeface="Fira Code" panose="020B0509050000020004" pitchFamily="49" charset="0"/>
-              </a:rPr>
-              <a:t>:</a:t>
+                  <a:srgbClr val="236EBF"/>
+                </a:solidFill>
+                <a:latin typeface="Fira Code" panose="020B0509050000020004" pitchFamily="49" charset="0"/>
+              </a:rPr>
+              <a:t>: </a:t>
+            </a:r>
+            <a:r>
+              <a:rPr lang="de-DE" dirty="0" err="1">
+                <a:solidFill>
+                  <a:srgbClr val="DC3EB7"/>
+                </a:solidFill>
+                <a:latin typeface="Fira Code" panose="020B0509050000020004" pitchFamily="49" charset="0"/>
+              </a:rPr>
+              <a:t>PostInput</a:t>
             </a:r>
             <a:r>
               <a:rPr lang="de-DE" dirty="0">
                 <a:solidFill>
-                  <a:srgbClr val="F8F8F2"/>
-                </a:solidFill>
-                <a:latin typeface="Fira Code" panose="020B0509050000020004" pitchFamily="49" charset="0"/>
-              </a:rPr>
-              <a:t> </a:t>
-            </a:r>
-            <a:r>
-              <a:rPr lang="de-DE" i="1" dirty="0" err="1">
-                <a:solidFill>
-                  <a:srgbClr val="8BE9FD"/>
-                </a:solidFill>
-                <a:latin typeface="Fira Code" panose="020B0509050000020004" pitchFamily="49" charset="0"/>
-              </a:rPr>
-              <a:t>PostInput</a:t>
-            </a:r>
-            <a:r>
-              <a:rPr lang="de-DE" i="1" dirty="0">
-                <a:solidFill>
-                  <a:srgbClr val="8BE9FD"/>
+                  <a:srgbClr val="7B30D0"/>
                 </a:solidFill>
                 <a:latin typeface="Fira Code" panose="020B0509050000020004" pitchFamily="49" charset="0"/>
               </a:rPr>
@@ -19849,7 +19813,7 @@
             <a:r>
               <a:rPr lang="de-DE" dirty="0">
                 <a:solidFill>
-                  <a:srgbClr val="F8F8F2"/>
+                  <a:srgbClr val="236EBF"/>
                 </a:solidFill>
                 <a:latin typeface="Fira Code" panose="020B0509050000020004" pitchFamily="49" charset="0"/>
               </a:rPr>
@@ -19860,7 +19824,7 @@
             <a:r>
               <a:rPr lang="de-DE" dirty="0">
                 <a:solidFill>
-                  <a:srgbClr val="F1FA8C"/>
+                  <a:srgbClr val="2F86D2"/>
                 </a:solidFill>
                 <a:latin typeface="Fira Code" panose="020B0509050000020004" pitchFamily="49" charset="0"/>
               </a:rPr>
@@ -19869,7 +19833,7 @@
             <a:r>
               <a:rPr lang="de-DE" dirty="0" err="1">
                 <a:solidFill>
-                  <a:srgbClr val="F1FA8C"/>
+                  <a:srgbClr val="2F86D2"/>
                 </a:solidFill>
                 <a:latin typeface="Fira Code" panose="020B0509050000020004" pitchFamily="49" charset="0"/>
               </a:rPr>
@@ -19878,16 +19842,16 @@
             <a:r>
               <a:rPr lang="de-DE" dirty="0">
                 <a:solidFill>
-                  <a:srgbClr val="F8F8F2"/>
+                  <a:srgbClr val="236EBF"/>
                 </a:solidFill>
                 <a:latin typeface="Fira Code" panose="020B0509050000020004" pitchFamily="49" charset="0"/>
               </a:rPr>
               <a:t>(</a:t>
             </a:r>
             <a:r>
-              <a:rPr lang="de-DE" i="1" dirty="0" err="1">
-                <a:solidFill>
-                  <a:srgbClr val="FFB86C"/>
+              <a:rPr lang="de-DE" dirty="0" err="1">
+                <a:solidFill>
+                  <a:srgbClr val="B1108E"/>
                 </a:solidFill>
                 <a:latin typeface="Fira Code" panose="020B0509050000020004" pitchFamily="49" charset="0"/>
               </a:rPr>
@@ -19896,25 +19860,25 @@
             <a:r>
               <a:rPr lang="de-DE" dirty="0">
                 <a:solidFill>
-                  <a:srgbClr val="FF79C6"/>
-                </a:solidFill>
-                <a:latin typeface="Fira Code" panose="020B0509050000020004" pitchFamily="49" charset="0"/>
-              </a:rPr>
-              <a:t>:</a:t>
+                  <a:srgbClr val="236EBF"/>
+                </a:solidFill>
+                <a:latin typeface="Fira Code" panose="020B0509050000020004" pitchFamily="49" charset="0"/>
+              </a:rPr>
+              <a:t>: </a:t>
             </a:r>
             <a:r>
               <a:rPr lang="de-DE" dirty="0">
                 <a:solidFill>
-                  <a:srgbClr val="F8F8F2"/>
-                </a:solidFill>
-                <a:latin typeface="Fira Code" panose="020B0509050000020004" pitchFamily="49" charset="0"/>
-              </a:rPr>
-              <a:t> $</a:t>
+                  <a:srgbClr val="2F86D2"/>
+                </a:solidFill>
+                <a:latin typeface="Fira Code" panose="020B0509050000020004" pitchFamily="49" charset="0"/>
+              </a:rPr>
+              <a:t>$</a:t>
             </a:r>
             <a:r>
               <a:rPr lang="de-DE" dirty="0" err="1">
                 <a:solidFill>
-                  <a:srgbClr val="F8F8F2"/>
+                  <a:srgbClr val="2F86D2"/>
                 </a:solidFill>
                 <a:latin typeface="Fira Code" panose="020B0509050000020004" pitchFamily="49" charset="0"/>
               </a:rPr>
@@ -19923,7 +19887,7 @@
             <a:r>
               <a:rPr lang="de-DE" dirty="0">
                 <a:solidFill>
-                  <a:srgbClr val="F8F8F2"/>
+                  <a:srgbClr val="236EBF"/>
                 </a:solidFill>
                 <a:latin typeface="Fira Code" panose="020B0509050000020004" pitchFamily="49" charset="0"/>
               </a:rPr>
@@ -19934,7 +19898,7 @@
             <a:r>
               <a:rPr lang="de-DE" dirty="0">
                 <a:solidFill>
-                  <a:srgbClr val="F8F8F2"/>
+                  <a:srgbClr val="2F86D2"/>
                 </a:solidFill>
                 <a:latin typeface="Fira Code" panose="020B0509050000020004" pitchFamily="49" charset="0"/>
               </a:rPr>
@@ -19943,7 +19907,7 @@
             <a:r>
               <a:rPr lang="de-DE" dirty="0" err="1">
                 <a:solidFill>
-                  <a:srgbClr val="F1FA8C"/>
+                  <a:srgbClr val="2F86D2"/>
                 </a:solidFill>
                 <a:latin typeface="Fira Code" panose="020B0509050000020004" pitchFamily="49" charset="0"/>
               </a:rPr>
@@ -19951,7 +19915,7 @@
             </a:r>
             <a:endParaRPr lang="de-DE" dirty="0">
               <a:solidFill>
-                <a:srgbClr val="F1FA8C"/>
+                <a:srgbClr val="236EBF"/>
               </a:solidFill>
               <a:latin typeface="Fira Code" panose="020B0509050000020004" pitchFamily="49" charset="0"/>
             </a:endParaRPr>
@@ -19960,7 +19924,7 @@
             <a:r>
               <a:rPr lang="de-DE" dirty="0">
                 <a:solidFill>
-                  <a:srgbClr val="F8F8F2"/>
+                  <a:srgbClr val="236EBF"/>
                 </a:solidFill>
                 <a:latin typeface="Fira Code" panose="020B0509050000020004" pitchFamily="49" charset="0"/>
               </a:rPr>
@@ -19971,7 +19935,7 @@
             <a:r>
               <a:rPr lang="de-DE" dirty="0">
                 <a:solidFill>
-                  <a:srgbClr val="F8F8F2"/>
+                  <a:srgbClr val="236EBF"/>
                 </a:solidFill>
                 <a:latin typeface="Fira Code" panose="020B0509050000020004" pitchFamily="49" charset="0"/>
               </a:rPr>
@@ -20010,7 +19974,7 @@
             <a:r>
               <a:rPr lang="en-US" dirty="0">
                 <a:solidFill>
-                  <a:srgbClr val="F8F8F2"/>
+                  <a:srgbClr val="236EBF"/>
                 </a:solidFill>
                 <a:latin typeface="Fira Code" panose="020B0509050000020004" pitchFamily="49" charset="0"/>
               </a:rPr>
@@ -20021,7 +19985,7 @@
             <a:r>
               <a:rPr lang="en-US" dirty="0">
                 <a:solidFill>
-                  <a:srgbClr val="8BE9FE"/>
+                  <a:srgbClr val="DC3EB7"/>
                 </a:solidFill>
                 <a:latin typeface="Fira Code" panose="020B0509050000020004" pitchFamily="49" charset="0"/>
               </a:rPr>
@@ -20030,7 +19994,7 @@
             <a:r>
               <a:rPr lang="en-US" dirty="0" err="1">
                 <a:solidFill>
-                  <a:srgbClr val="8BE9FD"/>
+                  <a:srgbClr val="DC3EB7"/>
                 </a:solidFill>
                 <a:latin typeface="Fira Code" panose="020B0509050000020004" pitchFamily="49" charset="0"/>
               </a:rPr>
@@ -20039,7 +20003,7 @@
             <a:r>
               <a:rPr lang="en-US" dirty="0">
                 <a:solidFill>
-                  <a:srgbClr val="8BE9FE"/>
+                  <a:srgbClr val="DC3EB7"/>
                 </a:solidFill>
                 <a:latin typeface="Fira Code" panose="020B0509050000020004" pitchFamily="49" charset="0"/>
               </a:rPr>
@@ -20048,45 +20012,112 @@
             <a:r>
               <a:rPr lang="en-US" dirty="0">
                 <a:solidFill>
-                  <a:srgbClr val="FF79C6"/>
-                </a:solidFill>
-                <a:latin typeface="Fira Code" panose="020B0509050000020004" pitchFamily="49" charset="0"/>
-              </a:rPr>
-              <a:t>:</a:t>
-            </a:r>
+                  <a:srgbClr val="236EBF"/>
+                </a:solidFill>
+                <a:latin typeface="Fira Code" panose="020B0509050000020004" pitchFamily="49" charset="0"/>
+              </a:rPr>
+              <a:t>: {</a:t>
+            </a:r>
+          </a:p>
+          <a:p>
             <a:r>
               <a:rPr lang="en-US" dirty="0">
                 <a:solidFill>
-                  <a:srgbClr val="F8F8F2"/>
-                </a:solidFill>
-                <a:latin typeface="Fira Code" panose="020B0509050000020004" pitchFamily="49" charset="0"/>
-              </a:rPr>
-              <a:t> {</a:t>
-            </a:r>
-          </a:p>
-          <a:p>
+                  <a:srgbClr val="DC3EB7"/>
+                </a:solidFill>
+                <a:latin typeface="Fira Code" panose="020B0509050000020004" pitchFamily="49" charset="0"/>
+              </a:rPr>
+              <a:t>    "title"</a:t>
+            </a:r>
             <a:r>
               <a:rPr lang="en-US" dirty="0">
                 <a:solidFill>
-                  <a:srgbClr val="8BE9FE"/>
-                </a:solidFill>
-                <a:latin typeface="Fira Code" panose="020B0509050000020004" pitchFamily="49" charset="0"/>
-              </a:rPr>
-              <a:t>    “</a:t>
+                  <a:srgbClr val="236EBF"/>
+                </a:solidFill>
+                <a:latin typeface="Fira Code" panose="020B0509050000020004" pitchFamily="49" charset="0"/>
+              </a:rPr>
+              <a:t>: </a:t>
             </a:r>
             <a:r>
               <a:rPr lang="en-US" dirty="0">
                 <a:solidFill>
-                  <a:srgbClr val="8BE9FD"/>
-                </a:solidFill>
-                <a:latin typeface="Fira Code" panose="020B0509050000020004" pitchFamily="49" charset="0"/>
-              </a:rPr>
-              <a:t>title</a:t>
+                  <a:srgbClr val="00820F"/>
+                </a:solidFill>
+                <a:latin typeface="Fira Code" panose="020B0509050000020004" pitchFamily="49" charset="0"/>
+              </a:rPr>
+              <a:t>"new title"</a:t>
             </a:r>
             <a:r>
               <a:rPr lang="en-US" dirty="0">
                 <a:solidFill>
-                  <a:srgbClr val="8BE9FE"/>
+                  <a:srgbClr val="236EBF"/>
+                </a:solidFill>
+                <a:latin typeface="Fira Code" panose="020B0509050000020004" pitchFamily="49" charset="0"/>
+              </a:rPr>
+              <a:t>,</a:t>
+            </a:r>
+          </a:p>
+          <a:p>
+            <a:r>
+              <a:rPr lang="en-US" dirty="0">
+                <a:solidFill>
+                  <a:srgbClr val="DC3EB7"/>
+                </a:solidFill>
+                <a:latin typeface="Fira Code" panose="020B0509050000020004" pitchFamily="49" charset="0"/>
+              </a:rPr>
+              <a:t>    "content"</a:t>
+            </a:r>
+            <a:r>
+              <a:rPr lang="en-US" dirty="0">
+                <a:solidFill>
+                  <a:srgbClr val="236EBF"/>
+                </a:solidFill>
+                <a:latin typeface="Fira Code" panose="020B0509050000020004" pitchFamily="49" charset="0"/>
+              </a:rPr>
+              <a:t>: </a:t>
+            </a:r>
+            <a:r>
+              <a:rPr lang="en-US" dirty="0">
+                <a:solidFill>
+                  <a:srgbClr val="00820F"/>
+                </a:solidFill>
+                <a:latin typeface="Fira Code" panose="020B0509050000020004" pitchFamily="49" charset="0"/>
+              </a:rPr>
+              <a:t>"new content"</a:t>
+            </a:r>
+            <a:r>
+              <a:rPr lang="en-US" dirty="0">
+                <a:solidFill>
+                  <a:srgbClr val="236EBF"/>
+                </a:solidFill>
+                <a:latin typeface="Fira Code" panose="020B0509050000020004" pitchFamily="49" charset="0"/>
+              </a:rPr>
+              <a:t>,</a:t>
+            </a:r>
+          </a:p>
+          <a:p>
+            <a:r>
+              <a:rPr lang="en-US" dirty="0">
+                <a:solidFill>
+                  <a:srgbClr val="DC3EB7"/>
+                </a:solidFill>
+                <a:latin typeface="Fira Code" panose="020B0509050000020004" pitchFamily="49" charset="0"/>
+              </a:rPr>
+              <a:t>    "</a:t>
+            </a:r>
+            <a:r>
+              <a:rPr lang="en-US" dirty="0" err="1">
+                <a:solidFill>
+                  <a:srgbClr val="DC3EB7"/>
+                </a:solidFill>
+                <a:latin typeface="Fira Code" panose="020B0509050000020004" pitchFamily="49" charset="0"/>
+              </a:rPr>
+              <a:t>author_id</a:t>
+            </a:r>
+            <a:r>
+              <a:rPr lang="en-US" dirty="0">
+                <a:solidFill>
+                  <a:srgbClr val="DC3EB7"/>
                 </a:solidFill>
                 <a:latin typeface="Fira Code" panose="020B0509050000020004" pitchFamily="49" charset="0"/>
               </a:rPr>
@@ -20095,191 +20126,16 @@
             <a:r>
               <a:rPr lang="en-US" dirty="0">
                 <a:solidFill>
-                  <a:srgbClr val="FF79C6"/>
-                </a:solidFill>
-                <a:latin typeface="Fira Code" panose="020B0509050000020004" pitchFamily="49" charset="0"/>
-              </a:rPr>
-              <a:t>:</a:t>
+                  <a:srgbClr val="236EBF"/>
+                </a:solidFill>
+                <a:latin typeface="Fira Code" panose="020B0509050000020004" pitchFamily="49" charset="0"/>
+              </a:rPr>
+              <a:t>: </a:t>
             </a:r>
             <a:r>
               <a:rPr lang="en-US" dirty="0">
                 <a:solidFill>
-                  <a:srgbClr val="F8F8F2"/>
-                </a:solidFill>
-                <a:latin typeface="Fira Code" panose="020B0509050000020004" pitchFamily="49" charset="0"/>
-              </a:rPr>
-              <a:t> </a:t>
-            </a:r>
-            <a:r>
-              <a:rPr lang="en-US" dirty="0">
-                <a:solidFill>
-                  <a:srgbClr val="E9F284"/>
-                </a:solidFill>
-                <a:latin typeface="Fira Code" panose="020B0509050000020004" pitchFamily="49" charset="0"/>
-              </a:rPr>
-              <a:t>"new </a:t>
-            </a:r>
-            <a:r>
-              <a:rPr lang="en-US" dirty="0">
-                <a:solidFill>
-                  <a:srgbClr val="F1FA8C"/>
-                </a:solidFill>
-                <a:latin typeface="Fira Code" panose="020B0509050000020004" pitchFamily="49" charset="0"/>
-              </a:rPr>
-              <a:t>title</a:t>
-            </a:r>
-            <a:r>
-              <a:rPr lang="en-US" dirty="0">
-                <a:solidFill>
-                  <a:srgbClr val="E9F284"/>
-                </a:solidFill>
-                <a:latin typeface="Fira Code" panose="020B0509050000020004" pitchFamily="49" charset="0"/>
-              </a:rPr>
-              <a:t>"</a:t>
-            </a:r>
-            <a:r>
-              <a:rPr lang="en-US" dirty="0">
-                <a:solidFill>
-                  <a:srgbClr val="F8F8F2"/>
-                </a:solidFill>
-                <a:latin typeface="Fira Code" panose="020B0509050000020004" pitchFamily="49" charset="0"/>
-              </a:rPr>
-              <a:t>,</a:t>
-            </a:r>
-          </a:p>
-          <a:p>
-            <a:r>
-              <a:rPr lang="en-US" dirty="0">
-                <a:solidFill>
-                  <a:srgbClr val="8BE9FE"/>
-                </a:solidFill>
-                <a:latin typeface="Fira Code" panose="020B0509050000020004" pitchFamily="49" charset="0"/>
-              </a:rPr>
-              <a:t>    "</a:t>
-            </a:r>
-            <a:r>
-              <a:rPr lang="en-US" dirty="0">
-                <a:solidFill>
-                  <a:srgbClr val="8BE9FD"/>
-                </a:solidFill>
-                <a:latin typeface="Fira Code" panose="020B0509050000020004" pitchFamily="49" charset="0"/>
-              </a:rPr>
-              <a:t>content</a:t>
-            </a:r>
-            <a:r>
-              <a:rPr lang="en-US" dirty="0">
-                <a:solidFill>
-                  <a:srgbClr val="8BE9FE"/>
-                </a:solidFill>
-                <a:latin typeface="Fira Code" panose="020B0509050000020004" pitchFamily="49" charset="0"/>
-              </a:rPr>
-              <a:t>"</a:t>
-            </a:r>
-            <a:r>
-              <a:rPr lang="en-US" dirty="0">
-                <a:solidFill>
-                  <a:srgbClr val="FF79C6"/>
-                </a:solidFill>
-                <a:latin typeface="Fira Code" panose="020B0509050000020004" pitchFamily="49" charset="0"/>
-              </a:rPr>
-              <a:t>:</a:t>
-            </a:r>
-            <a:r>
-              <a:rPr lang="en-US" dirty="0">
-                <a:solidFill>
-                  <a:srgbClr val="F8F8F2"/>
-                </a:solidFill>
-                <a:latin typeface="Fira Code" panose="020B0509050000020004" pitchFamily="49" charset="0"/>
-              </a:rPr>
-              <a:t> </a:t>
-            </a:r>
-            <a:r>
-              <a:rPr lang="en-US" dirty="0">
-                <a:solidFill>
-                  <a:srgbClr val="E9F284"/>
-                </a:solidFill>
-                <a:latin typeface="Fira Code" panose="020B0509050000020004" pitchFamily="49" charset="0"/>
-              </a:rPr>
-              <a:t>"new </a:t>
-            </a:r>
-            <a:r>
-              <a:rPr lang="en-US" dirty="0">
-                <a:solidFill>
-                  <a:srgbClr val="F1FA8C"/>
-                </a:solidFill>
-                <a:latin typeface="Fira Code" panose="020B0509050000020004" pitchFamily="49" charset="0"/>
-              </a:rPr>
-              <a:t>content</a:t>
-            </a:r>
-            <a:r>
-              <a:rPr lang="en-US" dirty="0">
-                <a:solidFill>
-                  <a:srgbClr val="E9F284"/>
-                </a:solidFill>
-                <a:latin typeface="Fira Code" panose="020B0509050000020004" pitchFamily="49" charset="0"/>
-              </a:rPr>
-              <a:t>"</a:t>
-            </a:r>
-            <a:r>
-              <a:rPr lang="en-US" dirty="0">
-                <a:solidFill>
-                  <a:srgbClr val="F8F8F2"/>
-                </a:solidFill>
-                <a:latin typeface="Fira Code" panose="020B0509050000020004" pitchFamily="49" charset="0"/>
-              </a:rPr>
-              <a:t>,</a:t>
-            </a:r>
-          </a:p>
-          <a:p>
-            <a:r>
-              <a:rPr lang="en-US" dirty="0">
-                <a:solidFill>
-                  <a:srgbClr val="8BE9FE"/>
-                </a:solidFill>
-                <a:latin typeface="Fira Code" panose="020B0509050000020004" pitchFamily="49" charset="0"/>
-              </a:rPr>
-              <a:t>    "</a:t>
-            </a:r>
-            <a:r>
-              <a:rPr lang="en-US" dirty="0" err="1">
-                <a:solidFill>
-                  <a:srgbClr val="8BE9FD"/>
-                </a:solidFill>
-                <a:latin typeface="Fira Code" panose="020B0509050000020004" pitchFamily="49" charset="0"/>
-              </a:rPr>
-              <a:t>author_id</a:t>
-            </a:r>
-            <a:r>
-              <a:rPr lang="en-US" dirty="0">
-                <a:solidFill>
-                  <a:srgbClr val="8BE9FE"/>
-                </a:solidFill>
-                <a:latin typeface="Fira Code" panose="020B0509050000020004" pitchFamily="49" charset="0"/>
-              </a:rPr>
-              <a:t>"</a:t>
-            </a:r>
-            <a:r>
-              <a:rPr lang="en-US" dirty="0">
-                <a:solidFill>
-                  <a:srgbClr val="FF79C6"/>
-                </a:solidFill>
-                <a:latin typeface="Fira Code" panose="020B0509050000020004" pitchFamily="49" charset="0"/>
-              </a:rPr>
-              <a:t>:</a:t>
-            </a:r>
-            <a:r>
-              <a:rPr lang="en-US" dirty="0">
-                <a:solidFill>
-                  <a:srgbClr val="F8F8F2"/>
-                </a:solidFill>
-                <a:latin typeface="Fira Code" panose="020B0509050000020004" pitchFamily="49" charset="0"/>
-              </a:rPr>
-              <a:t> </a:t>
-            </a:r>
-            <a:r>
-              <a:rPr lang="en-US" dirty="0">
-                <a:solidFill>
-                  <a:srgbClr val="BD93F9"/>
+                  <a:srgbClr val="174781"/>
                 </a:solidFill>
                 <a:latin typeface="Fira Code" panose="020B0509050000020004" pitchFamily="49" charset="0"/>
               </a:rPr>
@@ -20287,7 +20143,7 @@
             </a:r>
             <a:endParaRPr lang="en-US" dirty="0">
               <a:solidFill>
-                <a:srgbClr val="F8F8F2"/>
+                <a:srgbClr val="236EBF"/>
               </a:solidFill>
               <a:latin typeface="Fira Code" panose="020B0509050000020004" pitchFamily="49" charset="0"/>
             </a:endParaRPr>
@@ -20296,7 +20152,7 @@
             <a:r>
               <a:rPr lang="en-US" dirty="0">
                 <a:solidFill>
-                  <a:srgbClr val="F8F8F2"/>
+                  <a:srgbClr val="236EBF"/>
                 </a:solidFill>
                 <a:latin typeface="Fira Code" panose="020B0509050000020004" pitchFamily="49" charset="0"/>
               </a:rPr>
@@ -20307,19 +20163,12 @@
             <a:r>
               <a:rPr lang="en-US" dirty="0">
                 <a:solidFill>
-                  <a:srgbClr val="F8F8F2"/>
+                  <a:srgbClr val="236EBF"/>
                 </a:solidFill>
                 <a:latin typeface="Fira Code" panose="020B0509050000020004" pitchFamily="49" charset="0"/>
               </a:rPr>
               <a:t>}</a:t>
             </a:r>
-            <a:endParaRPr lang="en-US" b="0" dirty="0">
-              <a:solidFill>
-                <a:srgbClr val="F8F8F2"/>
-              </a:solidFill>
-              <a:effectLst/>
-              <a:latin typeface="Fira Code" panose="020B0509050000020004" pitchFamily="49" charset="0"/>
-            </a:endParaRPr>
           </a:p>
         </p:txBody>
       </p:sp>
@@ -20515,7 +20364,7 @@
             <a:r>
               <a:rPr lang="de-DE" dirty="0" err="1">
                 <a:solidFill>
-                  <a:srgbClr val="FF79C6"/>
+                  <a:srgbClr val="7B30D0"/>
                 </a:solidFill>
                 <a:latin typeface="Fira Code" panose="020B0509050000020004" pitchFamily="49" charset="0"/>
               </a:rPr>
@@ -20524,7 +20373,7 @@
             <a:r>
               <a:rPr lang="de-DE" dirty="0">
                 <a:solidFill>
-                  <a:srgbClr val="F8F8F2"/>
+                  <a:srgbClr val="236EBF"/>
                 </a:solidFill>
                 <a:latin typeface="Fira Code" panose="020B0509050000020004" pitchFamily="49" charset="0"/>
               </a:rPr>
@@ -20533,7 +20382,7 @@
             <a:r>
               <a:rPr lang="de-DE" dirty="0" err="1">
                 <a:solidFill>
-                  <a:srgbClr val="50FA7B"/>
+                  <a:srgbClr val="B1108E"/>
                 </a:solidFill>
                 <a:latin typeface="Fira Code" panose="020B0509050000020004" pitchFamily="49" charset="0"/>
               </a:rPr>
@@ -20542,25 +20391,25 @@
             <a:r>
               <a:rPr lang="de-DE" dirty="0">
                 <a:solidFill>
-                  <a:srgbClr val="F8F8F2"/>
+                  <a:srgbClr val="236EBF"/>
                 </a:solidFill>
                 <a:latin typeface="Fira Code" panose="020B0509050000020004" pitchFamily="49" charset="0"/>
               </a:rPr>
               <a:t>(</a:t>
             </a:r>
             <a:r>
-              <a:rPr lang="de-DE" i="1" dirty="0">
-                <a:solidFill>
-                  <a:srgbClr val="FFB86C"/>
+              <a:rPr lang="de-DE" dirty="0">
+                <a:solidFill>
+                  <a:srgbClr val="B1108E"/>
                 </a:solidFill>
                 <a:latin typeface="Fira Code" panose="020B0509050000020004" pitchFamily="49" charset="0"/>
               </a:rPr>
               <a:t>$</a:t>
             </a:r>
             <a:r>
-              <a:rPr lang="de-DE" i="1" dirty="0" err="1">
-                <a:solidFill>
-                  <a:srgbClr val="FFB86C"/>
+              <a:rPr lang="de-DE" dirty="0" err="1">
+                <a:solidFill>
+                  <a:srgbClr val="B1108E"/>
                 </a:solidFill>
                 <a:latin typeface="Fira Code" panose="020B0509050000020004" pitchFamily="49" charset="0"/>
               </a:rPr>
@@ -20569,34 +20418,34 @@
             <a:r>
               <a:rPr lang="de-DE" dirty="0">
                 <a:solidFill>
-                  <a:srgbClr val="FF79C6"/>
-                </a:solidFill>
-                <a:latin typeface="Fira Code" panose="020B0509050000020004" pitchFamily="49" charset="0"/>
-              </a:rPr>
-              <a:t>:</a:t>
+                  <a:srgbClr val="236EBF"/>
+                </a:solidFill>
+                <a:latin typeface="Fira Code" panose="020B0509050000020004" pitchFamily="49" charset="0"/>
+              </a:rPr>
+              <a:t>: </a:t>
+            </a:r>
+            <a:r>
+              <a:rPr lang="de-DE" dirty="0" err="1">
+                <a:solidFill>
+                  <a:srgbClr val="DC3EB7"/>
+                </a:solidFill>
+                <a:latin typeface="Fira Code" panose="020B0509050000020004" pitchFamily="49" charset="0"/>
+              </a:rPr>
+              <a:t>PostInput</a:t>
             </a:r>
             <a:r>
               <a:rPr lang="de-DE" dirty="0">
                 <a:solidFill>
-                  <a:srgbClr val="F8F8F2"/>
-                </a:solidFill>
-                <a:latin typeface="Fira Code" panose="020B0509050000020004" pitchFamily="49" charset="0"/>
-              </a:rPr>
-              <a:t> </a:t>
-            </a:r>
-            <a:r>
-              <a:rPr lang="de-DE" i="1" dirty="0" err="1">
-                <a:solidFill>
-                  <a:srgbClr val="8BE9FD"/>
-                </a:solidFill>
-                <a:latin typeface="Fira Code" panose="020B0509050000020004" pitchFamily="49" charset="0"/>
-              </a:rPr>
-              <a:t>PostInput</a:t>
+                  <a:srgbClr val="7B30D0"/>
+                </a:solidFill>
+                <a:latin typeface="Fira Code" panose="020B0509050000020004" pitchFamily="49" charset="0"/>
+              </a:rPr>
+              <a:t>!</a:t>
             </a:r>
             <a:r>
               <a:rPr lang="de-DE" dirty="0">
                 <a:solidFill>
-                  <a:srgbClr val="F8F8F2"/>
+                  <a:srgbClr val="236EBF"/>
                 </a:solidFill>
                 <a:latin typeface="Fira Code" panose="020B0509050000020004" pitchFamily="49" charset="0"/>
               </a:rPr>
@@ -20607,7 +20456,7 @@
             <a:r>
               <a:rPr lang="de-DE" dirty="0">
                 <a:solidFill>
-                  <a:srgbClr val="F1FA8C"/>
+                  <a:srgbClr val="2F86D2"/>
                 </a:solidFill>
                 <a:latin typeface="Fira Code" panose="020B0509050000020004" pitchFamily="49" charset="0"/>
               </a:rPr>
@@ -20616,7 +20465,7 @@
             <a:r>
               <a:rPr lang="de-DE" dirty="0" err="1">
                 <a:solidFill>
-                  <a:srgbClr val="F1FA8C"/>
+                  <a:srgbClr val="2F86D2"/>
                 </a:solidFill>
                 <a:latin typeface="Fira Code" panose="020B0509050000020004" pitchFamily="49" charset="0"/>
               </a:rPr>
@@ -20625,16 +20474,16 @@
             <a:r>
               <a:rPr lang="de-DE" dirty="0">
                 <a:solidFill>
-                  <a:srgbClr val="F8F8F2"/>
+                  <a:srgbClr val="236EBF"/>
                 </a:solidFill>
                 <a:latin typeface="Fira Code" panose="020B0509050000020004" pitchFamily="49" charset="0"/>
               </a:rPr>
               <a:t>(</a:t>
             </a:r>
             <a:r>
-              <a:rPr lang="de-DE" i="1" dirty="0" err="1">
-                <a:solidFill>
-                  <a:srgbClr val="FFB86C"/>
+              <a:rPr lang="de-DE" dirty="0" err="1">
+                <a:solidFill>
+                  <a:srgbClr val="B1108E"/>
                 </a:solidFill>
                 <a:latin typeface="Fira Code" panose="020B0509050000020004" pitchFamily="49" charset="0"/>
               </a:rPr>
@@ -20643,25 +20492,25 @@
             <a:r>
               <a:rPr lang="de-DE" dirty="0">
                 <a:solidFill>
-                  <a:srgbClr val="FF79C6"/>
-                </a:solidFill>
-                <a:latin typeface="Fira Code" panose="020B0509050000020004" pitchFamily="49" charset="0"/>
-              </a:rPr>
-              <a:t>:</a:t>
+                  <a:srgbClr val="236EBF"/>
+                </a:solidFill>
+                <a:latin typeface="Fira Code" panose="020B0509050000020004" pitchFamily="49" charset="0"/>
+              </a:rPr>
+              <a:t>: </a:t>
             </a:r>
             <a:r>
               <a:rPr lang="de-DE" dirty="0">
                 <a:solidFill>
-                  <a:srgbClr val="F8F8F2"/>
-                </a:solidFill>
-                <a:latin typeface="Fira Code" panose="020B0509050000020004" pitchFamily="49" charset="0"/>
-              </a:rPr>
-              <a:t> $</a:t>
+                  <a:srgbClr val="2F86D2"/>
+                </a:solidFill>
+                <a:latin typeface="Fira Code" panose="020B0509050000020004" pitchFamily="49" charset="0"/>
+              </a:rPr>
+              <a:t>$</a:t>
             </a:r>
             <a:r>
               <a:rPr lang="de-DE" dirty="0" err="1">
                 <a:solidFill>
-                  <a:srgbClr val="F8F8F2"/>
+                  <a:srgbClr val="2F86D2"/>
                 </a:solidFill>
                 <a:latin typeface="Fira Code" panose="020B0509050000020004" pitchFamily="49" charset="0"/>
               </a:rPr>
@@ -20670,7 +20519,7 @@
             <a:r>
               <a:rPr lang="de-DE" dirty="0">
                 <a:solidFill>
-                  <a:srgbClr val="F8F8F2"/>
+                  <a:srgbClr val="236EBF"/>
                 </a:solidFill>
                 <a:latin typeface="Fira Code" panose="020B0509050000020004" pitchFamily="49" charset="0"/>
               </a:rPr>
@@ -20681,7 +20530,7 @@
             <a:r>
               <a:rPr lang="de-DE" dirty="0">
                 <a:solidFill>
-                  <a:srgbClr val="F8F8F2"/>
+                  <a:srgbClr val="2F86D2"/>
                 </a:solidFill>
                 <a:latin typeface="Fira Code" panose="020B0509050000020004" pitchFamily="49" charset="0"/>
               </a:rPr>
@@ -20690,7 +20539,7 @@
             <a:r>
               <a:rPr lang="de-DE" dirty="0" err="1">
                 <a:solidFill>
-                  <a:srgbClr val="F1FA8C"/>
+                  <a:srgbClr val="2F86D2"/>
                 </a:solidFill>
                 <a:latin typeface="Fira Code" panose="020B0509050000020004" pitchFamily="49" charset="0"/>
               </a:rPr>
@@ -20698,7 +20547,7 @@
             </a:r>
             <a:endParaRPr lang="de-DE" dirty="0">
               <a:solidFill>
-                <a:srgbClr val="F1FA8C"/>
+                <a:srgbClr val="236EBF"/>
               </a:solidFill>
               <a:latin typeface="Fira Code" panose="020B0509050000020004" pitchFamily="49" charset="0"/>
             </a:endParaRPr>
@@ -20707,7 +20556,7 @@
             <a:r>
               <a:rPr lang="de-DE" dirty="0">
                 <a:solidFill>
-                  <a:srgbClr val="F8F8F2"/>
+                  <a:srgbClr val="236EBF"/>
                 </a:solidFill>
                 <a:latin typeface="Fira Code" panose="020B0509050000020004" pitchFamily="49" charset="0"/>
               </a:rPr>
@@ -20718,7 +20567,7 @@
             <a:r>
               <a:rPr lang="de-DE" dirty="0">
                 <a:solidFill>
-                  <a:srgbClr val="F8F8F2"/>
+                  <a:srgbClr val="236EBF"/>
                 </a:solidFill>
                 <a:latin typeface="Fira Code" panose="020B0509050000020004" pitchFamily="49" charset="0"/>
               </a:rPr>
@@ -20757,7 +20606,7 @@
             <a:r>
               <a:rPr lang="de-DE" dirty="0">
                 <a:solidFill>
-                  <a:srgbClr val="F8F8F2"/>
+                  <a:srgbClr val="236EBF"/>
                 </a:solidFill>
                 <a:latin typeface="Fira Code" panose="020B0509050000020004" pitchFamily="49" charset="0"/>
               </a:rPr>
@@ -20768,7 +20617,7 @@
             <a:r>
               <a:rPr lang="de-DE" dirty="0">
                 <a:solidFill>
-                  <a:srgbClr val="8BE9FE"/>
+                  <a:srgbClr val="DC3EB7"/>
                 </a:solidFill>
                 <a:latin typeface="Fira Code" panose="020B0509050000020004" pitchFamily="49" charset="0"/>
               </a:rPr>
@@ -20777,7 +20626,7 @@
             <a:r>
               <a:rPr lang="de-DE" dirty="0" err="1">
                 <a:solidFill>
-                  <a:srgbClr val="8BE9FD"/>
+                  <a:srgbClr val="DC3EB7"/>
                 </a:solidFill>
                 <a:latin typeface="Fira Code" panose="020B0509050000020004" pitchFamily="49" charset="0"/>
               </a:rPr>
@@ -20786,7 +20635,7 @@
             <a:r>
               <a:rPr lang="de-DE" dirty="0">
                 <a:solidFill>
-                  <a:srgbClr val="8BE9FE"/>
+                  <a:srgbClr val="DC3EB7"/>
                 </a:solidFill>
                 <a:latin typeface="Fira Code" panose="020B0509050000020004" pitchFamily="49" charset="0"/>
               </a:rPr>
@@ -20795,45 +20644,74 @@
             <a:r>
               <a:rPr lang="de-DE" dirty="0">
                 <a:solidFill>
-                  <a:srgbClr val="FF79C6"/>
-                </a:solidFill>
-                <a:latin typeface="Fira Code" panose="020B0509050000020004" pitchFamily="49" charset="0"/>
-              </a:rPr>
-              <a:t>:</a:t>
-            </a:r>
+                  <a:srgbClr val="236EBF"/>
+                </a:solidFill>
+                <a:latin typeface="Fira Code" panose="020B0509050000020004" pitchFamily="49" charset="0"/>
+              </a:rPr>
+              <a:t>: {</a:t>
+            </a:r>
+          </a:p>
+          <a:p>
             <a:r>
               <a:rPr lang="de-DE" dirty="0">
                 <a:solidFill>
-                  <a:srgbClr val="F8F8F2"/>
-                </a:solidFill>
-                <a:latin typeface="Fira Code" panose="020B0509050000020004" pitchFamily="49" charset="0"/>
-              </a:rPr>
-              <a:t> {</a:t>
-            </a:r>
-          </a:p>
-          <a:p>
+                  <a:srgbClr val="DC3EB7"/>
+                </a:solidFill>
+                <a:latin typeface="Fira Code" panose="020B0509050000020004" pitchFamily="49" charset="0"/>
+              </a:rPr>
+              <a:t>    "</a:t>
+            </a:r>
+            <a:r>
+              <a:rPr lang="de-DE" dirty="0" err="1">
+                <a:solidFill>
+                  <a:srgbClr val="DC3EB7"/>
+                </a:solidFill>
+                <a:latin typeface="Fira Code" panose="020B0509050000020004" pitchFamily="49" charset="0"/>
+              </a:rPr>
+              <a:t>createPost</a:t>
+            </a:r>
             <a:r>
               <a:rPr lang="de-DE" dirty="0">
                 <a:solidFill>
-                  <a:srgbClr val="8BE9FE"/>
-                </a:solidFill>
-                <a:latin typeface="Fira Code" panose="020B0509050000020004" pitchFamily="49" charset="0"/>
-              </a:rPr>
-              <a:t>    "</a:t>
+                  <a:srgbClr val="DC3EB7"/>
+                </a:solidFill>
+                <a:latin typeface="Fira Code" panose="020B0509050000020004" pitchFamily="49" charset="0"/>
+              </a:rPr>
+              <a:t>"</a:t>
+            </a:r>
+            <a:r>
+              <a:rPr lang="de-DE" dirty="0">
+                <a:solidFill>
+                  <a:srgbClr val="236EBF"/>
+                </a:solidFill>
+                <a:latin typeface="Fira Code" panose="020B0509050000020004" pitchFamily="49" charset="0"/>
+              </a:rPr>
+              <a:t>: {</a:t>
+            </a:r>
+          </a:p>
+          <a:p>
+            <a:r>
+              <a:rPr lang="de-DE" dirty="0">
+                <a:solidFill>
+                  <a:srgbClr val="DC3EB7"/>
+                </a:solidFill>
+                <a:latin typeface="Fira Code" panose="020B0509050000020004" pitchFamily="49" charset="0"/>
+              </a:rPr>
+              <a:t>      "</a:t>
             </a:r>
             <a:r>
               <a:rPr lang="de-DE" dirty="0" err="1">
                 <a:solidFill>
-                  <a:srgbClr val="8BE9FD"/>
-                </a:solidFill>
-                <a:latin typeface="Fira Code" panose="020B0509050000020004" pitchFamily="49" charset="0"/>
-              </a:rPr>
-              <a:t>createPost</a:t>
+                  <a:srgbClr val="DC3EB7"/>
+                </a:solidFill>
+                <a:latin typeface="Fira Code" panose="020B0509050000020004" pitchFamily="49" charset="0"/>
+              </a:rPr>
+              <a:t>id</a:t>
             </a:r>
             <a:r>
               <a:rPr lang="de-DE" dirty="0">
                 <a:solidFill>
-                  <a:srgbClr val="8BE9FE"/>
+                  <a:srgbClr val="DC3EB7"/>
                 </a:solidFill>
                 <a:latin typeface="Fira Code" panose="020B0509050000020004" pitchFamily="49" charset="0"/>
               </a:rPr>
@@ -20842,98 +20720,24 @@
             <a:r>
               <a:rPr lang="de-DE" dirty="0">
                 <a:solidFill>
-                  <a:srgbClr val="FF79C6"/>
-                </a:solidFill>
-                <a:latin typeface="Fira Code" panose="020B0509050000020004" pitchFamily="49" charset="0"/>
-              </a:rPr>
-              <a:t>:</a:t>
+                  <a:srgbClr val="236EBF"/>
+                </a:solidFill>
+                <a:latin typeface="Fira Code" panose="020B0509050000020004" pitchFamily="49" charset="0"/>
+              </a:rPr>
+              <a:t>: </a:t>
             </a:r>
             <a:r>
               <a:rPr lang="de-DE" dirty="0">
                 <a:solidFill>
-                  <a:srgbClr val="F8F8F2"/>
-                </a:solidFill>
-                <a:latin typeface="Fira Code" panose="020B0509050000020004" pitchFamily="49" charset="0"/>
-              </a:rPr>
-              <a:t> {</a:t>
-            </a:r>
-          </a:p>
-          <a:p>
-            <a:r>
-              <a:rPr lang="de-DE" dirty="0">
-                <a:solidFill>
-                  <a:srgbClr val="8BE9FE"/>
-                </a:solidFill>
-                <a:latin typeface="Fira Code" panose="020B0509050000020004" pitchFamily="49" charset="0"/>
-              </a:rPr>
-              <a:t>      "</a:t>
-            </a:r>
-            <a:r>
-              <a:rPr lang="de-DE" dirty="0" err="1">
-                <a:solidFill>
-                  <a:srgbClr val="8BE9FD"/>
-                </a:solidFill>
-                <a:latin typeface="Fira Code" panose="020B0509050000020004" pitchFamily="49" charset="0"/>
-              </a:rPr>
-              <a:t>id</a:t>
-            </a:r>
-            <a:r>
-              <a:rPr lang="de-DE" dirty="0">
-                <a:solidFill>
-                  <a:srgbClr val="8BE9FE"/>
-                </a:solidFill>
-                <a:latin typeface="Fira Code" panose="020B0509050000020004" pitchFamily="49" charset="0"/>
-              </a:rPr>
-              <a:t>"</a:t>
-            </a:r>
-            <a:r>
-              <a:rPr lang="de-DE" dirty="0">
-                <a:solidFill>
-                  <a:srgbClr val="FF79C6"/>
-                </a:solidFill>
-                <a:latin typeface="Fira Code" panose="020B0509050000020004" pitchFamily="49" charset="0"/>
-              </a:rPr>
-              <a:t>:</a:t>
-            </a:r>
-            <a:r>
-              <a:rPr lang="de-DE" dirty="0">
-                <a:solidFill>
-                  <a:srgbClr val="F8F8F2"/>
-                </a:solidFill>
-                <a:latin typeface="Fira Code" panose="020B0509050000020004" pitchFamily="49" charset="0"/>
-              </a:rPr>
-              <a:t> </a:t>
-            </a:r>
-            <a:r>
-              <a:rPr lang="de-DE" dirty="0">
-                <a:solidFill>
-                  <a:srgbClr val="E9F284"/>
-                </a:solidFill>
-                <a:latin typeface="Fira Code" panose="020B0509050000020004" pitchFamily="49" charset="0"/>
-              </a:rPr>
-              <a:t>"</a:t>
-            </a:r>
-            <a:r>
-              <a:rPr lang="de-DE" dirty="0">
-                <a:solidFill>
-                  <a:srgbClr val="F1FA8C"/>
-                </a:solidFill>
-                <a:latin typeface="Fira Code" panose="020B0509050000020004" pitchFamily="49" charset="0"/>
-              </a:rPr>
-              <a:t>150</a:t>
-            </a:r>
-            <a:r>
-              <a:rPr lang="de-DE" dirty="0">
-                <a:solidFill>
-                  <a:srgbClr val="E9F284"/>
-                </a:solidFill>
-                <a:latin typeface="Fira Code" panose="020B0509050000020004" pitchFamily="49" charset="0"/>
-              </a:rPr>
-              <a:t>"</a:t>
+                  <a:srgbClr val="00820F"/>
+                </a:solidFill>
+                <a:latin typeface="Fira Code" panose="020B0509050000020004" pitchFamily="49" charset="0"/>
+              </a:rPr>
+              <a:t>"150"</a:t>
             </a:r>
             <a:endParaRPr lang="de-DE" dirty="0">
               <a:solidFill>
-                <a:srgbClr val="F8F8F2"/>
+                <a:srgbClr val="236EBF"/>
               </a:solidFill>
               <a:latin typeface="Fira Code" panose="020B0509050000020004" pitchFamily="49" charset="0"/>
             </a:endParaRPr>
@@ -20942,7 +20746,7 @@
             <a:r>
               <a:rPr lang="de-DE" dirty="0">
                 <a:solidFill>
-                  <a:srgbClr val="F8F8F2"/>
+                  <a:srgbClr val="236EBF"/>
                 </a:solidFill>
                 <a:latin typeface="Fira Code" panose="020B0509050000020004" pitchFamily="49" charset="0"/>
               </a:rPr>
@@ -20953,7 +20757,7 @@
             <a:r>
               <a:rPr lang="de-DE" dirty="0">
                 <a:solidFill>
-                  <a:srgbClr val="F8F8F2"/>
+                  <a:srgbClr val="236EBF"/>
                 </a:solidFill>
                 <a:latin typeface="Fira Code" panose="020B0509050000020004" pitchFamily="49" charset="0"/>
               </a:rPr>
@@ -20964,19 +20768,12 @@
             <a:r>
               <a:rPr lang="de-DE" dirty="0">
                 <a:solidFill>
-                  <a:srgbClr val="F8F8F2"/>
+                  <a:srgbClr val="236EBF"/>
                 </a:solidFill>
                 <a:latin typeface="Fira Code" panose="020B0509050000020004" pitchFamily="49" charset="0"/>
               </a:rPr>
               <a:t>}</a:t>
             </a:r>
-            <a:endParaRPr lang="de-DE" b="0" dirty="0">
-              <a:solidFill>
-                <a:srgbClr val="F8F8F2"/>
-              </a:solidFill>
-              <a:effectLst/>
-              <a:latin typeface="Fira Code" panose="020B0509050000020004" pitchFamily="49" charset="0"/>
-            </a:endParaRPr>
           </a:p>
         </p:txBody>
       </p:sp>
@@ -21102,7 +20899,7 @@
             <a:r>
               <a:rPr lang="en-US" dirty="0">
                 <a:solidFill>
-                  <a:srgbClr val="F8F8F2"/>
+                  <a:srgbClr val="236EBF"/>
                 </a:solidFill>
                 <a:latin typeface="Fira Code" panose="020B0509050000020004" pitchFamily="49" charset="0"/>
               </a:rPr>
@@ -21113,7 +20910,7 @@
             <a:r>
               <a:rPr lang="en-US" dirty="0">
                 <a:solidFill>
-                  <a:srgbClr val="8BE9FE"/>
+                  <a:srgbClr val="DC3EB7"/>
                 </a:solidFill>
                 <a:latin typeface="Fira Code" panose="020B0509050000020004" pitchFamily="49" charset="0"/>
               </a:rPr>
@@ -21122,7 +20919,7 @@
             <a:r>
               <a:rPr lang="en-US" dirty="0" err="1">
                 <a:solidFill>
-                  <a:srgbClr val="8BE9FD"/>
+                  <a:srgbClr val="DC3EB7"/>
                 </a:solidFill>
                 <a:latin typeface="Fira Code" panose="020B0509050000020004" pitchFamily="49" charset="0"/>
               </a:rPr>
@@ -21131,7 +20928,7 @@
             <a:r>
               <a:rPr lang="en-US" dirty="0">
                 <a:solidFill>
-                  <a:srgbClr val="8BE9FE"/>
+                  <a:srgbClr val="DC3EB7"/>
                 </a:solidFill>
                 <a:latin typeface="Fira Code" panose="020B0509050000020004" pitchFamily="49" charset="0"/>
               </a:rPr>
@@ -21140,45 +20937,112 @@
             <a:r>
               <a:rPr lang="en-US" dirty="0">
                 <a:solidFill>
-                  <a:srgbClr val="FF79C6"/>
-                </a:solidFill>
-                <a:latin typeface="Fira Code" panose="020B0509050000020004" pitchFamily="49" charset="0"/>
-              </a:rPr>
-              <a:t>:</a:t>
-            </a:r>
+                  <a:srgbClr val="236EBF"/>
+                </a:solidFill>
+                <a:latin typeface="Fira Code" panose="020B0509050000020004" pitchFamily="49" charset="0"/>
+              </a:rPr>
+              <a:t>: {</a:t>
+            </a:r>
+          </a:p>
+          <a:p>
             <a:r>
               <a:rPr lang="en-US" dirty="0">
                 <a:solidFill>
-                  <a:srgbClr val="F8F8F2"/>
-                </a:solidFill>
-                <a:latin typeface="Fira Code" panose="020B0509050000020004" pitchFamily="49" charset="0"/>
-              </a:rPr>
-              <a:t> {</a:t>
-            </a:r>
-          </a:p>
-          <a:p>
+                  <a:srgbClr val="DC3EB7"/>
+                </a:solidFill>
+                <a:latin typeface="Fira Code" panose="020B0509050000020004" pitchFamily="49" charset="0"/>
+              </a:rPr>
+              <a:t>    "title"</a:t>
+            </a:r>
             <a:r>
               <a:rPr lang="en-US" dirty="0">
                 <a:solidFill>
-                  <a:srgbClr val="8BE9FE"/>
-                </a:solidFill>
-                <a:latin typeface="Fira Code" panose="020B0509050000020004" pitchFamily="49" charset="0"/>
-              </a:rPr>
-              <a:t>    “</a:t>
+                  <a:srgbClr val="236EBF"/>
+                </a:solidFill>
+                <a:latin typeface="Fira Code" panose="020B0509050000020004" pitchFamily="49" charset="0"/>
+              </a:rPr>
+              <a:t>: </a:t>
             </a:r>
             <a:r>
               <a:rPr lang="en-US" dirty="0">
                 <a:solidFill>
-                  <a:srgbClr val="8BE9FD"/>
-                </a:solidFill>
-                <a:latin typeface="Fira Code" panose="020B0509050000020004" pitchFamily="49" charset="0"/>
-              </a:rPr>
-              <a:t>title</a:t>
+                  <a:srgbClr val="00820F"/>
+                </a:solidFill>
+                <a:latin typeface="Fira Code" panose="020B0509050000020004" pitchFamily="49" charset="0"/>
+              </a:rPr>
+              <a:t>"new title"</a:t>
             </a:r>
             <a:r>
               <a:rPr lang="en-US" dirty="0">
                 <a:solidFill>
-                  <a:srgbClr val="8BE9FE"/>
+                  <a:srgbClr val="236EBF"/>
+                </a:solidFill>
+                <a:latin typeface="Fira Code" panose="020B0509050000020004" pitchFamily="49" charset="0"/>
+              </a:rPr>
+              <a:t>,</a:t>
+            </a:r>
+          </a:p>
+          <a:p>
+            <a:r>
+              <a:rPr lang="en-US" dirty="0">
+                <a:solidFill>
+                  <a:srgbClr val="DC3EB7"/>
+                </a:solidFill>
+                <a:latin typeface="Fira Code" panose="020B0509050000020004" pitchFamily="49" charset="0"/>
+              </a:rPr>
+              <a:t>    "content"</a:t>
+            </a:r>
+            <a:r>
+              <a:rPr lang="en-US" dirty="0">
+                <a:solidFill>
+                  <a:srgbClr val="236EBF"/>
+                </a:solidFill>
+                <a:latin typeface="Fira Code" panose="020B0509050000020004" pitchFamily="49" charset="0"/>
+              </a:rPr>
+              <a:t>: </a:t>
+            </a:r>
+            <a:r>
+              <a:rPr lang="en-US" dirty="0">
+                <a:solidFill>
+                  <a:srgbClr val="00820F"/>
+                </a:solidFill>
+                <a:latin typeface="Fira Code" panose="020B0509050000020004" pitchFamily="49" charset="0"/>
+              </a:rPr>
+              <a:t>"new content"</a:t>
+            </a:r>
+            <a:r>
+              <a:rPr lang="en-US" dirty="0">
+                <a:solidFill>
+                  <a:srgbClr val="236EBF"/>
+                </a:solidFill>
+                <a:latin typeface="Fira Code" panose="020B0509050000020004" pitchFamily="49" charset="0"/>
+              </a:rPr>
+              <a:t>,</a:t>
+            </a:r>
+          </a:p>
+          <a:p>
+            <a:r>
+              <a:rPr lang="en-US" dirty="0">
+                <a:solidFill>
+                  <a:srgbClr val="DC3EB7"/>
+                </a:solidFill>
+                <a:latin typeface="Fira Code" panose="020B0509050000020004" pitchFamily="49" charset="0"/>
+              </a:rPr>
+              <a:t>    "</a:t>
+            </a:r>
+            <a:r>
+              <a:rPr lang="en-US" dirty="0" err="1">
+                <a:solidFill>
+                  <a:srgbClr val="DC3EB7"/>
+                </a:solidFill>
+                <a:latin typeface="Fira Code" panose="020B0509050000020004" pitchFamily="49" charset="0"/>
+              </a:rPr>
+              <a:t>author_id</a:t>
+            </a:r>
+            <a:r>
+              <a:rPr lang="en-US" dirty="0">
+                <a:solidFill>
+                  <a:srgbClr val="DC3EB7"/>
                 </a:solidFill>
                 <a:latin typeface="Fira Code" panose="020B0509050000020004" pitchFamily="49" charset="0"/>
               </a:rPr>
@@ -21187,191 +21051,16 @@
             <a:r>
               <a:rPr lang="en-US" dirty="0">
                 <a:solidFill>
-                  <a:srgbClr val="FF79C6"/>
-                </a:solidFill>
-                <a:latin typeface="Fira Code" panose="020B0509050000020004" pitchFamily="49" charset="0"/>
-              </a:rPr>
-              <a:t>:</a:t>
+                  <a:srgbClr val="236EBF"/>
+                </a:solidFill>
+                <a:latin typeface="Fira Code" panose="020B0509050000020004" pitchFamily="49" charset="0"/>
+              </a:rPr>
+              <a:t>: </a:t>
             </a:r>
             <a:r>
               <a:rPr lang="en-US" dirty="0">
                 <a:solidFill>
-                  <a:srgbClr val="F8F8F2"/>
-                </a:solidFill>
-                <a:latin typeface="Fira Code" panose="020B0509050000020004" pitchFamily="49" charset="0"/>
-              </a:rPr>
-              <a:t> </a:t>
-            </a:r>
-            <a:r>
-              <a:rPr lang="en-US" dirty="0">
-                <a:solidFill>
-                  <a:srgbClr val="E9F284"/>
-                </a:solidFill>
-                <a:latin typeface="Fira Code" panose="020B0509050000020004" pitchFamily="49" charset="0"/>
-              </a:rPr>
-              <a:t>"new </a:t>
-            </a:r>
-            <a:r>
-              <a:rPr lang="en-US" dirty="0">
-                <a:solidFill>
-                  <a:srgbClr val="F1FA8C"/>
-                </a:solidFill>
-                <a:latin typeface="Fira Code" panose="020B0509050000020004" pitchFamily="49" charset="0"/>
-              </a:rPr>
-              <a:t>title</a:t>
-            </a:r>
-            <a:r>
-              <a:rPr lang="en-US" dirty="0">
-                <a:solidFill>
-                  <a:srgbClr val="E9F284"/>
-                </a:solidFill>
-                <a:latin typeface="Fira Code" panose="020B0509050000020004" pitchFamily="49" charset="0"/>
-              </a:rPr>
-              <a:t>"</a:t>
-            </a:r>
-            <a:r>
-              <a:rPr lang="en-US" dirty="0">
-                <a:solidFill>
-                  <a:srgbClr val="F8F8F2"/>
-                </a:solidFill>
-                <a:latin typeface="Fira Code" panose="020B0509050000020004" pitchFamily="49" charset="0"/>
-              </a:rPr>
-              <a:t>,</a:t>
-            </a:r>
-          </a:p>
-          <a:p>
-            <a:r>
-              <a:rPr lang="en-US" dirty="0">
-                <a:solidFill>
-                  <a:srgbClr val="8BE9FE"/>
-                </a:solidFill>
-                <a:latin typeface="Fira Code" panose="020B0509050000020004" pitchFamily="49" charset="0"/>
-              </a:rPr>
-              <a:t>    "</a:t>
-            </a:r>
-            <a:r>
-              <a:rPr lang="en-US" dirty="0">
-                <a:solidFill>
-                  <a:srgbClr val="8BE9FD"/>
-                </a:solidFill>
-                <a:latin typeface="Fira Code" panose="020B0509050000020004" pitchFamily="49" charset="0"/>
-              </a:rPr>
-              <a:t>content</a:t>
-            </a:r>
-            <a:r>
-              <a:rPr lang="en-US" dirty="0">
-                <a:solidFill>
-                  <a:srgbClr val="8BE9FE"/>
-                </a:solidFill>
-                <a:latin typeface="Fira Code" panose="020B0509050000020004" pitchFamily="49" charset="0"/>
-              </a:rPr>
-              <a:t>"</a:t>
-            </a:r>
-            <a:r>
-              <a:rPr lang="en-US" dirty="0">
-                <a:solidFill>
-                  <a:srgbClr val="FF79C6"/>
-                </a:solidFill>
-                <a:latin typeface="Fira Code" panose="020B0509050000020004" pitchFamily="49" charset="0"/>
-              </a:rPr>
-              <a:t>:</a:t>
-            </a:r>
-            <a:r>
-              <a:rPr lang="en-US" dirty="0">
-                <a:solidFill>
-                  <a:srgbClr val="F8F8F2"/>
-                </a:solidFill>
-                <a:latin typeface="Fira Code" panose="020B0509050000020004" pitchFamily="49" charset="0"/>
-              </a:rPr>
-              <a:t> </a:t>
-            </a:r>
-            <a:r>
-              <a:rPr lang="en-US" dirty="0">
-                <a:solidFill>
-                  <a:srgbClr val="E9F284"/>
-                </a:solidFill>
-                <a:latin typeface="Fira Code" panose="020B0509050000020004" pitchFamily="49" charset="0"/>
-              </a:rPr>
-              <a:t>"new </a:t>
-            </a:r>
-            <a:r>
-              <a:rPr lang="en-US" dirty="0">
-                <a:solidFill>
-                  <a:srgbClr val="F1FA8C"/>
-                </a:solidFill>
-                <a:latin typeface="Fira Code" panose="020B0509050000020004" pitchFamily="49" charset="0"/>
-              </a:rPr>
-              <a:t>content</a:t>
-            </a:r>
-            <a:r>
-              <a:rPr lang="en-US" dirty="0">
-                <a:solidFill>
-                  <a:srgbClr val="E9F284"/>
-                </a:solidFill>
-                <a:latin typeface="Fira Code" panose="020B0509050000020004" pitchFamily="49" charset="0"/>
-              </a:rPr>
-              <a:t>"</a:t>
-            </a:r>
-            <a:r>
-              <a:rPr lang="en-US" dirty="0">
-                <a:solidFill>
-                  <a:srgbClr val="F8F8F2"/>
-                </a:solidFill>
-                <a:latin typeface="Fira Code" panose="020B0509050000020004" pitchFamily="49" charset="0"/>
-              </a:rPr>
-              <a:t>,</a:t>
-            </a:r>
-          </a:p>
-          <a:p>
-            <a:r>
-              <a:rPr lang="en-US" dirty="0">
-                <a:solidFill>
-                  <a:srgbClr val="8BE9FE"/>
-                </a:solidFill>
-                <a:latin typeface="Fira Code" panose="020B0509050000020004" pitchFamily="49" charset="0"/>
-              </a:rPr>
-              <a:t>    "</a:t>
-            </a:r>
-            <a:r>
-              <a:rPr lang="en-US" dirty="0" err="1">
-                <a:solidFill>
-                  <a:srgbClr val="8BE9FD"/>
-                </a:solidFill>
-                <a:latin typeface="Fira Code" panose="020B0509050000020004" pitchFamily="49" charset="0"/>
-              </a:rPr>
-              <a:t>author_id</a:t>
-            </a:r>
-            <a:r>
-              <a:rPr lang="en-US" dirty="0">
-                <a:solidFill>
-                  <a:srgbClr val="8BE9FE"/>
-                </a:solidFill>
-                <a:latin typeface="Fira Code" panose="020B0509050000020004" pitchFamily="49" charset="0"/>
-              </a:rPr>
-              <a:t>"</a:t>
-            </a:r>
-            <a:r>
-              <a:rPr lang="en-US" dirty="0">
-                <a:solidFill>
-                  <a:srgbClr val="FF79C6"/>
-                </a:solidFill>
-                <a:latin typeface="Fira Code" panose="020B0509050000020004" pitchFamily="49" charset="0"/>
-              </a:rPr>
-              <a:t>:</a:t>
-            </a:r>
-            <a:r>
-              <a:rPr lang="en-US" dirty="0">
-                <a:solidFill>
-                  <a:srgbClr val="F8F8F2"/>
-                </a:solidFill>
-                <a:latin typeface="Fira Code" panose="020B0509050000020004" pitchFamily="49" charset="0"/>
-              </a:rPr>
-              <a:t> </a:t>
-            </a:r>
-            <a:r>
-              <a:rPr lang="en-US" dirty="0">
-                <a:solidFill>
-                  <a:srgbClr val="BD93F9"/>
+                  <a:srgbClr val="174781"/>
                 </a:solidFill>
                 <a:latin typeface="Fira Code" panose="020B0509050000020004" pitchFamily="49" charset="0"/>
               </a:rPr>
@@ -21379,7 +21068,7 @@
             </a:r>
             <a:endParaRPr lang="en-US" dirty="0">
               <a:solidFill>
-                <a:srgbClr val="F8F8F2"/>
+                <a:srgbClr val="236EBF"/>
               </a:solidFill>
               <a:latin typeface="Fira Code" panose="020B0509050000020004" pitchFamily="49" charset="0"/>
             </a:endParaRPr>
@@ -21388,7 +21077,7 @@
             <a:r>
               <a:rPr lang="en-US" dirty="0">
                 <a:solidFill>
-                  <a:srgbClr val="F8F8F2"/>
+                  <a:srgbClr val="236EBF"/>
                 </a:solidFill>
                 <a:latin typeface="Fira Code" panose="020B0509050000020004" pitchFamily="49" charset="0"/>
               </a:rPr>
@@ -21399,19 +21088,12 @@
             <a:r>
               <a:rPr lang="en-US" dirty="0">
                 <a:solidFill>
-                  <a:srgbClr val="F8F8F2"/>
+                  <a:srgbClr val="236EBF"/>
                 </a:solidFill>
                 <a:latin typeface="Fira Code" panose="020B0509050000020004" pitchFamily="49" charset="0"/>
               </a:rPr>
               <a:t>}</a:t>
             </a:r>
-            <a:endParaRPr lang="en-US" b="0" dirty="0">
-              <a:solidFill>
-                <a:srgbClr val="F8F8F2"/>
-              </a:solidFill>
-              <a:effectLst/>
-              <a:latin typeface="Fira Code" panose="020B0509050000020004" pitchFamily="49" charset="0"/>
-            </a:endParaRPr>
           </a:p>
         </p:txBody>
       </p:sp>
@@ -21439,7 +21121,7 @@
           </a:prstGeom>
           <a:ln w="12700">
             <a:solidFill>
-              <a:srgbClr val="FFB86C"/>
+              <a:srgbClr val="DC3EB7"/>
             </a:solidFill>
             <a:tailEnd type="triangle"/>
           </a:ln>

--- a/slides/GraphqlSlides.pptx
+++ b/slides/GraphqlSlides.pptx
@@ -255,7 +255,7 @@
           <a:p>
             <a:fld id="{858036E5-7FF6-491F-BDEF-E833DBCA9680}" type="datetimeFigureOut">
               <a:rPr lang="de-DE" smtClean="0"/>
-              <a:t>05.04.2019</a:t>
+              <a:t>06.04.2019</a:t>
             </a:fld>
             <a:endParaRPr lang="de-DE"/>
           </a:p>
@@ -4146,7 +4146,7 @@
           <a:p>
             <a:fld id="{3A538C34-53B0-4EA9-8596-22F17B12308D}" type="datetimeFigureOut">
               <a:rPr lang="de-DE" smtClean="0"/>
-              <a:t>05.04.2019</a:t>
+              <a:t>06.04.2019</a:t>
             </a:fld>
             <a:endParaRPr lang="de-DE"/>
           </a:p>
@@ -4344,7 +4344,7 @@
           <a:p>
             <a:fld id="{3A538C34-53B0-4EA9-8596-22F17B12308D}" type="datetimeFigureOut">
               <a:rPr lang="de-DE" smtClean="0"/>
-              <a:t>05.04.2019</a:t>
+              <a:t>06.04.2019</a:t>
             </a:fld>
             <a:endParaRPr lang="de-DE"/>
           </a:p>
@@ -4552,7 +4552,7 @@
           <a:p>
             <a:fld id="{3A538C34-53B0-4EA9-8596-22F17B12308D}" type="datetimeFigureOut">
               <a:rPr lang="de-DE" smtClean="0"/>
-              <a:t>05.04.2019</a:t>
+              <a:t>06.04.2019</a:t>
             </a:fld>
             <a:endParaRPr lang="de-DE"/>
           </a:p>
@@ -4750,7 +4750,7 @@
           <a:p>
             <a:fld id="{3A538C34-53B0-4EA9-8596-22F17B12308D}" type="datetimeFigureOut">
               <a:rPr lang="de-DE" smtClean="0"/>
-              <a:t>05.04.2019</a:t>
+              <a:t>06.04.2019</a:t>
             </a:fld>
             <a:endParaRPr lang="de-DE"/>
           </a:p>
@@ -5025,7 +5025,7 @@
           <a:p>
             <a:fld id="{3A538C34-53B0-4EA9-8596-22F17B12308D}" type="datetimeFigureOut">
               <a:rPr lang="de-DE" smtClean="0"/>
-              <a:t>05.04.2019</a:t>
+              <a:t>06.04.2019</a:t>
             </a:fld>
             <a:endParaRPr lang="de-DE"/>
           </a:p>
@@ -5290,7 +5290,7 @@
           <a:p>
             <a:fld id="{3A538C34-53B0-4EA9-8596-22F17B12308D}" type="datetimeFigureOut">
               <a:rPr lang="de-DE" smtClean="0"/>
-              <a:t>05.04.2019</a:t>
+              <a:t>06.04.2019</a:t>
             </a:fld>
             <a:endParaRPr lang="de-DE"/>
           </a:p>
@@ -5702,7 +5702,7 @@
           <a:p>
             <a:fld id="{3A538C34-53B0-4EA9-8596-22F17B12308D}" type="datetimeFigureOut">
               <a:rPr lang="de-DE" smtClean="0"/>
-              <a:t>05.04.2019</a:t>
+              <a:t>06.04.2019</a:t>
             </a:fld>
             <a:endParaRPr lang="de-DE"/>
           </a:p>
@@ -5843,7 +5843,7 @@
           <a:p>
             <a:fld id="{3A538C34-53B0-4EA9-8596-22F17B12308D}" type="datetimeFigureOut">
               <a:rPr lang="de-DE" smtClean="0"/>
-              <a:t>05.04.2019</a:t>
+              <a:t>06.04.2019</a:t>
             </a:fld>
             <a:endParaRPr lang="de-DE"/>
           </a:p>
@@ -5956,7 +5956,7 @@
           <a:p>
             <a:fld id="{3A538C34-53B0-4EA9-8596-22F17B12308D}" type="datetimeFigureOut">
               <a:rPr lang="de-DE" smtClean="0"/>
-              <a:t>05.04.2019</a:t>
+              <a:t>06.04.2019</a:t>
             </a:fld>
             <a:endParaRPr lang="de-DE"/>
           </a:p>
@@ -6267,7 +6267,7 @@
           <a:p>
             <a:fld id="{3A538C34-53B0-4EA9-8596-22F17B12308D}" type="datetimeFigureOut">
               <a:rPr lang="de-DE" smtClean="0"/>
-              <a:t>05.04.2019</a:t>
+              <a:t>06.04.2019</a:t>
             </a:fld>
             <a:endParaRPr lang="de-DE"/>
           </a:p>
@@ -6555,7 +6555,7 @@
           <a:p>
             <a:fld id="{3A538C34-53B0-4EA9-8596-22F17B12308D}" type="datetimeFigureOut">
               <a:rPr lang="de-DE" smtClean="0"/>
-              <a:t>05.04.2019</a:t>
+              <a:t>06.04.2019</a:t>
             </a:fld>
             <a:endParaRPr lang="de-DE"/>
           </a:p>
@@ -6796,7 +6796,7 @@
           <a:p>
             <a:fld id="{3A538C34-53B0-4EA9-8596-22F17B12308D}" type="datetimeFigureOut">
               <a:rPr lang="de-DE" smtClean="0"/>
-              <a:t>05.04.2019</a:t>
+              <a:t>06.04.2019</a:t>
             </a:fld>
             <a:endParaRPr lang="de-DE"/>
           </a:p>
@@ -7242,7 +7242,7 @@
                 <a14:useLocalDpi xmlns:a14="http://schemas.microsoft.com/office/drawing/2010/main" val="0"/>
               </a:ext>
               <a:ext uri="{96DAC541-7B7A-43D3-8B79-37D633B846F1}">
-                <asvg:svgBlip xmlns:asvg="http://schemas.microsoft.com/office/drawing/2016/SVG/main" r:embed="rId4"/>
+                <asvg:svgBlip xmlns:asvg="http://schemas.microsoft.com/office/drawing/2016/SVG/main" xmlns="" r:embed="rId4"/>
               </a:ext>
             </a:extLst>
           </a:blip>
@@ -7383,6 +7383,13 @@
   <p:clrMapOvr>
     <a:masterClrMapping/>
   </p:clrMapOvr>
+  <p:timing>
+    <p:tnLst>
+      <p:par>
+        <p:cTn id="1" dur="indefinite" restart="never" nodeType="tmRoot"/>
+      </p:par>
+    </p:tnLst>
+  </p:timing>
 </p:sld>
 </file>
 
@@ -7539,6 +7546,44 @@
               <a:defRPr/>
             </a:pPr>
             <a:r>
+              <a:rPr kumimoji="0" lang="en-US" sz="1800" b="0" i="0" u="none" strike="noStrike" kern="1200" cap="none" spc="0" normalizeH="0" baseline="0" noProof="0">
+                <a:ln>
+                  <a:noFill/>
+                </a:ln>
+                <a:solidFill>
+                  <a:schemeClr val="bg2">
+                    <a:lumMod val="75000"/>
+                  </a:schemeClr>
+                </a:solidFill>
+                <a:effectLst/>
+                <a:uLnTx/>
+                <a:uFillTx/>
+                <a:latin typeface="Fira Code" panose="020B0509050000020004" pitchFamily="49" charset="0"/>
+                <a:ea typeface="+mn-ea"/>
+                <a:cs typeface="+mn-cs"/>
+              </a:rPr>
+              <a:t>  </a:t>
+            </a:r>
+            <a:r>
+              <a:rPr kumimoji="0" lang="en-US" sz="1800" b="0" i="0" u="none" strike="noStrike" kern="1200" cap="none" spc="0" normalizeH="0" baseline="0" noProof="0" smtClean="0">
+                <a:ln>
+                  <a:noFill/>
+                </a:ln>
+                <a:solidFill>
+                  <a:schemeClr val="bg2">
+                    <a:lumMod val="75000"/>
+                  </a:schemeClr>
+                </a:solidFill>
+                <a:effectLst/>
+                <a:uLnTx/>
+                <a:uFillTx/>
+                <a:latin typeface="Fira Code" panose="020B0509050000020004" pitchFamily="49" charset="0"/>
+                <a:ea typeface="+mn-ea"/>
+                <a:cs typeface="+mn-cs"/>
+              </a:rPr>
+              <a:t>posts </a:t>
+            </a:r>
+            <a:r>
               <a:rPr kumimoji="0" lang="en-US" sz="1800" b="0" i="0" u="none" strike="noStrike" kern="1200" cap="none" spc="0" normalizeH="0" baseline="0" noProof="0" dirty="0">
                 <a:ln>
                   <a:noFill/>
@@ -7555,7 +7600,7 @@
                 <a:ea typeface="+mn-ea"/>
                 <a:cs typeface="+mn-cs"/>
               </a:rPr>
-              <a:t>    posts {</a:t>
+              <a:t>{</a:t>
             </a:r>
           </a:p>
           <a:p>
@@ -7577,6 +7622,44 @@
               <a:defRPr/>
             </a:pPr>
             <a:r>
+              <a:rPr kumimoji="0" lang="en-US" sz="1800" b="0" i="0" u="none" strike="noStrike" kern="1200" cap="none" spc="0" normalizeH="0" baseline="0" noProof="0">
+                <a:ln>
+                  <a:noFill/>
+                </a:ln>
+                <a:solidFill>
+                  <a:schemeClr val="bg2">
+                    <a:lumMod val="75000"/>
+                  </a:schemeClr>
+                </a:solidFill>
+                <a:effectLst/>
+                <a:uLnTx/>
+                <a:uFillTx/>
+                <a:latin typeface="Fira Code" panose="020B0509050000020004" pitchFamily="49" charset="0"/>
+                <a:ea typeface="+mn-ea"/>
+                <a:cs typeface="+mn-cs"/>
+              </a:rPr>
+              <a:t>  </a:t>
+            </a:r>
+            <a:r>
+              <a:rPr kumimoji="0" lang="en-US" sz="1800" b="0" i="0" u="none" strike="noStrike" kern="1200" cap="none" spc="0" normalizeH="0" baseline="0" noProof="0" smtClean="0">
+                <a:ln>
+                  <a:noFill/>
+                </a:ln>
+                <a:solidFill>
+                  <a:schemeClr val="bg2">
+                    <a:lumMod val="75000"/>
+                  </a:schemeClr>
+                </a:solidFill>
+                <a:effectLst/>
+                <a:uLnTx/>
+                <a:uFillTx/>
+                <a:latin typeface="Fira Code" panose="020B0509050000020004" pitchFamily="49" charset="0"/>
+                <a:ea typeface="+mn-ea"/>
+                <a:cs typeface="+mn-cs"/>
+              </a:rPr>
+              <a:t>  </a:t>
+            </a:r>
+            <a:r>
               <a:rPr kumimoji="0" lang="en-US" sz="1800" b="0" i="0" u="none" strike="noStrike" kern="1200" cap="none" spc="0" normalizeH="0" baseline="0" noProof="0" dirty="0">
                 <a:ln>
                   <a:noFill/>
@@ -7593,7 +7676,7 @@
                 <a:ea typeface="+mn-ea"/>
                 <a:cs typeface="+mn-cs"/>
               </a:rPr>
-              <a:t>        title</a:t>
+              <a:t>title</a:t>
             </a:r>
           </a:p>
           <a:p>
@@ -7615,6 +7698,44 @@
               <a:defRPr/>
             </a:pPr>
             <a:r>
+              <a:rPr kumimoji="0" lang="en-US" sz="1800" b="0" i="0" u="none" strike="noStrike" kern="1200" cap="none" spc="0" normalizeH="0" baseline="0" noProof="0">
+                <a:ln>
+                  <a:noFill/>
+                </a:ln>
+                <a:solidFill>
+                  <a:schemeClr val="bg2">
+                    <a:lumMod val="75000"/>
+                  </a:schemeClr>
+                </a:solidFill>
+                <a:effectLst/>
+                <a:uLnTx/>
+                <a:uFillTx/>
+                <a:latin typeface="Fira Code" panose="020B0509050000020004" pitchFamily="49" charset="0"/>
+                <a:ea typeface="+mn-ea"/>
+                <a:cs typeface="+mn-cs"/>
+              </a:rPr>
+              <a:t>  </a:t>
+            </a:r>
+            <a:r>
+              <a:rPr kumimoji="0" lang="en-US" sz="1800" b="0" i="0" u="none" strike="noStrike" kern="1200" cap="none" spc="0" normalizeH="0" baseline="0" noProof="0" smtClean="0">
+                <a:ln>
+                  <a:noFill/>
+                </a:ln>
+                <a:solidFill>
+                  <a:schemeClr val="bg2">
+                    <a:lumMod val="75000"/>
+                  </a:schemeClr>
+                </a:solidFill>
+                <a:effectLst/>
+                <a:uLnTx/>
+                <a:uFillTx/>
+                <a:latin typeface="Fira Code" panose="020B0509050000020004" pitchFamily="49" charset="0"/>
+                <a:ea typeface="+mn-ea"/>
+                <a:cs typeface="+mn-cs"/>
+              </a:rPr>
+              <a:t>  </a:t>
+            </a:r>
+            <a:r>
               <a:rPr kumimoji="0" lang="en-US" sz="1800" b="0" i="0" u="none" strike="noStrike" kern="1200" cap="none" spc="0" normalizeH="0" baseline="0" noProof="0" dirty="0">
                 <a:ln>
                   <a:noFill/>
@@ -7631,7 +7752,7 @@
                 <a:ea typeface="+mn-ea"/>
                 <a:cs typeface="+mn-cs"/>
               </a:rPr>
-              <a:t>        content</a:t>
+              <a:t>content</a:t>
             </a:r>
           </a:p>
           <a:p>
@@ -7653,7 +7774,7 @@
               <a:defRPr/>
             </a:pPr>
             <a:r>
-              <a:rPr kumimoji="0" lang="en-US" sz="1800" b="0" i="0" u="none" strike="noStrike" kern="1200" cap="none" spc="0" normalizeH="0" baseline="0" noProof="0" dirty="0">
+              <a:rPr kumimoji="0" lang="en-US" sz="1800" b="0" i="0" u="none" strike="noStrike" kern="1200" cap="none" spc="0" normalizeH="0" baseline="0" noProof="0">
                 <a:ln>
                   <a:noFill/>
                 </a:ln>
@@ -7669,8 +7790,43 @@
                 <a:ea typeface="+mn-ea"/>
                 <a:cs typeface="+mn-cs"/>
               </a:rPr>
-              <a:t>    }</a:t>
-            </a:r>
+              <a:t>  </a:t>
+            </a:r>
+            <a:r>
+              <a:rPr kumimoji="0" lang="en-US" sz="1800" b="0" i="0" u="none" strike="noStrike" kern="1200" cap="none" spc="0" normalizeH="0" baseline="0" noProof="0" smtClean="0">
+                <a:ln>
+                  <a:noFill/>
+                </a:ln>
+                <a:solidFill>
+                  <a:schemeClr val="bg2">
+                    <a:lumMod val="75000"/>
+                  </a:schemeClr>
+                </a:solidFill>
+                <a:effectLst/>
+                <a:uLnTx/>
+                <a:uFillTx/>
+                <a:latin typeface="Fira Code" panose="020B0509050000020004" pitchFamily="49" charset="0"/>
+                <a:ea typeface="+mn-ea"/>
+                <a:cs typeface="+mn-cs"/>
+              </a:rPr>
+              <a:t>}</a:t>
+            </a:r>
+            <a:endParaRPr kumimoji="0" lang="en-US" sz="1800" b="0" i="0" u="none" strike="noStrike" kern="1200" cap="none" spc="0" normalizeH="0" baseline="0" noProof="0" dirty="0">
+              <a:ln>
+                <a:noFill/>
+              </a:ln>
+              <a:solidFill>
+                <a:schemeClr val="bg2">
+                  <a:lumMod val="75000"/>
+                </a:schemeClr>
+              </a:solidFill>
+              <a:effectLst/>
+              <a:uLnTx/>
+              <a:uFillTx/>
+              <a:latin typeface="Fira Code" panose="020B0509050000020004" pitchFamily="49" charset="0"/>
+              <a:ea typeface="+mn-ea"/>
+              <a:cs typeface="+mn-cs"/>
+            </a:endParaRPr>
           </a:p>
           <a:p>
             <a:pPr marL="0" marR="0" lvl="0" indent="0" algn="l" defTabSz="914400" rtl="0" eaLnBrk="1" fontAlgn="auto" latinLnBrk="0" hangingPunct="1">
@@ -7928,6 +8084,13 @@
   <p:clrMapOvr>
     <a:masterClrMapping/>
   </p:clrMapOvr>
+  <p:timing>
+    <p:tnLst>
+      <p:par>
+        <p:cTn id="1" dur="indefinite" restart="never" nodeType="tmRoot"/>
+      </p:par>
+    </p:tnLst>
+  </p:timing>
 </p:sld>
 </file>
 
@@ -8101,7 +8264,7 @@
               <a:defRPr/>
             </a:pPr>
             <a:r>
-              <a:rPr kumimoji="0" lang="en-US" sz="1800" b="0" i="0" u="none" strike="noStrike" kern="1200" cap="none" spc="0" normalizeH="0" baseline="0" noProof="0" dirty="0">
+              <a:rPr kumimoji="0" lang="en-US" sz="1800" b="0" i="0" u="none" strike="noStrike" kern="1200" cap="none" spc="0" normalizeH="0" baseline="0" noProof="0">
                 <a:ln>
                   <a:noFill/>
                 </a:ln>
@@ -8117,7 +8280,26 @@
                 <a:ea typeface="+mn-ea"/>
                 <a:cs typeface="+mn-cs"/>
               </a:rPr>
-              <a:t>    </a:t>
+              <a:t> </a:t>
+            </a:r>
+            <a:r>
+              <a:rPr kumimoji="0" lang="en-US" sz="1800" b="0" i="0" u="none" strike="noStrike" kern="1200" cap="none" spc="0" normalizeH="0" baseline="0" noProof="0" smtClean="0">
+                <a:ln>
+                  <a:noFill/>
+                </a:ln>
+                <a:solidFill>
+                  <a:srgbClr val="E7E6E6">
+                    <a:lumMod val="75000"/>
+                  </a:srgbClr>
+                </a:solidFill>
+                <a:effectLst/>
+                <a:uLnTx/>
+                <a:uFillTx/>
+                <a:latin typeface="Fira Code" panose="020B0509050000020004" pitchFamily="49" charset="0"/>
+                <a:ea typeface="+mn-ea"/>
+                <a:cs typeface="+mn-cs"/>
+              </a:rPr>
+              <a:t> </a:t>
             </a:r>
             <a:r>
               <a:rPr kumimoji="0" lang="en-US" sz="1800" b="0" i="0" u="none" strike="noStrike" kern="1200" cap="none" spc="0" normalizeH="0" baseline="0" noProof="0" dirty="0">
@@ -8158,6 +8340,44 @@
               <a:defRPr/>
             </a:pPr>
             <a:r>
+              <a:rPr kumimoji="0" lang="en-US" sz="1800" b="0" i="0" u="none" strike="noStrike" kern="1200" cap="none" spc="0" normalizeH="0" baseline="0" noProof="0">
+                <a:ln>
+                  <a:noFill/>
+                </a:ln>
+                <a:solidFill>
+                  <a:schemeClr val="bg2">
+                    <a:lumMod val="75000"/>
+                  </a:schemeClr>
+                </a:solidFill>
+                <a:effectLst/>
+                <a:uLnTx/>
+                <a:uFillTx/>
+                <a:latin typeface="Fira Code" panose="020B0509050000020004" pitchFamily="49" charset="0"/>
+                <a:ea typeface="+mn-ea"/>
+                <a:cs typeface="+mn-cs"/>
+              </a:rPr>
+              <a:t> </a:t>
+            </a:r>
+            <a:r>
+              <a:rPr kumimoji="0" lang="en-US" sz="1800" b="0" i="0" u="none" strike="noStrike" kern="1200" cap="none" spc="0" normalizeH="0" baseline="0" noProof="0" smtClean="0">
+                <a:ln>
+                  <a:noFill/>
+                </a:ln>
+                <a:solidFill>
+                  <a:schemeClr val="bg2">
+                    <a:lumMod val="75000"/>
+                  </a:schemeClr>
+                </a:solidFill>
+                <a:effectLst/>
+                <a:uLnTx/>
+                <a:uFillTx/>
+                <a:latin typeface="Fira Code" panose="020B0509050000020004" pitchFamily="49" charset="0"/>
+                <a:ea typeface="+mn-ea"/>
+                <a:cs typeface="+mn-cs"/>
+              </a:rPr>
+              <a:t>   </a:t>
+            </a:r>
+            <a:r>
               <a:rPr kumimoji="0" lang="en-US" sz="1800" b="0" i="0" u="none" strike="noStrike" kern="1200" cap="none" spc="0" normalizeH="0" baseline="0" noProof="0" dirty="0">
                 <a:ln>
                   <a:noFill/>
@@ -8174,7 +8394,7 @@
                 <a:ea typeface="+mn-ea"/>
                 <a:cs typeface="+mn-cs"/>
               </a:rPr>
-              <a:t>        title</a:t>
+              <a:t>title</a:t>
             </a:r>
           </a:p>
           <a:p>
@@ -8196,6 +8416,44 @@
               <a:defRPr/>
             </a:pPr>
             <a:r>
+              <a:rPr kumimoji="0" lang="en-US" sz="1800" b="0" i="0" u="none" strike="noStrike" kern="1200" cap="none" spc="0" normalizeH="0" baseline="0" noProof="0">
+                <a:ln>
+                  <a:noFill/>
+                </a:ln>
+                <a:solidFill>
+                  <a:schemeClr val="bg2">
+                    <a:lumMod val="75000"/>
+                  </a:schemeClr>
+                </a:solidFill>
+                <a:effectLst/>
+                <a:uLnTx/>
+                <a:uFillTx/>
+                <a:latin typeface="Fira Code" panose="020B0509050000020004" pitchFamily="49" charset="0"/>
+                <a:ea typeface="+mn-ea"/>
+                <a:cs typeface="+mn-cs"/>
+              </a:rPr>
+              <a:t> </a:t>
+            </a:r>
+            <a:r>
+              <a:rPr kumimoji="0" lang="en-US" sz="1800" b="0" i="0" u="none" strike="noStrike" kern="1200" cap="none" spc="0" normalizeH="0" baseline="0" noProof="0" smtClean="0">
+                <a:ln>
+                  <a:noFill/>
+                </a:ln>
+                <a:solidFill>
+                  <a:schemeClr val="bg2">
+                    <a:lumMod val="75000"/>
+                  </a:schemeClr>
+                </a:solidFill>
+                <a:effectLst/>
+                <a:uLnTx/>
+                <a:uFillTx/>
+                <a:latin typeface="Fira Code" panose="020B0509050000020004" pitchFamily="49" charset="0"/>
+                <a:ea typeface="+mn-ea"/>
+                <a:cs typeface="+mn-cs"/>
+              </a:rPr>
+              <a:t>   </a:t>
+            </a:r>
+            <a:r>
               <a:rPr kumimoji="0" lang="en-US" sz="1800" b="0" i="0" u="none" strike="noStrike" kern="1200" cap="none" spc="0" normalizeH="0" baseline="0" noProof="0" dirty="0">
                 <a:ln>
                   <a:noFill/>
@@ -8212,7 +8470,7 @@
                 <a:ea typeface="+mn-ea"/>
                 <a:cs typeface="+mn-cs"/>
               </a:rPr>
-              <a:t>        content</a:t>
+              <a:t>content</a:t>
             </a:r>
           </a:p>
           <a:p>
@@ -8234,6 +8492,44 @@
               <a:defRPr/>
             </a:pPr>
             <a:r>
+              <a:rPr kumimoji="0" lang="en-US" sz="1800" b="0" i="0" u="none" strike="noStrike" kern="1200" cap="none" spc="0" normalizeH="0" baseline="0" noProof="0">
+                <a:ln>
+                  <a:noFill/>
+                </a:ln>
+                <a:solidFill>
+                  <a:schemeClr val="bg2">
+                    <a:lumMod val="75000"/>
+                  </a:schemeClr>
+                </a:solidFill>
+                <a:effectLst/>
+                <a:uLnTx/>
+                <a:uFillTx/>
+                <a:latin typeface="Fira Code" panose="020B0509050000020004" pitchFamily="49" charset="0"/>
+                <a:ea typeface="+mn-ea"/>
+                <a:cs typeface="+mn-cs"/>
+              </a:rPr>
+              <a:t> </a:t>
+            </a:r>
+            <a:r>
+              <a:rPr kumimoji="0" lang="en-US" sz="1800" b="0" i="0" u="none" strike="noStrike" kern="1200" cap="none" spc="0" normalizeH="0" baseline="0" noProof="0" smtClean="0">
+                <a:ln>
+                  <a:noFill/>
+                </a:ln>
+                <a:solidFill>
+                  <a:schemeClr val="bg2">
+                    <a:lumMod val="75000"/>
+                  </a:schemeClr>
+                </a:solidFill>
+                <a:effectLst/>
+                <a:uLnTx/>
+                <a:uFillTx/>
+                <a:latin typeface="Fira Code" panose="020B0509050000020004" pitchFamily="49" charset="0"/>
+                <a:ea typeface="+mn-ea"/>
+                <a:cs typeface="+mn-cs"/>
+              </a:rPr>
+              <a:t> </a:t>
+            </a:r>
+            <a:r>
               <a:rPr kumimoji="0" lang="en-US" sz="1800" b="0" i="0" u="none" strike="noStrike" kern="1200" cap="none" spc="0" normalizeH="0" baseline="0" noProof="0" dirty="0">
                 <a:ln>
                   <a:noFill/>
@@ -8250,7 +8546,7 @@
                 <a:ea typeface="+mn-ea"/>
                 <a:cs typeface="+mn-cs"/>
               </a:rPr>
-              <a:t>    }</a:t>
+              <a:t>}</a:t>
             </a:r>
           </a:p>
           <a:p>
@@ -8509,6 +8805,13 @@
   <p:clrMapOvr>
     <a:masterClrMapping/>
   </p:clrMapOvr>
+  <p:timing>
+    <p:tnLst>
+      <p:par>
+        <p:cTn id="1" dur="indefinite" restart="never" nodeType="tmRoot"/>
+      </p:par>
+    </p:tnLst>
+  </p:timing>
 </p:sld>
 </file>
 
@@ -8998,6 +9301,13 @@
   <p:clrMapOvr>
     <a:masterClrMapping/>
   </p:clrMapOvr>
+  <p:timing>
+    <p:tnLst>
+      <p:par>
+        <p:cTn id="1" dur="indefinite" restart="never" nodeType="tmRoot"/>
+      </p:par>
+    </p:tnLst>
+  </p:timing>
 </p:sld>
 </file>
 
@@ -9557,6 +9867,13 @@
   <p:clrMapOvr>
     <a:masterClrMapping/>
   </p:clrMapOvr>
+  <p:timing>
+    <p:tnLst>
+      <p:par>
+        <p:cTn id="1" dur="indefinite" restart="never" nodeType="tmRoot"/>
+      </p:par>
+    </p:tnLst>
+  </p:timing>
 </p:sld>
 </file>
 
@@ -9863,6 +10180,13 @@
   <p:clrMapOvr>
     <a:masterClrMapping/>
   </p:clrMapOvr>
+  <p:timing>
+    <p:tnLst>
+      <p:par>
+        <p:cTn id="1" dur="indefinite" restart="never" nodeType="tmRoot"/>
+      </p:par>
+    </p:tnLst>
+  </p:timing>
 </p:sld>
 </file>
 
@@ -10471,6 +10795,13 @@
   <p:clrMapOvr>
     <a:masterClrMapping/>
   </p:clrMapOvr>
+  <p:timing>
+    <p:tnLst>
+      <p:par>
+        <p:cTn id="1" dur="indefinite" restart="never" nodeType="tmRoot"/>
+      </p:par>
+    </p:tnLst>
+  </p:timing>
 </p:sld>
 </file>
 
@@ -10621,6 +10952,13 @@
   <p:clrMapOvr>
     <a:masterClrMapping/>
   </p:clrMapOvr>
+  <p:timing>
+    <p:tnLst>
+      <p:par>
+        <p:cTn id="1" dur="indefinite" restart="never" nodeType="tmRoot"/>
+      </p:par>
+    </p:tnLst>
+  </p:timing>
 </p:sld>
 </file>
 
@@ -10742,6 +11080,13 @@
   <p:clrMapOvr>
     <a:masterClrMapping/>
   </p:clrMapOvr>
+  <p:timing>
+    <p:tnLst>
+      <p:par>
+        <p:cTn id="1" dur="indefinite" restart="never" nodeType="tmRoot"/>
+      </p:par>
+    </p:tnLst>
+  </p:timing>
 </p:sld>
 </file>
 
@@ -11036,6 +11381,13 @@
   <p:clrMapOvr>
     <a:masterClrMapping/>
   </p:clrMapOvr>
+  <p:timing>
+    <p:tnLst>
+      <p:par>
+        <p:cTn id="1" dur="indefinite" restart="never" nodeType="tmRoot"/>
+      </p:par>
+    </p:tnLst>
+  </p:timing>
 </p:sld>
 </file>
 
@@ -11341,6 +11693,13 @@
   <p:clrMapOvr>
     <a:masterClrMapping/>
   </p:clrMapOvr>
+  <p:timing>
+    <p:tnLst>
+      <p:par>
+        <p:cTn id="1" dur="indefinite" restart="never" nodeType="tmRoot"/>
+      </p:par>
+    </p:tnLst>
+  </p:timing>
 </p:sld>
 </file>
 
@@ -11548,7 +11907,7 @@
                 <a14:useLocalDpi xmlns:a14="http://schemas.microsoft.com/office/drawing/2010/main" val="0"/>
               </a:ext>
               <a:ext uri="{96DAC541-7B7A-43D3-8B79-37D633B846F1}">
-                <asvg:svgBlip xmlns:asvg="http://schemas.microsoft.com/office/drawing/2016/SVG/main" r:embed="rId6"/>
+                <asvg:svgBlip xmlns:asvg="http://schemas.microsoft.com/office/drawing/2016/SVG/main" xmlns="" r:embed="rId6"/>
               </a:ext>
             </a:extLst>
           </a:blip>
@@ -11587,7 +11946,7 @@
                 <a14:useLocalDpi xmlns:a14="http://schemas.microsoft.com/office/drawing/2010/main" val="0"/>
               </a:ext>
               <a:ext uri="{96DAC541-7B7A-43D3-8B79-37D633B846F1}">
-                <asvg:svgBlip xmlns:asvg="http://schemas.microsoft.com/office/drawing/2016/SVG/main" r:embed="rId6"/>
+                <asvg:svgBlip xmlns:asvg="http://schemas.microsoft.com/office/drawing/2016/SVG/main" xmlns="" r:embed="rId6"/>
               </a:ext>
             </a:extLst>
           </a:blip>
@@ -11863,6 +12222,13 @@
   <p:clrMapOvr>
     <a:masterClrMapping/>
   </p:clrMapOvr>
+  <p:timing>
+    <p:tnLst>
+      <p:par>
+        <p:cTn id="1" dur="indefinite" restart="never" nodeType="tmRoot"/>
+      </p:par>
+    </p:tnLst>
+  </p:timing>
 </p:sld>
 </file>
 
@@ -12163,6 +12529,13 @@
   <p:clrMapOvr>
     <a:masterClrMapping/>
   </p:clrMapOvr>
+  <p:timing>
+    <p:tnLst>
+      <p:par>
+        <p:cTn id="1" dur="indefinite" restart="never" nodeType="tmRoot"/>
+      </p:par>
+    </p:tnLst>
+  </p:timing>
 </p:sld>
 </file>
 
@@ -12509,6 +12882,13 @@
   <p:clrMapOvr>
     <a:masterClrMapping/>
   </p:clrMapOvr>
+  <p:timing>
+    <p:tnLst>
+      <p:par>
+        <p:cTn id="1" dur="indefinite" restart="never" nodeType="tmRoot"/>
+      </p:par>
+    </p:tnLst>
+  </p:timing>
 </p:sld>
 </file>
 
@@ -12869,6 +13249,13 @@
   <p:clrMapOvr>
     <a:masterClrMapping/>
   </p:clrMapOvr>
+  <p:timing>
+    <p:tnLst>
+      <p:par>
+        <p:cTn id="1" dur="indefinite" restart="never" nodeType="tmRoot"/>
+      </p:par>
+    </p:tnLst>
+  </p:timing>
 </p:sld>
 </file>
 
@@ -13227,6 +13614,13 @@
   <p:clrMapOvr>
     <a:masterClrMapping/>
   </p:clrMapOvr>
+  <p:timing>
+    <p:tnLst>
+      <p:par>
+        <p:cTn id="1" dur="indefinite" restart="never" nodeType="tmRoot"/>
+      </p:par>
+    </p:tnLst>
+  </p:timing>
 </p:sld>
 </file>
 
@@ -13738,6 +14132,15 @@
           </a:bodyPr>
           <a:lstStyle/>
           <a:p>
+            <a:r>
+              <a:rPr lang="en-US" dirty="0">
+                <a:solidFill>
+                  <a:srgbClr val="F8F8F2"/>
+                </a:solidFill>
+                <a:latin typeface="Fira Code" panose="020B0509050000020004" pitchFamily="49" charset="0"/>
+              </a:rPr>
+              <a:t/>
+            </a:r>
             <a:br>
               <a:rPr lang="en-US" dirty="0">
                 <a:solidFill>
@@ -13863,6 +14266,13 @@
   <p:clrMapOvr>
     <a:masterClrMapping/>
   </p:clrMapOvr>
+  <p:timing>
+    <p:tnLst>
+      <p:par>
+        <p:cTn id="1" dur="indefinite" restart="never" nodeType="tmRoot"/>
+      </p:par>
+    </p:tnLst>
+  </p:timing>
 </p:sld>
 </file>
 
@@ -14484,6 +14894,13 @@
   <p:clrMapOvr>
     <a:masterClrMapping/>
   </p:clrMapOvr>
+  <p:timing>
+    <p:tnLst>
+      <p:par>
+        <p:cTn id="1" dur="indefinite" restart="never" nodeType="tmRoot"/>
+      </p:par>
+    </p:tnLst>
+  </p:timing>
 </p:sld>
 </file>
 
@@ -15313,6 +15730,13 @@
   <p:clrMapOvr>
     <a:masterClrMapping/>
   </p:clrMapOvr>
+  <p:timing>
+    <p:tnLst>
+      <p:par>
+        <p:cTn id="1" dur="indefinite" restart="never" nodeType="tmRoot"/>
+      </p:par>
+    </p:tnLst>
+  </p:timing>
 </p:sld>
 </file>
 
@@ -16038,6 +16462,13 @@
   <p:clrMapOvr>
     <a:masterClrMapping/>
   </p:clrMapOvr>
+  <p:timing>
+    <p:tnLst>
+      <p:par>
+        <p:cTn id="1" dur="indefinite" restart="never" nodeType="tmRoot"/>
+      </p:par>
+    </p:tnLst>
+  </p:timing>
 </p:sld>
 </file>
 
@@ -16116,7 +16547,7 @@
                 <a14:useLocalDpi xmlns:a14="http://schemas.microsoft.com/office/drawing/2010/main" val="0"/>
               </a:ext>
               <a:ext uri="{96DAC541-7B7A-43D3-8B79-37D633B846F1}">
-                <asvg:svgBlip xmlns:asvg="http://schemas.microsoft.com/office/drawing/2016/SVG/main" r:embed="rId4"/>
+                <asvg:svgBlip xmlns:asvg="http://schemas.microsoft.com/office/drawing/2016/SVG/main" xmlns="" r:embed="rId4"/>
               </a:ext>
             </a:extLst>
           </a:blip>
@@ -16155,7 +16586,7 @@
                 <a14:useLocalDpi xmlns:a14="http://schemas.microsoft.com/office/drawing/2010/main" val="0"/>
               </a:ext>
               <a:ext uri="{96DAC541-7B7A-43D3-8B79-37D633B846F1}">
-                <asvg:svgBlip xmlns:asvg="http://schemas.microsoft.com/office/drawing/2016/SVG/main" r:embed="rId6"/>
+                <asvg:svgBlip xmlns:asvg="http://schemas.microsoft.com/office/drawing/2016/SVG/main" xmlns="" r:embed="rId6"/>
               </a:ext>
             </a:extLst>
           </a:blip>
@@ -16272,6 +16703,13 @@
   <p:clrMapOvr>
     <a:masterClrMapping/>
   </p:clrMapOvr>
+  <p:timing>
+    <p:tnLst>
+      <p:par>
+        <p:cTn id="1" dur="indefinite" restart="never" nodeType="tmRoot"/>
+      </p:par>
+    </p:tnLst>
+  </p:timing>
 </p:sld>
 </file>
 
@@ -16807,6 +17245,13 @@
   <p:clrMapOvr>
     <a:masterClrMapping/>
   </p:clrMapOvr>
+  <p:timing>
+    <p:tnLst>
+      <p:par>
+        <p:cTn id="1" dur="indefinite" restart="never" nodeType="tmRoot"/>
+      </p:par>
+    </p:tnLst>
+  </p:timing>
 </p:sld>
 </file>
 
@@ -16940,7 +17385,7 @@
                 <a14:useLocalDpi xmlns:a14="http://schemas.microsoft.com/office/drawing/2010/main" val="0"/>
               </a:ext>
               <a:ext uri="{96DAC541-7B7A-43D3-8B79-37D633B846F1}">
-                <asvg:svgBlip xmlns:asvg="http://schemas.microsoft.com/office/drawing/2016/SVG/main" r:embed="rId5"/>
+                <asvg:svgBlip xmlns:asvg="http://schemas.microsoft.com/office/drawing/2016/SVG/main" xmlns="" r:embed="rId5"/>
               </a:ext>
             </a:extLst>
           </a:blip>
@@ -16979,7 +17424,7 @@
                 <a14:useLocalDpi xmlns:a14="http://schemas.microsoft.com/office/drawing/2010/main" val="0"/>
               </a:ext>
               <a:ext uri="{96DAC541-7B7A-43D3-8B79-37D633B846F1}">
-                <asvg:svgBlip xmlns:asvg="http://schemas.microsoft.com/office/drawing/2016/SVG/main" r:embed="rId7"/>
+                <asvg:svgBlip xmlns:asvg="http://schemas.microsoft.com/office/drawing/2016/SVG/main" xmlns="" r:embed="rId7"/>
               </a:ext>
             </a:extLst>
           </a:blip>
@@ -18416,6 +18861,13 @@
   <p:clrMapOvr>
     <a:masterClrMapping/>
   </p:clrMapOvr>
+  <p:timing>
+    <p:tnLst>
+      <p:par>
+        <p:cTn id="1" dur="indefinite" restart="never" nodeType="tmRoot"/>
+      </p:par>
+    </p:tnLst>
+  </p:timing>
 </p:sld>
 </file>
 
@@ -18837,6 +19289,13 @@
   <p:clrMapOvr>
     <a:masterClrMapping/>
   </p:clrMapOvr>
+  <p:timing>
+    <p:tnLst>
+      <p:par>
+        <p:cTn id="1" dur="indefinite" restart="never" nodeType="tmRoot"/>
+      </p:par>
+    </p:tnLst>
+  </p:timing>
 </p:sld>
 </file>
 
@@ -18987,6 +19446,13 @@
   <p:clrMapOvr>
     <a:masterClrMapping/>
   </p:clrMapOvr>
+  <p:timing>
+    <p:tnLst>
+      <p:par>
+        <p:cTn id="1" dur="indefinite" restart="never" nodeType="tmRoot"/>
+      </p:par>
+    </p:tnLst>
+  </p:timing>
 </p:sld>
 </file>
 
@@ -19123,6 +19589,13 @@
   <p:clrMapOvr>
     <a:masterClrMapping/>
   </p:clrMapOvr>
+  <p:timing>
+    <p:tnLst>
+      <p:par>
+        <p:cTn id="1" dur="indefinite" restart="never" nodeType="tmRoot"/>
+      </p:par>
+    </p:tnLst>
+  </p:timing>
 </p:sld>
 </file>
 
@@ -19674,6 +20147,13 @@
   <p:clrMapOvr>
     <a:masterClrMapping/>
   </p:clrMapOvr>
+  <p:timing>
+    <p:tnLst>
+      <p:par>
+        <p:cTn id="1" dur="indefinite" restart="never" nodeType="tmRoot"/>
+      </p:par>
+    </p:tnLst>
+  </p:timing>
 </p:sld>
 </file>
 
@@ -20306,6 +20786,13 @@
   <p:clrMapOvr>
     <a:masterClrMapping/>
   </p:clrMapOvr>
+  <p:timing>
+    <p:tnLst>
+      <p:par>
+        <p:cTn id="1" dur="indefinite" restart="never" nodeType="tmRoot"/>
+      </p:par>
+    </p:tnLst>
+  </p:timing>
 </p:sld>
 </file>
 
@@ -21185,6 +21672,13 @@
   <p:clrMapOvr>
     <a:masterClrMapping/>
   </p:clrMapOvr>
+  <p:timing>
+    <p:tnLst>
+      <p:par>
+        <p:cTn id="1" dur="indefinite" restart="never" nodeType="tmRoot"/>
+      </p:par>
+    </p:tnLst>
+  </p:timing>
 </p:sld>
 </file>
 
@@ -21335,6 +21829,13 @@
   <p:clrMapOvr>
     <a:masterClrMapping/>
   </p:clrMapOvr>
+  <p:timing>
+    <p:tnLst>
+      <p:par>
+        <p:cTn id="1" dur="indefinite" restart="never" nodeType="tmRoot"/>
+      </p:par>
+    </p:tnLst>
+  </p:timing>
 </p:sld>
 </file>
 
@@ -21471,6 +21972,13 @@
   <p:clrMapOvr>
     <a:masterClrMapping/>
   </p:clrMapOvr>
+  <p:timing>
+    <p:tnLst>
+      <p:par>
+        <p:cTn id="1" dur="indefinite" restart="never" nodeType="tmRoot"/>
+      </p:par>
+    </p:tnLst>
+  </p:timing>
 </p:sld>
 </file>
 
@@ -22013,6 +22521,13 @@
   <p:clrMapOvr>
     <a:masterClrMapping/>
   </p:clrMapOvr>
+  <p:timing>
+    <p:tnLst>
+      <p:par>
+        <p:cTn id="1" dur="indefinite" restart="never" nodeType="tmRoot"/>
+      </p:par>
+    </p:tnLst>
+  </p:timing>
 </p:sld>
 </file>
 
@@ -22221,6 +22736,13 @@
   <p:clrMapOvr>
     <a:masterClrMapping/>
   </p:clrMapOvr>
+  <p:timing>
+    <p:tnLst>
+      <p:par>
+        <p:cTn id="1" dur="indefinite" restart="never" nodeType="tmRoot"/>
+      </p:par>
+    </p:tnLst>
+  </p:timing>
 </p:sld>
 </file>
 
@@ -22371,6 +22893,13 @@
   <p:clrMapOvr>
     <a:masterClrMapping/>
   </p:clrMapOvr>
+  <p:timing>
+    <p:tnLst>
+      <p:par>
+        <p:cTn id="1" dur="indefinite" restart="never" nodeType="tmRoot"/>
+      </p:par>
+    </p:tnLst>
+  </p:timing>
 </p:sld>
 </file>
 
@@ -22827,6 +23356,13 @@
   <p:clrMapOvr>
     <a:masterClrMapping/>
   </p:clrMapOvr>
+  <p:timing>
+    <p:tnLst>
+      <p:par>
+        <p:cTn id="1" dur="indefinite" restart="never" nodeType="tmRoot"/>
+      </p:par>
+    </p:tnLst>
+  </p:timing>
 </p:sld>
 </file>
 
@@ -24524,6 +25060,13 @@
   <p:clrMapOvr>
     <a:masterClrMapping/>
   </p:clrMapOvr>
+  <p:timing>
+    <p:tnLst>
+      <p:par>
+        <p:cTn id="1" dur="indefinite" restart="never" nodeType="tmRoot"/>
+      </p:par>
+    </p:tnLst>
+  </p:timing>
 </p:sld>
 </file>
 
@@ -24884,6 +25427,13 @@
   <p:clrMapOvr>
     <a:masterClrMapping/>
   </p:clrMapOvr>
+  <p:timing>
+    <p:tnLst>
+      <p:par>
+        <p:cTn id="1" dur="indefinite" restart="never" nodeType="tmRoot"/>
+      </p:par>
+    </p:tnLst>
+  </p:timing>
 </p:sld>
 </file>
 
@@ -25225,6 +25775,13 @@
   <p:clrMapOvr>
     <a:masterClrMapping/>
   </p:clrMapOvr>
+  <p:timing>
+    <p:tnLst>
+      <p:par>
+        <p:cTn id="1" dur="indefinite" restart="never" nodeType="tmRoot"/>
+      </p:par>
+    </p:tnLst>
+  </p:timing>
 </p:sld>
 </file>
 
@@ -25590,14 +26147,14 @@
           <p:nvPr>
             <p:extLst>
               <p:ext uri="{D42A27DB-BD31-4B8C-83A1-F6EECF244321}">
-                <p14:modId xmlns:p14="http://schemas.microsoft.com/office/powerpoint/2010/main" val="1189909060"/>
+                <p14:modId xmlns:p14="http://schemas.microsoft.com/office/powerpoint/2010/main" val="1467546726"/>
               </p:ext>
             </p:extLst>
           </p:nvPr>
         </p:nvGraphicFramePr>
         <p:xfrm>
           <a:off x="6379029" y="1924685"/>
-          <a:ext cx="4064000" cy="2865120"/>
+          <a:ext cx="4064000" cy="1854200"/>
         </p:xfrm>
         <a:graphic>
           <a:graphicData uri="http://schemas.openxmlformats.org/drawingml/2006/table">
@@ -25631,34 +26188,6 @@
                 <a:extLst>
                   <a:ext uri="{0D108BD9-81ED-4DB2-BD59-A6C34878D82A}">
                     <a16:rowId xmlns:a16="http://schemas.microsoft.com/office/drawing/2014/main" val="4082404148"/>
-                  </a:ext>
-                </a:extLst>
-              </a:tr>
-              <a:tr h="370840">
-                <a:tc>
-                  <a:txBody>
-                    <a:bodyPr/>
-                    <a:lstStyle/>
-                    <a:p>
-                      <a:r>
-                        <a:rPr lang="en-US" dirty="0"/>
-                        <a:t>Hoch </a:t>
-                      </a:r>
-                      <a:r>
-                        <a:rPr lang="en-US" dirty="0" err="1"/>
-                        <a:t>Skalierbar</a:t>
-                      </a:r>
-                      <a:endParaRPr lang="en-US" dirty="0"/>
-                    </a:p>
-                    <a:p>
-                      <a:endParaRPr lang="de-DE" dirty="0"/>
-                    </a:p>
-                  </a:txBody>
-                  <a:tcPr/>
-                </a:tc>
-                <a:extLst>
-                  <a:ext uri="{0D108BD9-81ED-4DB2-BD59-A6C34878D82A}">
-                    <a16:rowId xmlns:a16="http://schemas.microsoft.com/office/drawing/2014/main" val="2451668790"/>
                   </a:ext>
                 </a:extLst>
               </a:tr>
@@ -25786,23 +26315,6 @@
                   </a:ext>
                 </a:extLst>
               </a:tr>
-              <a:tr h="370840">
-                <a:tc>
-                  <a:txBody>
-                    <a:bodyPr/>
-                    <a:lstStyle/>
-                    <a:p>
-                      <a:endParaRPr lang="de-DE" dirty="0"/>
-                    </a:p>
-                  </a:txBody>
-                  <a:tcPr/>
-                </a:tc>
-                <a:extLst>
-                  <a:ext uri="{0D108BD9-81ED-4DB2-BD59-A6C34878D82A}">
-                    <a16:rowId xmlns:a16="http://schemas.microsoft.com/office/drawing/2014/main" val="2088835749"/>
-                  </a:ext>
-                </a:extLst>
-              </a:tr>
             </a:tbl>
           </a:graphicData>
         </a:graphic>
@@ -26053,7 +26565,7 @@
                 <a:hlinkClick r:id="rId4">
                   <a:extLst>
                     <a:ext uri="{A12FA001-AC4F-418D-AE19-62706E023703}">
-                      <ahyp:hlinkClr xmlns:ahyp="http://schemas.microsoft.com/office/drawing/2018/hyperlinkcolor" val="tx"/>
+                      <ahyp:hlinkClr xmlns:ahyp="http://schemas.microsoft.com/office/drawing/2018/hyperlinkcolor" xmlns="" val="tx"/>
                     </a:ext>
                   </a:extLst>
                 </a:hlinkClick>
@@ -26096,7 +26608,7 @@
                 <a:hlinkClick r:id="rId5">
                   <a:extLst>
                     <a:ext uri="{A12FA001-AC4F-418D-AE19-62706E023703}">
-                      <ahyp:hlinkClr xmlns:ahyp="http://schemas.microsoft.com/office/drawing/2018/hyperlinkcolor" val="tx"/>
+                      <ahyp:hlinkClr xmlns:ahyp="http://schemas.microsoft.com/office/drawing/2018/hyperlinkcolor" xmlns="" val="tx"/>
                     </a:ext>
                   </a:extLst>
                 </a:hlinkClick>
@@ -26139,7 +26651,7 @@
                 <a:hlinkClick r:id="rId6">
                   <a:extLst>
                     <a:ext uri="{A12FA001-AC4F-418D-AE19-62706E023703}">
-                      <ahyp:hlinkClr xmlns:ahyp="http://schemas.microsoft.com/office/drawing/2018/hyperlinkcolor" val="tx"/>
+                      <ahyp:hlinkClr xmlns:ahyp="http://schemas.microsoft.com/office/drawing/2018/hyperlinkcolor" xmlns="" val="tx"/>
                     </a:ext>
                   </a:extLst>
                 </a:hlinkClick>
@@ -26182,12 +26694,49 @@
                 <a:hlinkClick r:id="rId7">
                   <a:extLst>
                     <a:ext uri="{A12FA001-AC4F-418D-AE19-62706E023703}">
-                      <ahyp:hlinkClr xmlns:ahyp="http://schemas.microsoft.com/office/drawing/2018/hyperlinkcolor" val="tx"/>
+                      <ahyp:hlinkClr xmlns:ahyp="http://schemas.microsoft.com/office/drawing/2018/hyperlinkcolor" xmlns="" val="tx"/>
                     </a:ext>
                   </a:extLst>
                 </a:hlinkClick>
               </a:rPr>
               <a:t>https://www.howtographql.com/</a:t>
+            </a:r>
+            <a:endParaRPr lang="de-DE" dirty="0"/>
+          </a:p>
+        </p:txBody>
+      </p:sp>
+      <p:sp>
+        <p:nvSpPr>
+          <p:cNvPr id="11" name="Rechteck 10">
+            <a:extLst>
+              <a:ext uri="{FF2B5EF4-FFF2-40B4-BE49-F238E27FC236}">
+                <a16:creationId xmlns:a16="http://schemas.microsoft.com/office/drawing/2014/main" id="{F48D9697-3985-4581-9360-3E49B43E4AE1}"/>
+              </a:ext>
+            </a:extLst>
+          </p:cNvPr>
+          <p:cNvSpPr/>
+          <p:nvPr/>
+        </p:nvSpPr>
+        <p:spPr>
+          <a:xfrm>
+            <a:off x="3833676" y="1959679"/>
+            <a:ext cx="4524637" cy="369332"/>
+          </a:xfrm>
+          <a:prstGeom prst="rect">
+            <a:avLst/>
+          </a:prstGeom>
+        </p:spPr>
+        <p:txBody>
+          <a:bodyPr wrap="none">
+            <a:spAutoFit/>
+          </a:bodyPr>
+          <a:lstStyle/>
+          <a:p>
+            <a:r>
+              <a:rPr lang="de-DE">
+                <a:hlinkClick r:id="rId8"/>
+              </a:rPr>
+              <a:t>https://github.com/bytePassion/GraphQL-Talk</a:t>
             </a:r>
             <a:endParaRPr lang="de-DE" dirty="0"/>
           </a:p>
@@ -26203,6 +26752,13 @@
   <p:clrMapOvr>
     <a:masterClrMapping/>
   </p:clrMapOvr>
+  <p:timing>
+    <p:tnLst>
+      <p:par>
+        <p:cTn id="1" dur="indefinite" restart="never" nodeType="tmRoot"/>
+      </p:par>
+    </p:tnLst>
+  </p:timing>
 </p:sld>
 </file>
 
@@ -26263,9 +26819,17 @@
               <a:rPr lang="de-DE" dirty="0" err="1"/>
               <a:t>Credits</a:t>
             </a:r>
+            <a:r>
+              <a:rPr lang="de-DE" dirty="0"/>
+              <a:t/>
+            </a:r>
             <a:br>
               <a:rPr lang="de-DE" dirty="0"/>
             </a:br>
+            <a:r>
+              <a:rPr lang="de-DE" dirty="0"/>
+              <a:t/>
+            </a:r>
             <a:br>
               <a:rPr lang="de-DE" dirty="0"/>
             </a:br>
@@ -26276,6 +26840,10 @@
             <a:r>
               <a:rPr lang="de-DE" sz="3200" dirty="0"/>
               <a:t>:</a:t>
+            </a:r>
+            <a:r>
+              <a:rPr lang="de-DE" dirty="0"/>
+              <a:t/>
             </a:r>
             <a:br>
               <a:rPr lang="de-DE" dirty="0"/>
@@ -26370,6 +26938,62 @@
           </a:extLst>
         </p:spPr>
       </p:pic>
+      <p:sp>
+        <p:nvSpPr>
+          <p:cNvPr id="4" name="Titel 1">
+            <a:extLst>
+              <a:ext uri="{FF2B5EF4-FFF2-40B4-BE49-F238E27FC236}">
+                <a16:creationId xmlns:a16="http://schemas.microsoft.com/office/drawing/2014/main" id="{076CEF27-0E70-4674-B28C-2B8EA65203AF}"/>
+              </a:ext>
+            </a:extLst>
+          </p:cNvPr>
+          <p:cNvSpPr txBox="1">
+            <a:spLocks/>
+          </p:cNvSpPr>
+          <p:nvPr/>
+        </p:nvSpPr>
+        <p:spPr>
+          <a:xfrm>
+            <a:off x="4362449" y="2432050"/>
+            <a:ext cx="6315075" cy="1325563"/>
+          </a:xfrm>
+          <a:prstGeom prst="rect">
+            <a:avLst/>
+          </a:prstGeom>
+        </p:spPr>
+        <p:txBody>
+          <a:bodyPr vert="horz" lIns="91440" tIns="45720" rIns="91440" bIns="45720" rtlCol="0" anchor="ctr">
+            <a:noAutofit/>
+          </a:bodyPr>
+          <a:lstStyle>
+            <a:lvl1pPr algn="l" defTabSz="914400" rtl="0" eaLnBrk="1" latinLnBrk="0" hangingPunct="1">
+              <a:lnSpc>
+                <a:spcPct val="90000"/>
+              </a:lnSpc>
+              <a:spcBef>
+                <a:spcPct val="0"/>
+              </a:spcBef>
+              <a:buNone/>
+              <a:defRPr sz="4400" kern="1200">
+                <a:solidFill>
+                  <a:schemeClr val="tx1"/>
+                </a:solidFill>
+                <a:latin typeface="+mj-lt"/>
+                <a:ea typeface="+mj-ea"/>
+                <a:cs typeface="+mj-cs"/>
+              </a:defRPr>
+            </a:lvl1pPr>
+          </a:lstStyle>
+          <a:p>
+            <a:pPr algn="ctr"/>
+            <a:r>
+              <a:rPr lang="de-DE" sz="9600" smtClean="0"/>
+              <a:t>Fragen?</a:t>
+            </a:r>
+            <a:endParaRPr lang="de-DE" sz="9600" dirty="0"/>
+          </a:p>
+        </p:txBody>
+      </p:sp>
     </p:spTree>
     <p:extLst>
       <p:ext uri="{BB962C8B-B14F-4D97-AF65-F5344CB8AC3E}">
@@ -26844,6 +27468,13 @@
   <p:clrMapOvr>
     <a:masterClrMapping/>
   </p:clrMapOvr>
+  <p:timing>
+    <p:tnLst>
+      <p:par>
+        <p:cTn id="1" dur="indefinite" restart="never" nodeType="tmRoot"/>
+      </p:par>
+    </p:tnLst>
+  </p:timing>
 </p:sld>
 </file>
 
@@ -27224,7 +27855,7 @@
                 <a:hlinkClick r:id="rId2">
                   <a:extLst>
                     <a:ext uri="{A12FA001-AC4F-418D-AE19-62706E023703}">
-                      <ahyp:hlinkClr xmlns:ahyp="http://schemas.microsoft.com/office/drawing/2018/hyperlinkcolor" val="tx"/>
+                      <ahyp:hlinkClr xmlns:ahyp="http://schemas.microsoft.com/office/drawing/2018/hyperlinkcolor" xmlns="" val="tx"/>
                     </a:ext>
                   </a:extLst>
                 </a:hlinkClick>
@@ -27256,7 +27887,7 @@
                 <a14:useLocalDpi xmlns:a14="http://schemas.microsoft.com/office/drawing/2010/main" val="0"/>
               </a:ext>
               <a:ext uri="{96DAC541-7B7A-43D3-8B79-37D633B846F1}">
-                <asvg:svgBlip xmlns:asvg="http://schemas.microsoft.com/office/drawing/2016/SVG/main" r:embed="rId4"/>
+                <asvg:svgBlip xmlns:asvg="http://schemas.microsoft.com/office/drawing/2016/SVG/main" xmlns="" r:embed="rId4"/>
               </a:ext>
             </a:extLst>
           </a:blip>
@@ -27306,7 +27937,7 @@
                 <a:hlinkClick r:id="rId5">
                   <a:extLst>
                     <a:ext uri="{A12FA001-AC4F-418D-AE19-62706E023703}">
-                      <ahyp:hlinkClr xmlns:ahyp="http://schemas.microsoft.com/office/drawing/2018/hyperlinkcolor" val="tx"/>
+                      <ahyp:hlinkClr xmlns:ahyp="http://schemas.microsoft.com/office/drawing/2018/hyperlinkcolor" xmlns="" val="tx"/>
                     </a:ext>
                   </a:extLst>
                 </a:hlinkClick>
@@ -27338,7 +27969,7 @@
                 <a14:useLocalDpi xmlns:a14="http://schemas.microsoft.com/office/drawing/2010/main" val="0"/>
               </a:ext>
               <a:ext uri="{96DAC541-7B7A-43D3-8B79-37D633B846F1}">
-                <asvg:svgBlip xmlns:asvg="http://schemas.microsoft.com/office/drawing/2016/SVG/main" r:embed="rId7"/>
+                <asvg:svgBlip xmlns:asvg="http://schemas.microsoft.com/office/drawing/2016/SVG/main" xmlns="" r:embed="rId7"/>
               </a:ext>
             </a:extLst>
           </a:blip>
@@ -27377,7 +28008,7 @@
                 <a14:useLocalDpi xmlns:a14="http://schemas.microsoft.com/office/drawing/2010/main" val="0"/>
               </a:ext>
               <a:ext uri="{96DAC541-7B7A-43D3-8B79-37D633B846F1}">
-                <asvg:svgBlip xmlns:asvg="http://schemas.microsoft.com/office/drawing/2016/SVG/main" r:embed="rId9"/>
+                <asvg:svgBlip xmlns:asvg="http://schemas.microsoft.com/office/drawing/2016/SVG/main" xmlns="" r:embed="rId9"/>
               </a:ext>
             </a:extLst>
           </a:blip>
@@ -27416,7 +28047,7 @@
                 <a14:useLocalDpi xmlns:a14="http://schemas.microsoft.com/office/drawing/2010/main" val="0"/>
               </a:ext>
               <a:ext uri="{96DAC541-7B7A-43D3-8B79-37D633B846F1}">
-                <asvg:svgBlip xmlns:asvg="http://schemas.microsoft.com/office/drawing/2016/SVG/main" r:embed="rId11"/>
+                <asvg:svgBlip xmlns:asvg="http://schemas.microsoft.com/office/drawing/2016/SVG/main" xmlns="" r:embed="rId11"/>
               </a:ext>
             </a:extLst>
           </a:blip>
@@ -27455,7 +28086,7 @@
                 <a14:useLocalDpi xmlns:a14="http://schemas.microsoft.com/office/drawing/2010/main" val="0"/>
               </a:ext>
               <a:ext uri="{96DAC541-7B7A-43D3-8B79-37D633B846F1}">
-                <asvg:svgBlip xmlns:asvg="http://schemas.microsoft.com/office/drawing/2016/SVG/main" r:embed="rId13"/>
+                <asvg:svgBlip xmlns:asvg="http://schemas.microsoft.com/office/drawing/2016/SVG/main" xmlns="" r:embed="rId13"/>
               </a:ext>
             </a:extLst>
           </a:blip>
@@ -27909,7 +28540,7 @@
                 <a14:useLocalDpi xmlns:a14="http://schemas.microsoft.com/office/drawing/2010/main" val="0"/>
               </a:ext>
               <a:ext uri="{96DAC541-7B7A-43D3-8B79-37D633B846F1}">
-                <asvg:svgBlip xmlns:asvg="http://schemas.microsoft.com/office/drawing/2016/SVG/main" r:embed="rId4"/>
+                <asvg:svgBlip xmlns:asvg="http://schemas.microsoft.com/office/drawing/2016/SVG/main" xmlns="" r:embed="rId4"/>
               </a:ext>
             </a:extLst>
           </a:blip>
@@ -28607,6 +29238,13 @@
   <p:clrMapOvr>
     <a:masterClrMapping/>
   </p:clrMapOvr>
+  <p:timing>
+    <p:tnLst>
+      <p:par>
+        <p:cTn id="1" dur="indefinite" restart="never" nodeType="tmRoot"/>
+      </p:par>
+    </p:tnLst>
+  </p:timing>
 </p:sld>
 </file>
 
@@ -28867,6 +29505,13 @@
   <p:clrMapOvr>
     <a:masterClrMapping/>
   </p:clrMapOvr>
+  <p:timing>
+    <p:tnLst>
+      <p:par>
+        <p:cTn id="1" dur="indefinite" restart="never" nodeType="tmRoot"/>
+      </p:par>
+    </p:tnLst>
+  </p:timing>
 </p:sld>
 </file>
 

--- a/slides/GraphqlSlides.pptx
+++ b/slides/GraphqlSlides.pptx
@@ -566,6 +566,27 @@
           <a:bodyPr/>
           <a:lstStyle/>
           <a:p>
+            <a:r>
+              <a:rPr lang="de-DE" dirty="0"/>
+              <a:t>HighSpeed2 GrandHotel5G</a:t>
+            </a:r>
+          </a:p>
+          <a:p>
+            <a:r>
+              <a:rPr lang="de-DE" dirty="0" err="1"/>
+              <a:t>HighSpeed</a:t>
+            </a:r>
+            <a:r>
+              <a:rPr lang="de-DE" dirty="0"/>
+              <a:t> </a:t>
+            </a:r>
+            <a:r>
+              <a:rPr lang="de-DE" dirty="0" err="1"/>
+              <a:t>GrandHotel</a:t>
+            </a:r>
+            <a:endParaRPr lang="de-DE" dirty="0"/>
+          </a:p>
+          <a:p>
             <a:endParaRPr lang="de-DE" dirty="0"/>
           </a:p>
         </p:txBody>
@@ -728,7 +749,7 @@
           <a:p>
             <a:fld id="{4951A4F0-27A8-4C6D-A90A-FB4CDD31FFC6}" type="slidenum">
               <a:rPr lang="de-DE" smtClean="0"/>
-              <a:t>20</a:t>
+              <a:t>19</a:t>
             </a:fld>
             <a:endParaRPr lang="de-DE"/>
           </a:p>
@@ -737,7 +758,7 @@
     </p:spTree>
     <p:extLst>
       <p:ext uri="{BB962C8B-B14F-4D97-AF65-F5344CB8AC3E}">
-        <p14:creationId xmlns:p14="http://schemas.microsoft.com/office/powerpoint/2010/main" val="2094132076"/>
+        <p14:creationId xmlns:p14="http://schemas.microsoft.com/office/powerpoint/2010/main" val="3704860397"/>
       </p:ext>
     </p:extLst>
   </p:cSld>
@@ -869,7 +890,7 @@
           <a:p>
             <a:fld id="{4951A4F0-27A8-4C6D-A90A-FB4CDD31FFC6}" type="slidenum">
               <a:rPr lang="de-DE" smtClean="0"/>
-              <a:t>21</a:t>
+              <a:t>20</a:t>
             </a:fld>
             <a:endParaRPr lang="de-DE"/>
           </a:p>
@@ -878,7 +899,7 @@
     </p:spTree>
     <p:extLst>
       <p:ext uri="{BB962C8B-B14F-4D97-AF65-F5344CB8AC3E}">
-        <p14:creationId xmlns:p14="http://schemas.microsoft.com/office/powerpoint/2010/main" val="2996534864"/>
+        <p14:creationId xmlns:p14="http://schemas.microsoft.com/office/powerpoint/2010/main" val="2094132076"/>
       </p:ext>
     </p:extLst>
   </p:cSld>
@@ -1010,7 +1031,7 @@
           <a:p>
             <a:fld id="{4951A4F0-27A8-4C6D-A90A-FB4CDD31FFC6}" type="slidenum">
               <a:rPr lang="de-DE" smtClean="0"/>
-              <a:t>22</a:t>
+              <a:t>21</a:t>
             </a:fld>
             <a:endParaRPr lang="de-DE"/>
           </a:p>
@@ -1019,7 +1040,7 @@
     </p:spTree>
     <p:extLst>
       <p:ext uri="{BB962C8B-B14F-4D97-AF65-F5344CB8AC3E}">
-        <p14:creationId xmlns:p14="http://schemas.microsoft.com/office/powerpoint/2010/main" val="970813291"/>
+        <p14:creationId xmlns:p14="http://schemas.microsoft.com/office/powerpoint/2010/main" val="2996534864"/>
       </p:ext>
     </p:extLst>
   </p:cSld>
@@ -1075,164 +1096,61 @@
           <a:p>
             <a:r>
               <a:rPr lang="de-DE" dirty="0" err="1"/>
-              <a:t>Int</a:t>
+              <a:t>Author</a:t>
             </a:r>
             <a:r>
               <a:rPr lang="de-DE" dirty="0"/>
-              <a:t>: </a:t>
+              <a:t> = </a:t>
             </a:r>
             <a:r>
               <a:rPr lang="de-DE" dirty="0" err="1"/>
-              <a:t>signed</a:t>
+              <a:t>Object</a:t>
             </a:r>
             <a:r>
               <a:rPr lang="de-DE" dirty="0"/>
-              <a:t> 32bit integer</a:t>
-            </a:r>
-          </a:p>
-          <a:p>
+              <a:t> Type =&gt; Typ mit einem oder mehreren Datenfeldern. Kommt am Häufigsten in einem Schema vor</a:t>
+            </a:r>
+          </a:p>
+          <a:p>
+            <a:r>
+              <a:rPr lang="de-DE" dirty="0"/>
+              <a:t>Name = Feld des </a:t>
+            </a:r>
             <a:r>
               <a:rPr lang="de-DE" dirty="0" err="1"/>
-              <a:t>Float</a:t>
+              <a:t>Author</a:t>
             </a:r>
             <a:r>
               <a:rPr lang="de-DE" dirty="0"/>
-              <a:t> </a:t>
+              <a:t> Typs</a:t>
+            </a:r>
+          </a:p>
+          <a:p>
+            <a:r>
+              <a:rPr lang="de-DE" dirty="0"/>
+              <a:t>String = einer der eingebauten Scalar Typen von </a:t>
             </a:r>
             <a:r>
               <a:rPr lang="de-DE" dirty="0" err="1"/>
-              <a:t>signed</a:t>
+              <a:t>GraphQL</a:t>
             </a:r>
             <a:r>
               <a:rPr lang="de-DE" dirty="0"/>
-              <a:t> double </a:t>
+              <a:t>, können keine Unterselektion mehr besitzen und lösen sich zu einem einzigen Wert auf</a:t>
+            </a:r>
+          </a:p>
+          <a:p>
+            <a:r>
+              <a:rPr lang="de-DE" dirty="0"/>
+              <a:t>! = Das Feld ist nicht </a:t>
             </a:r>
             <a:r>
               <a:rPr lang="de-DE" dirty="0" err="1"/>
-              <a:t>precision</a:t>
+              <a:t>nullable</a:t>
             </a:r>
             <a:r>
               <a:rPr lang="de-DE" dirty="0"/>
-              <a:t> </a:t>
-            </a:r>
-            <a:r>
-              <a:rPr lang="de-DE" dirty="0" err="1"/>
-              <a:t>float</a:t>
-            </a:r>
-            <a:endParaRPr lang="de-DE" dirty="0"/>
-          </a:p>
-          <a:p>
-            <a:r>
-              <a:rPr lang="de-DE" dirty="0"/>
-              <a:t>String: UTF-8 </a:t>
-            </a:r>
-            <a:r>
-              <a:rPr lang="de-DE" dirty="0" err="1"/>
-              <a:t>character</a:t>
-            </a:r>
-            <a:r>
-              <a:rPr lang="de-DE" dirty="0"/>
-              <a:t> </a:t>
-            </a:r>
-            <a:r>
-              <a:rPr lang="de-DE" dirty="0" err="1"/>
-              <a:t>sequenz</a:t>
-            </a:r>
-            <a:endParaRPr lang="de-DE" dirty="0"/>
-          </a:p>
-          <a:p>
-            <a:r>
-              <a:rPr lang="de-DE" dirty="0"/>
-              <a:t>Boolean: </a:t>
-            </a:r>
-            <a:r>
-              <a:rPr lang="de-DE" dirty="0" err="1"/>
-              <a:t>true</a:t>
-            </a:r>
-            <a:r>
-              <a:rPr lang="de-DE" dirty="0"/>
-              <a:t> / </a:t>
-            </a:r>
-            <a:r>
-              <a:rPr lang="de-DE" dirty="0" err="1"/>
-              <a:t>false</a:t>
-            </a:r>
-            <a:endParaRPr lang="de-DE" dirty="0"/>
-          </a:p>
-          <a:p>
-            <a:r>
-              <a:rPr lang="de-DE" dirty="0"/>
-              <a:t>Date: wird von manchen </a:t>
-            </a:r>
-            <a:r>
-              <a:rPr lang="de-DE" dirty="0" err="1"/>
-              <a:t>libraries</a:t>
-            </a:r>
-            <a:r>
-              <a:rPr lang="de-DE" dirty="0"/>
-              <a:t> schon implementiert, wenn nicht bieten die Frameworks an, eigene Scalar Typen zu implementieren.</a:t>
-            </a:r>
-          </a:p>
-          <a:p>
-            <a:r>
-              <a:rPr lang="de-DE" dirty="0"/>
-              <a:t>ID: </a:t>
-            </a:r>
-            <a:r>
-              <a:rPr lang="de-DE" dirty="0" err="1"/>
-              <a:t>unique</a:t>
-            </a:r>
-            <a:r>
-              <a:rPr lang="de-DE" dirty="0"/>
-              <a:t> </a:t>
-            </a:r>
-            <a:r>
-              <a:rPr lang="de-DE" dirty="0" err="1"/>
-              <a:t>identifier</a:t>
-            </a:r>
-            <a:r>
-              <a:rPr lang="de-DE" dirty="0"/>
-              <a:t>, um </a:t>
-            </a:r>
-            <a:r>
-              <a:rPr lang="de-DE" dirty="0" err="1"/>
-              <a:t>objekt</a:t>
-            </a:r>
-            <a:r>
-              <a:rPr lang="de-DE" dirty="0"/>
-              <a:t> wieder zu holen, oder als </a:t>
-            </a:r>
-            <a:r>
-              <a:rPr lang="de-DE" dirty="0" err="1"/>
-              <a:t>schlüssel</a:t>
-            </a:r>
-            <a:r>
-              <a:rPr lang="de-DE" dirty="0"/>
-              <a:t> für eine </a:t>
-            </a:r>
-            <a:r>
-              <a:rPr lang="de-DE" dirty="0" err="1"/>
-              <a:t>cache</a:t>
-            </a:r>
-            <a:r>
-              <a:rPr lang="de-DE" dirty="0"/>
-              <a:t> </a:t>
-            </a:r>
-            <a:r>
-              <a:rPr lang="de-DE" dirty="0" err="1"/>
-              <a:t>implementierung</a:t>
-            </a:r>
-            <a:r>
-              <a:rPr lang="de-DE" dirty="0"/>
-              <a:t>; wird auf die gleiche weise wie ein </a:t>
-            </a:r>
-            <a:r>
-              <a:rPr lang="de-DE" dirty="0" err="1"/>
-              <a:t>string</a:t>
-            </a:r>
-            <a:r>
-              <a:rPr lang="de-DE" dirty="0"/>
-              <a:t> serialisiert</a:t>
+              <a:t> =&gt; Server verspricht immer einen Wert zurück zu liefern</a:t>
             </a:r>
           </a:p>
         </p:txBody>
@@ -1254,7 +1172,7 @@
           <a:p>
             <a:fld id="{4951A4F0-27A8-4C6D-A90A-FB4CDD31FFC6}" type="slidenum">
               <a:rPr lang="de-DE" smtClean="0"/>
-              <a:t>23</a:t>
+              <a:t>22</a:t>
             </a:fld>
             <a:endParaRPr lang="de-DE"/>
           </a:p>
@@ -1263,7 +1181,7 @@
     </p:spTree>
     <p:extLst>
       <p:ext uri="{BB962C8B-B14F-4D97-AF65-F5344CB8AC3E}">
-        <p14:creationId xmlns:p14="http://schemas.microsoft.com/office/powerpoint/2010/main" val="1288450928"/>
+        <p14:creationId xmlns:p14="http://schemas.microsoft.com/office/powerpoint/2010/main" val="970813291"/>
       </p:ext>
     </p:extLst>
   </p:cSld>
@@ -1318,106 +1236,166 @@
           <a:lstStyle/>
           <a:p>
             <a:r>
-              <a:rPr lang="de-DE" sz="1200" b="0" i="1" kern="1200" dirty="0">
-                <a:solidFill>
-                  <a:schemeClr val="tx1"/>
-                </a:solidFill>
-                <a:effectLst/>
-                <a:latin typeface="+mn-lt"/>
-                <a:ea typeface="+mn-ea"/>
-                <a:cs typeface="+mn-cs"/>
-              </a:rPr>
-              <a:t>[]: Es kommt eine Liste von Objekten vom Typ Post zurück. Da mit Ausrufezeichen markiert ist garantiert das 0 oder mehr Einträge zurück kommen, die alle vom Typ Post sind.</a:t>
-            </a:r>
-          </a:p>
-          <a:p>
-            <a:r>
-              <a:rPr lang="de-DE" sz="1200" b="0" i="1" kern="1200" dirty="0" err="1">
-                <a:solidFill>
-                  <a:schemeClr val="tx1"/>
-                </a:solidFill>
-                <a:effectLst/>
-                <a:latin typeface="+mn-lt"/>
-                <a:ea typeface="+mn-ea"/>
-                <a:cs typeface="+mn-cs"/>
-              </a:rPr>
-              <a:t>one-to-many</a:t>
-            </a:r>
-            <a:r>
-              <a:rPr lang="de-DE" sz="1200" b="0" i="0" kern="1200" dirty="0" err="1">
-                <a:solidFill>
-                  <a:schemeClr val="tx1"/>
-                </a:solidFill>
-                <a:effectLst/>
-                <a:latin typeface="+mn-lt"/>
-                <a:ea typeface="+mn-ea"/>
-                <a:cs typeface="+mn-cs"/>
-              </a:rPr>
-              <a:t>-relationship</a:t>
-            </a:r>
-            <a:r>
-              <a:rPr lang="de-DE" sz="1200" b="0" i="0" kern="1200" dirty="0">
-                <a:solidFill>
-                  <a:schemeClr val="tx1"/>
-                </a:solidFill>
-                <a:effectLst/>
-                <a:latin typeface="+mn-lt"/>
-                <a:ea typeface="+mn-ea"/>
-                <a:cs typeface="+mn-cs"/>
-              </a:rPr>
-              <a:t> zwischen </a:t>
-            </a:r>
-            <a:r>
-              <a:rPr lang="de-DE" sz="1200" b="0" i="0" kern="1200" dirty="0" err="1">
-                <a:solidFill>
-                  <a:schemeClr val="tx1"/>
-                </a:solidFill>
-                <a:effectLst/>
-                <a:latin typeface="+mn-lt"/>
-                <a:ea typeface="+mn-ea"/>
-                <a:cs typeface="+mn-cs"/>
-              </a:rPr>
-              <a:t>Author</a:t>
-            </a:r>
-            <a:r>
-              <a:rPr lang="de-DE" sz="1200" b="0" i="0" kern="1200" dirty="0">
-                <a:solidFill>
-                  <a:schemeClr val="tx1"/>
-                </a:solidFill>
-                <a:effectLst/>
-                <a:latin typeface="+mn-lt"/>
-                <a:ea typeface="+mn-ea"/>
-                <a:cs typeface="+mn-cs"/>
-              </a:rPr>
-              <a:t> und Post. Ein </a:t>
-            </a:r>
-            <a:r>
-              <a:rPr lang="de-DE" sz="1200" b="0" i="0" kern="1200" dirty="0" err="1">
-                <a:solidFill>
-                  <a:schemeClr val="tx1"/>
-                </a:solidFill>
-                <a:effectLst/>
-                <a:latin typeface="+mn-lt"/>
-                <a:ea typeface="+mn-ea"/>
-                <a:cs typeface="+mn-cs"/>
-              </a:rPr>
-              <a:t>Author</a:t>
-            </a:r>
-            <a:r>
-              <a:rPr lang="de-DE" sz="1200" b="0" i="0" kern="1200" dirty="0">
-                <a:solidFill>
-                  <a:schemeClr val="tx1"/>
-                </a:solidFill>
-                <a:effectLst/>
-                <a:latin typeface="+mn-lt"/>
-                <a:ea typeface="+mn-ea"/>
-                <a:cs typeface="+mn-cs"/>
-              </a:rPr>
-              <a:t> kann ein oder viele Posts verfasst haben =&gt; Array von Posts als Feldtyp</a:t>
-            </a:r>
-          </a:p>
-          <a:p>
+              <a:rPr lang="de-DE" dirty="0" err="1"/>
+              <a:t>Int</a:t>
+            </a:r>
+            <a:r>
+              <a:rPr lang="de-DE" dirty="0"/>
+              <a:t>: </a:t>
+            </a:r>
+            <a:r>
+              <a:rPr lang="de-DE" dirty="0" err="1"/>
+              <a:t>signed</a:t>
+            </a:r>
+            <a:r>
+              <a:rPr lang="de-DE" dirty="0"/>
+              <a:t> 32bit integer</a:t>
+            </a:r>
+          </a:p>
+          <a:p>
+            <a:r>
+              <a:rPr lang="de-DE" dirty="0" err="1"/>
+              <a:t>Float</a:t>
+            </a:r>
+            <a:r>
+              <a:rPr lang="de-DE" dirty="0"/>
+              <a:t> </a:t>
+            </a:r>
+            <a:r>
+              <a:rPr lang="de-DE" dirty="0" err="1"/>
+              <a:t>signed</a:t>
+            </a:r>
+            <a:r>
+              <a:rPr lang="de-DE" dirty="0"/>
+              <a:t> double </a:t>
+            </a:r>
+            <a:r>
+              <a:rPr lang="de-DE" dirty="0" err="1"/>
+              <a:t>precision</a:t>
+            </a:r>
+            <a:r>
+              <a:rPr lang="de-DE" dirty="0"/>
+              <a:t> </a:t>
+            </a:r>
+            <a:r>
+              <a:rPr lang="de-DE" dirty="0" err="1"/>
+              <a:t>float</a:t>
+            </a:r>
             <a:endParaRPr lang="de-DE" dirty="0"/>
+          </a:p>
+          <a:p>
+            <a:r>
+              <a:rPr lang="de-DE" dirty="0"/>
+              <a:t>String: UTF-8 </a:t>
+            </a:r>
+            <a:r>
+              <a:rPr lang="de-DE" dirty="0" err="1"/>
+              <a:t>character</a:t>
+            </a:r>
+            <a:r>
+              <a:rPr lang="de-DE" dirty="0"/>
+              <a:t> </a:t>
+            </a:r>
+            <a:r>
+              <a:rPr lang="de-DE" dirty="0" err="1"/>
+              <a:t>sequenz</a:t>
+            </a:r>
+            <a:endParaRPr lang="de-DE" dirty="0"/>
+          </a:p>
+          <a:p>
+            <a:r>
+              <a:rPr lang="de-DE" dirty="0"/>
+              <a:t>Boolean: </a:t>
+            </a:r>
+            <a:r>
+              <a:rPr lang="de-DE" dirty="0" err="1"/>
+              <a:t>true</a:t>
+            </a:r>
+            <a:r>
+              <a:rPr lang="de-DE" dirty="0"/>
+              <a:t> / </a:t>
+            </a:r>
+            <a:r>
+              <a:rPr lang="de-DE" dirty="0" err="1"/>
+              <a:t>false</a:t>
+            </a:r>
+            <a:endParaRPr lang="de-DE" dirty="0"/>
+          </a:p>
+          <a:p>
+            <a:r>
+              <a:rPr lang="de-DE" dirty="0"/>
+              <a:t>Date: wird von manchen </a:t>
+            </a:r>
+            <a:r>
+              <a:rPr lang="de-DE" dirty="0" err="1"/>
+              <a:t>libraries</a:t>
+            </a:r>
+            <a:r>
+              <a:rPr lang="de-DE" dirty="0"/>
+              <a:t> schon implementiert, wenn nicht bieten die Frameworks an, eigene Scalar Typen zu implementieren.</a:t>
+            </a:r>
+          </a:p>
+          <a:p>
+            <a:r>
+              <a:rPr lang="de-DE" dirty="0"/>
+              <a:t>ID: </a:t>
+            </a:r>
+            <a:r>
+              <a:rPr lang="de-DE" dirty="0" err="1"/>
+              <a:t>unique</a:t>
+            </a:r>
+            <a:r>
+              <a:rPr lang="de-DE" dirty="0"/>
+              <a:t> </a:t>
+            </a:r>
+            <a:r>
+              <a:rPr lang="de-DE" dirty="0" err="1"/>
+              <a:t>identifier</a:t>
+            </a:r>
+            <a:r>
+              <a:rPr lang="de-DE" dirty="0"/>
+              <a:t>, um </a:t>
+            </a:r>
+            <a:r>
+              <a:rPr lang="de-DE" dirty="0" err="1"/>
+              <a:t>objekt</a:t>
+            </a:r>
+            <a:r>
+              <a:rPr lang="de-DE" dirty="0"/>
+              <a:t> wieder zu holen, oder als </a:t>
+            </a:r>
+            <a:r>
+              <a:rPr lang="de-DE" dirty="0" err="1"/>
+              <a:t>schlüssel</a:t>
+            </a:r>
+            <a:r>
+              <a:rPr lang="de-DE" dirty="0"/>
+              <a:t> für eine </a:t>
+            </a:r>
+            <a:r>
+              <a:rPr lang="de-DE" dirty="0" err="1"/>
+              <a:t>cache</a:t>
+            </a:r>
+            <a:r>
+              <a:rPr lang="de-DE" dirty="0"/>
+              <a:t> </a:t>
+            </a:r>
+            <a:r>
+              <a:rPr lang="de-DE" dirty="0" err="1"/>
+              <a:t>implementierung</a:t>
+            </a:r>
+            <a:r>
+              <a:rPr lang="de-DE" dirty="0"/>
+              <a:t>; wird auf die gleiche weise wie ein </a:t>
+            </a:r>
+            <a:r>
+              <a:rPr lang="de-DE" dirty="0" err="1"/>
+              <a:t>string</a:t>
+            </a:r>
+            <a:r>
+              <a:rPr lang="de-DE" dirty="0"/>
+              <a:t> serialisiert</a:t>
+            </a:r>
           </a:p>
         </p:txBody>
       </p:sp>
@@ -1438,7 +1416,7 @@
           <a:p>
             <a:fld id="{4951A4F0-27A8-4C6D-A90A-FB4CDD31FFC6}" type="slidenum">
               <a:rPr lang="de-DE" smtClean="0"/>
-              <a:t>24</a:t>
+              <a:t>23</a:t>
             </a:fld>
             <a:endParaRPr lang="de-DE"/>
           </a:p>
@@ -1447,7 +1425,7 @@
     </p:spTree>
     <p:extLst>
       <p:ext uri="{BB962C8B-B14F-4D97-AF65-F5344CB8AC3E}">
-        <p14:creationId xmlns:p14="http://schemas.microsoft.com/office/powerpoint/2010/main" val="1973032472"/>
+        <p14:creationId xmlns:p14="http://schemas.microsoft.com/office/powerpoint/2010/main" val="1288450928"/>
       </p:ext>
     </p:extLst>
   </p:cSld>
@@ -1622,7 +1600,7 @@
           <a:p>
             <a:fld id="{4951A4F0-27A8-4C6D-A90A-FB4CDD31FFC6}" type="slidenum">
               <a:rPr lang="de-DE" smtClean="0"/>
-              <a:t>25</a:t>
+              <a:t>24</a:t>
             </a:fld>
             <a:endParaRPr lang="de-DE"/>
           </a:p>
@@ -1631,7 +1609,7 @@
     </p:spTree>
     <p:extLst>
       <p:ext uri="{BB962C8B-B14F-4D97-AF65-F5344CB8AC3E}">
-        <p14:creationId xmlns:p14="http://schemas.microsoft.com/office/powerpoint/2010/main" val="356632614"/>
+        <p14:creationId xmlns:p14="http://schemas.microsoft.com/office/powerpoint/2010/main" val="1973032472"/>
       </p:ext>
     </p:extLst>
   </p:cSld>
@@ -1806,7 +1784,7 @@
           <a:p>
             <a:fld id="{4951A4F0-27A8-4C6D-A90A-FB4CDD31FFC6}" type="slidenum">
               <a:rPr lang="de-DE" smtClean="0"/>
-              <a:t>26</a:t>
+              <a:t>25</a:t>
             </a:fld>
             <a:endParaRPr lang="de-DE"/>
           </a:p>
@@ -1815,7 +1793,7 @@
     </p:spTree>
     <p:extLst>
       <p:ext uri="{BB962C8B-B14F-4D97-AF65-F5344CB8AC3E}">
-        <p14:creationId xmlns:p14="http://schemas.microsoft.com/office/powerpoint/2010/main" val="251186594"/>
+        <p14:creationId xmlns:p14="http://schemas.microsoft.com/office/powerpoint/2010/main" val="356632614"/>
       </p:ext>
     </p:extLst>
   </p:cSld>
@@ -1990,7 +1968,7 @@
           <a:p>
             <a:fld id="{4951A4F0-27A8-4C6D-A90A-FB4CDD31FFC6}" type="slidenum">
               <a:rPr lang="de-DE" smtClean="0"/>
-              <a:t>27</a:t>
+              <a:t>26</a:t>
             </a:fld>
             <a:endParaRPr lang="de-DE"/>
           </a:p>
@@ -1999,7 +1977,7 @@
     </p:spTree>
     <p:extLst>
       <p:ext uri="{BB962C8B-B14F-4D97-AF65-F5344CB8AC3E}">
-        <p14:creationId xmlns:p14="http://schemas.microsoft.com/office/powerpoint/2010/main" val="1847234564"/>
+        <p14:creationId xmlns:p14="http://schemas.microsoft.com/office/powerpoint/2010/main" val="251186594"/>
       </p:ext>
     </p:extLst>
   </p:cSld>
@@ -2054,29 +2032,105 @@
           <a:lstStyle/>
           <a:p>
             <a:r>
-              <a:rPr lang="de-DE" dirty="0"/>
-              <a:t>Noch anpassen an </a:t>
-            </a:r>
-            <a:r>
-              <a:rPr lang="de-DE" dirty="0" err="1"/>
-              <a:t>vorlage</a:t>
-            </a:r>
-            <a:r>
-              <a:rPr lang="de-DE" dirty="0"/>
-              <a:t> Siehe </a:t>
-            </a:r>
-            <a:r>
-              <a:rPr lang="de-DE" dirty="0" err="1"/>
-              <a:t>skizze</a:t>
-            </a:r>
-            <a:r>
-              <a:rPr lang="de-DE" dirty="0"/>
-              <a:t> von </a:t>
-            </a:r>
-            <a:r>
-              <a:rPr lang="de-DE" dirty="0" err="1"/>
-              <a:t>matthias</a:t>
-            </a:r>
+              <a:rPr lang="de-DE" sz="1200" b="0" i="1" kern="1200" dirty="0">
+                <a:solidFill>
+                  <a:schemeClr val="tx1"/>
+                </a:solidFill>
+                <a:effectLst/>
+                <a:latin typeface="+mn-lt"/>
+                <a:ea typeface="+mn-ea"/>
+                <a:cs typeface="+mn-cs"/>
+              </a:rPr>
+              <a:t>[]: Es kommt eine Liste von Objekten vom Typ Post zurück. Da mit Ausrufezeichen markiert ist garantiert das 0 oder mehr Einträge zurück kommen, die alle vom Typ Post sind.</a:t>
+            </a:r>
+          </a:p>
+          <a:p>
+            <a:r>
+              <a:rPr lang="de-DE" sz="1200" b="0" i="1" kern="1200" dirty="0" err="1">
+                <a:solidFill>
+                  <a:schemeClr val="tx1"/>
+                </a:solidFill>
+                <a:effectLst/>
+                <a:latin typeface="+mn-lt"/>
+                <a:ea typeface="+mn-ea"/>
+                <a:cs typeface="+mn-cs"/>
+              </a:rPr>
+              <a:t>one-to-many</a:t>
+            </a:r>
+            <a:r>
+              <a:rPr lang="de-DE" sz="1200" b="0" i="0" kern="1200" dirty="0" err="1">
+                <a:solidFill>
+                  <a:schemeClr val="tx1"/>
+                </a:solidFill>
+                <a:effectLst/>
+                <a:latin typeface="+mn-lt"/>
+                <a:ea typeface="+mn-ea"/>
+                <a:cs typeface="+mn-cs"/>
+              </a:rPr>
+              <a:t>-relationship</a:t>
+            </a:r>
+            <a:r>
+              <a:rPr lang="de-DE" sz="1200" b="0" i="0" kern="1200" dirty="0">
+                <a:solidFill>
+                  <a:schemeClr val="tx1"/>
+                </a:solidFill>
+                <a:effectLst/>
+                <a:latin typeface="+mn-lt"/>
+                <a:ea typeface="+mn-ea"/>
+                <a:cs typeface="+mn-cs"/>
+              </a:rPr>
+              <a:t> zwischen </a:t>
+            </a:r>
+            <a:r>
+              <a:rPr lang="de-DE" sz="1200" b="0" i="0" kern="1200" dirty="0" err="1">
+                <a:solidFill>
+                  <a:schemeClr val="tx1"/>
+                </a:solidFill>
+                <a:effectLst/>
+                <a:latin typeface="+mn-lt"/>
+                <a:ea typeface="+mn-ea"/>
+                <a:cs typeface="+mn-cs"/>
+              </a:rPr>
+              <a:t>Author</a:t>
+            </a:r>
+            <a:r>
+              <a:rPr lang="de-DE" sz="1200" b="0" i="0" kern="1200" dirty="0">
+                <a:solidFill>
+                  <a:schemeClr val="tx1"/>
+                </a:solidFill>
+                <a:effectLst/>
+                <a:latin typeface="+mn-lt"/>
+                <a:ea typeface="+mn-ea"/>
+                <a:cs typeface="+mn-cs"/>
+              </a:rPr>
+              <a:t> und Post. Ein </a:t>
+            </a:r>
+            <a:r>
+              <a:rPr lang="de-DE" sz="1200" b="0" i="0" kern="1200" dirty="0" err="1">
+                <a:solidFill>
+                  <a:schemeClr val="tx1"/>
+                </a:solidFill>
+                <a:effectLst/>
+                <a:latin typeface="+mn-lt"/>
+                <a:ea typeface="+mn-ea"/>
+                <a:cs typeface="+mn-cs"/>
+              </a:rPr>
+              <a:t>Author</a:t>
+            </a:r>
+            <a:r>
+              <a:rPr lang="de-DE" sz="1200" b="0" i="0" kern="1200" dirty="0">
+                <a:solidFill>
+                  <a:schemeClr val="tx1"/>
+                </a:solidFill>
+                <a:effectLst/>
+                <a:latin typeface="+mn-lt"/>
+                <a:ea typeface="+mn-ea"/>
+                <a:cs typeface="+mn-cs"/>
+              </a:rPr>
+              <a:t> kann ein oder viele Posts verfasst haben =&gt; Array von Posts als Feldtyp</a:t>
+            </a:r>
+          </a:p>
+          <a:p>
             <a:endParaRPr lang="de-DE" dirty="0"/>
           </a:p>
         </p:txBody>
@@ -2098,7 +2152,7 @@
           <a:p>
             <a:fld id="{4951A4F0-27A8-4C6D-A90A-FB4CDD31FFC6}" type="slidenum">
               <a:rPr lang="de-DE" smtClean="0"/>
-              <a:t>28</a:t>
+              <a:t>27</a:t>
             </a:fld>
             <a:endParaRPr lang="de-DE"/>
           </a:p>
@@ -2107,7 +2161,7 @@
     </p:spTree>
     <p:extLst>
       <p:ext uri="{BB962C8B-B14F-4D97-AF65-F5344CB8AC3E}">
-        <p14:creationId xmlns:p14="http://schemas.microsoft.com/office/powerpoint/2010/main" val="4182998493"/>
+        <p14:creationId xmlns:p14="http://schemas.microsoft.com/office/powerpoint/2010/main" val="1847234564"/>
       </p:ext>
     </p:extLst>
   </p:cSld>
@@ -2162,29 +2216,30 @@
           <a:lstStyle/>
           <a:p>
             <a:r>
+              <a:rPr lang="de-DE" dirty="0"/>
+              <a:t>Noch anpassen an </a:t>
+            </a:r>
+            <a:r>
               <a:rPr lang="de-DE" dirty="0" err="1"/>
-              <a:t>Passed</a:t>
+              <a:t>vorlage</a:t>
             </a:r>
             <a:r>
               <a:rPr lang="de-DE" dirty="0"/>
-              <a:t> </a:t>
+              <a:t> Siehe </a:t>
             </a:r>
             <a:r>
               <a:rPr lang="de-DE" dirty="0" err="1"/>
-              <a:t>by</a:t>
+              <a:t>skizze</a:t>
             </a:r>
             <a:r>
               <a:rPr lang="de-DE" dirty="0"/>
-              <a:t> </a:t>
+              <a:t> von </a:t>
             </a:r>
             <a:r>
               <a:rPr lang="de-DE" dirty="0" err="1"/>
-              <a:t>name</a:t>
-            </a:r>
-            <a:r>
-              <a:rPr lang="de-DE" dirty="0"/>
-              <a:t>, Argumente können zwingend oder optional sein.</a:t>
-            </a:r>
+              <a:t>matthias</a:t>
+            </a:r>
+            <a:endParaRPr lang="de-DE" dirty="0"/>
           </a:p>
         </p:txBody>
       </p:sp>
@@ -2205,7 +2260,7 @@
           <a:p>
             <a:fld id="{4951A4F0-27A8-4C6D-A90A-FB4CDD31FFC6}" type="slidenum">
               <a:rPr lang="de-DE" smtClean="0"/>
-              <a:t>29</a:t>
+              <a:t>28</a:t>
             </a:fld>
             <a:endParaRPr lang="de-DE"/>
           </a:p>
@@ -2214,7 +2269,7 @@
     </p:spTree>
     <p:extLst>
       <p:ext uri="{BB962C8B-B14F-4D97-AF65-F5344CB8AC3E}">
-        <p14:creationId xmlns:p14="http://schemas.microsoft.com/office/powerpoint/2010/main" val="3211781086"/>
+        <p14:creationId xmlns:p14="http://schemas.microsoft.com/office/powerpoint/2010/main" val="4182998493"/>
       </p:ext>
     </p:extLst>
   </p:cSld>
@@ -2508,7 +2563,7 @@
           <a:p>
             <a:fld id="{4951A4F0-27A8-4C6D-A90A-FB4CDD31FFC6}" type="slidenum">
               <a:rPr lang="de-DE" smtClean="0"/>
-              <a:t>30</a:t>
+              <a:t>29</a:t>
             </a:fld>
             <a:endParaRPr lang="de-DE"/>
           </a:p>
@@ -2517,7 +2572,7 @@
     </p:spTree>
     <p:extLst>
       <p:ext uri="{BB962C8B-B14F-4D97-AF65-F5344CB8AC3E}">
-        <p14:creationId xmlns:p14="http://schemas.microsoft.com/office/powerpoint/2010/main" val="590215556"/>
+        <p14:creationId xmlns:p14="http://schemas.microsoft.com/office/powerpoint/2010/main" val="3211781086"/>
       </p:ext>
     </p:extLst>
   </p:cSld>
@@ -2615,7 +2670,7 @@
           <a:p>
             <a:fld id="{4951A4F0-27A8-4C6D-A90A-FB4CDD31FFC6}" type="slidenum">
               <a:rPr lang="de-DE" smtClean="0"/>
-              <a:t>31</a:t>
+              <a:t>30</a:t>
             </a:fld>
             <a:endParaRPr lang="de-DE"/>
           </a:p>
@@ -2624,7 +2679,7 @@
     </p:spTree>
     <p:extLst>
       <p:ext uri="{BB962C8B-B14F-4D97-AF65-F5344CB8AC3E}">
-        <p14:creationId xmlns:p14="http://schemas.microsoft.com/office/powerpoint/2010/main" val="3150571078"/>
+        <p14:creationId xmlns:p14="http://schemas.microsoft.com/office/powerpoint/2010/main" val="590215556"/>
       </p:ext>
     </p:extLst>
   </p:cSld>
@@ -2680,25 +2735,27 @@
           <a:p>
             <a:r>
               <a:rPr lang="de-DE" dirty="0" err="1"/>
-              <a:t>Mutations</a:t>
+              <a:t>Passed</a:t>
             </a:r>
             <a:r>
               <a:rPr lang="de-DE" dirty="0"/>
-              <a:t> werden benutzt um Daten zu erstellen, upzudaten, oder zu löschen</a:t>
-            </a:r>
-          </a:p>
-          <a:p>
+              <a:t> </a:t>
+            </a:r>
+            <a:r>
+              <a:rPr lang="de-DE" dirty="0" err="1"/>
+              <a:t>by</a:t>
+            </a:r>
             <a:r>
               <a:rPr lang="de-DE" dirty="0"/>
-              <a:t>Mehrere </a:t>
+              <a:t> </a:t>
             </a:r>
             <a:r>
               <a:rPr lang="de-DE" dirty="0" err="1"/>
-              <a:t>Mutations</a:t>
+              <a:t>name</a:t>
             </a:r>
             <a:r>
               <a:rPr lang="de-DE" dirty="0"/>
-              <a:t> können mit einem einzigen Request gesendet werden. Sie werden vom Server sequentiell, also in der Reihenfolge wie sie definiert wurden, abgearbeitet.</a:t>
+              <a:t>, Argumente können zwingend oder optional sein.</a:t>
             </a:r>
           </a:p>
         </p:txBody>
@@ -2720,7 +2777,7 @@
           <a:p>
             <a:fld id="{4951A4F0-27A8-4C6D-A90A-FB4CDD31FFC6}" type="slidenum">
               <a:rPr lang="de-DE" smtClean="0"/>
-              <a:t>33</a:t>
+              <a:t>31</a:t>
             </a:fld>
             <a:endParaRPr lang="de-DE"/>
           </a:p>
@@ -2729,7 +2786,7 @@
     </p:spTree>
     <p:extLst>
       <p:ext uri="{BB962C8B-B14F-4D97-AF65-F5344CB8AC3E}">
-        <p14:creationId xmlns:p14="http://schemas.microsoft.com/office/powerpoint/2010/main" val="2770499957"/>
+        <p14:creationId xmlns:p14="http://schemas.microsoft.com/office/powerpoint/2010/main" val="3150571078"/>
       </p:ext>
     </p:extLst>
   </p:cSld>
@@ -2785,11 +2842,25 @@
           <a:p>
             <a:r>
               <a:rPr lang="de-DE" dirty="0" err="1"/>
-              <a:t>InputTypes</a:t>
+              <a:t>Mutations</a:t>
             </a:r>
             <a:r>
               <a:rPr lang="de-DE" dirty="0"/>
-              <a:t> notwendig, da bisher kennen  </a:t>
+              <a:t> werden benutzt um Daten zu erstellen, upzudaten, oder zu löschen</a:t>
+            </a:r>
+          </a:p>
+          <a:p>
+            <a:r>
+              <a:rPr lang="de-DE" dirty="0"/>
+              <a:t>Mehrere </a:t>
+            </a:r>
+            <a:r>
+              <a:rPr lang="de-DE" dirty="0" err="1"/>
+              <a:t>Mutations</a:t>
+            </a:r>
+            <a:r>
+              <a:rPr lang="de-DE" dirty="0"/>
+              <a:t> können mit einem einzigen Request gesendet werden. Sie werden vom Server sequentiell, also in der Reihenfolge wie sie definiert wurden, abgearbeitet.</a:t>
             </a:r>
           </a:p>
         </p:txBody>
@@ -2811,7 +2882,7 @@
           <a:p>
             <a:fld id="{4951A4F0-27A8-4C6D-A90A-FB4CDD31FFC6}" type="slidenum">
               <a:rPr lang="de-DE" smtClean="0"/>
-              <a:t>34</a:t>
+              <a:t>33</a:t>
             </a:fld>
             <a:endParaRPr lang="de-DE"/>
           </a:p>
@@ -2820,7 +2891,7 @@
     </p:spTree>
     <p:extLst>
       <p:ext uri="{BB962C8B-B14F-4D97-AF65-F5344CB8AC3E}">
-        <p14:creationId xmlns:p14="http://schemas.microsoft.com/office/powerpoint/2010/main" val="4248759428"/>
+        <p14:creationId xmlns:p14="http://schemas.microsoft.com/office/powerpoint/2010/main" val="2770499957"/>
       </p:ext>
     </p:extLst>
   </p:cSld>
@@ -2875,58 +2946,13 @@
           <a:lstStyle/>
           <a:p>
             <a:r>
+              <a:rPr lang="de-DE" dirty="0" err="1"/>
+              <a:t>InputTypes</a:t>
+            </a:r>
+            <a:r>
               <a:rPr lang="de-DE" dirty="0"/>
-              <a:t>Im Gegensatz zu Rest verwendet </a:t>
-            </a:r>
-            <a:r>
-              <a:rPr lang="de-DE" dirty="0" err="1"/>
-              <a:t>GraphQL</a:t>
-            </a:r>
-            <a:r>
-              <a:rPr lang="de-DE" dirty="0"/>
-              <a:t> nur einen HTTP Status code. Liefert im Fehlerfall also zum Beispiel keine 404 zurück. Das macht die die Fehlerbehandlung etwas komplexer, da kein direktes Feedback vom Server zurück kommt. Stattdessen wird eine Fehlermeldung in der </a:t>
-            </a:r>
-            <a:r>
-              <a:rPr lang="de-DE" dirty="0" err="1"/>
-              <a:t>Antwortjson</a:t>
-            </a:r>
-            <a:r>
-              <a:rPr lang="de-DE" dirty="0"/>
-              <a:t> </a:t>
-            </a:r>
-            <a:r>
-              <a:rPr lang="de-DE" dirty="0" err="1"/>
-              <a:t>gewrappt</a:t>
-            </a:r>
-            <a:r>
-              <a:rPr lang="de-DE" dirty="0"/>
-              <a:t> und es muss im </a:t>
-            </a:r>
-            <a:r>
-              <a:rPr lang="de-DE" dirty="0" err="1"/>
-              <a:t>client</a:t>
-            </a:r>
-            <a:r>
-              <a:rPr lang="de-DE" dirty="0"/>
-              <a:t> entsprechend darauf reagiert werden</a:t>
-            </a:r>
-          </a:p>
-          <a:p>
-            <a:r>
-              <a:rPr lang="de-DE" dirty="0"/>
-              <a:t>Begründung, </a:t>
-            </a:r>
-            <a:r>
-              <a:rPr lang="de-DE" dirty="0" err="1"/>
-              <a:t>GraphQL</a:t>
-            </a:r>
-            <a:r>
-              <a:rPr lang="de-DE" dirty="0"/>
-              <a:t> ist ja Protokoll agnostisch, könnte theoretisch auch ohne http eingesetzt werden, deshalb kann auch nicht drauf eingegangen werden</a:t>
-            </a:r>
-          </a:p>
-          <a:p>
-            <a:endParaRPr lang="de-DE" dirty="0"/>
+              <a:t> notwendig, da bisher kennen  </a:t>
+            </a:r>
           </a:p>
         </p:txBody>
       </p:sp>
@@ -2947,7 +2973,7 @@
           <a:p>
             <a:fld id="{4951A4F0-27A8-4C6D-A90A-FB4CDD31FFC6}" type="slidenum">
               <a:rPr lang="de-DE" smtClean="0"/>
-              <a:t>44</a:t>
+              <a:t>34</a:t>
             </a:fld>
             <a:endParaRPr lang="de-DE"/>
           </a:p>
@@ -2956,7 +2982,7 @@
     </p:spTree>
     <p:extLst>
       <p:ext uri="{BB962C8B-B14F-4D97-AF65-F5344CB8AC3E}">
-        <p14:creationId xmlns:p14="http://schemas.microsoft.com/office/powerpoint/2010/main" val="2310014062"/>
+        <p14:creationId xmlns:p14="http://schemas.microsoft.com/office/powerpoint/2010/main" val="4248759428"/>
       </p:ext>
     </p:extLst>
   </p:cSld>
@@ -3083,6 +3109,142 @@
           <a:p>
             <a:fld id="{4951A4F0-27A8-4C6D-A90A-FB4CDD31FFC6}" type="slidenum">
               <a:rPr lang="de-DE" smtClean="0"/>
+              <a:t>44</a:t>
+            </a:fld>
+            <a:endParaRPr lang="de-DE"/>
+          </a:p>
+        </p:txBody>
+      </p:sp>
+    </p:spTree>
+    <p:extLst>
+      <p:ext uri="{BB962C8B-B14F-4D97-AF65-F5344CB8AC3E}">
+        <p14:creationId xmlns:p14="http://schemas.microsoft.com/office/powerpoint/2010/main" val="2310014062"/>
+      </p:ext>
+    </p:extLst>
+  </p:cSld>
+  <p:clrMapOvr>
+    <a:masterClrMapping/>
+  </p:clrMapOvr>
+</p:notes>
+</file>
+
+<file path=ppt/notesSlides/notesSlide26.xml><?xml version="1.0" encoding="utf-8"?>
+<p:notes xmlns:a="http://schemas.openxmlformats.org/drawingml/2006/main" xmlns:r="http://schemas.openxmlformats.org/officeDocument/2006/relationships" xmlns:p="http://schemas.openxmlformats.org/presentationml/2006/main">
+  <p:cSld>
+    <p:spTree>
+      <p:nvGrpSpPr>
+        <p:cNvPr id="1" name=""/>
+        <p:cNvGrpSpPr/>
+        <p:nvPr/>
+      </p:nvGrpSpPr>
+      <p:grpSpPr>
+        <a:xfrm>
+          <a:off x="0" y="0"/>
+          <a:ext cx="0" cy="0"/>
+          <a:chOff x="0" y="0"/>
+          <a:chExt cx="0" cy="0"/>
+        </a:xfrm>
+      </p:grpSpPr>
+      <p:sp>
+        <p:nvSpPr>
+          <p:cNvPr id="2" name="Folienbildplatzhalter 1"/>
+          <p:cNvSpPr>
+            <a:spLocks noGrp="1" noRot="1" noChangeAspect="1"/>
+          </p:cNvSpPr>
+          <p:nvPr>
+            <p:ph type="sldImg"/>
+          </p:nvPr>
+        </p:nvSpPr>
+        <p:spPr/>
+      </p:sp>
+      <p:sp>
+        <p:nvSpPr>
+          <p:cNvPr id="3" name="Notizenplatzhalter 2"/>
+          <p:cNvSpPr>
+            <a:spLocks noGrp="1"/>
+          </p:cNvSpPr>
+          <p:nvPr>
+            <p:ph type="body" idx="1"/>
+          </p:nvPr>
+        </p:nvSpPr>
+        <p:spPr/>
+        <p:txBody>
+          <a:bodyPr/>
+          <a:lstStyle/>
+          <a:p>
+            <a:r>
+              <a:rPr lang="de-DE" dirty="0"/>
+              <a:t>Im Gegensatz zu Rest verwendet </a:t>
+            </a:r>
+            <a:r>
+              <a:rPr lang="de-DE" dirty="0" err="1"/>
+              <a:t>GraphQL</a:t>
+            </a:r>
+            <a:r>
+              <a:rPr lang="de-DE" dirty="0"/>
+              <a:t> nur einen HTTP Status code. Liefert im Fehlerfall also zum Beispiel keine 404 zurück. Das macht die die Fehlerbehandlung etwas komplexer, da kein direktes Feedback vom Server zurück kommt. Stattdessen wird eine Fehlermeldung in der </a:t>
+            </a:r>
+            <a:r>
+              <a:rPr lang="de-DE" dirty="0" err="1"/>
+              <a:t>Antwortjson</a:t>
+            </a:r>
+            <a:r>
+              <a:rPr lang="de-DE" dirty="0"/>
+              <a:t> </a:t>
+            </a:r>
+            <a:r>
+              <a:rPr lang="de-DE" dirty="0" err="1"/>
+              <a:t>gewrappt</a:t>
+            </a:r>
+            <a:r>
+              <a:rPr lang="de-DE" dirty="0"/>
+              <a:t> und es muss im </a:t>
+            </a:r>
+            <a:r>
+              <a:rPr lang="de-DE" dirty="0" err="1"/>
+              <a:t>client</a:t>
+            </a:r>
+            <a:r>
+              <a:rPr lang="de-DE" dirty="0"/>
+              <a:t> entsprechend darauf reagiert werden</a:t>
+            </a:r>
+          </a:p>
+          <a:p>
+            <a:r>
+              <a:rPr lang="de-DE" dirty="0"/>
+              <a:t>Begründung, </a:t>
+            </a:r>
+            <a:r>
+              <a:rPr lang="de-DE" dirty="0" err="1"/>
+              <a:t>GraphQL</a:t>
+            </a:r>
+            <a:r>
+              <a:rPr lang="de-DE" dirty="0"/>
+              <a:t> ist ja Protokoll agnostisch, könnte theoretisch auch ohne http eingesetzt werden, deshalb kann auch nicht drauf eingegangen werden</a:t>
+            </a:r>
+          </a:p>
+          <a:p>
+            <a:endParaRPr lang="de-DE" dirty="0"/>
+          </a:p>
+        </p:txBody>
+      </p:sp>
+      <p:sp>
+        <p:nvSpPr>
+          <p:cNvPr id="4" name="Foliennummernplatzhalter 3"/>
+          <p:cNvSpPr>
+            <a:spLocks noGrp="1"/>
+          </p:cNvSpPr>
+          <p:nvPr>
+            <p:ph type="sldNum" sz="quarter" idx="5"/>
+          </p:nvPr>
+        </p:nvSpPr>
+        <p:spPr/>
+        <p:txBody>
+          <a:bodyPr/>
+          <a:lstStyle/>
+          <a:p>
+            <a:fld id="{4951A4F0-27A8-4C6D-A90A-FB4CDD31FFC6}" type="slidenum">
+              <a:rPr lang="de-DE" smtClean="0"/>
               <a:t>45</a:t>
             </a:fld>
             <a:endParaRPr lang="de-DE"/>
@@ -3102,7 +3264,7 @@
 </p:notes>
 </file>
 
-<file path=ppt/notesSlides/notesSlide26.xml><?xml version="1.0" encoding="utf-8"?>
+<file path=ppt/notesSlides/notesSlide27.xml><?xml version="1.0" encoding="utf-8"?>
 <p:notes xmlns:a="http://schemas.openxmlformats.org/drawingml/2006/main" xmlns:r="http://schemas.openxmlformats.org/officeDocument/2006/relationships" xmlns:p="http://schemas.openxmlformats.org/presentationml/2006/main">
   <p:cSld>
     <p:spTree>
@@ -3533,10 +3695,7 @@
           <a:bodyPr/>
           <a:lstStyle/>
           <a:p>
-            <a:r>
-              <a:rPr lang="de-DE" dirty="0"/>
-              <a:t>Wird häufig mit Abfragesprache für Datenbanken verwechselt</a:t>
-            </a:r>
+            <a:endParaRPr lang="de-DE" dirty="0"/>
           </a:p>
         </p:txBody>
       </p:sp>
@@ -3620,64 +3779,7 @@
           <a:bodyPr/>
           <a:lstStyle/>
           <a:p>
-            <a:r>
-              <a:rPr lang="de-DE" dirty="0" err="1"/>
-              <a:t>Author</a:t>
-            </a:r>
-            <a:r>
-              <a:rPr lang="de-DE" dirty="0"/>
-              <a:t> = </a:t>
-            </a:r>
-            <a:r>
-              <a:rPr lang="de-DE" dirty="0" err="1"/>
-              <a:t>Object</a:t>
-            </a:r>
-            <a:r>
-              <a:rPr lang="de-DE" dirty="0"/>
-              <a:t> Type =&gt; Typ mit einem oder mehreren Datenfeldern. Kommt am Häufigsten in einem Schema vor</a:t>
-            </a:r>
-          </a:p>
-          <a:p>
-            <a:r>
-              <a:rPr lang="de-DE" dirty="0"/>
-              <a:t>Name = Feld des </a:t>
-            </a:r>
-            <a:r>
-              <a:rPr lang="de-DE" dirty="0" err="1"/>
-              <a:t>Author</a:t>
-            </a:r>
-            <a:r>
-              <a:rPr lang="de-DE" dirty="0"/>
-              <a:t> Typs</a:t>
-            </a:r>
-          </a:p>
-          <a:p>
-            <a:r>
-              <a:rPr lang="de-DE" dirty="0"/>
-              <a:t>String = einer der eingebauten Scalar Typen von </a:t>
-            </a:r>
-            <a:r>
-              <a:rPr lang="de-DE" dirty="0" err="1"/>
-              <a:t>GraphQL</a:t>
-            </a:r>
-            <a:r>
-              <a:rPr lang="de-DE" dirty="0"/>
-              <a:t>, können keine Unterselektion mehr besitzen und lösen sich zu einem einzigen Wert auf</a:t>
-            </a:r>
-          </a:p>
-          <a:p>
-            <a:r>
-              <a:rPr lang="de-DE" dirty="0"/>
-              <a:t>! = Das Feld ist nicht </a:t>
-            </a:r>
-            <a:r>
-              <a:rPr lang="de-DE" dirty="0" err="1"/>
-              <a:t>nullable</a:t>
-            </a:r>
-            <a:r>
-              <a:rPr lang="de-DE" dirty="0"/>
-              <a:t> =&gt; Server verspricht immer einen Wert zurück zu liefern</a:t>
-            </a:r>
+            <a:endParaRPr lang="de-DE" dirty="0"/>
           </a:p>
         </p:txBody>
       </p:sp>
@@ -3698,7 +3800,7 @@
           <a:p>
             <a:fld id="{4951A4F0-27A8-4C6D-A90A-FB4CDD31FFC6}" type="slidenum">
               <a:rPr lang="de-DE" smtClean="0"/>
-              <a:t>17</a:t>
+              <a:t>9</a:t>
             </a:fld>
             <a:endParaRPr lang="de-DE"/>
           </a:p>
@@ -3707,7 +3809,7 @@
     </p:spTree>
     <p:extLst>
       <p:ext uri="{BB962C8B-B14F-4D97-AF65-F5344CB8AC3E}">
-        <p14:creationId xmlns:p14="http://schemas.microsoft.com/office/powerpoint/2010/main" val="1518922089"/>
+        <p14:creationId xmlns:p14="http://schemas.microsoft.com/office/powerpoint/2010/main" val="3721812299"/>
       </p:ext>
     </p:extLst>
   </p:cSld>
@@ -3839,7 +3941,7 @@
           <a:p>
             <a:fld id="{4951A4F0-27A8-4C6D-A90A-FB4CDD31FFC6}" type="slidenum">
               <a:rPr lang="de-DE" smtClean="0"/>
-              <a:t>18</a:t>
+              <a:t>17</a:t>
             </a:fld>
             <a:endParaRPr lang="de-DE"/>
           </a:p>
@@ -3848,7 +3950,7 @@
     </p:spTree>
     <p:extLst>
       <p:ext uri="{BB962C8B-B14F-4D97-AF65-F5344CB8AC3E}">
-        <p14:creationId xmlns:p14="http://schemas.microsoft.com/office/powerpoint/2010/main" val="2053084685"/>
+        <p14:creationId xmlns:p14="http://schemas.microsoft.com/office/powerpoint/2010/main" val="1518922089"/>
       </p:ext>
     </p:extLst>
   </p:cSld>
@@ -3980,7 +4082,7 @@
           <a:p>
             <a:fld id="{4951A4F0-27A8-4C6D-A90A-FB4CDD31FFC6}" type="slidenum">
               <a:rPr lang="de-DE" smtClean="0"/>
-              <a:t>19</a:t>
+              <a:t>18</a:t>
             </a:fld>
             <a:endParaRPr lang="de-DE"/>
           </a:p>
@@ -3989,7 +4091,7 @@
     </p:spTree>
     <p:extLst>
       <p:ext uri="{BB962C8B-B14F-4D97-AF65-F5344CB8AC3E}">
-        <p14:creationId xmlns:p14="http://schemas.microsoft.com/office/powerpoint/2010/main" val="3704860397"/>
+        <p14:creationId xmlns:p14="http://schemas.microsoft.com/office/powerpoint/2010/main" val="2053084685"/>
       </p:ext>
     </p:extLst>
   </p:cSld>
@@ -7242,7 +7344,7 @@
                 <a14:useLocalDpi xmlns:a14="http://schemas.microsoft.com/office/drawing/2010/main" val="0"/>
               </a:ext>
               <a:ext uri="{96DAC541-7B7A-43D3-8B79-37D633B846F1}">
-                <asvg:svgBlip xmlns:asvg="http://schemas.microsoft.com/office/drawing/2016/SVG/main" xmlns="" r:embed="rId4"/>
+                <asvg:svgBlip xmlns:asvg="http://schemas.microsoft.com/office/drawing/2016/SVG/main" r:embed="rId4"/>
               </a:ext>
             </a:extLst>
           </a:blip>
@@ -7383,13 +7485,6 @@
   <p:clrMapOvr>
     <a:masterClrMapping/>
   </p:clrMapOvr>
-  <p:timing>
-    <p:tnLst>
-      <p:par>
-        <p:cTn id="1" dur="indefinite" restart="never" nodeType="tmRoot"/>
-      </p:par>
-    </p:tnLst>
-  </p:timing>
 </p:sld>
 </file>
 
@@ -7562,26 +7657,7 @@
                 <a:ea typeface="+mn-ea"/>
                 <a:cs typeface="+mn-cs"/>
               </a:rPr>
-              <a:t>  </a:t>
-            </a:r>
-            <a:r>
-              <a:rPr kumimoji="0" lang="en-US" sz="1800" b="0" i="0" u="none" strike="noStrike" kern="1200" cap="none" spc="0" normalizeH="0" baseline="0" noProof="0" smtClean="0">
-                <a:ln>
-                  <a:noFill/>
-                </a:ln>
-                <a:solidFill>
-                  <a:schemeClr val="bg2">
-                    <a:lumMod val="75000"/>
-                  </a:schemeClr>
-                </a:solidFill>
-                <a:effectLst/>
-                <a:uLnTx/>
-                <a:uFillTx/>
-                <a:latin typeface="Fira Code" panose="020B0509050000020004" pitchFamily="49" charset="0"/>
-                <a:ea typeface="+mn-ea"/>
-                <a:cs typeface="+mn-cs"/>
-              </a:rPr>
-              <a:t>posts </a:t>
+              <a:t>  posts </a:t>
             </a:r>
             <a:r>
               <a:rPr kumimoji="0" lang="en-US" sz="1800" b="0" i="0" u="none" strike="noStrike" kern="1200" cap="none" spc="0" normalizeH="0" baseline="0" noProof="0" dirty="0">
@@ -7638,26 +7714,7 @@
                 <a:ea typeface="+mn-ea"/>
                 <a:cs typeface="+mn-cs"/>
               </a:rPr>
-              <a:t>  </a:t>
-            </a:r>
-            <a:r>
-              <a:rPr kumimoji="0" lang="en-US" sz="1800" b="0" i="0" u="none" strike="noStrike" kern="1200" cap="none" spc="0" normalizeH="0" baseline="0" noProof="0" smtClean="0">
-                <a:ln>
-                  <a:noFill/>
-                </a:ln>
-                <a:solidFill>
-                  <a:schemeClr val="bg2">
-                    <a:lumMod val="75000"/>
-                  </a:schemeClr>
-                </a:solidFill>
-                <a:effectLst/>
-                <a:uLnTx/>
-                <a:uFillTx/>
-                <a:latin typeface="Fira Code" panose="020B0509050000020004" pitchFamily="49" charset="0"/>
-                <a:ea typeface="+mn-ea"/>
-                <a:cs typeface="+mn-cs"/>
-              </a:rPr>
-              <a:t>  </a:t>
+              <a:t>    </a:t>
             </a:r>
             <a:r>
               <a:rPr kumimoji="0" lang="en-US" sz="1800" b="0" i="0" u="none" strike="noStrike" kern="1200" cap="none" spc="0" normalizeH="0" baseline="0" noProof="0" dirty="0">
@@ -7714,26 +7771,7 @@
                 <a:ea typeface="+mn-ea"/>
                 <a:cs typeface="+mn-cs"/>
               </a:rPr>
-              <a:t>  </a:t>
-            </a:r>
-            <a:r>
-              <a:rPr kumimoji="0" lang="en-US" sz="1800" b="0" i="0" u="none" strike="noStrike" kern="1200" cap="none" spc="0" normalizeH="0" baseline="0" noProof="0" smtClean="0">
-                <a:ln>
-                  <a:noFill/>
-                </a:ln>
-                <a:solidFill>
-                  <a:schemeClr val="bg2">
-                    <a:lumMod val="75000"/>
-                  </a:schemeClr>
-                </a:solidFill>
-                <a:effectLst/>
-                <a:uLnTx/>
-                <a:uFillTx/>
-                <a:latin typeface="Fira Code" panose="020B0509050000020004" pitchFamily="49" charset="0"/>
-                <a:ea typeface="+mn-ea"/>
-                <a:cs typeface="+mn-cs"/>
-              </a:rPr>
-              <a:t>  </a:t>
+              <a:t>    </a:t>
             </a:r>
             <a:r>
               <a:rPr kumimoji="0" lang="en-US" sz="1800" b="0" i="0" u="none" strike="noStrike" kern="1200" cap="none" spc="0" normalizeH="0" baseline="0" noProof="0" dirty="0">
@@ -7790,26 +7828,7 @@
                 <a:ea typeface="+mn-ea"/>
                 <a:cs typeface="+mn-cs"/>
               </a:rPr>
-              <a:t>  </a:t>
-            </a:r>
-            <a:r>
-              <a:rPr kumimoji="0" lang="en-US" sz="1800" b="0" i="0" u="none" strike="noStrike" kern="1200" cap="none" spc="0" normalizeH="0" baseline="0" noProof="0" smtClean="0">
-                <a:ln>
-                  <a:noFill/>
-                </a:ln>
-                <a:solidFill>
-                  <a:schemeClr val="bg2">
-                    <a:lumMod val="75000"/>
-                  </a:schemeClr>
-                </a:solidFill>
-                <a:effectLst/>
-                <a:uLnTx/>
-                <a:uFillTx/>
-                <a:latin typeface="Fira Code" panose="020B0509050000020004" pitchFamily="49" charset="0"/>
-                <a:ea typeface="+mn-ea"/>
-                <a:cs typeface="+mn-cs"/>
-              </a:rPr>
-              <a:t>}</a:t>
+              <a:t>  }</a:t>
             </a:r>
             <a:endParaRPr kumimoji="0" lang="en-US" sz="1800" b="0" i="0" u="none" strike="noStrike" kern="1200" cap="none" spc="0" normalizeH="0" baseline="0" noProof="0" dirty="0">
               <a:ln>
@@ -8084,13 +8103,6 @@
   <p:clrMapOvr>
     <a:masterClrMapping/>
   </p:clrMapOvr>
-  <p:timing>
-    <p:tnLst>
-      <p:par>
-        <p:cTn id="1" dur="indefinite" restart="never" nodeType="tmRoot"/>
-      </p:par>
-    </p:tnLst>
-  </p:timing>
 </p:sld>
 </file>
 
@@ -8280,26 +8292,7 @@
                 <a:ea typeface="+mn-ea"/>
                 <a:cs typeface="+mn-cs"/>
               </a:rPr>
-              <a:t> </a:t>
-            </a:r>
-            <a:r>
-              <a:rPr kumimoji="0" lang="en-US" sz="1800" b="0" i="0" u="none" strike="noStrike" kern="1200" cap="none" spc="0" normalizeH="0" baseline="0" noProof="0" smtClean="0">
-                <a:ln>
-                  <a:noFill/>
-                </a:ln>
-                <a:solidFill>
-                  <a:srgbClr val="E7E6E6">
-                    <a:lumMod val="75000"/>
-                  </a:srgbClr>
-                </a:solidFill>
-                <a:effectLst/>
-                <a:uLnTx/>
-                <a:uFillTx/>
-                <a:latin typeface="Fira Code" panose="020B0509050000020004" pitchFamily="49" charset="0"/>
-                <a:ea typeface="+mn-ea"/>
-                <a:cs typeface="+mn-cs"/>
-              </a:rPr>
-              <a:t> </a:t>
+              <a:t>  </a:t>
             </a:r>
             <a:r>
               <a:rPr kumimoji="0" lang="en-US" sz="1800" b="0" i="0" u="none" strike="noStrike" kern="1200" cap="none" spc="0" normalizeH="0" baseline="0" noProof="0" dirty="0">
@@ -8356,26 +8349,7 @@
                 <a:ea typeface="+mn-ea"/>
                 <a:cs typeface="+mn-cs"/>
               </a:rPr>
-              <a:t> </a:t>
-            </a:r>
-            <a:r>
-              <a:rPr kumimoji="0" lang="en-US" sz="1800" b="0" i="0" u="none" strike="noStrike" kern="1200" cap="none" spc="0" normalizeH="0" baseline="0" noProof="0" smtClean="0">
-                <a:ln>
-                  <a:noFill/>
-                </a:ln>
-                <a:solidFill>
-                  <a:schemeClr val="bg2">
-                    <a:lumMod val="75000"/>
-                  </a:schemeClr>
-                </a:solidFill>
-                <a:effectLst/>
-                <a:uLnTx/>
-                <a:uFillTx/>
-                <a:latin typeface="Fira Code" panose="020B0509050000020004" pitchFamily="49" charset="0"/>
-                <a:ea typeface="+mn-ea"/>
-                <a:cs typeface="+mn-cs"/>
-              </a:rPr>
-              <a:t>   </a:t>
+              <a:t>    </a:t>
             </a:r>
             <a:r>
               <a:rPr kumimoji="0" lang="en-US" sz="1800" b="0" i="0" u="none" strike="noStrike" kern="1200" cap="none" spc="0" normalizeH="0" baseline="0" noProof="0" dirty="0">
@@ -8432,26 +8406,7 @@
                 <a:ea typeface="+mn-ea"/>
                 <a:cs typeface="+mn-cs"/>
               </a:rPr>
-              <a:t> </a:t>
-            </a:r>
-            <a:r>
-              <a:rPr kumimoji="0" lang="en-US" sz="1800" b="0" i="0" u="none" strike="noStrike" kern="1200" cap="none" spc="0" normalizeH="0" baseline="0" noProof="0" smtClean="0">
-                <a:ln>
-                  <a:noFill/>
-                </a:ln>
-                <a:solidFill>
-                  <a:schemeClr val="bg2">
-                    <a:lumMod val="75000"/>
-                  </a:schemeClr>
-                </a:solidFill>
-                <a:effectLst/>
-                <a:uLnTx/>
-                <a:uFillTx/>
-                <a:latin typeface="Fira Code" panose="020B0509050000020004" pitchFamily="49" charset="0"/>
-                <a:ea typeface="+mn-ea"/>
-                <a:cs typeface="+mn-cs"/>
-              </a:rPr>
-              <a:t>   </a:t>
+              <a:t>    </a:t>
             </a:r>
             <a:r>
               <a:rPr kumimoji="0" lang="en-US" sz="1800" b="0" i="0" u="none" strike="noStrike" kern="1200" cap="none" spc="0" normalizeH="0" baseline="0" noProof="0" dirty="0">
@@ -8508,26 +8463,7 @@
                 <a:ea typeface="+mn-ea"/>
                 <a:cs typeface="+mn-cs"/>
               </a:rPr>
-              <a:t> </a:t>
-            </a:r>
-            <a:r>
-              <a:rPr kumimoji="0" lang="en-US" sz="1800" b="0" i="0" u="none" strike="noStrike" kern="1200" cap="none" spc="0" normalizeH="0" baseline="0" noProof="0" smtClean="0">
-                <a:ln>
-                  <a:noFill/>
-                </a:ln>
-                <a:solidFill>
-                  <a:schemeClr val="bg2">
-                    <a:lumMod val="75000"/>
-                  </a:schemeClr>
-                </a:solidFill>
-                <a:effectLst/>
-                <a:uLnTx/>
-                <a:uFillTx/>
-                <a:latin typeface="Fira Code" panose="020B0509050000020004" pitchFamily="49" charset="0"/>
-                <a:ea typeface="+mn-ea"/>
-                <a:cs typeface="+mn-cs"/>
-              </a:rPr>
-              <a:t> </a:t>
+              <a:t>  </a:t>
             </a:r>
             <a:r>
               <a:rPr kumimoji="0" lang="en-US" sz="1800" b="0" i="0" u="none" strike="noStrike" kern="1200" cap="none" spc="0" normalizeH="0" baseline="0" noProof="0" dirty="0">
@@ -8805,13 +8741,6 @@
   <p:clrMapOvr>
     <a:masterClrMapping/>
   </p:clrMapOvr>
-  <p:timing>
-    <p:tnLst>
-      <p:par>
-        <p:cTn id="1" dur="indefinite" restart="never" nodeType="tmRoot"/>
-      </p:par>
-    </p:tnLst>
-  </p:timing>
 </p:sld>
 </file>
 
@@ -9301,13 +9230,6 @@
   <p:clrMapOvr>
     <a:masterClrMapping/>
   </p:clrMapOvr>
-  <p:timing>
-    <p:tnLst>
-      <p:par>
-        <p:cTn id="1" dur="indefinite" restart="never" nodeType="tmRoot"/>
-      </p:par>
-    </p:tnLst>
-  </p:timing>
 </p:sld>
 </file>
 
@@ -9867,13 +9789,6 @@
   <p:clrMapOvr>
     <a:masterClrMapping/>
   </p:clrMapOvr>
-  <p:timing>
-    <p:tnLst>
-      <p:par>
-        <p:cTn id="1" dur="indefinite" restart="never" nodeType="tmRoot"/>
-      </p:par>
-    </p:tnLst>
-  </p:timing>
 </p:sld>
 </file>
 
@@ -10180,13 +10095,6 @@
   <p:clrMapOvr>
     <a:masterClrMapping/>
   </p:clrMapOvr>
-  <p:timing>
-    <p:tnLst>
-      <p:par>
-        <p:cTn id="1" dur="indefinite" restart="never" nodeType="tmRoot"/>
-      </p:par>
-    </p:tnLst>
-  </p:timing>
 </p:sld>
 </file>
 
@@ -10795,13 +10703,6 @@
   <p:clrMapOvr>
     <a:masterClrMapping/>
   </p:clrMapOvr>
-  <p:timing>
-    <p:tnLst>
-      <p:par>
-        <p:cTn id="1" dur="indefinite" restart="never" nodeType="tmRoot"/>
-      </p:par>
-    </p:tnLst>
-  </p:timing>
 </p:sld>
 </file>
 
@@ -10952,13 +10853,6 @@
   <p:clrMapOvr>
     <a:masterClrMapping/>
   </p:clrMapOvr>
-  <p:timing>
-    <p:tnLst>
-      <p:par>
-        <p:cTn id="1" dur="indefinite" restart="never" nodeType="tmRoot"/>
-      </p:par>
-    </p:tnLst>
-  </p:timing>
 </p:sld>
 </file>
 
@@ -11080,13 +10974,6 @@
   <p:clrMapOvr>
     <a:masterClrMapping/>
   </p:clrMapOvr>
-  <p:timing>
-    <p:tnLst>
-      <p:par>
-        <p:cTn id="1" dur="indefinite" restart="never" nodeType="tmRoot"/>
-      </p:par>
-    </p:tnLst>
-  </p:timing>
 </p:sld>
 </file>
 
@@ -11381,13 +11268,6 @@
   <p:clrMapOvr>
     <a:masterClrMapping/>
   </p:clrMapOvr>
-  <p:timing>
-    <p:tnLst>
-      <p:par>
-        <p:cTn id="1" dur="indefinite" restart="never" nodeType="tmRoot"/>
-      </p:par>
-    </p:tnLst>
-  </p:timing>
 </p:sld>
 </file>
 
@@ -11693,13 +11573,6 @@
   <p:clrMapOvr>
     <a:masterClrMapping/>
   </p:clrMapOvr>
-  <p:timing>
-    <p:tnLst>
-      <p:par>
-        <p:cTn id="1" dur="indefinite" restart="never" nodeType="tmRoot"/>
-      </p:par>
-    </p:tnLst>
-  </p:timing>
 </p:sld>
 </file>
 
@@ -11907,7 +11780,7 @@
                 <a14:useLocalDpi xmlns:a14="http://schemas.microsoft.com/office/drawing/2010/main" val="0"/>
               </a:ext>
               <a:ext uri="{96DAC541-7B7A-43D3-8B79-37D633B846F1}">
-                <asvg:svgBlip xmlns:asvg="http://schemas.microsoft.com/office/drawing/2016/SVG/main" xmlns="" r:embed="rId6"/>
+                <asvg:svgBlip xmlns:asvg="http://schemas.microsoft.com/office/drawing/2016/SVG/main" r:embed="rId6"/>
               </a:ext>
             </a:extLst>
           </a:blip>
@@ -11946,7 +11819,7 @@
                 <a14:useLocalDpi xmlns:a14="http://schemas.microsoft.com/office/drawing/2010/main" val="0"/>
               </a:ext>
               <a:ext uri="{96DAC541-7B7A-43D3-8B79-37D633B846F1}">
-                <asvg:svgBlip xmlns:asvg="http://schemas.microsoft.com/office/drawing/2016/SVG/main" xmlns="" r:embed="rId6"/>
+                <asvg:svgBlip xmlns:asvg="http://schemas.microsoft.com/office/drawing/2016/SVG/main" r:embed="rId6"/>
               </a:ext>
             </a:extLst>
           </a:blip>
@@ -12222,13 +12095,6 @@
   <p:clrMapOvr>
     <a:masterClrMapping/>
   </p:clrMapOvr>
-  <p:timing>
-    <p:tnLst>
-      <p:par>
-        <p:cTn id="1" dur="indefinite" restart="never" nodeType="tmRoot"/>
-      </p:par>
-    </p:tnLst>
-  </p:timing>
 </p:sld>
 </file>
 
@@ -12529,13 +12395,6 @@
   <p:clrMapOvr>
     <a:masterClrMapping/>
   </p:clrMapOvr>
-  <p:timing>
-    <p:tnLst>
-      <p:par>
-        <p:cTn id="1" dur="indefinite" restart="never" nodeType="tmRoot"/>
-      </p:par>
-    </p:tnLst>
-  </p:timing>
 </p:sld>
 </file>
 
@@ -12882,13 +12741,6 @@
   <p:clrMapOvr>
     <a:masterClrMapping/>
   </p:clrMapOvr>
-  <p:timing>
-    <p:tnLst>
-      <p:par>
-        <p:cTn id="1" dur="indefinite" restart="never" nodeType="tmRoot"/>
-      </p:par>
-    </p:tnLst>
-  </p:timing>
 </p:sld>
 </file>
 
@@ -13249,13 +13101,6 @@
   <p:clrMapOvr>
     <a:masterClrMapping/>
   </p:clrMapOvr>
-  <p:timing>
-    <p:tnLst>
-      <p:par>
-        <p:cTn id="1" dur="indefinite" restart="never" nodeType="tmRoot"/>
-      </p:par>
-    </p:tnLst>
-  </p:timing>
 </p:sld>
 </file>
 
@@ -13614,13 +13459,6 @@
   <p:clrMapOvr>
     <a:masterClrMapping/>
   </p:clrMapOvr>
-  <p:timing>
-    <p:tnLst>
-      <p:par>
-        <p:cTn id="1" dur="indefinite" restart="never" nodeType="tmRoot"/>
-      </p:par>
-    </p:tnLst>
-  </p:timing>
 </p:sld>
 </file>
 
@@ -14132,15 +13970,6 @@
           </a:bodyPr>
           <a:lstStyle/>
           <a:p>
-            <a:r>
-              <a:rPr lang="en-US" dirty="0">
-                <a:solidFill>
-                  <a:srgbClr val="F8F8F2"/>
-                </a:solidFill>
-                <a:latin typeface="Fira Code" panose="020B0509050000020004" pitchFamily="49" charset="0"/>
-              </a:rPr>
-              <a:t/>
-            </a:r>
             <a:br>
               <a:rPr lang="en-US" dirty="0">
                 <a:solidFill>
@@ -14266,13 +14095,6 @@
   <p:clrMapOvr>
     <a:masterClrMapping/>
   </p:clrMapOvr>
-  <p:timing>
-    <p:tnLst>
-      <p:par>
-        <p:cTn id="1" dur="indefinite" restart="never" nodeType="tmRoot"/>
-      </p:par>
-    </p:tnLst>
-  </p:timing>
 </p:sld>
 </file>
 
@@ -14894,13 +14716,6 @@
   <p:clrMapOvr>
     <a:masterClrMapping/>
   </p:clrMapOvr>
-  <p:timing>
-    <p:tnLst>
-      <p:par>
-        <p:cTn id="1" dur="indefinite" restart="never" nodeType="tmRoot"/>
-      </p:par>
-    </p:tnLst>
-  </p:timing>
 </p:sld>
 </file>
 
@@ -15730,13 +15545,6 @@
   <p:clrMapOvr>
     <a:masterClrMapping/>
   </p:clrMapOvr>
-  <p:timing>
-    <p:tnLst>
-      <p:par>
-        <p:cTn id="1" dur="indefinite" restart="never" nodeType="tmRoot"/>
-      </p:par>
-    </p:tnLst>
-  </p:timing>
 </p:sld>
 </file>
 
@@ -16462,13 +16270,6 @@
   <p:clrMapOvr>
     <a:masterClrMapping/>
   </p:clrMapOvr>
-  <p:timing>
-    <p:tnLst>
-      <p:par>
-        <p:cTn id="1" dur="indefinite" restart="never" nodeType="tmRoot"/>
-      </p:par>
-    </p:tnLst>
-  </p:timing>
 </p:sld>
 </file>
 
@@ -16547,7 +16348,7 @@
                 <a14:useLocalDpi xmlns:a14="http://schemas.microsoft.com/office/drawing/2010/main" val="0"/>
               </a:ext>
               <a:ext uri="{96DAC541-7B7A-43D3-8B79-37D633B846F1}">
-                <asvg:svgBlip xmlns:asvg="http://schemas.microsoft.com/office/drawing/2016/SVG/main" xmlns="" r:embed="rId4"/>
+                <asvg:svgBlip xmlns:asvg="http://schemas.microsoft.com/office/drawing/2016/SVG/main" r:embed="rId4"/>
               </a:ext>
             </a:extLst>
           </a:blip>
@@ -16586,7 +16387,7 @@
                 <a14:useLocalDpi xmlns:a14="http://schemas.microsoft.com/office/drawing/2010/main" val="0"/>
               </a:ext>
               <a:ext uri="{96DAC541-7B7A-43D3-8B79-37D633B846F1}">
-                <asvg:svgBlip xmlns:asvg="http://schemas.microsoft.com/office/drawing/2016/SVG/main" xmlns="" r:embed="rId6"/>
+                <asvg:svgBlip xmlns:asvg="http://schemas.microsoft.com/office/drawing/2016/SVG/main" r:embed="rId6"/>
               </a:ext>
             </a:extLst>
           </a:blip>
@@ -16703,13 +16504,6 @@
   <p:clrMapOvr>
     <a:masterClrMapping/>
   </p:clrMapOvr>
-  <p:timing>
-    <p:tnLst>
-      <p:par>
-        <p:cTn id="1" dur="indefinite" restart="never" nodeType="tmRoot"/>
-      </p:par>
-    </p:tnLst>
-  </p:timing>
 </p:sld>
 </file>
 
@@ -17245,13 +17039,6 @@
   <p:clrMapOvr>
     <a:masterClrMapping/>
   </p:clrMapOvr>
-  <p:timing>
-    <p:tnLst>
-      <p:par>
-        <p:cTn id="1" dur="indefinite" restart="never" nodeType="tmRoot"/>
-      </p:par>
-    </p:tnLst>
-  </p:timing>
 </p:sld>
 </file>
 
@@ -17385,7 +17172,7 @@
                 <a14:useLocalDpi xmlns:a14="http://schemas.microsoft.com/office/drawing/2010/main" val="0"/>
               </a:ext>
               <a:ext uri="{96DAC541-7B7A-43D3-8B79-37D633B846F1}">
-                <asvg:svgBlip xmlns:asvg="http://schemas.microsoft.com/office/drawing/2016/SVG/main" xmlns="" r:embed="rId5"/>
+                <asvg:svgBlip xmlns:asvg="http://schemas.microsoft.com/office/drawing/2016/SVG/main" r:embed="rId5"/>
               </a:ext>
             </a:extLst>
           </a:blip>
@@ -17424,7 +17211,7 @@
                 <a14:useLocalDpi xmlns:a14="http://schemas.microsoft.com/office/drawing/2010/main" val="0"/>
               </a:ext>
               <a:ext uri="{96DAC541-7B7A-43D3-8B79-37D633B846F1}">
-                <asvg:svgBlip xmlns:asvg="http://schemas.microsoft.com/office/drawing/2016/SVG/main" xmlns="" r:embed="rId7"/>
+                <asvg:svgBlip xmlns:asvg="http://schemas.microsoft.com/office/drawing/2016/SVG/main" r:embed="rId7"/>
               </a:ext>
             </a:extLst>
           </a:blip>
@@ -18861,13 +18648,6 @@
   <p:clrMapOvr>
     <a:masterClrMapping/>
   </p:clrMapOvr>
-  <p:timing>
-    <p:tnLst>
-      <p:par>
-        <p:cTn id="1" dur="indefinite" restart="never" nodeType="tmRoot"/>
-      </p:par>
-    </p:tnLst>
-  </p:timing>
 </p:sld>
 </file>
 
@@ -19289,13 +19069,6 @@
   <p:clrMapOvr>
     <a:masterClrMapping/>
   </p:clrMapOvr>
-  <p:timing>
-    <p:tnLst>
-      <p:par>
-        <p:cTn id="1" dur="indefinite" restart="never" nodeType="tmRoot"/>
-      </p:par>
-    </p:tnLst>
-  </p:timing>
 </p:sld>
 </file>
 
@@ -19446,13 +19219,6 @@
   <p:clrMapOvr>
     <a:masterClrMapping/>
   </p:clrMapOvr>
-  <p:timing>
-    <p:tnLst>
-      <p:par>
-        <p:cTn id="1" dur="indefinite" restart="never" nodeType="tmRoot"/>
-      </p:par>
-    </p:tnLst>
-  </p:timing>
 </p:sld>
 </file>
 
@@ -19589,13 +19355,6 @@
   <p:clrMapOvr>
     <a:masterClrMapping/>
   </p:clrMapOvr>
-  <p:timing>
-    <p:tnLst>
-      <p:par>
-        <p:cTn id="1" dur="indefinite" restart="never" nodeType="tmRoot"/>
-      </p:par>
-    </p:tnLst>
-  </p:timing>
 </p:sld>
 </file>
 
@@ -20147,13 +19906,6 @@
   <p:clrMapOvr>
     <a:masterClrMapping/>
   </p:clrMapOvr>
-  <p:timing>
-    <p:tnLst>
-      <p:par>
-        <p:cTn id="1" dur="indefinite" restart="never" nodeType="tmRoot"/>
-      </p:par>
-    </p:tnLst>
-  </p:timing>
 </p:sld>
 </file>
 
@@ -20786,13 +20538,6 @@
   <p:clrMapOvr>
     <a:masterClrMapping/>
   </p:clrMapOvr>
-  <p:timing>
-    <p:tnLst>
-      <p:par>
-        <p:cTn id="1" dur="indefinite" restart="never" nodeType="tmRoot"/>
-      </p:par>
-    </p:tnLst>
-  </p:timing>
 </p:sld>
 </file>
 
@@ -21672,13 +21417,6 @@
   <p:clrMapOvr>
     <a:masterClrMapping/>
   </p:clrMapOvr>
-  <p:timing>
-    <p:tnLst>
-      <p:par>
-        <p:cTn id="1" dur="indefinite" restart="never" nodeType="tmRoot"/>
-      </p:par>
-    </p:tnLst>
-  </p:timing>
 </p:sld>
 </file>
 
@@ -21829,13 +21567,6 @@
   <p:clrMapOvr>
     <a:masterClrMapping/>
   </p:clrMapOvr>
-  <p:timing>
-    <p:tnLst>
-      <p:par>
-        <p:cTn id="1" dur="indefinite" restart="never" nodeType="tmRoot"/>
-      </p:par>
-    </p:tnLst>
-  </p:timing>
 </p:sld>
 </file>
 
@@ -21972,13 +21703,6 @@
   <p:clrMapOvr>
     <a:masterClrMapping/>
   </p:clrMapOvr>
-  <p:timing>
-    <p:tnLst>
-      <p:par>
-        <p:cTn id="1" dur="indefinite" restart="never" nodeType="tmRoot"/>
-      </p:par>
-    </p:tnLst>
-  </p:timing>
 </p:sld>
 </file>
 
@@ -22521,13 +22245,6 @@
   <p:clrMapOvr>
     <a:masterClrMapping/>
   </p:clrMapOvr>
-  <p:timing>
-    <p:tnLst>
-      <p:par>
-        <p:cTn id="1" dur="indefinite" restart="never" nodeType="tmRoot"/>
-      </p:par>
-    </p:tnLst>
-  </p:timing>
 </p:sld>
 </file>
 
@@ -22736,13 +22453,6 @@
   <p:clrMapOvr>
     <a:masterClrMapping/>
   </p:clrMapOvr>
-  <p:timing>
-    <p:tnLst>
-      <p:par>
-        <p:cTn id="1" dur="indefinite" restart="never" nodeType="tmRoot"/>
-      </p:par>
-    </p:tnLst>
-  </p:timing>
 </p:sld>
 </file>
 
@@ -22893,13 +22603,6 @@
   <p:clrMapOvr>
     <a:masterClrMapping/>
   </p:clrMapOvr>
-  <p:timing>
-    <p:tnLst>
-      <p:par>
-        <p:cTn id="1" dur="indefinite" restart="never" nodeType="tmRoot"/>
-      </p:par>
-    </p:tnLst>
-  </p:timing>
 </p:sld>
 </file>
 
@@ -23356,13 +23059,6 @@
   <p:clrMapOvr>
     <a:masterClrMapping/>
   </p:clrMapOvr>
-  <p:timing>
-    <p:tnLst>
-      <p:par>
-        <p:cTn id="1" dur="indefinite" restart="never" nodeType="tmRoot"/>
-      </p:par>
-    </p:tnLst>
-  </p:timing>
 </p:sld>
 </file>
 
@@ -25060,13 +24756,6 @@
   <p:clrMapOvr>
     <a:masterClrMapping/>
   </p:clrMapOvr>
-  <p:timing>
-    <p:tnLst>
-      <p:par>
-        <p:cTn id="1" dur="indefinite" restart="never" nodeType="tmRoot"/>
-      </p:par>
-    </p:tnLst>
-  </p:timing>
 </p:sld>
 </file>
 
@@ -25427,13 +25116,6 @@
   <p:clrMapOvr>
     <a:masterClrMapping/>
   </p:clrMapOvr>
-  <p:timing>
-    <p:tnLst>
-      <p:par>
-        <p:cTn id="1" dur="indefinite" restart="never" nodeType="tmRoot"/>
-      </p:par>
-    </p:tnLst>
-  </p:timing>
 </p:sld>
 </file>
 
@@ -25775,13 +25457,6 @@
   <p:clrMapOvr>
     <a:masterClrMapping/>
   </p:clrMapOvr>
-  <p:timing>
-    <p:tnLst>
-      <p:par>
-        <p:cTn id="1" dur="indefinite" restart="never" nodeType="tmRoot"/>
-      </p:par>
-    </p:tnLst>
-  </p:timing>
 </p:sld>
 </file>
 
@@ -26565,7 +26240,7 @@
                 <a:hlinkClick r:id="rId4">
                   <a:extLst>
                     <a:ext uri="{A12FA001-AC4F-418D-AE19-62706E023703}">
-                      <ahyp:hlinkClr xmlns:ahyp="http://schemas.microsoft.com/office/drawing/2018/hyperlinkcolor" xmlns="" val="tx"/>
+                      <ahyp:hlinkClr xmlns:ahyp="http://schemas.microsoft.com/office/drawing/2018/hyperlinkcolor" val="tx"/>
                     </a:ext>
                   </a:extLst>
                 </a:hlinkClick>
@@ -26608,7 +26283,7 @@
                 <a:hlinkClick r:id="rId5">
                   <a:extLst>
                     <a:ext uri="{A12FA001-AC4F-418D-AE19-62706E023703}">
-                      <ahyp:hlinkClr xmlns:ahyp="http://schemas.microsoft.com/office/drawing/2018/hyperlinkcolor" xmlns="" val="tx"/>
+                      <ahyp:hlinkClr xmlns:ahyp="http://schemas.microsoft.com/office/drawing/2018/hyperlinkcolor" val="tx"/>
                     </a:ext>
                   </a:extLst>
                 </a:hlinkClick>
@@ -26651,7 +26326,7 @@
                 <a:hlinkClick r:id="rId6">
                   <a:extLst>
                     <a:ext uri="{A12FA001-AC4F-418D-AE19-62706E023703}">
-                      <ahyp:hlinkClr xmlns:ahyp="http://schemas.microsoft.com/office/drawing/2018/hyperlinkcolor" xmlns="" val="tx"/>
+                      <ahyp:hlinkClr xmlns:ahyp="http://schemas.microsoft.com/office/drawing/2018/hyperlinkcolor" val="tx"/>
                     </a:ext>
                   </a:extLst>
                 </a:hlinkClick>
@@ -26694,7 +26369,7 @@
                 <a:hlinkClick r:id="rId7">
                   <a:extLst>
                     <a:ext uri="{A12FA001-AC4F-418D-AE19-62706E023703}">
-                      <ahyp:hlinkClr xmlns:ahyp="http://schemas.microsoft.com/office/drawing/2018/hyperlinkcolor" xmlns="" val="tx"/>
+                      <ahyp:hlinkClr xmlns:ahyp="http://schemas.microsoft.com/office/drawing/2018/hyperlinkcolor" val="tx"/>
                     </a:ext>
                   </a:extLst>
                 </a:hlinkClick>
@@ -26734,7 +26409,13 @@
           <a:p>
             <a:r>
               <a:rPr lang="de-DE">
-                <a:hlinkClick r:id="rId8"/>
+                <a:hlinkClick r:id="rId8">
+                  <a:extLst>
+                    <a:ext uri="{A12FA001-AC4F-418D-AE19-62706E023703}">
+                      <ahyp:hlinkClr xmlns:ahyp="http://schemas.microsoft.com/office/drawing/2018/hyperlinkcolor" val="tx"/>
+                    </a:ext>
+                  </a:extLst>
+                </a:hlinkClick>
               </a:rPr>
               <a:t>https://github.com/bytePassion/GraphQL-Talk</a:t>
             </a:r>
@@ -26752,13 +26433,6 @@
   <p:clrMapOvr>
     <a:masterClrMapping/>
   </p:clrMapOvr>
-  <p:timing>
-    <p:tnLst>
-      <p:par>
-        <p:cTn id="1" dur="indefinite" restart="never" nodeType="tmRoot"/>
-      </p:par>
-    </p:tnLst>
-  </p:timing>
 </p:sld>
 </file>
 
@@ -26819,17 +26493,9 @@
               <a:rPr lang="de-DE" dirty="0" err="1"/>
               <a:t>Credits</a:t>
             </a:r>
-            <a:r>
-              <a:rPr lang="de-DE" dirty="0"/>
-              <a:t/>
-            </a:r>
             <a:br>
               <a:rPr lang="de-DE" dirty="0"/>
             </a:br>
-            <a:r>
-              <a:rPr lang="de-DE" dirty="0"/>
-              <a:t/>
-            </a:r>
             <a:br>
               <a:rPr lang="de-DE" dirty="0"/>
             </a:br>
@@ -26840,10 +26506,6 @@
             <a:r>
               <a:rPr lang="de-DE" sz="3200" dirty="0"/>
               <a:t>:</a:t>
-            </a:r>
-            <a:r>
-              <a:rPr lang="de-DE" dirty="0"/>
-              <a:t/>
             </a:r>
             <a:br>
               <a:rPr lang="de-DE" dirty="0"/>
@@ -26987,7 +26649,7 @@
           <a:p>
             <a:pPr algn="ctr"/>
             <a:r>
-              <a:rPr lang="de-DE" sz="9600" smtClean="0"/>
+              <a:rPr lang="de-DE" sz="9600"/>
               <a:t>Fragen?</a:t>
             </a:r>
             <a:endParaRPr lang="de-DE" sz="9600" dirty="0"/>
@@ -27471,7 +27133,165 @@
   <p:timing>
     <p:tnLst>
       <p:par>
-        <p:cTn id="1" dur="indefinite" restart="never" nodeType="tmRoot"/>
+        <p:cTn id="1" dur="indefinite" restart="never" nodeType="tmRoot">
+          <p:childTnLst>
+            <p:seq concurrent="1" nextAc="seek">
+              <p:cTn id="2" dur="indefinite" nodeType="mainSeq">
+                <p:childTnLst>
+                  <p:par>
+                    <p:cTn id="3" fill="hold">
+                      <p:stCondLst>
+                        <p:cond delay="indefinite"/>
+                      </p:stCondLst>
+                      <p:childTnLst>
+                        <p:par>
+                          <p:cTn id="4" fill="hold">
+                            <p:stCondLst>
+                              <p:cond delay="0"/>
+                            </p:stCondLst>
+                            <p:childTnLst>
+                              <p:par>
+                                <p:cTn id="5" presetID="1" presetClass="entr" presetSubtype="0" fill="hold" nodeType="clickEffect">
+                                  <p:stCondLst>
+                                    <p:cond delay="0"/>
+                                  </p:stCondLst>
+                                  <p:childTnLst>
+                                    <p:set>
+                                      <p:cBhvr>
+                                        <p:cTn id="6" dur="1" fill="hold">
+                                          <p:stCondLst>
+                                            <p:cond delay="0"/>
+                                          </p:stCondLst>
+                                        </p:cTn>
+                                        <p:tgtEl>
+                                          <p:spTgt spid="11"/>
+                                        </p:tgtEl>
+                                        <p:attrNameLst>
+                                          <p:attrName>style.visibility</p:attrName>
+                                        </p:attrNameLst>
+                                      </p:cBhvr>
+                                      <p:to>
+                                        <p:strVal val="visible"/>
+                                      </p:to>
+                                    </p:set>
+                                  </p:childTnLst>
+                                </p:cTn>
+                              </p:par>
+                            </p:childTnLst>
+                          </p:cTn>
+                        </p:par>
+                      </p:childTnLst>
+                    </p:cTn>
+                  </p:par>
+                  <p:par>
+                    <p:cTn id="7" fill="hold">
+                      <p:stCondLst>
+                        <p:cond delay="indefinite"/>
+                      </p:stCondLst>
+                      <p:childTnLst>
+                        <p:par>
+                          <p:cTn id="8" fill="hold">
+                            <p:stCondLst>
+                              <p:cond delay="0"/>
+                            </p:stCondLst>
+                            <p:childTnLst>
+                              <p:par>
+                                <p:cTn id="9" presetID="1" presetClass="entr" presetSubtype="0" fill="hold" nodeType="clickEffect">
+                                  <p:stCondLst>
+                                    <p:cond delay="0"/>
+                                  </p:stCondLst>
+                                  <p:childTnLst>
+                                    <p:set>
+                                      <p:cBhvr>
+                                        <p:cTn id="10" dur="1" fill="hold">
+                                          <p:stCondLst>
+                                            <p:cond delay="0"/>
+                                          </p:stCondLst>
+                                        </p:cTn>
+                                        <p:tgtEl>
+                                          <p:spTgt spid="5"/>
+                                        </p:tgtEl>
+                                        <p:attrNameLst>
+                                          <p:attrName>style.visibility</p:attrName>
+                                        </p:attrNameLst>
+                                      </p:cBhvr>
+                                      <p:to>
+                                        <p:strVal val="visible"/>
+                                      </p:to>
+                                    </p:set>
+                                  </p:childTnLst>
+                                </p:cTn>
+                              </p:par>
+                            </p:childTnLst>
+                          </p:cTn>
+                        </p:par>
+                      </p:childTnLst>
+                    </p:cTn>
+                  </p:par>
+                  <p:par>
+                    <p:cTn id="11" fill="hold">
+                      <p:stCondLst>
+                        <p:cond delay="indefinite"/>
+                      </p:stCondLst>
+                      <p:childTnLst>
+                        <p:par>
+                          <p:cTn id="12" fill="hold">
+                            <p:stCondLst>
+                              <p:cond delay="0"/>
+                            </p:stCondLst>
+                            <p:childTnLst>
+                              <p:par>
+                                <p:cTn id="13" presetID="1" presetClass="entr" presetSubtype="0" fill="hold" nodeType="clickEffect">
+                                  <p:stCondLst>
+                                    <p:cond delay="0"/>
+                                  </p:stCondLst>
+                                  <p:childTnLst>
+                                    <p:set>
+                                      <p:cBhvr>
+                                        <p:cTn id="14" dur="1" fill="hold">
+                                          <p:stCondLst>
+                                            <p:cond delay="0"/>
+                                          </p:stCondLst>
+                                        </p:cTn>
+                                        <p:tgtEl>
+                                          <p:spTgt spid="2"/>
+                                        </p:tgtEl>
+                                        <p:attrNameLst>
+                                          <p:attrName>style.visibility</p:attrName>
+                                        </p:attrNameLst>
+                                      </p:cBhvr>
+                                      <p:to>
+                                        <p:strVal val="visible"/>
+                                      </p:to>
+                                    </p:set>
+                                  </p:childTnLst>
+                                </p:cTn>
+                              </p:par>
+                            </p:childTnLst>
+                          </p:cTn>
+                        </p:par>
+                      </p:childTnLst>
+                    </p:cTn>
+                  </p:par>
+                </p:childTnLst>
+              </p:cTn>
+              <p:prevCondLst>
+                <p:cond evt="onPrev" delay="0">
+                  <p:tgtEl>
+                    <p:sldTgt/>
+                  </p:tgtEl>
+                </p:cond>
+              </p:prevCondLst>
+              <p:nextCondLst>
+                <p:cond evt="onNext" delay="0">
+                  <p:tgtEl>
+                    <p:sldTgt/>
+                  </p:tgtEl>
+                </p:cond>
+              </p:nextCondLst>
+            </p:seq>
+          </p:childTnLst>
+        </p:cTn>
       </p:par>
     </p:tnLst>
   </p:timing>
@@ -27855,7 +27675,7 @@
                 <a:hlinkClick r:id="rId2">
                   <a:extLst>
                     <a:ext uri="{A12FA001-AC4F-418D-AE19-62706E023703}">
-                      <ahyp:hlinkClr xmlns:ahyp="http://schemas.microsoft.com/office/drawing/2018/hyperlinkcolor" xmlns="" val="tx"/>
+                      <ahyp:hlinkClr xmlns:ahyp="http://schemas.microsoft.com/office/drawing/2018/hyperlinkcolor" val="tx"/>
                     </a:ext>
                   </a:extLst>
                 </a:hlinkClick>
@@ -27887,7 +27707,7 @@
                 <a14:useLocalDpi xmlns:a14="http://schemas.microsoft.com/office/drawing/2010/main" val="0"/>
               </a:ext>
               <a:ext uri="{96DAC541-7B7A-43D3-8B79-37D633B846F1}">
-                <asvg:svgBlip xmlns:asvg="http://schemas.microsoft.com/office/drawing/2016/SVG/main" xmlns="" r:embed="rId4"/>
+                <asvg:svgBlip xmlns:asvg="http://schemas.microsoft.com/office/drawing/2016/SVG/main" r:embed="rId4"/>
               </a:ext>
             </a:extLst>
           </a:blip>
@@ -27937,7 +27757,7 @@
                 <a:hlinkClick r:id="rId5">
                   <a:extLst>
                     <a:ext uri="{A12FA001-AC4F-418D-AE19-62706E023703}">
-                      <ahyp:hlinkClr xmlns:ahyp="http://schemas.microsoft.com/office/drawing/2018/hyperlinkcolor" xmlns="" val="tx"/>
+                      <ahyp:hlinkClr xmlns:ahyp="http://schemas.microsoft.com/office/drawing/2018/hyperlinkcolor" val="tx"/>
                     </a:ext>
                   </a:extLst>
                 </a:hlinkClick>
@@ -27969,7 +27789,7 @@
                 <a14:useLocalDpi xmlns:a14="http://schemas.microsoft.com/office/drawing/2010/main" val="0"/>
               </a:ext>
               <a:ext uri="{96DAC541-7B7A-43D3-8B79-37D633B846F1}">
-                <asvg:svgBlip xmlns:asvg="http://schemas.microsoft.com/office/drawing/2016/SVG/main" xmlns="" r:embed="rId7"/>
+                <asvg:svgBlip xmlns:asvg="http://schemas.microsoft.com/office/drawing/2016/SVG/main" r:embed="rId7"/>
               </a:ext>
             </a:extLst>
           </a:blip>
@@ -28008,7 +27828,7 @@
                 <a14:useLocalDpi xmlns:a14="http://schemas.microsoft.com/office/drawing/2010/main" val="0"/>
               </a:ext>
               <a:ext uri="{96DAC541-7B7A-43D3-8B79-37D633B846F1}">
-                <asvg:svgBlip xmlns:asvg="http://schemas.microsoft.com/office/drawing/2016/SVG/main" xmlns="" r:embed="rId9"/>
+                <asvg:svgBlip xmlns:asvg="http://schemas.microsoft.com/office/drawing/2016/SVG/main" r:embed="rId9"/>
               </a:ext>
             </a:extLst>
           </a:blip>
@@ -28047,7 +27867,7 @@
                 <a14:useLocalDpi xmlns:a14="http://schemas.microsoft.com/office/drawing/2010/main" val="0"/>
               </a:ext>
               <a:ext uri="{96DAC541-7B7A-43D3-8B79-37D633B846F1}">
-                <asvg:svgBlip xmlns:asvg="http://schemas.microsoft.com/office/drawing/2016/SVG/main" xmlns="" r:embed="rId11"/>
+                <asvg:svgBlip xmlns:asvg="http://schemas.microsoft.com/office/drawing/2016/SVG/main" r:embed="rId11"/>
               </a:ext>
             </a:extLst>
           </a:blip>
@@ -28086,7 +27906,7 @@
                 <a14:useLocalDpi xmlns:a14="http://schemas.microsoft.com/office/drawing/2010/main" val="0"/>
               </a:ext>
               <a:ext uri="{96DAC541-7B7A-43D3-8B79-37D633B846F1}">
-                <asvg:svgBlip xmlns:asvg="http://schemas.microsoft.com/office/drawing/2016/SVG/main" xmlns="" r:embed="rId13"/>
+                <asvg:svgBlip xmlns:asvg="http://schemas.microsoft.com/office/drawing/2016/SVG/main" r:embed="rId13"/>
               </a:ext>
             </a:extLst>
           </a:blip>
@@ -28540,7 +28360,7 @@
                 <a14:useLocalDpi xmlns:a14="http://schemas.microsoft.com/office/drawing/2010/main" val="0"/>
               </a:ext>
               <a:ext uri="{96DAC541-7B7A-43D3-8B79-37D633B846F1}">
-                <asvg:svgBlip xmlns:asvg="http://schemas.microsoft.com/office/drawing/2016/SVG/main" xmlns="" r:embed="rId4"/>
+                <asvg:svgBlip xmlns:asvg="http://schemas.microsoft.com/office/drawing/2016/SVG/main" r:embed="rId4"/>
               </a:ext>
             </a:extLst>
           </a:blip>
@@ -28578,26 +28398,19 @@
           <a:prstGeom prst="can">
             <a:avLst/>
           </a:prstGeom>
-          <a:solidFill>
-            <a:srgbClr val="8BE9FD"/>
-          </a:solidFill>
-          <a:ln>
-            <a:solidFill>
-              <a:srgbClr val="8BE9FD"/>
-            </a:solidFill>
-          </a:ln>
+          <a:ln/>
         </p:spPr>
         <p:style>
           <a:lnRef idx="2">
-            <a:schemeClr val="dk1">
+            <a:schemeClr val="accent5">
               <a:shade val="50000"/>
             </a:schemeClr>
           </a:lnRef>
           <a:fillRef idx="1">
-            <a:schemeClr val="dk1"/>
+            <a:schemeClr val="accent5"/>
           </a:fillRef>
           <a:effectRef idx="0">
-            <a:schemeClr val="dk1"/>
+            <a:schemeClr val="accent5"/>
           </a:effectRef>
           <a:fontRef idx="minor">
             <a:schemeClr val="lt1"/>
@@ -28966,24 +28779,23 @@
             <a:avLst/>
           </a:prstGeom>
           <a:ln>
-            <a:solidFill>
-              <a:srgbClr val="8BE9FD"/>
-            </a:solidFill>
             <a:tailEnd type="triangle"/>
           </a:ln>
         </p:spPr>
         <p:style>
           <a:lnRef idx="2">
-            <a:schemeClr val="dk1"/>
+            <a:schemeClr val="accent5">
+              <a:shade val="50000"/>
+            </a:schemeClr>
           </a:lnRef>
-          <a:fillRef idx="0">
-            <a:schemeClr val="dk1"/>
+          <a:fillRef idx="1">
+            <a:schemeClr val="accent5"/>
           </a:fillRef>
-          <a:effectRef idx="1">
-            <a:schemeClr val="dk1"/>
+          <a:effectRef idx="0">
+            <a:schemeClr val="accent5"/>
           </a:effectRef>
           <a:fontRef idx="minor">
-            <a:schemeClr val="tx1"/>
+            <a:schemeClr val="lt1"/>
           </a:fontRef>
         </p:style>
       </p:cxnSp>
@@ -29238,13 +29050,6 @@
   <p:clrMapOvr>
     <a:masterClrMapping/>
   </p:clrMapOvr>
-  <p:timing>
-    <p:tnLst>
-      <p:par>
-        <p:cTn id="1" dur="indefinite" restart="never" nodeType="tmRoot"/>
-      </p:par>
-    </p:tnLst>
-  </p:timing>
 </p:sld>
 </file>
 
@@ -29430,7 +29235,7 @@
           <p:nvPr/>
         </p:nvPicPr>
         <p:blipFill>
-          <a:blip r:embed="rId2">
+          <a:blip r:embed="rId3">
             <a:extLst>
               <a:ext uri="{28A0092B-C50C-407E-A947-70E740481C1C}">
                 <a14:useLocalDpi xmlns:a14="http://schemas.microsoft.com/office/drawing/2010/main" val="0"/>
@@ -29505,13 +29310,6 @@
   <p:clrMapOvr>
     <a:masterClrMapping/>
   </p:clrMapOvr>
-  <p:timing>
-    <p:tnLst>
-      <p:par>
-        <p:cTn id="1" dur="indefinite" restart="never" nodeType="tmRoot"/>
-      </p:par>
-    </p:tnLst>
-  </p:timing>
 </p:sld>
 </file>
 

--- a/slides/GraphqlSlides.pptx
+++ b/slides/GraphqlSlides.pptx
@@ -252,7 +252,7 @@
           <a:p>
             <a:fld id="{858036E5-7FF6-491F-BDEF-E833DBCA9680}" type="datetimeFigureOut">
               <a:rPr lang="de-DE" smtClean="0"/>
-              <a:t>20.06.2019</a:t>
+              <a:t>23.06.2019</a:t>
             </a:fld>
             <a:endParaRPr lang="de-DE"/>
           </a:p>
@@ -746,7 +746,7 @@
           <a:p>
             <a:fld id="{4951A4F0-27A8-4C6D-A90A-FB4CDD31FFC6}" type="slidenum">
               <a:rPr lang="de-DE" smtClean="0"/>
-              <a:t>19</a:t>
+              <a:t>16</a:t>
             </a:fld>
             <a:endParaRPr lang="de-DE"/>
           </a:p>
@@ -755,7 +755,7 @@
     </p:spTree>
     <p:extLst>
       <p:ext uri="{BB962C8B-B14F-4D97-AF65-F5344CB8AC3E}">
-        <p14:creationId xmlns:p14="http://schemas.microsoft.com/office/powerpoint/2010/main" val="2094132076"/>
+        <p14:creationId xmlns:p14="http://schemas.microsoft.com/office/powerpoint/2010/main" val="1518922089"/>
       </p:ext>
     </p:extLst>
   </p:cSld>
@@ -887,7 +887,7 @@
           <a:p>
             <a:fld id="{4951A4F0-27A8-4C6D-A90A-FB4CDD31FFC6}" type="slidenum">
               <a:rPr lang="de-DE" smtClean="0"/>
-              <a:t>20</a:t>
+              <a:t>17</a:t>
             </a:fld>
             <a:endParaRPr lang="de-DE"/>
           </a:p>
@@ -896,7 +896,7 @@
     </p:spTree>
     <p:extLst>
       <p:ext uri="{BB962C8B-B14F-4D97-AF65-F5344CB8AC3E}">
-        <p14:creationId xmlns:p14="http://schemas.microsoft.com/office/powerpoint/2010/main" val="2996534864"/>
+        <p14:creationId xmlns:p14="http://schemas.microsoft.com/office/powerpoint/2010/main" val="2053084685"/>
       </p:ext>
     </p:extLst>
   </p:cSld>
@@ -1028,7 +1028,7 @@
           <a:p>
             <a:fld id="{4951A4F0-27A8-4C6D-A90A-FB4CDD31FFC6}" type="slidenum">
               <a:rPr lang="de-DE" smtClean="0"/>
-              <a:t>21</a:t>
+              <a:t>18</a:t>
             </a:fld>
             <a:endParaRPr lang="de-DE"/>
           </a:p>
@@ -1037,7 +1037,7 @@
     </p:spTree>
     <p:extLst>
       <p:ext uri="{BB962C8B-B14F-4D97-AF65-F5344CB8AC3E}">
-        <p14:creationId xmlns:p14="http://schemas.microsoft.com/office/powerpoint/2010/main" val="970813291"/>
+        <p14:creationId xmlns:p14="http://schemas.microsoft.com/office/powerpoint/2010/main" val="3704860397"/>
       </p:ext>
     </p:extLst>
   </p:cSld>
@@ -1093,164 +1093,61 @@
           <a:p>
             <a:r>
               <a:rPr lang="de-DE" dirty="0" err="1"/>
-              <a:t>Int</a:t>
+              <a:t>Author</a:t>
             </a:r>
             <a:r>
               <a:rPr lang="de-DE" dirty="0"/>
-              <a:t>: </a:t>
+              <a:t> = </a:t>
             </a:r>
             <a:r>
               <a:rPr lang="de-DE" dirty="0" err="1"/>
-              <a:t>signed</a:t>
+              <a:t>Object</a:t>
             </a:r>
             <a:r>
               <a:rPr lang="de-DE" dirty="0"/>
-              <a:t> 32bit integer</a:t>
-            </a:r>
-          </a:p>
-          <a:p>
+              <a:t> Type =&gt; Typ mit einem oder mehreren Datenfeldern. Kommt am Häufigsten in einem Schema vor</a:t>
+            </a:r>
+          </a:p>
+          <a:p>
+            <a:r>
+              <a:rPr lang="de-DE" dirty="0"/>
+              <a:t>Name = Feld des </a:t>
+            </a:r>
             <a:r>
               <a:rPr lang="de-DE" dirty="0" err="1"/>
-              <a:t>Float</a:t>
+              <a:t>Author</a:t>
             </a:r>
             <a:r>
               <a:rPr lang="de-DE" dirty="0"/>
-              <a:t> </a:t>
+              <a:t> Typs</a:t>
+            </a:r>
+          </a:p>
+          <a:p>
+            <a:r>
+              <a:rPr lang="de-DE" dirty="0"/>
+              <a:t>String = einer der eingebauten Scalar Typen von </a:t>
             </a:r>
             <a:r>
               <a:rPr lang="de-DE" dirty="0" err="1"/>
-              <a:t>signed</a:t>
+              <a:t>GraphQL</a:t>
             </a:r>
             <a:r>
               <a:rPr lang="de-DE" dirty="0"/>
-              <a:t> double </a:t>
+              <a:t>, können keine Unterselektion mehr besitzen und lösen sich zu einem einzigen Wert auf</a:t>
+            </a:r>
+          </a:p>
+          <a:p>
+            <a:r>
+              <a:rPr lang="de-DE" dirty="0"/>
+              <a:t>! = Das Feld ist nicht </a:t>
             </a:r>
             <a:r>
               <a:rPr lang="de-DE" dirty="0" err="1"/>
-              <a:t>precision</a:t>
+              <a:t>nullable</a:t>
             </a:r>
             <a:r>
               <a:rPr lang="de-DE" dirty="0"/>
-              <a:t> </a:t>
-            </a:r>
-            <a:r>
-              <a:rPr lang="de-DE" dirty="0" err="1"/>
-              <a:t>float</a:t>
-            </a:r>
-            <a:endParaRPr lang="de-DE" dirty="0"/>
-          </a:p>
-          <a:p>
-            <a:r>
-              <a:rPr lang="de-DE" dirty="0"/>
-              <a:t>String: UTF-8 </a:t>
-            </a:r>
-            <a:r>
-              <a:rPr lang="de-DE" dirty="0" err="1"/>
-              <a:t>character</a:t>
-            </a:r>
-            <a:r>
-              <a:rPr lang="de-DE" dirty="0"/>
-              <a:t> </a:t>
-            </a:r>
-            <a:r>
-              <a:rPr lang="de-DE" dirty="0" err="1"/>
-              <a:t>sequenz</a:t>
-            </a:r>
-            <a:endParaRPr lang="de-DE" dirty="0"/>
-          </a:p>
-          <a:p>
-            <a:r>
-              <a:rPr lang="de-DE" dirty="0"/>
-              <a:t>Boolean: </a:t>
-            </a:r>
-            <a:r>
-              <a:rPr lang="de-DE" dirty="0" err="1"/>
-              <a:t>true</a:t>
-            </a:r>
-            <a:r>
-              <a:rPr lang="de-DE" dirty="0"/>
-              <a:t> / </a:t>
-            </a:r>
-            <a:r>
-              <a:rPr lang="de-DE" dirty="0" err="1"/>
-              <a:t>false</a:t>
-            </a:r>
-            <a:endParaRPr lang="de-DE" dirty="0"/>
-          </a:p>
-          <a:p>
-            <a:r>
-              <a:rPr lang="de-DE" dirty="0"/>
-              <a:t>Date: wird von manchen </a:t>
-            </a:r>
-            <a:r>
-              <a:rPr lang="de-DE" dirty="0" err="1"/>
-              <a:t>libraries</a:t>
-            </a:r>
-            <a:r>
-              <a:rPr lang="de-DE" dirty="0"/>
-              <a:t> schon implementiert, wenn nicht bieten die Frameworks an, eigene Scalar Typen zu implementieren.</a:t>
-            </a:r>
-          </a:p>
-          <a:p>
-            <a:r>
-              <a:rPr lang="de-DE" dirty="0"/>
-              <a:t>ID: </a:t>
-            </a:r>
-            <a:r>
-              <a:rPr lang="de-DE" dirty="0" err="1"/>
-              <a:t>unique</a:t>
-            </a:r>
-            <a:r>
-              <a:rPr lang="de-DE" dirty="0"/>
-              <a:t> </a:t>
-            </a:r>
-            <a:r>
-              <a:rPr lang="de-DE" dirty="0" err="1"/>
-              <a:t>identifier</a:t>
-            </a:r>
-            <a:r>
-              <a:rPr lang="de-DE" dirty="0"/>
-              <a:t>, um </a:t>
-            </a:r>
-            <a:r>
-              <a:rPr lang="de-DE" dirty="0" err="1"/>
-              <a:t>objekt</a:t>
-            </a:r>
-            <a:r>
-              <a:rPr lang="de-DE" dirty="0"/>
-              <a:t> wieder zu holen, oder als </a:t>
-            </a:r>
-            <a:r>
-              <a:rPr lang="de-DE" dirty="0" err="1"/>
-              <a:t>schlüssel</a:t>
-            </a:r>
-            <a:r>
-              <a:rPr lang="de-DE" dirty="0"/>
-              <a:t> für eine </a:t>
-            </a:r>
-            <a:r>
-              <a:rPr lang="de-DE" dirty="0" err="1"/>
-              <a:t>cache</a:t>
-            </a:r>
-            <a:r>
-              <a:rPr lang="de-DE" dirty="0"/>
-              <a:t> </a:t>
-            </a:r>
-            <a:r>
-              <a:rPr lang="de-DE" dirty="0" err="1"/>
-              <a:t>implementierung</a:t>
-            </a:r>
-            <a:r>
-              <a:rPr lang="de-DE" dirty="0"/>
-              <a:t>; wird auf die gleiche weise wie ein </a:t>
-            </a:r>
-            <a:r>
-              <a:rPr lang="de-DE" dirty="0" err="1"/>
-              <a:t>string</a:t>
-            </a:r>
-            <a:r>
-              <a:rPr lang="de-DE" dirty="0"/>
-              <a:t> serialisiert</a:t>
+              <a:t> =&gt; Server verspricht immer einen Wert zurück zu liefern</a:t>
             </a:r>
           </a:p>
         </p:txBody>
@@ -1272,7 +1169,7 @@
           <a:p>
             <a:fld id="{4951A4F0-27A8-4C6D-A90A-FB4CDD31FFC6}" type="slidenum">
               <a:rPr lang="de-DE" smtClean="0"/>
-              <a:t>22</a:t>
+              <a:t>19</a:t>
             </a:fld>
             <a:endParaRPr lang="de-DE"/>
           </a:p>
@@ -1281,7 +1178,7 @@
     </p:spTree>
     <p:extLst>
       <p:ext uri="{BB962C8B-B14F-4D97-AF65-F5344CB8AC3E}">
-        <p14:creationId xmlns:p14="http://schemas.microsoft.com/office/powerpoint/2010/main" val="1288450928"/>
+        <p14:creationId xmlns:p14="http://schemas.microsoft.com/office/powerpoint/2010/main" val="2094132076"/>
       </p:ext>
     </p:extLst>
   </p:cSld>
@@ -1335,107 +1232,21 @@
           <a:bodyPr/>
           <a:lstStyle/>
           <a:p>
-            <a:r>
-              <a:rPr lang="de-DE" sz="1200" b="0" i="1" kern="1200" dirty="0">
-                <a:solidFill>
-                  <a:schemeClr val="tx1"/>
-                </a:solidFill>
-                <a:effectLst/>
-                <a:latin typeface="+mn-lt"/>
-                <a:ea typeface="+mn-ea"/>
-                <a:cs typeface="+mn-cs"/>
-              </a:rPr>
-              <a:t>[]: Es kommt eine Liste von Objekten vom Typ Post zurück. Da mit Ausrufezeichen markiert ist garantiert das 0 oder mehr Einträge zurück kommen, die alle vom Typ Post sind.</a:t>
-            </a:r>
-          </a:p>
-          <a:p>
-            <a:r>
-              <a:rPr lang="de-DE" sz="1200" b="0" i="1" kern="1200" dirty="0" err="1">
-                <a:solidFill>
-                  <a:schemeClr val="tx1"/>
-                </a:solidFill>
-                <a:effectLst/>
-                <a:latin typeface="+mn-lt"/>
-                <a:ea typeface="+mn-ea"/>
-                <a:cs typeface="+mn-cs"/>
-              </a:rPr>
-              <a:t>one-to-many</a:t>
-            </a:r>
-            <a:r>
-              <a:rPr lang="de-DE" sz="1200" b="0" i="0" kern="1200" dirty="0" err="1">
-                <a:solidFill>
-                  <a:schemeClr val="tx1"/>
-                </a:solidFill>
-                <a:effectLst/>
-                <a:latin typeface="+mn-lt"/>
-                <a:ea typeface="+mn-ea"/>
-                <a:cs typeface="+mn-cs"/>
-              </a:rPr>
-              <a:t>-relationship</a:t>
-            </a:r>
-            <a:r>
-              <a:rPr lang="de-DE" sz="1200" b="0" i="0" kern="1200" dirty="0">
-                <a:solidFill>
-                  <a:schemeClr val="tx1"/>
-                </a:solidFill>
-                <a:effectLst/>
-                <a:latin typeface="+mn-lt"/>
-                <a:ea typeface="+mn-ea"/>
-                <a:cs typeface="+mn-cs"/>
-              </a:rPr>
-              <a:t> zwischen </a:t>
-            </a:r>
-            <a:r>
-              <a:rPr lang="de-DE" sz="1200" b="0" i="0" kern="1200" dirty="0" err="1">
-                <a:solidFill>
-                  <a:schemeClr val="tx1"/>
-                </a:solidFill>
-                <a:effectLst/>
-                <a:latin typeface="+mn-lt"/>
-                <a:ea typeface="+mn-ea"/>
-                <a:cs typeface="+mn-cs"/>
-              </a:rPr>
-              <a:t>Author</a:t>
-            </a:r>
-            <a:r>
-              <a:rPr lang="de-DE" sz="1200" b="0" i="0" kern="1200" dirty="0">
-                <a:solidFill>
-                  <a:schemeClr val="tx1"/>
-                </a:solidFill>
-                <a:effectLst/>
-                <a:latin typeface="+mn-lt"/>
-                <a:ea typeface="+mn-ea"/>
-                <a:cs typeface="+mn-cs"/>
-              </a:rPr>
-              <a:t> und Post. Ein </a:t>
-            </a:r>
-            <a:r>
-              <a:rPr lang="de-DE" sz="1200" b="0" i="0" kern="1200" dirty="0" err="1">
-                <a:solidFill>
-                  <a:schemeClr val="tx1"/>
-                </a:solidFill>
-                <a:effectLst/>
-                <a:latin typeface="+mn-lt"/>
-                <a:ea typeface="+mn-ea"/>
-                <a:cs typeface="+mn-cs"/>
-              </a:rPr>
-              <a:t>Author</a:t>
-            </a:r>
-            <a:r>
-              <a:rPr lang="de-DE" sz="1200" b="0" i="0" kern="1200" dirty="0">
-                <a:solidFill>
-                  <a:schemeClr val="tx1"/>
-                </a:solidFill>
-                <a:effectLst/>
-                <a:latin typeface="+mn-lt"/>
-                <a:ea typeface="+mn-ea"/>
-                <a:cs typeface="+mn-cs"/>
-              </a:rPr>
-              <a:t> kann ein oder viele Posts verfasst haben =&gt; Array von Posts als Feldtyp</a:t>
-            </a:r>
-          </a:p>
-          <a:p>
             <a:endParaRPr lang="de-DE" dirty="0"/>
+          </a:p>
+          <a:p>
+            <a:r>
+              <a:rPr lang="de-DE" dirty="0"/>
+              <a:t>! = Das Feld ist nicht </a:t>
+            </a:r>
+            <a:r>
+              <a:rPr lang="de-DE" dirty="0" err="1"/>
+              <a:t>nullable</a:t>
+            </a:r>
+            <a:r>
+              <a:rPr lang="de-DE" dirty="0"/>
+              <a:t> =&gt; Server verspricht immer einen gültigen und von null verschiedenen Wert zurück zu liefern</a:t>
+            </a:r>
           </a:p>
         </p:txBody>
       </p:sp>
@@ -1456,7 +1267,7 @@
           <a:p>
             <a:fld id="{4951A4F0-27A8-4C6D-A90A-FB4CDD31FFC6}" type="slidenum">
               <a:rPr lang="de-DE" smtClean="0"/>
-              <a:t>23</a:t>
+              <a:t>20</a:t>
             </a:fld>
             <a:endParaRPr lang="de-DE"/>
           </a:p>
@@ -1465,7 +1276,7 @@
     </p:spTree>
     <p:extLst>
       <p:ext uri="{BB962C8B-B14F-4D97-AF65-F5344CB8AC3E}">
-        <p14:creationId xmlns:p14="http://schemas.microsoft.com/office/powerpoint/2010/main" val="1973032472"/>
+        <p14:creationId xmlns:p14="http://schemas.microsoft.com/office/powerpoint/2010/main" val="2996534864"/>
       </p:ext>
     </p:extLst>
   </p:cSld>
@@ -1519,106 +1330,6 @@
           <a:bodyPr/>
           <a:lstStyle/>
           <a:p>
-            <a:r>
-              <a:rPr lang="de-DE" sz="1200" b="0" i="1" kern="1200" dirty="0">
-                <a:solidFill>
-                  <a:schemeClr val="tx1"/>
-                </a:solidFill>
-                <a:effectLst/>
-                <a:latin typeface="+mn-lt"/>
-                <a:ea typeface="+mn-ea"/>
-                <a:cs typeface="+mn-cs"/>
-              </a:rPr>
-              <a:t>[]: Es kommt eine Liste von Objekten vom Typ Post zurück. Da mit Ausrufezeichen markiert ist garantiert das 0 oder mehr Einträge zurück kommen, die alle vom Typ Post sind.</a:t>
-            </a:r>
-          </a:p>
-          <a:p>
-            <a:r>
-              <a:rPr lang="de-DE" sz="1200" b="0" i="1" kern="1200" dirty="0" err="1">
-                <a:solidFill>
-                  <a:schemeClr val="tx1"/>
-                </a:solidFill>
-                <a:effectLst/>
-                <a:latin typeface="+mn-lt"/>
-                <a:ea typeface="+mn-ea"/>
-                <a:cs typeface="+mn-cs"/>
-              </a:rPr>
-              <a:t>one-to-many</a:t>
-            </a:r>
-            <a:r>
-              <a:rPr lang="de-DE" sz="1200" b="0" i="0" kern="1200" dirty="0" err="1">
-                <a:solidFill>
-                  <a:schemeClr val="tx1"/>
-                </a:solidFill>
-                <a:effectLst/>
-                <a:latin typeface="+mn-lt"/>
-                <a:ea typeface="+mn-ea"/>
-                <a:cs typeface="+mn-cs"/>
-              </a:rPr>
-              <a:t>-relationship</a:t>
-            </a:r>
-            <a:r>
-              <a:rPr lang="de-DE" sz="1200" b="0" i="0" kern="1200" dirty="0">
-                <a:solidFill>
-                  <a:schemeClr val="tx1"/>
-                </a:solidFill>
-                <a:effectLst/>
-                <a:latin typeface="+mn-lt"/>
-                <a:ea typeface="+mn-ea"/>
-                <a:cs typeface="+mn-cs"/>
-              </a:rPr>
-              <a:t> zwischen </a:t>
-            </a:r>
-            <a:r>
-              <a:rPr lang="de-DE" sz="1200" b="0" i="0" kern="1200" dirty="0" err="1">
-                <a:solidFill>
-                  <a:schemeClr val="tx1"/>
-                </a:solidFill>
-                <a:effectLst/>
-                <a:latin typeface="+mn-lt"/>
-                <a:ea typeface="+mn-ea"/>
-                <a:cs typeface="+mn-cs"/>
-              </a:rPr>
-              <a:t>Author</a:t>
-            </a:r>
-            <a:r>
-              <a:rPr lang="de-DE" sz="1200" b="0" i="0" kern="1200" dirty="0">
-                <a:solidFill>
-                  <a:schemeClr val="tx1"/>
-                </a:solidFill>
-                <a:effectLst/>
-                <a:latin typeface="+mn-lt"/>
-                <a:ea typeface="+mn-ea"/>
-                <a:cs typeface="+mn-cs"/>
-              </a:rPr>
-              <a:t> und Post. Ein </a:t>
-            </a:r>
-            <a:r>
-              <a:rPr lang="de-DE" sz="1200" b="0" i="0" kern="1200" dirty="0" err="1">
-                <a:solidFill>
-                  <a:schemeClr val="tx1"/>
-                </a:solidFill>
-                <a:effectLst/>
-                <a:latin typeface="+mn-lt"/>
-                <a:ea typeface="+mn-ea"/>
-                <a:cs typeface="+mn-cs"/>
-              </a:rPr>
-              <a:t>Author</a:t>
-            </a:r>
-            <a:r>
-              <a:rPr lang="de-DE" sz="1200" b="0" i="0" kern="1200" dirty="0">
-                <a:solidFill>
-                  <a:schemeClr val="tx1"/>
-                </a:solidFill>
-                <a:effectLst/>
-                <a:latin typeface="+mn-lt"/>
-                <a:ea typeface="+mn-ea"/>
-                <a:cs typeface="+mn-cs"/>
-              </a:rPr>
-              <a:t> kann ein oder viele Posts verfasst haben =&gt; Array von Posts als Feldtyp</a:t>
-            </a:r>
-          </a:p>
-          <a:p>
             <a:endParaRPr lang="de-DE" dirty="0"/>
           </a:p>
         </p:txBody>
@@ -1640,7 +1351,7 @@
           <a:p>
             <a:fld id="{4951A4F0-27A8-4C6D-A90A-FB4CDD31FFC6}" type="slidenum">
               <a:rPr lang="de-DE" smtClean="0"/>
-              <a:t>24</a:t>
+              <a:t>21</a:t>
             </a:fld>
             <a:endParaRPr lang="de-DE"/>
           </a:p>
@@ -1649,7 +1360,7 @@
     </p:spTree>
     <p:extLst>
       <p:ext uri="{BB962C8B-B14F-4D97-AF65-F5344CB8AC3E}">
-        <p14:creationId xmlns:p14="http://schemas.microsoft.com/office/powerpoint/2010/main" val="356632614"/>
+        <p14:creationId xmlns:p14="http://schemas.microsoft.com/office/powerpoint/2010/main" val="970813291"/>
       </p:ext>
     </p:extLst>
   </p:cSld>
@@ -1704,106 +1415,166 @@
           <a:lstStyle/>
           <a:p>
             <a:r>
-              <a:rPr lang="de-DE" sz="1200" b="0" i="1" kern="1200" dirty="0">
-                <a:solidFill>
-                  <a:schemeClr val="tx1"/>
-                </a:solidFill>
-                <a:effectLst/>
-                <a:latin typeface="+mn-lt"/>
-                <a:ea typeface="+mn-ea"/>
-                <a:cs typeface="+mn-cs"/>
-              </a:rPr>
-              <a:t>[]: Es kommt eine Liste von Objekten vom Typ Post zurück. Da mit Ausrufezeichen markiert ist garantiert das 0 oder mehr Einträge zurück kommen, die alle vom Typ Post sind.</a:t>
-            </a:r>
-          </a:p>
-          <a:p>
-            <a:r>
-              <a:rPr lang="de-DE" sz="1200" b="0" i="1" kern="1200" dirty="0" err="1">
-                <a:solidFill>
-                  <a:schemeClr val="tx1"/>
-                </a:solidFill>
-                <a:effectLst/>
-                <a:latin typeface="+mn-lt"/>
-                <a:ea typeface="+mn-ea"/>
-                <a:cs typeface="+mn-cs"/>
-              </a:rPr>
-              <a:t>one-to-many</a:t>
-            </a:r>
-            <a:r>
-              <a:rPr lang="de-DE" sz="1200" b="0" i="0" kern="1200" dirty="0" err="1">
-                <a:solidFill>
-                  <a:schemeClr val="tx1"/>
-                </a:solidFill>
-                <a:effectLst/>
-                <a:latin typeface="+mn-lt"/>
-                <a:ea typeface="+mn-ea"/>
-                <a:cs typeface="+mn-cs"/>
-              </a:rPr>
-              <a:t>-relationship</a:t>
-            </a:r>
-            <a:r>
-              <a:rPr lang="de-DE" sz="1200" b="0" i="0" kern="1200" dirty="0">
-                <a:solidFill>
-                  <a:schemeClr val="tx1"/>
-                </a:solidFill>
-                <a:effectLst/>
-                <a:latin typeface="+mn-lt"/>
-                <a:ea typeface="+mn-ea"/>
-                <a:cs typeface="+mn-cs"/>
-              </a:rPr>
-              <a:t> zwischen </a:t>
-            </a:r>
-            <a:r>
-              <a:rPr lang="de-DE" sz="1200" b="0" i="0" kern="1200" dirty="0" err="1">
-                <a:solidFill>
-                  <a:schemeClr val="tx1"/>
-                </a:solidFill>
-                <a:effectLst/>
-                <a:latin typeface="+mn-lt"/>
-                <a:ea typeface="+mn-ea"/>
-                <a:cs typeface="+mn-cs"/>
-              </a:rPr>
-              <a:t>Author</a:t>
-            </a:r>
-            <a:r>
-              <a:rPr lang="de-DE" sz="1200" b="0" i="0" kern="1200" dirty="0">
-                <a:solidFill>
-                  <a:schemeClr val="tx1"/>
-                </a:solidFill>
-                <a:effectLst/>
-                <a:latin typeface="+mn-lt"/>
-                <a:ea typeface="+mn-ea"/>
-                <a:cs typeface="+mn-cs"/>
-              </a:rPr>
-              <a:t> und Post. Ein </a:t>
-            </a:r>
-            <a:r>
-              <a:rPr lang="de-DE" sz="1200" b="0" i="0" kern="1200" dirty="0" err="1">
-                <a:solidFill>
-                  <a:schemeClr val="tx1"/>
-                </a:solidFill>
-                <a:effectLst/>
-                <a:latin typeface="+mn-lt"/>
-                <a:ea typeface="+mn-ea"/>
-                <a:cs typeface="+mn-cs"/>
-              </a:rPr>
-              <a:t>Author</a:t>
-            </a:r>
-            <a:r>
-              <a:rPr lang="de-DE" sz="1200" b="0" i="0" kern="1200" dirty="0">
-                <a:solidFill>
-                  <a:schemeClr val="tx1"/>
-                </a:solidFill>
-                <a:effectLst/>
-                <a:latin typeface="+mn-lt"/>
-                <a:ea typeface="+mn-ea"/>
-                <a:cs typeface="+mn-cs"/>
-              </a:rPr>
-              <a:t> kann ein oder viele Posts verfasst haben =&gt; Array von Posts als Feldtyp</a:t>
-            </a:r>
-          </a:p>
-          <a:p>
+              <a:rPr lang="de-DE" dirty="0" err="1"/>
+              <a:t>Int</a:t>
+            </a:r>
+            <a:r>
+              <a:rPr lang="de-DE" dirty="0"/>
+              <a:t>: </a:t>
+            </a:r>
+            <a:r>
+              <a:rPr lang="de-DE" dirty="0" err="1"/>
+              <a:t>signed</a:t>
+            </a:r>
+            <a:r>
+              <a:rPr lang="de-DE" dirty="0"/>
+              <a:t> 32bit integer</a:t>
+            </a:r>
+          </a:p>
+          <a:p>
+            <a:r>
+              <a:rPr lang="de-DE" dirty="0" err="1"/>
+              <a:t>Float</a:t>
+            </a:r>
+            <a:r>
+              <a:rPr lang="de-DE" dirty="0"/>
+              <a:t> </a:t>
+            </a:r>
+            <a:r>
+              <a:rPr lang="de-DE" dirty="0" err="1"/>
+              <a:t>signed</a:t>
+            </a:r>
+            <a:r>
+              <a:rPr lang="de-DE" dirty="0"/>
+              <a:t> double </a:t>
+            </a:r>
+            <a:r>
+              <a:rPr lang="de-DE" dirty="0" err="1"/>
+              <a:t>precision</a:t>
+            </a:r>
+            <a:r>
+              <a:rPr lang="de-DE" dirty="0"/>
+              <a:t> </a:t>
+            </a:r>
+            <a:r>
+              <a:rPr lang="de-DE" dirty="0" err="1"/>
+              <a:t>float</a:t>
+            </a:r>
             <a:endParaRPr lang="de-DE" dirty="0"/>
+          </a:p>
+          <a:p>
+            <a:r>
+              <a:rPr lang="de-DE" dirty="0"/>
+              <a:t>String: UTF-8 </a:t>
+            </a:r>
+            <a:r>
+              <a:rPr lang="de-DE" dirty="0" err="1"/>
+              <a:t>character</a:t>
+            </a:r>
+            <a:r>
+              <a:rPr lang="de-DE" dirty="0"/>
+              <a:t> </a:t>
+            </a:r>
+            <a:r>
+              <a:rPr lang="de-DE" dirty="0" err="1"/>
+              <a:t>sequenz</a:t>
+            </a:r>
+            <a:endParaRPr lang="de-DE" dirty="0"/>
+          </a:p>
+          <a:p>
+            <a:r>
+              <a:rPr lang="de-DE" dirty="0"/>
+              <a:t>Boolean: </a:t>
+            </a:r>
+            <a:r>
+              <a:rPr lang="de-DE" dirty="0" err="1"/>
+              <a:t>true</a:t>
+            </a:r>
+            <a:r>
+              <a:rPr lang="de-DE" dirty="0"/>
+              <a:t> / </a:t>
+            </a:r>
+            <a:r>
+              <a:rPr lang="de-DE" dirty="0" err="1"/>
+              <a:t>false</a:t>
+            </a:r>
+            <a:endParaRPr lang="de-DE" dirty="0"/>
+          </a:p>
+          <a:p>
+            <a:r>
+              <a:rPr lang="de-DE" dirty="0"/>
+              <a:t>Date: wird von manchen </a:t>
+            </a:r>
+            <a:r>
+              <a:rPr lang="de-DE" dirty="0" err="1"/>
+              <a:t>libraries</a:t>
+            </a:r>
+            <a:r>
+              <a:rPr lang="de-DE" dirty="0"/>
+              <a:t> schon implementiert, wenn nicht bieten die Frameworks an, eigene Scalar Typen zu implementieren.</a:t>
+            </a:r>
+          </a:p>
+          <a:p>
+            <a:r>
+              <a:rPr lang="de-DE" dirty="0"/>
+              <a:t>ID: </a:t>
+            </a:r>
+            <a:r>
+              <a:rPr lang="de-DE" dirty="0" err="1"/>
+              <a:t>unique</a:t>
+            </a:r>
+            <a:r>
+              <a:rPr lang="de-DE" dirty="0"/>
+              <a:t> </a:t>
+            </a:r>
+            <a:r>
+              <a:rPr lang="de-DE" dirty="0" err="1"/>
+              <a:t>identifier</a:t>
+            </a:r>
+            <a:r>
+              <a:rPr lang="de-DE" dirty="0"/>
+              <a:t>, um </a:t>
+            </a:r>
+            <a:r>
+              <a:rPr lang="de-DE" dirty="0" err="1"/>
+              <a:t>objekt</a:t>
+            </a:r>
+            <a:r>
+              <a:rPr lang="de-DE" dirty="0"/>
+              <a:t> wieder zu holen, oder als </a:t>
+            </a:r>
+            <a:r>
+              <a:rPr lang="de-DE" dirty="0" err="1"/>
+              <a:t>schlüssel</a:t>
+            </a:r>
+            <a:r>
+              <a:rPr lang="de-DE" dirty="0"/>
+              <a:t> für eine </a:t>
+            </a:r>
+            <a:r>
+              <a:rPr lang="de-DE" dirty="0" err="1"/>
+              <a:t>cache</a:t>
+            </a:r>
+            <a:r>
+              <a:rPr lang="de-DE" dirty="0"/>
+              <a:t> </a:t>
+            </a:r>
+            <a:r>
+              <a:rPr lang="de-DE" dirty="0" err="1"/>
+              <a:t>implementierung</a:t>
+            </a:r>
+            <a:r>
+              <a:rPr lang="de-DE" dirty="0"/>
+              <a:t>; wird auf die gleiche weise wie ein </a:t>
+            </a:r>
+            <a:r>
+              <a:rPr lang="de-DE" dirty="0" err="1"/>
+              <a:t>string</a:t>
+            </a:r>
+            <a:r>
+              <a:rPr lang="de-DE" dirty="0"/>
+              <a:t> serialisiert</a:t>
+            </a:r>
           </a:p>
         </p:txBody>
       </p:sp>
@@ -1824,7 +1595,7 @@
           <a:p>
             <a:fld id="{4951A4F0-27A8-4C6D-A90A-FB4CDD31FFC6}" type="slidenum">
               <a:rPr lang="de-DE" smtClean="0"/>
-              <a:t>25</a:t>
+              <a:t>22</a:t>
             </a:fld>
             <a:endParaRPr lang="de-DE"/>
           </a:p>
@@ -1833,7 +1604,7 @@
     </p:spTree>
     <p:extLst>
       <p:ext uri="{BB962C8B-B14F-4D97-AF65-F5344CB8AC3E}">
-        <p14:creationId xmlns:p14="http://schemas.microsoft.com/office/powerpoint/2010/main" val="251186594"/>
+        <p14:creationId xmlns:p14="http://schemas.microsoft.com/office/powerpoint/2010/main" val="1288450928"/>
       </p:ext>
     </p:extLst>
   </p:cSld>
@@ -2008,7 +1779,7 @@
           <a:p>
             <a:fld id="{4951A4F0-27A8-4C6D-A90A-FB4CDD31FFC6}" type="slidenum">
               <a:rPr lang="de-DE" smtClean="0"/>
-              <a:t>26</a:t>
+              <a:t>23</a:t>
             </a:fld>
             <a:endParaRPr lang="de-DE"/>
           </a:p>
@@ -2017,7 +1788,7 @@
     </p:spTree>
     <p:extLst>
       <p:ext uri="{BB962C8B-B14F-4D97-AF65-F5344CB8AC3E}">
-        <p14:creationId xmlns:p14="http://schemas.microsoft.com/office/powerpoint/2010/main" val="1847234564"/>
+        <p14:creationId xmlns:p14="http://schemas.microsoft.com/office/powerpoint/2010/main" val="1973032472"/>
       </p:ext>
     </p:extLst>
   </p:cSld>
@@ -2072,29 +1843,105 @@
           <a:lstStyle/>
           <a:p>
             <a:r>
-              <a:rPr lang="de-DE" dirty="0"/>
-              <a:t>Noch anpassen an </a:t>
-            </a:r>
-            <a:r>
-              <a:rPr lang="de-DE" dirty="0" err="1"/>
-              <a:t>vorlage</a:t>
-            </a:r>
-            <a:r>
-              <a:rPr lang="de-DE" dirty="0"/>
-              <a:t> Siehe </a:t>
-            </a:r>
-            <a:r>
-              <a:rPr lang="de-DE" dirty="0" err="1"/>
-              <a:t>skizze</a:t>
-            </a:r>
-            <a:r>
-              <a:rPr lang="de-DE" dirty="0"/>
-              <a:t> von </a:t>
-            </a:r>
-            <a:r>
-              <a:rPr lang="de-DE" dirty="0" err="1"/>
-              <a:t>matthias</a:t>
-            </a:r>
+              <a:rPr lang="de-DE" sz="1200" b="0" i="1" kern="1200" dirty="0">
+                <a:solidFill>
+                  <a:schemeClr val="tx1"/>
+                </a:solidFill>
+                <a:effectLst/>
+                <a:latin typeface="+mn-lt"/>
+                <a:ea typeface="+mn-ea"/>
+                <a:cs typeface="+mn-cs"/>
+              </a:rPr>
+              <a:t>[]: Es kommt eine Liste von Objekten vom Typ Post zurück. Da mit Ausrufezeichen markiert ist garantiert das 0 oder mehr Einträge zurück kommen, die alle vom Typ Post sind.</a:t>
+            </a:r>
+          </a:p>
+          <a:p>
+            <a:r>
+              <a:rPr lang="de-DE" sz="1200" b="0" i="1" kern="1200" dirty="0" err="1">
+                <a:solidFill>
+                  <a:schemeClr val="tx1"/>
+                </a:solidFill>
+                <a:effectLst/>
+                <a:latin typeface="+mn-lt"/>
+                <a:ea typeface="+mn-ea"/>
+                <a:cs typeface="+mn-cs"/>
+              </a:rPr>
+              <a:t>one-to-many</a:t>
+            </a:r>
+            <a:r>
+              <a:rPr lang="de-DE" sz="1200" b="0" i="0" kern="1200" dirty="0" err="1">
+                <a:solidFill>
+                  <a:schemeClr val="tx1"/>
+                </a:solidFill>
+                <a:effectLst/>
+                <a:latin typeface="+mn-lt"/>
+                <a:ea typeface="+mn-ea"/>
+                <a:cs typeface="+mn-cs"/>
+              </a:rPr>
+              <a:t>-relationship</a:t>
+            </a:r>
+            <a:r>
+              <a:rPr lang="de-DE" sz="1200" b="0" i="0" kern="1200" dirty="0">
+                <a:solidFill>
+                  <a:schemeClr val="tx1"/>
+                </a:solidFill>
+                <a:effectLst/>
+                <a:latin typeface="+mn-lt"/>
+                <a:ea typeface="+mn-ea"/>
+                <a:cs typeface="+mn-cs"/>
+              </a:rPr>
+              <a:t> zwischen </a:t>
+            </a:r>
+            <a:r>
+              <a:rPr lang="de-DE" sz="1200" b="0" i="0" kern="1200" dirty="0" err="1">
+                <a:solidFill>
+                  <a:schemeClr val="tx1"/>
+                </a:solidFill>
+                <a:effectLst/>
+                <a:latin typeface="+mn-lt"/>
+                <a:ea typeface="+mn-ea"/>
+                <a:cs typeface="+mn-cs"/>
+              </a:rPr>
+              <a:t>Author</a:t>
+            </a:r>
+            <a:r>
+              <a:rPr lang="de-DE" sz="1200" b="0" i="0" kern="1200" dirty="0">
+                <a:solidFill>
+                  <a:schemeClr val="tx1"/>
+                </a:solidFill>
+                <a:effectLst/>
+                <a:latin typeface="+mn-lt"/>
+                <a:ea typeface="+mn-ea"/>
+                <a:cs typeface="+mn-cs"/>
+              </a:rPr>
+              <a:t> und Post. Ein </a:t>
+            </a:r>
+            <a:r>
+              <a:rPr lang="de-DE" sz="1200" b="0" i="0" kern="1200" dirty="0" err="1">
+                <a:solidFill>
+                  <a:schemeClr val="tx1"/>
+                </a:solidFill>
+                <a:effectLst/>
+                <a:latin typeface="+mn-lt"/>
+                <a:ea typeface="+mn-ea"/>
+                <a:cs typeface="+mn-cs"/>
+              </a:rPr>
+              <a:t>Author</a:t>
+            </a:r>
+            <a:r>
+              <a:rPr lang="de-DE" sz="1200" b="0" i="0" kern="1200" dirty="0">
+                <a:solidFill>
+                  <a:schemeClr val="tx1"/>
+                </a:solidFill>
+                <a:effectLst/>
+                <a:latin typeface="+mn-lt"/>
+                <a:ea typeface="+mn-ea"/>
+                <a:cs typeface="+mn-cs"/>
+              </a:rPr>
+              <a:t> kann ein oder viele Posts verfasst haben =&gt; Array von Posts als Feldtyp</a:t>
+            </a:r>
+          </a:p>
+          <a:p>
             <a:endParaRPr lang="de-DE" dirty="0"/>
           </a:p>
         </p:txBody>
@@ -2116,7 +1963,7 @@
           <a:p>
             <a:fld id="{4951A4F0-27A8-4C6D-A90A-FB4CDD31FFC6}" type="slidenum">
               <a:rPr lang="de-DE" smtClean="0"/>
-              <a:t>27</a:t>
+              <a:t>24</a:t>
             </a:fld>
             <a:endParaRPr lang="de-DE"/>
           </a:p>
@@ -2125,7 +1972,7 @@
     </p:spTree>
     <p:extLst>
       <p:ext uri="{BB962C8B-B14F-4D97-AF65-F5344CB8AC3E}">
-        <p14:creationId xmlns:p14="http://schemas.microsoft.com/office/powerpoint/2010/main" val="4182998493"/>
+        <p14:creationId xmlns:p14="http://schemas.microsoft.com/office/powerpoint/2010/main" val="356632614"/>
       </p:ext>
     </p:extLst>
   </p:cSld>
@@ -2180,29 +2027,106 @@
           <a:lstStyle/>
           <a:p>
             <a:r>
-              <a:rPr lang="de-DE" dirty="0" err="1"/>
-              <a:t>Passed</a:t>
-            </a:r>
-            <a:r>
-              <a:rPr lang="de-DE" dirty="0"/>
-              <a:t> </a:t>
-            </a:r>
-            <a:r>
-              <a:rPr lang="de-DE" dirty="0" err="1"/>
-              <a:t>by</a:t>
-            </a:r>
-            <a:r>
-              <a:rPr lang="de-DE" dirty="0"/>
-              <a:t> </a:t>
-            </a:r>
-            <a:r>
-              <a:rPr lang="de-DE" dirty="0" err="1"/>
-              <a:t>name</a:t>
-            </a:r>
-            <a:r>
-              <a:rPr lang="de-DE" dirty="0"/>
-              <a:t>, Argumente können zwingend oder optional sein.</a:t>
-            </a:r>
+              <a:rPr lang="de-DE" sz="1200" b="0" i="1" kern="1200" dirty="0">
+                <a:solidFill>
+                  <a:schemeClr val="tx1"/>
+                </a:solidFill>
+                <a:effectLst/>
+                <a:latin typeface="+mn-lt"/>
+                <a:ea typeface="+mn-ea"/>
+                <a:cs typeface="+mn-cs"/>
+              </a:rPr>
+              <a:t>[]: Es kommt eine Liste von Objekten vom Typ Post zurück. Da mit Ausrufezeichen markiert ist garantiert das 0 oder mehr Einträge zurück kommen, die alle vom Typ Post sind.</a:t>
+            </a:r>
+          </a:p>
+          <a:p>
+            <a:r>
+              <a:rPr lang="de-DE" sz="1200" b="0" i="1" kern="1200" dirty="0" err="1">
+                <a:solidFill>
+                  <a:schemeClr val="tx1"/>
+                </a:solidFill>
+                <a:effectLst/>
+                <a:latin typeface="+mn-lt"/>
+                <a:ea typeface="+mn-ea"/>
+                <a:cs typeface="+mn-cs"/>
+              </a:rPr>
+              <a:t>one-to-many</a:t>
+            </a:r>
+            <a:r>
+              <a:rPr lang="de-DE" sz="1200" b="0" i="0" kern="1200" dirty="0" err="1">
+                <a:solidFill>
+                  <a:schemeClr val="tx1"/>
+                </a:solidFill>
+                <a:effectLst/>
+                <a:latin typeface="+mn-lt"/>
+                <a:ea typeface="+mn-ea"/>
+                <a:cs typeface="+mn-cs"/>
+              </a:rPr>
+              <a:t>-relationship</a:t>
+            </a:r>
+            <a:r>
+              <a:rPr lang="de-DE" sz="1200" b="0" i="0" kern="1200" dirty="0">
+                <a:solidFill>
+                  <a:schemeClr val="tx1"/>
+                </a:solidFill>
+                <a:effectLst/>
+                <a:latin typeface="+mn-lt"/>
+                <a:ea typeface="+mn-ea"/>
+                <a:cs typeface="+mn-cs"/>
+              </a:rPr>
+              <a:t> zwischen </a:t>
+            </a:r>
+            <a:r>
+              <a:rPr lang="de-DE" sz="1200" b="0" i="0" kern="1200" dirty="0" err="1">
+                <a:solidFill>
+                  <a:schemeClr val="tx1"/>
+                </a:solidFill>
+                <a:effectLst/>
+                <a:latin typeface="+mn-lt"/>
+                <a:ea typeface="+mn-ea"/>
+                <a:cs typeface="+mn-cs"/>
+              </a:rPr>
+              <a:t>Author</a:t>
+            </a:r>
+            <a:r>
+              <a:rPr lang="de-DE" sz="1200" b="0" i="0" kern="1200" dirty="0">
+                <a:solidFill>
+                  <a:schemeClr val="tx1"/>
+                </a:solidFill>
+                <a:effectLst/>
+                <a:latin typeface="+mn-lt"/>
+                <a:ea typeface="+mn-ea"/>
+                <a:cs typeface="+mn-cs"/>
+              </a:rPr>
+              <a:t> und Post. Ein </a:t>
+            </a:r>
+            <a:r>
+              <a:rPr lang="de-DE" sz="1200" b="0" i="0" kern="1200" dirty="0" err="1">
+                <a:solidFill>
+                  <a:schemeClr val="tx1"/>
+                </a:solidFill>
+                <a:effectLst/>
+                <a:latin typeface="+mn-lt"/>
+                <a:ea typeface="+mn-ea"/>
+                <a:cs typeface="+mn-cs"/>
+              </a:rPr>
+              <a:t>Author</a:t>
+            </a:r>
+            <a:r>
+              <a:rPr lang="de-DE" sz="1200" b="0" i="0" kern="1200" dirty="0">
+                <a:solidFill>
+                  <a:schemeClr val="tx1"/>
+                </a:solidFill>
+                <a:effectLst/>
+                <a:latin typeface="+mn-lt"/>
+                <a:ea typeface="+mn-ea"/>
+                <a:cs typeface="+mn-cs"/>
+              </a:rPr>
+              <a:t> kann ein oder viele Posts verfasst haben =&gt; Array von Posts als Feldtyp</a:t>
+            </a:r>
+          </a:p>
+          <a:p>
+            <a:endParaRPr lang="de-DE" dirty="0"/>
           </a:p>
         </p:txBody>
       </p:sp>
@@ -2223,7 +2147,7 @@
           <a:p>
             <a:fld id="{4951A4F0-27A8-4C6D-A90A-FB4CDD31FFC6}" type="slidenum">
               <a:rPr lang="de-DE" smtClean="0"/>
-              <a:t>28</a:t>
+              <a:t>25</a:t>
             </a:fld>
             <a:endParaRPr lang="de-DE"/>
           </a:p>
@@ -2232,7 +2156,7 @@
     </p:spTree>
     <p:extLst>
       <p:ext uri="{BB962C8B-B14F-4D97-AF65-F5344CB8AC3E}">
-        <p14:creationId xmlns:p14="http://schemas.microsoft.com/office/powerpoint/2010/main" val="3211781086"/>
+        <p14:creationId xmlns:p14="http://schemas.microsoft.com/office/powerpoint/2010/main" val="251186594"/>
       </p:ext>
     </p:extLst>
   </p:cSld>
@@ -2483,29 +2407,106 @@
           <a:lstStyle/>
           <a:p>
             <a:r>
-              <a:rPr lang="de-DE" dirty="0" err="1"/>
-              <a:t>Passed</a:t>
-            </a:r>
-            <a:r>
-              <a:rPr lang="de-DE" dirty="0"/>
-              <a:t> </a:t>
-            </a:r>
-            <a:r>
-              <a:rPr lang="de-DE" dirty="0" err="1"/>
-              <a:t>by</a:t>
-            </a:r>
-            <a:r>
-              <a:rPr lang="de-DE" dirty="0"/>
-              <a:t> </a:t>
-            </a:r>
-            <a:r>
-              <a:rPr lang="de-DE" dirty="0" err="1"/>
-              <a:t>name</a:t>
-            </a:r>
-            <a:r>
-              <a:rPr lang="de-DE" dirty="0"/>
-              <a:t>, Argumente können zwingend oder optional sein.</a:t>
-            </a:r>
+              <a:rPr lang="de-DE" sz="1200" b="0" i="1" kern="1200" dirty="0">
+                <a:solidFill>
+                  <a:schemeClr val="tx1"/>
+                </a:solidFill>
+                <a:effectLst/>
+                <a:latin typeface="+mn-lt"/>
+                <a:ea typeface="+mn-ea"/>
+                <a:cs typeface="+mn-cs"/>
+              </a:rPr>
+              <a:t>[]: Es kommt eine Liste von Objekten vom Typ Post zurück. Da mit Ausrufezeichen markiert ist garantiert das 0 oder mehr Einträge zurück kommen, die alle vom Typ Post sind.</a:t>
+            </a:r>
+          </a:p>
+          <a:p>
+            <a:r>
+              <a:rPr lang="de-DE" sz="1200" b="0" i="1" kern="1200" dirty="0" err="1">
+                <a:solidFill>
+                  <a:schemeClr val="tx1"/>
+                </a:solidFill>
+                <a:effectLst/>
+                <a:latin typeface="+mn-lt"/>
+                <a:ea typeface="+mn-ea"/>
+                <a:cs typeface="+mn-cs"/>
+              </a:rPr>
+              <a:t>one-to-many</a:t>
+            </a:r>
+            <a:r>
+              <a:rPr lang="de-DE" sz="1200" b="0" i="0" kern="1200" dirty="0" err="1">
+                <a:solidFill>
+                  <a:schemeClr val="tx1"/>
+                </a:solidFill>
+                <a:effectLst/>
+                <a:latin typeface="+mn-lt"/>
+                <a:ea typeface="+mn-ea"/>
+                <a:cs typeface="+mn-cs"/>
+              </a:rPr>
+              <a:t>-relationship</a:t>
+            </a:r>
+            <a:r>
+              <a:rPr lang="de-DE" sz="1200" b="0" i="0" kern="1200" dirty="0">
+                <a:solidFill>
+                  <a:schemeClr val="tx1"/>
+                </a:solidFill>
+                <a:effectLst/>
+                <a:latin typeface="+mn-lt"/>
+                <a:ea typeface="+mn-ea"/>
+                <a:cs typeface="+mn-cs"/>
+              </a:rPr>
+              <a:t> zwischen </a:t>
+            </a:r>
+            <a:r>
+              <a:rPr lang="de-DE" sz="1200" b="0" i="0" kern="1200" dirty="0" err="1">
+                <a:solidFill>
+                  <a:schemeClr val="tx1"/>
+                </a:solidFill>
+                <a:effectLst/>
+                <a:latin typeface="+mn-lt"/>
+                <a:ea typeface="+mn-ea"/>
+                <a:cs typeface="+mn-cs"/>
+              </a:rPr>
+              <a:t>Author</a:t>
+            </a:r>
+            <a:r>
+              <a:rPr lang="de-DE" sz="1200" b="0" i="0" kern="1200" dirty="0">
+                <a:solidFill>
+                  <a:schemeClr val="tx1"/>
+                </a:solidFill>
+                <a:effectLst/>
+                <a:latin typeface="+mn-lt"/>
+                <a:ea typeface="+mn-ea"/>
+                <a:cs typeface="+mn-cs"/>
+              </a:rPr>
+              <a:t> und Post. Ein </a:t>
+            </a:r>
+            <a:r>
+              <a:rPr lang="de-DE" sz="1200" b="0" i="0" kern="1200" dirty="0" err="1">
+                <a:solidFill>
+                  <a:schemeClr val="tx1"/>
+                </a:solidFill>
+                <a:effectLst/>
+                <a:latin typeface="+mn-lt"/>
+                <a:ea typeface="+mn-ea"/>
+                <a:cs typeface="+mn-cs"/>
+              </a:rPr>
+              <a:t>Author</a:t>
+            </a:r>
+            <a:r>
+              <a:rPr lang="de-DE" sz="1200" b="0" i="0" kern="1200" dirty="0">
+                <a:solidFill>
+                  <a:schemeClr val="tx1"/>
+                </a:solidFill>
+                <a:effectLst/>
+                <a:latin typeface="+mn-lt"/>
+                <a:ea typeface="+mn-ea"/>
+                <a:cs typeface="+mn-cs"/>
+              </a:rPr>
+              <a:t> kann ein oder viele Posts verfasst haben =&gt; Array von Posts als Feldtyp</a:t>
+            </a:r>
+          </a:p>
+          <a:p>
+            <a:endParaRPr lang="de-DE" dirty="0"/>
           </a:p>
         </p:txBody>
       </p:sp>
@@ -2526,7 +2527,7 @@
           <a:p>
             <a:fld id="{4951A4F0-27A8-4C6D-A90A-FB4CDD31FFC6}" type="slidenum">
               <a:rPr lang="de-DE" smtClean="0"/>
-              <a:t>29</a:t>
+              <a:t>26</a:t>
             </a:fld>
             <a:endParaRPr lang="de-DE"/>
           </a:p>
@@ -2535,7 +2536,7 @@
     </p:spTree>
     <p:extLst>
       <p:ext uri="{BB962C8B-B14F-4D97-AF65-F5344CB8AC3E}">
-        <p14:creationId xmlns:p14="http://schemas.microsoft.com/office/powerpoint/2010/main" val="590215556"/>
+        <p14:creationId xmlns:p14="http://schemas.microsoft.com/office/powerpoint/2010/main" val="1847234564"/>
       </p:ext>
     </p:extLst>
   </p:cSld>
@@ -2590,29 +2591,30 @@
           <a:lstStyle/>
           <a:p>
             <a:r>
+              <a:rPr lang="de-DE" dirty="0"/>
+              <a:t>Noch anpassen an </a:t>
+            </a:r>
+            <a:r>
               <a:rPr lang="de-DE" dirty="0" err="1"/>
-              <a:t>Passed</a:t>
+              <a:t>vorlage</a:t>
             </a:r>
             <a:r>
               <a:rPr lang="de-DE" dirty="0"/>
-              <a:t> </a:t>
+              <a:t> Siehe </a:t>
             </a:r>
             <a:r>
               <a:rPr lang="de-DE" dirty="0" err="1"/>
-              <a:t>by</a:t>
+              <a:t>skizze</a:t>
             </a:r>
             <a:r>
               <a:rPr lang="de-DE" dirty="0"/>
-              <a:t> </a:t>
+              <a:t> von </a:t>
             </a:r>
             <a:r>
               <a:rPr lang="de-DE" dirty="0" err="1"/>
-              <a:t>name</a:t>
-            </a:r>
-            <a:r>
-              <a:rPr lang="de-DE" dirty="0"/>
-              <a:t>, Argumente können zwingend oder optional sein.</a:t>
-            </a:r>
+              <a:t>matthias</a:t>
+            </a:r>
+            <a:endParaRPr lang="de-DE" dirty="0"/>
           </a:p>
         </p:txBody>
       </p:sp>
@@ -2633,7 +2635,7 @@
           <a:p>
             <a:fld id="{4951A4F0-27A8-4C6D-A90A-FB4CDD31FFC6}" type="slidenum">
               <a:rPr lang="de-DE" smtClean="0"/>
-              <a:t>30</a:t>
+              <a:t>27</a:t>
             </a:fld>
             <a:endParaRPr lang="de-DE"/>
           </a:p>
@@ -2642,7 +2644,7 @@
     </p:spTree>
     <p:extLst>
       <p:ext uri="{BB962C8B-B14F-4D97-AF65-F5344CB8AC3E}">
-        <p14:creationId xmlns:p14="http://schemas.microsoft.com/office/powerpoint/2010/main" val="3150571078"/>
+        <p14:creationId xmlns:p14="http://schemas.microsoft.com/office/powerpoint/2010/main" val="4182998493"/>
       </p:ext>
     </p:extLst>
   </p:cSld>
@@ -2698,25 +2700,27 @@
           <a:p>
             <a:r>
               <a:rPr lang="de-DE" dirty="0" err="1"/>
-              <a:t>Mutations</a:t>
+              <a:t>Passed</a:t>
             </a:r>
             <a:r>
               <a:rPr lang="de-DE" dirty="0"/>
-              <a:t> werden benutzt um Daten zu erstellen, upzudaten, oder zu löschen</a:t>
-            </a:r>
-          </a:p>
-          <a:p>
+              <a:t> </a:t>
+            </a:r>
+            <a:r>
+              <a:rPr lang="de-DE" dirty="0" err="1"/>
+              <a:t>by</a:t>
+            </a:r>
             <a:r>
               <a:rPr lang="de-DE" dirty="0"/>
-              <a:t>Mehrere </a:t>
+              <a:t> </a:t>
             </a:r>
             <a:r>
               <a:rPr lang="de-DE" dirty="0" err="1"/>
-              <a:t>Mutations</a:t>
+              <a:t>name</a:t>
             </a:r>
             <a:r>
               <a:rPr lang="de-DE" dirty="0"/>
-              <a:t> können mit einem einzigen Request gesendet werden. Sie werden vom Server sequentiell, also in der Reihenfolge wie sie definiert wurden, abgearbeitet.</a:t>
+              <a:t>, Argumente können zwingend oder optional sein. Reihenfolge ist irrelevant in der Query</a:t>
             </a:r>
           </a:p>
         </p:txBody>
@@ -2738,7 +2742,7 @@
           <a:p>
             <a:fld id="{4951A4F0-27A8-4C6D-A90A-FB4CDD31FFC6}" type="slidenum">
               <a:rPr lang="de-DE" smtClean="0"/>
-              <a:t>31</a:t>
+              <a:t>28</a:t>
             </a:fld>
             <a:endParaRPr lang="de-DE"/>
           </a:p>
@@ -2747,7 +2751,7 @@
     </p:spTree>
     <p:extLst>
       <p:ext uri="{BB962C8B-B14F-4D97-AF65-F5344CB8AC3E}">
-        <p14:creationId xmlns:p14="http://schemas.microsoft.com/office/powerpoint/2010/main" val="2770499957"/>
+        <p14:creationId xmlns:p14="http://schemas.microsoft.com/office/powerpoint/2010/main" val="3211781086"/>
       </p:ext>
     </p:extLst>
   </p:cSld>
@@ -2803,11 +2807,27 @@
           <a:p>
             <a:r>
               <a:rPr lang="de-DE" dirty="0" err="1"/>
-              <a:t>InputTypes</a:t>
+              <a:t>Passed</a:t>
             </a:r>
             <a:r>
               <a:rPr lang="de-DE" dirty="0"/>
-              <a:t> notwendig, da bisher kennen  </a:t>
+              <a:t> </a:t>
+            </a:r>
+            <a:r>
+              <a:rPr lang="de-DE" dirty="0" err="1"/>
+              <a:t>by</a:t>
+            </a:r>
+            <a:r>
+              <a:rPr lang="de-DE" dirty="0"/>
+              <a:t> </a:t>
+            </a:r>
+            <a:r>
+              <a:rPr lang="de-DE" dirty="0" err="1"/>
+              <a:t>name</a:t>
+            </a:r>
+            <a:r>
+              <a:rPr lang="de-DE" dirty="0"/>
+              <a:t>, Argumente können zwingend oder optional sein.</a:t>
             </a:r>
           </a:p>
         </p:txBody>
@@ -2829,7 +2849,7 @@
           <a:p>
             <a:fld id="{4951A4F0-27A8-4C6D-A90A-FB4CDD31FFC6}" type="slidenum">
               <a:rPr lang="de-DE" smtClean="0"/>
-              <a:t>32</a:t>
+              <a:t>29</a:t>
             </a:fld>
             <a:endParaRPr lang="de-DE"/>
           </a:p>
@@ -2838,7 +2858,7 @@
     </p:spTree>
     <p:extLst>
       <p:ext uri="{BB962C8B-B14F-4D97-AF65-F5344CB8AC3E}">
-        <p14:creationId xmlns:p14="http://schemas.microsoft.com/office/powerpoint/2010/main" val="4248759428"/>
+        <p14:creationId xmlns:p14="http://schemas.microsoft.com/office/powerpoint/2010/main" val="590215556"/>
       </p:ext>
     </p:extLst>
   </p:cSld>
@@ -2893,20 +2913,8 @@
           <a:lstStyle/>
           <a:p>
             <a:r>
-              <a:rPr lang="de-DE" dirty="0"/>
-              <a:t>Im Gegensatz zu Rest verwendet </a:t>
-            </a:r>
-            <a:r>
               <a:rPr lang="de-DE" dirty="0" err="1"/>
-              <a:t>GraphQL</a:t>
-            </a:r>
-            <a:r>
-              <a:rPr lang="de-DE" dirty="0"/>
-              <a:t> nur einen HTTP Status code. Liefert im Fehlerfall also zum Beispiel keine 404 zurück. Das macht die die Fehlerbehandlung etwas komplexer, da kein direktes Feedback vom Server zurück kommt. Stattdessen wird eine Fehlermeldung in der </a:t>
-            </a:r>
-            <a:r>
-              <a:rPr lang="de-DE" dirty="0" err="1"/>
-              <a:t>Antwortjson</a:t>
+              <a:t>Passed</a:t>
             </a:r>
             <a:r>
               <a:rPr lang="de-DE" dirty="0"/>
@@ -2914,37 +2922,20 @@
             </a:r>
             <a:r>
               <a:rPr lang="de-DE" dirty="0" err="1"/>
-              <a:t>gewrappt</a:t>
+              <a:t>by</a:t>
             </a:r>
             <a:r>
               <a:rPr lang="de-DE" dirty="0"/>
-              <a:t> und es muss im </a:t>
+              <a:t> </a:t>
             </a:r>
             <a:r>
               <a:rPr lang="de-DE" dirty="0" err="1"/>
-              <a:t>client</a:t>
+              <a:t>name</a:t>
             </a:r>
             <a:r>
               <a:rPr lang="de-DE" dirty="0"/>
-              <a:t> entsprechend darauf reagiert werden</a:t>
-            </a:r>
-          </a:p>
-          <a:p>
-            <a:r>
-              <a:rPr lang="de-DE" dirty="0"/>
-              <a:t>Begründung, </a:t>
-            </a:r>
-            <a:r>
-              <a:rPr lang="de-DE" dirty="0" err="1"/>
-              <a:t>GraphQL</a:t>
-            </a:r>
-            <a:r>
-              <a:rPr lang="de-DE" dirty="0"/>
-              <a:t> ist ja Protokoll agnostisch, könnte theoretisch auch ohne http eingesetzt werden, deshalb kann auch nicht drauf eingegangen werden</a:t>
-            </a:r>
-          </a:p>
-          <a:p>
-            <a:endParaRPr lang="de-DE" dirty="0"/>
+              <a:t>, Argumente können zwingend oder optional sein.</a:t>
+            </a:r>
           </a:p>
         </p:txBody>
       </p:sp>
@@ -2965,7 +2956,7 @@
           <a:p>
             <a:fld id="{4951A4F0-27A8-4C6D-A90A-FB4CDD31FFC6}" type="slidenum">
               <a:rPr lang="de-DE" smtClean="0"/>
-              <a:t>41</a:t>
+              <a:t>30</a:t>
             </a:fld>
             <a:endParaRPr lang="de-DE"/>
           </a:p>
@@ -2974,7 +2965,7 @@
     </p:spTree>
     <p:extLst>
       <p:ext uri="{BB962C8B-B14F-4D97-AF65-F5344CB8AC3E}">
-        <p14:creationId xmlns:p14="http://schemas.microsoft.com/office/powerpoint/2010/main" val="2310014062"/>
+        <p14:creationId xmlns:p14="http://schemas.microsoft.com/office/powerpoint/2010/main" val="3150571078"/>
       </p:ext>
     </p:extLst>
   </p:cSld>
@@ -3029,6 +3020,338 @@
           <a:lstStyle/>
           <a:p>
             <a:r>
+              <a:rPr lang="de-DE" dirty="0" err="1"/>
+              <a:t>Mutations</a:t>
+            </a:r>
+            <a:r>
+              <a:rPr lang="de-DE" dirty="0"/>
+              <a:t> werden benutzt um Daten zu erstellen, upzudaten, oder zu löschen</a:t>
+            </a:r>
+          </a:p>
+          <a:p>
+            <a:r>
+              <a:rPr lang="de-DE" dirty="0"/>
+              <a:t>Mehrere </a:t>
+            </a:r>
+            <a:r>
+              <a:rPr lang="de-DE" dirty="0" err="1"/>
+              <a:t>Mutations</a:t>
+            </a:r>
+            <a:r>
+              <a:rPr lang="de-DE" dirty="0"/>
+              <a:t> können mit einem einzigen Request gesendet werden. Sie werden vom Server sequentiell, also in der Reihenfolge wie sie definiert wurden, abgearbeitet.</a:t>
+            </a:r>
+          </a:p>
+        </p:txBody>
+      </p:sp>
+      <p:sp>
+        <p:nvSpPr>
+          <p:cNvPr id="4" name="Foliennummernplatzhalter 3"/>
+          <p:cNvSpPr>
+            <a:spLocks noGrp="1"/>
+          </p:cNvSpPr>
+          <p:nvPr>
+            <p:ph type="sldNum" sz="quarter" idx="5"/>
+          </p:nvPr>
+        </p:nvSpPr>
+        <p:spPr/>
+        <p:txBody>
+          <a:bodyPr/>
+          <a:lstStyle/>
+          <a:p>
+            <a:fld id="{4951A4F0-27A8-4C6D-A90A-FB4CDD31FFC6}" type="slidenum">
+              <a:rPr lang="de-DE" smtClean="0"/>
+              <a:t>31</a:t>
+            </a:fld>
+            <a:endParaRPr lang="de-DE"/>
+          </a:p>
+        </p:txBody>
+      </p:sp>
+    </p:spTree>
+    <p:extLst>
+      <p:ext uri="{BB962C8B-B14F-4D97-AF65-F5344CB8AC3E}">
+        <p14:creationId xmlns:p14="http://schemas.microsoft.com/office/powerpoint/2010/main" val="2770499957"/>
+      </p:ext>
+    </p:extLst>
+  </p:cSld>
+  <p:clrMapOvr>
+    <a:masterClrMapping/>
+  </p:clrMapOvr>
+</p:notes>
+</file>
+
+<file path=ppt/notesSlides/notesSlide26.xml><?xml version="1.0" encoding="utf-8"?>
+<p:notes xmlns:a="http://schemas.openxmlformats.org/drawingml/2006/main" xmlns:r="http://schemas.openxmlformats.org/officeDocument/2006/relationships" xmlns:p="http://schemas.openxmlformats.org/presentationml/2006/main">
+  <p:cSld>
+    <p:spTree>
+      <p:nvGrpSpPr>
+        <p:cNvPr id="1" name=""/>
+        <p:cNvGrpSpPr/>
+        <p:nvPr/>
+      </p:nvGrpSpPr>
+      <p:grpSpPr>
+        <a:xfrm>
+          <a:off x="0" y="0"/>
+          <a:ext cx="0" cy="0"/>
+          <a:chOff x="0" y="0"/>
+          <a:chExt cx="0" cy="0"/>
+        </a:xfrm>
+      </p:grpSpPr>
+      <p:sp>
+        <p:nvSpPr>
+          <p:cNvPr id="2" name="Folienbildplatzhalter 1"/>
+          <p:cNvSpPr>
+            <a:spLocks noGrp="1" noRot="1" noChangeAspect="1"/>
+          </p:cNvSpPr>
+          <p:nvPr>
+            <p:ph type="sldImg"/>
+          </p:nvPr>
+        </p:nvSpPr>
+        <p:spPr/>
+      </p:sp>
+      <p:sp>
+        <p:nvSpPr>
+          <p:cNvPr id="3" name="Notizenplatzhalter 2"/>
+          <p:cNvSpPr>
+            <a:spLocks noGrp="1"/>
+          </p:cNvSpPr>
+          <p:nvPr>
+            <p:ph type="body" idx="1"/>
+          </p:nvPr>
+        </p:nvSpPr>
+        <p:spPr/>
+        <p:txBody>
+          <a:bodyPr/>
+          <a:lstStyle/>
+          <a:p>
+            <a:r>
+              <a:rPr lang="de-DE" dirty="0" err="1"/>
+              <a:t>InputTypes</a:t>
+            </a:r>
+            <a:r>
+              <a:rPr lang="de-DE" dirty="0"/>
+              <a:t> notwendig, da bisher kennen  </a:t>
+            </a:r>
+          </a:p>
+        </p:txBody>
+      </p:sp>
+      <p:sp>
+        <p:nvSpPr>
+          <p:cNvPr id="4" name="Foliennummernplatzhalter 3"/>
+          <p:cNvSpPr>
+            <a:spLocks noGrp="1"/>
+          </p:cNvSpPr>
+          <p:nvPr>
+            <p:ph type="sldNum" sz="quarter" idx="5"/>
+          </p:nvPr>
+        </p:nvSpPr>
+        <p:spPr/>
+        <p:txBody>
+          <a:bodyPr/>
+          <a:lstStyle/>
+          <a:p>
+            <a:fld id="{4951A4F0-27A8-4C6D-A90A-FB4CDD31FFC6}" type="slidenum">
+              <a:rPr lang="de-DE" smtClean="0"/>
+              <a:t>32</a:t>
+            </a:fld>
+            <a:endParaRPr lang="de-DE"/>
+          </a:p>
+        </p:txBody>
+      </p:sp>
+    </p:spTree>
+    <p:extLst>
+      <p:ext uri="{BB962C8B-B14F-4D97-AF65-F5344CB8AC3E}">
+        <p14:creationId xmlns:p14="http://schemas.microsoft.com/office/powerpoint/2010/main" val="4248759428"/>
+      </p:ext>
+    </p:extLst>
+  </p:cSld>
+  <p:clrMapOvr>
+    <a:masterClrMapping/>
+  </p:clrMapOvr>
+</p:notes>
+</file>
+
+<file path=ppt/notesSlides/notesSlide27.xml><?xml version="1.0" encoding="utf-8"?>
+<p:notes xmlns:a="http://schemas.openxmlformats.org/drawingml/2006/main" xmlns:r="http://schemas.openxmlformats.org/officeDocument/2006/relationships" xmlns:p="http://schemas.openxmlformats.org/presentationml/2006/main">
+  <p:cSld>
+    <p:spTree>
+      <p:nvGrpSpPr>
+        <p:cNvPr id="1" name=""/>
+        <p:cNvGrpSpPr/>
+        <p:nvPr/>
+      </p:nvGrpSpPr>
+      <p:grpSpPr>
+        <a:xfrm>
+          <a:off x="0" y="0"/>
+          <a:ext cx="0" cy="0"/>
+          <a:chOff x="0" y="0"/>
+          <a:chExt cx="0" cy="0"/>
+        </a:xfrm>
+      </p:grpSpPr>
+      <p:sp>
+        <p:nvSpPr>
+          <p:cNvPr id="2" name="Folienbildplatzhalter 1"/>
+          <p:cNvSpPr>
+            <a:spLocks noGrp="1" noRot="1" noChangeAspect="1"/>
+          </p:cNvSpPr>
+          <p:nvPr>
+            <p:ph type="sldImg"/>
+          </p:nvPr>
+        </p:nvSpPr>
+        <p:spPr/>
+      </p:sp>
+      <p:sp>
+        <p:nvSpPr>
+          <p:cNvPr id="3" name="Notizenplatzhalter 2"/>
+          <p:cNvSpPr>
+            <a:spLocks noGrp="1"/>
+          </p:cNvSpPr>
+          <p:nvPr>
+            <p:ph type="body" idx="1"/>
+          </p:nvPr>
+        </p:nvSpPr>
+        <p:spPr/>
+        <p:txBody>
+          <a:bodyPr/>
+          <a:lstStyle/>
+          <a:p>
+            <a:r>
+              <a:rPr lang="de-DE" dirty="0"/>
+              <a:t>Im Gegensatz zu Rest verwendet </a:t>
+            </a:r>
+            <a:r>
+              <a:rPr lang="de-DE" dirty="0" err="1"/>
+              <a:t>GraphQL</a:t>
+            </a:r>
+            <a:r>
+              <a:rPr lang="de-DE" dirty="0"/>
+              <a:t> nur einen HTTP Status code. Liefert im Fehlerfall also zum Beispiel keine 404 zurück. Das macht die die Fehlerbehandlung etwas komplexer, da kein direktes Feedback vom Server zurück kommt. Stattdessen wird eine Fehlermeldung in der </a:t>
+            </a:r>
+            <a:r>
+              <a:rPr lang="de-DE" dirty="0" err="1"/>
+              <a:t>Antwortjson</a:t>
+            </a:r>
+            <a:r>
+              <a:rPr lang="de-DE" dirty="0"/>
+              <a:t> </a:t>
+            </a:r>
+            <a:r>
+              <a:rPr lang="de-DE" dirty="0" err="1"/>
+              <a:t>gewrappt</a:t>
+            </a:r>
+            <a:r>
+              <a:rPr lang="de-DE" dirty="0"/>
+              <a:t> und es muss im </a:t>
+            </a:r>
+            <a:r>
+              <a:rPr lang="de-DE" dirty="0" err="1"/>
+              <a:t>client</a:t>
+            </a:r>
+            <a:r>
+              <a:rPr lang="de-DE" dirty="0"/>
+              <a:t> entsprechend darauf reagiert werden</a:t>
+            </a:r>
+          </a:p>
+          <a:p>
+            <a:r>
+              <a:rPr lang="de-DE" dirty="0"/>
+              <a:t>Begründung, </a:t>
+            </a:r>
+            <a:r>
+              <a:rPr lang="de-DE" dirty="0" err="1"/>
+              <a:t>GraphQL</a:t>
+            </a:r>
+            <a:r>
+              <a:rPr lang="de-DE" dirty="0"/>
+              <a:t> ist ja Protokoll agnostisch, könnte theoretisch auch ohne http eingesetzt werden, deshalb kann auch nicht drauf eingegangen werden</a:t>
+            </a:r>
+          </a:p>
+          <a:p>
+            <a:endParaRPr lang="de-DE" dirty="0"/>
+          </a:p>
+        </p:txBody>
+      </p:sp>
+      <p:sp>
+        <p:nvSpPr>
+          <p:cNvPr id="4" name="Foliennummernplatzhalter 3"/>
+          <p:cNvSpPr>
+            <a:spLocks noGrp="1"/>
+          </p:cNvSpPr>
+          <p:nvPr>
+            <p:ph type="sldNum" sz="quarter" idx="5"/>
+          </p:nvPr>
+        </p:nvSpPr>
+        <p:spPr/>
+        <p:txBody>
+          <a:bodyPr/>
+          <a:lstStyle/>
+          <a:p>
+            <a:fld id="{4951A4F0-27A8-4C6D-A90A-FB4CDD31FFC6}" type="slidenum">
+              <a:rPr lang="de-DE" smtClean="0"/>
+              <a:t>41</a:t>
+            </a:fld>
+            <a:endParaRPr lang="de-DE"/>
+          </a:p>
+        </p:txBody>
+      </p:sp>
+    </p:spTree>
+    <p:extLst>
+      <p:ext uri="{BB962C8B-B14F-4D97-AF65-F5344CB8AC3E}">
+        <p14:creationId xmlns:p14="http://schemas.microsoft.com/office/powerpoint/2010/main" val="2310014062"/>
+      </p:ext>
+    </p:extLst>
+  </p:cSld>
+  <p:clrMapOvr>
+    <a:masterClrMapping/>
+  </p:clrMapOvr>
+</p:notes>
+</file>
+
+<file path=ppt/notesSlides/notesSlide28.xml><?xml version="1.0" encoding="utf-8"?>
+<p:notes xmlns:a="http://schemas.openxmlformats.org/drawingml/2006/main" xmlns:r="http://schemas.openxmlformats.org/officeDocument/2006/relationships" xmlns:p="http://schemas.openxmlformats.org/presentationml/2006/main">
+  <p:cSld>
+    <p:spTree>
+      <p:nvGrpSpPr>
+        <p:cNvPr id="1" name=""/>
+        <p:cNvGrpSpPr/>
+        <p:nvPr/>
+      </p:nvGrpSpPr>
+      <p:grpSpPr>
+        <a:xfrm>
+          <a:off x="0" y="0"/>
+          <a:ext cx="0" cy="0"/>
+          <a:chOff x="0" y="0"/>
+          <a:chExt cx="0" cy="0"/>
+        </a:xfrm>
+      </p:grpSpPr>
+      <p:sp>
+        <p:nvSpPr>
+          <p:cNvPr id="2" name="Folienbildplatzhalter 1"/>
+          <p:cNvSpPr>
+            <a:spLocks noGrp="1" noRot="1" noChangeAspect="1"/>
+          </p:cNvSpPr>
+          <p:nvPr>
+            <p:ph type="sldImg"/>
+          </p:nvPr>
+        </p:nvSpPr>
+        <p:spPr/>
+      </p:sp>
+      <p:sp>
+        <p:nvSpPr>
+          <p:cNvPr id="3" name="Notizenplatzhalter 2"/>
+          <p:cNvSpPr>
+            <a:spLocks noGrp="1"/>
+          </p:cNvSpPr>
+          <p:nvPr>
+            <p:ph type="body" idx="1"/>
+          </p:nvPr>
+        </p:nvSpPr>
+        <p:spPr/>
+        <p:txBody>
+          <a:bodyPr/>
+          <a:lstStyle/>
+          <a:p>
+            <a:r>
               <a:rPr lang="de-DE" dirty="0"/>
               <a:t>Im Gegensatz zu Rest verwendet </a:t>
             </a:r>
@@ -3120,7 +3443,7 @@
 </p:notes>
 </file>
 
-<file path=ppt/notesSlides/notesSlide26.xml><?xml version="1.0" encoding="utf-8"?>
+<file path=ppt/notesSlides/notesSlide29.xml><?xml version="1.0" encoding="utf-8"?>
 <p:notes xmlns:a="http://schemas.openxmlformats.org/drawingml/2006/main" xmlns:r="http://schemas.openxmlformats.org/officeDocument/2006/relationships" xmlns:p="http://schemas.openxmlformats.org/presentationml/2006/main">
   <p:cSld>
     <p:spTree>
@@ -3452,15 +3775,7 @@
             </a:r>
             <a:r>
               <a:rPr lang="de-DE" dirty="0"/>
-              <a:t> hat bisher einen größeren </a:t>
-            </a:r>
-            <a:r>
-              <a:rPr lang="de-DE" dirty="0" err="1"/>
-              <a:t>Bekannheitsgrad</a:t>
-            </a:r>
-            <a:r>
-              <a:rPr lang="de-DE" dirty="0"/>
-              <a:t> und Akzeptanz erreicht</a:t>
+              <a:t> hat bisher einen größeren Bekanntheitsgrad und Akzeptanz erreicht</a:t>
             </a:r>
           </a:p>
           <a:p>
@@ -3551,6 +3866,14 @@
           <a:bodyPr/>
           <a:lstStyle/>
           <a:p>
+            <a:r>
+              <a:rPr lang="de-DE" dirty="0"/>
+              <a:t>Repository Statistiken von </a:t>
+            </a:r>
+            <a:r>
+              <a:rPr lang="de-DE" dirty="0" err="1"/>
+              <a:t>graphql-js</a:t>
+            </a:r>
             <a:endParaRPr lang="de-DE" dirty="0"/>
           </a:p>
         </p:txBody>
@@ -3572,7 +3895,7 @@
           <a:p>
             <a:fld id="{4951A4F0-27A8-4C6D-A90A-FB4CDD31FFC6}" type="slidenum">
               <a:rPr lang="de-DE" smtClean="0"/>
-              <a:t>8</a:t>
+              <a:t>7</a:t>
             </a:fld>
             <a:endParaRPr lang="de-DE"/>
           </a:p>
@@ -3581,7 +3904,7 @@
     </p:spTree>
     <p:extLst>
       <p:ext uri="{BB962C8B-B14F-4D97-AF65-F5344CB8AC3E}">
-        <p14:creationId xmlns:p14="http://schemas.microsoft.com/office/powerpoint/2010/main" val="3721812299"/>
+        <p14:creationId xmlns:p14="http://schemas.microsoft.com/office/powerpoint/2010/main" val="2533391509"/>
       </p:ext>
     </p:extLst>
   </p:cSld>
@@ -3635,64 +3958,7 @@
           <a:bodyPr/>
           <a:lstStyle/>
           <a:p>
-            <a:r>
-              <a:rPr lang="de-DE" dirty="0" err="1"/>
-              <a:t>Author</a:t>
-            </a:r>
-            <a:r>
-              <a:rPr lang="de-DE" dirty="0"/>
-              <a:t> = </a:t>
-            </a:r>
-            <a:r>
-              <a:rPr lang="de-DE" dirty="0" err="1"/>
-              <a:t>Object</a:t>
-            </a:r>
-            <a:r>
-              <a:rPr lang="de-DE" dirty="0"/>
-              <a:t> Type =&gt; Typ mit einem oder mehreren Datenfeldern. Kommt am Häufigsten in einem Schema vor</a:t>
-            </a:r>
-          </a:p>
-          <a:p>
-            <a:r>
-              <a:rPr lang="de-DE" dirty="0"/>
-              <a:t>Name = Feld des </a:t>
-            </a:r>
-            <a:r>
-              <a:rPr lang="de-DE" dirty="0" err="1"/>
-              <a:t>Author</a:t>
-            </a:r>
-            <a:r>
-              <a:rPr lang="de-DE" dirty="0"/>
-              <a:t> Typs</a:t>
-            </a:r>
-          </a:p>
-          <a:p>
-            <a:r>
-              <a:rPr lang="de-DE" dirty="0"/>
-              <a:t>String = einer der eingebauten Scalar Typen von </a:t>
-            </a:r>
-            <a:r>
-              <a:rPr lang="de-DE" dirty="0" err="1"/>
-              <a:t>GraphQL</a:t>
-            </a:r>
-            <a:r>
-              <a:rPr lang="de-DE" dirty="0"/>
-              <a:t>, können keine Unterselektion mehr besitzen und lösen sich zu einem einzigen Wert auf</a:t>
-            </a:r>
-          </a:p>
-          <a:p>
-            <a:r>
-              <a:rPr lang="de-DE" dirty="0"/>
-              <a:t>! = Das Feld ist nicht </a:t>
-            </a:r>
-            <a:r>
-              <a:rPr lang="de-DE" dirty="0" err="1"/>
-              <a:t>nullable</a:t>
-            </a:r>
-            <a:r>
-              <a:rPr lang="de-DE" dirty="0"/>
-              <a:t> =&gt; Server verspricht immer einen Wert zurück zu liefern</a:t>
-            </a:r>
+            <a:endParaRPr lang="de-DE" dirty="0"/>
           </a:p>
         </p:txBody>
       </p:sp>
@@ -3713,7 +3979,7 @@
           <a:p>
             <a:fld id="{4951A4F0-27A8-4C6D-A90A-FB4CDD31FFC6}" type="slidenum">
               <a:rPr lang="de-DE" smtClean="0"/>
-              <a:t>16</a:t>
+              <a:t>8</a:t>
             </a:fld>
             <a:endParaRPr lang="de-DE"/>
           </a:p>
@@ -3722,7 +3988,7 @@
     </p:spTree>
     <p:extLst>
       <p:ext uri="{BB962C8B-B14F-4D97-AF65-F5344CB8AC3E}">
-        <p14:creationId xmlns:p14="http://schemas.microsoft.com/office/powerpoint/2010/main" val="1518922089"/>
+        <p14:creationId xmlns:p14="http://schemas.microsoft.com/office/powerpoint/2010/main" val="3721812299"/>
       </p:ext>
     </p:extLst>
   </p:cSld>
@@ -3777,62 +4043,8 @@
           <a:lstStyle/>
           <a:p>
             <a:r>
-              <a:rPr lang="de-DE" dirty="0" err="1"/>
-              <a:t>Author</a:t>
-            </a:r>
-            <a:r>
               <a:rPr lang="de-DE" dirty="0"/>
-              <a:t> = </a:t>
-            </a:r>
-            <a:r>
-              <a:rPr lang="de-DE" dirty="0" err="1"/>
-              <a:t>Object</a:t>
-            </a:r>
-            <a:r>
-              <a:rPr lang="de-DE" dirty="0"/>
-              <a:t> Type =&gt; Typ mit einem oder mehreren Datenfeldern. Kommt am Häufigsten in einem Schema vor</a:t>
-            </a:r>
-          </a:p>
-          <a:p>
-            <a:r>
-              <a:rPr lang="de-DE" dirty="0"/>
-              <a:t>Name = Feld des </a:t>
-            </a:r>
-            <a:r>
-              <a:rPr lang="de-DE" dirty="0" err="1"/>
-              <a:t>Author</a:t>
-            </a:r>
-            <a:r>
-              <a:rPr lang="de-DE" dirty="0"/>
-              <a:t> Typs</a:t>
-            </a:r>
-          </a:p>
-          <a:p>
-            <a:r>
-              <a:rPr lang="de-DE" dirty="0"/>
-              <a:t>String = einer der eingebauten Scalar Typen von </a:t>
-            </a:r>
-            <a:r>
-              <a:rPr lang="de-DE" dirty="0" err="1"/>
-              <a:t>GraphQL</a:t>
-            </a:r>
-            <a:r>
-              <a:rPr lang="de-DE" dirty="0"/>
-              <a:t>, können keine Unterselektion mehr besitzen und lösen sich zu einem einzigen Wert auf</a:t>
-            </a:r>
-          </a:p>
-          <a:p>
-            <a:r>
-              <a:rPr lang="de-DE" dirty="0"/>
-              <a:t>! = Das Feld ist nicht </a:t>
-            </a:r>
-            <a:r>
-              <a:rPr lang="de-DE" dirty="0" err="1"/>
-              <a:t>nullable</a:t>
-            </a:r>
-            <a:r>
-              <a:rPr lang="de-DE" dirty="0"/>
-              <a:t> =&gt; Server verspricht immer einen Wert zurück zu liefern</a:t>
+              <a:t>WAS möchte die Query abfragen? Beinhaltet also die Auswahl an Feldern, die die Query abfragen möchte</a:t>
             </a:r>
           </a:p>
         </p:txBody>
@@ -3854,7 +4066,7 @@
           <a:p>
             <a:fld id="{4951A4F0-27A8-4C6D-A90A-FB4CDD31FFC6}" type="slidenum">
               <a:rPr lang="de-DE" smtClean="0"/>
-              <a:t>17</a:t>
+              <a:t>11</a:t>
             </a:fld>
             <a:endParaRPr lang="de-DE"/>
           </a:p>
@@ -3863,7 +4075,7 @@
     </p:spTree>
     <p:extLst>
       <p:ext uri="{BB962C8B-B14F-4D97-AF65-F5344CB8AC3E}">
-        <p14:creationId xmlns:p14="http://schemas.microsoft.com/office/powerpoint/2010/main" val="2053084685"/>
+        <p14:creationId xmlns:p14="http://schemas.microsoft.com/office/powerpoint/2010/main" val="2484616415"/>
       </p:ext>
     </p:extLst>
   </p:cSld>
@@ -3919,61 +4131,47 @@
           <a:p>
             <a:r>
               <a:rPr lang="de-DE" dirty="0" err="1"/>
-              <a:t>Author</a:t>
+              <a:t>Selection</a:t>
             </a:r>
             <a:r>
               <a:rPr lang="de-DE" dirty="0"/>
-              <a:t> = </a:t>
+              <a:t> Set setzt sich hauptsächlich aus Feldern zusammen. Feld beschreibt einen </a:t>
             </a:r>
             <a:r>
               <a:rPr lang="de-DE" dirty="0" err="1"/>
-              <a:t>Object</a:t>
+              <a:t>einen</a:t>
             </a:r>
             <a:r>
               <a:rPr lang="de-DE" dirty="0"/>
-              <a:t> Type =&gt; Typ mit einem oder mehreren Datenfeldern. Kommt am Häufigsten in einem Schema vor</a:t>
-            </a:r>
-          </a:p>
-          <a:p>
+              <a:t> konkreten Teil einer Information die für die Abfrage in diesem </a:t>
+            </a:r>
+            <a:r>
+              <a:rPr lang="de-DE" dirty="0" err="1"/>
+              <a:t>Selection</a:t>
+            </a:r>
             <a:r>
               <a:rPr lang="de-DE" dirty="0"/>
-              <a:t>Name = Feld des </a:t>
+              <a:t> Set verfügbar ist.</a:t>
+            </a:r>
+          </a:p>
+          <a:p>
+            <a:r>
+              <a:rPr lang="de-DE" dirty="0"/>
+              <a:t>Felder können wiederum </a:t>
             </a:r>
             <a:r>
               <a:rPr lang="de-DE" dirty="0" err="1"/>
-              <a:t>Author</a:t>
+              <a:t>Selection</a:t>
             </a:r>
             <a:r>
               <a:rPr lang="de-DE" dirty="0"/>
-              <a:t> Typs</a:t>
+              <a:t> Sets beinhalten um komplexe Datentypen oder Beziehungen zwischen Datentypen zu beschreiben.</a:t>
             </a:r>
           </a:p>
           <a:p>
             <a:r>
               <a:rPr lang="de-DE" dirty="0"/>
-              <a:t>String = einer der eingebauten Scalar Typen von </a:t>
-            </a:r>
-            <a:r>
-              <a:rPr lang="de-DE" dirty="0" err="1"/>
-              <a:t>GraphQL</a:t>
-            </a:r>
-            <a:r>
-              <a:rPr lang="de-DE" dirty="0"/>
-              <a:t>, können keine Unterselektion mehr besitzen und lösen sich zu einem einzigen Wert auf</a:t>
-            </a:r>
-          </a:p>
-          <a:p>
-            <a:r>
-              <a:rPr lang="de-DE" dirty="0"/>
-              <a:t>! = Das Feld ist nicht </a:t>
-            </a:r>
-            <a:r>
-              <a:rPr lang="de-DE" dirty="0" err="1"/>
-              <a:t>nullable</a:t>
-            </a:r>
-            <a:r>
-              <a:rPr lang="de-DE" dirty="0"/>
-              <a:t> =&gt; Server verspricht immer einen Wert zurück zu liefern</a:t>
+              <a:t>Wichtig: Alle Operationen müssen bis auf skalare Felder aufgeschlüsselt werden</a:t>
             </a:r>
           </a:p>
         </p:txBody>
@@ -3995,7 +4193,7 @@
           <a:p>
             <a:fld id="{4951A4F0-27A8-4C6D-A90A-FB4CDD31FFC6}" type="slidenum">
               <a:rPr lang="de-DE" smtClean="0"/>
-              <a:t>18</a:t>
+              <a:t>12</a:t>
             </a:fld>
             <a:endParaRPr lang="de-DE"/>
           </a:p>
@@ -4004,7 +4202,7 @@
     </p:spTree>
     <p:extLst>
       <p:ext uri="{BB962C8B-B14F-4D97-AF65-F5344CB8AC3E}">
-        <p14:creationId xmlns:p14="http://schemas.microsoft.com/office/powerpoint/2010/main" val="3704860397"/>
+        <p14:creationId xmlns:p14="http://schemas.microsoft.com/office/powerpoint/2010/main" val="1608211211"/>
       </p:ext>
     </p:extLst>
   </p:cSld>
@@ -4161,7 +4359,7 @@
           <a:p>
             <a:fld id="{3A538C34-53B0-4EA9-8596-22F17B12308D}" type="datetimeFigureOut">
               <a:rPr lang="de-DE" smtClean="0"/>
-              <a:t>20.06.2019</a:t>
+              <a:t>23.06.2019</a:t>
             </a:fld>
             <a:endParaRPr lang="de-DE"/>
           </a:p>
@@ -4359,7 +4557,7 @@
           <a:p>
             <a:fld id="{3A538C34-53B0-4EA9-8596-22F17B12308D}" type="datetimeFigureOut">
               <a:rPr lang="de-DE" smtClean="0"/>
-              <a:t>20.06.2019</a:t>
+              <a:t>23.06.2019</a:t>
             </a:fld>
             <a:endParaRPr lang="de-DE"/>
           </a:p>
@@ -4567,7 +4765,7 @@
           <a:p>
             <a:fld id="{3A538C34-53B0-4EA9-8596-22F17B12308D}" type="datetimeFigureOut">
               <a:rPr lang="de-DE" smtClean="0"/>
-              <a:t>20.06.2019</a:t>
+              <a:t>23.06.2019</a:t>
             </a:fld>
             <a:endParaRPr lang="de-DE"/>
           </a:p>
@@ -4765,7 +4963,7 @@
           <a:p>
             <a:fld id="{3A538C34-53B0-4EA9-8596-22F17B12308D}" type="datetimeFigureOut">
               <a:rPr lang="de-DE" smtClean="0"/>
-              <a:t>20.06.2019</a:t>
+              <a:t>23.06.2019</a:t>
             </a:fld>
             <a:endParaRPr lang="de-DE"/>
           </a:p>
@@ -5040,7 +5238,7 @@
           <a:p>
             <a:fld id="{3A538C34-53B0-4EA9-8596-22F17B12308D}" type="datetimeFigureOut">
               <a:rPr lang="de-DE" smtClean="0"/>
-              <a:t>20.06.2019</a:t>
+              <a:t>23.06.2019</a:t>
             </a:fld>
             <a:endParaRPr lang="de-DE"/>
           </a:p>
@@ -5305,7 +5503,7 @@
           <a:p>
             <a:fld id="{3A538C34-53B0-4EA9-8596-22F17B12308D}" type="datetimeFigureOut">
               <a:rPr lang="de-DE" smtClean="0"/>
-              <a:t>20.06.2019</a:t>
+              <a:t>23.06.2019</a:t>
             </a:fld>
             <a:endParaRPr lang="de-DE"/>
           </a:p>
@@ -5717,7 +5915,7 @@
           <a:p>
             <a:fld id="{3A538C34-53B0-4EA9-8596-22F17B12308D}" type="datetimeFigureOut">
               <a:rPr lang="de-DE" smtClean="0"/>
-              <a:t>20.06.2019</a:t>
+              <a:t>23.06.2019</a:t>
             </a:fld>
             <a:endParaRPr lang="de-DE"/>
           </a:p>
@@ -5858,7 +6056,7 @@
           <a:p>
             <a:fld id="{3A538C34-53B0-4EA9-8596-22F17B12308D}" type="datetimeFigureOut">
               <a:rPr lang="de-DE" smtClean="0"/>
-              <a:t>20.06.2019</a:t>
+              <a:t>23.06.2019</a:t>
             </a:fld>
             <a:endParaRPr lang="de-DE"/>
           </a:p>
@@ -5971,7 +6169,7 @@
           <a:p>
             <a:fld id="{3A538C34-53B0-4EA9-8596-22F17B12308D}" type="datetimeFigureOut">
               <a:rPr lang="de-DE" smtClean="0"/>
-              <a:t>20.06.2019</a:t>
+              <a:t>23.06.2019</a:t>
             </a:fld>
             <a:endParaRPr lang="de-DE"/>
           </a:p>
@@ -6282,7 +6480,7 @@
           <a:p>
             <a:fld id="{3A538C34-53B0-4EA9-8596-22F17B12308D}" type="datetimeFigureOut">
               <a:rPr lang="de-DE" smtClean="0"/>
-              <a:t>20.06.2019</a:t>
+              <a:t>23.06.2019</a:t>
             </a:fld>
             <a:endParaRPr lang="de-DE"/>
           </a:p>
@@ -6570,7 +6768,7 @@
           <a:p>
             <a:fld id="{3A538C34-53B0-4EA9-8596-22F17B12308D}" type="datetimeFigureOut">
               <a:rPr lang="de-DE" smtClean="0"/>
-              <a:t>20.06.2019</a:t>
+              <a:t>23.06.2019</a:t>
             </a:fld>
             <a:endParaRPr lang="de-DE"/>
           </a:p>
@@ -6811,7 +7009,7 @@
           <a:p>
             <a:fld id="{3A538C34-53B0-4EA9-8596-22F17B12308D}" type="datetimeFigureOut">
               <a:rPr lang="de-DE" smtClean="0"/>
-              <a:t>20.06.2019</a:t>
+              <a:t>23.06.2019</a:t>
             </a:fld>
             <a:endParaRPr lang="de-DE"/>
           </a:p>
@@ -7257,7 +7455,7 @@
                 <a14:useLocalDpi xmlns:a14="http://schemas.microsoft.com/office/drawing/2010/main" val="0"/>
               </a:ext>
               <a:ext uri="{96DAC541-7B7A-43D3-8B79-37D633B846F1}">
-                <asvg:svgBlip xmlns:asvg="http://schemas.microsoft.com/office/drawing/2016/SVG/main" xmlns="" r:embed="rId4"/>
+                <asvg:svgBlip xmlns:asvg="http://schemas.microsoft.com/office/drawing/2016/SVG/main" r:embed="rId4"/>
               </a:ext>
             </a:extLst>
           </a:blip>
@@ -7398,13 +7596,6 @@
   <p:clrMapOvr>
     <a:masterClrMapping/>
   </p:clrMapOvr>
-  <p:timing>
-    <p:tnLst>
-      <p:par>
-        <p:cTn id="1" dur="indefinite" restart="never" nodeType="tmRoot"/>
-      </p:par>
-    </p:tnLst>
-  </p:timing>
 </p:sld>
 </file>
 
@@ -7578,7 +7769,7 @@
               <a:defRPr/>
             </a:pPr>
             <a:r>
-              <a:rPr kumimoji="0" lang="en-US" sz="1800" b="0" i="0" u="none" strike="noStrike" kern="1200" cap="none" spc="0" normalizeH="0" baseline="0" noProof="0">
+              <a:rPr kumimoji="0" lang="en-US" sz="1800" b="0" i="0" u="none" strike="noStrike" kern="1200" cap="none" spc="0" normalizeH="0" baseline="0" noProof="0" dirty="0">
                 <a:ln>
                   <a:noFill/>
                 </a:ln>
@@ -7635,25 +7826,6 @@
               <a:defRPr/>
             </a:pPr>
             <a:r>
-              <a:rPr kumimoji="0" lang="en-US" sz="1800" b="0" i="0" u="none" strike="noStrike" kern="1200" cap="none" spc="0" normalizeH="0" baseline="0" noProof="0">
-                <a:ln>
-                  <a:noFill/>
-                </a:ln>
-                <a:solidFill>
-                  <a:schemeClr val="bg2">
-                    <a:lumMod val="75000"/>
-                  </a:schemeClr>
-                </a:solidFill>
-                <a:effectLst/>
-                <a:uLnTx/>
-                <a:uFillTx/>
-                <a:latin typeface="Fira Code" panose="020B0509050000020004" pitchFamily="49" charset="0"/>
-                <a:ea typeface="+mn-ea"/>
-                <a:cs typeface="+mn-cs"/>
-              </a:rPr>
-              <a:t>    </a:t>
-            </a:r>
-            <a:r>
               <a:rPr kumimoji="0" lang="en-US" sz="1800" b="0" i="0" u="none" strike="noStrike" kern="1200" cap="none" spc="0" normalizeH="0" baseline="0" noProof="0" dirty="0">
                 <a:ln>
                   <a:noFill/>
@@ -7670,7 +7842,7 @@
                 <a:ea typeface="+mn-ea"/>
                 <a:cs typeface="+mn-cs"/>
               </a:rPr>
-              <a:t>title</a:t>
+              <a:t>    title</a:t>
             </a:r>
           </a:p>
           <a:p>
@@ -7692,25 +7864,6 @@
               <a:defRPr/>
             </a:pPr>
             <a:r>
-              <a:rPr kumimoji="0" lang="en-US" sz="1800" b="0" i="0" u="none" strike="noStrike" kern="1200" cap="none" spc="0" normalizeH="0" baseline="0" noProof="0">
-                <a:ln>
-                  <a:noFill/>
-                </a:ln>
-                <a:solidFill>
-                  <a:schemeClr val="bg2">
-                    <a:lumMod val="75000"/>
-                  </a:schemeClr>
-                </a:solidFill>
-                <a:effectLst/>
-                <a:uLnTx/>
-                <a:uFillTx/>
-                <a:latin typeface="Fira Code" panose="020B0509050000020004" pitchFamily="49" charset="0"/>
-                <a:ea typeface="+mn-ea"/>
-                <a:cs typeface="+mn-cs"/>
-              </a:rPr>
-              <a:t>    </a:t>
-            </a:r>
-            <a:r>
               <a:rPr kumimoji="0" lang="en-US" sz="1800" b="0" i="0" u="none" strike="noStrike" kern="1200" cap="none" spc="0" normalizeH="0" baseline="0" noProof="0" dirty="0">
                 <a:ln>
                   <a:noFill/>
@@ -7727,7 +7880,7 @@
                 <a:ea typeface="+mn-ea"/>
                 <a:cs typeface="+mn-cs"/>
               </a:rPr>
-              <a:t>content</a:t>
+              <a:t>    content</a:t>
             </a:r>
           </a:p>
           <a:p>
@@ -7749,25 +7902,6 @@
               <a:defRPr/>
             </a:pPr>
             <a:r>
-              <a:rPr kumimoji="0" lang="en-US" sz="1800" b="0" i="0" u="none" strike="noStrike" kern="1200" cap="none" spc="0" normalizeH="0" baseline="0" noProof="0">
-                <a:ln>
-                  <a:noFill/>
-                </a:ln>
-                <a:solidFill>
-                  <a:schemeClr val="bg2">
-                    <a:lumMod val="75000"/>
-                  </a:schemeClr>
-                </a:solidFill>
-                <a:effectLst/>
-                <a:uLnTx/>
-                <a:uFillTx/>
-                <a:latin typeface="Fira Code" panose="020B0509050000020004" pitchFamily="49" charset="0"/>
-                <a:ea typeface="+mn-ea"/>
-                <a:cs typeface="+mn-cs"/>
-              </a:rPr>
-              <a:t>  </a:t>
-            </a:r>
-            <a:r>
               <a:rPr kumimoji="0" lang="en-US" sz="1800" b="0" i="0" u="none" strike="noStrike" kern="1200" cap="none" spc="0" normalizeH="0" baseline="0" noProof="0" dirty="0">
                 <a:ln>
                   <a:noFill/>
@@ -7784,7 +7918,7 @@
                 <a:ea typeface="+mn-ea"/>
                 <a:cs typeface="+mn-cs"/>
               </a:rPr>
-              <a:t>}</a:t>
+              <a:t>  }</a:t>
             </a:r>
           </a:p>
           <a:p>
@@ -8033,6 +8167,72 @@
           </a:p>
         </p:txBody>
       </p:sp>
+      <p:sp>
+        <p:nvSpPr>
+          <p:cNvPr id="8" name="Rechteck 7">
+            <a:extLst>
+              <a:ext uri="{FF2B5EF4-FFF2-40B4-BE49-F238E27FC236}">
+                <a16:creationId xmlns:a16="http://schemas.microsoft.com/office/drawing/2014/main" id="{8EE47CB2-2CCD-40CC-8EF6-8A8C8024110E}"/>
+              </a:ext>
+            </a:extLst>
+          </p:cNvPr>
+          <p:cNvSpPr/>
+          <p:nvPr/>
+        </p:nvSpPr>
+        <p:spPr>
+          <a:xfrm>
+            <a:off x="468166" y="5925124"/>
+            <a:ext cx="2156622" cy="369332"/>
+          </a:xfrm>
+          <a:prstGeom prst="rect">
+            <a:avLst/>
+          </a:prstGeom>
+        </p:spPr>
+        <p:txBody>
+          <a:bodyPr wrap="square">
+            <a:spAutoFit/>
+          </a:bodyPr>
+          <a:lstStyle/>
+          <a:p>
+            <a:pPr>
+              <a:defRPr/>
+            </a:pPr>
+            <a:r>
+              <a:rPr lang="en-US" dirty="0">
+                <a:solidFill>
+                  <a:srgbClr val="B1108E"/>
+                </a:solidFill>
+                <a:latin typeface="Calibri" panose="020F0502020204030204"/>
+              </a:rPr>
+              <a:t>* </a:t>
+            </a:r>
+            <a:r>
+              <a:rPr lang="en-US" dirty="0" err="1">
+                <a:solidFill>
+                  <a:srgbClr val="B1108E"/>
+                </a:solidFill>
+                <a:latin typeface="Calibri" panose="020F0502020204030204"/>
+              </a:rPr>
+              <a:t>Abgekürzte</a:t>
+            </a:r>
+            <a:r>
+              <a:rPr lang="en-US" dirty="0">
+                <a:solidFill>
+                  <a:srgbClr val="B1108E"/>
+                </a:solidFill>
+                <a:latin typeface="Calibri" panose="020F0502020204030204"/>
+              </a:rPr>
+              <a:t> Syntax</a:t>
+            </a:r>
+            <a:endParaRPr lang="de-DE" dirty="0">
+              <a:solidFill>
+                <a:srgbClr val="B1108E"/>
+              </a:solidFill>
+              <a:latin typeface="Calibri" panose="020F0502020204030204"/>
+            </a:endParaRPr>
+          </a:p>
+        </p:txBody>
+      </p:sp>
     </p:spTree>
     <p:extLst>
       <p:ext uri="{BB962C8B-B14F-4D97-AF65-F5344CB8AC3E}">
@@ -8043,13 +8243,6 @@
   <p:clrMapOvr>
     <a:masterClrMapping/>
   </p:clrMapOvr>
-  <p:timing>
-    <p:tnLst>
-      <p:par>
-        <p:cTn id="1" dur="indefinite" restart="never" nodeType="tmRoot"/>
-      </p:par>
-    </p:tnLst>
-  </p:timing>
 </p:sld>
 </file>
 
@@ -8464,7 +8657,7 @@
           <p:nvPr/>
         </p:nvPicPr>
         <p:blipFill>
-          <a:blip r:embed="rId2">
+          <a:blip r:embed="rId3">
             <a:extLst>
               <a:ext uri="{28A0092B-C50C-407E-A947-70E740481C1C}">
                 <a14:useLocalDpi xmlns:a14="http://schemas.microsoft.com/office/drawing/2010/main" val="0"/>
@@ -8539,13 +8732,6 @@
   <p:clrMapOvr>
     <a:masterClrMapping/>
   </p:clrMapOvr>
-  <p:timing>
-    <p:tnLst>
-      <p:par>
-        <p:cTn id="1" dur="indefinite" restart="never" nodeType="tmRoot"/>
-      </p:par>
-    </p:tnLst>
-  </p:timing>
 </p:sld>
 </file>
 
@@ -9030,7 +9216,7 @@
           <p:nvPr/>
         </p:nvPicPr>
         <p:blipFill>
-          <a:blip r:embed="rId2">
+          <a:blip r:embed="rId3">
             <a:extLst>
               <a:ext uri="{28A0092B-C50C-407E-A947-70E740481C1C}">
                 <a14:useLocalDpi xmlns:a14="http://schemas.microsoft.com/office/drawing/2010/main" val="0"/>
@@ -9105,13 +9291,6 @@
   <p:clrMapOvr>
     <a:masterClrMapping/>
   </p:clrMapOvr>
-  <p:timing>
-    <p:tnLst>
-      <p:par>
-        <p:cTn id="1" dur="indefinite" restart="never" nodeType="tmRoot"/>
-      </p:par>
-    </p:tnLst>
-  </p:timing>
 </p:sld>
 </file>
 
@@ -9418,13 +9597,6 @@
   <p:clrMapOvr>
     <a:masterClrMapping/>
   </p:clrMapOvr>
-  <p:timing>
-    <p:tnLst>
-      <p:par>
-        <p:cTn id="1" dur="indefinite" restart="never" nodeType="tmRoot"/>
-      </p:par>
-    </p:tnLst>
-  </p:timing>
 </p:sld>
 </file>
 
@@ -10033,13 +10205,6 @@
   <p:clrMapOvr>
     <a:masterClrMapping/>
   </p:clrMapOvr>
-  <p:timing>
-    <p:tnLst>
-      <p:par>
-        <p:cTn id="1" dur="indefinite" restart="never" nodeType="tmRoot"/>
-      </p:par>
-    </p:tnLst>
-  </p:timing>
 </p:sld>
 </file>
 
@@ -10190,13 +10355,6 @@
   <p:clrMapOvr>
     <a:masterClrMapping/>
   </p:clrMapOvr>
-  <p:timing>
-    <p:tnLst>
-      <p:par>
-        <p:cTn id="1" dur="indefinite" restart="never" nodeType="tmRoot"/>
-      </p:par>
-    </p:tnLst>
-  </p:timing>
 </p:sld>
 </file>
 
@@ -10318,13 +10476,6 @@
   <p:clrMapOvr>
     <a:masterClrMapping/>
   </p:clrMapOvr>
-  <p:timing>
-    <p:tnLst>
-      <p:par>
-        <p:cTn id="1" dur="indefinite" restart="never" nodeType="tmRoot"/>
-      </p:par>
-    </p:tnLst>
-  </p:timing>
 </p:sld>
 </file>
 
@@ -10619,13 +10770,6 @@
   <p:clrMapOvr>
     <a:masterClrMapping/>
   </p:clrMapOvr>
-  <p:timing>
-    <p:tnLst>
-      <p:par>
-        <p:cTn id="1" dur="indefinite" restart="never" nodeType="tmRoot"/>
-      </p:par>
-    </p:tnLst>
-  </p:timing>
 </p:sld>
 </file>
 
@@ -10931,13 +11075,6 @@
   <p:clrMapOvr>
     <a:masterClrMapping/>
   </p:clrMapOvr>
-  <p:timing>
-    <p:tnLst>
-      <p:par>
-        <p:cTn id="1" dur="indefinite" restart="never" nodeType="tmRoot"/>
-      </p:par>
-    </p:tnLst>
-  </p:timing>
 </p:sld>
 </file>
 
@@ -11238,13 +11375,6 @@
   <p:clrMapOvr>
     <a:masterClrMapping/>
   </p:clrMapOvr>
-  <p:timing>
-    <p:tnLst>
-      <p:par>
-        <p:cTn id="1" dur="indefinite" restart="never" nodeType="tmRoot"/>
-      </p:par>
-    </p:tnLst>
-  </p:timing>
 </p:sld>
 </file>
 
@@ -11452,7 +11582,7 @@
                 <a14:useLocalDpi xmlns:a14="http://schemas.microsoft.com/office/drawing/2010/main" val="0"/>
               </a:ext>
               <a:ext uri="{96DAC541-7B7A-43D3-8B79-37D633B846F1}">
-                <asvg:svgBlip xmlns:asvg="http://schemas.microsoft.com/office/drawing/2016/SVG/main" xmlns="" r:embed="rId6"/>
+                <asvg:svgBlip xmlns:asvg="http://schemas.microsoft.com/office/drawing/2016/SVG/main" r:embed="rId6"/>
               </a:ext>
             </a:extLst>
           </a:blip>
@@ -11491,7 +11621,7 @@
                 <a14:useLocalDpi xmlns:a14="http://schemas.microsoft.com/office/drawing/2010/main" val="0"/>
               </a:ext>
               <a:ext uri="{96DAC541-7B7A-43D3-8B79-37D633B846F1}">
-                <asvg:svgBlip xmlns:asvg="http://schemas.microsoft.com/office/drawing/2016/SVG/main" xmlns="" r:embed="rId6"/>
+                <asvg:svgBlip xmlns:asvg="http://schemas.microsoft.com/office/drawing/2016/SVG/main" r:embed="rId6"/>
               </a:ext>
             </a:extLst>
           </a:blip>
@@ -11755,18 +11885,11 @@
   <p:clrMapOvr>
     <a:masterClrMapping/>
   </p:clrMapOvr>
-  <p:timing>
-    <p:tnLst>
-      <p:par>
-        <p:cTn id="1" dur="indefinite" restart="never" nodeType="tmRoot"/>
-      </p:par>
-    </p:tnLst>
-  </p:timing>
 </p:sld>
 </file>
 
 <file path=ppt/slides/slide20.xml><?xml version="1.0" encoding="utf-8"?>
-<p:sld xmlns:a="http://schemas.openxmlformats.org/drawingml/2006/main" xmlns:r="http://schemas.openxmlformats.org/officeDocument/2006/relationships" xmlns:p="http://schemas.openxmlformats.org/presentationml/2006/main">
+<p:sld xmlns:a="http://schemas.openxmlformats.org/drawingml/2006/main" xmlns:r="http://schemas.openxmlformats.org/officeDocument/2006/relationships" xmlns:p="http://schemas.openxmlformats.org/presentationml/2006/main" show="0">
   <p:cSld>
     <p:bg>
       <p:bgPr>
@@ -12108,13 +12231,6 @@
   <p:clrMapOvr>
     <a:masterClrMapping/>
   </p:clrMapOvr>
-  <p:timing>
-    <p:tnLst>
-      <p:par>
-        <p:cTn id="1" dur="indefinite" restart="never" nodeType="tmRoot"/>
-      </p:par>
-    </p:tnLst>
-  </p:timing>
 </p:sld>
 </file>
 
@@ -12475,13 +12591,6 @@
   <p:clrMapOvr>
     <a:masterClrMapping/>
   </p:clrMapOvr>
-  <p:timing>
-    <p:tnLst>
-      <p:par>
-        <p:cTn id="1" dur="indefinite" restart="never" nodeType="tmRoot"/>
-      </p:par>
-    </p:tnLst>
-  </p:timing>
 </p:sld>
 </file>
 
@@ -12840,13 +12949,6 @@
   <p:clrMapOvr>
     <a:masterClrMapping/>
   </p:clrMapOvr>
-  <p:timing>
-    <p:tnLst>
-      <p:par>
-        <p:cTn id="1" dur="indefinite" restart="never" nodeType="tmRoot"/>
-      </p:par>
-    </p:tnLst>
-  </p:timing>
 </p:sld>
 </file>
 
@@ -13358,15 +13460,6 @@
           </a:bodyPr>
           <a:lstStyle/>
           <a:p>
-            <a:r>
-              <a:rPr lang="en-US" dirty="0">
-                <a:solidFill>
-                  <a:srgbClr val="F8F8F2"/>
-                </a:solidFill>
-                <a:latin typeface="Fira Code" panose="020B0509050000020004" pitchFamily="49" charset="0"/>
-              </a:rPr>
-              <a:t/>
-            </a:r>
             <a:br>
               <a:rPr lang="en-US" dirty="0">
                 <a:solidFill>
@@ -13492,13 +13585,6 @@
   <p:clrMapOvr>
     <a:masterClrMapping/>
   </p:clrMapOvr>
-  <p:timing>
-    <p:tnLst>
-      <p:par>
-        <p:cTn id="1" dur="indefinite" restart="never" nodeType="tmRoot"/>
-      </p:par>
-    </p:tnLst>
-  </p:timing>
 </p:sld>
 </file>
 
@@ -14120,13 +14206,6 @@
   <p:clrMapOvr>
     <a:masterClrMapping/>
   </p:clrMapOvr>
-  <p:timing>
-    <p:tnLst>
-      <p:par>
-        <p:cTn id="1" dur="indefinite" restart="never" nodeType="tmRoot"/>
-      </p:par>
-    </p:tnLst>
-  </p:timing>
 </p:sld>
 </file>
 
@@ -14956,13 +15035,6 @@
   <p:clrMapOvr>
     <a:masterClrMapping/>
   </p:clrMapOvr>
-  <p:timing>
-    <p:tnLst>
-      <p:par>
-        <p:cTn id="1" dur="indefinite" restart="never" nodeType="tmRoot"/>
-      </p:par>
-    </p:tnLst>
-  </p:timing>
 </p:sld>
 </file>
 
@@ -15688,13 +15760,6 @@
   <p:clrMapOvr>
     <a:masterClrMapping/>
   </p:clrMapOvr>
-  <p:timing>
-    <p:tnLst>
-      <p:par>
-        <p:cTn id="1" dur="indefinite" restart="never" nodeType="tmRoot"/>
-      </p:par>
-    </p:tnLst>
-  </p:timing>
 </p:sld>
 </file>
 
@@ -15773,7 +15838,7 @@
                 <a14:useLocalDpi xmlns:a14="http://schemas.microsoft.com/office/drawing/2010/main" val="0"/>
               </a:ext>
               <a:ext uri="{96DAC541-7B7A-43D3-8B79-37D633B846F1}">
-                <asvg:svgBlip xmlns:asvg="http://schemas.microsoft.com/office/drawing/2016/SVG/main" xmlns="" r:embed="rId4"/>
+                <asvg:svgBlip xmlns:asvg="http://schemas.microsoft.com/office/drawing/2016/SVG/main" r:embed="rId4"/>
               </a:ext>
             </a:extLst>
           </a:blip>
@@ -15812,7 +15877,7 @@
                 <a14:useLocalDpi xmlns:a14="http://schemas.microsoft.com/office/drawing/2010/main" val="0"/>
               </a:ext>
               <a:ext uri="{96DAC541-7B7A-43D3-8B79-37D633B846F1}">
-                <asvg:svgBlip xmlns:asvg="http://schemas.microsoft.com/office/drawing/2016/SVG/main" xmlns="" r:embed="rId6"/>
+                <asvg:svgBlip xmlns:asvg="http://schemas.microsoft.com/office/drawing/2016/SVG/main" r:embed="rId6"/>
               </a:ext>
             </a:extLst>
           </a:blip>
@@ -15929,13 +15994,6 @@
   <p:clrMapOvr>
     <a:masterClrMapping/>
   </p:clrMapOvr>
-  <p:timing>
-    <p:tnLst>
-      <p:par>
-        <p:cTn id="1" dur="indefinite" restart="never" nodeType="tmRoot"/>
-      </p:par>
-    </p:tnLst>
-  </p:timing>
 </p:sld>
 </file>
 
@@ -16471,13 +16529,6 @@
   <p:clrMapOvr>
     <a:masterClrMapping/>
   </p:clrMapOvr>
-  <p:timing>
-    <p:tnLst>
-      <p:par>
-        <p:cTn id="1" dur="indefinite" restart="never" nodeType="tmRoot"/>
-      </p:par>
-    </p:tnLst>
-  </p:timing>
 </p:sld>
 </file>
 
@@ -17039,13 +17090,6 @@
   <p:clrMapOvr>
     <a:masterClrMapping/>
   </p:clrMapOvr>
-  <p:timing>
-    <p:tnLst>
-      <p:par>
-        <p:cTn id="1" dur="indefinite" restart="never" nodeType="tmRoot"/>
-      </p:par>
-    </p:tnLst>
-  </p:timing>
 </p:sld>
 </file>
 
@@ -17179,7 +17223,7 @@
                 <a14:useLocalDpi xmlns:a14="http://schemas.microsoft.com/office/drawing/2010/main" val="0"/>
               </a:ext>
               <a:ext uri="{96DAC541-7B7A-43D3-8B79-37D633B846F1}">
-                <asvg:svgBlip xmlns:asvg="http://schemas.microsoft.com/office/drawing/2016/SVG/main" xmlns="" r:embed="rId5"/>
+                <asvg:svgBlip xmlns:asvg="http://schemas.microsoft.com/office/drawing/2016/SVG/main" r:embed="rId5"/>
               </a:ext>
             </a:extLst>
           </a:blip>
@@ -17218,7 +17262,7 @@
                 <a14:useLocalDpi xmlns:a14="http://schemas.microsoft.com/office/drawing/2010/main" val="0"/>
               </a:ext>
               <a:ext uri="{96DAC541-7B7A-43D3-8B79-37D633B846F1}">
-                <asvg:svgBlip xmlns:asvg="http://schemas.microsoft.com/office/drawing/2016/SVG/main" xmlns="" r:embed="rId7"/>
+                <asvg:svgBlip xmlns:asvg="http://schemas.microsoft.com/office/drawing/2016/SVG/main" r:embed="rId7"/>
               </a:ext>
             </a:extLst>
           </a:blip>
@@ -18515,13 +18559,6 @@
   <p:clrMapOvr>
     <a:masterClrMapping/>
   </p:clrMapOvr>
-  <p:timing>
-    <p:tnLst>
-      <p:par>
-        <p:cTn id="1" dur="indefinite" restart="never" nodeType="tmRoot"/>
-      </p:par>
-    </p:tnLst>
-  </p:timing>
 </p:sld>
 </file>
 
@@ -18658,13 +18695,6 @@
   <p:clrMapOvr>
     <a:masterClrMapping/>
   </p:clrMapOvr>
-  <p:timing>
-    <p:tnLst>
-      <p:par>
-        <p:cTn id="1" dur="indefinite" restart="never" nodeType="tmRoot"/>
-      </p:par>
-    </p:tnLst>
-  </p:timing>
 </p:sld>
 </file>
 
@@ -19216,13 +19246,6 @@
   <p:clrMapOvr>
     <a:masterClrMapping/>
   </p:clrMapOvr>
-  <p:timing>
-    <p:tnLst>
-      <p:par>
-        <p:cTn id="1" dur="indefinite" restart="never" nodeType="tmRoot"/>
-      </p:par>
-    </p:tnLst>
-  </p:timing>
 </p:sld>
 </file>
 
@@ -19855,13 +19878,6 @@
   <p:clrMapOvr>
     <a:masterClrMapping/>
   </p:clrMapOvr>
-  <p:timing>
-    <p:tnLst>
-      <p:par>
-        <p:cTn id="1" dur="indefinite" restart="never" nodeType="tmRoot"/>
-      </p:par>
-    </p:tnLst>
-  </p:timing>
 </p:sld>
 </file>
 
@@ -20741,13 +20757,6 @@
   <p:clrMapOvr>
     <a:masterClrMapping/>
   </p:clrMapOvr>
-  <p:timing>
-    <p:tnLst>
-      <p:par>
-        <p:cTn id="1" dur="indefinite" restart="never" nodeType="tmRoot"/>
-      </p:par>
-    </p:tnLst>
-  </p:timing>
 </p:sld>
 </file>
 
@@ -20884,13 +20893,6 @@
   <p:clrMapOvr>
     <a:masterClrMapping/>
   </p:clrMapOvr>
-  <p:timing>
-    <p:tnLst>
-      <p:par>
-        <p:cTn id="1" dur="indefinite" restart="never" nodeType="tmRoot"/>
-      </p:par>
-    </p:tnLst>
-  </p:timing>
 </p:sld>
 </file>
 
@@ -21433,13 +21435,6 @@
   <p:clrMapOvr>
     <a:masterClrMapping/>
   </p:clrMapOvr>
-  <p:timing>
-    <p:tnLst>
-      <p:par>
-        <p:cTn id="1" dur="indefinite" restart="never" nodeType="tmRoot"/>
-      </p:par>
-    </p:tnLst>
-  </p:timing>
 </p:sld>
 </file>
 
@@ -21590,13 +21585,6 @@
   <p:clrMapOvr>
     <a:masterClrMapping/>
   </p:clrMapOvr>
-  <p:timing>
-    <p:tnLst>
-      <p:par>
-        <p:cTn id="1" dur="indefinite" restart="never" nodeType="tmRoot"/>
-      </p:par>
-    </p:tnLst>
-  </p:timing>
 </p:sld>
 </file>
 
@@ -22053,13 +22041,6 @@
   <p:clrMapOvr>
     <a:masterClrMapping/>
   </p:clrMapOvr>
-  <p:timing>
-    <p:tnLst>
-      <p:par>
-        <p:cTn id="1" dur="indefinite" restart="never" nodeType="tmRoot"/>
-      </p:par>
-    </p:tnLst>
-  </p:timing>
 </p:sld>
 </file>
 
@@ -23700,13 +23681,6 @@
   <p:clrMapOvr>
     <a:masterClrMapping/>
   </p:clrMapOvr>
-  <p:timing>
-    <p:tnLst>
-      <p:par>
-        <p:cTn id="1" dur="indefinite" restart="never" nodeType="tmRoot"/>
-      </p:par>
-    </p:tnLst>
-  </p:timing>
 </p:sld>
 </file>
 
@@ -23972,13 +23946,6 @@
   <p:clrMapOvr>
     <a:masterClrMapping/>
   </p:clrMapOvr>
-  <p:timing>
-    <p:tnLst>
-      <p:par>
-        <p:cTn id="1" dur="indefinite" restart="never" nodeType="tmRoot"/>
-      </p:par>
-    </p:tnLst>
-  </p:timing>
 </p:sld>
 </file>
 
@@ -24339,13 +24306,6 @@
   <p:clrMapOvr>
     <a:masterClrMapping/>
   </p:clrMapOvr>
-  <p:timing>
-    <p:tnLst>
-      <p:par>
-        <p:cTn id="1" dur="indefinite" restart="never" nodeType="tmRoot"/>
-      </p:par>
-    </p:tnLst>
-  </p:timing>
 </p:sld>
 </file>
 
@@ -24687,13 +24647,6 @@
   <p:clrMapOvr>
     <a:masterClrMapping/>
   </p:clrMapOvr>
-  <p:timing>
-    <p:tnLst>
-      <p:par>
-        <p:cTn id="1" dur="indefinite" restart="never" nodeType="tmRoot"/>
-      </p:par>
-    </p:tnLst>
-  </p:timing>
 </p:sld>
 </file>
 
@@ -25456,7 +25409,7 @@
                 <a:hlinkClick r:id="rId4">
                   <a:extLst>
                     <a:ext uri="{A12FA001-AC4F-418D-AE19-62706E023703}">
-                      <ahyp:hlinkClr xmlns:ahyp="http://schemas.microsoft.com/office/drawing/2018/hyperlinkcolor" xmlns="" val="tx"/>
+                      <ahyp:hlinkClr xmlns:ahyp="http://schemas.microsoft.com/office/drawing/2018/hyperlinkcolor" val="tx"/>
                     </a:ext>
                   </a:extLst>
                 </a:hlinkClick>
@@ -25499,7 +25452,7 @@
                 <a:hlinkClick r:id="rId5">
                   <a:extLst>
                     <a:ext uri="{A12FA001-AC4F-418D-AE19-62706E023703}">
-                      <ahyp:hlinkClr xmlns:ahyp="http://schemas.microsoft.com/office/drawing/2018/hyperlinkcolor" xmlns="" val="tx"/>
+                      <ahyp:hlinkClr xmlns:ahyp="http://schemas.microsoft.com/office/drawing/2018/hyperlinkcolor" val="tx"/>
                     </a:ext>
                   </a:extLst>
                 </a:hlinkClick>
@@ -25542,7 +25495,7 @@
                 <a:hlinkClick r:id="rId6">
                   <a:extLst>
                     <a:ext uri="{A12FA001-AC4F-418D-AE19-62706E023703}">
-                      <ahyp:hlinkClr xmlns:ahyp="http://schemas.microsoft.com/office/drawing/2018/hyperlinkcolor" xmlns="" val="tx"/>
+                      <ahyp:hlinkClr xmlns:ahyp="http://schemas.microsoft.com/office/drawing/2018/hyperlinkcolor" val="tx"/>
                     </a:ext>
                   </a:extLst>
                 </a:hlinkClick>
@@ -25585,7 +25538,7 @@
                 <a:hlinkClick r:id="rId7">
                   <a:extLst>
                     <a:ext uri="{A12FA001-AC4F-418D-AE19-62706E023703}">
-                      <ahyp:hlinkClr xmlns:ahyp="http://schemas.microsoft.com/office/drawing/2018/hyperlinkcolor" xmlns="" val="tx"/>
+                      <ahyp:hlinkClr xmlns:ahyp="http://schemas.microsoft.com/office/drawing/2018/hyperlinkcolor" val="tx"/>
                     </a:ext>
                   </a:extLst>
                 </a:hlinkClick>
@@ -25628,7 +25581,7 @@
                 <a:hlinkClick r:id="rId8">
                   <a:extLst>
                     <a:ext uri="{A12FA001-AC4F-418D-AE19-62706E023703}">
-                      <ahyp:hlinkClr xmlns:ahyp="http://schemas.microsoft.com/office/drawing/2018/hyperlinkcolor" xmlns="" val="tx"/>
+                      <ahyp:hlinkClr xmlns:ahyp="http://schemas.microsoft.com/office/drawing/2018/hyperlinkcolor" val="tx"/>
                     </a:ext>
                   </a:extLst>
                 </a:hlinkClick>
@@ -25649,13 +25602,6 @@
   <p:clrMapOvr>
     <a:masterClrMapping/>
   </p:clrMapOvr>
-  <p:timing>
-    <p:tnLst>
-      <p:par>
-        <p:cTn id="1" dur="indefinite" restart="never" nodeType="tmRoot"/>
-      </p:par>
-    </p:tnLst>
-  </p:timing>
 </p:sld>
 </file>
 
@@ -25716,17 +25662,9 @@
               <a:rPr lang="de-DE" dirty="0" err="1"/>
               <a:t>Credits</a:t>
             </a:r>
-            <a:r>
-              <a:rPr lang="de-DE" dirty="0"/>
-              <a:t/>
-            </a:r>
             <a:br>
               <a:rPr lang="de-DE" dirty="0"/>
             </a:br>
-            <a:r>
-              <a:rPr lang="de-DE" dirty="0"/>
-              <a:t/>
-            </a:r>
             <a:br>
               <a:rPr lang="de-DE" dirty="0"/>
             </a:br>
@@ -25737,10 +25675,6 @@
             <a:r>
               <a:rPr lang="de-DE" sz="3200" dirty="0"/>
               <a:t>:</a:t>
-            </a:r>
-            <a:r>
-              <a:rPr lang="de-DE" dirty="0"/>
-              <a:t/>
             </a:r>
             <a:br>
               <a:rPr lang="de-DE" dirty="0"/>
@@ -26907,10 +26841,10 @@
           <a:p>
             <a:r>
               <a:rPr lang="de-DE" dirty="0">
-                <a:hlinkClick r:id="rId2">
+                <a:hlinkClick r:id="rId3">
                   <a:extLst>
                     <a:ext uri="{A12FA001-AC4F-418D-AE19-62706E023703}">
-                      <ahyp:hlinkClr xmlns:ahyp="http://schemas.microsoft.com/office/drawing/2018/hyperlinkcolor" xmlns="" val="tx"/>
+                      <ahyp:hlinkClr xmlns:ahyp="http://schemas.microsoft.com/office/drawing/2018/hyperlinkcolor" val="tx"/>
                     </a:ext>
                   </a:extLst>
                 </a:hlinkClick>
@@ -26936,13 +26870,13 @@
           <p:nvPr/>
         </p:nvPicPr>
         <p:blipFill>
-          <a:blip r:embed="rId3" cstate="hqprint">
+          <a:blip r:embed="rId4" cstate="hqprint">
             <a:extLst>
               <a:ext uri="{28A0092B-C50C-407E-A947-70E740481C1C}">
                 <a14:useLocalDpi xmlns:a14="http://schemas.microsoft.com/office/drawing/2010/main" val="0"/>
               </a:ext>
               <a:ext uri="{96DAC541-7B7A-43D3-8B79-37D633B846F1}">
-                <asvg:svgBlip xmlns:asvg="http://schemas.microsoft.com/office/drawing/2016/SVG/main" xmlns="" r:embed="rId4"/>
+                <asvg:svgBlip xmlns:asvg="http://schemas.microsoft.com/office/drawing/2016/SVG/main" r:embed="rId5"/>
               </a:ext>
             </a:extLst>
           </a:blip>
@@ -26989,10 +26923,10 @@
           <a:p>
             <a:r>
               <a:rPr lang="de-DE" dirty="0">
-                <a:hlinkClick r:id="rId5">
+                <a:hlinkClick r:id="rId6">
                   <a:extLst>
                     <a:ext uri="{A12FA001-AC4F-418D-AE19-62706E023703}">
-                      <ahyp:hlinkClr xmlns:ahyp="http://schemas.microsoft.com/office/drawing/2018/hyperlinkcolor" xmlns="" val="tx"/>
+                      <ahyp:hlinkClr xmlns:ahyp="http://schemas.microsoft.com/office/drawing/2018/hyperlinkcolor" val="tx"/>
                     </a:ext>
                   </a:extLst>
                 </a:hlinkClick>
@@ -27018,13 +26952,13 @@
           <p:nvPr/>
         </p:nvPicPr>
         <p:blipFill>
-          <a:blip r:embed="rId6" cstate="hqprint">
+          <a:blip r:embed="rId7" cstate="hqprint">
             <a:extLst>
               <a:ext uri="{28A0092B-C50C-407E-A947-70E740481C1C}">
                 <a14:useLocalDpi xmlns:a14="http://schemas.microsoft.com/office/drawing/2010/main" val="0"/>
               </a:ext>
               <a:ext uri="{96DAC541-7B7A-43D3-8B79-37D633B846F1}">
-                <asvg:svgBlip xmlns:asvg="http://schemas.microsoft.com/office/drawing/2016/SVG/main" xmlns="" r:embed="rId7"/>
+                <asvg:svgBlip xmlns:asvg="http://schemas.microsoft.com/office/drawing/2016/SVG/main" r:embed="rId8"/>
               </a:ext>
             </a:extLst>
           </a:blip>
@@ -27057,13 +26991,13 @@
           <p:nvPr/>
         </p:nvPicPr>
         <p:blipFill>
-          <a:blip r:embed="rId8" cstate="hqprint">
+          <a:blip r:embed="rId9" cstate="hqprint">
             <a:extLst>
               <a:ext uri="{28A0092B-C50C-407E-A947-70E740481C1C}">
                 <a14:useLocalDpi xmlns:a14="http://schemas.microsoft.com/office/drawing/2010/main" val="0"/>
               </a:ext>
               <a:ext uri="{96DAC541-7B7A-43D3-8B79-37D633B846F1}">
-                <asvg:svgBlip xmlns:asvg="http://schemas.microsoft.com/office/drawing/2016/SVG/main" xmlns="" r:embed="rId9"/>
+                <asvg:svgBlip xmlns:asvg="http://schemas.microsoft.com/office/drawing/2016/SVG/main" r:embed="rId10"/>
               </a:ext>
             </a:extLst>
           </a:blip>
@@ -27096,13 +27030,13 @@
           <p:nvPr/>
         </p:nvPicPr>
         <p:blipFill>
-          <a:blip r:embed="rId10" cstate="hqprint">
+          <a:blip r:embed="rId11" cstate="hqprint">
             <a:extLst>
               <a:ext uri="{28A0092B-C50C-407E-A947-70E740481C1C}">
                 <a14:useLocalDpi xmlns:a14="http://schemas.microsoft.com/office/drawing/2010/main" val="0"/>
               </a:ext>
               <a:ext uri="{96DAC541-7B7A-43D3-8B79-37D633B846F1}">
-                <asvg:svgBlip xmlns:asvg="http://schemas.microsoft.com/office/drawing/2016/SVG/main" xmlns="" r:embed="rId11"/>
+                <asvg:svgBlip xmlns:asvg="http://schemas.microsoft.com/office/drawing/2016/SVG/main" r:embed="rId12"/>
               </a:ext>
             </a:extLst>
           </a:blip>
@@ -27135,13 +27069,13 @@
           <p:nvPr/>
         </p:nvPicPr>
         <p:blipFill>
-          <a:blip r:embed="rId12" cstate="hqprint">
+          <a:blip r:embed="rId13" cstate="hqprint">
             <a:extLst>
               <a:ext uri="{28A0092B-C50C-407E-A947-70E740481C1C}">
                 <a14:useLocalDpi xmlns:a14="http://schemas.microsoft.com/office/drawing/2010/main" val="0"/>
               </a:ext>
               <a:ext uri="{96DAC541-7B7A-43D3-8B79-37D633B846F1}">
-                <asvg:svgBlip xmlns:asvg="http://schemas.microsoft.com/office/drawing/2016/SVG/main" xmlns="" r:embed="rId13"/>
+                <asvg:svgBlip xmlns:asvg="http://schemas.microsoft.com/office/drawing/2016/SVG/main" r:embed="rId14"/>
               </a:ext>
             </a:extLst>
           </a:blip>
@@ -27224,7 +27158,7 @@
           <a:p>
             <a:r>
               <a:rPr lang="de-DE" dirty="0"/>
-              <a:t>1106</a:t>
+              <a:t>1195</a:t>
             </a:r>
           </a:p>
         </p:txBody>
@@ -27259,7 +27193,7 @@
           <a:p>
             <a:r>
               <a:rPr lang="de-DE" dirty="0"/>
-              <a:t>13341</a:t>
+              <a:t>14027</a:t>
             </a:r>
           </a:p>
         </p:txBody>
@@ -27294,7 +27228,7 @@
           <a:p>
             <a:r>
               <a:rPr lang="de-DE" dirty="0"/>
-              <a:t>1955</a:t>
+              <a:t>2111</a:t>
             </a:r>
           </a:p>
         </p:txBody>
@@ -27329,7 +27263,7 @@
           <a:p>
             <a:r>
               <a:rPr lang="de-DE" sz="1100" dirty="0"/>
-              <a:t>(Stand: 29.03.2019)</a:t>
+              <a:t>(Stand: 23.06.2019)</a:t>
             </a:r>
           </a:p>
         </p:txBody>
@@ -27349,7 +27283,7 @@
           <p:nvPr/>
         </p:nvPicPr>
         <p:blipFill>
-          <a:blip r:embed="rId14">
+          <a:blip r:embed="rId15">
             <a:extLst>
               <a:ext uri="{28A0092B-C50C-407E-A947-70E740481C1C}">
                 <a14:useLocalDpi xmlns:a14="http://schemas.microsoft.com/office/drawing/2010/main" val="0"/>
@@ -27806,13 +27740,6 @@
   <p:clrMapOvr>
     <a:masterClrMapping/>
   </p:clrMapOvr>
-  <p:timing>
-    <p:tnLst>
-      <p:par>
-        <p:cTn id="1" dur="indefinite" restart="never" nodeType="tmRoot"/>
-      </p:par>
-    </p:tnLst>
-  </p:timing>
 </p:sld>
 </file>
 
@@ -27969,25 +27896,6 @@
               <a:defRPr/>
             </a:pPr>
             <a:r>
-              <a:rPr kumimoji="0" lang="en-US" sz="1800" b="0" i="0" u="none" strike="noStrike" kern="1200" cap="none" spc="0" normalizeH="0" baseline="0" noProof="0">
-                <a:ln>
-                  <a:noFill/>
-                </a:ln>
-                <a:solidFill>
-                  <a:schemeClr val="bg2">
-                    <a:lumMod val="75000"/>
-                  </a:schemeClr>
-                </a:solidFill>
-                <a:effectLst/>
-                <a:uLnTx/>
-                <a:uFillTx/>
-                <a:latin typeface="Fira Code" panose="020B0509050000020004" pitchFamily="49" charset="0"/>
-                <a:ea typeface="+mn-ea"/>
-                <a:cs typeface="+mn-cs"/>
-              </a:rPr>
-              <a:t>  posts </a:t>
-            </a:r>
-            <a:r>
               <a:rPr kumimoji="0" lang="en-US" sz="1800" b="0" i="0" u="none" strike="noStrike" kern="1200" cap="none" spc="0" normalizeH="0" baseline="0" noProof="0" dirty="0">
                 <a:ln>
                   <a:noFill/>
@@ -28004,7 +27912,7 @@
                 <a:ea typeface="+mn-ea"/>
                 <a:cs typeface="+mn-cs"/>
               </a:rPr>
-              <a:t>{</a:t>
+              <a:t>  posts {</a:t>
             </a:r>
           </a:p>
           <a:p>
@@ -28026,25 +27934,6 @@
               <a:defRPr/>
             </a:pPr>
             <a:r>
-              <a:rPr kumimoji="0" lang="en-US" sz="1800" b="0" i="0" u="none" strike="noStrike" kern="1200" cap="none" spc="0" normalizeH="0" baseline="0" noProof="0">
-                <a:ln>
-                  <a:noFill/>
-                </a:ln>
-                <a:solidFill>
-                  <a:schemeClr val="bg2">
-                    <a:lumMod val="75000"/>
-                  </a:schemeClr>
-                </a:solidFill>
-                <a:effectLst/>
-                <a:uLnTx/>
-                <a:uFillTx/>
-                <a:latin typeface="Fira Code" panose="020B0509050000020004" pitchFamily="49" charset="0"/>
-                <a:ea typeface="+mn-ea"/>
-                <a:cs typeface="+mn-cs"/>
-              </a:rPr>
-              <a:t>    </a:t>
-            </a:r>
-            <a:r>
               <a:rPr kumimoji="0" lang="en-US" sz="1800" b="0" i="0" u="none" strike="noStrike" kern="1200" cap="none" spc="0" normalizeH="0" baseline="0" noProof="0" dirty="0">
                 <a:ln>
                   <a:noFill/>
@@ -28061,7 +27950,7 @@
                 <a:ea typeface="+mn-ea"/>
                 <a:cs typeface="+mn-cs"/>
               </a:rPr>
-              <a:t>title</a:t>
+              <a:t>    title</a:t>
             </a:r>
           </a:p>
           <a:p>
@@ -28083,25 +27972,6 @@
               <a:defRPr/>
             </a:pPr>
             <a:r>
-              <a:rPr kumimoji="0" lang="en-US" sz="1800" b="0" i="0" u="none" strike="noStrike" kern="1200" cap="none" spc="0" normalizeH="0" baseline="0" noProof="0">
-                <a:ln>
-                  <a:noFill/>
-                </a:ln>
-                <a:solidFill>
-                  <a:schemeClr val="bg2">
-                    <a:lumMod val="75000"/>
-                  </a:schemeClr>
-                </a:solidFill>
-                <a:effectLst/>
-                <a:uLnTx/>
-                <a:uFillTx/>
-                <a:latin typeface="Fira Code" panose="020B0509050000020004" pitchFamily="49" charset="0"/>
-                <a:ea typeface="+mn-ea"/>
-                <a:cs typeface="+mn-cs"/>
-              </a:rPr>
-              <a:t>    </a:t>
-            </a:r>
-            <a:r>
               <a:rPr kumimoji="0" lang="en-US" sz="1800" b="0" i="0" u="none" strike="noStrike" kern="1200" cap="none" spc="0" normalizeH="0" baseline="0" noProof="0" dirty="0">
                 <a:ln>
                   <a:noFill/>
@@ -28118,7 +27988,7 @@
                 <a:ea typeface="+mn-ea"/>
                 <a:cs typeface="+mn-cs"/>
               </a:rPr>
-              <a:t>content</a:t>
+              <a:t>    content</a:t>
             </a:r>
           </a:p>
           <a:p>
@@ -28140,7 +28010,7 @@
               <a:defRPr/>
             </a:pPr>
             <a:r>
-              <a:rPr kumimoji="0" lang="en-US" sz="1800" b="0" i="0" u="none" strike="noStrike" kern="1200" cap="none" spc="0" normalizeH="0" baseline="0" noProof="0">
+              <a:rPr kumimoji="0" lang="en-US" sz="1800" b="0" i="0" u="none" strike="noStrike" kern="1200" cap="none" spc="0" normalizeH="0" baseline="0" noProof="0" dirty="0">
                 <a:ln>
                   <a:noFill/>
                 </a:ln>
@@ -28158,22 +28028,6 @@
               </a:rPr>
               <a:t>  }</a:t>
             </a:r>
-            <a:endParaRPr kumimoji="0" lang="en-US" sz="1800" b="0" i="0" u="none" strike="noStrike" kern="1200" cap="none" spc="0" normalizeH="0" baseline="0" noProof="0" dirty="0">
-              <a:ln>
-                <a:noFill/>
-              </a:ln>
-              <a:solidFill>
-                <a:schemeClr val="bg2">
-                  <a:lumMod val="75000"/>
-                </a:schemeClr>
-              </a:solidFill>
-              <a:effectLst/>
-              <a:uLnTx/>
-              <a:uFillTx/>
-              <a:latin typeface="Fira Code" panose="020B0509050000020004" pitchFamily="49" charset="0"/>
-              <a:ea typeface="+mn-ea"/>
-              <a:cs typeface="+mn-cs"/>
-            </a:endParaRPr>
           </a:p>
           <a:p>
             <a:pPr marL="0" marR="0" lvl="0" indent="0" algn="l" defTabSz="914400" rtl="0" eaLnBrk="1" fontAlgn="auto" latinLnBrk="0" hangingPunct="1">
@@ -28421,6 +28275,120 @@
           </a:p>
         </p:txBody>
       </p:sp>
+      <p:sp>
+        <p:nvSpPr>
+          <p:cNvPr id="3" name="Rechteck 2">
+            <a:extLst>
+              <a:ext uri="{FF2B5EF4-FFF2-40B4-BE49-F238E27FC236}">
+                <a16:creationId xmlns:a16="http://schemas.microsoft.com/office/drawing/2014/main" id="{7A71CF1B-35C7-44F9-AEE3-A57ED5FCE676}"/>
+              </a:ext>
+            </a:extLst>
+          </p:cNvPr>
+          <p:cNvSpPr/>
+          <p:nvPr/>
+        </p:nvSpPr>
+        <p:spPr>
+          <a:xfrm>
+            <a:off x="5208686" y="1383988"/>
+            <a:ext cx="1220783" cy="369332"/>
+          </a:xfrm>
+          <a:prstGeom prst="rect">
+            <a:avLst/>
+          </a:prstGeom>
+        </p:spPr>
+        <p:txBody>
+          <a:bodyPr wrap="none">
+            <a:spAutoFit/>
+          </a:bodyPr>
+          <a:lstStyle/>
+          <a:p>
+            <a:pPr algn="ctr">
+              <a:defRPr/>
+            </a:pPr>
+            <a:r>
+              <a:rPr lang="en-US" dirty="0">
+                <a:solidFill>
+                  <a:srgbClr val="7B30D0"/>
+                </a:solidFill>
+                <a:latin typeface="Calibri" panose="020F0502020204030204"/>
+              </a:rPr>
+              <a:t>(optional*)</a:t>
+            </a:r>
+            <a:endParaRPr lang="de-DE" dirty="0">
+              <a:solidFill>
+                <a:srgbClr val="7B30D0"/>
+              </a:solidFill>
+              <a:latin typeface="Calibri" panose="020F0502020204030204"/>
+            </a:endParaRPr>
+          </a:p>
+        </p:txBody>
+      </p:sp>
+      <p:sp>
+        <p:nvSpPr>
+          <p:cNvPr id="8" name="Rechteck 7">
+            <a:extLst>
+              <a:ext uri="{FF2B5EF4-FFF2-40B4-BE49-F238E27FC236}">
+                <a16:creationId xmlns:a16="http://schemas.microsoft.com/office/drawing/2014/main" id="{FB0D355D-11E3-4928-936A-ED901163972A}"/>
+              </a:ext>
+            </a:extLst>
+          </p:cNvPr>
+          <p:cNvSpPr/>
+          <p:nvPr/>
+        </p:nvSpPr>
+        <p:spPr>
+          <a:xfrm>
+            <a:off x="468166" y="5925124"/>
+            <a:ext cx="2156622" cy="369332"/>
+          </a:xfrm>
+          <a:prstGeom prst="rect">
+            <a:avLst/>
+          </a:prstGeom>
+        </p:spPr>
+        <p:txBody>
+          <a:bodyPr wrap="square">
+            <a:spAutoFit/>
+          </a:bodyPr>
+          <a:lstStyle/>
+          <a:p>
+            <a:pPr>
+              <a:defRPr/>
+            </a:pPr>
+            <a:r>
+              <a:rPr lang="en-US" dirty="0">
+                <a:solidFill>
+                  <a:srgbClr val="7B30D0"/>
+                </a:solidFill>
+                <a:latin typeface="Calibri" panose="020F0502020204030204"/>
+              </a:rPr>
+              <a:t>* </a:t>
+            </a:r>
+            <a:r>
+              <a:rPr lang="en-US" dirty="0" err="1">
+                <a:solidFill>
+                  <a:srgbClr val="7B30D0"/>
+                </a:solidFill>
+                <a:latin typeface="Calibri" panose="020F0502020204030204"/>
+              </a:rPr>
+              <a:t>Abgekürzte</a:t>
+            </a:r>
+            <a:r>
+              <a:rPr lang="en-US" dirty="0">
+                <a:solidFill>
+                  <a:srgbClr val="7B30D0"/>
+                </a:solidFill>
+                <a:latin typeface="Calibri" panose="020F0502020204030204"/>
+              </a:rPr>
+              <a:t> Syntax</a:t>
+            </a:r>
+            <a:endParaRPr lang="de-DE" dirty="0">
+              <a:solidFill>
+                <a:srgbClr val="7B30D0"/>
+              </a:solidFill>
+              <a:latin typeface="Calibri" panose="020F0502020204030204"/>
+            </a:endParaRPr>
+          </a:p>
+        </p:txBody>
+      </p:sp>
     </p:spTree>
     <p:extLst>
       <p:ext uri="{BB962C8B-B14F-4D97-AF65-F5344CB8AC3E}">
@@ -28431,13 +28399,6 @@
   <p:clrMapOvr>
     <a:masterClrMapping/>
   </p:clrMapOvr>
-  <p:timing>
-    <p:tnLst>
-      <p:par>
-        <p:cTn id="1" dur="indefinite" restart="never" nodeType="tmRoot"/>
-      </p:par>
-    </p:tnLst>
-  </p:timing>
 </p:sld>
 </file>
 

--- a/slides/GraphqlSlides.pptx
+++ b/slides/GraphqlSlides.pptx
@@ -252,7 +252,7 @@
           <a:p>
             <a:fld id="{858036E5-7FF6-491F-BDEF-E833DBCA9680}" type="datetimeFigureOut">
               <a:rPr lang="de-DE" smtClean="0"/>
-              <a:t>23.06.2019</a:t>
+              <a:t>24.06.2019</a:t>
             </a:fld>
             <a:endParaRPr lang="de-DE"/>
           </a:p>
@@ -563,27 +563,6 @@
           <a:bodyPr/>
           <a:lstStyle/>
           <a:p>
-            <a:r>
-              <a:rPr lang="de-DE" dirty="0"/>
-              <a:t>HighSpeed2 GrandHotel5G</a:t>
-            </a:r>
-          </a:p>
-          <a:p>
-            <a:r>
-              <a:rPr lang="de-DE" dirty="0" err="1"/>
-              <a:t>HighSpeed</a:t>
-            </a:r>
-            <a:r>
-              <a:rPr lang="de-DE" dirty="0"/>
-              <a:t> </a:t>
-            </a:r>
-            <a:r>
-              <a:rPr lang="de-DE" dirty="0" err="1"/>
-              <a:t>GrandHotel</a:t>
-            </a:r>
-            <a:endParaRPr lang="de-DE" dirty="0"/>
-          </a:p>
-          <a:p>
             <a:endParaRPr lang="de-DE" dirty="0"/>
           </a:p>
         </p:txBody>
@@ -2294,34 +2273,13 @@
             </a:r>
           </a:p>
           <a:p>
+            <a:pPr marL="0" indent="0">
+              <a:buFontTx/>
+              <a:buNone/>
+            </a:pPr>
             <a:r>
               <a:rPr lang="de-DE" dirty="0"/>
-              <a:t>- Im Idealfall Hyperlinks zwischen den verschiedenen </a:t>
-            </a:r>
-            <a:r>
-              <a:rPr lang="de-DE" dirty="0" err="1"/>
-              <a:t>Resourcen</a:t>
-            </a:r>
-            <a:endParaRPr lang="de-DE" dirty="0"/>
-          </a:p>
-          <a:p>
-            <a:pPr marL="171450" indent="-171450">
-              <a:buFontTx/>
-              <a:buChar char="-"/>
-            </a:pPr>
-            <a:r>
-              <a:rPr lang="de-DE" dirty="0"/>
-              <a:t>HTTP als Protokoll</a:t>
-            </a:r>
-          </a:p>
-          <a:p>
-            <a:pPr marL="171450" indent="-171450">
-              <a:buFontTx/>
-              <a:buChar char="-"/>
-            </a:pPr>
-            <a:r>
-              <a:rPr lang="de-DE" dirty="0"/>
-              <a:t>Verschiedene Repräsentationen der Antwort, z.B. JSON</a:t>
+              <a:t>- Verschiedene Repräsentationen der Antwort, z.B. JSON</a:t>
             </a:r>
           </a:p>
         </p:txBody>
@@ -4359,7 +4317,7 @@
           <a:p>
             <a:fld id="{3A538C34-53B0-4EA9-8596-22F17B12308D}" type="datetimeFigureOut">
               <a:rPr lang="de-DE" smtClean="0"/>
-              <a:t>23.06.2019</a:t>
+              <a:t>24.06.2019</a:t>
             </a:fld>
             <a:endParaRPr lang="de-DE"/>
           </a:p>
@@ -4557,7 +4515,7 @@
           <a:p>
             <a:fld id="{3A538C34-53B0-4EA9-8596-22F17B12308D}" type="datetimeFigureOut">
               <a:rPr lang="de-DE" smtClean="0"/>
-              <a:t>23.06.2019</a:t>
+              <a:t>24.06.2019</a:t>
             </a:fld>
             <a:endParaRPr lang="de-DE"/>
           </a:p>
@@ -4765,7 +4723,7 @@
           <a:p>
             <a:fld id="{3A538C34-53B0-4EA9-8596-22F17B12308D}" type="datetimeFigureOut">
               <a:rPr lang="de-DE" smtClean="0"/>
-              <a:t>23.06.2019</a:t>
+              <a:t>24.06.2019</a:t>
             </a:fld>
             <a:endParaRPr lang="de-DE"/>
           </a:p>
@@ -4963,7 +4921,7 @@
           <a:p>
             <a:fld id="{3A538C34-53B0-4EA9-8596-22F17B12308D}" type="datetimeFigureOut">
               <a:rPr lang="de-DE" smtClean="0"/>
-              <a:t>23.06.2019</a:t>
+              <a:t>24.06.2019</a:t>
             </a:fld>
             <a:endParaRPr lang="de-DE"/>
           </a:p>
@@ -5238,7 +5196,7 @@
           <a:p>
             <a:fld id="{3A538C34-53B0-4EA9-8596-22F17B12308D}" type="datetimeFigureOut">
               <a:rPr lang="de-DE" smtClean="0"/>
-              <a:t>23.06.2019</a:t>
+              <a:t>24.06.2019</a:t>
             </a:fld>
             <a:endParaRPr lang="de-DE"/>
           </a:p>
@@ -5503,7 +5461,7 @@
           <a:p>
             <a:fld id="{3A538C34-53B0-4EA9-8596-22F17B12308D}" type="datetimeFigureOut">
               <a:rPr lang="de-DE" smtClean="0"/>
-              <a:t>23.06.2019</a:t>
+              <a:t>24.06.2019</a:t>
             </a:fld>
             <a:endParaRPr lang="de-DE"/>
           </a:p>
@@ -5915,7 +5873,7 @@
           <a:p>
             <a:fld id="{3A538C34-53B0-4EA9-8596-22F17B12308D}" type="datetimeFigureOut">
               <a:rPr lang="de-DE" smtClean="0"/>
-              <a:t>23.06.2019</a:t>
+              <a:t>24.06.2019</a:t>
             </a:fld>
             <a:endParaRPr lang="de-DE"/>
           </a:p>
@@ -6056,7 +6014,7 @@
           <a:p>
             <a:fld id="{3A538C34-53B0-4EA9-8596-22F17B12308D}" type="datetimeFigureOut">
               <a:rPr lang="de-DE" smtClean="0"/>
-              <a:t>23.06.2019</a:t>
+              <a:t>24.06.2019</a:t>
             </a:fld>
             <a:endParaRPr lang="de-DE"/>
           </a:p>
@@ -6169,7 +6127,7 @@
           <a:p>
             <a:fld id="{3A538C34-53B0-4EA9-8596-22F17B12308D}" type="datetimeFigureOut">
               <a:rPr lang="de-DE" smtClean="0"/>
-              <a:t>23.06.2019</a:t>
+              <a:t>24.06.2019</a:t>
             </a:fld>
             <a:endParaRPr lang="de-DE"/>
           </a:p>
@@ -6480,7 +6438,7 @@
           <a:p>
             <a:fld id="{3A538C34-53B0-4EA9-8596-22F17B12308D}" type="datetimeFigureOut">
               <a:rPr lang="de-DE" smtClean="0"/>
-              <a:t>23.06.2019</a:t>
+              <a:t>24.06.2019</a:t>
             </a:fld>
             <a:endParaRPr lang="de-DE"/>
           </a:p>
@@ -6768,7 +6726,7 @@
           <a:p>
             <a:fld id="{3A538C34-53B0-4EA9-8596-22F17B12308D}" type="datetimeFigureOut">
               <a:rPr lang="de-DE" smtClean="0"/>
-              <a:t>23.06.2019</a:t>
+              <a:t>24.06.2019</a:t>
             </a:fld>
             <a:endParaRPr lang="de-DE"/>
           </a:p>
@@ -7009,7 +6967,7 @@
           <a:p>
             <a:fld id="{3A538C34-53B0-4EA9-8596-22F17B12308D}" type="datetimeFigureOut">
               <a:rPr lang="de-DE" smtClean="0"/>
-              <a:t>23.06.2019</a:t>
+              <a:t>24.06.2019</a:t>
             </a:fld>
             <a:endParaRPr lang="de-DE"/>
           </a:p>
@@ -23681,6 +23639,130 @@
   <p:clrMapOvr>
     <a:masterClrMapping/>
   </p:clrMapOvr>
+  <p:timing>
+    <p:tnLst>
+      <p:par>
+        <p:cTn id="1" dur="indefinite" restart="never" nodeType="tmRoot">
+          <p:childTnLst>
+            <p:seq concurrent="1" nextAc="seek">
+              <p:cTn id="2" dur="indefinite" nodeType="mainSeq">
+                <p:childTnLst>
+                  <p:par>
+                    <p:cTn id="3" fill="hold">
+                      <p:stCondLst>
+                        <p:cond delay="indefinite"/>
+                      </p:stCondLst>
+                      <p:childTnLst>
+                        <p:par>
+                          <p:cTn id="4" fill="hold">
+                            <p:stCondLst>
+                              <p:cond delay="0"/>
+                            </p:stCondLst>
+                            <p:childTnLst>
+                              <p:par>
+                                <p:cTn id="5" presetID="1" presetClass="entr" presetSubtype="0" fill="hold" grpId="0" nodeType="clickEffect">
+                                  <p:stCondLst>
+                                    <p:cond delay="0"/>
+                                  </p:stCondLst>
+                                  <p:childTnLst>
+                                    <p:set>
+                                      <p:cBhvr>
+                                        <p:cTn id="6" dur="1" fill="hold">
+                                          <p:stCondLst>
+                                            <p:cond delay="0"/>
+                                          </p:stCondLst>
+                                        </p:cTn>
+                                        <p:tgtEl>
+                                          <p:spTgt spid="3"/>
+                                        </p:tgtEl>
+                                        <p:attrNameLst>
+                                          <p:attrName>style.visibility</p:attrName>
+                                        </p:attrNameLst>
+                                      </p:cBhvr>
+                                      <p:to>
+                                        <p:strVal val="visible"/>
+                                      </p:to>
+                                    </p:set>
+                                  </p:childTnLst>
+                                </p:cTn>
+                              </p:par>
+                            </p:childTnLst>
+                          </p:cTn>
+                        </p:par>
+                      </p:childTnLst>
+                    </p:cTn>
+                  </p:par>
+                  <p:par>
+                    <p:cTn id="7" fill="hold">
+                      <p:stCondLst>
+                        <p:cond delay="indefinite"/>
+                      </p:stCondLst>
+                      <p:childTnLst>
+                        <p:par>
+                          <p:cTn id="8" fill="hold">
+                            <p:stCondLst>
+                              <p:cond delay="0"/>
+                            </p:stCondLst>
+                            <p:childTnLst>
+                              <p:par>
+                                <p:cTn id="9" presetID="1" presetClass="entr" presetSubtype="0" fill="hold" grpId="0" nodeType="clickEffect">
+                                  <p:stCondLst>
+                                    <p:cond delay="0"/>
+                                  </p:stCondLst>
+                                  <p:childTnLst>
+                                    <p:set>
+                                      <p:cBhvr>
+                                        <p:cTn id="10" dur="1" fill="hold">
+                                          <p:stCondLst>
+                                            <p:cond delay="0"/>
+                                          </p:stCondLst>
+                                        </p:cTn>
+                                        <p:tgtEl>
+                                          <p:spTgt spid="6"/>
+                                        </p:tgtEl>
+                                        <p:attrNameLst>
+                                          <p:attrName>style.visibility</p:attrName>
+                                        </p:attrNameLst>
+                                      </p:cBhvr>
+                                      <p:to>
+                                        <p:strVal val="visible"/>
+                                      </p:to>
+                                    </p:set>
+                                  </p:childTnLst>
+                                </p:cTn>
+                              </p:par>
+                            </p:childTnLst>
+                          </p:cTn>
+                        </p:par>
+                      </p:childTnLst>
+                    </p:cTn>
+                  </p:par>
+                </p:childTnLst>
+              </p:cTn>
+              <p:prevCondLst>
+                <p:cond evt="onPrev" delay="0">
+                  <p:tgtEl>
+                    <p:sldTgt/>
+                  </p:tgtEl>
+                </p:cond>
+              </p:prevCondLst>
+              <p:nextCondLst>
+                <p:cond evt="onNext" delay="0">
+                  <p:tgtEl>
+                    <p:sldTgt/>
+                  </p:tgtEl>
+                </p:cond>
+              </p:nextCondLst>
+            </p:seq>
+          </p:childTnLst>
+        </p:cTn>
+      </p:par>
+    </p:tnLst>
+    <p:bldLst>
+      <p:bldP spid="3" grpId="0"/>
+      <p:bldP spid="6" grpId="0"/>
+    </p:bldLst>
+  </p:timing>
 </p:sld>
 </file>
 
@@ -26660,130 +26742,6 @@
   <p:clrMapOvr>
     <a:masterClrMapping/>
   </p:clrMapOvr>
-  <p:timing>
-    <p:tnLst>
-      <p:par>
-        <p:cTn id="1" dur="indefinite" restart="never" nodeType="tmRoot">
-          <p:childTnLst>
-            <p:seq concurrent="1" nextAc="seek">
-              <p:cTn id="2" dur="indefinite" nodeType="mainSeq">
-                <p:childTnLst>
-                  <p:par>
-                    <p:cTn id="3" fill="hold">
-                      <p:stCondLst>
-                        <p:cond delay="indefinite"/>
-                      </p:stCondLst>
-                      <p:childTnLst>
-                        <p:par>
-                          <p:cTn id="4" fill="hold">
-                            <p:stCondLst>
-                              <p:cond delay="0"/>
-                            </p:stCondLst>
-                            <p:childTnLst>
-                              <p:par>
-                                <p:cTn id="5" presetID="1" presetClass="entr" presetSubtype="0" fill="hold" grpId="0" nodeType="clickEffect">
-                                  <p:stCondLst>
-                                    <p:cond delay="0"/>
-                                  </p:stCondLst>
-                                  <p:childTnLst>
-                                    <p:set>
-                                      <p:cBhvr>
-                                        <p:cTn id="6" dur="1" fill="hold">
-                                          <p:stCondLst>
-                                            <p:cond delay="0"/>
-                                          </p:stCondLst>
-                                        </p:cTn>
-                                        <p:tgtEl>
-                                          <p:spTgt spid="2"/>
-                                        </p:tgtEl>
-                                        <p:attrNameLst>
-                                          <p:attrName>style.visibility</p:attrName>
-                                        </p:attrNameLst>
-                                      </p:cBhvr>
-                                      <p:to>
-                                        <p:strVal val="visible"/>
-                                      </p:to>
-                                    </p:set>
-                                  </p:childTnLst>
-                                </p:cTn>
-                              </p:par>
-                            </p:childTnLst>
-                          </p:cTn>
-                        </p:par>
-                      </p:childTnLst>
-                    </p:cTn>
-                  </p:par>
-                  <p:par>
-                    <p:cTn id="7" fill="hold">
-                      <p:stCondLst>
-                        <p:cond delay="indefinite"/>
-                      </p:stCondLst>
-                      <p:childTnLst>
-                        <p:par>
-                          <p:cTn id="8" fill="hold">
-                            <p:stCondLst>
-                              <p:cond delay="0"/>
-                            </p:stCondLst>
-                            <p:childTnLst>
-                              <p:par>
-                                <p:cTn id="9" presetID="1" presetClass="entr" presetSubtype="0" fill="hold" grpId="0" nodeType="clickEffect">
-                                  <p:stCondLst>
-                                    <p:cond delay="0"/>
-                                  </p:stCondLst>
-                                  <p:childTnLst>
-                                    <p:set>
-                                      <p:cBhvr>
-                                        <p:cTn id="10" dur="1" fill="hold">
-                                          <p:stCondLst>
-                                            <p:cond delay="0"/>
-                                          </p:stCondLst>
-                                        </p:cTn>
-                                        <p:tgtEl>
-                                          <p:spTgt spid="3"/>
-                                        </p:tgtEl>
-                                        <p:attrNameLst>
-                                          <p:attrName>style.visibility</p:attrName>
-                                        </p:attrNameLst>
-                                      </p:cBhvr>
-                                      <p:to>
-                                        <p:strVal val="visible"/>
-                                      </p:to>
-                                    </p:set>
-                                  </p:childTnLst>
-                                </p:cTn>
-                              </p:par>
-                            </p:childTnLst>
-                          </p:cTn>
-                        </p:par>
-                      </p:childTnLst>
-                    </p:cTn>
-                  </p:par>
-                </p:childTnLst>
-              </p:cTn>
-              <p:prevCondLst>
-                <p:cond evt="onPrev" delay="0">
-                  <p:tgtEl>
-                    <p:sldTgt/>
-                  </p:tgtEl>
-                </p:cond>
-              </p:prevCondLst>
-              <p:nextCondLst>
-                <p:cond evt="onNext" delay="0">
-                  <p:tgtEl>
-                    <p:sldTgt/>
-                  </p:tgtEl>
-                </p:cond>
-              </p:nextCondLst>
-            </p:seq>
-          </p:childTnLst>
-        </p:cTn>
-      </p:par>
-    </p:tnLst>
-    <p:bldLst>
-      <p:bldP spid="2" grpId="0"/>
-      <p:bldP spid="3" grpId="0"/>
-    </p:bldLst>
-  </p:timing>
 </p:sld>
 </file>
 
@@ -26812,49 +26770,6 @@
           <a:chExt cx="0" cy="0"/>
         </a:xfrm>
       </p:grpSpPr>
-      <p:sp>
-        <p:nvSpPr>
-          <p:cNvPr id="3" name="Rechteck 2">
-            <a:extLst>
-              <a:ext uri="{FF2B5EF4-FFF2-40B4-BE49-F238E27FC236}">
-                <a16:creationId xmlns:a16="http://schemas.microsoft.com/office/drawing/2014/main" id="{3D6BCF93-9BD3-4261-9C2A-0FC6FBA84625}"/>
-              </a:ext>
-            </a:extLst>
-          </p:cNvPr>
-          <p:cNvSpPr/>
-          <p:nvPr/>
-        </p:nvSpPr>
-        <p:spPr>
-          <a:xfrm>
-            <a:off x="4205610" y="5906254"/>
-            <a:ext cx="3780779" cy="369332"/>
-          </a:xfrm>
-          <a:prstGeom prst="rect">
-            <a:avLst/>
-          </a:prstGeom>
-        </p:spPr>
-        <p:txBody>
-          <a:bodyPr wrap="none">
-            <a:spAutoFit/>
-          </a:bodyPr>
-          <a:lstStyle/>
-          <a:p>
-            <a:r>
-              <a:rPr lang="de-DE" dirty="0">
-                <a:hlinkClick r:id="rId3">
-                  <a:extLst>
-                    <a:ext uri="{A12FA001-AC4F-418D-AE19-62706E023703}">
-                      <ahyp:hlinkClr xmlns:ahyp="http://schemas.microsoft.com/office/drawing/2018/hyperlinkcolor" val="tx"/>
-                    </a:ext>
-                  </a:extLst>
-                </a:hlinkClick>
-              </a:rPr>
-              <a:t>https://github.com/graphql/graphql-js</a:t>
-            </a:r>
-            <a:endParaRPr lang="de-DE" dirty="0"/>
-          </a:p>
-        </p:txBody>
-      </p:sp>
       <p:pic>
         <p:nvPicPr>
           <p:cNvPr id="5" name="Grafik 4" descr="Uhr">
@@ -26870,13 +26785,13 @@
           <p:nvPr/>
         </p:nvPicPr>
         <p:blipFill>
-          <a:blip r:embed="rId4" cstate="hqprint">
+          <a:blip r:embed="rId3" cstate="hqprint">
             <a:extLst>
               <a:ext uri="{28A0092B-C50C-407E-A947-70E740481C1C}">
                 <a14:useLocalDpi xmlns:a14="http://schemas.microsoft.com/office/drawing/2010/main" val="0"/>
               </a:ext>
               <a:ext uri="{96DAC541-7B7A-43D3-8B79-37D633B846F1}">
-                <asvg:svgBlip xmlns:asvg="http://schemas.microsoft.com/office/drawing/2016/SVG/main" r:embed="rId5"/>
+                <asvg:svgBlip xmlns:asvg="http://schemas.microsoft.com/office/drawing/2016/SVG/main" r:embed="rId4"/>
               </a:ext>
             </a:extLst>
           </a:blip>
@@ -26894,49 +26809,6 @@
           </a:prstGeom>
         </p:spPr>
       </p:pic>
-      <p:sp>
-        <p:nvSpPr>
-          <p:cNvPr id="6" name="Rechteck 5">
-            <a:extLst>
-              <a:ext uri="{FF2B5EF4-FFF2-40B4-BE49-F238E27FC236}">
-                <a16:creationId xmlns:a16="http://schemas.microsoft.com/office/drawing/2014/main" id="{B9B98293-EB70-4400-8878-E413BC4C8486}"/>
-              </a:ext>
-            </a:extLst>
-          </p:cNvPr>
-          <p:cNvSpPr/>
-          <p:nvPr/>
-        </p:nvSpPr>
-        <p:spPr>
-          <a:xfrm>
-            <a:off x="4146907" y="5418574"/>
-            <a:ext cx="3898183" cy="369332"/>
-          </a:xfrm>
-          <a:prstGeom prst="rect">
-            <a:avLst/>
-          </a:prstGeom>
-        </p:spPr>
-        <p:txBody>
-          <a:bodyPr wrap="none">
-            <a:spAutoFit/>
-          </a:bodyPr>
-          <a:lstStyle/>
-          <a:p>
-            <a:r>
-              <a:rPr lang="de-DE" dirty="0">
-                <a:hlinkClick r:id="rId6">
-                  <a:extLst>
-                    <a:ext uri="{A12FA001-AC4F-418D-AE19-62706E023703}">
-                      <ahyp:hlinkClr xmlns:ahyp="http://schemas.microsoft.com/office/drawing/2018/hyperlinkcolor" val="tx"/>
-                    </a:ext>
-                  </a:extLst>
-                </a:hlinkClick>
-              </a:rPr>
-              <a:t>https://graphql.github.io/graphql-spec/</a:t>
-            </a:r>
-            <a:endParaRPr lang="de-DE" dirty="0"/>
-          </a:p>
-        </p:txBody>
-      </p:sp>
       <p:pic>
         <p:nvPicPr>
           <p:cNvPr id="14" name="Grafik 13">
@@ -26952,13 +26824,13 @@
           <p:nvPr/>
         </p:nvPicPr>
         <p:blipFill>
-          <a:blip r:embed="rId7" cstate="hqprint">
+          <a:blip r:embed="rId5" cstate="hqprint">
             <a:extLst>
               <a:ext uri="{28A0092B-C50C-407E-A947-70E740481C1C}">
                 <a14:useLocalDpi xmlns:a14="http://schemas.microsoft.com/office/drawing/2010/main" val="0"/>
               </a:ext>
               <a:ext uri="{96DAC541-7B7A-43D3-8B79-37D633B846F1}">
-                <asvg:svgBlip xmlns:asvg="http://schemas.microsoft.com/office/drawing/2016/SVG/main" r:embed="rId8"/>
+                <asvg:svgBlip xmlns:asvg="http://schemas.microsoft.com/office/drawing/2016/SVG/main" r:embed="rId6"/>
               </a:ext>
             </a:extLst>
           </a:blip>
@@ -26991,13 +26863,13 @@
           <p:nvPr/>
         </p:nvPicPr>
         <p:blipFill>
-          <a:blip r:embed="rId9" cstate="hqprint">
+          <a:blip r:embed="rId7" cstate="hqprint">
             <a:extLst>
               <a:ext uri="{28A0092B-C50C-407E-A947-70E740481C1C}">
                 <a14:useLocalDpi xmlns:a14="http://schemas.microsoft.com/office/drawing/2010/main" val="0"/>
               </a:ext>
               <a:ext uri="{96DAC541-7B7A-43D3-8B79-37D633B846F1}">
-                <asvg:svgBlip xmlns:asvg="http://schemas.microsoft.com/office/drawing/2016/SVG/main" r:embed="rId10"/>
+                <asvg:svgBlip xmlns:asvg="http://schemas.microsoft.com/office/drawing/2016/SVG/main" r:embed="rId8"/>
               </a:ext>
             </a:extLst>
           </a:blip>
@@ -27030,13 +26902,13 @@
           <p:nvPr/>
         </p:nvPicPr>
         <p:blipFill>
-          <a:blip r:embed="rId11" cstate="hqprint">
+          <a:blip r:embed="rId9" cstate="hqprint">
             <a:extLst>
               <a:ext uri="{28A0092B-C50C-407E-A947-70E740481C1C}">
                 <a14:useLocalDpi xmlns:a14="http://schemas.microsoft.com/office/drawing/2010/main" val="0"/>
               </a:ext>
               <a:ext uri="{96DAC541-7B7A-43D3-8B79-37D633B846F1}">
-                <asvg:svgBlip xmlns:asvg="http://schemas.microsoft.com/office/drawing/2016/SVG/main" r:embed="rId12"/>
+                <asvg:svgBlip xmlns:asvg="http://schemas.microsoft.com/office/drawing/2016/SVG/main" r:embed="rId10"/>
               </a:ext>
             </a:extLst>
           </a:blip>
@@ -27069,13 +26941,13 @@
           <p:nvPr/>
         </p:nvPicPr>
         <p:blipFill>
-          <a:blip r:embed="rId13" cstate="hqprint">
+          <a:blip r:embed="rId11" cstate="hqprint">
             <a:extLst>
               <a:ext uri="{28A0092B-C50C-407E-A947-70E740481C1C}">
                 <a14:useLocalDpi xmlns:a14="http://schemas.microsoft.com/office/drawing/2010/main" val="0"/>
               </a:ext>
               <a:ext uri="{96DAC541-7B7A-43D3-8B79-37D633B846F1}">
-                <asvg:svgBlip xmlns:asvg="http://schemas.microsoft.com/office/drawing/2016/SVG/main" r:embed="rId14"/>
+                <asvg:svgBlip xmlns:asvg="http://schemas.microsoft.com/office/drawing/2016/SVG/main" r:embed="rId12"/>
               </a:ext>
             </a:extLst>
           </a:blip>
@@ -27283,7 +27155,7 @@
           <p:nvPr/>
         </p:nvPicPr>
         <p:blipFill>
-          <a:blip r:embed="rId15">
+          <a:blip r:embed="rId13">
             <a:extLst>
               <a:ext uri="{28A0092B-C50C-407E-A947-70E740481C1C}">
                 <a14:useLocalDpi xmlns:a14="http://schemas.microsoft.com/office/drawing/2010/main" val="0"/>
@@ -27392,6 +27264,193 @@
           </a:p>
         </p:txBody>
       </p:sp>
+      <p:grpSp>
+        <p:nvGrpSpPr>
+          <p:cNvPr id="8" name="Gruppieren 7">
+            <a:extLst>
+              <a:ext uri="{FF2B5EF4-FFF2-40B4-BE49-F238E27FC236}">
+                <a16:creationId xmlns:a16="http://schemas.microsoft.com/office/drawing/2014/main" id="{D53358EA-2C81-42E6-B7CD-BDA09B5029A4}"/>
+              </a:ext>
+            </a:extLst>
+          </p:cNvPr>
+          <p:cNvGrpSpPr/>
+          <p:nvPr/>
+        </p:nvGrpSpPr>
+        <p:grpSpPr>
+          <a:xfrm>
+            <a:off x="2423486" y="5403185"/>
+            <a:ext cx="6392521" cy="875801"/>
+            <a:chOff x="1222067" y="5403185"/>
+            <a:chExt cx="6392521" cy="875801"/>
+          </a:xfrm>
+        </p:grpSpPr>
+        <p:sp>
+          <p:nvSpPr>
+            <p:cNvPr id="3" name="Rechteck 2">
+              <a:extLst>
+                <a:ext uri="{FF2B5EF4-FFF2-40B4-BE49-F238E27FC236}">
+                  <a16:creationId xmlns:a16="http://schemas.microsoft.com/office/drawing/2014/main" id="{3D6BCF93-9BD3-4261-9C2A-0FC6FBA84625}"/>
+                </a:ext>
+              </a:extLst>
+            </p:cNvPr>
+            <p:cNvSpPr/>
+            <p:nvPr/>
+          </p:nvSpPr>
+          <p:spPr>
+            <a:xfrm>
+              <a:off x="4146907" y="5925043"/>
+              <a:ext cx="3365665" cy="338554"/>
+            </a:xfrm>
+            <a:prstGeom prst="rect">
+              <a:avLst/>
+            </a:prstGeom>
+          </p:spPr>
+          <p:txBody>
+            <a:bodyPr wrap="none">
+              <a:spAutoFit/>
+            </a:bodyPr>
+            <a:lstStyle/>
+            <a:p>
+              <a:r>
+                <a:rPr lang="de-DE" sz="1600" dirty="0">
+                  <a:hlinkClick r:id="rId14">
+                    <a:extLst>
+                      <a:ext uri="{A12FA001-AC4F-418D-AE19-62706E023703}">
+                        <ahyp:hlinkClr xmlns:ahyp="http://schemas.microsoft.com/office/drawing/2018/hyperlinkcolor" val="tx"/>
+                      </a:ext>
+                    </a:extLst>
+                  </a:hlinkClick>
+                </a:rPr>
+                <a:t>https://github.com/graphql/graphql-js</a:t>
+              </a:r>
+              <a:endParaRPr lang="de-DE" sz="1600" dirty="0"/>
+            </a:p>
+          </p:txBody>
+        </p:sp>
+        <p:sp>
+          <p:nvSpPr>
+            <p:cNvPr id="6" name="Rechteck 5">
+              <a:extLst>
+                <a:ext uri="{FF2B5EF4-FFF2-40B4-BE49-F238E27FC236}">
+                  <a16:creationId xmlns:a16="http://schemas.microsoft.com/office/drawing/2014/main" id="{B9B98293-EB70-4400-8878-E413BC4C8486}"/>
+                </a:ext>
+              </a:extLst>
+            </p:cNvPr>
+            <p:cNvSpPr/>
+            <p:nvPr/>
+          </p:nvSpPr>
+          <p:spPr>
+            <a:xfrm>
+              <a:off x="4146907" y="5418574"/>
+              <a:ext cx="3467681" cy="338554"/>
+            </a:xfrm>
+            <a:prstGeom prst="rect">
+              <a:avLst/>
+            </a:prstGeom>
+          </p:spPr>
+          <p:txBody>
+            <a:bodyPr wrap="none">
+              <a:spAutoFit/>
+            </a:bodyPr>
+            <a:lstStyle/>
+            <a:p>
+              <a:r>
+                <a:rPr lang="de-DE" sz="1600" dirty="0">
+                  <a:hlinkClick r:id="rId15">
+                    <a:extLst>
+                      <a:ext uri="{A12FA001-AC4F-418D-AE19-62706E023703}">
+                        <ahyp:hlinkClr xmlns:ahyp="http://schemas.microsoft.com/office/drawing/2018/hyperlinkcolor" val="tx"/>
+                      </a:ext>
+                    </a:extLst>
+                  </a:hlinkClick>
+                </a:rPr>
+                <a:t>https://graphql.github.io/graphql-spec/</a:t>
+              </a:r>
+              <a:endParaRPr lang="de-DE" sz="1600" dirty="0"/>
+            </a:p>
+          </p:txBody>
+        </p:sp>
+        <p:sp>
+          <p:nvSpPr>
+            <p:cNvPr id="20" name="Rechteck 19">
+              <a:extLst>
+                <a:ext uri="{FF2B5EF4-FFF2-40B4-BE49-F238E27FC236}">
+                  <a16:creationId xmlns:a16="http://schemas.microsoft.com/office/drawing/2014/main" id="{57FDEEB5-0611-4D23-BB3B-9E9FA88988CD}"/>
+                </a:ext>
+              </a:extLst>
+            </p:cNvPr>
+            <p:cNvSpPr/>
+            <p:nvPr/>
+          </p:nvSpPr>
+          <p:spPr>
+            <a:xfrm>
+              <a:off x="1222067" y="5909654"/>
+              <a:ext cx="2974532" cy="369332"/>
+            </a:xfrm>
+            <a:prstGeom prst="rect">
+              <a:avLst/>
+            </a:prstGeom>
+          </p:spPr>
+          <p:txBody>
+            <a:bodyPr wrap="none">
+              <a:spAutoFit/>
+            </a:bodyPr>
+            <a:lstStyle/>
+            <a:p>
+              <a:r>
+                <a:rPr lang="de-DE" dirty="0"/>
+                <a:t>Referenzimplementierung JS:</a:t>
+              </a:r>
+            </a:p>
+          </p:txBody>
+        </p:sp>
+        <p:sp>
+          <p:nvSpPr>
+            <p:cNvPr id="21" name="Rechteck 20">
+              <a:extLst>
+                <a:ext uri="{FF2B5EF4-FFF2-40B4-BE49-F238E27FC236}">
+                  <a16:creationId xmlns:a16="http://schemas.microsoft.com/office/drawing/2014/main" id="{B261D34E-8275-4A59-9E89-08E6354EF382}"/>
+                </a:ext>
+              </a:extLst>
+            </p:cNvPr>
+            <p:cNvSpPr/>
+            <p:nvPr/>
+          </p:nvSpPr>
+          <p:spPr>
+            <a:xfrm>
+              <a:off x="1823001" y="5403185"/>
+              <a:ext cx="2323906" cy="369332"/>
+            </a:xfrm>
+            <a:prstGeom prst="rect">
+              <a:avLst/>
+            </a:prstGeom>
+          </p:spPr>
+          <p:txBody>
+            <a:bodyPr wrap="none">
+              <a:spAutoFit/>
+            </a:bodyPr>
+            <a:lstStyle/>
+            <a:p>
+              <a:r>
+                <a:rPr lang="de-DE" dirty="0" err="1"/>
+                <a:t>GraphQL</a:t>
+              </a:r>
+              <a:r>
+                <a:rPr lang="de-DE" dirty="0"/>
+                <a:t> </a:t>
+              </a:r>
+              <a:r>
+                <a:rPr lang="de-DE" dirty="0" err="1"/>
+                <a:t>Specification</a:t>
+              </a:r>
+              <a:r>
+                <a:rPr lang="de-DE" dirty="0"/>
+                <a:t>:</a:t>
+              </a:r>
+            </a:p>
+          </p:txBody>
+        </p:sp>
+      </p:grpSp>
     </p:spTree>
     <p:extLst>
       <p:ext uri="{BB962C8B-B14F-4D97-AF65-F5344CB8AC3E}">
@@ -27437,6 +27496,51 @@
                                         </p:cTn>
                                         <p:tgtEl>
                                           <p:spTgt spid="7"/>
+                                        </p:tgtEl>
+                                        <p:attrNameLst>
+                                          <p:attrName>style.visibility</p:attrName>
+                                        </p:attrNameLst>
+                                      </p:cBhvr>
+                                      <p:to>
+                                        <p:strVal val="visible"/>
+                                      </p:to>
+                                    </p:set>
+                                  </p:childTnLst>
+                                </p:cTn>
+                              </p:par>
+                            </p:childTnLst>
+                          </p:cTn>
+                        </p:par>
+                      </p:childTnLst>
+                    </p:cTn>
+                  </p:par>
+                  <p:par>
+                    <p:cTn id="7" fill="hold">
+                      <p:stCondLst>
+                        <p:cond delay="indefinite"/>
+                      </p:stCondLst>
+                      <p:childTnLst>
+                        <p:par>
+                          <p:cTn id="8" fill="hold">
+                            <p:stCondLst>
+                              <p:cond delay="0"/>
+                            </p:stCondLst>
+                            <p:childTnLst>
+                              <p:par>
+                                <p:cTn id="9" presetID="1" presetClass="entr" presetSubtype="0" fill="hold" nodeType="clickEffect">
+                                  <p:stCondLst>
+                                    <p:cond delay="0"/>
+                                  </p:stCondLst>
+                                  <p:childTnLst>
+                                    <p:set>
+                                      <p:cBhvr>
+                                        <p:cTn id="10" dur="1" fill="hold">
+                                          <p:stCondLst>
+                                            <p:cond delay="0"/>
+                                          </p:stCondLst>
+                                        </p:cTn>
+                                        <p:tgtEl>
+                                          <p:spTgt spid="8"/>
                                         </p:tgtEl>
                                         <p:attrNameLst>
                                           <p:attrName>style.visibility</p:attrName>

--- a/slides/GraphqlSlides.pptx
+++ b/slides/GraphqlSlides.pptx
@@ -5,54 +5,63 @@
     <p:sldMasterId id="2147483648" r:id="rId1"/>
   </p:sldMasterIdLst>
   <p:notesMasterIdLst>
-    <p:notesMasterId r:id="rId47"/>
+    <p:notesMasterId r:id="rId56"/>
   </p:notesMasterIdLst>
   <p:sldIdLst>
     <p:sldId id="256" r:id="rId2"/>
-    <p:sldId id="257" r:id="rId3"/>
-    <p:sldId id="329" r:id="rId4"/>
-    <p:sldId id="332" r:id="rId5"/>
-    <p:sldId id="338" r:id="rId6"/>
-    <p:sldId id="287" r:id="rId7"/>
-    <p:sldId id="288" r:id="rId8"/>
-    <p:sldId id="305" r:id="rId9"/>
-    <p:sldId id="306" r:id="rId10"/>
-    <p:sldId id="307" r:id="rId11"/>
-    <p:sldId id="308" r:id="rId12"/>
-    <p:sldId id="309" r:id="rId13"/>
-    <p:sldId id="310" r:id="rId14"/>
-    <p:sldId id="311" r:id="rId15"/>
-    <p:sldId id="281" r:id="rId16"/>
-    <p:sldId id="323" r:id="rId17"/>
-    <p:sldId id="290" r:id="rId18"/>
-    <p:sldId id="291" r:id="rId19"/>
-    <p:sldId id="292" r:id="rId20"/>
-    <p:sldId id="293" r:id="rId21"/>
-    <p:sldId id="294" r:id="rId22"/>
-    <p:sldId id="333" r:id="rId23"/>
-    <p:sldId id="303" r:id="rId24"/>
-    <p:sldId id="273" r:id="rId25"/>
-    <p:sldId id="301" r:id="rId26"/>
-    <p:sldId id="302" r:id="rId27"/>
-    <p:sldId id="334" r:id="rId28"/>
-    <p:sldId id="266" r:id="rId29"/>
-    <p:sldId id="312" r:id="rId30"/>
-    <p:sldId id="331" r:id="rId31"/>
-    <p:sldId id="265" r:id="rId32"/>
-    <p:sldId id="316" r:id="rId33"/>
-    <p:sldId id="320" r:id="rId34"/>
-    <p:sldId id="321" r:id="rId35"/>
-    <p:sldId id="322" r:id="rId36"/>
-    <p:sldId id="335" r:id="rId37"/>
-    <p:sldId id="313" r:id="rId38"/>
-    <p:sldId id="279" r:id="rId39"/>
-    <p:sldId id="276" r:id="rId40"/>
-    <p:sldId id="268" r:id="rId41"/>
-    <p:sldId id="330" r:id="rId42"/>
-    <p:sldId id="341" r:id="rId43"/>
-    <p:sldId id="343" r:id="rId44"/>
-    <p:sldId id="326" r:id="rId45"/>
-    <p:sldId id="270" r:id="rId46"/>
+    <p:sldId id="346" r:id="rId3"/>
+    <p:sldId id="257" r:id="rId4"/>
+    <p:sldId id="347" r:id="rId5"/>
+    <p:sldId id="329" r:id="rId6"/>
+    <p:sldId id="332" r:id="rId7"/>
+    <p:sldId id="338" r:id="rId8"/>
+    <p:sldId id="287" r:id="rId9"/>
+    <p:sldId id="288" r:id="rId10"/>
+    <p:sldId id="305" r:id="rId11"/>
+    <p:sldId id="306" r:id="rId12"/>
+    <p:sldId id="307" r:id="rId13"/>
+    <p:sldId id="308" r:id="rId14"/>
+    <p:sldId id="309" r:id="rId15"/>
+    <p:sldId id="310" r:id="rId16"/>
+    <p:sldId id="311" r:id="rId17"/>
+    <p:sldId id="345" r:id="rId18"/>
+    <p:sldId id="281" r:id="rId19"/>
+    <p:sldId id="344" r:id="rId20"/>
+    <p:sldId id="323" r:id="rId21"/>
+    <p:sldId id="290" r:id="rId22"/>
+    <p:sldId id="291" r:id="rId23"/>
+    <p:sldId id="292" r:id="rId24"/>
+    <p:sldId id="293" r:id="rId25"/>
+    <p:sldId id="294" r:id="rId26"/>
+    <p:sldId id="333" r:id="rId27"/>
+    <p:sldId id="303" r:id="rId28"/>
+    <p:sldId id="273" r:id="rId29"/>
+    <p:sldId id="301" r:id="rId30"/>
+    <p:sldId id="302" r:id="rId31"/>
+    <p:sldId id="348" r:id="rId32"/>
+    <p:sldId id="334" r:id="rId33"/>
+    <p:sldId id="349" r:id="rId34"/>
+    <p:sldId id="266" r:id="rId35"/>
+    <p:sldId id="312" r:id="rId36"/>
+    <p:sldId id="331" r:id="rId37"/>
+    <p:sldId id="265" r:id="rId38"/>
+    <p:sldId id="316" r:id="rId39"/>
+    <p:sldId id="320" r:id="rId40"/>
+    <p:sldId id="321" r:id="rId41"/>
+    <p:sldId id="322" r:id="rId42"/>
+    <p:sldId id="335" r:id="rId43"/>
+    <p:sldId id="350" r:id="rId44"/>
+    <p:sldId id="313" r:id="rId45"/>
+    <p:sldId id="351" r:id="rId46"/>
+    <p:sldId id="279" r:id="rId47"/>
+    <p:sldId id="276" r:id="rId48"/>
+    <p:sldId id="268" r:id="rId49"/>
+    <p:sldId id="352" r:id="rId50"/>
+    <p:sldId id="330" r:id="rId51"/>
+    <p:sldId id="341" r:id="rId52"/>
+    <p:sldId id="343" r:id="rId53"/>
+    <p:sldId id="326" r:id="rId54"/>
+    <p:sldId id="270" r:id="rId55"/>
   </p:sldIdLst>
   <p:sldSz cx="12192000" cy="6858000"/>
   <p:notesSz cx="6858000" cy="9144000"/>
@@ -252,7 +261,7 @@
           <a:p>
             <a:fld id="{858036E5-7FF6-491F-BDEF-E833DBCA9680}" type="datetimeFigureOut">
               <a:rPr lang="de-DE" smtClean="0"/>
-              <a:t>24.06.2019</a:t>
+              <a:t>25.06.2019</a:t>
             </a:fld>
             <a:endParaRPr lang="de-DE"/>
           </a:p>
@@ -725,7 +734,7 @@
           <a:p>
             <a:fld id="{4951A4F0-27A8-4C6D-A90A-FB4CDD31FFC6}" type="slidenum">
               <a:rPr lang="de-DE" smtClean="0"/>
-              <a:t>16</a:t>
+              <a:t>20</a:t>
             </a:fld>
             <a:endParaRPr lang="de-DE"/>
           </a:p>
@@ -866,7 +875,7 @@
           <a:p>
             <a:fld id="{4951A4F0-27A8-4C6D-A90A-FB4CDD31FFC6}" type="slidenum">
               <a:rPr lang="de-DE" smtClean="0"/>
-              <a:t>17</a:t>
+              <a:t>21</a:t>
             </a:fld>
             <a:endParaRPr lang="de-DE"/>
           </a:p>
@@ -1007,7 +1016,7 @@
           <a:p>
             <a:fld id="{4951A4F0-27A8-4C6D-A90A-FB4CDD31FFC6}" type="slidenum">
               <a:rPr lang="de-DE" smtClean="0"/>
-              <a:t>18</a:t>
+              <a:t>22</a:t>
             </a:fld>
             <a:endParaRPr lang="de-DE"/>
           </a:p>
@@ -1148,7 +1157,7 @@
           <a:p>
             <a:fld id="{4951A4F0-27A8-4C6D-A90A-FB4CDD31FFC6}" type="slidenum">
               <a:rPr lang="de-DE" smtClean="0"/>
-              <a:t>19</a:t>
+              <a:t>23</a:t>
             </a:fld>
             <a:endParaRPr lang="de-DE"/>
           </a:p>
@@ -1246,7 +1255,7 @@
           <a:p>
             <a:fld id="{4951A4F0-27A8-4C6D-A90A-FB4CDD31FFC6}" type="slidenum">
               <a:rPr lang="de-DE" smtClean="0"/>
-              <a:t>20</a:t>
+              <a:t>24</a:t>
             </a:fld>
             <a:endParaRPr lang="de-DE"/>
           </a:p>
@@ -1330,7 +1339,7 @@
           <a:p>
             <a:fld id="{4951A4F0-27A8-4C6D-A90A-FB4CDD31FFC6}" type="slidenum">
               <a:rPr lang="de-DE" smtClean="0"/>
-              <a:t>21</a:t>
+              <a:t>25</a:t>
             </a:fld>
             <a:endParaRPr lang="de-DE"/>
           </a:p>
@@ -1574,7 +1583,7 @@
           <a:p>
             <a:fld id="{4951A4F0-27A8-4C6D-A90A-FB4CDD31FFC6}" type="slidenum">
               <a:rPr lang="de-DE" smtClean="0"/>
-              <a:t>22</a:t>
+              <a:t>26</a:t>
             </a:fld>
             <a:endParaRPr lang="de-DE"/>
           </a:p>
@@ -1758,7 +1767,7 @@
           <a:p>
             <a:fld id="{4951A4F0-27A8-4C6D-A90A-FB4CDD31FFC6}" type="slidenum">
               <a:rPr lang="de-DE" smtClean="0"/>
-              <a:t>23</a:t>
+              <a:t>27</a:t>
             </a:fld>
             <a:endParaRPr lang="de-DE"/>
           </a:p>
@@ -1942,7 +1951,7 @@
           <a:p>
             <a:fld id="{4951A4F0-27A8-4C6D-A90A-FB4CDD31FFC6}" type="slidenum">
               <a:rPr lang="de-DE" smtClean="0"/>
-              <a:t>24</a:t>
+              <a:t>28</a:t>
             </a:fld>
             <a:endParaRPr lang="de-DE"/>
           </a:p>
@@ -2126,7 +2135,7 @@
           <a:p>
             <a:fld id="{4951A4F0-27A8-4C6D-A90A-FB4CDD31FFC6}" type="slidenum">
               <a:rPr lang="de-DE" smtClean="0"/>
-              <a:t>25</a:t>
+              <a:t>29</a:t>
             </a:fld>
             <a:endParaRPr lang="de-DE"/>
           </a:p>
@@ -2301,7 +2310,7 @@
           <a:p>
             <a:fld id="{4951A4F0-27A8-4C6D-A90A-FB4CDD31FFC6}" type="slidenum">
               <a:rPr lang="de-DE" smtClean="0"/>
-              <a:t>3</a:t>
+              <a:t>5</a:t>
             </a:fld>
             <a:endParaRPr lang="de-DE"/>
           </a:p>
@@ -2485,7 +2494,7 @@
           <a:p>
             <a:fld id="{4951A4F0-27A8-4C6D-A90A-FB4CDD31FFC6}" type="slidenum">
               <a:rPr lang="de-DE" smtClean="0"/>
-              <a:t>26</a:t>
+              <a:t>30</a:t>
             </a:fld>
             <a:endParaRPr lang="de-DE"/>
           </a:p>
@@ -2593,7 +2602,7 @@
           <a:p>
             <a:fld id="{4951A4F0-27A8-4C6D-A90A-FB4CDD31FFC6}" type="slidenum">
               <a:rPr lang="de-DE" smtClean="0"/>
-              <a:t>27</a:t>
+              <a:t>32</a:t>
             </a:fld>
             <a:endParaRPr lang="de-DE"/>
           </a:p>
@@ -2700,7 +2709,7 @@
           <a:p>
             <a:fld id="{4951A4F0-27A8-4C6D-A90A-FB4CDD31FFC6}" type="slidenum">
               <a:rPr lang="de-DE" smtClean="0"/>
-              <a:t>28</a:t>
+              <a:t>34</a:t>
             </a:fld>
             <a:endParaRPr lang="de-DE"/>
           </a:p>
@@ -2807,7 +2816,7 @@
           <a:p>
             <a:fld id="{4951A4F0-27A8-4C6D-A90A-FB4CDD31FFC6}" type="slidenum">
               <a:rPr lang="de-DE" smtClean="0"/>
-              <a:t>29</a:t>
+              <a:t>35</a:t>
             </a:fld>
             <a:endParaRPr lang="de-DE"/>
           </a:p>
@@ -2914,7 +2923,7 @@
           <a:p>
             <a:fld id="{4951A4F0-27A8-4C6D-A90A-FB4CDD31FFC6}" type="slidenum">
               <a:rPr lang="de-DE" smtClean="0"/>
-              <a:t>30</a:t>
+              <a:t>36</a:t>
             </a:fld>
             <a:endParaRPr lang="de-DE"/>
           </a:p>
@@ -3019,7 +3028,7 @@
           <a:p>
             <a:fld id="{4951A4F0-27A8-4C6D-A90A-FB4CDD31FFC6}" type="slidenum">
               <a:rPr lang="de-DE" smtClean="0"/>
-              <a:t>31</a:t>
+              <a:t>37</a:t>
             </a:fld>
             <a:endParaRPr lang="de-DE"/>
           </a:p>
@@ -3110,7 +3119,7 @@
           <a:p>
             <a:fld id="{4951A4F0-27A8-4C6D-A90A-FB4CDD31FFC6}" type="slidenum">
               <a:rPr lang="de-DE" smtClean="0"/>
-              <a:t>32</a:t>
+              <a:t>38</a:t>
             </a:fld>
             <a:endParaRPr lang="de-DE"/>
           </a:p>
@@ -3246,7 +3255,7 @@
           <a:p>
             <a:fld id="{4951A4F0-27A8-4C6D-A90A-FB4CDD31FFC6}" type="slidenum">
               <a:rPr lang="de-DE" smtClean="0"/>
-              <a:t>41</a:t>
+              <a:t>50</a:t>
             </a:fld>
             <a:endParaRPr lang="de-DE"/>
           </a:p>
@@ -3382,7 +3391,7 @@
           <a:p>
             <a:fld id="{4951A4F0-27A8-4C6D-A90A-FB4CDD31FFC6}" type="slidenum">
               <a:rPr lang="de-DE" smtClean="0"/>
-              <a:t>42</a:t>
+              <a:t>51</a:t>
             </a:fld>
             <a:endParaRPr lang="de-DE"/>
           </a:p>
@@ -3486,7 +3495,7 @@
           <a:p>
             <a:fld id="{4951A4F0-27A8-4C6D-A90A-FB4CDD31FFC6}" type="slidenum">
               <a:rPr lang="de-DE" smtClean="0"/>
-              <a:t>44</a:t>
+              <a:t>53</a:t>
             </a:fld>
             <a:endParaRPr lang="de-DE"/>
           </a:p>
@@ -3570,7 +3579,7 @@
           <a:p>
             <a:fld id="{4951A4F0-27A8-4C6D-A90A-FB4CDD31FFC6}" type="slidenum">
               <a:rPr lang="de-DE" smtClean="0"/>
-              <a:t>4</a:t>
+              <a:t>6</a:t>
             </a:fld>
             <a:endParaRPr lang="de-DE"/>
           </a:p>
@@ -3654,7 +3663,7 @@
           <a:p>
             <a:fld id="{4951A4F0-27A8-4C6D-A90A-FB4CDD31FFC6}" type="slidenum">
               <a:rPr lang="de-DE" smtClean="0"/>
-              <a:t>5</a:t>
+              <a:t>7</a:t>
             </a:fld>
             <a:endParaRPr lang="de-DE"/>
           </a:p>
@@ -3761,7 +3770,7 @@
           <a:p>
             <a:fld id="{4951A4F0-27A8-4C6D-A90A-FB4CDD31FFC6}" type="slidenum">
               <a:rPr lang="de-DE" smtClean="0"/>
-              <a:t>6</a:t>
+              <a:t>8</a:t>
             </a:fld>
             <a:endParaRPr lang="de-DE"/>
           </a:p>
@@ -3853,7 +3862,7 @@
           <a:p>
             <a:fld id="{4951A4F0-27A8-4C6D-A90A-FB4CDD31FFC6}" type="slidenum">
               <a:rPr lang="de-DE" smtClean="0"/>
-              <a:t>7</a:t>
+              <a:t>9</a:t>
             </a:fld>
             <a:endParaRPr lang="de-DE"/>
           </a:p>
@@ -3937,7 +3946,7 @@
           <a:p>
             <a:fld id="{4951A4F0-27A8-4C6D-A90A-FB4CDD31FFC6}" type="slidenum">
               <a:rPr lang="de-DE" smtClean="0"/>
-              <a:t>8</a:t>
+              <a:t>10</a:t>
             </a:fld>
             <a:endParaRPr lang="de-DE"/>
           </a:p>
@@ -4024,7 +4033,7 @@
           <a:p>
             <a:fld id="{4951A4F0-27A8-4C6D-A90A-FB4CDD31FFC6}" type="slidenum">
               <a:rPr lang="de-DE" smtClean="0"/>
-              <a:t>11</a:t>
+              <a:t>13</a:t>
             </a:fld>
             <a:endParaRPr lang="de-DE"/>
           </a:p>
@@ -4151,7 +4160,7 @@
           <a:p>
             <a:fld id="{4951A4F0-27A8-4C6D-A90A-FB4CDD31FFC6}" type="slidenum">
               <a:rPr lang="de-DE" smtClean="0"/>
-              <a:t>12</a:t>
+              <a:t>14</a:t>
             </a:fld>
             <a:endParaRPr lang="de-DE"/>
           </a:p>
@@ -4317,7 +4326,7 @@
           <a:p>
             <a:fld id="{3A538C34-53B0-4EA9-8596-22F17B12308D}" type="datetimeFigureOut">
               <a:rPr lang="de-DE" smtClean="0"/>
-              <a:t>24.06.2019</a:t>
+              <a:t>25.06.2019</a:t>
             </a:fld>
             <a:endParaRPr lang="de-DE"/>
           </a:p>
@@ -4515,7 +4524,7 @@
           <a:p>
             <a:fld id="{3A538C34-53B0-4EA9-8596-22F17B12308D}" type="datetimeFigureOut">
               <a:rPr lang="de-DE" smtClean="0"/>
-              <a:t>24.06.2019</a:t>
+              <a:t>25.06.2019</a:t>
             </a:fld>
             <a:endParaRPr lang="de-DE"/>
           </a:p>
@@ -4723,7 +4732,7 @@
           <a:p>
             <a:fld id="{3A538C34-53B0-4EA9-8596-22F17B12308D}" type="datetimeFigureOut">
               <a:rPr lang="de-DE" smtClean="0"/>
-              <a:t>24.06.2019</a:t>
+              <a:t>25.06.2019</a:t>
             </a:fld>
             <a:endParaRPr lang="de-DE"/>
           </a:p>
@@ -4921,7 +4930,7 @@
           <a:p>
             <a:fld id="{3A538C34-53B0-4EA9-8596-22F17B12308D}" type="datetimeFigureOut">
               <a:rPr lang="de-DE" smtClean="0"/>
-              <a:t>24.06.2019</a:t>
+              <a:t>25.06.2019</a:t>
             </a:fld>
             <a:endParaRPr lang="de-DE"/>
           </a:p>
@@ -5196,7 +5205,7 @@
           <a:p>
             <a:fld id="{3A538C34-53B0-4EA9-8596-22F17B12308D}" type="datetimeFigureOut">
               <a:rPr lang="de-DE" smtClean="0"/>
-              <a:t>24.06.2019</a:t>
+              <a:t>25.06.2019</a:t>
             </a:fld>
             <a:endParaRPr lang="de-DE"/>
           </a:p>
@@ -5461,7 +5470,7 @@
           <a:p>
             <a:fld id="{3A538C34-53B0-4EA9-8596-22F17B12308D}" type="datetimeFigureOut">
               <a:rPr lang="de-DE" smtClean="0"/>
-              <a:t>24.06.2019</a:t>
+              <a:t>25.06.2019</a:t>
             </a:fld>
             <a:endParaRPr lang="de-DE"/>
           </a:p>
@@ -5873,7 +5882,7 @@
           <a:p>
             <a:fld id="{3A538C34-53B0-4EA9-8596-22F17B12308D}" type="datetimeFigureOut">
               <a:rPr lang="de-DE" smtClean="0"/>
-              <a:t>24.06.2019</a:t>
+              <a:t>25.06.2019</a:t>
             </a:fld>
             <a:endParaRPr lang="de-DE"/>
           </a:p>
@@ -6014,7 +6023,7 @@
           <a:p>
             <a:fld id="{3A538C34-53B0-4EA9-8596-22F17B12308D}" type="datetimeFigureOut">
               <a:rPr lang="de-DE" smtClean="0"/>
-              <a:t>24.06.2019</a:t>
+              <a:t>25.06.2019</a:t>
             </a:fld>
             <a:endParaRPr lang="de-DE"/>
           </a:p>
@@ -6127,7 +6136,7 @@
           <a:p>
             <a:fld id="{3A538C34-53B0-4EA9-8596-22F17B12308D}" type="datetimeFigureOut">
               <a:rPr lang="de-DE" smtClean="0"/>
-              <a:t>24.06.2019</a:t>
+              <a:t>25.06.2019</a:t>
             </a:fld>
             <a:endParaRPr lang="de-DE"/>
           </a:p>
@@ -6438,7 +6447,7 @@
           <a:p>
             <a:fld id="{3A538C34-53B0-4EA9-8596-22F17B12308D}" type="datetimeFigureOut">
               <a:rPr lang="de-DE" smtClean="0"/>
-              <a:t>24.06.2019</a:t>
+              <a:t>25.06.2019</a:t>
             </a:fld>
             <a:endParaRPr lang="de-DE"/>
           </a:p>
@@ -6726,7 +6735,7 @@
           <a:p>
             <a:fld id="{3A538C34-53B0-4EA9-8596-22F17B12308D}" type="datetimeFigureOut">
               <a:rPr lang="de-DE" smtClean="0"/>
-              <a:t>24.06.2019</a:t>
+              <a:t>25.06.2019</a:t>
             </a:fld>
             <a:endParaRPr lang="de-DE"/>
           </a:p>
@@ -6967,7 +6976,7 @@
           <a:p>
             <a:fld id="{3A538C34-53B0-4EA9-8596-22F17B12308D}" type="datetimeFigureOut">
               <a:rPr lang="de-DE" smtClean="0"/>
-              <a:t>24.06.2019</a:t>
+              <a:t>25.06.2019</a:t>
             </a:fld>
             <a:endParaRPr lang="de-DE"/>
           </a:p>
@@ -7609,6 +7618,925 @@
           </a:bodyPr>
           <a:lstStyle/>
           <a:p>
+            <a:r>
+              <a:rPr lang="en-US" dirty="0">
+                <a:solidFill>
+                  <a:srgbClr val="7B30D0"/>
+                </a:solidFill>
+                <a:latin typeface="Fira Code" panose="020B0509050000020004" pitchFamily="49" charset="0"/>
+              </a:rPr>
+              <a:t>query</a:t>
+            </a:r>
+            <a:r>
+              <a:rPr lang="en-US" dirty="0">
+                <a:solidFill>
+                  <a:srgbClr val="236EBF"/>
+                </a:solidFill>
+                <a:latin typeface="Fira Code" panose="020B0509050000020004" pitchFamily="49" charset="0"/>
+              </a:rPr>
+              <a:t> </a:t>
+            </a:r>
+            <a:r>
+              <a:rPr lang="en-US" dirty="0" err="1">
+                <a:solidFill>
+                  <a:srgbClr val="B1108E"/>
+                </a:solidFill>
+                <a:latin typeface="Fira Code" panose="020B0509050000020004" pitchFamily="49" charset="0"/>
+              </a:rPr>
+              <a:t>PostsTitleAndContent</a:t>
+            </a:r>
+            <a:r>
+              <a:rPr lang="en-US" dirty="0">
+                <a:solidFill>
+                  <a:srgbClr val="236EBF"/>
+                </a:solidFill>
+                <a:latin typeface="Fira Code" panose="020B0509050000020004" pitchFamily="49" charset="0"/>
+              </a:rPr>
+              <a:t> {</a:t>
+            </a:r>
+          </a:p>
+          <a:p>
+            <a:r>
+              <a:rPr lang="en-US" dirty="0">
+                <a:solidFill>
+                  <a:srgbClr val="2F86D2"/>
+                </a:solidFill>
+                <a:latin typeface="Fira Code" panose="020B0509050000020004" pitchFamily="49" charset="0"/>
+              </a:rPr>
+              <a:t>  posts</a:t>
+            </a:r>
+            <a:r>
+              <a:rPr lang="en-US" dirty="0">
+                <a:solidFill>
+                  <a:srgbClr val="236EBF"/>
+                </a:solidFill>
+                <a:latin typeface="Fira Code" panose="020B0509050000020004" pitchFamily="49" charset="0"/>
+              </a:rPr>
+              <a:t> {</a:t>
+            </a:r>
+          </a:p>
+          <a:p>
+            <a:r>
+              <a:rPr lang="en-US" dirty="0">
+                <a:solidFill>
+                  <a:srgbClr val="2F86D2"/>
+                </a:solidFill>
+                <a:latin typeface="Fira Code" panose="020B0509050000020004" pitchFamily="49" charset="0"/>
+              </a:rPr>
+              <a:t>    title</a:t>
+            </a:r>
+            <a:endParaRPr lang="en-US" dirty="0">
+              <a:solidFill>
+                <a:srgbClr val="236EBF"/>
+              </a:solidFill>
+              <a:latin typeface="Fira Code" panose="020B0509050000020004" pitchFamily="49" charset="0"/>
+            </a:endParaRPr>
+          </a:p>
+          <a:p>
+            <a:r>
+              <a:rPr lang="en-US" dirty="0">
+                <a:solidFill>
+                  <a:srgbClr val="2F86D2"/>
+                </a:solidFill>
+                <a:latin typeface="Fira Code" panose="020B0509050000020004" pitchFamily="49" charset="0"/>
+              </a:rPr>
+              <a:t>    content</a:t>
+            </a:r>
+            <a:endParaRPr lang="en-US" dirty="0">
+              <a:solidFill>
+                <a:srgbClr val="236EBF"/>
+              </a:solidFill>
+              <a:latin typeface="Fira Code" panose="020B0509050000020004" pitchFamily="49" charset="0"/>
+            </a:endParaRPr>
+          </a:p>
+          <a:p>
+            <a:r>
+              <a:rPr lang="en-US" dirty="0">
+                <a:solidFill>
+                  <a:srgbClr val="236EBF"/>
+                </a:solidFill>
+                <a:latin typeface="Fira Code" panose="020B0509050000020004" pitchFamily="49" charset="0"/>
+              </a:rPr>
+              <a:t>  }</a:t>
+            </a:r>
+          </a:p>
+          <a:p>
+            <a:r>
+              <a:rPr lang="en-US" dirty="0">
+                <a:solidFill>
+                  <a:srgbClr val="236EBF"/>
+                </a:solidFill>
+                <a:latin typeface="Fira Code" panose="020B0509050000020004" pitchFamily="49" charset="0"/>
+              </a:rPr>
+              <a:t>}</a:t>
+            </a:r>
+          </a:p>
+        </p:txBody>
+      </p:sp>
+      <p:pic>
+        <p:nvPicPr>
+          <p:cNvPr id="3" name="Picture 6">
+            <a:extLst>
+              <a:ext uri="{FF2B5EF4-FFF2-40B4-BE49-F238E27FC236}">
+                <a16:creationId xmlns:a16="http://schemas.microsoft.com/office/drawing/2014/main" id="{95304938-8737-439A-B18B-96DED9B54370}"/>
+              </a:ext>
+            </a:extLst>
+          </p:cNvPr>
+          <p:cNvPicPr>
+            <a:picLocks noChangeAspect="1" noChangeArrowheads="1"/>
+          </p:cNvPicPr>
+          <p:nvPr/>
+        </p:nvPicPr>
+        <p:blipFill>
+          <a:blip r:embed="rId3">
+            <a:extLst>
+              <a:ext uri="{28A0092B-C50C-407E-A947-70E740481C1C}">
+                <a14:useLocalDpi xmlns:a14="http://schemas.microsoft.com/office/drawing/2010/main" val="0"/>
+              </a:ext>
+            </a:extLst>
+          </a:blip>
+          <a:stretch>
+            <a:fillRect/>
+          </a:stretch>
+        </p:blipFill>
+        <p:spPr bwMode="auto">
+          <a:xfrm>
+            <a:off x="10564167" y="6353503"/>
+            <a:ext cx="1475682" cy="352753"/>
+          </a:xfrm>
+          <a:prstGeom prst="rect">
+            <a:avLst/>
+          </a:prstGeom>
+          <a:noFill/>
+          <a:extLst>
+            <a:ext uri="{909E8E84-426E-40DD-AFC4-6F175D3DCCD1}">
+              <a14:hiddenFill xmlns:a14="http://schemas.microsoft.com/office/drawing/2010/main">
+                <a:solidFill>
+                  <a:srgbClr val="FFFFFF"/>
+                </a:solidFill>
+              </a14:hiddenFill>
+            </a:ext>
+          </a:extLst>
+        </p:spPr>
+      </p:pic>
+      <p:sp>
+        <p:nvSpPr>
+          <p:cNvPr id="6" name="Titel 4">
+            <a:extLst>
+              <a:ext uri="{FF2B5EF4-FFF2-40B4-BE49-F238E27FC236}">
+                <a16:creationId xmlns:a16="http://schemas.microsoft.com/office/drawing/2014/main" id="{13D31E87-1475-444D-B032-F4D3721C269A}"/>
+              </a:ext>
+            </a:extLst>
+          </p:cNvPr>
+          <p:cNvSpPr>
+            <a:spLocks noGrp="1"/>
+          </p:cNvSpPr>
+          <p:nvPr>
+            <p:ph type="title"/>
+          </p:nvPr>
+        </p:nvSpPr>
+        <p:spPr>
+          <a:xfrm>
+            <a:off x="838200" y="365125"/>
+            <a:ext cx="10515600" cy="1325563"/>
+          </a:xfrm>
+        </p:spPr>
+        <p:txBody>
+          <a:bodyPr/>
+          <a:lstStyle/>
+          <a:p>
+            <a:pPr algn="ctr"/>
+            <a:r>
+              <a:rPr lang="de-DE" dirty="0"/>
+              <a:t>Datenabfrage</a:t>
+            </a:r>
+          </a:p>
+        </p:txBody>
+      </p:sp>
+    </p:spTree>
+    <p:extLst>
+      <p:ext uri="{BB962C8B-B14F-4D97-AF65-F5344CB8AC3E}">
+        <p14:creationId xmlns:p14="http://schemas.microsoft.com/office/powerpoint/2010/main" val="3672302930"/>
+      </p:ext>
+    </p:extLst>
+  </p:cSld>
+  <p:clrMapOvr>
+    <a:masterClrMapping/>
+  </p:clrMapOvr>
+</p:sld>
+</file>
+
+<file path=ppt/slides/slide11.xml><?xml version="1.0" encoding="utf-8"?>
+<p:sld xmlns:a="http://schemas.openxmlformats.org/drawingml/2006/main" xmlns:r="http://schemas.openxmlformats.org/officeDocument/2006/relationships" xmlns:p="http://schemas.openxmlformats.org/presentationml/2006/main">
+  <p:cSld>
+    <p:bg>
+      <p:bgPr>
+        <a:solidFill>
+          <a:schemeClr val="bg1"/>
+        </a:solidFill>
+        <a:effectLst/>
+      </p:bgPr>
+    </p:bg>
+    <p:spTree>
+      <p:nvGrpSpPr>
+        <p:cNvPr id="1" name=""/>
+        <p:cNvGrpSpPr/>
+        <p:nvPr/>
+      </p:nvGrpSpPr>
+      <p:grpSpPr>
+        <a:xfrm>
+          <a:off x="0" y="0"/>
+          <a:ext cx="0" cy="0"/>
+          <a:chOff x="0" y="0"/>
+          <a:chExt cx="0" cy="0"/>
+        </a:xfrm>
+      </p:grpSpPr>
+      <p:sp>
+        <p:nvSpPr>
+          <p:cNvPr id="7" name="Rechteck 6">
+            <a:extLst>
+              <a:ext uri="{FF2B5EF4-FFF2-40B4-BE49-F238E27FC236}">
+                <a16:creationId xmlns:a16="http://schemas.microsoft.com/office/drawing/2014/main" id="{EA030FA5-D32F-4568-B2D5-AFE0D1428D14}"/>
+              </a:ext>
+            </a:extLst>
+          </p:cNvPr>
+          <p:cNvSpPr/>
+          <p:nvPr/>
+        </p:nvSpPr>
+        <p:spPr>
+          <a:xfrm>
+            <a:off x="3924014" y="2551837"/>
+            <a:ext cx="4343972" cy="1754326"/>
+          </a:xfrm>
+          <a:prstGeom prst="rect">
+            <a:avLst/>
+          </a:prstGeom>
+        </p:spPr>
+        <p:txBody>
+          <a:bodyPr wrap="square">
+            <a:spAutoFit/>
+          </a:bodyPr>
+          <a:lstStyle/>
+          <a:p>
+            <a:pPr marL="0" marR="0" lvl="0" indent="0" algn="l" defTabSz="914400" rtl="0" eaLnBrk="1" fontAlgn="auto" latinLnBrk="0" hangingPunct="1">
+              <a:lnSpc>
+                <a:spcPct val="100000"/>
+              </a:lnSpc>
+              <a:spcBef>
+                <a:spcPts val="0"/>
+              </a:spcBef>
+              <a:spcAft>
+                <a:spcPts val="0"/>
+              </a:spcAft>
+              <a:buClrTx/>
+              <a:buSzTx/>
+              <a:buFontTx/>
+              <a:buNone/>
+              <a:tabLst/>
+              <a:defRPr/>
+            </a:pPr>
+            <a:r>
+              <a:rPr lang="en-US" dirty="0">
+                <a:solidFill>
+                  <a:srgbClr val="7B30D0"/>
+                </a:solidFill>
+                <a:latin typeface="Fira Code" panose="020B0509050000020004" pitchFamily="49" charset="0"/>
+              </a:rPr>
+              <a:t>query</a:t>
+            </a:r>
+            <a:r>
+              <a:rPr kumimoji="0" lang="en-US" sz="1800" b="0" i="0" u="none" strike="noStrike" kern="1200" cap="none" spc="0" normalizeH="0" baseline="0" noProof="0" dirty="0">
+                <a:ln>
+                  <a:noFill/>
+                </a:ln>
+                <a:solidFill>
+                  <a:srgbClr val="F8F8F2"/>
+                </a:solidFill>
+                <a:effectLst/>
+                <a:uLnTx/>
+                <a:uFillTx/>
+                <a:latin typeface="Fira Code" panose="020B0509050000020004" pitchFamily="49" charset="0"/>
+                <a:ea typeface="+mn-ea"/>
+                <a:cs typeface="+mn-cs"/>
+              </a:rPr>
+              <a:t> </a:t>
+            </a:r>
+            <a:r>
+              <a:rPr kumimoji="0" lang="en-US" sz="1800" b="0" i="0" u="none" strike="noStrike" kern="1200" cap="none" spc="0" normalizeH="0" baseline="0" noProof="0" dirty="0" err="1">
+                <a:ln>
+                  <a:noFill/>
+                </a:ln>
+                <a:solidFill>
+                  <a:schemeClr val="bg2">
+                    <a:lumMod val="75000"/>
+                  </a:schemeClr>
+                </a:solidFill>
+                <a:effectLst/>
+                <a:uLnTx/>
+                <a:uFillTx/>
+                <a:latin typeface="Fira Code" panose="020B0509050000020004" pitchFamily="49" charset="0"/>
+                <a:ea typeface="+mn-ea"/>
+                <a:cs typeface="+mn-cs"/>
+              </a:rPr>
+              <a:t>PostsTitleAndContent</a:t>
+            </a:r>
+            <a:r>
+              <a:rPr kumimoji="0" lang="en-US" sz="1800" b="0" i="0" u="none" strike="noStrike" kern="1200" cap="none" spc="0" normalizeH="0" baseline="0" noProof="0" dirty="0">
+                <a:ln>
+                  <a:noFill/>
+                </a:ln>
+                <a:solidFill>
+                  <a:schemeClr val="bg2">
+                    <a:lumMod val="75000"/>
+                  </a:schemeClr>
+                </a:solidFill>
+                <a:effectLst/>
+                <a:uLnTx/>
+                <a:uFillTx/>
+                <a:latin typeface="Fira Code" panose="020B0509050000020004" pitchFamily="49" charset="0"/>
+                <a:ea typeface="+mn-ea"/>
+                <a:cs typeface="+mn-cs"/>
+              </a:rPr>
+              <a:t> {</a:t>
+            </a:r>
+          </a:p>
+          <a:p>
+            <a:pPr marL="0" marR="0" lvl="0" indent="0" algn="l" defTabSz="914400" rtl="0" eaLnBrk="1" fontAlgn="auto" latinLnBrk="0" hangingPunct="1">
+              <a:lnSpc>
+                <a:spcPct val="100000"/>
+              </a:lnSpc>
+              <a:spcBef>
+                <a:spcPts val="0"/>
+              </a:spcBef>
+              <a:spcAft>
+                <a:spcPts val="0"/>
+              </a:spcAft>
+              <a:buClrTx/>
+              <a:buSzTx/>
+              <a:buFontTx/>
+              <a:buNone/>
+              <a:tabLst/>
+              <a:defRPr/>
+            </a:pPr>
+            <a:r>
+              <a:rPr kumimoji="0" lang="en-US" sz="1800" b="0" i="0" u="none" strike="noStrike" kern="1200" cap="none" spc="0" normalizeH="0" baseline="0" noProof="0" dirty="0">
+                <a:ln>
+                  <a:noFill/>
+                </a:ln>
+                <a:solidFill>
+                  <a:schemeClr val="bg2">
+                    <a:lumMod val="75000"/>
+                  </a:schemeClr>
+                </a:solidFill>
+                <a:effectLst/>
+                <a:uLnTx/>
+                <a:uFillTx/>
+                <a:latin typeface="Fira Code" panose="020B0509050000020004" pitchFamily="49" charset="0"/>
+                <a:ea typeface="+mn-ea"/>
+                <a:cs typeface="+mn-cs"/>
+              </a:rPr>
+              <a:t>  posts {</a:t>
+            </a:r>
+          </a:p>
+          <a:p>
+            <a:pPr marL="0" marR="0" lvl="0" indent="0" algn="l" defTabSz="914400" rtl="0" eaLnBrk="1" fontAlgn="auto" latinLnBrk="0" hangingPunct="1">
+              <a:lnSpc>
+                <a:spcPct val="100000"/>
+              </a:lnSpc>
+              <a:spcBef>
+                <a:spcPts val="0"/>
+              </a:spcBef>
+              <a:spcAft>
+                <a:spcPts val="0"/>
+              </a:spcAft>
+              <a:buClrTx/>
+              <a:buSzTx/>
+              <a:buFontTx/>
+              <a:buNone/>
+              <a:tabLst/>
+              <a:defRPr/>
+            </a:pPr>
+            <a:r>
+              <a:rPr kumimoji="0" lang="en-US" sz="1800" b="0" i="0" u="none" strike="noStrike" kern="1200" cap="none" spc="0" normalizeH="0" baseline="0" noProof="0" dirty="0">
+                <a:ln>
+                  <a:noFill/>
+                </a:ln>
+                <a:solidFill>
+                  <a:schemeClr val="bg2">
+                    <a:lumMod val="75000"/>
+                  </a:schemeClr>
+                </a:solidFill>
+                <a:effectLst/>
+                <a:uLnTx/>
+                <a:uFillTx/>
+                <a:latin typeface="Fira Code" panose="020B0509050000020004" pitchFamily="49" charset="0"/>
+                <a:ea typeface="+mn-ea"/>
+                <a:cs typeface="+mn-cs"/>
+              </a:rPr>
+              <a:t>    title</a:t>
+            </a:r>
+          </a:p>
+          <a:p>
+            <a:pPr marL="0" marR="0" lvl="0" indent="0" algn="l" defTabSz="914400" rtl="0" eaLnBrk="1" fontAlgn="auto" latinLnBrk="0" hangingPunct="1">
+              <a:lnSpc>
+                <a:spcPct val="100000"/>
+              </a:lnSpc>
+              <a:spcBef>
+                <a:spcPts val="0"/>
+              </a:spcBef>
+              <a:spcAft>
+                <a:spcPts val="0"/>
+              </a:spcAft>
+              <a:buClrTx/>
+              <a:buSzTx/>
+              <a:buFontTx/>
+              <a:buNone/>
+              <a:tabLst/>
+              <a:defRPr/>
+            </a:pPr>
+            <a:r>
+              <a:rPr kumimoji="0" lang="en-US" sz="1800" b="0" i="0" u="none" strike="noStrike" kern="1200" cap="none" spc="0" normalizeH="0" baseline="0" noProof="0" dirty="0">
+                <a:ln>
+                  <a:noFill/>
+                </a:ln>
+                <a:solidFill>
+                  <a:schemeClr val="bg2">
+                    <a:lumMod val="75000"/>
+                  </a:schemeClr>
+                </a:solidFill>
+                <a:effectLst/>
+                <a:uLnTx/>
+                <a:uFillTx/>
+                <a:latin typeface="Fira Code" panose="020B0509050000020004" pitchFamily="49" charset="0"/>
+                <a:ea typeface="+mn-ea"/>
+                <a:cs typeface="+mn-cs"/>
+              </a:rPr>
+              <a:t>    content</a:t>
+            </a:r>
+          </a:p>
+          <a:p>
+            <a:pPr marL="0" marR="0" lvl="0" indent="0" algn="l" defTabSz="914400" rtl="0" eaLnBrk="1" fontAlgn="auto" latinLnBrk="0" hangingPunct="1">
+              <a:lnSpc>
+                <a:spcPct val="100000"/>
+              </a:lnSpc>
+              <a:spcBef>
+                <a:spcPts val="0"/>
+              </a:spcBef>
+              <a:spcAft>
+                <a:spcPts val="0"/>
+              </a:spcAft>
+              <a:buClrTx/>
+              <a:buSzTx/>
+              <a:buFontTx/>
+              <a:buNone/>
+              <a:tabLst/>
+              <a:defRPr/>
+            </a:pPr>
+            <a:r>
+              <a:rPr kumimoji="0" lang="en-US" sz="1800" b="0" i="0" u="none" strike="noStrike" kern="1200" cap="none" spc="0" normalizeH="0" baseline="0" noProof="0" dirty="0">
+                <a:ln>
+                  <a:noFill/>
+                </a:ln>
+                <a:solidFill>
+                  <a:schemeClr val="bg2">
+                    <a:lumMod val="75000"/>
+                  </a:schemeClr>
+                </a:solidFill>
+                <a:effectLst/>
+                <a:uLnTx/>
+                <a:uFillTx/>
+                <a:latin typeface="Fira Code" panose="020B0509050000020004" pitchFamily="49" charset="0"/>
+                <a:ea typeface="+mn-ea"/>
+                <a:cs typeface="+mn-cs"/>
+              </a:rPr>
+              <a:t>  }</a:t>
+            </a:r>
+          </a:p>
+          <a:p>
+            <a:pPr marL="0" marR="0" lvl="0" indent="0" algn="l" defTabSz="914400" rtl="0" eaLnBrk="1" fontAlgn="auto" latinLnBrk="0" hangingPunct="1">
+              <a:lnSpc>
+                <a:spcPct val="100000"/>
+              </a:lnSpc>
+              <a:spcBef>
+                <a:spcPts val="0"/>
+              </a:spcBef>
+              <a:spcAft>
+                <a:spcPts val="0"/>
+              </a:spcAft>
+              <a:buClrTx/>
+              <a:buSzTx/>
+              <a:buFontTx/>
+              <a:buNone/>
+              <a:tabLst/>
+              <a:defRPr/>
+            </a:pPr>
+            <a:r>
+              <a:rPr kumimoji="0" lang="en-US" sz="1800" b="0" i="0" u="none" strike="noStrike" kern="1200" cap="none" spc="0" normalizeH="0" baseline="0" noProof="0" dirty="0">
+                <a:ln>
+                  <a:noFill/>
+                </a:ln>
+                <a:solidFill>
+                  <a:schemeClr val="bg2">
+                    <a:lumMod val="75000"/>
+                  </a:schemeClr>
+                </a:solidFill>
+                <a:effectLst/>
+                <a:uLnTx/>
+                <a:uFillTx/>
+                <a:latin typeface="Fira Code" panose="020B0509050000020004" pitchFamily="49" charset="0"/>
+                <a:ea typeface="+mn-ea"/>
+                <a:cs typeface="+mn-cs"/>
+              </a:rPr>
+              <a:t>}</a:t>
+            </a:r>
+          </a:p>
+        </p:txBody>
+      </p:sp>
+      <p:sp>
+        <p:nvSpPr>
+          <p:cNvPr id="2" name="Rechteck 1">
+            <a:extLst>
+              <a:ext uri="{FF2B5EF4-FFF2-40B4-BE49-F238E27FC236}">
+                <a16:creationId xmlns:a16="http://schemas.microsoft.com/office/drawing/2014/main" id="{C0C89332-EAA2-45A9-8A22-9B4244C56635}"/>
+              </a:ext>
+            </a:extLst>
+          </p:cNvPr>
+          <p:cNvSpPr/>
+          <p:nvPr/>
+        </p:nvSpPr>
+        <p:spPr>
+          <a:xfrm>
+            <a:off x="3430719" y="1354411"/>
+            <a:ext cx="1835675" cy="419387"/>
+          </a:xfrm>
+          <a:prstGeom prst="rect">
+            <a:avLst/>
+          </a:prstGeom>
+          <a:noFill/>
+          <a:ln w="12700">
+            <a:solidFill>
+              <a:srgbClr val="7B30D0"/>
+            </a:solidFill>
+          </a:ln>
+        </p:spPr>
+        <p:style>
+          <a:lnRef idx="0">
+            <a:scrgbClr r="0" g="0" b="0"/>
+          </a:lnRef>
+          <a:fillRef idx="0">
+            <a:scrgbClr r="0" g="0" b="0"/>
+          </a:fillRef>
+          <a:effectRef idx="0">
+            <a:scrgbClr r="0" g="0" b="0"/>
+          </a:effectRef>
+          <a:fontRef idx="minor">
+            <a:schemeClr val="dk1"/>
+          </a:fontRef>
+        </p:style>
+        <p:txBody>
+          <a:bodyPr rtlCol="0" anchor="ctr"/>
+          <a:lstStyle/>
+          <a:p>
+            <a:pPr marL="0" marR="0" lvl="0" indent="0" algn="ctr" defTabSz="914400" rtl="0" eaLnBrk="1" fontAlgn="auto" latinLnBrk="0" hangingPunct="1">
+              <a:lnSpc>
+                <a:spcPct val="100000"/>
+              </a:lnSpc>
+              <a:spcBef>
+                <a:spcPts val="0"/>
+              </a:spcBef>
+              <a:spcAft>
+                <a:spcPts val="0"/>
+              </a:spcAft>
+              <a:buClrTx/>
+              <a:buSzTx/>
+              <a:buFontTx/>
+              <a:buNone/>
+              <a:tabLst/>
+              <a:defRPr/>
+            </a:pPr>
+            <a:r>
+              <a:rPr kumimoji="0" lang="de-DE" sz="1800" b="0" i="0" u="none" strike="noStrike" kern="1200" cap="none" spc="0" normalizeH="0" baseline="0" noProof="0" dirty="0">
+                <a:ln>
+                  <a:noFill/>
+                </a:ln>
+                <a:solidFill>
+                  <a:srgbClr val="7B30D0"/>
+                </a:solidFill>
+                <a:effectLst/>
+                <a:uLnTx/>
+                <a:uFillTx/>
+                <a:latin typeface="Calibri" panose="020F0502020204030204"/>
+                <a:ea typeface="+mn-ea"/>
+                <a:cs typeface="+mn-cs"/>
+              </a:rPr>
+              <a:t>Operation Type</a:t>
+            </a:r>
+          </a:p>
+        </p:txBody>
+      </p:sp>
+      <p:cxnSp>
+        <p:nvCxnSpPr>
+          <p:cNvPr id="4" name="Gerade Verbindung mit Pfeil 3">
+            <a:extLst>
+              <a:ext uri="{FF2B5EF4-FFF2-40B4-BE49-F238E27FC236}">
+                <a16:creationId xmlns:a16="http://schemas.microsoft.com/office/drawing/2014/main" id="{45F2B197-C07B-41D3-B398-F9D12F240DED}"/>
+              </a:ext>
+            </a:extLst>
+          </p:cNvPr>
+          <p:cNvCxnSpPr>
+            <a:stCxn id="2" idx="2"/>
+          </p:cNvCxnSpPr>
+          <p:nvPr/>
+        </p:nvCxnSpPr>
+        <p:spPr>
+          <a:xfrm flipH="1">
+            <a:off x="4338244" y="1773798"/>
+            <a:ext cx="10313" cy="778039"/>
+          </a:xfrm>
+          <a:prstGeom prst="straightConnector1">
+            <a:avLst/>
+          </a:prstGeom>
+          <a:ln w="12700">
+            <a:solidFill>
+              <a:srgbClr val="7B30D0"/>
+            </a:solidFill>
+            <a:tailEnd type="triangle"/>
+          </a:ln>
+        </p:spPr>
+        <p:style>
+          <a:lnRef idx="1">
+            <a:schemeClr val="accent1"/>
+          </a:lnRef>
+          <a:fillRef idx="0">
+            <a:schemeClr val="accent1"/>
+          </a:fillRef>
+          <a:effectRef idx="0">
+            <a:schemeClr val="accent1"/>
+          </a:effectRef>
+          <a:fontRef idx="minor">
+            <a:schemeClr val="tx1"/>
+          </a:fontRef>
+        </p:style>
+      </p:cxnSp>
+      <p:pic>
+        <p:nvPicPr>
+          <p:cNvPr id="5" name="Picture 6">
+            <a:extLst>
+              <a:ext uri="{FF2B5EF4-FFF2-40B4-BE49-F238E27FC236}">
+                <a16:creationId xmlns:a16="http://schemas.microsoft.com/office/drawing/2014/main" id="{BB9C04D6-F394-4D1E-96D2-ADEB04F78FEB}"/>
+              </a:ext>
+            </a:extLst>
+          </p:cNvPr>
+          <p:cNvPicPr>
+            <a:picLocks noChangeAspect="1" noChangeArrowheads="1"/>
+          </p:cNvPicPr>
+          <p:nvPr/>
+        </p:nvPicPr>
+        <p:blipFill>
+          <a:blip r:embed="rId2">
+            <a:extLst>
+              <a:ext uri="{28A0092B-C50C-407E-A947-70E740481C1C}">
+                <a14:useLocalDpi xmlns:a14="http://schemas.microsoft.com/office/drawing/2010/main" val="0"/>
+              </a:ext>
+            </a:extLst>
+          </a:blip>
+          <a:stretch>
+            <a:fillRect/>
+          </a:stretch>
+        </p:blipFill>
+        <p:spPr bwMode="auto">
+          <a:xfrm>
+            <a:off x="10564167" y="6353503"/>
+            <a:ext cx="1475682" cy="352753"/>
+          </a:xfrm>
+          <a:prstGeom prst="rect">
+            <a:avLst/>
+          </a:prstGeom>
+          <a:noFill/>
+          <a:extLst>
+            <a:ext uri="{909E8E84-426E-40DD-AFC4-6F175D3DCCD1}">
+              <a14:hiddenFill xmlns:a14="http://schemas.microsoft.com/office/drawing/2010/main">
+                <a:solidFill>
+                  <a:srgbClr val="FFFFFF"/>
+                </a:solidFill>
+              </a14:hiddenFill>
+            </a:ext>
+          </a:extLst>
+        </p:spPr>
+      </p:pic>
+      <p:sp>
+        <p:nvSpPr>
+          <p:cNvPr id="6" name="Titel 4">
+            <a:extLst>
+              <a:ext uri="{FF2B5EF4-FFF2-40B4-BE49-F238E27FC236}">
+                <a16:creationId xmlns:a16="http://schemas.microsoft.com/office/drawing/2014/main" id="{F4454CB3-97CF-4EAD-B669-9BD58C834AF4}"/>
+              </a:ext>
+            </a:extLst>
+          </p:cNvPr>
+          <p:cNvSpPr>
+            <a:spLocks noGrp="1"/>
+          </p:cNvSpPr>
+          <p:nvPr>
+            <p:ph type="title"/>
+          </p:nvPr>
+        </p:nvSpPr>
+        <p:spPr>
+          <a:xfrm>
+            <a:off x="838200" y="365125"/>
+            <a:ext cx="10515600" cy="1325563"/>
+          </a:xfrm>
+        </p:spPr>
+        <p:txBody>
+          <a:bodyPr/>
+          <a:lstStyle/>
+          <a:p>
+            <a:pPr algn="ctr"/>
+            <a:r>
+              <a:rPr lang="de-DE" dirty="0"/>
+              <a:t>Datenabfrage</a:t>
+            </a:r>
+          </a:p>
+        </p:txBody>
+      </p:sp>
+      <p:sp>
+        <p:nvSpPr>
+          <p:cNvPr id="3" name="Rechteck 2">
+            <a:extLst>
+              <a:ext uri="{FF2B5EF4-FFF2-40B4-BE49-F238E27FC236}">
+                <a16:creationId xmlns:a16="http://schemas.microsoft.com/office/drawing/2014/main" id="{7A71CF1B-35C7-44F9-AEE3-A57ED5FCE676}"/>
+              </a:ext>
+            </a:extLst>
+          </p:cNvPr>
+          <p:cNvSpPr/>
+          <p:nvPr/>
+        </p:nvSpPr>
+        <p:spPr>
+          <a:xfrm>
+            <a:off x="5208686" y="1383988"/>
+            <a:ext cx="1220783" cy="369332"/>
+          </a:xfrm>
+          <a:prstGeom prst="rect">
+            <a:avLst/>
+          </a:prstGeom>
+        </p:spPr>
+        <p:txBody>
+          <a:bodyPr wrap="none">
+            <a:spAutoFit/>
+          </a:bodyPr>
+          <a:lstStyle/>
+          <a:p>
+            <a:pPr algn="ctr">
+              <a:defRPr/>
+            </a:pPr>
+            <a:r>
+              <a:rPr lang="en-US" dirty="0">
+                <a:solidFill>
+                  <a:srgbClr val="7B30D0"/>
+                </a:solidFill>
+                <a:latin typeface="Calibri" panose="020F0502020204030204"/>
+              </a:rPr>
+              <a:t>(optional*)</a:t>
+            </a:r>
+            <a:endParaRPr lang="de-DE" dirty="0">
+              <a:solidFill>
+                <a:srgbClr val="7B30D0"/>
+              </a:solidFill>
+              <a:latin typeface="Calibri" panose="020F0502020204030204"/>
+            </a:endParaRPr>
+          </a:p>
+        </p:txBody>
+      </p:sp>
+      <p:sp>
+        <p:nvSpPr>
+          <p:cNvPr id="8" name="Rechteck 7">
+            <a:extLst>
+              <a:ext uri="{FF2B5EF4-FFF2-40B4-BE49-F238E27FC236}">
+                <a16:creationId xmlns:a16="http://schemas.microsoft.com/office/drawing/2014/main" id="{FB0D355D-11E3-4928-936A-ED901163972A}"/>
+              </a:ext>
+            </a:extLst>
+          </p:cNvPr>
+          <p:cNvSpPr/>
+          <p:nvPr/>
+        </p:nvSpPr>
+        <p:spPr>
+          <a:xfrm>
+            <a:off x="468166" y="5925124"/>
+            <a:ext cx="2156622" cy="369332"/>
+          </a:xfrm>
+          <a:prstGeom prst="rect">
+            <a:avLst/>
+          </a:prstGeom>
+        </p:spPr>
+        <p:txBody>
+          <a:bodyPr wrap="square">
+            <a:spAutoFit/>
+          </a:bodyPr>
+          <a:lstStyle/>
+          <a:p>
+            <a:pPr>
+              <a:defRPr/>
+            </a:pPr>
+            <a:r>
+              <a:rPr lang="en-US" dirty="0">
+                <a:solidFill>
+                  <a:srgbClr val="7B30D0"/>
+                </a:solidFill>
+                <a:latin typeface="Calibri" panose="020F0502020204030204"/>
+              </a:rPr>
+              <a:t>* </a:t>
+            </a:r>
+            <a:r>
+              <a:rPr lang="en-US" dirty="0" err="1">
+                <a:solidFill>
+                  <a:srgbClr val="7B30D0"/>
+                </a:solidFill>
+                <a:latin typeface="Calibri" panose="020F0502020204030204"/>
+              </a:rPr>
+              <a:t>Abgekürzte</a:t>
+            </a:r>
+            <a:r>
+              <a:rPr lang="en-US" dirty="0">
+                <a:solidFill>
+                  <a:srgbClr val="7B30D0"/>
+                </a:solidFill>
+                <a:latin typeface="Calibri" panose="020F0502020204030204"/>
+              </a:rPr>
+              <a:t> Syntax</a:t>
+            </a:r>
+            <a:endParaRPr lang="de-DE" dirty="0">
+              <a:solidFill>
+                <a:srgbClr val="7B30D0"/>
+              </a:solidFill>
+              <a:latin typeface="Calibri" panose="020F0502020204030204"/>
+            </a:endParaRPr>
+          </a:p>
+        </p:txBody>
+      </p:sp>
+    </p:spTree>
+    <p:extLst>
+      <p:ext uri="{BB962C8B-B14F-4D97-AF65-F5344CB8AC3E}">
+        <p14:creationId xmlns:p14="http://schemas.microsoft.com/office/powerpoint/2010/main" val="2354765338"/>
+      </p:ext>
+    </p:extLst>
+  </p:cSld>
+  <p:clrMapOvr>
+    <a:masterClrMapping/>
+  </p:clrMapOvr>
+</p:sld>
+</file>
+
+<file path=ppt/slides/slide12.xml><?xml version="1.0" encoding="utf-8"?>
+<p:sld xmlns:a="http://schemas.openxmlformats.org/drawingml/2006/main" xmlns:r="http://schemas.openxmlformats.org/officeDocument/2006/relationships" xmlns:p="http://schemas.openxmlformats.org/presentationml/2006/main">
+  <p:cSld>
+    <p:bg>
+      <p:bgPr>
+        <a:solidFill>
+          <a:schemeClr val="bg1"/>
+        </a:solidFill>
+        <a:effectLst/>
+      </p:bgPr>
+    </p:bg>
+    <p:spTree>
+      <p:nvGrpSpPr>
+        <p:cNvPr id="1" name=""/>
+        <p:cNvGrpSpPr/>
+        <p:nvPr/>
+      </p:nvGrpSpPr>
+      <p:grpSpPr>
+        <a:xfrm>
+          <a:off x="0" y="0"/>
+          <a:ext cx="0" cy="0"/>
+          <a:chOff x="0" y="0"/>
+          <a:chExt cx="0" cy="0"/>
+        </a:xfrm>
+      </p:grpSpPr>
+      <p:sp>
+        <p:nvSpPr>
+          <p:cNvPr id="7" name="Rechteck 6">
+            <a:extLst>
+              <a:ext uri="{FF2B5EF4-FFF2-40B4-BE49-F238E27FC236}">
+                <a16:creationId xmlns:a16="http://schemas.microsoft.com/office/drawing/2014/main" id="{EA030FA5-D32F-4568-B2D5-AFE0D1428D14}"/>
+              </a:ext>
+            </a:extLst>
+          </p:cNvPr>
+          <p:cNvSpPr/>
+          <p:nvPr/>
+        </p:nvSpPr>
+        <p:spPr>
+          <a:xfrm>
+            <a:off x="3924014" y="2551837"/>
+            <a:ext cx="4343972" cy="1754326"/>
+          </a:xfrm>
+          <a:prstGeom prst="rect">
+            <a:avLst/>
+          </a:prstGeom>
+        </p:spPr>
+        <p:txBody>
+          <a:bodyPr wrap="square">
+            <a:spAutoFit/>
+          </a:bodyPr>
+          <a:lstStyle/>
+          <a:p>
             <a:pPr marL="0" marR="0" lvl="0" indent="0" algn="l" defTabSz="914400" rtl="0" eaLnBrk="1" fontAlgn="auto" latinLnBrk="0" hangingPunct="1">
               <a:lnSpc>
                 <a:spcPct val="100000"/>
@@ -8204,7 +9132,7 @@
 </p:sld>
 </file>
 
-<file path=ppt/slides/slide11.xml><?xml version="1.0" encoding="utf-8"?>
+<file path=ppt/slides/slide13.xml><?xml version="1.0" encoding="utf-8"?>
 <p:sld xmlns:a="http://schemas.openxmlformats.org/drawingml/2006/main" xmlns:r="http://schemas.openxmlformats.org/officeDocument/2006/relationships" xmlns:p="http://schemas.openxmlformats.org/presentationml/2006/main">
   <p:cSld>
     <p:bg>
@@ -8693,7 +9621,7 @@
 </p:sld>
 </file>
 
-<file path=ppt/slides/slide12.xml><?xml version="1.0" encoding="utf-8"?>
+<file path=ppt/slides/slide14.xml><?xml version="1.0" encoding="utf-8"?>
 <p:sld xmlns:a="http://schemas.openxmlformats.org/drawingml/2006/main" xmlns:r="http://schemas.openxmlformats.org/officeDocument/2006/relationships" xmlns:p="http://schemas.openxmlformats.org/presentationml/2006/main">
   <p:cSld>
     <p:bg>
@@ -9252,7 +10180,7 @@
 </p:sld>
 </file>
 
-<file path=ppt/slides/slide13.xml><?xml version="1.0" encoding="utf-8"?>
+<file path=ppt/slides/slide15.xml><?xml version="1.0" encoding="utf-8"?>
 <p:sld xmlns:a="http://schemas.openxmlformats.org/drawingml/2006/main" xmlns:r="http://schemas.openxmlformats.org/officeDocument/2006/relationships" xmlns:p="http://schemas.openxmlformats.org/presentationml/2006/main">
   <p:cSld>
     <p:bg>
@@ -9558,7 +10486,7 @@
 </p:sld>
 </file>
 
-<file path=ppt/slides/slide14.xml><?xml version="1.0" encoding="utf-8"?>
+<file path=ppt/slides/slide16.xml><?xml version="1.0" encoding="utf-8"?>
 <p:sld xmlns:a="http://schemas.openxmlformats.org/drawingml/2006/main" xmlns:r="http://schemas.openxmlformats.org/officeDocument/2006/relationships" xmlns:p="http://schemas.openxmlformats.org/presentationml/2006/main">
   <p:cSld>
     <p:bg>
@@ -10166,7 +11094,65 @@
 </p:sld>
 </file>
 
-<file path=ppt/slides/slide15.xml><?xml version="1.0" encoding="utf-8"?>
+<file path=ppt/slides/slide17.xml><?xml version="1.0" encoding="utf-8"?>
+<p:sld xmlns:a="http://schemas.openxmlformats.org/drawingml/2006/main" xmlns:r="http://schemas.openxmlformats.org/officeDocument/2006/relationships" xmlns:p="http://schemas.openxmlformats.org/presentationml/2006/main" show="0">
+  <p:cSld>
+    <p:spTree>
+      <p:nvGrpSpPr>
+        <p:cNvPr id="1" name=""/>
+        <p:cNvGrpSpPr/>
+        <p:nvPr/>
+      </p:nvGrpSpPr>
+      <p:grpSpPr>
+        <a:xfrm>
+          <a:off x="0" y="0"/>
+          <a:ext cx="0" cy="0"/>
+          <a:chOff x="0" y="0"/>
+          <a:chExt cx="0" cy="0"/>
+        </a:xfrm>
+      </p:grpSpPr>
+      <p:sp>
+        <p:nvSpPr>
+          <p:cNvPr id="2" name="Titel 1">
+            <a:extLst>
+              <a:ext uri="{FF2B5EF4-FFF2-40B4-BE49-F238E27FC236}">
+                <a16:creationId xmlns:a16="http://schemas.microsoft.com/office/drawing/2014/main" id="{35F51759-DA98-4AA6-898E-6F362C63A250}"/>
+              </a:ext>
+            </a:extLst>
+          </p:cNvPr>
+          <p:cNvSpPr>
+            <a:spLocks noGrp="1"/>
+          </p:cNvSpPr>
+          <p:nvPr>
+            <p:ph type="title"/>
+          </p:nvPr>
+        </p:nvSpPr>
+        <p:spPr/>
+        <p:txBody>
+          <a:bodyPr/>
+          <a:lstStyle/>
+          <a:p>
+            <a:r>
+              <a:rPr lang="de-DE" dirty="0"/>
+              <a:t>Matthias</a:t>
+            </a:r>
+          </a:p>
+        </p:txBody>
+      </p:sp>
+    </p:spTree>
+    <p:extLst>
+      <p:ext uri="{BB962C8B-B14F-4D97-AF65-F5344CB8AC3E}">
+        <p14:creationId xmlns:p14="http://schemas.microsoft.com/office/powerpoint/2010/main" val="3807137428"/>
+      </p:ext>
+    </p:extLst>
+  </p:cSld>
+  <p:clrMapOvr>
+    <a:masterClrMapping/>
+  </p:clrMapOvr>
+</p:sld>
+</file>
+
+<file path=ppt/slides/slide18.xml><?xml version="1.0" encoding="utf-8"?>
 <p:sld xmlns:a="http://schemas.openxmlformats.org/drawingml/2006/main" xmlns:r="http://schemas.openxmlformats.org/officeDocument/2006/relationships" xmlns:p="http://schemas.openxmlformats.org/presentationml/2006/main">
   <p:cSld>
     <p:bg>
@@ -10316,7 +11302,148 @@
 </p:sld>
 </file>
 
-<file path=ppt/slides/slide16.xml><?xml version="1.0" encoding="utf-8"?>
+<file path=ppt/slides/slide19.xml><?xml version="1.0" encoding="utf-8"?>
+<p:sld xmlns:a="http://schemas.openxmlformats.org/drawingml/2006/main" xmlns:r="http://schemas.openxmlformats.org/officeDocument/2006/relationships" xmlns:p="http://schemas.openxmlformats.org/presentationml/2006/main" show="0">
+  <p:cSld>
+    <p:spTree>
+      <p:nvGrpSpPr>
+        <p:cNvPr id="1" name=""/>
+        <p:cNvGrpSpPr/>
+        <p:nvPr/>
+      </p:nvGrpSpPr>
+      <p:grpSpPr>
+        <a:xfrm>
+          <a:off x="0" y="0"/>
+          <a:ext cx="0" cy="0"/>
+          <a:chOff x="0" y="0"/>
+          <a:chExt cx="0" cy="0"/>
+        </a:xfrm>
+      </p:grpSpPr>
+      <p:sp>
+        <p:nvSpPr>
+          <p:cNvPr id="2" name="Titel 1">
+            <a:extLst>
+              <a:ext uri="{FF2B5EF4-FFF2-40B4-BE49-F238E27FC236}">
+                <a16:creationId xmlns:a16="http://schemas.microsoft.com/office/drawing/2014/main" id="{35F51759-DA98-4AA6-898E-6F362C63A250}"/>
+              </a:ext>
+            </a:extLst>
+          </p:cNvPr>
+          <p:cNvSpPr>
+            <a:spLocks noGrp="1"/>
+          </p:cNvSpPr>
+          <p:nvPr>
+            <p:ph type="title"/>
+          </p:nvPr>
+        </p:nvSpPr>
+        <p:spPr/>
+        <p:txBody>
+          <a:bodyPr/>
+          <a:lstStyle/>
+          <a:p>
+            <a:r>
+              <a:rPr lang="de-DE" dirty="0"/>
+              <a:t>Alex</a:t>
+            </a:r>
+          </a:p>
+        </p:txBody>
+      </p:sp>
+    </p:spTree>
+    <p:extLst>
+      <p:ext uri="{BB962C8B-B14F-4D97-AF65-F5344CB8AC3E}">
+        <p14:creationId xmlns:p14="http://schemas.microsoft.com/office/powerpoint/2010/main" val="1749084205"/>
+      </p:ext>
+    </p:extLst>
+  </p:cSld>
+  <p:clrMapOvr>
+    <a:masterClrMapping/>
+  </p:clrMapOvr>
+</p:sld>
+</file>
+
+<file path=ppt/slides/slide2.xml><?xml version="1.0" encoding="utf-8"?>
+<p:sld xmlns:a="http://schemas.openxmlformats.org/drawingml/2006/main" xmlns:r="http://schemas.openxmlformats.org/officeDocument/2006/relationships" xmlns:p="http://schemas.openxmlformats.org/presentationml/2006/main" show="0">
+  <p:cSld>
+    <p:spTree>
+      <p:nvGrpSpPr>
+        <p:cNvPr id="1" name=""/>
+        <p:cNvGrpSpPr/>
+        <p:nvPr/>
+      </p:nvGrpSpPr>
+      <p:grpSpPr>
+        <a:xfrm>
+          <a:off x="0" y="0"/>
+          <a:ext cx="0" cy="0"/>
+          <a:chOff x="0" y="0"/>
+          <a:chExt cx="0" cy="0"/>
+        </a:xfrm>
+      </p:grpSpPr>
+      <p:sp>
+        <p:nvSpPr>
+          <p:cNvPr id="2" name="Titel 1">
+            <a:extLst>
+              <a:ext uri="{FF2B5EF4-FFF2-40B4-BE49-F238E27FC236}">
+                <a16:creationId xmlns:a16="http://schemas.microsoft.com/office/drawing/2014/main" id="{1DDBB613-A523-4AF8-AC4B-BED13D1CDC70}"/>
+              </a:ext>
+            </a:extLst>
+          </p:cNvPr>
+          <p:cNvSpPr>
+            <a:spLocks noGrp="1"/>
+          </p:cNvSpPr>
+          <p:nvPr>
+            <p:ph type="title"/>
+          </p:nvPr>
+        </p:nvSpPr>
+        <p:spPr/>
+        <p:txBody>
+          <a:bodyPr/>
+          <a:lstStyle/>
+          <a:p>
+            <a:r>
+              <a:rPr lang="de-DE" dirty="0"/>
+              <a:t>Gemeinsam</a:t>
+            </a:r>
+          </a:p>
+        </p:txBody>
+      </p:sp>
+      <p:sp>
+        <p:nvSpPr>
+          <p:cNvPr id="3" name="Inhaltsplatzhalter 2">
+            <a:extLst>
+              <a:ext uri="{FF2B5EF4-FFF2-40B4-BE49-F238E27FC236}">
+                <a16:creationId xmlns:a16="http://schemas.microsoft.com/office/drawing/2014/main" id="{1497A684-A647-4862-B982-636B86CB5CB8}"/>
+              </a:ext>
+            </a:extLst>
+          </p:cNvPr>
+          <p:cNvSpPr>
+            <a:spLocks noGrp="1"/>
+          </p:cNvSpPr>
+          <p:nvPr>
+            <p:ph idx="1"/>
+          </p:nvPr>
+        </p:nvSpPr>
+        <p:spPr/>
+        <p:txBody>
+          <a:bodyPr/>
+          <a:lstStyle/>
+          <a:p>
+            <a:endParaRPr lang="de-DE"/>
+          </a:p>
+        </p:txBody>
+      </p:sp>
+    </p:spTree>
+    <p:extLst>
+      <p:ext uri="{BB962C8B-B14F-4D97-AF65-F5344CB8AC3E}">
+        <p14:creationId xmlns:p14="http://schemas.microsoft.com/office/powerpoint/2010/main" val="2703807245"/>
+      </p:ext>
+    </p:extLst>
+  </p:cSld>
+  <p:clrMapOvr>
+    <a:masterClrMapping/>
+  </p:clrMapOvr>
+</p:sld>
+</file>
+
+<file path=ppt/slides/slide20.xml><?xml version="1.0" encoding="utf-8"?>
 <p:sld xmlns:a="http://schemas.openxmlformats.org/drawingml/2006/main" xmlns:r="http://schemas.openxmlformats.org/officeDocument/2006/relationships" xmlns:p="http://schemas.openxmlformats.org/presentationml/2006/main">
   <p:cSld>
     <p:bg>
@@ -10437,7 +11564,7 @@
 </p:sld>
 </file>
 
-<file path=ppt/slides/slide17.xml><?xml version="1.0" encoding="utf-8"?>
+<file path=ppt/slides/slide21.xml><?xml version="1.0" encoding="utf-8"?>
 <p:sld xmlns:a="http://schemas.openxmlformats.org/drawingml/2006/main" xmlns:r="http://schemas.openxmlformats.org/officeDocument/2006/relationships" xmlns:p="http://schemas.openxmlformats.org/presentationml/2006/main">
   <p:cSld>
     <p:bg>
@@ -10731,7 +11858,7 @@
 </p:sld>
 </file>
 
-<file path=ppt/slides/slide18.xml><?xml version="1.0" encoding="utf-8"?>
+<file path=ppt/slides/slide22.xml><?xml version="1.0" encoding="utf-8"?>
 <p:sld xmlns:a="http://schemas.openxmlformats.org/drawingml/2006/main" xmlns:r="http://schemas.openxmlformats.org/officeDocument/2006/relationships" xmlns:p="http://schemas.openxmlformats.org/presentationml/2006/main">
   <p:cSld>
     <p:bg>
@@ -11036,7 +12163,7 @@
 </p:sld>
 </file>
 
-<file path=ppt/slides/slide19.xml><?xml version="1.0" encoding="utf-8"?>
+<file path=ppt/slides/slide23.xml><?xml version="1.0" encoding="utf-8"?>
 <p:sld xmlns:a="http://schemas.openxmlformats.org/drawingml/2006/main" xmlns:r="http://schemas.openxmlformats.org/officeDocument/2006/relationships" xmlns:p="http://schemas.openxmlformats.org/presentationml/2006/main">
   <p:cSld>
     <p:bg>
@@ -11336,517 +12463,7 @@
 </p:sld>
 </file>
 
-<file path=ppt/slides/slide2.xml><?xml version="1.0" encoding="utf-8"?>
-<p:sld xmlns:a="http://schemas.openxmlformats.org/drawingml/2006/main" xmlns:r="http://schemas.openxmlformats.org/officeDocument/2006/relationships" xmlns:p="http://schemas.openxmlformats.org/presentationml/2006/main">
-  <p:cSld>
-    <p:bg>
-      <p:bgPr>
-        <a:solidFill>
-          <a:schemeClr val="bg1"/>
-        </a:solidFill>
-        <a:effectLst/>
-      </p:bgPr>
-    </p:bg>
-    <p:spTree>
-      <p:nvGrpSpPr>
-        <p:cNvPr id="1" name=""/>
-        <p:cNvGrpSpPr/>
-        <p:nvPr/>
-      </p:nvGrpSpPr>
-      <p:grpSpPr>
-        <a:xfrm>
-          <a:off x="0" y="0"/>
-          <a:ext cx="0" cy="0"/>
-          <a:chOff x="0" y="0"/>
-          <a:chExt cx="0" cy="0"/>
-        </a:xfrm>
-      </p:grpSpPr>
-      <p:pic>
-        <p:nvPicPr>
-          <p:cNvPr id="1026" name="Picture 2" descr="https://dotnet-day-franken.de/media/k2/items/cache/deb45d333d0414ba3de42155789fdb4a_XL.jpg">
-            <a:extLst>
-              <a:ext uri="{FF2B5EF4-FFF2-40B4-BE49-F238E27FC236}">
-                <a16:creationId xmlns:a16="http://schemas.microsoft.com/office/drawing/2014/main" id="{EFF0A15A-A760-449C-A3A8-4F643875E2ED}"/>
-              </a:ext>
-            </a:extLst>
-          </p:cNvPr>
-          <p:cNvPicPr>
-            <a:picLocks noChangeAspect="1" noChangeArrowheads="1"/>
-          </p:cNvPicPr>
-          <p:nvPr/>
-        </p:nvPicPr>
-        <p:blipFill>
-          <a:blip r:embed="rId2">
-            <a:extLst>
-              <a:ext uri="{28A0092B-C50C-407E-A947-70E740481C1C}">
-                <a14:useLocalDpi xmlns:a14="http://schemas.microsoft.com/office/drawing/2010/main" val="0"/>
-              </a:ext>
-            </a:extLst>
-          </a:blip>
-          <a:srcRect/>
-          <a:stretch>
-            <a:fillRect/>
-          </a:stretch>
-        </p:blipFill>
-        <p:spPr bwMode="auto">
-          <a:xfrm>
-            <a:off x="2103480" y="1025524"/>
-            <a:ext cx="2052000" cy="2052000"/>
-          </a:xfrm>
-          <a:prstGeom prst="rect">
-            <a:avLst/>
-          </a:prstGeom>
-          <a:ln>
-            <a:noFill/>
-          </a:ln>
-          <a:effectLst>
-            <a:outerShdw blurRad="292100" dist="139700" dir="2700000" algn="tl" rotWithShape="0">
-              <a:srgbClr val="333333">
-                <a:alpha val="65000"/>
-              </a:srgbClr>
-            </a:outerShdw>
-          </a:effectLst>
-          <a:extLst>
-            <a:ext uri="{909E8E84-426E-40DD-AFC4-6F175D3DCCD1}">
-              <a14:hiddenFill xmlns:a14="http://schemas.microsoft.com/office/drawing/2010/main">
-                <a:solidFill>
-                  <a:srgbClr val="FFFFFF"/>
-                </a:solidFill>
-              </a14:hiddenFill>
-            </a:ext>
-          </a:extLst>
-        </p:spPr>
-      </p:pic>
-      <p:pic>
-        <p:nvPicPr>
-          <p:cNvPr id="1028" name="Picture 4" descr="https://dotnet-day-franken.de/media/k2/items/cache/852967248dd3e6cb3942a1fe6af42945_XL.jpg">
-            <a:extLst>
-              <a:ext uri="{FF2B5EF4-FFF2-40B4-BE49-F238E27FC236}">
-                <a16:creationId xmlns:a16="http://schemas.microsoft.com/office/drawing/2014/main" id="{73F5CAC7-69CC-4EEF-A338-4A36F03D4567}"/>
-              </a:ext>
-            </a:extLst>
-          </p:cNvPr>
-          <p:cNvPicPr>
-            <a:picLocks noChangeAspect="1" noChangeArrowheads="1"/>
-          </p:cNvPicPr>
-          <p:nvPr/>
-        </p:nvPicPr>
-        <p:blipFill>
-          <a:blip r:embed="rId3">
-            <a:extLst>
-              <a:ext uri="{28A0092B-C50C-407E-A947-70E740481C1C}">
-                <a14:useLocalDpi xmlns:a14="http://schemas.microsoft.com/office/drawing/2010/main" val="0"/>
-              </a:ext>
-            </a:extLst>
-          </a:blip>
-          <a:srcRect/>
-          <a:stretch>
-            <a:fillRect/>
-          </a:stretch>
-        </p:blipFill>
-        <p:spPr bwMode="auto">
-          <a:xfrm>
-            <a:off x="7737000" y="1025524"/>
-            <a:ext cx="2052000" cy="2052000"/>
-          </a:xfrm>
-          <a:prstGeom prst="rect">
-            <a:avLst/>
-          </a:prstGeom>
-          <a:ln>
-            <a:noFill/>
-          </a:ln>
-          <a:effectLst>
-            <a:outerShdw blurRad="292100" dist="139700" dir="2700000" algn="tl" rotWithShape="0">
-              <a:srgbClr val="333333">
-                <a:alpha val="65000"/>
-              </a:srgbClr>
-            </a:outerShdw>
-          </a:effectLst>
-          <a:extLst>
-            <a:ext uri="{909E8E84-426E-40DD-AFC4-6F175D3DCCD1}">
-              <a14:hiddenFill xmlns:a14="http://schemas.microsoft.com/office/drawing/2010/main">
-                <a:solidFill>
-                  <a:srgbClr val="FFFFFF"/>
-                </a:solidFill>
-              </a14:hiddenFill>
-            </a:ext>
-          </a:extLst>
-        </p:spPr>
-      </p:pic>
-      <p:pic>
-        <p:nvPicPr>
-          <p:cNvPr id="1030" name="Picture 6">
-            <a:extLst>
-              <a:ext uri="{FF2B5EF4-FFF2-40B4-BE49-F238E27FC236}">
-                <a16:creationId xmlns:a16="http://schemas.microsoft.com/office/drawing/2014/main" id="{CBE8CB01-CC8D-4419-B73C-A5BFBA8696EC}"/>
-              </a:ext>
-            </a:extLst>
-          </p:cNvPr>
-          <p:cNvPicPr>
-            <a:picLocks noChangeAspect="1" noChangeArrowheads="1"/>
-          </p:cNvPicPr>
-          <p:nvPr/>
-        </p:nvPicPr>
-        <p:blipFill>
-          <a:blip r:embed="rId4">
-            <a:extLst>
-              <a:ext uri="{28A0092B-C50C-407E-A947-70E740481C1C}">
-                <a14:useLocalDpi xmlns:a14="http://schemas.microsoft.com/office/drawing/2010/main" val="0"/>
-              </a:ext>
-            </a:extLst>
-          </a:blip>
-          <a:stretch>
-            <a:fillRect/>
-          </a:stretch>
-        </p:blipFill>
-        <p:spPr bwMode="auto">
-          <a:xfrm>
-            <a:off x="10564167" y="6353503"/>
-            <a:ext cx="1475682" cy="352753"/>
-          </a:xfrm>
-          <a:prstGeom prst="rect">
-            <a:avLst/>
-          </a:prstGeom>
-          <a:noFill/>
-          <a:extLst>
-            <a:ext uri="{909E8E84-426E-40DD-AFC4-6F175D3DCCD1}">
-              <a14:hiddenFill xmlns:a14="http://schemas.microsoft.com/office/drawing/2010/main">
-                <a:solidFill>
-                  <a:srgbClr val="FFFFFF"/>
-                </a:solidFill>
-              </a14:hiddenFill>
-            </a:ext>
-          </a:extLst>
-        </p:spPr>
-      </p:pic>
-      <p:pic>
-        <p:nvPicPr>
-          <p:cNvPr id="3" name="Grafik 2">
-            <a:extLst>
-              <a:ext uri="{FF2B5EF4-FFF2-40B4-BE49-F238E27FC236}">
-                <a16:creationId xmlns:a16="http://schemas.microsoft.com/office/drawing/2014/main" id="{8625F835-E821-4264-AA27-8ABA10E38DD8}"/>
-              </a:ext>
-            </a:extLst>
-          </p:cNvPr>
-          <p:cNvPicPr>
-            <a:picLocks noChangeAspect="1"/>
-          </p:cNvPicPr>
-          <p:nvPr/>
-        </p:nvPicPr>
-        <p:blipFill>
-          <a:blip r:embed="rId5" cstate="hqprint">
-            <a:extLst>
-              <a:ext uri="{28A0092B-C50C-407E-A947-70E740481C1C}">
-                <a14:useLocalDpi xmlns:a14="http://schemas.microsoft.com/office/drawing/2010/main" val="0"/>
-              </a:ext>
-              <a:ext uri="{96DAC541-7B7A-43D3-8B79-37D633B846F1}">
-                <asvg:svgBlip xmlns:asvg="http://schemas.microsoft.com/office/drawing/2016/SVG/main" r:embed="rId6"/>
-              </a:ext>
-            </a:extLst>
-          </a:blip>
-          <a:stretch>
-            <a:fillRect/>
-          </a:stretch>
-        </p:blipFill>
-        <p:spPr>
-          <a:xfrm>
-            <a:off x="1716575" y="4266460"/>
-            <a:ext cx="386905" cy="314683"/>
-          </a:xfrm>
-          <a:prstGeom prst="rect">
-            <a:avLst/>
-          </a:prstGeom>
-        </p:spPr>
-      </p:pic>
-      <p:pic>
-        <p:nvPicPr>
-          <p:cNvPr id="7" name="Grafik 6">
-            <a:extLst>
-              <a:ext uri="{FF2B5EF4-FFF2-40B4-BE49-F238E27FC236}">
-                <a16:creationId xmlns:a16="http://schemas.microsoft.com/office/drawing/2014/main" id="{9008C4FA-F255-49C4-8F2C-B3DFC5DF9055}"/>
-              </a:ext>
-            </a:extLst>
-          </p:cNvPr>
-          <p:cNvPicPr>
-            <a:picLocks noChangeAspect="1"/>
-          </p:cNvPicPr>
-          <p:nvPr/>
-        </p:nvPicPr>
-        <p:blipFill>
-          <a:blip r:embed="rId5" cstate="hqprint">
-            <a:extLst>
-              <a:ext uri="{28A0092B-C50C-407E-A947-70E740481C1C}">
-                <a14:useLocalDpi xmlns:a14="http://schemas.microsoft.com/office/drawing/2010/main" val="0"/>
-              </a:ext>
-              <a:ext uri="{96DAC541-7B7A-43D3-8B79-37D633B846F1}">
-                <asvg:svgBlip xmlns:asvg="http://schemas.microsoft.com/office/drawing/2016/SVG/main" r:embed="rId6"/>
-              </a:ext>
-            </a:extLst>
-          </a:blip>
-          <a:stretch>
-            <a:fillRect/>
-          </a:stretch>
-        </p:blipFill>
-        <p:spPr>
-          <a:xfrm>
-            <a:off x="7350095" y="4266460"/>
-            <a:ext cx="386905" cy="314683"/>
-          </a:xfrm>
-          <a:prstGeom prst="rect">
-            <a:avLst/>
-          </a:prstGeom>
-        </p:spPr>
-      </p:pic>
-      <p:sp>
-        <p:nvSpPr>
-          <p:cNvPr id="5" name="Rechteck 4">
-            <a:extLst>
-              <a:ext uri="{FF2B5EF4-FFF2-40B4-BE49-F238E27FC236}">
-                <a16:creationId xmlns:a16="http://schemas.microsoft.com/office/drawing/2014/main" id="{BAFB28D1-4CDE-432B-9F73-4D8FD0748637}"/>
-              </a:ext>
-            </a:extLst>
-          </p:cNvPr>
-          <p:cNvSpPr/>
-          <p:nvPr/>
-        </p:nvSpPr>
-        <p:spPr>
-          <a:xfrm>
-            <a:off x="7737000" y="4211811"/>
-            <a:ext cx="1170257" cy="369332"/>
-          </a:xfrm>
-          <a:prstGeom prst="rect">
-            <a:avLst/>
-          </a:prstGeom>
-        </p:spPr>
-        <p:txBody>
-          <a:bodyPr wrap="none">
-            <a:spAutoFit/>
-          </a:bodyPr>
-          <a:lstStyle/>
-          <a:p>
-            <a:r>
-              <a:rPr lang="de-DE" dirty="0"/>
-              <a:t>@</a:t>
-            </a:r>
-            <a:r>
-              <a:rPr lang="de-DE" dirty="0" err="1"/>
-              <a:t>Al_exHo</a:t>
-            </a:r>
-            <a:endParaRPr lang="de-DE" dirty="0"/>
-          </a:p>
-        </p:txBody>
-      </p:sp>
-      <p:sp>
-        <p:nvSpPr>
-          <p:cNvPr id="6" name="Rechteck 5">
-            <a:extLst>
-              <a:ext uri="{FF2B5EF4-FFF2-40B4-BE49-F238E27FC236}">
-                <a16:creationId xmlns:a16="http://schemas.microsoft.com/office/drawing/2014/main" id="{CF3D8852-AEC2-40CD-9CE4-AA30F46BD37A}"/>
-              </a:ext>
-            </a:extLst>
-          </p:cNvPr>
-          <p:cNvSpPr/>
-          <p:nvPr/>
-        </p:nvSpPr>
-        <p:spPr>
-          <a:xfrm>
-            <a:off x="2103480" y="4239135"/>
-            <a:ext cx="1401153" cy="369332"/>
-          </a:xfrm>
-          <a:prstGeom prst="rect">
-            <a:avLst/>
-          </a:prstGeom>
-        </p:spPr>
-        <p:txBody>
-          <a:bodyPr wrap="none">
-            <a:spAutoFit/>
-          </a:bodyPr>
-          <a:lstStyle/>
-          <a:p>
-            <a:r>
-              <a:rPr lang="de-DE" b="1" dirty="0">
-                <a:latin typeface="Segoe UI" panose="020B0502040204020203" pitchFamily="34" charset="0"/>
-              </a:rPr>
-              <a:t>@</a:t>
-            </a:r>
-            <a:r>
-              <a:rPr lang="de-DE" dirty="0" err="1">
-                <a:latin typeface="Segoe UI" panose="020B0502040204020203" pitchFamily="34" charset="0"/>
-              </a:rPr>
-              <a:t>kingxelor</a:t>
-            </a:r>
-            <a:r>
-              <a:rPr lang="de-DE" b="1" dirty="0">
-                <a:latin typeface="Segoe UI" panose="020B0502040204020203" pitchFamily="34" charset="0"/>
-              </a:rPr>
-              <a:t> </a:t>
-            </a:r>
-            <a:endParaRPr lang="de-DE" dirty="0"/>
-          </a:p>
-        </p:txBody>
-      </p:sp>
-      <p:sp>
-        <p:nvSpPr>
-          <p:cNvPr id="11" name="Rechteck 10">
-            <a:extLst>
-              <a:ext uri="{FF2B5EF4-FFF2-40B4-BE49-F238E27FC236}">
-                <a16:creationId xmlns:a16="http://schemas.microsoft.com/office/drawing/2014/main" id="{6ACDA1E7-8D11-4BD9-9060-8A570813F845}"/>
-              </a:ext>
-            </a:extLst>
-          </p:cNvPr>
-          <p:cNvSpPr/>
-          <p:nvPr/>
-        </p:nvSpPr>
-        <p:spPr>
-          <a:xfrm>
-            <a:off x="2103480" y="3739257"/>
-            <a:ext cx="2102760" cy="369332"/>
-          </a:xfrm>
-          <a:prstGeom prst="rect">
-            <a:avLst/>
-          </a:prstGeom>
-        </p:spPr>
-        <p:txBody>
-          <a:bodyPr wrap="square">
-            <a:spAutoFit/>
-          </a:bodyPr>
-          <a:lstStyle/>
-          <a:p>
-            <a:r>
-              <a:rPr lang="de-DE" dirty="0">
-                <a:latin typeface="Segoe UI" panose="020B0502040204020203" pitchFamily="34" charset="0"/>
-              </a:rPr>
-              <a:t>Matthias Drescher</a:t>
-            </a:r>
-            <a:endParaRPr lang="de-DE" dirty="0"/>
-          </a:p>
-        </p:txBody>
-      </p:sp>
-      <p:sp>
-        <p:nvSpPr>
-          <p:cNvPr id="12" name="Rechteck 11">
-            <a:extLst>
-              <a:ext uri="{FF2B5EF4-FFF2-40B4-BE49-F238E27FC236}">
-                <a16:creationId xmlns:a16="http://schemas.microsoft.com/office/drawing/2014/main" id="{724FD4FB-89B5-4326-BFD1-F1C8686095A0}"/>
-              </a:ext>
-            </a:extLst>
-          </p:cNvPr>
-          <p:cNvSpPr/>
-          <p:nvPr/>
-        </p:nvSpPr>
-        <p:spPr>
-          <a:xfrm>
-            <a:off x="7737000" y="3738698"/>
-            <a:ext cx="2102760" cy="369332"/>
-          </a:xfrm>
-          <a:prstGeom prst="rect">
-            <a:avLst/>
-          </a:prstGeom>
-        </p:spPr>
-        <p:txBody>
-          <a:bodyPr wrap="square">
-            <a:spAutoFit/>
-          </a:bodyPr>
-          <a:lstStyle/>
-          <a:p>
-            <a:r>
-              <a:rPr lang="de-DE" dirty="0">
-                <a:latin typeface="Segoe UI" panose="020B0502040204020203" pitchFamily="34" charset="0"/>
-              </a:rPr>
-              <a:t>Alexander Horn</a:t>
-            </a:r>
-            <a:endParaRPr lang="de-DE" dirty="0"/>
-          </a:p>
-        </p:txBody>
-      </p:sp>
-      <p:sp>
-        <p:nvSpPr>
-          <p:cNvPr id="13" name="Rechteck 12">
-            <a:extLst>
-              <a:ext uri="{FF2B5EF4-FFF2-40B4-BE49-F238E27FC236}">
-                <a16:creationId xmlns:a16="http://schemas.microsoft.com/office/drawing/2014/main" id="{C5DC15D7-20BB-437A-B5CF-E9080615D5E2}"/>
-              </a:ext>
-            </a:extLst>
-          </p:cNvPr>
-          <p:cNvSpPr/>
-          <p:nvPr/>
-        </p:nvSpPr>
-        <p:spPr>
-          <a:xfrm>
-            <a:off x="2103480" y="4739013"/>
-            <a:ext cx="2102760" cy="646331"/>
-          </a:xfrm>
-          <a:prstGeom prst="rect">
-            <a:avLst/>
-          </a:prstGeom>
-        </p:spPr>
-        <p:txBody>
-          <a:bodyPr wrap="square">
-            <a:spAutoFit/>
-          </a:bodyPr>
-          <a:lstStyle/>
-          <a:p>
-            <a:r>
-              <a:rPr lang="de-DE">
-                <a:latin typeface="Segoe UI" panose="020B0502040204020203" pitchFamily="34" charset="0"/>
-              </a:rPr>
-              <a:t>Scrum Master &amp; Webentwickler</a:t>
-            </a:r>
-            <a:endParaRPr lang="de-DE" dirty="0"/>
-          </a:p>
-        </p:txBody>
-      </p:sp>
-      <p:sp>
-        <p:nvSpPr>
-          <p:cNvPr id="14" name="Rechteck 13">
-            <a:extLst>
-              <a:ext uri="{FF2B5EF4-FFF2-40B4-BE49-F238E27FC236}">
-                <a16:creationId xmlns:a16="http://schemas.microsoft.com/office/drawing/2014/main" id="{F4538B15-F0EC-43F9-8AB6-B8606C55BF2C}"/>
-              </a:ext>
-            </a:extLst>
-          </p:cNvPr>
-          <p:cNvSpPr/>
-          <p:nvPr/>
-        </p:nvSpPr>
-        <p:spPr>
-          <a:xfrm>
-            <a:off x="7737000" y="4739013"/>
-            <a:ext cx="2102760" cy="369332"/>
-          </a:xfrm>
-          <a:prstGeom prst="rect">
-            <a:avLst/>
-          </a:prstGeom>
-        </p:spPr>
-        <p:txBody>
-          <a:bodyPr wrap="square">
-            <a:spAutoFit/>
-          </a:bodyPr>
-          <a:lstStyle/>
-          <a:p>
-            <a:r>
-              <a:rPr lang="de-DE" dirty="0">
-                <a:latin typeface="Segoe UI" panose="020B0502040204020203" pitchFamily="34" charset="0"/>
-              </a:rPr>
-              <a:t>Webentwickler</a:t>
-            </a:r>
-            <a:endParaRPr lang="de-DE" dirty="0"/>
-          </a:p>
-        </p:txBody>
-      </p:sp>
-    </p:spTree>
-    <p:extLst>
-      <p:ext uri="{BB962C8B-B14F-4D97-AF65-F5344CB8AC3E}">
-        <p14:creationId xmlns:p14="http://schemas.microsoft.com/office/powerpoint/2010/main" val="2417779297"/>
-      </p:ext>
-    </p:extLst>
-  </p:cSld>
-  <p:clrMapOvr>
-    <a:masterClrMapping/>
-  </p:clrMapOvr>
-</p:sld>
-</file>
-
-<file path=ppt/slides/slide20.xml><?xml version="1.0" encoding="utf-8"?>
+<file path=ppt/slides/slide24.xml><?xml version="1.0" encoding="utf-8"?>
 <p:sld xmlns:a="http://schemas.openxmlformats.org/drawingml/2006/main" xmlns:r="http://schemas.openxmlformats.org/officeDocument/2006/relationships" xmlns:p="http://schemas.openxmlformats.org/presentationml/2006/main" show="0">
   <p:cSld>
     <p:bg>
@@ -12192,7 +12809,7 @@
 </p:sld>
 </file>
 
-<file path=ppt/slides/slide21.xml><?xml version="1.0" encoding="utf-8"?>
+<file path=ppt/slides/slide25.xml><?xml version="1.0" encoding="utf-8"?>
 <p:sld xmlns:a="http://schemas.openxmlformats.org/drawingml/2006/main" xmlns:r="http://schemas.openxmlformats.org/officeDocument/2006/relationships" xmlns:p="http://schemas.openxmlformats.org/presentationml/2006/main">
   <p:cSld>
     <p:bg>
@@ -12552,7 +13169,7 @@
 </p:sld>
 </file>
 
-<file path=ppt/slides/slide22.xml><?xml version="1.0" encoding="utf-8"?>
+<file path=ppt/slides/slide26.xml><?xml version="1.0" encoding="utf-8"?>
 <p:sld xmlns:a="http://schemas.openxmlformats.org/drawingml/2006/main" xmlns:r="http://schemas.openxmlformats.org/officeDocument/2006/relationships" xmlns:p="http://schemas.openxmlformats.org/presentationml/2006/main">
   <p:cSld>
     <p:bg>
@@ -12910,7 +13527,7 @@
 </p:sld>
 </file>
 
-<file path=ppt/slides/slide23.xml><?xml version="1.0" encoding="utf-8"?>
+<file path=ppt/slides/slide27.xml><?xml version="1.0" encoding="utf-8"?>
 <p:sld xmlns:a="http://schemas.openxmlformats.org/drawingml/2006/main" xmlns:r="http://schemas.openxmlformats.org/officeDocument/2006/relationships" xmlns:p="http://schemas.openxmlformats.org/presentationml/2006/main">
   <p:cSld>
     <p:bg>
@@ -13546,7 +14163,7 @@
 </p:sld>
 </file>
 
-<file path=ppt/slides/slide24.xml><?xml version="1.0" encoding="utf-8"?>
+<file path=ppt/slides/slide28.xml><?xml version="1.0" encoding="utf-8"?>
 <p:sld xmlns:a="http://schemas.openxmlformats.org/drawingml/2006/main" xmlns:r="http://schemas.openxmlformats.org/officeDocument/2006/relationships" xmlns:p="http://schemas.openxmlformats.org/presentationml/2006/main">
   <p:cSld>
     <p:bg>
@@ -14167,7 +14784,7 @@
 </p:sld>
 </file>
 
-<file path=ppt/slides/slide25.xml><?xml version="1.0" encoding="utf-8"?>
+<file path=ppt/slides/slide29.xml><?xml version="1.0" encoding="utf-8"?>
 <p:sld xmlns:a="http://schemas.openxmlformats.org/drawingml/2006/main" xmlns:r="http://schemas.openxmlformats.org/officeDocument/2006/relationships" xmlns:p="http://schemas.openxmlformats.org/presentationml/2006/main">
   <p:cSld>
     <p:bg>
@@ -14996,7 +15613,517 @@
 </p:sld>
 </file>
 
-<file path=ppt/slides/slide26.xml><?xml version="1.0" encoding="utf-8"?>
+<file path=ppt/slides/slide3.xml><?xml version="1.0" encoding="utf-8"?>
+<p:sld xmlns:a="http://schemas.openxmlformats.org/drawingml/2006/main" xmlns:r="http://schemas.openxmlformats.org/officeDocument/2006/relationships" xmlns:p="http://schemas.openxmlformats.org/presentationml/2006/main">
+  <p:cSld>
+    <p:bg>
+      <p:bgPr>
+        <a:solidFill>
+          <a:schemeClr val="bg1"/>
+        </a:solidFill>
+        <a:effectLst/>
+      </p:bgPr>
+    </p:bg>
+    <p:spTree>
+      <p:nvGrpSpPr>
+        <p:cNvPr id="1" name=""/>
+        <p:cNvGrpSpPr/>
+        <p:nvPr/>
+      </p:nvGrpSpPr>
+      <p:grpSpPr>
+        <a:xfrm>
+          <a:off x="0" y="0"/>
+          <a:ext cx="0" cy="0"/>
+          <a:chOff x="0" y="0"/>
+          <a:chExt cx="0" cy="0"/>
+        </a:xfrm>
+      </p:grpSpPr>
+      <p:pic>
+        <p:nvPicPr>
+          <p:cNvPr id="1026" name="Picture 2" descr="https://dotnet-day-franken.de/media/k2/items/cache/deb45d333d0414ba3de42155789fdb4a_XL.jpg">
+            <a:extLst>
+              <a:ext uri="{FF2B5EF4-FFF2-40B4-BE49-F238E27FC236}">
+                <a16:creationId xmlns:a16="http://schemas.microsoft.com/office/drawing/2014/main" id="{EFF0A15A-A760-449C-A3A8-4F643875E2ED}"/>
+              </a:ext>
+            </a:extLst>
+          </p:cNvPr>
+          <p:cNvPicPr>
+            <a:picLocks noChangeAspect="1" noChangeArrowheads="1"/>
+          </p:cNvPicPr>
+          <p:nvPr/>
+        </p:nvPicPr>
+        <p:blipFill>
+          <a:blip r:embed="rId2">
+            <a:extLst>
+              <a:ext uri="{28A0092B-C50C-407E-A947-70E740481C1C}">
+                <a14:useLocalDpi xmlns:a14="http://schemas.microsoft.com/office/drawing/2010/main" val="0"/>
+              </a:ext>
+            </a:extLst>
+          </a:blip>
+          <a:srcRect/>
+          <a:stretch>
+            <a:fillRect/>
+          </a:stretch>
+        </p:blipFill>
+        <p:spPr bwMode="auto">
+          <a:xfrm>
+            <a:off x="2103480" y="1025524"/>
+            <a:ext cx="2052000" cy="2052000"/>
+          </a:xfrm>
+          <a:prstGeom prst="rect">
+            <a:avLst/>
+          </a:prstGeom>
+          <a:ln>
+            <a:noFill/>
+          </a:ln>
+          <a:effectLst>
+            <a:outerShdw blurRad="292100" dist="139700" dir="2700000" algn="tl" rotWithShape="0">
+              <a:srgbClr val="333333">
+                <a:alpha val="65000"/>
+              </a:srgbClr>
+            </a:outerShdw>
+          </a:effectLst>
+          <a:extLst>
+            <a:ext uri="{909E8E84-426E-40DD-AFC4-6F175D3DCCD1}">
+              <a14:hiddenFill xmlns:a14="http://schemas.microsoft.com/office/drawing/2010/main">
+                <a:solidFill>
+                  <a:srgbClr val="FFFFFF"/>
+                </a:solidFill>
+              </a14:hiddenFill>
+            </a:ext>
+          </a:extLst>
+        </p:spPr>
+      </p:pic>
+      <p:pic>
+        <p:nvPicPr>
+          <p:cNvPr id="1028" name="Picture 4" descr="https://dotnet-day-franken.de/media/k2/items/cache/852967248dd3e6cb3942a1fe6af42945_XL.jpg">
+            <a:extLst>
+              <a:ext uri="{FF2B5EF4-FFF2-40B4-BE49-F238E27FC236}">
+                <a16:creationId xmlns:a16="http://schemas.microsoft.com/office/drawing/2014/main" id="{73F5CAC7-69CC-4EEF-A338-4A36F03D4567}"/>
+              </a:ext>
+            </a:extLst>
+          </p:cNvPr>
+          <p:cNvPicPr>
+            <a:picLocks noChangeAspect="1" noChangeArrowheads="1"/>
+          </p:cNvPicPr>
+          <p:nvPr/>
+        </p:nvPicPr>
+        <p:blipFill>
+          <a:blip r:embed="rId3">
+            <a:extLst>
+              <a:ext uri="{28A0092B-C50C-407E-A947-70E740481C1C}">
+                <a14:useLocalDpi xmlns:a14="http://schemas.microsoft.com/office/drawing/2010/main" val="0"/>
+              </a:ext>
+            </a:extLst>
+          </a:blip>
+          <a:srcRect/>
+          <a:stretch>
+            <a:fillRect/>
+          </a:stretch>
+        </p:blipFill>
+        <p:spPr bwMode="auto">
+          <a:xfrm>
+            <a:off x="7737000" y="1025524"/>
+            <a:ext cx="2052000" cy="2052000"/>
+          </a:xfrm>
+          <a:prstGeom prst="rect">
+            <a:avLst/>
+          </a:prstGeom>
+          <a:ln>
+            <a:noFill/>
+          </a:ln>
+          <a:effectLst>
+            <a:outerShdw blurRad="292100" dist="139700" dir="2700000" algn="tl" rotWithShape="0">
+              <a:srgbClr val="333333">
+                <a:alpha val="65000"/>
+              </a:srgbClr>
+            </a:outerShdw>
+          </a:effectLst>
+          <a:extLst>
+            <a:ext uri="{909E8E84-426E-40DD-AFC4-6F175D3DCCD1}">
+              <a14:hiddenFill xmlns:a14="http://schemas.microsoft.com/office/drawing/2010/main">
+                <a:solidFill>
+                  <a:srgbClr val="FFFFFF"/>
+                </a:solidFill>
+              </a14:hiddenFill>
+            </a:ext>
+          </a:extLst>
+        </p:spPr>
+      </p:pic>
+      <p:pic>
+        <p:nvPicPr>
+          <p:cNvPr id="1030" name="Picture 6">
+            <a:extLst>
+              <a:ext uri="{FF2B5EF4-FFF2-40B4-BE49-F238E27FC236}">
+                <a16:creationId xmlns:a16="http://schemas.microsoft.com/office/drawing/2014/main" id="{CBE8CB01-CC8D-4419-B73C-A5BFBA8696EC}"/>
+              </a:ext>
+            </a:extLst>
+          </p:cNvPr>
+          <p:cNvPicPr>
+            <a:picLocks noChangeAspect="1" noChangeArrowheads="1"/>
+          </p:cNvPicPr>
+          <p:nvPr/>
+        </p:nvPicPr>
+        <p:blipFill>
+          <a:blip r:embed="rId4">
+            <a:extLst>
+              <a:ext uri="{28A0092B-C50C-407E-A947-70E740481C1C}">
+                <a14:useLocalDpi xmlns:a14="http://schemas.microsoft.com/office/drawing/2010/main" val="0"/>
+              </a:ext>
+            </a:extLst>
+          </a:blip>
+          <a:stretch>
+            <a:fillRect/>
+          </a:stretch>
+        </p:blipFill>
+        <p:spPr bwMode="auto">
+          <a:xfrm>
+            <a:off x="10564167" y="6353503"/>
+            <a:ext cx="1475682" cy="352753"/>
+          </a:xfrm>
+          <a:prstGeom prst="rect">
+            <a:avLst/>
+          </a:prstGeom>
+          <a:noFill/>
+          <a:extLst>
+            <a:ext uri="{909E8E84-426E-40DD-AFC4-6F175D3DCCD1}">
+              <a14:hiddenFill xmlns:a14="http://schemas.microsoft.com/office/drawing/2010/main">
+                <a:solidFill>
+                  <a:srgbClr val="FFFFFF"/>
+                </a:solidFill>
+              </a14:hiddenFill>
+            </a:ext>
+          </a:extLst>
+        </p:spPr>
+      </p:pic>
+      <p:pic>
+        <p:nvPicPr>
+          <p:cNvPr id="3" name="Grafik 2">
+            <a:extLst>
+              <a:ext uri="{FF2B5EF4-FFF2-40B4-BE49-F238E27FC236}">
+                <a16:creationId xmlns:a16="http://schemas.microsoft.com/office/drawing/2014/main" id="{8625F835-E821-4264-AA27-8ABA10E38DD8}"/>
+              </a:ext>
+            </a:extLst>
+          </p:cNvPr>
+          <p:cNvPicPr>
+            <a:picLocks noChangeAspect="1"/>
+          </p:cNvPicPr>
+          <p:nvPr/>
+        </p:nvPicPr>
+        <p:blipFill>
+          <a:blip r:embed="rId5" cstate="hqprint">
+            <a:extLst>
+              <a:ext uri="{28A0092B-C50C-407E-A947-70E740481C1C}">
+                <a14:useLocalDpi xmlns:a14="http://schemas.microsoft.com/office/drawing/2010/main" val="0"/>
+              </a:ext>
+              <a:ext uri="{96DAC541-7B7A-43D3-8B79-37D633B846F1}">
+                <asvg:svgBlip xmlns:asvg="http://schemas.microsoft.com/office/drawing/2016/SVG/main" r:embed="rId6"/>
+              </a:ext>
+            </a:extLst>
+          </a:blip>
+          <a:stretch>
+            <a:fillRect/>
+          </a:stretch>
+        </p:blipFill>
+        <p:spPr>
+          <a:xfrm>
+            <a:off x="1716575" y="4266460"/>
+            <a:ext cx="386905" cy="314683"/>
+          </a:xfrm>
+          <a:prstGeom prst="rect">
+            <a:avLst/>
+          </a:prstGeom>
+        </p:spPr>
+      </p:pic>
+      <p:pic>
+        <p:nvPicPr>
+          <p:cNvPr id="7" name="Grafik 6">
+            <a:extLst>
+              <a:ext uri="{FF2B5EF4-FFF2-40B4-BE49-F238E27FC236}">
+                <a16:creationId xmlns:a16="http://schemas.microsoft.com/office/drawing/2014/main" id="{9008C4FA-F255-49C4-8F2C-B3DFC5DF9055}"/>
+              </a:ext>
+            </a:extLst>
+          </p:cNvPr>
+          <p:cNvPicPr>
+            <a:picLocks noChangeAspect="1"/>
+          </p:cNvPicPr>
+          <p:nvPr/>
+        </p:nvPicPr>
+        <p:blipFill>
+          <a:blip r:embed="rId5" cstate="hqprint">
+            <a:extLst>
+              <a:ext uri="{28A0092B-C50C-407E-A947-70E740481C1C}">
+                <a14:useLocalDpi xmlns:a14="http://schemas.microsoft.com/office/drawing/2010/main" val="0"/>
+              </a:ext>
+              <a:ext uri="{96DAC541-7B7A-43D3-8B79-37D633B846F1}">
+                <asvg:svgBlip xmlns:asvg="http://schemas.microsoft.com/office/drawing/2016/SVG/main" r:embed="rId6"/>
+              </a:ext>
+            </a:extLst>
+          </a:blip>
+          <a:stretch>
+            <a:fillRect/>
+          </a:stretch>
+        </p:blipFill>
+        <p:spPr>
+          <a:xfrm>
+            <a:off x="7350095" y="4266460"/>
+            <a:ext cx="386905" cy="314683"/>
+          </a:xfrm>
+          <a:prstGeom prst="rect">
+            <a:avLst/>
+          </a:prstGeom>
+        </p:spPr>
+      </p:pic>
+      <p:sp>
+        <p:nvSpPr>
+          <p:cNvPr id="5" name="Rechteck 4">
+            <a:extLst>
+              <a:ext uri="{FF2B5EF4-FFF2-40B4-BE49-F238E27FC236}">
+                <a16:creationId xmlns:a16="http://schemas.microsoft.com/office/drawing/2014/main" id="{BAFB28D1-4CDE-432B-9F73-4D8FD0748637}"/>
+              </a:ext>
+            </a:extLst>
+          </p:cNvPr>
+          <p:cNvSpPr/>
+          <p:nvPr/>
+        </p:nvSpPr>
+        <p:spPr>
+          <a:xfrm>
+            <a:off x="7737000" y="4211811"/>
+            <a:ext cx="1170257" cy="369332"/>
+          </a:xfrm>
+          <a:prstGeom prst="rect">
+            <a:avLst/>
+          </a:prstGeom>
+        </p:spPr>
+        <p:txBody>
+          <a:bodyPr wrap="none">
+            <a:spAutoFit/>
+          </a:bodyPr>
+          <a:lstStyle/>
+          <a:p>
+            <a:r>
+              <a:rPr lang="de-DE" dirty="0"/>
+              <a:t>@</a:t>
+            </a:r>
+            <a:r>
+              <a:rPr lang="de-DE" dirty="0" err="1"/>
+              <a:t>Al_exHo</a:t>
+            </a:r>
+            <a:endParaRPr lang="de-DE" dirty="0"/>
+          </a:p>
+        </p:txBody>
+      </p:sp>
+      <p:sp>
+        <p:nvSpPr>
+          <p:cNvPr id="6" name="Rechteck 5">
+            <a:extLst>
+              <a:ext uri="{FF2B5EF4-FFF2-40B4-BE49-F238E27FC236}">
+                <a16:creationId xmlns:a16="http://schemas.microsoft.com/office/drawing/2014/main" id="{CF3D8852-AEC2-40CD-9CE4-AA30F46BD37A}"/>
+              </a:ext>
+            </a:extLst>
+          </p:cNvPr>
+          <p:cNvSpPr/>
+          <p:nvPr/>
+        </p:nvSpPr>
+        <p:spPr>
+          <a:xfrm>
+            <a:off x="2103480" y="4239135"/>
+            <a:ext cx="1401153" cy="369332"/>
+          </a:xfrm>
+          <a:prstGeom prst="rect">
+            <a:avLst/>
+          </a:prstGeom>
+        </p:spPr>
+        <p:txBody>
+          <a:bodyPr wrap="none">
+            <a:spAutoFit/>
+          </a:bodyPr>
+          <a:lstStyle/>
+          <a:p>
+            <a:r>
+              <a:rPr lang="de-DE" b="1" dirty="0">
+                <a:latin typeface="Segoe UI" panose="020B0502040204020203" pitchFamily="34" charset="0"/>
+              </a:rPr>
+              <a:t>@</a:t>
+            </a:r>
+            <a:r>
+              <a:rPr lang="de-DE" dirty="0" err="1">
+                <a:latin typeface="Segoe UI" panose="020B0502040204020203" pitchFamily="34" charset="0"/>
+              </a:rPr>
+              <a:t>kingxelor</a:t>
+            </a:r>
+            <a:r>
+              <a:rPr lang="de-DE" b="1" dirty="0">
+                <a:latin typeface="Segoe UI" panose="020B0502040204020203" pitchFamily="34" charset="0"/>
+              </a:rPr>
+              <a:t> </a:t>
+            </a:r>
+            <a:endParaRPr lang="de-DE" dirty="0"/>
+          </a:p>
+        </p:txBody>
+      </p:sp>
+      <p:sp>
+        <p:nvSpPr>
+          <p:cNvPr id="11" name="Rechteck 10">
+            <a:extLst>
+              <a:ext uri="{FF2B5EF4-FFF2-40B4-BE49-F238E27FC236}">
+                <a16:creationId xmlns:a16="http://schemas.microsoft.com/office/drawing/2014/main" id="{6ACDA1E7-8D11-4BD9-9060-8A570813F845}"/>
+              </a:ext>
+            </a:extLst>
+          </p:cNvPr>
+          <p:cNvSpPr/>
+          <p:nvPr/>
+        </p:nvSpPr>
+        <p:spPr>
+          <a:xfrm>
+            <a:off x="2103480" y="3739257"/>
+            <a:ext cx="2102760" cy="369332"/>
+          </a:xfrm>
+          <a:prstGeom prst="rect">
+            <a:avLst/>
+          </a:prstGeom>
+        </p:spPr>
+        <p:txBody>
+          <a:bodyPr wrap="square">
+            <a:spAutoFit/>
+          </a:bodyPr>
+          <a:lstStyle/>
+          <a:p>
+            <a:r>
+              <a:rPr lang="de-DE" dirty="0">
+                <a:latin typeface="Segoe UI" panose="020B0502040204020203" pitchFamily="34" charset="0"/>
+              </a:rPr>
+              <a:t>Matthias Drescher</a:t>
+            </a:r>
+            <a:endParaRPr lang="de-DE" dirty="0"/>
+          </a:p>
+        </p:txBody>
+      </p:sp>
+      <p:sp>
+        <p:nvSpPr>
+          <p:cNvPr id="12" name="Rechteck 11">
+            <a:extLst>
+              <a:ext uri="{FF2B5EF4-FFF2-40B4-BE49-F238E27FC236}">
+                <a16:creationId xmlns:a16="http://schemas.microsoft.com/office/drawing/2014/main" id="{724FD4FB-89B5-4326-BFD1-F1C8686095A0}"/>
+              </a:ext>
+            </a:extLst>
+          </p:cNvPr>
+          <p:cNvSpPr/>
+          <p:nvPr/>
+        </p:nvSpPr>
+        <p:spPr>
+          <a:xfrm>
+            <a:off x="7737000" y="3738698"/>
+            <a:ext cx="2102760" cy="369332"/>
+          </a:xfrm>
+          <a:prstGeom prst="rect">
+            <a:avLst/>
+          </a:prstGeom>
+        </p:spPr>
+        <p:txBody>
+          <a:bodyPr wrap="square">
+            <a:spAutoFit/>
+          </a:bodyPr>
+          <a:lstStyle/>
+          <a:p>
+            <a:r>
+              <a:rPr lang="de-DE" dirty="0">
+                <a:latin typeface="Segoe UI" panose="020B0502040204020203" pitchFamily="34" charset="0"/>
+              </a:rPr>
+              <a:t>Alexander Horn</a:t>
+            </a:r>
+            <a:endParaRPr lang="de-DE" dirty="0"/>
+          </a:p>
+        </p:txBody>
+      </p:sp>
+      <p:sp>
+        <p:nvSpPr>
+          <p:cNvPr id="13" name="Rechteck 12">
+            <a:extLst>
+              <a:ext uri="{FF2B5EF4-FFF2-40B4-BE49-F238E27FC236}">
+                <a16:creationId xmlns:a16="http://schemas.microsoft.com/office/drawing/2014/main" id="{C5DC15D7-20BB-437A-B5CF-E9080615D5E2}"/>
+              </a:ext>
+            </a:extLst>
+          </p:cNvPr>
+          <p:cNvSpPr/>
+          <p:nvPr/>
+        </p:nvSpPr>
+        <p:spPr>
+          <a:xfrm>
+            <a:off x="2103480" y="4739013"/>
+            <a:ext cx="2102760" cy="646331"/>
+          </a:xfrm>
+          <a:prstGeom prst="rect">
+            <a:avLst/>
+          </a:prstGeom>
+        </p:spPr>
+        <p:txBody>
+          <a:bodyPr wrap="square">
+            <a:spAutoFit/>
+          </a:bodyPr>
+          <a:lstStyle/>
+          <a:p>
+            <a:r>
+              <a:rPr lang="de-DE">
+                <a:latin typeface="Segoe UI" panose="020B0502040204020203" pitchFamily="34" charset="0"/>
+              </a:rPr>
+              <a:t>Scrum Master &amp; Webentwickler</a:t>
+            </a:r>
+            <a:endParaRPr lang="de-DE" dirty="0"/>
+          </a:p>
+        </p:txBody>
+      </p:sp>
+      <p:sp>
+        <p:nvSpPr>
+          <p:cNvPr id="14" name="Rechteck 13">
+            <a:extLst>
+              <a:ext uri="{FF2B5EF4-FFF2-40B4-BE49-F238E27FC236}">
+                <a16:creationId xmlns:a16="http://schemas.microsoft.com/office/drawing/2014/main" id="{F4538B15-F0EC-43F9-8AB6-B8606C55BF2C}"/>
+              </a:ext>
+            </a:extLst>
+          </p:cNvPr>
+          <p:cNvSpPr/>
+          <p:nvPr/>
+        </p:nvSpPr>
+        <p:spPr>
+          <a:xfrm>
+            <a:off x="7737000" y="4739013"/>
+            <a:ext cx="2102760" cy="369332"/>
+          </a:xfrm>
+          <a:prstGeom prst="rect">
+            <a:avLst/>
+          </a:prstGeom>
+        </p:spPr>
+        <p:txBody>
+          <a:bodyPr wrap="square">
+            <a:spAutoFit/>
+          </a:bodyPr>
+          <a:lstStyle/>
+          <a:p>
+            <a:r>
+              <a:rPr lang="de-DE" dirty="0">
+                <a:latin typeface="Segoe UI" panose="020B0502040204020203" pitchFamily="34" charset="0"/>
+              </a:rPr>
+              <a:t>Webentwickler</a:t>
+            </a:r>
+            <a:endParaRPr lang="de-DE" dirty="0"/>
+          </a:p>
+        </p:txBody>
+      </p:sp>
+    </p:spTree>
+    <p:extLst>
+      <p:ext uri="{BB962C8B-B14F-4D97-AF65-F5344CB8AC3E}">
+        <p14:creationId xmlns:p14="http://schemas.microsoft.com/office/powerpoint/2010/main" val="2417779297"/>
+      </p:ext>
+    </p:extLst>
+  </p:cSld>
+  <p:clrMapOvr>
+    <a:masterClrMapping/>
+  </p:clrMapOvr>
+</p:sld>
+</file>
+
+<file path=ppt/slides/slide30.xml><?xml version="1.0" encoding="utf-8"?>
 <p:sld xmlns:a="http://schemas.openxmlformats.org/drawingml/2006/main" xmlns:r="http://schemas.openxmlformats.org/officeDocument/2006/relationships" xmlns:p="http://schemas.openxmlformats.org/presentationml/2006/main">
   <p:cSld>
     <p:bg>
@@ -15721,7 +16848,65 @@
 </p:sld>
 </file>
 
-<file path=ppt/slides/slide27.xml><?xml version="1.0" encoding="utf-8"?>
+<file path=ppt/slides/slide31.xml><?xml version="1.0" encoding="utf-8"?>
+<p:sld xmlns:a="http://schemas.openxmlformats.org/drawingml/2006/main" xmlns:r="http://schemas.openxmlformats.org/officeDocument/2006/relationships" xmlns:p="http://schemas.openxmlformats.org/presentationml/2006/main" show="0">
+  <p:cSld>
+    <p:spTree>
+      <p:nvGrpSpPr>
+        <p:cNvPr id="1" name=""/>
+        <p:cNvGrpSpPr/>
+        <p:nvPr/>
+      </p:nvGrpSpPr>
+      <p:grpSpPr>
+        <a:xfrm>
+          <a:off x="0" y="0"/>
+          <a:ext cx="0" cy="0"/>
+          <a:chOff x="0" y="0"/>
+          <a:chExt cx="0" cy="0"/>
+        </a:xfrm>
+      </p:grpSpPr>
+      <p:sp>
+        <p:nvSpPr>
+          <p:cNvPr id="2" name="Titel 1">
+            <a:extLst>
+              <a:ext uri="{FF2B5EF4-FFF2-40B4-BE49-F238E27FC236}">
+                <a16:creationId xmlns:a16="http://schemas.microsoft.com/office/drawing/2014/main" id="{CCB7073A-A3F6-4B28-B21C-0BE3DE9A44D0}"/>
+              </a:ext>
+            </a:extLst>
+          </p:cNvPr>
+          <p:cNvSpPr>
+            <a:spLocks noGrp="1"/>
+          </p:cNvSpPr>
+          <p:nvPr>
+            <p:ph type="title"/>
+          </p:nvPr>
+        </p:nvSpPr>
+        <p:spPr/>
+        <p:txBody>
+          <a:bodyPr/>
+          <a:lstStyle/>
+          <a:p>
+            <a:r>
+              <a:rPr lang="de-DE" dirty="0"/>
+              <a:t>Matthias</a:t>
+            </a:r>
+          </a:p>
+        </p:txBody>
+      </p:sp>
+    </p:spTree>
+    <p:extLst>
+      <p:ext uri="{BB962C8B-B14F-4D97-AF65-F5344CB8AC3E}">
+        <p14:creationId xmlns:p14="http://schemas.microsoft.com/office/powerpoint/2010/main" val="976949326"/>
+      </p:ext>
+    </p:extLst>
+  </p:cSld>
+  <p:clrMapOvr>
+    <a:masterClrMapping/>
+  </p:clrMapOvr>
+</p:sld>
+</file>
+
+<file path=ppt/slides/slide32.xml><?xml version="1.0" encoding="utf-8"?>
 <p:sld xmlns:a="http://schemas.openxmlformats.org/drawingml/2006/main" xmlns:r="http://schemas.openxmlformats.org/officeDocument/2006/relationships" xmlns:p="http://schemas.openxmlformats.org/presentationml/2006/main">
   <p:cSld>
     <p:bg>
@@ -15955,7 +17140,65 @@
 </p:sld>
 </file>
 
-<file path=ppt/slides/slide28.xml><?xml version="1.0" encoding="utf-8"?>
+<file path=ppt/slides/slide33.xml><?xml version="1.0" encoding="utf-8"?>
+<p:sld xmlns:a="http://schemas.openxmlformats.org/drawingml/2006/main" xmlns:r="http://schemas.openxmlformats.org/officeDocument/2006/relationships" xmlns:p="http://schemas.openxmlformats.org/presentationml/2006/main" show="0">
+  <p:cSld>
+    <p:spTree>
+      <p:nvGrpSpPr>
+        <p:cNvPr id="1" name=""/>
+        <p:cNvGrpSpPr/>
+        <p:nvPr/>
+      </p:nvGrpSpPr>
+      <p:grpSpPr>
+        <a:xfrm>
+          <a:off x="0" y="0"/>
+          <a:ext cx="0" cy="0"/>
+          <a:chOff x="0" y="0"/>
+          <a:chExt cx="0" cy="0"/>
+        </a:xfrm>
+      </p:grpSpPr>
+      <p:sp>
+        <p:nvSpPr>
+          <p:cNvPr id="2" name="Titel 1">
+            <a:extLst>
+              <a:ext uri="{FF2B5EF4-FFF2-40B4-BE49-F238E27FC236}">
+                <a16:creationId xmlns:a16="http://schemas.microsoft.com/office/drawing/2014/main" id="{CCB7073A-A3F6-4B28-B21C-0BE3DE9A44D0}"/>
+              </a:ext>
+            </a:extLst>
+          </p:cNvPr>
+          <p:cNvSpPr>
+            <a:spLocks noGrp="1"/>
+          </p:cNvSpPr>
+          <p:nvPr>
+            <p:ph type="title"/>
+          </p:nvPr>
+        </p:nvSpPr>
+        <p:spPr/>
+        <p:txBody>
+          <a:bodyPr/>
+          <a:lstStyle/>
+          <a:p>
+            <a:r>
+              <a:rPr lang="de-DE" dirty="0"/>
+              <a:t>Alex</a:t>
+            </a:r>
+          </a:p>
+        </p:txBody>
+      </p:sp>
+    </p:spTree>
+    <p:extLst>
+      <p:ext uri="{BB962C8B-B14F-4D97-AF65-F5344CB8AC3E}">
+        <p14:creationId xmlns:p14="http://schemas.microsoft.com/office/powerpoint/2010/main" val="3366612320"/>
+      </p:ext>
+    </p:extLst>
+  </p:cSld>
+  <p:clrMapOvr>
+    <a:masterClrMapping/>
+  </p:clrMapOvr>
+</p:sld>
+</file>
+
+<file path=ppt/slides/slide34.xml><?xml version="1.0" encoding="utf-8"?>
 <p:sld xmlns:a="http://schemas.openxmlformats.org/drawingml/2006/main" xmlns:r="http://schemas.openxmlformats.org/officeDocument/2006/relationships" xmlns:p="http://schemas.openxmlformats.org/presentationml/2006/main">
   <p:cSld>
     <p:bg>
@@ -16490,7 +17733,7 @@
 </p:sld>
 </file>
 
-<file path=ppt/slides/slide29.xml><?xml version="1.0" encoding="utf-8"?>
+<file path=ppt/slides/slide35.xml><?xml version="1.0" encoding="utf-8"?>
 <p:sld xmlns:a="http://schemas.openxmlformats.org/drawingml/2006/main" xmlns:r="http://schemas.openxmlformats.org/officeDocument/2006/relationships" xmlns:p="http://schemas.openxmlformats.org/presentationml/2006/main">
   <p:cSld>
     <p:bg>
@@ -17051,1055 +18294,7 @@
 </p:sld>
 </file>
 
-<file path=ppt/slides/slide3.xml><?xml version="1.0" encoding="utf-8"?>
-<p:sld xmlns:a="http://schemas.openxmlformats.org/drawingml/2006/main" xmlns:r="http://schemas.openxmlformats.org/officeDocument/2006/relationships" xmlns:p="http://schemas.openxmlformats.org/presentationml/2006/main">
-  <p:cSld>
-    <p:bg>
-      <p:bgPr>
-        <a:solidFill>
-          <a:schemeClr val="bg1"/>
-        </a:solidFill>
-        <a:effectLst/>
-      </p:bgPr>
-    </p:bg>
-    <p:spTree>
-      <p:nvGrpSpPr>
-        <p:cNvPr id="1" name=""/>
-        <p:cNvGrpSpPr/>
-        <p:nvPr/>
-      </p:nvGrpSpPr>
-      <p:grpSpPr>
-        <a:xfrm>
-          <a:off x="0" y="0"/>
-          <a:ext cx="0" cy="0"/>
-          <a:chOff x="0" y="0"/>
-          <a:chExt cx="0" cy="0"/>
-        </a:xfrm>
-      </p:grpSpPr>
-      <p:sp>
-        <p:nvSpPr>
-          <p:cNvPr id="5" name="Titel 4">
-            <a:extLst>
-              <a:ext uri="{FF2B5EF4-FFF2-40B4-BE49-F238E27FC236}">
-                <a16:creationId xmlns:a16="http://schemas.microsoft.com/office/drawing/2014/main" id="{66853FFE-22E8-450D-AB2C-88C91713C721}"/>
-              </a:ext>
-            </a:extLst>
-          </p:cNvPr>
-          <p:cNvSpPr>
-            <a:spLocks noGrp="1"/>
-          </p:cNvSpPr>
-          <p:nvPr>
-            <p:ph type="title"/>
-          </p:nvPr>
-        </p:nvSpPr>
-        <p:spPr>
-          <a:xfrm>
-            <a:off x="838200" y="365125"/>
-            <a:ext cx="10515600" cy="1325563"/>
-          </a:xfrm>
-        </p:spPr>
-        <p:txBody>
-          <a:bodyPr/>
-          <a:lstStyle/>
-          <a:p>
-            <a:pPr algn="ctr"/>
-            <a:r>
-              <a:rPr lang="de-DE" dirty="0">
-                <a:solidFill>
-                  <a:schemeClr val="bg1"/>
-                </a:solidFill>
-              </a:rPr>
-              <a:t>REST</a:t>
-            </a:r>
-          </a:p>
-        </p:txBody>
-      </p:sp>
-      <p:pic>
-        <p:nvPicPr>
-          <p:cNvPr id="12" name="Picture 6">
-            <a:extLst>
-              <a:ext uri="{FF2B5EF4-FFF2-40B4-BE49-F238E27FC236}">
-                <a16:creationId xmlns:a16="http://schemas.microsoft.com/office/drawing/2014/main" id="{76D26A09-76D8-4BDB-B04C-EB633A68CA58}"/>
-              </a:ext>
-            </a:extLst>
-          </p:cNvPr>
-          <p:cNvPicPr>
-            <a:picLocks noChangeAspect="1" noChangeArrowheads="1"/>
-          </p:cNvPicPr>
-          <p:nvPr/>
-        </p:nvPicPr>
-        <p:blipFill>
-          <a:blip r:embed="rId3">
-            <a:extLst>
-              <a:ext uri="{28A0092B-C50C-407E-A947-70E740481C1C}">
-                <a14:useLocalDpi xmlns:a14="http://schemas.microsoft.com/office/drawing/2010/main" val="0"/>
-              </a:ext>
-            </a:extLst>
-          </a:blip>
-          <a:stretch>
-            <a:fillRect/>
-          </a:stretch>
-        </p:blipFill>
-        <p:spPr bwMode="auto">
-          <a:xfrm>
-            <a:off x="10564167" y="6353503"/>
-            <a:ext cx="1475682" cy="352753"/>
-          </a:xfrm>
-          <a:prstGeom prst="rect">
-            <a:avLst/>
-          </a:prstGeom>
-          <a:noFill/>
-          <a:extLst>
-            <a:ext uri="{909E8E84-426E-40DD-AFC4-6F175D3DCCD1}">
-              <a14:hiddenFill xmlns:a14="http://schemas.microsoft.com/office/drawing/2010/main">
-                <a:solidFill>
-                  <a:srgbClr val="FFFFFF"/>
-                </a:solidFill>
-              </a14:hiddenFill>
-            </a:ext>
-          </a:extLst>
-        </p:spPr>
-      </p:pic>
-      <p:pic>
-        <p:nvPicPr>
-          <p:cNvPr id="6" name="Grafik 5">
-            <a:extLst>
-              <a:ext uri="{FF2B5EF4-FFF2-40B4-BE49-F238E27FC236}">
-                <a16:creationId xmlns:a16="http://schemas.microsoft.com/office/drawing/2014/main" id="{33EA2DE9-A846-433E-8AB1-9419CDF7B0D2}"/>
-              </a:ext>
-            </a:extLst>
-          </p:cNvPr>
-          <p:cNvPicPr>
-            <a:picLocks noChangeAspect="1"/>
-          </p:cNvPicPr>
-          <p:nvPr/>
-        </p:nvPicPr>
-        <p:blipFill>
-          <a:blip r:embed="rId4" cstate="hqprint">
-            <a:extLst>
-              <a:ext uri="{28A0092B-C50C-407E-A947-70E740481C1C}">
-                <a14:useLocalDpi xmlns:a14="http://schemas.microsoft.com/office/drawing/2010/main" val="0"/>
-              </a:ext>
-              <a:ext uri="{96DAC541-7B7A-43D3-8B79-37D633B846F1}">
-                <asvg:svgBlip xmlns:asvg="http://schemas.microsoft.com/office/drawing/2016/SVG/main" r:embed="rId5"/>
-              </a:ext>
-            </a:extLst>
-          </a:blip>
-          <a:stretch>
-            <a:fillRect/>
-          </a:stretch>
-        </p:blipFill>
-        <p:spPr>
-          <a:xfrm>
-            <a:off x="1249680" y="2889000"/>
-            <a:ext cx="1080000" cy="1080000"/>
-          </a:xfrm>
-          <a:prstGeom prst="rect">
-            <a:avLst/>
-          </a:prstGeom>
-        </p:spPr>
-      </p:pic>
-      <p:pic>
-        <p:nvPicPr>
-          <p:cNvPr id="7" name="Grafik 6" descr="Server">
-            <a:extLst>
-              <a:ext uri="{FF2B5EF4-FFF2-40B4-BE49-F238E27FC236}">
-                <a16:creationId xmlns:a16="http://schemas.microsoft.com/office/drawing/2014/main" id="{42B439FB-D4E3-4977-B9E0-7BAA0F1C52D8}"/>
-              </a:ext>
-            </a:extLst>
-          </p:cNvPr>
-          <p:cNvPicPr>
-            <a:picLocks noChangeAspect="1"/>
-          </p:cNvPicPr>
-          <p:nvPr/>
-        </p:nvPicPr>
-        <p:blipFill>
-          <a:blip r:embed="rId6" cstate="hqprint">
-            <a:extLst>
-              <a:ext uri="{28A0092B-C50C-407E-A947-70E740481C1C}">
-                <a14:useLocalDpi xmlns:a14="http://schemas.microsoft.com/office/drawing/2010/main" val="0"/>
-              </a:ext>
-              <a:ext uri="{96DAC541-7B7A-43D3-8B79-37D633B846F1}">
-                <asvg:svgBlip xmlns:asvg="http://schemas.microsoft.com/office/drawing/2016/SVG/main" r:embed="rId7"/>
-              </a:ext>
-            </a:extLst>
-          </a:blip>
-          <a:stretch>
-            <a:fillRect/>
-          </a:stretch>
-        </p:blipFill>
-        <p:spPr>
-          <a:xfrm>
-            <a:off x="9930581" y="3054600"/>
-            <a:ext cx="914400" cy="914400"/>
-          </a:xfrm>
-          <a:prstGeom prst="rect">
-            <a:avLst/>
-          </a:prstGeom>
-        </p:spPr>
-      </p:pic>
-      <p:cxnSp>
-        <p:nvCxnSpPr>
-          <p:cNvPr id="17" name="Gerade Verbindung mit Pfeil 16">
-            <a:extLst>
-              <a:ext uri="{FF2B5EF4-FFF2-40B4-BE49-F238E27FC236}">
-                <a16:creationId xmlns:a16="http://schemas.microsoft.com/office/drawing/2014/main" id="{410051E3-C482-4D47-ABAD-529CC269354A}"/>
-              </a:ext>
-            </a:extLst>
-          </p:cNvPr>
-          <p:cNvCxnSpPr>
-            <a:cxnSpLocks/>
-          </p:cNvCxnSpPr>
-          <p:nvPr/>
-        </p:nvCxnSpPr>
-        <p:spPr>
-          <a:xfrm>
-            <a:off x="2558845" y="2368073"/>
-            <a:ext cx="7093974" cy="0"/>
-          </a:xfrm>
-          <a:prstGeom prst="straightConnector1">
-            <a:avLst/>
-          </a:prstGeom>
-          <a:ln w="12700">
-            <a:solidFill>
-              <a:schemeClr val="tx1"/>
-            </a:solidFill>
-            <a:tailEnd type="triangle"/>
-          </a:ln>
-        </p:spPr>
-        <p:style>
-          <a:lnRef idx="1">
-            <a:schemeClr val="accent1"/>
-          </a:lnRef>
-          <a:fillRef idx="0">
-            <a:schemeClr val="accent1"/>
-          </a:fillRef>
-          <a:effectRef idx="0">
-            <a:schemeClr val="accent1"/>
-          </a:effectRef>
-          <a:fontRef idx="minor">
-            <a:schemeClr val="tx1"/>
-          </a:fontRef>
-        </p:style>
-      </p:cxnSp>
-      <p:cxnSp>
-        <p:nvCxnSpPr>
-          <p:cNvPr id="20" name="Gerade Verbindung mit Pfeil 19">
-            <a:extLst>
-              <a:ext uri="{FF2B5EF4-FFF2-40B4-BE49-F238E27FC236}">
-                <a16:creationId xmlns:a16="http://schemas.microsoft.com/office/drawing/2014/main" id="{3E486BD9-DBF1-4802-AF92-F2E6CBBDD542}"/>
-              </a:ext>
-            </a:extLst>
-          </p:cNvPr>
-          <p:cNvCxnSpPr>
-            <a:cxnSpLocks/>
-          </p:cNvCxnSpPr>
-          <p:nvPr/>
-        </p:nvCxnSpPr>
-        <p:spPr>
-          <a:xfrm>
-            <a:off x="2558845" y="3594388"/>
-            <a:ext cx="7093974" cy="0"/>
-          </a:xfrm>
-          <a:prstGeom prst="straightConnector1">
-            <a:avLst/>
-          </a:prstGeom>
-          <a:ln w="12700">
-            <a:solidFill>
-              <a:schemeClr val="tx1"/>
-            </a:solidFill>
-            <a:tailEnd type="triangle"/>
-          </a:ln>
-        </p:spPr>
-        <p:style>
-          <a:lnRef idx="1">
-            <a:schemeClr val="accent1"/>
-          </a:lnRef>
-          <a:fillRef idx="0">
-            <a:schemeClr val="accent1"/>
-          </a:fillRef>
-          <a:effectRef idx="0">
-            <a:schemeClr val="accent1"/>
-          </a:effectRef>
-          <a:fontRef idx="minor">
-            <a:schemeClr val="tx1"/>
-          </a:fontRef>
-        </p:style>
-      </p:cxnSp>
-      <p:cxnSp>
-        <p:nvCxnSpPr>
-          <p:cNvPr id="22" name="Gerade Verbindung mit Pfeil 21">
-            <a:extLst>
-              <a:ext uri="{FF2B5EF4-FFF2-40B4-BE49-F238E27FC236}">
-                <a16:creationId xmlns:a16="http://schemas.microsoft.com/office/drawing/2014/main" id="{BE49138B-7DFC-4AFD-BA4D-49557ACDB905}"/>
-              </a:ext>
-            </a:extLst>
-          </p:cNvPr>
-          <p:cNvCxnSpPr>
-            <a:cxnSpLocks/>
-          </p:cNvCxnSpPr>
-          <p:nvPr/>
-        </p:nvCxnSpPr>
-        <p:spPr>
-          <a:xfrm>
-            <a:off x="2558845" y="2891641"/>
-            <a:ext cx="7093974" cy="0"/>
-          </a:xfrm>
-          <a:prstGeom prst="straightConnector1">
-            <a:avLst/>
-          </a:prstGeom>
-          <a:ln w="12700">
-            <a:solidFill>
-              <a:schemeClr val="tx1"/>
-            </a:solidFill>
-            <a:headEnd type="triangle"/>
-            <a:tailEnd type="none"/>
-          </a:ln>
-        </p:spPr>
-        <p:style>
-          <a:lnRef idx="1">
-            <a:schemeClr val="accent1"/>
-          </a:lnRef>
-          <a:fillRef idx="0">
-            <a:schemeClr val="accent1"/>
-          </a:fillRef>
-          <a:effectRef idx="0">
-            <a:schemeClr val="accent1"/>
-          </a:effectRef>
-          <a:fontRef idx="minor">
-            <a:schemeClr val="tx1"/>
-          </a:fontRef>
-        </p:style>
-      </p:cxnSp>
-      <p:cxnSp>
-        <p:nvCxnSpPr>
-          <p:cNvPr id="23" name="Gerade Verbindung mit Pfeil 22">
-            <a:extLst>
-              <a:ext uri="{FF2B5EF4-FFF2-40B4-BE49-F238E27FC236}">
-                <a16:creationId xmlns:a16="http://schemas.microsoft.com/office/drawing/2014/main" id="{E0867F58-7EBA-4A7D-BB2D-572DD2ACB01C}"/>
-              </a:ext>
-            </a:extLst>
-          </p:cNvPr>
-          <p:cNvCxnSpPr>
-            <a:cxnSpLocks/>
-          </p:cNvCxnSpPr>
-          <p:nvPr/>
-        </p:nvCxnSpPr>
-        <p:spPr>
-          <a:xfrm>
-            <a:off x="2558845" y="4124233"/>
-            <a:ext cx="7093974" cy="0"/>
-          </a:xfrm>
-          <a:prstGeom prst="straightConnector1">
-            <a:avLst/>
-          </a:prstGeom>
-          <a:ln w="12700">
-            <a:solidFill>
-              <a:schemeClr val="tx1"/>
-            </a:solidFill>
-            <a:headEnd type="triangle"/>
-            <a:tailEnd type="none"/>
-          </a:ln>
-        </p:spPr>
-        <p:style>
-          <a:lnRef idx="1">
-            <a:schemeClr val="accent1"/>
-          </a:lnRef>
-          <a:fillRef idx="0">
-            <a:schemeClr val="accent1"/>
-          </a:fillRef>
-          <a:effectRef idx="0">
-            <a:schemeClr val="accent1"/>
-          </a:effectRef>
-          <a:fontRef idx="minor">
-            <a:schemeClr val="tx1"/>
-          </a:fontRef>
-        </p:style>
-      </p:cxnSp>
-      <p:sp>
-        <p:nvSpPr>
-          <p:cNvPr id="26" name="Textfeld 25">
-            <a:extLst>
-              <a:ext uri="{FF2B5EF4-FFF2-40B4-BE49-F238E27FC236}">
-                <a16:creationId xmlns:a16="http://schemas.microsoft.com/office/drawing/2014/main" id="{D73A5596-258B-4F18-9307-DE51E556213C}"/>
-              </a:ext>
-            </a:extLst>
-          </p:cNvPr>
-          <p:cNvSpPr txBox="1"/>
-          <p:nvPr/>
-        </p:nvSpPr>
-        <p:spPr>
-          <a:xfrm>
-            <a:off x="2558845" y="1904873"/>
-            <a:ext cx="2238370" cy="369332"/>
-          </a:xfrm>
-          <a:prstGeom prst="rect">
-            <a:avLst/>
-          </a:prstGeom>
-          <a:noFill/>
-          <a:ln>
-            <a:solidFill>
-              <a:schemeClr val="tx1"/>
-            </a:solidFill>
-          </a:ln>
-        </p:spPr>
-        <p:txBody>
-          <a:bodyPr wrap="none" rtlCol="0">
-            <a:spAutoFit/>
-          </a:bodyPr>
-          <a:lstStyle/>
-          <a:p>
-            <a:r>
-              <a:rPr lang="de-DE" dirty="0"/>
-              <a:t>GET /</a:t>
-            </a:r>
-            <a:r>
-              <a:rPr lang="de-DE" dirty="0" err="1"/>
-              <a:t>users</a:t>
-            </a:r>
-            <a:r>
-              <a:rPr lang="de-DE" dirty="0"/>
-              <a:t>/alex/</a:t>
-            </a:r>
-            <a:r>
-              <a:rPr lang="de-DE" dirty="0" err="1"/>
-              <a:t>posts</a:t>
-            </a:r>
-            <a:endParaRPr lang="de-DE" dirty="0"/>
-          </a:p>
-        </p:txBody>
-      </p:sp>
-      <p:sp>
-        <p:nvSpPr>
-          <p:cNvPr id="27" name="Textfeld 26">
-            <a:extLst>
-              <a:ext uri="{FF2B5EF4-FFF2-40B4-BE49-F238E27FC236}">
-                <a16:creationId xmlns:a16="http://schemas.microsoft.com/office/drawing/2014/main" id="{BEC6349C-E01D-46AE-B57F-25049ADAE601}"/>
-              </a:ext>
-            </a:extLst>
-          </p:cNvPr>
-          <p:cNvSpPr txBox="1"/>
-          <p:nvPr/>
-        </p:nvSpPr>
-        <p:spPr>
-          <a:xfrm>
-            <a:off x="2558845" y="2452565"/>
-            <a:ext cx="792205" cy="369332"/>
-          </a:xfrm>
-          <a:prstGeom prst="rect">
-            <a:avLst/>
-          </a:prstGeom>
-          <a:noFill/>
-          <a:ln>
-            <a:solidFill>
-              <a:schemeClr val="tx1"/>
-            </a:solidFill>
-          </a:ln>
-        </p:spPr>
-        <p:txBody>
-          <a:bodyPr wrap="none" rtlCol="0">
-            <a:spAutoFit/>
-          </a:bodyPr>
-          <a:lstStyle/>
-          <a:p>
-            <a:r>
-              <a:rPr lang="de-DE" dirty="0"/>
-              <a:t>[1,2,3]</a:t>
-            </a:r>
-          </a:p>
-        </p:txBody>
-      </p:sp>
-      <p:sp>
-        <p:nvSpPr>
-          <p:cNvPr id="28" name="Textfeld 27">
-            <a:extLst>
-              <a:ext uri="{FF2B5EF4-FFF2-40B4-BE49-F238E27FC236}">
-                <a16:creationId xmlns:a16="http://schemas.microsoft.com/office/drawing/2014/main" id="{BAD99CAD-832A-42B4-82BF-6331694A5A2E}"/>
-              </a:ext>
-            </a:extLst>
-          </p:cNvPr>
-          <p:cNvSpPr txBox="1"/>
-          <p:nvPr/>
-        </p:nvSpPr>
-        <p:spPr>
-          <a:xfrm>
-            <a:off x="2558845" y="3168244"/>
-            <a:ext cx="1629613" cy="369332"/>
-          </a:xfrm>
-          <a:prstGeom prst="rect">
-            <a:avLst/>
-          </a:prstGeom>
-          <a:noFill/>
-          <a:ln>
-            <a:solidFill>
-              <a:schemeClr val="tx1"/>
-            </a:solidFill>
-          </a:ln>
-        </p:spPr>
-        <p:txBody>
-          <a:bodyPr wrap="none" rtlCol="0">
-            <a:spAutoFit/>
-          </a:bodyPr>
-          <a:lstStyle/>
-          <a:p>
-            <a:r>
-              <a:rPr lang="de-DE" dirty="0"/>
-              <a:t>GET /</a:t>
-            </a:r>
-            <a:r>
-              <a:rPr lang="de-DE" dirty="0" err="1"/>
-              <a:t>posts</a:t>
-            </a:r>
-            <a:r>
-              <a:rPr lang="de-DE" dirty="0"/>
-              <a:t>/{ID}</a:t>
-            </a:r>
-          </a:p>
-        </p:txBody>
-      </p:sp>
-      <p:sp>
-        <p:nvSpPr>
-          <p:cNvPr id="29" name="Textfeld 28">
-            <a:extLst>
-              <a:ext uri="{FF2B5EF4-FFF2-40B4-BE49-F238E27FC236}">
-                <a16:creationId xmlns:a16="http://schemas.microsoft.com/office/drawing/2014/main" id="{DBF6AA26-CA8A-48EC-835D-A49244C27625}"/>
-              </a:ext>
-            </a:extLst>
-          </p:cNvPr>
-          <p:cNvSpPr txBox="1"/>
-          <p:nvPr/>
-        </p:nvSpPr>
-        <p:spPr>
-          <a:xfrm>
-            <a:off x="2558845" y="3681781"/>
-            <a:ext cx="3221523" cy="369332"/>
-          </a:xfrm>
-          <a:prstGeom prst="rect">
-            <a:avLst/>
-          </a:prstGeom>
-          <a:noFill/>
-          <a:ln>
-            <a:solidFill>
-              <a:schemeClr val="tx1"/>
-            </a:solidFill>
-          </a:ln>
-        </p:spPr>
-        <p:txBody>
-          <a:bodyPr wrap="none" rtlCol="0">
-            <a:spAutoFit/>
-          </a:bodyPr>
-          <a:lstStyle/>
-          <a:p>
-            <a:r>
-              <a:rPr lang="de-DE" dirty="0"/>
-              <a:t>{</a:t>
-            </a:r>
-            <a:r>
-              <a:rPr lang="de-DE" dirty="0" err="1"/>
-              <a:t>name</a:t>
-            </a:r>
-            <a:r>
-              <a:rPr lang="de-DE" dirty="0"/>
-              <a:t>: "…", </a:t>
-            </a:r>
-            <a:r>
-              <a:rPr lang="de-DE" dirty="0" err="1"/>
-              <a:t>commentIDs</a:t>
-            </a:r>
-            <a:r>
-              <a:rPr lang="de-DE" dirty="0"/>
-              <a:t>: [1,2] }</a:t>
-            </a:r>
-          </a:p>
-        </p:txBody>
-      </p:sp>
-      <p:cxnSp>
-        <p:nvCxnSpPr>
-          <p:cNvPr id="15" name="Gerade Verbindung mit Pfeil 14">
-            <a:extLst>
-              <a:ext uri="{FF2B5EF4-FFF2-40B4-BE49-F238E27FC236}">
-                <a16:creationId xmlns:a16="http://schemas.microsoft.com/office/drawing/2014/main" id="{D8AD2CCA-5CBF-44D8-AAA7-5D6904C7BE97}"/>
-              </a:ext>
-            </a:extLst>
-          </p:cNvPr>
-          <p:cNvCxnSpPr>
-            <a:cxnSpLocks/>
-          </p:cNvCxnSpPr>
-          <p:nvPr/>
-        </p:nvCxnSpPr>
-        <p:spPr>
-          <a:xfrm>
-            <a:off x="2558845" y="4870130"/>
-            <a:ext cx="7093974" cy="0"/>
-          </a:xfrm>
-          <a:prstGeom prst="straightConnector1">
-            <a:avLst/>
-          </a:prstGeom>
-          <a:ln w="12700">
-            <a:solidFill>
-              <a:schemeClr val="tx1"/>
-            </a:solidFill>
-            <a:tailEnd type="triangle"/>
-          </a:ln>
-        </p:spPr>
-        <p:style>
-          <a:lnRef idx="1">
-            <a:schemeClr val="accent1"/>
-          </a:lnRef>
-          <a:fillRef idx="0">
-            <a:schemeClr val="accent1"/>
-          </a:fillRef>
-          <a:effectRef idx="0">
-            <a:schemeClr val="accent1"/>
-          </a:effectRef>
-          <a:fontRef idx="minor">
-            <a:schemeClr val="tx1"/>
-          </a:fontRef>
-        </p:style>
-      </p:cxnSp>
-      <p:cxnSp>
-        <p:nvCxnSpPr>
-          <p:cNvPr id="16" name="Gerade Verbindung mit Pfeil 15">
-            <a:extLst>
-              <a:ext uri="{FF2B5EF4-FFF2-40B4-BE49-F238E27FC236}">
-                <a16:creationId xmlns:a16="http://schemas.microsoft.com/office/drawing/2014/main" id="{7AC3D1F8-1264-4133-AA12-8066CA5507E9}"/>
-              </a:ext>
-            </a:extLst>
-          </p:cNvPr>
-          <p:cNvCxnSpPr>
-            <a:cxnSpLocks/>
-          </p:cNvCxnSpPr>
-          <p:nvPr/>
-        </p:nvCxnSpPr>
-        <p:spPr>
-          <a:xfrm>
-            <a:off x="2558845" y="5367317"/>
-            <a:ext cx="7093974" cy="0"/>
-          </a:xfrm>
-          <a:prstGeom prst="straightConnector1">
-            <a:avLst/>
-          </a:prstGeom>
-          <a:ln w="12700">
-            <a:solidFill>
-              <a:schemeClr val="tx1"/>
-            </a:solidFill>
-            <a:headEnd type="triangle"/>
-            <a:tailEnd type="none"/>
-          </a:ln>
-        </p:spPr>
-        <p:style>
-          <a:lnRef idx="1">
-            <a:schemeClr val="accent1"/>
-          </a:lnRef>
-          <a:fillRef idx="0">
-            <a:schemeClr val="accent1"/>
-          </a:fillRef>
-          <a:effectRef idx="0">
-            <a:schemeClr val="accent1"/>
-          </a:effectRef>
-          <a:fontRef idx="minor">
-            <a:schemeClr val="tx1"/>
-          </a:fontRef>
-        </p:style>
-      </p:cxnSp>
-      <p:sp>
-        <p:nvSpPr>
-          <p:cNvPr id="18" name="Textfeld 17">
-            <a:extLst>
-              <a:ext uri="{FF2B5EF4-FFF2-40B4-BE49-F238E27FC236}">
-                <a16:creationId xmlns:a16="http://schemas.microsoft.com/office/drawing/2014/main" id="{CC7F8FC7-BE41-40AA-90DA-D1BF39A0CBF9}"/>
-              </a:ext>
-            </a:extLst>
-          </p:cNvPr>
-          <p:cNvSpPr txBox="1"/>
-          <p:nvPr/>
-        </p:nvSpPr>
-        <p:spPr>
-          <a:xfrm>
-            <a:off x="2558845" y="4444921"/>
-            <a:ext cx="2116092" cy="369332"/>
-          </a:xfrm>
-          <a:prstGeom prst="rect">
-            <a:avLst/>
-          </a:prstGeom>
-          <a:noFill/>
-          <a:ln>
-            <a:solidFill>
-              <a:schemeClr val="tx1"/>
-            </a:solidFill>
-          </a:ln>
-        </p:spPr>
-        <p:txBody>
-          <a:bodyPr wrap="none" rtlCol="0">
-            <a:spAutoFit/>
-          </a:bodyPr>
-          <a:lstStyle/>
-          <a:p>
-            <a:r>
-              <a:rPr lang="de-DE" dirty="0"/>
-              <a:t>GET /</a:t>
-            </a:r>
-            <a:r>
-              <a:rPr lang="de-DE" dirty="0" err="1"/>
-              <a:t>comments</a:t>
-            </a:r>
-            <a:r>
-              <a:rPr lang="de-DE" dirty="0"/>
-              <a:t>/{ID}</a:t>
-            </a:r>
-          </a:p>
-        </p:txBody>
-      </p:sp>
-      <p:sp>
-        <p:nvSpPr>
-          <p:cNvPr id="19" name="Textfeld 18">
-            <a:extLst>
-              <a:ext uri="{FF2B5EF4-FFF2-40B4-BE49-F238E27FC236}">
-                <a16:creationId xmlns:a16="http://schemas.microsoft.com/office/drawing/2014/main" id="{B7F367C7-B23D-4F79-B34A-17FAA2E3C35E}"/>
-              </a:ext>
-            </a:extLst>
-          </p:cNvPr>
-          <p:cNvSpPr txBox="1"/>
-          <p:nvPr/>
-        </p:nvSpPr>
-        <p:spPr>
-          <a:xfrm>
-            <a:off x="2558845" y="4924865"/>
-            <a:ext cx="1565813" cy="369332"/>
-          </a:xfrm>
-          <a:prstGeom prst="rect">
-            <a:avLst/>
-          </a:prstGeom>
-          <a:noFill/>
-          <a:ln>
-            <a:solidFill>
-              <a:schemeClr val="tx1"/>
-            </a:solidFill>
-          </a:ln>
-        </p:spPr>
-        <p:txBody>
-          <a:bodyPr wrap="none" rtlCol="0">
-            <a:spAutoFit/>
-          </a:bodyPr>
-          <a:lstStyle/>
-          <a:p>
-            <a:r>
-              <a:rPr lang="de-DE" dirty="0"/>
-              <a:t>{</a:t>
-            </a:r>
-            <a:r>
-              <a:rPr lang="de-DE" dirty="0" err="1"/>
-              <a:t>content</a:t>
-            </a:r>
-            <a:r>
-              <a:rPr lang="de-DE" dirty="0"/>
-              <a:t>: "…" }</a:t>
-            </a:r>
-          </a:p>
-        </p:txBody>
-      </p:sp>
-    </p:spTree>
-    <p:extLst>
-      <p:ext uri="{BB962C8B-B14F-4D97-AF65-F5344CB8AC3E}">
-        <p14:creationId xmlns:p14="http://schemas.microsoft.com/office/powerpoint/2010/main" val="520831427"/>
-      </p:ext>
-    </p:extLst>
-  </p:cSld>
-  <p:clrMapOvr>
-    <a:masterClrMapping/>
-  </p:clrMapOvr>
-  <p:timing>
-    <p:tnLst>
-      <p:par>
-        <p:cTn id="1" dur="indefinite" restart="never" nodeType="tmRoot">
-          <p:childTnLst>
-            <p:seq concurrent="1" nextAc="seek">
-              <p:cTn id="2" dur="indefinite" nodeType="mainSeq">
-                <p:childTnLst>
-                  <p:par>
-                    <p:cTn id="3" fill="hold">
-                      <p:stCondLst>
-                        <p:cond delay="indefinite"/>
-                      </p:stCondLst>
-                      <p:childTnLst>
-                        <p:par>
-                          <p:cTn id="4" fill="hold">
-                            <p:stCondLst>
-                              <p:cond delay="0"/>
-                            </p:stCondLst>
-                            <p:childTnLst>
-                              <p:par>
-                                <p:cTn id="5" presetID="1" presetClass="entr" presetSubtype="0" fill="hold" nodeType="clickEffect">
-                                  <p:stCondLst>
-                                    <p:cond delay="0"/>
-                                  </p:stCondLst>
-                                  <p:childTnLst>
-                                    <p:set>
-                                      <p:cBhvr>
-                                        <p:cTn id="6" dur="1" fill="hold">
-                                          <p:stCondLst>
-                                            <p:cond delay="0"/>
-                                          </p:stCondLst>
-                                        </p:cTn>
-                                        <p:tgtEl>
-                                          <p:spTgt spid="20"/>
-                                        </p:tgtEl>
-                                        <p:attrNameLst>
-                                          <p:attrName>style.visibility</p:attrName>
-                                        </p:attrNameLst>
-                                      </p:cBhvr>
-                                      <p:to>
-                                        <p:strVal val="visible"/>
-                                      </p:to>
-                                    </p:set>
-                                  </p:childTnLst>
-                                </p:cTn>
-                              </p:par>
-                              <p:par>
-                                <p:cTn id="7" presetID="1" presetClass="entr" presetSubtype="0" fill="hold" nodeType="withEffect">
-                                  <p:stCondLst>
-                                    <p:cond delay="0"/>
-                                  </p:stCondLst>
-                                  <p:childTnLst>
-                                    <p:set>
-                                      <p:cBhvr>
-                                        <p:cTn id="8" dur="1" fill="hold">
-                                          <p:stCondLst>
-                                            <p:cond delay="0"/>
-                                          </p:stCondLst>
-                                        </p:cTn>
-                                        <p:tgtEl>
-                                          <p:spTgt spid="23"/>
-                                        </p:tgtEl>
-                                        <p:attrNameLst>
-                                          <p:attrName>style.visibility</p:attrName>
-                                        </p:attrNameLst>
-                                      </p:cBhvr>
-                                      <p:to>
-                                        <p:strVal val="visible"/>
-                                      </p:to>
-                                    </p:set>
-                                  </p:childTnLst>
-                                </p:cTn>
-                              </p:par>
-                              <p:par>
-                                <p:cTn id="9" presetID="1" presetClass="entr" presetSubtype="0" fill="hold" grpId="0" nodeType="withEffect">
-                                  <p:stCondLst>
-                                    <p:cond delay="0"/>
-                                  </p:stCondLst>
-                                  <p:childTnLst>
-                                    <p:set>
-                                      <p:cBhvr>
-                                        <p:cTn id="10" dur="1" fill="hold">
-                                          <p:stCondLst>
-                                            <p:cond delay="0"/>
-                                          </p:stCondLst>
-                                        </p:cTn>
-                                        <p:tgtEl>
-                                          <p:spTgt spid="28"/>
-                                        </p:tgtEl>
-                                        <p:attrNameLst>
-                                          <p:attrName>style.visibility</p:attrName>
-                                        </p:attrNameLst>
-                                      </p:cBhvr>
-                                      <p:to>
-                                        <p:strVal val="visible"/>
-                                      </p:to>
-                                    </p:set>
-                                  </p:childTnLst>
-                                </p:cTn>
-                              </p:par>
-                              <p:par>
-                                <p:cTn id="11" presetID="1" presetClass="entr" presetSubtype="0" fill="hold" grpId="0" nodeType="withEffect">
-                                  <p:stCondLst>
-                                    <p:cond delay="0"/>
-                                  </p:stCondLst>
-                                  <p:childTnLst>
-                                    <p:set>
-                                      <p:cBhvr>
-                                        <p:cTn id="12" dur="1" fill="hold">
-                                          <p:stCondLst>
-                                            <p:cond delay="0"/>
-                                          </p:stCondLst>
-                                        </p:cTn>
-                                        <p:tgtEl>
-                                          <p:spTgt spid="29"/>
-                                        </p:tgtEl>
-                                        <p:attrNameLst>
-                                          <p:attrName>style.visibility</p:attrName>
-                                        </p:attrNameLst>
-                                      </p:cBhvr>
-                                      <p:to>
-                                        <p:strVal val="visible"/>
-                                      </p:to>
-                                    </p:set>
-                                  </p:childTnLst>
-                                </p:cTn>
-                              </p:par>
-                            </p:childTnLst>
-                          </p:cTn>
-                        </p:par>
-                      </p:childTnLst>
-                    </p:cTn>
-                  </p:par>
-                  <p:par>
-                    <p:cTn id="13" fill="hold">
-                      <p:stCondLst>
-                        <p:cond delay="indefinite"/>
-                      </p:stCondLst>
-                      <p:childTnLst>
-                        <p:par>
-                          <p:cTn id="14" fill="hold">
-                            <p:stCondLst>
-                              <p:cond delay="0"/>
-                            </p:stCondLst>
-                            <p:childTnLst>
-                              <p:par>
-                                <p:cTn id="15" presetID="1" presetClass="entr" presetSubtype="0" fill="hold" nodeType="clickEffect">
-                                  <p:stCondLst>
-                                    <p:cond delay="0"/>
-                                  </p:stCondLst>
-                                  <p:childTnLst>
-                                    <p:set>
-                                      <p:cBhvr>
-                                        <p:cTn id="16" dur="1" fill="hold">
-                                          <p:stCondLst>
-                                            <p:cond delay="0"/>
-                                          </p:stCondLst>
-                                        </p:cTn>
-                                        <p:tgtEl>
-                                          <p:spTgt spid="15"/>
-                                        </p:tgtEl>
-                                        <p:attrNameLst>
-                                          <p:attrName>style.visibility</p:attrName>
-                                        </p:attrNameLst>
-                                      </p:cBhvr>
-                                      <p:to>
-                                        <p:strVal val="visible"/>
-                                      </p:to>
-                                    </p:set>
-                                  </p:childTnLst>
-                                </p:cTn>
-                              </p:par>
-                              <p:par>
-                                <p:cTn id="17" presetID="1" presetClass="entr" presetSubtype="0" fill="hold" nodeType="withEffect">
-                                  <p:stCondLst>
-                                    <p:cond delay="0"/>
-                                  </p:stCondLst>
-                                  <p:childTnLst>
-                                    <p:set>
-                                      <p:cBhvr>
-                                        <p:cTn id="18" dur="1" fill="hold">
-                                          <p:stCondLst>
-                                            <p:cond delay="0"/>
-                                          </p:stCondLst>
-                                        </p:cTn>
-                                        <p:tgtEl>
-                                          <p:spTgt spid="16"/>
-                                        </p:tgtEl>
-                                        <p:attrNameLst>
-                                          <p:attrName>style.visibility</p:attrName>
-                                        </p:attrNameLst>
-                                      </p:cBhvr>
-                                      <p:to>
-                                        <p:strVal val="visible"/>
-                                      </p:to>
-                                    </p:set>
-                                  </p:childTnLst>
-                                </p:cTn>
-                              </p:par>
-                              <p:par>
-                                <p:cTn id="19" presetID="1" presetClass="entr" presetSubtype="0" fill="hold" grpId="0" nodeType="withEffect">
-                                  <p:stCondLst>
-                                    <p:cond delay="0"/>
-                                  </p:stCondLst>
-                                  <p:childTnLst>
-                                    <p:set>
-                                      <p:cBhvr>
-                                        <p:cTn id="20" dur="1" fill="hold">
-                                          <p:stCondLst>
-                                            <p:cond delay="0"/>
-                                          </p:stCondLst>
-                                        </p:cTn>
-                                        <p:tgtEl>
-                                          <p:spTgt spid="18"/>
-                                        </p:tgtEl>
-                                        <p:attrNameLst>
-                                          <p:attrName>style.visibility</p:attrName>
-                                        </p:attrNameLst>
-                                      </p:cBhvr>
-                                      <p:to>
-                                        <p:strVal val="visible"/>
-                                      </p:to>
-                                    </p:set>
-                                  </p:childTnLst>
-                                </p:cTn>
-                              </p:par>
-                              <p:par>
-                                <p:cTn id="21" presetID="1" presetClass="entr" presetSubtype="0" fill="hold" grpId="0" nodeType="withEffect">
-                                  <p:stCondLst>
-                                    <p:cond delay="0"/>
-                                  </p:stCondLst>
-                                  <p:childTnLst>
-                                    <p:set>
-                                      <p:cBhvr>
-                                        <p:cTn id="22" dur="1" fill="hold">
-                                          <p:stCondLst>
-                                            <p:cond delay="0"/>
-                                          </p:stCondLst>
-                                        </p:cTn>
-                                        <p:tgtEl>
-                                          <p:spTgt spid="19"/>
-                                        </p:tgtEl>
-                                        <p:attrNameLst>
-                                          <p:attrName>style.visibility</p:attrName>
-                                        </p:attrNameLst>
-                                      </p:cBhvr>
-                                      <p:to>
-                                        <p:strVal val="visible"/>
-                                      </p:to>
-                                    </p:set>
-                                  </p:childTnLst>
-                                </p:cTn>
-                              </p:par>
-                            </p:childTnLst>
-                          </p:cTn>
-                        </p:par>
-                      </p:childTnLst>
-                    </p:cTn>
-                  </p:par>
-                </p:childTnLst>
-              </p:cTn>
-              <p:prevCondLst>
-                <p:cond evt="onPrev" delay="0">
-                  <p:tgtEl>
-                    <p:sldTgt/>
-                  </p:tgtEl>
-                </p:cond>
-              </p:prevCondLst>
-              <p:nextCondLst>
-                <p:cond evt="onNext" delay="0">
-                  <p:tgtEl>
-                    <p:sldTgt/>
-                  </p:tgtEl>
-                </p:cond>
-              </p:nextCondLst>
-            </p:seq>
-          </p:childTnLst>
-        </p:cTn>
-      </p:par>
-    </p:tnLst>
-    <p:bldLst>
-      <p:bldP spid="28" grpId="0" animBg="1"/>
-      <p:bldP spid="29" grpId="0" animBg="1"/>
-      <p:bldP spid="18" grpId="0" animBg="1"/>
-      <p:bldP spid="19" grpId="0" animBg="1"/>
-    </p:bldLst>
-  </p:timing>
-</p:sld>
-</file>
-
-<file path=ppt/slides/slide30.xml><?xml version="1.0" encoding="utf-8"?>
+<file path=ppt/slides/slide36.xml><?xml version="1.0" encoding="utf-8"?>
 <p:sld xmlns:a="http://schemas.openxmlformats.org/drawingml/2006/main" xmlns:r="http://schemas.openxmlformats.org/officeDocument/2006/relationships" xmlns:p="http://schemas.openxmlformats.org/presentationml/2006/main">
   <p:cSld>
     <p:bg>
@@ -18520,7 +18715,7 @@
 </p:sld>
 </file>
 
-<file path=ppt/slides/slide31.xml><?xml version="1.0" encoding="utf-8"?>
+<file path=ppt/slides/slide37.xml><?xml version="1.0" encoding="utf-8"?>
 <p:sld xmlns:a="http://schemas.openxmlformats.org/drawingml/2006/main" xmlns:r="http://schemas.openxmlformats.org/officeDocument/2006/relationships" xmlns:p="http://schemas.openxmlformats.org/presentationml/2006/main">
   <p:cSld>
     <p:bg>
@@ -18656,7 +18851,7 @@
 </p:sld>
 </file>
 
-<file path=ppt/slides/slide32.xml><?xml version="1.0" encoding="utf-8"?>
+<file path=ppt/slides/slide38.xml><?xml version="1.0" encoding="utf-8"?>
 <p:sld xmlns:a="http://schemas.openxmlformats.org/drawingml/2006/main" xmlns:r="http://schemas.openxmlformats.org/officeDocument/2006/relationships" xmlns:p="http://schemas.openxmlformats.org/presentationml/2006/main">
   <p:cSld>
     <p:bg>
@@ -19207,7 +19402,7 @@
 </p:sld>
 </file>
 
-<file path=ppt/slides/slide33.xml><?xml version="1.0" encoding="utf-8"?>
+<file path=ppt/slides/slide39.xml><?xml version="1.0" encoding="utf-8"?>
 <p:sld xmlns:a="http://schemas.openxmlformats.org/drawingml/2006/main" xmlns:r="http://schemas.openxmlformats.org/officeDocument/2006/relationships" xmlns:p="http://schemas.openxmlformats.org/presentationml/2006/main">
   <p:cSld>
     <p:bg>
@@ -19839,7 +20034,65 @@
 </p:sld>
 </file>
 
-<file path=ppt/slides/slide34.xml><?xml version="1.0" encoding="utf-8"?>
+<file path=ppt/slides/slide4.xml><?xml version="1.0" encoding="utf-8"?>
+<p:sld xmlns:a="http://schemas.openxmlformats.org/drawingml/2006/main" xmlns:r="http://schemas.openxmlformats.org/officeDocument/2006/relationships" xmlns:p="http://schemas.openxmlformats.org/presentationml/2006/main" show="0">
+  <p:cSld>
+    <p:spTree>
+      <p:nvGrpSpPr>
+        <p:cNvPr id="1" name=""/>
+        <p:cNvGrpSpPr/>
+        <p:nvPr/>
+      </p:nvGrpSpPr>
+      <p:grpSpPr>
+        <a:xfrm>
+          <a:off x="0" y="0"/>
+          <a:ext cx="0" cy="0"/>
+          <a:chOff x="0" y="0"/>
+          <a:chExt cx="0" cy="0"/>
+        </a:xfrm>
+      </p:grpSpPr>
+      <p:sp>
+        <p:nvSpPr>
+          <p:cNvPr id="2" name="Titel 1">
+            <a:extLst>
+              <a:ext uri="{FF2B5EF4-FFF2-40B4-BE49-F238E27FC236}">
+                <a16:creationId xmlns:a16="http://schemas.microsoft.com/office/drawing/2014/main" id="{5F5A6E56-CCE7-49D6-A5D2-0B0CAB92FF54}"/>
+              </a:ext>
+            </a:extLst>
+          </p:cNvPr>
+          <p:cNvSpPr>
+            <a:spLocks noGrp="1"/>
+          </p:cNvSpPr>
+          <p:nvPr>
+            <p:ph type="title"/>
+          </p:nvPr>
+        </p:nvSpPr>
+        <p:spPr/>
+        <p:txBody>
+          <a:bodyPr/>
+          <a:lstStyle/>
+          <a:p>
+            <a:r>
+              <a:rPr lang="de-DE" dirty="0"/>
+              <a:t>Alex</a:t>
+            </a:r>
+          </a:p>
+        </p:txBody>
+      </p:sp>
+    </p:spTree>
+    <p:extLst>
+      <p:ext uri="{BB962C8B-B14F-4D97-AF65-F5344CB8AC3E}">
+        <p14:creationId xmlns:p14="http://schemas.microsoft.com/office/powerpoint/2010/main" val="3581460720"/>
+      </p:ext>
+    </p:extLst>
+  </p:cSld>
+  <p:clrMapOvr>
+    <a:masterClrMapping/>
+  </p:clrMapOvr>
+</p:sld>
+</file>
+
+<file path=ppt/slides/slide40.xml><?xml version="1.0" encoding="utf-8"?>
 <p:sld xmlns:a="http://schemas.openxmlformats.org/drawingml/2006/main" xmlns:r="http://schemas.openxmlformats.org/officeDocument/2006/relationships" xmlns:p="http://schemas.openxmlformats.org/presentationml/2006/main">
   <p:cSld>
     <p:bg>
@@ -20718,7 +20971,7 @@
 </p:sld>
 </file>
 
-<file path=ppt/slides/slide35.xml><?xml version="1.0" encoding="utf-8"?>
+<file path=ppt/slides/slide41.xml><?xml version="1.0" encoding="utf-8"?>
 <p:sld xmlns:a="http://schemas.openxmlformats.org/drawingml/2006/main" xmlns:r="http://schemas.openxmlformats.org/officeDocument/2006/relationships" xmlns:p="http://schemas.openxmlformats.org/presentationml/2006/main">
   <p:cSld>
     <p:bg>
@@ -20854,7 +21107,7 @@
 </p:sld>
 </file>
 
-<file path=ppt/slides/slide36.xml><?xml version="1.0" encoding="utf-8"?>
+<file path=ppt/slides/slide42.xml><?xml version="1.0" encoding="utf-8"?>
 <p:sld xmlns:a="http://schemas.openxmlformats.org/drawingml/2006/main" xmlns:r="http://schemas.openxmlformats.org/officeDocument/2006/relationships" xmlns:p="http://schemas.openxmlformats.org/presentationml/2006/main">
   <p:cSld>
     <p:bg>
@@ -21396,7 +21649,65 @@
 </p:sld>
 </file>
 
-<file path=ppt/slides/slide37.xml><?xml version="1.0" encoding="utf-8"?>
+<file path=ppt/slides/slide43.xml><?xml version="1.0" encoding="utf-8"?>
+<p:sld xmlns:a="http://schemas.openxmlformats.org/drawingml/2006/main" xmlns:r="http://schemas.openxmlformats.org/officeDocument/2006/relationships" xmlns:p="http://schemas.openxmlformats.org/presentationml/2006/main" show="0">
+  <p:cSld>
+    <p:spTree>
+      <p:nvGrpSpPr>
+        <p:cNvPr id="1" name=""/>
+        <p:cNvGrpSpPr/>
+        <p:nvPr/>
+      </p:nvGrpSpPr>
+      <p:grpSpPr>
+        <a:xfrm>
+          <a:off x="0" y="0"/>
+          <a:ext cx="0" cy="0"/>
+          <a:chOff x="0" y="0"/>
+          <a:chExt cx="0" cy="0"/>
+        </a:xfrm>
+      </p:grpSpPr>
+      <p:sp>
+        <p:nvSpPr>
+          <p:cNvPr id="2" name="Titel 1">
+            <a:extLst>
+              <a:ext uri="{FF2B5EF4-FFF2-40B4-BE49-F238E27FC236}">
+                <a16:creationId xmlns:a16="http://schemas.microsoft.com/office/drawing/2014/main" id="{CCB7073A-A3F6-4B28-B21C-0BE3DE9A44D0}"/>
+              </a:ext>
+            </a:extLst>
+          </p:cNvPr>
+          <p:cNvSpPr>
+            <a:spLocks noGrp="1"/>
+          </p:cNvSpPr>
+          <p:nvPr>
+            <p:ph type="title"/>
+          </p:nvPr>
+        </p:nvSpPr>
+        <p:spPr/>
+        <p:txBody>
+          <a:bodyPr/>
+          <a:lstStyle/>
+          <a:p>
+            <a:r>
+              <a:rPr lang="de-DE" dirty="0"/>
+              <a:t>Matthias</a:t>
+            </a:r>
+          </a:p>
+        </p:txBody>
+      </p:sp>
+    </p:spTree>
+    <p:extLst>
+      <p:ext uri="{BB962C8B-B14F-4D97-AF65-F5344CB8AC3E}">
+        <p14:creationId xmlns:p14="http://schemas.microsoft.com/office/powerpoint/2010/main" val="479237373"/>
+      </p:ext>
+    </p:extLst>
+  </p:cSld>
+  <p:clrMapOvr>
+    <a:masterClrMapping/>
+  </p:clrMapOvr>
+</p:sld>
+</file>
+
+<file path=ppt/slides/slide44.xml><?xml version="1.0" encoding="utf-8"?>
 <p:sld xmlns:a="http://schemas.openxmlformats.org/drawingml/2006/main" xmlns:r="http://schemas.openxmlformats.org/officeDocument/2006/relationships" xmlns:p="http://schemas.openxmlformats.org/presentationml/2006/main">
   <p:cSld>
     <p:bg>
@@ -21546,7 +21857,65 @@
 </p:sld>
 </file>
 
-<file path=ppt/slides/slide38.xml><?xml version="1.0" encoding="utf-8"?>
+<file path=ppt/slides/slide45.xml><?xml version="1.0" encoding="utf-8"?>
+<p:sld xmlns:a="http://schemas.openxmlformats.org/drawingml/2006/main" xmlns:r="http://schemas.openxmlformats.org/officeDocument/2006/relationships" xmlns:p="http://schemas.openxmlformats.org/presentationml/2006/main" show="0">
+  <p:cSld>
+    <p:spTree>
+      <p:nvGrpSpPr>
+        <p:cNvPr id="1" name=""/>
+        <p:cNvGrpSpPr/>
+        <p:nvPr/>
+      </p:nvGrpSpPr>
+      <p:grpSpPr>
+        <a:xfrm>
+          <a:off x="0" y="0"/>
+          <a:ext cx="0" cy="0"/>
+          <a:chOff x="0" y="0"/>
+          <a:chExt cx="0" cy="0"/>
+        </a:xfrm>
+      </p:grpSpPr>
+      <p:sp>
+        <p:nvSpPr>
+          <p:cNvPr id="2" name="Titel 1">
+            <a:extLst>
+              <a:ext uri="{FF2B5EF4-FFF2-40B4-BE49-F238E27FC236}">
+                <a16:creationId xmlns:a16="http://schemas.microsoft.com/office/drawing/2014/main" id="{CCB7073A-A3F6-4B28-B21C-0BE3DE9A44D0}"/>
+              </a:ext>
+            </a:extLst>
+          </p:cNvPr>
+          <p:cNvSpPr>
+            <a:spLocks noGrp="1"/>
+          </p:cNvSpPr>
+          <p:nvPr>
+            <p:ph type="title"/>
+          </p:nvPr>
+        </p:nvSpPr>
+        <p:spPr/>
+        <p:txBody>
+          <a:bodyPr/>
+          <a:lstStyle/>
+          <a:p>
+            <a:r>
+              <a:rPr lang="de-DE" dirty="0"/>
+              <a:t>Alex</a:t>
+            </a:r>
+          </a:p>
+        </p:txBody>
+      </p:sp>
+    </p:spTree>
+    <p:extLst>
+      <p:ext uri="{BB962C8B-B14F-4D97-AF65-F5344CB8AC3E}">
+        <p14:creationId xmlns:p14="http://schemas.microsoft.com/office/powerpoint/2010/main" val="4201189893"/>
+      </p:ext>
+    </p:extLst>
+  </p:cSld>
+  <p:clrMapOvr>
+    <a:masterClrMapping/>
+  </p:clrMapOvr>
+</p:sld>
+</file>
+
+<file path=ppt/slides/slide46.xml><?xml version="1.0" encoding="utf-8"?>
 <p:sld xmlns:a="http://schemas.openxmlformats.org/drawingml/2006/main" xmlns:r="http://schemas.openxmlformats.org/officeDocument/2006/relationships" xmlns:p="http://schemas.openxmlformats.org/presentationml/2006/main">
   <p:cSld>
     <p:bg>
@@ -22002,7 +22371,7 @@
 </p:sld>
 </file>
 
-<file path=ppt/slides/slide39.xml><?xml version="1.0" encoding="utf-8"?>
+<file path=ppt/slides/slide47.xml><?xml version="1.0" encoding="utf-8"?>
 <p:sld xmlns:a="http://schemas.openxmlformats.org/drawingml/2006/main" xmlns:r="http://schemas.openxmlformats.org/officeDocument/2006/relationships" xmlns:p="http://schemas.openxmlformats.org/presentationml/2006/main">
   <p:cSld>
     <p:bg>
@@ -23434,7 +23803,7 @@
 </p:sld>
 </file>
 
-<file path=ppt/slides/slide4.xml><?xml version="1.0" encoding="utf-8"?>
+<file path=ppt/slides/slide48.xml><?xml version="1.0" encoding="utf-8"?>
 <p:sld xmlns:a="http://schemas.openxmlformats.org/drawingml/2006/main" xmlns:r="http://schemas.openxmlformats.org/officeDocument/2006/relationships" xmlns:p="http://schemas.openxmlformats.org/presentationml/2006/main">
   <p:cSld>
     <p:bg>
@@ -23461,10 +23830,10 @@
       </p:grpSpPr>
       <p:pic>
         <p:nvPicPr>
-          <p:cNvPr id="22" name="Picture 6">
-            <a:extLst>
-              <a:ext uri="{FF2B5EF4-FFF2-40B4-BE49-F238E27FC236}">
-                <a16:creationId xmlns:a16="http://schemas.microsoft.com/office/drawing/2014/main" id="{5ED8E13D-9A76-452B-ABBF-FF9D45389F00}"/>
+          <p:cNvPr id="3" name="Picture 6">
+            <a:extLst>
+              <a:ext uri="{FF2B5EF4-FFF2-40B4-BE49-F238E27FC236}">
+                <a16:creationId xmlns:a16="http://schemas.microsoft.com/office/drawing/2014/main" id="{9A665A4C-B612-4624-82D3-B2935220E370}"/>
               </a:ext>
             </a:extLst>
           </p:cNvPr>
@@ -23474,7 +23843,7 @@
           <p:nvPr/>
         </p:nvPicPr>
         <p:blipFill>
-          <a:blip r:embed="rId3">
+          <a:blip r:embed="rId2">
             <a:extLst>
               <a:ext uri="{28A0092B-C50C-407E-A947-70E740481C1C}">
                 <a14:useLocalDpi xmlns:a14="http://schemas.microsoft.com/office/drawing/2010/main" val="0"/>
@@ -23507,10 +23876,287 @@
       </p:pic>
       <p:sp>
         <p:nvSpPr>
-          <p:cNvPr id="4" name="Titel 4">
-            <a:extLst>
-              <a:ext uri="{FF2B5EF4-FFF2-40B4-BE49-F238E27FC236}">
-                <a16:creationId xmlns:a16="http://schemas.microsoft.com/office/drawing/2014/main" id="{35CB33DA-6DBE-4BF3-BC43-3324FE4CDC5F}"/>
+          <p:cNvPr id="7" name="Titel 1">
+            <a:extLst>
+              <a:ext uri="{FF2B5EF4-FFF2-40B4-BE49-F238E27FC236}">
+                <a16:creationId xmlns:a16="http://schemas.microsoft.com/office/drawing/2014/main" id="{109AE187-0755-4165-837D-189C246735C6}"/>
+              </a:ext>
+            </a:extLst>
+          </p:cNvPr>
+          <p:cNvSpPr txBox="1">
+            <a:spLocks/>
+          </p:cNvSpPr>
+          <p:nvPr/>
+        </p:nvSpPr>
+        <p:spPr>
+          <a:xfrm>
+            <a:off x="838200" y="365125"/>
+            <a:ext cx="10515600" cy="1325563"/>
+          </a:xfrm>
+          <a:prstGeom prst="rect">
+            <a:avLst/>
+          </a:prstGeom>
+        </p:spPr>
+        <p:txBody>
+          <a:bodyPr vert="horz" lIns="91440" tIns="45720" rIns="91440" bIns="45720" rtlCol="0" anchor="ctr">
+            <a:normAutofit/>
+          </a:bodyPr>
+          <a:lstStyle>
+            <a:lvl1pPr algn="l" defTabSz="914400" rtl="0" eaLnBrk="1" latinLnBrk="0" hangingPunct="1">
+              <a:lnSpc>
+                <a:spcPct val="90000"/>
+              </a:lnSpc>
+              <a:spcBef>
+                <a:spcPct val="0"/>
+              </a:spcBef>
+              <a:buNone/>
+              <a:defRPr sz="4400" kern="1200">
+                <a:solidFill>
+                  <a:schemeClr val="tx1"/>
+                </a:solidFill>
+                <a:latin typeface="+mj-lt"/>
+                <a:ea typeface="+mj-ea"/>
+                <a:cs typeface="+mj-cs"/>
+              </a:defRPr>
+            </a:lvl1pPr>
+          </a:lstStyle>
+          <a:p>
+            <a:pPr algn="ctr"/>
+            <a:r>
+              <a:rPr lang="de-DE" dirty="0" err="1"/>
+              <a:t>Introspection</a:t>
+            </a:r>
+            <a:endParaRPr lang="de-DE" dirty="0"/>
+          </a:p>
+        </p:txBody>
+      </p:sp>
+      <p:sp>
+        <p:nvSpPr>
+          <p:cNvPr id="8" name="Textfeld 7">
+            <a:extLst>
+              <a:ext uri="{FF2B5EF4-FFF2-40B4-BE49-F238E27FC236}">
+                <a16:creationId xmlns:a16="http://schemas.microsoft.com/office/drawing/2014/main" id="{0E58C3BF-6A09-48EB-B3F0-A3DDB7F33893}"/>
+              </a:ext>
+            </a:extLst>
+          </p:cNvPr>
+          <p:cNvSpPr txBox="1"/>
+          <p:nvPr/>
+        </p:nvSpPr>
+        <p:spPr>
+          <a:xfrm>
+            <a:off x="1249680" y="2099735"/>
+            <a:ext cx="10104120" cy="830997"/>
+          </a:xfrm>
+          <a:prstGeom prst="rect">
+            <a:avLst/>
+          </a:prstGeom>
+          <a:noFill/>
+        </p:spPr>
+        <p:txBody>
+          <a:bodyPr wrap="square" rtlCol="0">
+            <a:spAutoFit/>
+          </a:bodyPr>
+          <a:lstStyle/>
+          <a:p>
+            <a:r>
+              <a:rPr lang="de-DE" sz="2400" dirty="0"/>
+              <a:t>Ermöglicht es aus dem Schema Informationen zu </a:t>
+            </a:r>
+            <a:r>
+              <a:rPr lang="de-DE" sz="2400" dirty="0" err="1"/>
+              <a:t>Queries</a:t>
+            </a:r>
+            <a:r>
+              <a:rPr lang="de-DE" sz="2400" dirty="0"/>
+              <a:t>, Feldern und Typen zu extrahieren am Client</a:t>
+            </a:r>
+          </a:p>
+        </p:txBody>
+      </p:sp>
+      <p:sp>
+        <p:nvSpPr>
+          <p:cNvPr id="9" name="Textfeld 8">
+            <a:extLst>
+              <a:ext uri="{FF2B5EF4-FFF2-40B4-BE49-F238E27FC236}">
+                <a16:creationId xmlns:a16="http://schemas.microsoft.com/office/drawing/2014/main" id="{26BA7CC4-A330-4CC1-8844-1CE9192B9B0D}"/>
+              </a:ext>
+            </a:extLst>
+          </p:cNvPr>
+          <p:cNvSpPr txBox="1"/>
+          <p:nvPr/>
+        </p:nvSpPr>
+        <p:spPr>
+          <a:xfrm>
+            <a:off x="1265319" y="2930732"/>
+            <a:ext cx="9661362" cy="2204899"/>
+          </a:xfrm>
+          <a:prstGeom prst="rect">
+            <a:avLst/>
+          </a:prstGeom>
+          <a:noFill/>
+        </p:spPr>
+        <p:txBody>
+          <a:bodyPr wrap="square" rtlCol="0">
+            <a:spAutoFit/>
+          </a:bodyPr>
+          <a:lstStyle/>
+          <a:p>
+            <a:pPr marL="285750" indent="-285750">
+              <a:lnSpc>
+                <a:spcPct val="200000"/>
+              </a:lnSpc>
+              <a:buFont typeface="Arial" panose="020B0604020202020204" pitchFamily="34" charset="0"/>
+              <a:buChar char="•"/>
+            </a:pPr>
+            <a:r>
+              <a:rPr lang="de-DE" sz="2400" dirty="0"/>
+              <a:t>Doku aus Schema</a:t>
+            </a:r>
+          </a:p>
+          <a:p>
+            <a:pPr marL="285750" indent="-285750">
+              <a:lnSpc>
+                <a:spcPct val="200000"/>
+              </a:lnSpc>
+              <a:buFont typeface="Arial" panose="020B0604020202020204" pitchFamily="34" charset="0"/>
+              <a:buChar char="•"/>
+            </a:pPr>
+            <a:r>
+              <a:rPr lang="de-DE" sz="2400" dirty="0"/>
+              <a:t>Auto </a:t>
+            </a:r>
+            <a:r>
+              <a:rPr lang="de-DE" sz="2400" dirty="0" err="1"/>
+              <a:t>Completion</a:t>
+            </a:r>
+            <a:endParaRPr lang="de-DE" sz="2400" dirty="0"/>
+          </a:p>
+          <a:p>
+            <a:pPr marL="285750" indent="-285750">
+              <a:lnSpc>
+                <a:spcPct val="200000"/>
+              </a:lnSpc>
+              <a:buFont typeface="Arial" panose="020B0604020202020204" pitchFamily="34" charset="0"/>
+              <a:buChar char="•"/>
+            </a:pPr>
+            <a:r>
+              <a:rPr lang="de-DE" sz="2400" dirty="0" err="1"/>
+              <a:t>Warnings</a:t>
+            </a:r>
+            <a:r>
+              <a:rPr lang="de-DE" sz="2400" dirty="0"/>
+              <a:t> und </a:t>
+            </a:r>
+            <a:r>
+              <a:rPr lang="de-DE" sz="2400" dirty="0" err="1"/>
+              <a:t>Hints</a:t>
+            </a:r>
+            <a:endParaRPr lang="de-DE" sz="2400" dirty="0"/>
+          </a:p>
+        </p:txBody>
+      </p:sp>
+    </p:spTree>
+    <p:extLst>
+      <p:ext uri="{BB962C8B-B14F-4D97-AF65-F5344CB8AC3E}">
+        <p14:creationId xmlns:p14="http://schemas.microsoft.com/office/powerpoint/2010/main" val="2062361888"/>
+      </p:ext>
+    </p:extLst>
+  </p:cSld>
+  <p:clrMapOvr>
+    <a:masterClrMapping/>
+  </p:clrMapOvr>
+</p:sld>
+</file>
+
+<file path=ppt/slides/slide49.xml><?xml version="1.0" encoding="utf-8"?>
+<p:sld xmlns:a="http://schemas.openxmlformats.org/drawingml/2006/main" xmlns:r="http://schemas.openxmlformats.org/officeDocument/2006/relationships" xmlns:p="http://schemas.openxmlformats.org/presentationml/2006/main" show="0">
+  <p:cSld>
+    <p:spTree>
+      <p:nvGrpSpPr>
+        <p:cNvPr id="1" name=""/>
+        <p:cNvGrpSpPr/>
+        <p:nvPr/>
+      </p:nvGrpSpPr>
+      <p:grpSpPr>
+        <a:xfrm>
+          <a:off x="0" y="0"/>
+          <a:ext cx="0" cy="0"/>
+          <a:chOff x="0" y="0"/>
+          <a:chExt cx="0" cy="0"/>
+        </a:xfrm>
+      </p:grpSpPr>
+      <p:sp>
+        <p:nvSpPr>
+          <p:cNvPr id="2" name="Titel 1">
+            <a:extLst>
+              <a:ext uri="{FF2B5EF4-FFF2-40B4-BE49-F238E27FC236}">
+                <a16:creationId xmlns:a16="http://schemas.microsoft.com/office/drawing/2014/main" id="{CCB7073A-A3F6-4B28-B21C-0BE3DE9A44D0}"/>
+              </a:ext>
+            </a:extLst>
+          </p:cNvPr>
+          <p:cNvSpPr>
+            <a:spLocks noGrp="1"/>
+          </p:cNvSpPr>
+          <p:nvPr>
+            <p:ph type="title"/>
+          </p:nvPr>
+        </p:nvSpPr>
+        <p:spPr/>
+        <p:txBody>
+          <a:bodyPr/>
+          <a:lstStyle/>
+          <a:p>
+            <a:r>
+              <a:rPr lang="de-DE" dirty="0"/>
+              <a:t>Matthias</a:t>
+            </a:r>
+          </a:p>
+        </p:txBody>
+      </p:sp>
+    </p:spTree>
+    <p:extLst>
+      <p:ext uri="{BB962C8B-B14F-4D97-AF65-F5344CB8AC3E}">
+        <p14:creationId xmlns:p14="http://schemas.microsoft.com/office/powerpoint/2010/main" val="1840129318"/>
+      </p:ext>
+    </p:extLst>
+  </p:cSld>
+  <p:clrMapOvr>
+    <a:masterClrMapping/>
+  </p:clrMapOvr>
+</p:sld>
+</file>
+
+<file path=ppt/slides/slide5.xml><?xml version="1.0" encoding="utf-8"?>
+<p:sld xmlns:a="http://schemas.openxmlformats.org/drawingml/2006/main" xmlns:r="http://schemas.openxmlformats.org/officeDocument/2006/relationships" xmlns:p="http://schemas.openxmlformats.org/presentationml/2006/main">
+  <p:cSld>
+    <p:bg>
+      <p:bgPr>
+        <a:solidFill>
+          <a:schemeClr val="bg1"/>
+        </a:solidFill>
+        <a:effectLst/>
+      </p:bgPr>
+    </p:bg>
+    <p:spTree>
+      <p:nvGrpSpPr>
+        <p:cNvPr id="1" name=""/>
+        <p:cNvGrpSpPr/>
+        <p:nvPr/>
+      </p:nvGrpSpPr>
+      <p:grpSpPr>
+        <a:xfrm>
+          <a:off x="0" y="0"/>
+          <a:ext cx="0" cy="0"/>
+          <a:chOff x="0" y="0"/>
+          <a:chExt cx="0" cy="0"/>
+        </a:xfrm>
+      </p:grpSpPr>
+      <p:sp>
+        <p:nvSpPr>
+          <p:cNvPr id="5" name="Titel 4">
+            <a:extLst>
+              <a:ext uri="{FF2B5EF4-FFF2-40B4-BE49-F238E27FC236}">
+                <a16:creationId xmlns:a16="http://schemas.microsoft.com/office/drawing/2014/main" id="{66853FFE-22E8-450D-AB2C-88C91713C721}"/>
               </a:ext>
             </a:extLst>
           </p:cNvPr>
@@ -23533,33 +24179,344 @@
           <a:p>
             <a:pPr algn="ctr"/>
             <a:r>
-              <a:rPr lang="de-DE" dirty="0"/>
-              <a:t>REST - Probleme</a:t>
+              <a:rPr lang="de-DE" dirty="0">
+                <a:solidFill>
+                  <a:schemeClr val="bg1"/>
+                </a:solidFill>
+              </a:rPr>
+              <a:t>REST</a:t>
             </a:r>
           </a:p>
         </p:txBody>
       </p:sp>
-      <p:sp>
-        <p:nvSpPr>
-          <p:cNvPr id="3" name="Textfeld 2">
-            <a:extLst>
-              <a:ext uri="{FF2B5EF4-FFF2-40B4-BE49-F238E27FC236}">
-                <a16:creationId xmlns:a16="http://schemas.microsoft.com/office/drawing/2014/main" id="{1B9DB959-4DD3-460F-A83D-A83B6D12EEFF}"/>
-              </a:ext>
-            </a:extLst>
-          </p:cNvPr>
-          <p:cNvSpPr txBox="1"/>
+      <p:pic>
+        <p:nvPicPr>
+          <p:cNvPr id="12" name="Picture 6">
+            <a:extLst>
+              <a:ext uri="{FF2B5EF4-FFF2-40B4-BE49-F238E27FC236}">
+                <a16:creationId xmlns:a16="http://schemas.microsoft.com/office/drawing/2014/main" id="{76D26A09-76D8-4BDB-B04C-EB633A68CA58}"/>
+              </a:ext>
+            </a:extLst>
+          </p:cNvPr>
+          <p:cNvPicPr>
+            <a:picLocks noChangeAspect="1" noChangeArrowheads="1"/>
+          </p:cNvPicPr>
           <p:nvPr/>
-        </p:nvSpPr>
-        <p:spPr>
+        </p:nvPicPr>
+        <p:blipFill>
+          <a:blip r:embed="rId3">
+            <a:extLst>
+              <a:ext uri="{28A0092B-C50C-407E-A947-70E740481C1C}">
+                <a14:useLocalDpi xmlns:a14="http://schemas.microsoft.com/office/drawing/2010/main" val="0"/>
+              </a:ext>
+            </a:extLst>
+          </a:blip>
+          <a:stretch>
+            <a:fillRect/>
+          </a:stretch>
+        </p:blipFill>
+        <p:spPr bwMode="auto">
           <a:xfrm>
-            <a:off x="1249680" y="2099735"/>
-            <a:ext cx="7560788" cy="646331"/>
+            <a:off x="10564167" y="6353503"/>
+            <a:ext cx="1475682" cy="352753"/>
           </a:xfrm>
           <a:prstGeom prst="rect">
             <a:avLst/>
           </a:prstGeom>
           <a:noFill/>
+          <a:extLst>
+            <a:ext uri="{909E8E84-426E-40DD-AFC4-6F175D3DCCD1}">
+              <a14:hiddenFill xmlns:a14="http://schemas.microsoft.com/office/drawing/2010/main">
+                <a:solidFill>
+                  <a:srgbClr val="FFFFFF"/>
+                </a:solidFill>
+              </a14:hiddenFill>
+            </a:ext>
+          </a:extLst>
+        </p:spPr>
+      </p:pic>
+      <p:pic>
+        <p:nvPicPr>
+          <p:cNvPr id="6" name="Grafik 5">
+            <a:extLst>
+              <a:ext uri="{FF2B5EF4-FFF2-40B4-BE49-F238E27FC236}">
+                <a16:creationId xmlns:a16="http://schemas.microsoft.com/office/drawing/2014/main" id="{33EA2DE9-A846-433E-8AB1-9419CDF7B0D2}"/>
+              </a:ext>
+            </a:extLst>
+          </p:cNvPr>
+          <p:cNvPicPr>
+            <a:picLocks noChangeAspect="1"/>
+          </p:cNvPicPr>
+          <p:nvPr/>
+        </p:nvPicPr>
+        <p:blipFill>
+          <a:blip r:embed="rId4" cstate="hqprint">
+            <a:extLst>
+              <a:ext uri="{28A0092B-C50C-407E-A947-70E740481C1C}">
+                <a14:useLocalDpi xmlns:a14="http://schemas.microsoft.com/office/drawing/2010/main" val="0"/>
+              </a:ext>
+              <a:ext uri="{96DAC541-7B7A-43D3-8B79-37D633B846F1}">
+                <asvg:svgBlip xmlns:asvg="http://schemas.microsoft.com/office/drawing/2016/SVG/main" r:embed="rId5"/>
+              </a:ext>
+            </a:extLst>
+          </a:blip>
+          <a:stretch>
+            <a:fillRect/>
+          </a:stretch>
+        </p:blipFill>
+        <p:spPr>
+          <a:xfrm>
+            <a:off x="1249680" y="2889000"/>
+            <a:ext cx="1080000" cy="1080000"/>
+          </a:xfrm>
+          <a:prstGeom prst="rect">
+            <a:avLst/>
+          </a:prstGeom>
+        </p:spPr>
+      </p:pic>
+      <p:pic>
+        <p:nvPicPr>
+          <p:cNvPr id="7" name="Grafik 6" descr="Server">
+            <a:extLst>
+              <a:ext uri="{FF2B5EF4-FFF2-40B4-BE49-F238E27FC236}">
+                <a16:creationId xmlns:a16="http://schemas.microsoft.com/office/drawing/2014/main" id="{42B439FB-D4E3-4977-B9E0-7BAA0F1C52D8}"/>
+              </a:ext>
+            </a:extLst>
+          </p:cNvPr>
+          <p:cNvPicPr>
+            <a:picLocks noChangeAspect="1"/>
+          </p:cNvPicPr>
+          <p:nvPr/>
+        </p:nvPicPr>
+        <p:blipFill>
+          <a:blip r:embed="rId6" cstate="hqprint">
+            <a:extLst>
+              <a:ext uri="{28A0092B-C50C-407E-A947-70E740481C1C}">
+                <a14:useLocalDpi xmlns:a14="http://schemas.microsoft.com/office/drawing/2010/main" val="0"/>
+              </a:ext>
+              <a:ext uri="{96DAC541-7B7A-43D3-8B79-37D633B846F1}">
+                <asvg:svgBlip xmlns:asvg="http://schemas.microsoft.com/office/drawing/2016/SVG/main" r:embed="rId7"/>
+              </a:ext>
+            </a:extLst>
+          </a:blip>
+          <a:stretch>
+            <a:fillRect/>
+          </a:stretch>
+        </p:blipFill>
+        <p:spPr>
+          <a:xfrm>
+            <a:off x="9930581" y="3054600"/>
+            <a:ext cx="914400" cy="914400"/>
+          </a:xfrm>
+          <a:prstGeom prst="rect">
+            <a:avLst/>
+          </a:prstGeom>
+        </p:spPr>
+      </p:pic>
+      <p:cxnSp>
+        <p:nvCxnSpPr>
+          <p:cNvPr id="17" name="Gerade Verbindung mit Pfeil 16">
+            <a:extLst>
+              <a:ext uri="{FF2B5EF4-FFF2-40B4-BE49-F238E27FC236}">
+                <a16:creationId xmlns:a16="http://schemas.microsoft.com/office/drawing/2014/main" id="{410051E3-C482-4D47-ABAD-529CC269354A}"/>
+              </a:ext>
+            </a:extLst>
+          </p:cNvPr>
+          <p:cNvCxnSpPr>
+            <a:cxnSpLocks/>
+          </p:cNvCxnSpPr>
+          <p:nvPr/>
+        </p:nvCxnSpPr>
+        <p:spPr>
+          <a:xfrm>
+            <a:off x="2558845" y="2368073"/>
+            <a:ext cx="7093974" cy="0"/>
+          </a:xfrm>
+          <a:prstGeom prst="straightConnector1">
+            <a:avLst/>
+          </a:prstGeom>
+          <a:ln w="12700">
+            <a:solidFill>
+              <a:schemeClr val="tx1"/>
+            </a:solidFill>
+            <a:tailEnd type="triangle"/>
+          </a:ln>
+        </p:spPr>
+        <p:style>
+          <a:lnRef idx="1">
+            <a:schemeClr val="accent1"/>
+          </a:lnRef>
+          <a:fillRef idx="0">
+            <a:schemeClr val="accent1"/>
+          </a:fillRef>
+          <a:effectRef idx="0">
+            <a:schemeClr val="accent1"/>
+          </a:effectRef>
+          <a:fontRef idx="minor">
+            <a:schemeClr val="tx1"/>
+          </a:fontRef>
+        </p:style>
+      </p:cxnSp>
+      <p:cxnSp>
+        <p:nvCxnSpPr>
+          <p:cNvPr id="20" name="Gerade Verbindung mit Pfeil 19">
+            <a:extLst>
+              <a:ext uri="{FF2B5EF4-FFF2-40B4-BE49-F238E27FC236}">
+                <a16:creationId xmlns:a16="http://schemas.microsoft.com/office/drawing/2014/main" id="{3E486BD9-DBF1-4802-AF92-F2E6CBBDD542}"/>
+              </a:ext>
+            </a:extLst>
+          </p:cNvPr>
+          <p:cNvCxnSpPr>
+            <a:cxnSpLocks/>
+          </p:cNvCxnSpPr>
+          <p:nvPr/>
+        </p:nvCxnSpPr>
+        <p:spPr>
+          <a:xfrm>
+            <a:off x="2558845" y="3594388"/>
+            <a:ext cx="7093974" cy="0"/>
+          </a:xfrm>
+          <a:prstGeom prst="straightConnector1">
+            <a:avLst/>
+          </a:prstGeom>
+          <a:ln w="12700">
+            <a:solidFill>
+              <a:schemeClr val="tx1"/>
+            </a:solidFill>
+            <a:tailEnd type="triangle"/>
+          </a:ln>
+        </p:spPr>
+        <p:style>
+          <a:lnRef idx="1">
+            <a:schemeClr val="accent1"/>
+          </a:lnRef>
+          <a:fillRef idx="0">
+            <a:schemeClr val="accent1"/>
+          </a:fillRef>
+          <a:effectRef idx="0">
+            <a:schemeClr val="accent1"/>
+          </a:effectRef>
+          <a:fontRef idx="minor">
+            <a:schemeClr val="tx1"/>
+          </a:fontRef>
+        </p:style>
+      </p:cxnSp>
+      <p:cxnSp>
+        <p:nvCxnSpPr>
+          <p:cNvPr id="22" name="Gerade Verbindung mit Pfeil 21">
+            <a:extLst>
+              <a:ext uri="{FF2B5EF4-FFF2-40B4-BE49-F238E27FC236}">
+                <a16:creationId xmlns:a16="http://schemas.microsoft.com/office/drawing/2014/main" id="{BE49138B-7DFC-4AFD-BA4D-49557ACDB905}"/>
+              </a:ext>
+            </a:extLst>
+          </p:cNvPr>
+          <p:cNvCxnSpPr>
+            <a:cxnSpLocks/>
+          </p:cNvCxnSpPr>
+          <p:nvPr/>
+        </p:nvCxnSpPr>
+        <p:spPr>
+          <a:xfrm>
+            <a:off x="2558845" y="2891641"/>
+            <a:ext cx="7093974" cy="0"/>
+          </a:xfrm>
+          <a:prstGeom prst="straightConnector1">
+            <a:avLst/>
+          </a:prstGeom>
+          <a:ln w="12700">
+            <a:solidFill>
+              <a:schemeClr val="tx1"/>
+            </a:solidFill>
+            <a:headEnd type="triangle"/>
+            <a:tailEnd type="none"/>
+          </a:ln>
+        </p:spPr>
+        <p:style>
+          <a:lnRef idx="1">
+            <a:schemeClr val="accent1"/>
+          </a:lnRef>
+          <a:fillRef idx="0">
+            <a:schemeClr val="accent1"/>
+          </a:fillRef>
+          <a:effectRef idx="0">
+            <a:schemeClr val="accent1"/>
+          </a:effectRef>
+          <a:fontRef idx="minor">
+            <a:schemeClr val="tx1"/>
+          </a:fontRef>
+        </p:style>
+      </p:cxnSp>
+      <p:cxnSp>
+        <p:nvCxnSpPr>
+          <p:cNvPr id="23" name="Gerade Verbindung mit Pfeil 22">
+            <a:extLst>
+              <a:ext uri="{FF2B5EF4-FFF2-40B4-BE49-F238E27FC236}">
+                <a16:creationId xmlns:a16="http://schemas.microsoft.com/office/drawing/2014/main" id="{E0867F58-7EBA-4A7D-BB2D-572DD2ACB01C}"/>
+              </a:ext>
+            </a:extLst>
+          </p:cNvPr>
+          <p:cNvCxnSpPr>
+            <a:cxnSpLocks/>
+          </p:cNvCxnSpPr>
+          <p:nvPr/>
+        </p:nvCxnSpPr>
+        <p:spPr>
+          <a:xfrm>
+            <a:off x="2558845" y="4124233"/>
+            <a:ext cx="7093974" cy="0"/>
+          </a:xfrm>
+          <a:prstGeom prst="straightConnector1">
+            <a:avLst/>
+          </a:prstGeom>
+          <a:ln w="12700">
+            <a:solidFill>
+              <a:schemeClr val="tx1"/>
+            </a:solidFill>
+            <a:headEnd type="triangle"/>
+            <a:tailEnd type="none"/>
+          </a:ln>
+        </p:spPr>
+        <p:style>
+          <a:lnRef idx="1">
+            <a:schemeClr val="accent1"/>
+          </a:lnRef>
+          <a:fillRef idx="0">
+            <a:schemeClr val="accent1"/>
+          </a:fillRef>
+          <a:effectRef idx="0">
+            <a:schemeClr val="accent1"/>
+          </a:effectRef>
+          <a:fontRef idx="minor">
+            <a:schemeClr val="tx1"/>
+          </a:fontRef>
+        </p:style>
+      </p:cxnSp>
+      <p:sp>
+        <p:nvSpPr>
+          <p:cNvPr id="26" name="Textfeld 25">
+            <a:extLst>
+              <a:ext uri="{FF2B5EF4-FFF2-40B4-BE49-F238E27FC236}">
+                <a16:creationId xmlns:a16="http://schemas.microsoft.com/office/drawing/2014/main" id="{D73A5596-258B-4F18-9307-DE51E556213C}"/>
+              </a:ext>
+            </a:extLst>
+          </p:cNvPr>
+          <p:cNvSpPr txBox="1"/>
+          <p:nvPr/>
+        </p:nvSpPr>
+        <p:spPr>
+          <a:xfrm>
+            <a:off x="2558845" y="1904873"/>
+            <a:ext cx="2238370" cy="369332"/>
+          </a:xfrm>
+          <a:prstGeom prst="rect">
+            <a:avLst/>
+          </a:prstGeom>
+          <a:noFill/>
+          <a:ln>
+            <a:solidFill>
+              <a:schemeClr val="tx1"/>
+            </a:solidFill>
+          </a:ln>
         </p:spPr>
         <p:txBody>
           <a:bodyPr wrap="none" rtlCol="0">
@@ -23568,28 +24525,31 @@
           <a:lstStyle/>
           <a:p>
             <a:r>
-              <a:rPr lang="de-DE" b="1" dirty="0" err="1"/>
-              <a:t>Underfetching</a:t>
-            </a:r>
-            <a:r>
               <a:rPr lang="de-DE" dirty="0"/>
-              <a:t>: 	mehrere Aufrufe an verschiedene Endpoints sind nötig um </a:t>
-            </a:r>
-          </a:p>
-          <a:p>
+              <a:t>GET /</a:t>
+            </a:r>
+            <a:r>
+              <a:rPr lang="de-DE" dirty="0" err="1"/>
+              <a:t>users</a:t>
+            </a:r>
             <a:r>
               <a:rPr lang="de-DE" dirty="0"/>
-              <a:t>		alle relevanten Informationen abzufragen</a:t>
-            </a:r>
+              <a:t>/alex/</a:t>
+            </a:r>
+            <a:r>
+              <a:rPr lang="de-DE" dirty="0" err="1"/>
+              <a:t>posts</a:t>
+            </a:r>
+            <a:endParaRPr lang="de-DE" dirty="0"/>
           </a:p>
         </p:txBody>
       </p:sp>
       <p:sp>
         <p:nvSpPr>
-          <p:cNvPr id="6" name="Textfeld 5">
-            <a:extLst>
-              <a:ext uri="{FF2B5EF4-FFF2-40B4-BE49-F238E27FC236}">
-                <a16:creationId xmlns:a16="http://schemas.microsoft.com/office/drawing/2014/main" id="{9C229089-E25E-4FCF-BEFC-522BE5308AD8}"/>
+          <p:cNvPr id="27" name="Textfeld 26">
+            <a:extLst>
+              <a:ext uri="{FF2B5EF4-FFF2-40B4-BE49-F238E27FC236}">
+                <a16:creationId xmlns:a16="http://schemas.microsoft.com/office/drawing/2014/main" id="{BEC6349C-E01D-46AE-B57F-25049ADAE601}"/>
               </a:ext>
             </a:extLst>
           </p:cNvPr>
@@ -23598,13 +24558,18 @@
         </p:nvSpPr>
         <p:spPr>
           <a:xfrm>
-            <a:off x="1249680" y="3155113"/>
-            <a:ext cx="7683450" cy="646331"/>
+            <a:off x="2558845" y="2452565"/>
+            <a:ext cx="792205" cy="369332"/>
           </a:xfrm>
           <a:prstGeom prst="rect">
             <a:avLst/>
           </a:prstGeom>
           <a:noFill/>
+          <a:ln>
+            <a:solidFill>
+              <a:schemeClr val="tx1"/>
+            </a:solidFill>
+          </a:ln>
         </p:spPr>
         <p:txBody>
           <a:bodyPr wrap="none" rtlCol="0">
@@ -23613,18 +24578,297 @@
           <a:lstStyle/>
           <a:p>
             <a:r>
-              <a:rPr lang="de-DE" b="1" dirty="0" err="1"/>
-              <a:t>Overfetching</a:t>
-            </a:r>
-            <a:r>
               <a:rPr lang="de-DE" dirty="0"/>
-              <a:t>: 	bei einem Aufruf kommen deutlich mehr Informationen mit </a:t>
-            </a:r>
-          </a:p>
+              <a:t>[1,2,3]</a:t>
+            </a:r>
+          </a:p>
+        </p:txBody>
+      </p:sp>
+      <p:sp>
+        <p:nvSpPr>
+          <p:cNvPr id="28" name="Textfeld 27">
+            <a:extLst>
+              <a:ext uri="{FF2B5EF4-FFF2-40B4-BE49-F238E27FC236}">
+                <a16:creationId xmlns:a16="http://schemas.microsoft.com/office/drawing/2014/main" id="{BAD99CAD-832A-42B4-82BF-6331694A5A2E}"/>
+              </a:ext>
+            </a:extLst>
+          </p:cNvPr>
+          <p:cNvSpPr txBox="1"/>
+          <p:nvPr/>
+        </p:nvSpPr>
+        <p:spPr>
+          <a:xfrm>
+            <a:off x="2558845" y="3168244"/>
+            <a:ext cx="1629613" cy="369332"/>
+          </a:xfrm>
+          <a:prstGeom prst="rect">
+            <a:avLst/>
+          </a:prstGeom>
+          <a:noFill/>
+          <a:ln>
+            <a:solidFill>
+              <a:schemeClr val="tx1"/>
+            </a:solidFill>
+          </a:ln>
+        </p:spPr>
+        <p:txBody>
+          <a:bodyPr wrap="none" rtlCol="0">
+            <a:spAutoFit/>
+          </a:bodyPr>
+          <a:lstStyle/>
           <a:p>
             <a:r>
               <a:rPr lang="de-DE" dirty="0"/>
-              <a:t>		als eigentlich benötigt werden</a:t>
+              <a:t>GET /</a:t>
+            </a:r>
+            <a:r>
+              <a:rPr lang="de-DE" dirty="0" err="1"/>
+              <a:t>posts</a:t>
+            </a:r>
+            <a:r>
+              <a:rPr lang="de-DE" dirty="0"/>
+              <a:t>/{ID}</a:t>
+            </a:r>
+          </a:p>
+        </p:txBody>
+      </p:sp>
+      <p:sp>
+        <p:nvSpPr>
+          <p:cNvPr id="29" name="Textfeld 28">
+            <a:extLst>
+              <a:ext uri="{FF2B5EF4-FFF2-40B4-BE49-F238E27FC236}">
+                <a16:creationId xmlns:a16="http://schemas.microsoft.com/office/drawing/2014/main" id="{DBF6AA26-CA8A-48EC-835D-A49244C27625}"/>
+              </a:ext>
+            </a:extLst>
+          </p:cNvPr>
+          <p:cNvSpPr txBox="1"/>
+          <p:nvPr/>
+        </p:nvSpPr>
+        <p:spPr>
+          <a:xfrm>
+            <a:off x="2558845" y="3681781"/>
+            <a:ext cx="3221523" cy="369332"/>
+          </a:xfrm>
+          <a:prstGeom prst="rect">
+            <a:avLst/>
+          </a:prstGeom>
+          <a:noFill/>
+          <a:ln>
+            <a:solidFill>
+              <a:schemeClr val="tx1"/>
+            </a:solidFill>
+          </a:ln>
+        </p:spPr>
+        <p:txBody>
+          <a:bodyPr wrap="none" rtlCol="0">
+            <a:spAutoFit/>
+          </a:bodyPr>
+          <a:lstStyle/>
+          <a:p>
+            <a:r>
+              <a:rPr lang="de-DE" dirty="0"/>
+              <a:t>{</a:t>
+            </a:r>
+            <a:r>
+              <a:rPr lang="de-DE" dirty="0" err="1"/>
+              <a:t>name</a:t>
+            </a:r>
+            <a:r>
+              <a:rPr lang="de-DE" dirty="0"/>
+              <a:t>: "…", </a:t>
+            </a:r>
+            <a:r>
+              <a:rPr lang="de-DE" dirty="0" err="1"/>
+              <a:t>commentIDs</a:t>
+            </a:r>
+            <a:r>
+              <a:rPr lang="de-DE" dirty="0"/>
+              <a:t>: [1,2] }</a:t>
+            </a:r>
+          </a:p>
+        </p:txBody>
+      </p:sp>
+      <p:cxnSp>
+        <p:nvCxnSpPr>
+          <p:cNvPr id="15" name="Gerade Verbindung mit Pfeil 14">
+            <a:extLst>
+              <a:ext uri="{FF2B5EF4-FFF2-40B4-BE49-F238E27FC236}">
+                <a16:creationId xmlns:a16="http://schemas.microsoft.com/office/drawing/2014/main" id="{D8AD2CCA-5CBF-44D8-AAA7-5D6904C7BE97}"/>
+              </a:ext>
+            </a:extLst>
+          </p:cNvPr>
+          <p:cNvCxnSpPr>
+            <a:cxnSpLocks/>
+          </p:cNvCxnSpPr>
+          <p:nvPr/>
+        </p:nvCxnSpPr>
+        <p:spPr>
+          <a:xfrm>
+            <a:off x="2558845" y="4870130"/>
+            <a:ext cx="7093974" cy="0"/>
+          </a:xfrm>
+          <a:prstGeom prst="straightConnector1">
+            <a:avLst/>
+          </a:prstGeom>
+          <a:ln w="12700">
+            <a:solidFill>
+              <a:schemeClr val="tx1"/>
+            </a:solidFill>
+            <a:tailEnd type="triangle"/>
+          </a:ln>
+        </p:spPr>
+        <p:style>
+          <a:lnRef idx="1">
+            <a:schemeClr val="accent1"/>
+          </a:lnRef>
+          <a:fillRef idx="0">
+            <a:schemeClr val="accent1"/>
+          </a:fillRef>
+          <a:effectRef idx="0">
+            <a:schemeClr val="accent1"/>
+          </a:effectRef>
+          <a:fontRef idx="minor">
+            <a:schemeClr val="tx1"/>
+          </a:fontRef>
+        </p:style>
+      </p:cxnSp>
+      <p:cxnSp>
+        <p:nvCxnSpPr>
+          <p:cNvPr id="16" name="Gerade Verbindung mit Pfeil 15">
+            <a:extLst>
+              <a:ext uri="{FF2B5EF4-FFF2-40B4-BE49-F238E27FC236}">
+                <a16:creationId xmlns:a16="http://schemas.microsoft.com/office/drawing/2014/main" id="{7AC3D1F8-1264-4133-AA12-8066CA5507E9}"/>
+              </a:ext>
+            </a:extLst>
+          </p:cNvPr>
+          <p:cNvCxnSpPr>
+            <a:cxnSpLocks/>
+          </p:cNvCxnSpPr>
+          <p:nvPr/>
+        </p:nvCxnSpPr>
+        <p:spPr>
+          <a:xfrm>
+            <a:off x="2558845" y="5367317"/>
+            <a:ext cx="7093974" cy="0"/>
+          </a:xfrm>
+          <a:prstGeom prst="straightConnector1">
+            <a:avLst/>
+          </a:prstGeom>
+          <a:ln w="12700">
+            <a:solidFill>
+              <a:schemeClr val="tx1"/>
+            </a:solidFill>
+            <a:headEnd type="triangle"/>
+            <a:tailEnd type="none"/>
+          </a:ln>
+        </p:spPr>
+        <p:style>
+          <a:lnRef idx="1">
+            <a:schemeClr val="accent1"/>
+          </a:lnRef>
+          <a:fillRef idx="0">
+            <a:schemeClr val="accent1"/>
+          </a:fillRef>
+          <a:effectRef idx="0">
+            <a:schemeClr val="accent1"/>
+          </a:effectRef>
+          <a:fontRef idx="minor">
+            <a:schemeClr val="tx1"/>
+          </a:fontRef>
+        </p:style>
+      </p:cxnSp>
+      <p:sp>
+        <p:nvSpPr>
+          <p:cNvPr id="18" name="Textfeld 17">
+            <a:extLst>
+              <a:ext uri="{FF2B5EF4-FFF2-40B4-BE49-F238E27FC236}">
+                <a16:creationId xmlns:a16="http://schemas.microsoft.com/office/drawing/2014/main" id="{CC7F8FC7-BE41-40AA-90DA-D1BF39A0CBF9}"/>
+              </a:ext>
+            </a:extLst>
+          </p:cNvPr>
+          <p:cNvSpPr txBox="1"/>
+          <p:nvPr/>
+        </p:nvSpPr>
+        <p:spPr>
+          <a:xfrm>
+            <a:off x="2558845" y="4444921"/>
+            <a:ext cx="2116092" cy="369332"/>
+          </a:xfrm>
+          <a:prstGeom prst="rect">
+            <a:avLst/>
+          </a:prstGeom>
+          <a:noFill/>
+          <a:ln>
+            <a:solidFill>
+              <a:schemeClr val="tx1"/>
+            </a:solidFill>
+          </a:ln>
+        </p:spPr>
+        <p:txBody>
+          <a:bodyPr wrap="none" rtlCol="0">
+            <a:spAutoFit/>
+          </a:bodyPr>
+          <a:lstStyle/>
+          <a:p>
+            <a:r>
+              <a:rPr lang="de-DE" dirty="0"/>
+              <a:t>GET /</a:t>
+            </a:r>
+            <a:r>
+              <a:rPr lang="de-DE" dirty="0" err="1"/>
+              <a:t>comments</a:t>
+            </a:r>
+            <a:r>
+              <a:rPr lang="de-DE" dirty="0"/>
+              <a:t>/{ID}</a:t>
+            </a:r>
+          </a:p>
+        </p:txBody>
+      </p:sp>
+      <p:sp>
+        <p:nvSpPr>
+          <p:cNvPr id="19" name="Textfeld 18">
+            <a:extLst>
+              <a:ext uri="{FF2B5EF4-FFF2-40B4-BE49-F238E27FC236}">
+                <a16:creationId xmlns:a16="http://schemas.microsoft.com/office/drawing/2014/main" id="{B7F367C7-B23D-4F79-B34A-17FAA2E3C35E}"/>
+              </a:ext>
+            </a:extLst>
+          </p:cNvPr>
+          <p:cNvSpPr txBox="1"/>
+          <p:nvPr/>
+        </p:nvSpPr>
+        <p:spPr>
+          <a:xfrm>
+            <a:off x="2558845" y="4924865"/>
+            <a:ext cx="1565813" cy="369332"/>
+          </a:xfrm>
+          <a:prstGeom prst="rect">
+            <a:avLst/>
+          </a:prstGeom>
+          <a:noFill/>
+          <a:ln>
+            <a:solidFill>
+              <a:schemeClr val="tx1"/>
+            </a:solidFill>
+          </a:ln>
+        </p:spPr>
+        <p:txBody>
+          <a:bodyPr wrap="none" rtlCol="0">
+            <a:spAutoFit/>
+          </a:bodyPr>
+          <a:lstStyle/>
+          <a:p>
+            <a:r>
+              <a:rPr lang="de-DE" dirty="0"/>
+              <a:t>{</a:t>
+            </a:r>
+            <a:r>
+              <a:rPr lang="de-DE" dirty="0" err="1"/>
+              <a:t>content</a:t>
+            </a:r>
+            <a:r>
+              <a:rPr lang="de-DE" dirty="0"/>
+              <a:t>: "…" }</a:t>
             </a:r>
           </a:p>
         </p:txBody>
@@ -23632,7 +24876,7 @@
     </p:spTree>
     <p:extLst>
       <p:ext uri="{BB962C8B-B14F-4D97-AF65-F5344CB8AC3E}">
-        <p14:creationId xmlns:p14="http://schemas.microsoft.com/office/powerpoint/2010/main" val="648414245"/>
+        <p14:creationId xmlns:p14="http://schemas.microsoft.com/office/powerpoint/2010/main" val="520831427"/>
       </p:ext>
     </p:extLst>
   </p:cSld>
@@ -23660,7 +24904,7 @@
                             </p:stCondLst>
                             <p:childTnLst>
                               <p:par>
-                                <p:cTn id="5" presetID="1" presetClass="entr" presetSubtype="0" fill="hold" grpId="0" nodeType="clickEffect">
+                                <p:cTn id="5" presetID="1" presetClass="entr" presetSubtype="0" fill="hold" nodeType="clickEffect">
                                   <p:stCondLst>
                                     <p:cond delay="0"/>
                                   </p:stCondLst>
@@ -23673,7 +24917,88 @@
                                           </p:stCondLst>
                                         </p:cTn>
                                         <p:tgtEl>
-                                          <p:spTgt spid="3"/>
+                                          <p:spTgt spid="20"/>
+                                        </p:tgtEl>
+                                        <p:attrNameLst>
+                                          <p:attrName>style.visibility</p:attrName>
+                                        </p:attrNameLst>
+                                      </p:cBhvr>
+                                      <p:to>
+                                        <p:strVal val="visible"/>
+                                      </p:to>
+                                    </p:set>
+                                  </p:childTnLst>
+                                </p:cTn>
+                              </p:par>
+                              <p:par>
+                                <p:cTn id="7" presetID="1" presetClass="entr" presetSubtype="0" fill="hold" nodeType="withEffect">
+                                  <p:stCondLst>
+                                    <p:cond delay="0"/>
+                                  </p:stCondLst>
+                                  <p:childTnLst>
+                                    <p:set>
+                                      <p:cBhvr>
+                                        <p:cTn id="8" dur="1" fill="hold">
+                                          <p:stCondLst>
+                                            <p:cond delay="0"/>
+                                          </p:stCondLst>
+                                        </p:cTn>
+                                        <p:tgtEl>
+                                          <p:spTgt spid="23"/>
+                                        </p:tgtEl>
+                                        <p:attrNameLst>
+                                          <p:attrName>style.visibility</p:attrName>
+                                        </p:attrNameLst>
+                                      </p:cBhvr>
+                                      <p:to>
+                                        <p:strVal val="visible"/>
+                                      </p:to>
+                                    </p:set>
+                                  </p:childTnLst>
+                                </p:cTn>
+                              </p:par>
+                              <p:par>
+                                <p:cTn id="9" presetID="1" presetClass="entr" presetSubtype="0" fill="hold" grpId="0" nodeType="withEffect">
+                                  <p:stCondLst>
+                                    <p:cond delay="0"/>
+                                  </p:stCondLst>
+                                  <p:childTnLst>
+                                    <p:set>
+                                      <p:cBhvr>
+                                        <p:cTn id="10" dur="1" fill="hold">
+                                          <p:stCondLst>
+                                            <p:cond delay="0"/>
+                                          </p:stCondLst>
+                                        </p:cTn>
+                                        <p:tgtEl>
+                                          <p:spTgt spid="28"/>
+                                        </p:tgtEl>
+                                        <p:attrNameLst>
+                                          <p:attrName>style.visibility</p:attrName>
+                                        </p:attrNameLst>
+                                      </p:cBhvr>
+                                      <p:to>
+                                        <p:strVal val="visible"/>
+                                      </p:to>
+                                    </p:set>
+                                  </p:childTnLst>
+                                </p:cTn>
+                              </p:par>
+                              <p:par>
+                                <p:cTn id="11" presetID="1" presetClass="entr" presetSubtype="0" fill="hold" grpId="0" nodeType="withEffect">
+                                  <p:stCondLst>
+                                    <p:cond delay="0"/>
+                                  </p:stCondLst>
+                                  <p:childTnLst>
+                                    <p:set>
+                                      <p:cBhvr>
+                                        <p:cTn id="12" dur="1" fill="hold">
+                                          <p:stCondLst>
+                                            <p:cond delay="0"/>
+                                          </p:stCondLst>
+                                        </p:cTn>
+                                        <p:tgtEl>
+                                          <p:spTgt spid="29"/>
                                         </p:tgtEl>
                                         <p:attrNameLst>
                                           <p:attrName>style.visibility</p:attrName>
@@ -23693,32 +25018,113 @@
                     </p:cTn>
                   </p:par>
                   <p:par>
-                    <p:cTn id="7" fill="hold">
+                    <p:cTn id="13" fill="hold">
                       <p:stCondLst>
                         <p:cond delay="indefinite"/>
                       </p:stCondLst>
                       <p:childTnLst>
                         <p:par>
-                          <p:cTn id="8" fill="hold">
+                          <p:cTn id="14" fill="hold">
                             <p:stCondLst>
                               <p:cond delay="0"/>
                             </p:stCondLst>
                             <p:childTnLst>
                               <p:par>
-                                <p:cTn id="9" presetID="1" presetClass="entr" presetSubtype="0" fill="hold" grpId="0" nodeType="clickEffect">
+                                <p:cTn id="15" presetID="1" presetClass="entr" presetSubtype="0" fill="hold" nodeType="clickEffect">
                                   <p:stCondLst>
                                     <p:cond delay="0"/>
                                   </p:stCondLst>
                                   <p:childTnLst>
                                     <p:set>
                                       <p:cBhvr>
-                                        <p:cTn id="10" dur="1" fill="hold">
+                                        <p:cTn id="16" dur="1" fill="hold">
                                           <p:stCondLst>
                                             <p:cond delay="0"/>
                                           </p:stCondLst>
                                         </p:cTn>
                                         <p:tgtEl>
-                                          <p:spTgt spid="6"/>
+                                          <p:spTgt spid="15"/>
+                                        </p:tgtEl>
+                                        <p:attrNameLst>
+                                          <p:attrName>style.visibility</p:attrName>
+                                        </p:attrNameLst>
+                                      </p:cBhvr>
+                                      <p:to>
+                                        <p:strVal val="visible"/>
+                                      </p:to>
+                                    </p:set>
+                                  </p:childTnLst>
+                                </p:cTn>
+                              </p:par>
+                              <p:par>
+                                <p:cTn id="17" presetID="1" presetClass="entr" presetSubtype="0" fill="hold" nodeType="withEffect">
+                                  <p:stCondLst>
+                                    <p:cond delay="0"/>
+                                  </p:stCondLst>
+                                  <p:childTnLst>
+                                    <p:set>
+                                      <p:cBhvr>
+                                        <p:cTn id="18" dur="1" fill="hold">
+                                          <p:stCondLst>
+                                            <p:cond delay="0"/>
+                                          </p:stCondLst>
+                                        </p:cTn>
+                                        <p:tgtEl>
+                                          <p:spTgt spid="16"/>
+                                        </p:tgtEl>
+                                        <p:attrNameLst>
+                                          <p:attrName>style.visibility</p:attrName>
+                                        </p:attrNameLst>
+                                      </p:cBhvr>
+                                      <p:to>
+                                        <p:strVal val="visible"/>
+                                      </p:to>
+                                    </p:set>
+                                  </p:childTnLst>
+                                </p:cTn>
+                              </p:par>
+                              <p:par>
+                                <p:cTn id="19" presetID="1" presetClass="entr" presetSubtype="0" fill="hold" grpId="0" nodeType="withEffect">
+                                  <p:stCondLst>
+                                    <p:cond delay="0"/>
+                                  </p:stCondLst>
+                                  <p:childTnLst>
+                                    <p:set>
+                                      <p:cBhvr>
+                                        <p:cTn id="20" dur="1" fill="hold">
+                                          <p:stCondLst>
+                                            <p:cond delay="0"/>
+                                          </p:stCondLst>
+                                        </p:cTn>
+                                        <p:tgtEl>
+                                          <p:spTgt spid="18"/>
+                                        </p:tgtEl>
+                                        <p:attrNameLst>
+                                          <p:attrName>style.visibility</p:attrName>
+                                        </p:attrNameLst>
+                                      </p:cBhvr>
+                                      <p:to>
+                                        <p:strVal val="visible"/>
+                                      </p:to>
+                                    </p:set>
+                                  </p:childTnLst>
+                                </p:cTn>
+                              </p:par>
+                              <p:par>
+                                <p:cTn id="21" presetID="1" presetClass="entr" presetSubtype="0" fill="hold" grpId="0" nodeType="withEffect">
+                                  <p:stCondLst>
+                                    <p:cond delay="0"/>
+                                  </p:stCondLst>
+                                  <p:childTnLst>
+                                    <p:set>
+                                      <p:cBhvr>
+                                        <p:cTn id="22" dur="1" fill="hold">
+                                          <p:stCondLst>
+                                            <p:cond delay="0"/>
+                                          </p:stCondLst>
+                                        </p:cTn>
+                                        <p:tgtEl>
+                                          <p:spTgt spid="19"/>
                                         </p:tgtEl>
                                         <p:attrNameLst>
                                           <p:attrName>style.visibility</p:attrName>
@@ -23759,14 +25165,16 @@
       </p:par>
     </p:tnLst>
     <p:bldLst>
-      <p:bldP spid="3" grpId="0"/>
-      <p:bldP spid="6" grpId="0"/>
+      <p:bldP spid="28" grpId="0" animBg="1"/>
+      <p:bldP spid="29" grpId="0" animBg="1"/>
+      <p:bldP spid="18" grpId="0" animBg="1"/>
+      <p:bldP spid="19" grpId="0" animBg="1"/>
     </p:bldLst>
   </p:timing>
 </p:sld>
 </file>
 
-<file path=ppt/slides/slide40.xml><?xml version="1.0" encoding="utf-8"?>
+<file path=ppt/slides/slide50.xml><?xml version="1.0" encoding="utf-8"?>
 <p:sld xmlns:a="http://schemas.openxmlformats.org/drawingml/2006/main" xmlns:r="http://schemas.openxmlformats.org/officeDocument/2006/relationships" xmlns:p="http://schemas.openxmlformats.org/presentationml/2006/main">
   <p:cSld>
     <p:bg>
@@ -23796,7 +25204,7 @@
           <p:cNvPr id="3" name="Picture 6">
             <a:extLst>
               <a:ext uri="{FF2B5EF4-FFF2-40B4-BE49-F238E27FC236}">
-                <a16:creationId xmlns:a16="http://schemas.microsoft.com/office/drawing/2014/main" id="{9A665A4C-B612-4624-82D3-B2935220E370}"/>
+                <a16:creationId xmlns:a16="http://schemas.microsoft.com/office/drawing/2014/main" id="{BB4D76B5-F601-4182-8120-17433B9C7935}"/>
               </a:ext>
             </a:extLst>
           </p:cNvPr>
@@ -23806,7 +25214,7 @@
           <p:nvPr/>
         </p:nvPicPr>
         <p:blipFill>
-          <a:blip r:embed="rId2">
+          <a:blip r:embed="rId3">
             <a:extLst>
               <a:ext uri="{28A0092B-C50C-407E-A947-70E740481C1C}">
                 <a14:useLocalDpi xmlns:a14="http://schemas.microsoft.com/office/drawing/2010/main" val="0"/>
@@ -23839,55 +25247,34 @@
       </p:pic>
       <p:sp>
         <p:nvSpPr>
-          <p:cNvPr id="7" name="Titel 1">
-            <a:extLst>
-              <a:ext uri="{FF2B5EF4-FFF2-40B4-BE49-F238E27FC236}">
-                <a16:creationId xmlns:a16="http://schemas.microsoft.com/office/drawing/2014/main" id="{109AE187-0755-4165-837D-189C246735C6}"/>
-              </a:ext>
-            </a:extLst>
-          </p:cNvPr>
-          <p:cNvSpPr txBox="1">
-            <a:spLocks/>
+          <p:cNvPr id="6" name="Titel 1">
+            <a:extLst>
+              <a:ext uri="{FF2B5EF4-FFF2-40B4-BE49-F238E27FC236}">
+                <a16:creationId xmlns:a16="http://schemas.microsoft.com/office/drawing/2014/main" id="{99D3E06E-2805-4C3F-BA38-2AFDADFF670A}"/>
+              </a:ext>
+            </a:extLst>
+          </p:cNvPr>
+          <p:cNvSpPr>
+            <a:spLocks noGrp="1"/>
           </p:cNvSpPr>
-          <p:nvPr/>
+          <p:nvPr>
+            <p:ph type="title"/>
+          </p:nvPr>
         </p:nvSpPr>
         <p:spPr>
           <a:xfrm>
             <a:off x="838200" y="365125"/>
             <a:ext cx="10515600" cy="1325563"/>
           </a:xfrm>
-          <a:prstGeom prst="rect">
-            <a:avLst/>
-          </a:prstGeom>
         </p:spPr>
         <p:txBody>
-          <a:bodyPr vert="horz" lIns="91440" tIns="45720" rIns="91440" bIns="45720" rtlCol="0" anchor="ctr">
-            <a:normAutofit/>
-          </a:bodyPr>
-          <a:lstStyle>
-            <a:lvl1pPr algn="l" defTabSz="914400" rtl="0" eaLnBrk="1" latinLnBrk="0" hangingPunct="1">
-              <a:lnSpc>
-                <a:spcPct val="90000"/>
-              </a:lnSpc>
-              <a:spcBef>
-                <a:spcPct val="0"/>
-              </a:spcBef>
-              <a:buNone/>
-              <a:defRPr sz="4400" kern="1200">
-                <a:solidFill>
-                  <a:schemeClr val="tx1"/>
-                </a:solidFill>
-                <a:latin typeface="+mj-lt"/>
-                <a:ea typeface="+mj-ea"/>
-                <a:cs typeface="+mj-cs"/>
-              </a:defRPr>
-            </a:lvl1pPr>
-          </a:lstStyle>
+          <a:bodyPr/>
+          <a:lstStyle/>
           <a:p>
             <a:pPr algn="ctr"/>
             <a:r>
-              <a:rPr lang="de-DE" dirty="0" err="1"/>
-              <a:t>Introspection</a:t>
+              <a:rPr lang="de-DE"/>
+              <a:t>GraphQL vs. REST</a:t>
             </a:r>
             <a:endParaRPr lang="de-DE" dirty="0"/>
           </a:p>
@@ -23898,7 +25285,7 @@
           <p:cNvPr id="8" name="Textfeld 7">
             <a:extLst>
               <a:ext uri="{FF2B5EF4-FFF2-40B4-BE49-F238E27FC236}">
-                <a16:creationId xmlns:a16="http://schemas.microsoft.com/office/drawing/2014/main" id="{0E58C3BF-6A09-48EB-B3F0-A3DDB7F33893}"/>
+                <a16:creationId xmlns:a16="http://schemas.microsoft.com/office/drawing/2014/main" id="{E78A8F7B-DD53-43B3-B0C2-8C47CBB8C7B0}"/>
               </a:ext>
             </a:extLst>
           </p:cNvPr>
@@ -23907,8 +25294,8 @@
         </p:nvSpPr>
         <p:spPr>
           <a:xfrm>
-            <a:off x="1249680" y="2099735"/>
-            <a:ext cx="10104120" cy="830997"/>
+            <a:off x="1746156" y="2264918"/>
+            <a:ext cx="9607643" cy="2677656"/>
           </a:xfrm>
           <a:prstGeom prst="rect">
             <a:avLst/>
@@ -23921,98 +25308,214 @@
           </a:bodyPr>
           <a:lstStyle/>
           <a:p>
-            <a:r>
-              <a:rPr lang="de-DE" sz="2400" dirty="0"/>
-              <a:t>Ermöglicht es aus dem Schema Informationen zu </a:t>
-            </a:r>
-            <a:r>
-              <a:rPr lang="de-DE" sz="2400" dirty="0" err="1"/>
-              <a:t>Queries</a:t>
-            </a:r>
-            <a:r>
-              <a:rPr lang="de-DE" sz="2400" dirty="0"/>
-              <a:t>, Feldern und Typen zu extrahieren am Client</a:t>
-            </a:r>
-          </a:p>
-        </p:txBody>
-      </p:sp>
-      <p:sp>
-        <p:nvSpPr>
-          <p:cNvPr id="9" name="Textfeld 8">
-            <a:extLst>
-              <a:ext uri="{FF2B5EF4-FFF2-40B4-BE49-F238E27FC236}">
-                <a16:creationId xmlns:a16="http://schemas.microsoft.com/office/drawing/2014/main" id="{26BA7CC4-A330-4CC1-8844-1CE9192B9B0D}"/>
-              </a:ext>
-            </a:extLst>
-          </p:cNvPr>
-          <p:cNvSpPr txBox="1"/>
-          <p:nvPr/>
-        </p:nvSpPr>
-        <p:spPr>
-          <a:xfrm>
-            <a:off x="1265319" y="2930732"/>
-            <a:ext cx="9661362" cy="2204899"/>
-          </a:xfrm>
-          <a:prstGeom prst="rect">
-            <a:avLst/>
-          </a:prstGeom>
-          <a:noFill/>
-        </p:spPr>
-        <p:txBody>
-          <a:bodyPr wrap="square" rtlCol="0">
-            <a:spAutoFit/>
-          </a:bodyPr>
-          <a:lstStyle/>
-          <a:p>
-            <a:pPr marL="285750" indent="-285750">
-              <a:lnSpc>
-                <a:spcPct val="200000"/>
-              </a:lnSpc>
+            <a:pPr marL="342900" indent="-342900">
               <a:buFont typeface="Arial" panose="020B0604020202020204" pitchFamily="34" charset="0"/>
               <a:buChar char="•"/>
             </a:pPr>
             <a:r>
-              <a:rPr lang="de-DE" sz="2400" dirty="0"/>
-              <a:t>Doku aus Schema</a:t>
-            </a:r>
-          </a:p>
-          <a:p>
-            <a:pPr marL="285750" indent="-285750">
-              <a:lnSpc>
-                <a:spcPct val="200000"/>
-              </a:lnSpc>
+              <a:rPr lang="en-US" sz="2400" dirty="0"/>
+              <a:t>REST und </a:t>
+            </a:r>
+            <a:r>
+              <a:rPr lang="en-US" sz="2400" dirty="0" err="1"/>
+              <a:t>GraphQL</a:t>
+            </a:r>
+            <a:r>
+              <a:rPr lang="en-US" sz="2400" dirty="0"/>
+              <a:t> </a:t>
+            </a:r>
+            <a:r>
+              <a:rPr lang="en-US" sz="2400" dirty="0" err="1"/>
+              <a:t>sind</a:t>
+            </a:r>
+            <a:r>
+              <a:rPr lang="en-US" sz="2400" dirty="0"/>
+              <a:t> </a:t>
+            </a:r>
+            <a:r>
+              <a:rPr lang="en-US" sz="2400" dirty="0" err="1"/>
+              <a:t>sehr</a:t>
+            </a:r>
+            <a:r>
+              <a:rPr lang="en-US" sz="2400" dirty="0"/>
+              <a:t> </a:t>
+            </a:r>
+            <a:r>
+              <a:rPr lang="en-US" sz="2400" dirty="0" err="1"/>
+              <a:t>verschieden</a:t>
+            </a:r>
+            <a:endParaRPr lang="en-US" sz="2400" dirty="0"/>
+          </a:p>
+          <a:p>
+            <a:pPr marL="342900" indent="-342900">
               <a:buFont typeface="Arial" panose="020B0604020202020204" pitchFamily="34" charset="0"/>
               <a:buChar char="•"/>
             </a:pPr>
-            <a:r>
-              <a:rPr lang="de-DE" sz="2400" dirty="0"/>
-              <a:t>Auto </a:t>
-            </a:r>
-            <a:r>
-              <a:rPr lang="de-DE" sz="2400" dirty="0" err="1"/>
-              <a:t>Completion</a:t>
-            </a:r>
-            <a:endParaRPr lang="de-DE" sz="2400" dirty="0"/>
-          </a:p>
-          <a:p>
-            <a:pPr marL="285750" indent="-285750">
-              <a:lnSpc>
-                <a:spcPct val="200000"/>
-              </a:lnSpc>
+            <a:endParaRPr lang="en-US" sz="2400" dirty="0"/>
+          </a:p>
+          <a:p>
+            <a:pPr marL="342900" indent="-342900">
               <a:buFont typeface="Arial" panose="020B0604020202020204" pitchFamily="34" charset="0"/>
               <a:buChar char="•"/>
             </a:pPr>
             <a:r>
-              <a:rPr lang="de-DE" sz="2400" dirty="0" err="1"/>
-              <a:t>Warnings</a:t>
-            </a:r>
-            <a:r>
-              <a:rPr lang="de-DE" sz="2400" dirty="0"/>
-              <a:t> und </a:t>
-            </a:r>
-            <a:r>
-              <a:rPr lang="de-DE" sz="2400" dirty="0" err="1"/>
-              <a:t>Hints</a:t>
+              <a:rPr lang="en-US" sz="2400" dirty="0" err="1"/>
+              <a:t>GraphQL</a:t>
+            </a:r>
+            <a:r>
+              <a:rPr lang="en-US" sz="2400" dirty="0"/>
+              <a:t> </a:t>
+            </a:r>
+            <a:r>
+              <a:rPr lang="en-US" sz="2400" dirty="0" err="1"/>
+              <a:t>ist</a:t>
+            </a:r>
+            <a:r>
+              <a:rPr lang="en-US" sz="2400" dirty="0"/>
+              <a:t> </a:t>
+            </a:r>
+            <a:r>
+              <a:rPr lang="en-US" sz="2400" dirty="0" err="1"/>
+              <a:t>keine</a:t>
+            </a:r>
+            <a:r>
+              <a:rPr lang="en-US" sz="2400" dirty="0"/>
+              <a:t> “silver bullet”</a:t>
+            </a:r>
+          </a:p>
+          <a:p>
+            <a:pPr marL="342900" indent="-342900">
+              <a:buFont typeface="Arial" panose="020B0604020202020204" pitchFamily="34" charset="0"/>
+              <a:buChar char="•"/>
+            </a:pPr>
+            <a:endParaRPr lang="en-US" sz="2400" dirty="0"/>
+          </a:p>
+          <a:p>
+            <a:pPr marL="342900" indent="-342900">
+              <a:buFont typeface="Arial" panose="020B0604020202020204" pitchFamily="34" charset="0"/>
+              <a:buChar char="•"/>
+            </a:pPr>
+            <a:r>
+              <a:rPr lang="en-US" sz="2400" dirty="0"/>
+              <a:t>Man </a:t>
+            </a:r>
+            <a:r>
+              <a:rPr lang="en-US" sz="2400" dirty="0" err="1"/>
+              <a:t>kann</a:t>
+            </a:r>
+            <a:r>
+              <a:rPr lang="en-US" sz="2400" dirty="0"/>
+              <a:t> </a:t>
+            </a:r>
+            <a:r>
+              <a:rPr lang="en-US" sz="2400" dirty="0" err="1"/>
+              <a:t>Beides</a:t>
+            </a:r>
+            <a:r>
+              <a:rPr lang="en-US" sz="2400" dirty="0"/>
+              <a:t> </a:t>
+            </a:r>
+            <a:r>
+              <a:rPr lang="en-US" sz="2400" dirty="0" err="1"/>
+              <a:t>im</a:t>
+            </a:r>
+            <a:r>
+              <a:rPr lang="en-US" sz="2400" dirty="0"/>
+              <a:t> </a:t>
+            </a:r>
+            <a:r>
+              <a:rPr lang="en-US" sz="2400" dirty="0" err="1"/>
+              <a:t>gleichen</a:t>
+            </a:r>
+            <a:r>
+              <a:rPr lang="en-US" sz="2400" dirty="0"/>
+              <a:t> </a:t>
+            </a:r>
+            <a:r>
+              <a:rPr lang="en-US" sz="2400" dirty="0" err="1"/>
+              <a:t>Projekt</a:t>
+            </a:r>
+            <a:r>
+              <a:rPr lang="en-US" sz="2400" dirty="0"/>
+              <a:t> </a:t>
+            </a:r>
+            <a:r>
+              <a:rPr lang="en-US" sz="2400" dirty="0" err="1"/>
+              <a:t>verwenden</a:t>
+            </a:r>
+            <a:endParaRPr lang="en-US" sz="2400" dirty="0"/>
+          </a:p>
+          <a:p>
+            <a:pPr marL="342900" indent="-342900">
+              <a:buFont typeface="Arial" panose="020B0604020202020204" pitchFamily="34" charset="0"/>
+              <a:buChar char="•"/>
+            </a:pPr>
+            <a:endParaRPr lang="en-US" sz="2400" dirty="0"/>
+          </a:p>
+          <a:p>
+            <a:pPr marL="342900" indent="-342900">
+              <a:buFont typeface="Arial" panose="020B0604020202020204" pitchFamily="34" charset="0"/>
+              <a:buChar char="•"/>
+            </a:pPr>
+            <a:r>
+              <a:rPr lang="en-US" sz="2400" dirty="0" err="1"/>
+              <a:t>GraphQL</a:t>
+            </a:r>
+            <a:r>
+              <a:rPr lang="en-US" sz="2400" dirty="0"/>
+              <a:t> </a:t>
+            </a:r>
+            <a:r>
+              <a:rPr lang="en-US" sz="2400" dirty="0" err="1"/>
+              <a:t>ist</a:t>
+            </a:r>
+            <a:r>
+              <a:rPr lang="en-US" sz="2400" dirty="0"/>
+              <a:t> </a:t>
+            </a:r>
+            <a:r>
+              <a:rPr lang="en-US" sz="2400" dirty="0" err="1"/>
+              <a:t>richtig</a:t>
+            </a:r>
+            <a:r>
+              <a:rPr lang="en-US" sz="2400" dirty="0"/>
+              <a:t> cool, </a:t>
+            </a:r>
+            <a:r>
+              <a:rPr lang="en-US" sz="2400" dirty="0" err="1"/>
+              <a:t>wenn</a:t>
+            </a:r>
+            <a:r>
+              <a:rPr lang="en-US" sz="2400" dirty="0"/>
+              <a:t> man es </a:t>
+            </a:r>
+            <a:r>
+              <a:rPr lang="en-US" sz="2400" dirty="0" err="1"/>
+              <a:t>für</a:t>
+            </a:r>
+            <a:r>
+              <a:rPr lang="en-US" sz="2400" dirty="0"/>
+              <a:t> das </a:t>
+            </a:r>
+            <a:r>
+              <a:rPr lang="en-US" sz="2400" dirty="0" err="1"/>
+              <a:t>richtige</a:t>
+            </a:r>
+            <a:r>
+              <a:rPr lang="en-US" sz="2400" dirty="0"/>
+              <a:t> </a:t>
+            </a:r>
+            <a:r>
+              <a:rPr lang="en-US" sz="2400" dirty="0" err="1"/>
+              <a:t>Szenario</a:t>
+            </a:r>
+            <a:r>
+              <a:rPr lang="en-US" sz="2400" dirty="0"/>
+              <a:t> </a:t>
+            </a:r>
+            <a:r>
+              <a:rPr lang="en-US" sz="2400" dirty="0" err="1"/>
+              <a:t>einsetzt</a:t>
             </a:r>
             <a:endParaRPr lang="de-DE" sz="2400" dirty="0"/>
           </a:p>
@@ -24021,7 +25524,7 @@
     </p:spTree>
     <p:extLst>
       <p:ext uri="{BB962C8B-B14F-4D97-AF65-F5344CB8AC3E}">
-        <p14:creationId xmlns:p14="http://schemas.microsoft.com/office/powerpoint/2010/main" val="2062361888"/>
+        <p14:creationId xmlns:p14="http://schemas.microsoft.com/office/powerpoint/2010/main" val="4235993942"/>
       </p:ext>
     </p:extLst>
   </p:cSld>
@@ -24031,7 +25534,7 @@
 </p:sld>
 </file>
 
-<file path=ppt/slides/slide41.xml><?xml version="1.0" encoding="utf-8"?>
+<file path=ppt/slides/slide51.xml><?xml version="1.0" encoding="utf-8"?>
 <p:sld xmlns:a="http://schemas.openxmlformats.org/drawingml/2006/main" xmlns:r="http://schemas.openxmlformats.org/officeDocument/2006/relationships" xmlns:p="http://schemas.openxmlformats.org/presentationml/2006/main">
   <p:cSld>
     <p:bg>
@@ -24130,10 +25633,13 @@
           <a:p>
             <a:pPr algn="ctr"/>
             <a:r>
-              <a:rPr lang="de-DE"/>
-              <a:t>GraphQL vs. REST</a:t>
-            </a:r>
-            <a:endParaRPr lang="de-DE" dirty="0"/>
+              <a:rPr lang="de-DE" dirty="0" err="1"/>
+              <a:t>GraphQL</a:t>
+            </a:r>
+            <a:r>
+              <a:rPr lang="de-DE" dirty="0"/>
+              <a:t> vs. REST</a:t>
+            </a:r>
           </a:p>
         </p:txBody>
       </p:sp>
@@ -24171,369 +25677,6 @@
             </a:pPr>
             <a:r>
               <a:rPr lang="en-US" sz="2400" dirty="0"/>
-              <a:t>REST und </a:t>
-            </a:r>
-            <a:r>
-              <a:rPr lang="en-US" sz="2400" dirty="0" err="1"/>
-              <a:t>GraphQL</a:t>
-            </a:r>
-            <a:r>
-              <a:rPr lang="en-US" sz="2400" dirty="0"/>
-              <a:t> </a:t>
-            </a:r>
-            <a:r>
-              <a:rPr lang="en-US" sz="2400" dirty="0" err="1"/>
-              <a:t>sind</a:t>
-            </a:r>
-            <a:r>
-              <a:rPr lang="en-US" sz="2400" dirty="0"/>
-              <a:t> </a:t>
-            </a:r>
-            <a:r>
-              <a:rPr lang="en-US" sz="2400" dirty="0" err="1"/>
-              <a:t>sehr</a:t>
-            </a:r>
-            <a:r>
-              <a:rPr lang="en-US" sz="2400" dirty="0"/>
-              <a:t> </a:t>
-            </a:r>
-            <a:r>
-              <a:rPr lang="en-US" sz="2400" dirty="0" err="1"/>
-              <a:t>verschieden</a:t>
-            </a:r>
-            <a:endParaRPr lang="en-US" sz="2400" dirty="0"/>
-          </a:p>
-          <a:p>
-            <a:pPr marL="342900" indent="-342900">
-              <a:buFont typeface="Arial" panose="020B0604020202020204" pitchFamily="34" charset="0"/>
-              <a:buChar char="•"/>
-            </a:pPr>
-            <a:endParaRPr lang="en-US" sz="2400" dirty="0"/>
-          </a:p>
-          <a:p>
-            <a:pPr marL="342900" indent="-342900">
-              <a:buFont typeface="Arial" panose="020B0604020202020204" pitchFamily="34" charset="0"/>
-              <a:buChar char="•"/>
-            </a:pPr>
-            <a:r>
-              <a:rPr lang="en-US" sz="2400" dirty="0" err="1"/>
-              <a:t>GraphQL</a:t>
-            </a:r>
-            <a:r>
-              <a:rPr lang="en-US" sz="2400" dirty="0"/>
-              <a:t> </a:t>
-            </a:r>
-            <a:r>
-              <a:rPr lang="en-US" sz="2400" dirty="0" err="1"/>
-              <a:t>ist</a:t>
-            </a:r>
-            <a:r>
-              <a:rPr lang="en-US" sz="2400" dirty="0"/>
-              <a:t> </a:t>
-            </a:r>
-            <a:r>
-              <a:rPr lang="en-US" sz="2400" dirty="0" err="1"/>
-              <a:t>keine</a:t>
-            </a:r>
-            <a:r>
-              <a:rPr lang="en-US" sz="2400" dirty="0"/>
-              <a:t> “silver bullet”</a:t>
-            </a:r>
-          </a:p>
-          <a:p>
-            <a:pPr marL="342900" indent="-342900">
-              <a:buFont typeface="Arial" panose="020B0604020202020204" pitchFamily="34" charset="0"/>
-              <a:buChar char="•"/>
-            </a:pPr>
-            <a:endParaRPr lang="en-US" sz="2400" dirty="0"/>
-          </a:p>
-          <a:p>
-            <a:pPr marL="342900" indent="-342900">
-              <a:buFont typeface="Arial" panose="020B0604020202020204" pitchFamily="34" charset="0"/>
-              <a:buChar char="•"/>
-            </a:pPr>
-            <a:r>
-              <a:rPr lang="en-US" sz="2400" dirty="0"/>
-              <a:t>Man </a:t>
-            </a:r>
-            <a:r>
-              <a:rPr lang="en-US" sz="2400" dirty="0" err="1"/>
-              <a:t>kann</a:t>
-            </a:r>
-            <a:r>
-              <a:rPr lang="en-US" sz="2400" dirty="0"/>
-              <a:t> </a:t>
-            </a:r>
-            <a:r>
-              <a:rPr lang="en-US" sz="2400" dirty="0" err="1"/>
-              <a:t>Beides</a:t>
-            </a:r>
-            <a:r>
-              <a:rPr lang="en-US" sz="2400" dirty="0"/>
-              <a:t> </a:t>
-            </a:r>
-            <a:r>
-              <a:rPr lang="en-US" sz="2400" dirty="0" err="1"/>
-              <a:t>im</a:t>
-            </a:r>
-            <a:r>
-              <a:rPr lang="en-US" sz="2400" dirty="0"/>
-              <a:t> </a:t>
-            </a:r>
-            <a:r>
-              <a:rPr lang="en-US" sz="2400" dirty="0" err="1"/>
-              <a:t>gleichen</a:t>
-            </a:r>
-            <a:r>
-              <a:rPr lang="en-US" sz="2400" dirty="0"/>
-              <a:t> </a:t>
-            </a:r>
-            <a:r>
-              <a:rPr lang="en-US" sz="2400" dirty="0" err="1"/>
-              <a:t>Projekt</a:t>
-            </a:r>
-            <a:r>
-              <a:rPr lang="en-US" sz="2400" dirty="0"/>
-              <a:t> </a:t>
-            </a:r>
-            <a:r>
-              <a:rPr lang="en-US" sz="2400" dirty="0" err="1"/>
-              <a:t>verwenden</a:t>
-            </a:r>
-            <a:endParaRPr lang="en-US" sz="2400" dirty="0"/>
-          </a:p>
-          <a:p>
-            <a:pPr marL="342900" indent="-342900">
-              <a:buFont typeface="Arial" panose="020B0604020202020204" pitchFamily="34" charset="0"/>
-              <a:buChar char="•"/>
-            </a:pPr>
-            <a:endParaRPr lang="en-US" sz="2400" dirty="0"/>
-          </a:p>
-          <a:p>
-            <a:pPr marL="342900" indent="-342900">
-              <a:buFont typeface="Arial" panose="020B0604020202020204" pitchFamily="34" charset="0"/>
-              <a:buChar char="•"/>
-            </a:pPr>
-            <a:r>
-              <a:rPr lang="en-US" sz="2400" dirty="0" err="1"/>
-              <a:t>GraphQL</a:t>
-            </a:r>
-            <a:r>
-              <a:rPr lang="en-US" sz="2400" dirty="0"/>
-              <a:t> </a:t>
-            </a:r>
-            <a:r>
-              <a:rPr lang="en-US" sz="2400" dirty="0" err="1"/>
-              <a:t>ist</a:t>
-            </a:r>
-            <a:r>
-              <a:rPr lang="en-US" sz="2400" dirty="0"/>
-              <a:t> </a:t>
-            </a:r>
-            <a:r>
-              <a:rPr lang="en-US" sz="2400" dirty="0" err="1"/>
-              <a:t>richtig</a:t>
-            </a:r>
-            <a:r>
-              <a:rPr lang="en-US" sz="2400" dirty="0"/>
-              <a:t> cool, </a:t>
-            </a:r>
-            <a:r>
-              <a:rPr lang="en-US" sz="2400" dirty="0" err="1"/>
-              <a:t>wenn</a:t>
-            </a:r>
-            <a:r>
-              <a:rPr lang="en-US" sz="2400" dirty="0"/>
-              <a:t> man es </a:t>
-            </a:r>
-            <a:r>
-              <a:rPr lang="en-US" sz="2400" dirty="0" err="1"/>
-              <a:t>für</a:t>
-            </a:r>
-            <a:r>
-              <a:rPr lang="en-US" sz="2400" dirty="0"/>
-              <a:t> das </a:t>
-            </a:r>
-            <a:r>
-              <a:rPr lang="en-US" sz="2400" dirty="0" err="1"/>
-              <a:t>richtige</a:t>
-            </a:r>
-            <a:r>
-              <a:rPr lang="en-US" sz="2400" dirty="0"/>
-              <a:t> </a:t>
-            </a:r>
-            <a:r>
-              <a:rPr lang="en-US" sz="2400" dirty="0" err="1"/>
-              <a:t>Szenario</a:t>
-            </a:r>
-            <a:r>
-              <a:rPr lang="en-US" sz="2400" dirty="0"/>
-              <a:t> </a:t>
-            </a:r>
-            <a:r>
-              <a:rPr lang="en-US" sz="2400" dirty="0" err="1"/>
-              <a:t>einsetzt</a:t>
-            </a:r>
-            <a:endParaRPr lang="de-DE" sz="2400" dirty="0"/>
-          </a:p>
-        </p:txBody>
-      </p:sp>
-    </p:spTree>
-    <p:extLst>
-      <p:ext uri="{BB962C8B-B14F-4D97-AF65-F5344CB8AC3E}">
-        <p14:creationId xmlns:p14="http://schemas.microsoft.com/office/powerpoint/2010/main" val="4235993942"/>
-      </p:ext>
-    </p:extLst>
-  </p:cSld>
-  <p:clrMapOvr>
-    <a:masterClrMapping/>
-  </p:clrMapOvr>
-</p:sld>
-</file>
-
-<file path=ppt/slides/slide42.xml><?xml version="1.0" encoding="utf-8"?>
-<p:sld xmlns:a="http://schemas.openxmlformats.org/drawingml/2006/main" xmlns:r="http://schemas.openxmlformats.org/officeDocument/2006/relationships" xmlns:p="http://schemas.openxmlformats.org/presentationml/2006/main">
-  <p:cSld>
-    <p:bg>
-      <p:bgPr>
-        <a:solidFill>
-          <a:schemeClr val="bg1"/>
-        </a:solidFill>
-        <a:effectLst/>
-      </p:bgPr>
-    </p:bg>
-    <p:spTree>
-      <p:nvGrpSpPr>
-        <p:cNvPr id="1" name=""/>
-        <p:cNvGrpSpPr/>
-        <p:nvPr/>
-      </p:nvGrpSpPr>
-      <p:grpSpPr>
-        <a:xfrm>
-          <a:off x="0" y="0"/>
-          <a:ext cx="0" cy="0"/>
-          <a:chOff x="0" y="0"/>
-          <a:chExt cx="0" cy="0"/>
-        </a:xfrm>
-      </p:grpSpPr>
-      <p:pic>
-        <p:nvPicPr>
-          <p:cNvPr id="3" name="Picture 6">
-            <a:extLst>
-              <a:ext uri="{FF2B5EF4-FFF2-40B4-BE49-F238E27FC236}">
-                <a16:creationId xmlns:a16="http://schemas.microsoft.com/office/drawing/2014/main" id="{BB4D76B5-F601-4182-8120-17433B9C7935}"/>
-              </a:ext>
-            </a:extLst>
-          </p:cNvPr>
-          <p:cNvPicPr>
-            <a:picLocks noChangeAspect="1" noChangeArrowheads="1"/>
-          </p:cNvPicPr>
-          <p:nvPr/>
-        </p:nvPicPr>
-        <p:blipFill>
-          <a:blip r:embed="rId3">
-            <a:extLst>
-              <a:ext uri="{28A0092B-C50C-407E-A947-70E740481C1C}">
-                <a14:useLocalDpi xmlns:a14="http://schemas.microsoft.com/office/drawing/2010/main" val="0"/>
-              </a:ext>
-            </a:extLst>
-          </a:blip>
-          <a:stretch>
-            <a:fillRect/>
-          </a:stretch>
-        </p:blipFill>
-        <p:spPr bwMode="auto">
-          <a:xfrm>
-            <a:off x="10564167" y="6353503"/>
-            <a:ext cx="1475682" cy="352753"/>
-          </a:xfrm>
-          <a:prstGeom prst="rect">
-            <a:avLst/>
-          </a:prstGeom>
-          <a:noFill/>
-          <a:extLst>
-            <a:ext uri="{909E8E84-426E-40DD-AFC4-6F175D3DCCD1}">
-              <a14:hiddenFill xmlns:a14="http://schemas.microsoft.com/office/drawing/2010/main">
-                <a:solidFill>
-                  <a:srgbClr val="FFFFFF"/>
-                </a:solidFill>
-              </a14:hiddenFill>
-            </a:ext>
-          </a:extLst>
-        </p:spPr>
-      </p:pic>
-      <p:sp>
-        <p:nvSpPr>
-          <p:cNvPr id="6" name="Titel 1">
-            <a:extLst>
-              <a:ext uri="{FF2B5EF4-FFF2-40B4-BE49-F238E27FC236}">
-                <a16:creationId xmlns:a16="http://schemas.microsoft.com/office/drawing/2014/main" id="{99D3E06E-2805-4C3F-BA38-2AFDADFF670A}"/>
-              </a:ext>
-            </a:extLst>
-          </p:cNvPr>
-          <p:cNvSpPr>
-            <a:spLocks noGrp="1"/>
-          </p:cNvSpPr>
-          <p:nvPr>
-            <p:ph type="title"/>
-          </p:nvPr>
-        </p:nvSpPr>
-        <p:spPr>
-          <a:xfrm>
-            <a:off x="838200" y="365125"/>
-            <a:ext cx="10515600" cy="1325563"/>
-          </a:xfrm>
-        </p:spPr>
-        <p:txBody>
-          <a:bodyPr/>
-          <a:lstStyle/>
-          <a:p>
-            <a:pPr algn="ctr"/>
-            <a:r>
-              <a:rPr lang="de-DE" dirty="0" err="1"/>
-              <a:t>GraphQL</a:t>
-            </a:r>
-            <a:r>
-              <a:rPr lang="de-DE" dirty="0"/>
-              <a:t> vs. REST</a:t>
-            </a:r>
-          </a:p>
-        </p:txBody>
-      </p:sp>
-      <p:sp>
-        <p:nvSpPr>
-          <p:cNvPr id="8" name="Textfeld 7">
-            <a:extLst>
-              <a:ext uri="{FF2B5EF4-FFF2-40B4-BE49-F238E27FC236}">
-                <a16:creationId xmlns:a16="http://schemas.microsoft.com/office/drawing/2014/main" id="{E78A8F7B-DD53-43B3-B0C2-8C47CBB8C7B0}"/>
-              </a:ext>
-            </a:extLst>
-          </p:cNvPr>
-          <p:cNvSpPr txBox="1"/>
-          <p:nvPr/>
-        </p:nvSpPr>
-        <p:spPr>
-          <a:xfrm>
-            <a:off x="1746156" y="2264918"/>
-            <a:ext cx="9607643" cy="2677656"/>
-          </a:xfrm>
-          <a:prstGeom prst="rect">
-            <a:avLst/>
-          </a:prstGeom>
-          <a:noFill/>
-        </p:spPr>
-        <p:txBody>
-          <a:bodyPr wrap="square" rtlCol="0">
-            <a:spAutoFit/>
-          </a:bodyPr>
-          <a:lstStyle/>
-          <a:p>
-            <a:pPr marL="342900" indent="-342900">
-              <a:buFont typeface="Arial" panose="020B0604020202020204" pitchFamily="34" charset="0"/>
-              <a:buChar char="•"/>
-            </a:pPr>
-            <a:r>
-              <a:rPr lang="en-US" sz="2400" dirty="0"/>
               <a:t>Wie </a:t>
             </a:r>
             <a:r>
@@ -24732,7 +25875,7 @@
 </p:sld>
 </file>
 
-<file path=ppt/slides/slide43.xml><?xml version="1.0" encoding="utf-8"?>
+<file path=ppt/slides/slide52.xml><?xml version="1.0" encoding="utf-8"?>
 <p:sld xmlns:a="http://schemas.openxmlformats.org/drawingml/2006/main" xmlns:r="http://schemas.openxmlformats.org/officeDocument/2006/relationships" xmlns:p="http://schemas.openxmlformats.org/presentationml/2006/main">
   <p:cSld>
     <p:bg>
@@ -25333,7 +26476,7 @@
 </p:sld>
 </file>
 
-<file path=ppt/slides/slide44.xml><?xml version="1.0" encoding="utf-8"?>
+<file path=ppt/slides/slide53.xml><?xml version="1.0" encoding="utf-8"?>
 <p:sld xmlns:a="http://schemas.openxmlformats.org/drawingml/2006/main" xmlns:r="http://schemas.openxmlformats.org/officeDocument/2006/relationships" xmlns:p="http://schemas.openxmlformats.org/presentationml/2006/main">
   <p:cSld>
     <p:bg>
@@ -25687,7 +26830,7 @@
 </p:sld>
 </file>
 
-<file path=ppt/slides/slide45.xml><?xml version="1.0" encoding="utf-8"?>
+<file path=ppt/slides/slide54.xml><?xml version="1.0" encoding="utf-8"?>
 <p:sld xmlns:a="http://schemas.openxmlformats.org/drawingml/2006/main" xmlns:r="http://schemas.openxmlformats.org/officeDocument/2006/relationships" xmlns:p="http://schemas.openxmlformats.org/presentationml/2006/main">
   <p:cSld>
     <p:bg>
@@ -25920,7 +27063,339 @@
 </p:sld>
 </file>
 
-<file path=ppt/slides/slide5.xml><?xml version="1.0" encoding="utf-8"?>
+<file path=ppt/slides/slide6.xml><?xml version="1.0" encoding="utf-8"?>
+<p:sld xmlns:a="http://schemas.openxmlformats.org/drawingml/2006/main" xmlns:r="http://schemas.openxmlformats.org/officeDocument/2006/relationships" xmlns:p="http://schemas.openxmlformats.org/presentationml/2006/main">
+  <p:cSld>
+    <p:bg>
+      <p:bgPr>
+        <a:solidFill>
+          <a:schemeClr val="bg1"/>
+        </a:solidFill>
+        <a:effectLst/>
+      </p:bgPr>
+    </p:bg>
+    <p:spTree>
+      <p:nvGrpSpPr>
+        <p:cNvPr id="1" name=""/>
+        <p:cNvGrpSpPr/>
+        <p:nvPr/>
+      </p:nvGrpSpPr>
+      <p:grpSpPr>
+        <a:xfrm>
+          <a:off x="0" y="0"/>
+          <a:ext cx="0" cy="0"/>
+          <a:chOff x="0" y="0"/>
+          <a:chExt cx="0" cy="0"/>
+        </a:xfrm>
+      </p:grpSpPr>
+      <p:pic>
+        <p:nvPicPr>
+          <p:cNvPr id="22" name="Picture 6">
+            <a:extLst>
+              <a:ext uri="{FF2B5EF4-FFF2-40B4-BE49-F238E27FC236}">
+                <a16:creationId xmlns:a16="http://schemas.microsoft.com/office/drawing/2014/main" id="{5ED8E13D-9A76-452B-ABBF-FF9D45389F00}"/>
+              </a:ext>
+            </a:extLst>
+          </p:cNvPr>
+          <p:cNvPicPr>
+            <a:picLocks noChangeAspect="1" noChangeArrowheads="1"/>
+          </p:cNvPicPr>
+          <p:nvPr/>
+        </p:nvPicPr>
+        <p:blipFill>
+          <a:blip r:embed="rId3">
+            <a:extLst>
+              <a:ext uri="{28A0092B-C50C-407E-A947-70E740481C1C}">
+                <a14:useLocalDpi xmlns:a14="http://schemas.microsoft.com/office/drawing/2010/main" val="0"/>
+              </a:ext>
+            </a:extLst>
+          </a:blip>
+          <a:stretch>
+            <a:fillRect/>
+          </a:stretch>
+        </p:blipFill>
+        <p:spPr bwMode="auto">
+          <a:xfrm>
+            <a:off x="10564167" y="6353503"/>
+            <a:ext cx="1475682" cy="352753"/>
+          </a:xfrm>
+          <a:prstGeom prst="rect">
+            <a:avLst/>
+          </a:prstGeom>
+          <a:noFill/>
+          <a:extLst>
+            <a:ext uri="{909E8E84-426E-40DD-AFC4-6F175D3DCCD1}">
+              <a14:hiddenFill xmlns:a14="http://schemas.microsoft.com/office/drawing/2010/main">
+                <a:solidFill>
+                  <a:srgbClr val="FFFFFF"/>
+                </a:solidFill>
+              </a14:hiddenFill>
+            </a:ext>
+          </a:extLst>
+        </p:spPr>
+      </p:pic>
+      <p:sp>
+        <p:nvSpPr>
+          <p:cNvPr id="4" name="Titel 4">
+            <a:extLst>
+              <a:ext uri="{FF2B5EF4-FFF2-40B4-BE49-F238E27FC236}">
+                <a16:creationId xmlns:a16="http://schemas.microsoft.com/office/drawing/2014/main" id="{35CB33DA-6DBE-4BF3-BC43-3324FE4CDC5F}"/>
+              </a:ext>
+            </a:extLst>
+          </p:cNvPr>
+          <p:cNvSpPr>
+            <a:spLocks noGrp="1"/>
+          </p:cNvSpPr>
+          <p:nvPr>
+            <p:ph type="title"/>
+          </p:nvPr>
+        </p:nvSpPr>
+        <p:spPr>
+          <a:xfrm>
+            <a:off x="838200" y="365125"/>
+            <a:ext cx="10515600" cy="1325563"/>
+          </a:xfrm>
+        </p:spPr>
+        <p:txBody>
+          <a:bodyPr/>
+          <a:lstStyle/>
+          <a:p>
+            <a:pPr algn="ctr"/>
+            <a:r>
+              <a:rPr lang="de-DE" dirty="0"/>
+              <a:t>REST - Probleme</a:t>
+            </a:r>
+          </a:p>
+        </p:txBody>
+      </p:sp>
+      <p:sp>
+        <p:nvSpPr>
+          <p:cNvPr id="3" name="Textfeld 2">
+            <a:extLst>
+              <a:ext uri="{FF2B5EF4-FFF2-40B4-BE49-F238E27FC236}">
+                <a16:creationId xmlns:a16="http://schemas.microsoft.com/office/drawing/2014/main" id="{1B9DB959-4DD3-460F-A83D-A83B6D12EEFF}"/>
+              </a:ext>
+            </a:extLst>
+          </p:cNvPr>
+          <p:cNvSpPr txBox="1"/>
+          <p:nvPr/>
+        </p:nvSpPr>
+        <p:spPr>
+          <a:xfrm>
+            <a:off x="1249680" y="2099735"/>
+            <a:ext cx="7560788" cy="646331"/>
+          </a:xfrm>
+          <a:prstGeom prst="rect">
+            <a:avLst/>
+          </a:prstGeom>
+          <a:noFill/>
+        </p:spPr>
+        <p:txBody>
+          <a:bodyPr wrap="none" rtlCol="0">
+            <a:spAutoFit/>
+          </a:bodyPr>
+          <a:lstStyle/>
+          <a:p>
+            <a:r>
+              <a:rPr lang="de-DE" b="1" dirty="0" err="1"/>
+              <a:t>Underfetching</a:t>
+            </a:r>
+            <a:r>
+              <a:rPr lang="de-DE" dirty="0"/>
+              <a:t>: 	mehrere Aufrufe an verschiedene Endpoints sind nötig um </a:t>
+            </a:r>
+          </a:p>
+          <a:p>
+            <a:r>
+              <a:rPr lang="de-DE" dirty="0"/>
+              <a:t>		alle relevanten Informationen abzufragen</a:t>
+            </a:r>
+          </a:p>
+        </p:txBody>
+      </p:sp>
+      <p:sp>
+        <p:nvSpPr>
+          <p:cNvPr id="6" name="Textfeld 5">
+            <a:extLst>
+              <a:ext uri="{FF2B5EF4-FFF2-40B4-BE49-F238E27FC236}">
+                <a16:creationId xmlns:a16="http://schemas.microsoft.com/office/drawing/2014/main" id="{9C229089-E25E-4FCF-BEFC-522BE5308AD8}"/>
+              </a:ext>
+            </a:extLst>
+          </p:cNvPr>
+          <p:cNvSpPr txBox="1"/>
+          <p:nvPr/>
+        </p:nvSpPr>
+        <p:spPr>
+          <a:xfrm>
+            <a:off x="1249680" y="3155113"/>
+            <a:ext cx="7683450" cy="646331"/>
+          </a:xfrm>
+          <a:prstGeom prst="rect">
+            <a:avLst/>
+          </a:prstGeom>
+          <a:noFill/>
+        </p:spPr>
+        <p:txBody>
+          <a:bodyPr wrap="none" rtlCol="0">
+            <a:spAutoFit/>
+          </a:bodyPr>
+          <a:lstStyle/>
+          <a:p>
+            <a:r>
+              <a:rPr lang="de-DE" b="1" dirty="0" err="1"/>
+              <a:t>Overfetching</a:t>
+            </a:r>
+            <a:r>
+              <a:rPr lang="de-DE" dirty="0"/>
+              <a:t>: 	bei einem Aufruf kommen deutlich mehr Informationen mit </a:t>
+            </a:r>
+          </a:p>
+          <a:p>
+            <a:r>
+              <a:rPr lang="de-DE" dirty="0"/>
+              <a:t>		als eigentlich benötigt werden</a:t>
+            </a:r>
+          </a:p>
+        </p:txBody>
+      </p:sp>
+    </p:spTree>
+    <p:extLst>
+      <p:ext uri="{BB962C8B-B14F-4D97-AF65-F5344CB8AC3E}">
+        <p14:creationId xmlns:p14="http://schemas.microsoft.com/office/powerpoint/2010/main" val="648414245"/>
+      </p:ext>
+    </p:extLst>
+  </p:cSld>
+  <p:clrMapOvr>
+    <a:masterClrMapping/>
+  </p:clrMapOvr>
+  <p:timing>
+    <p:tnLst>
+      <p:par>
+        <p:cTn id="1" dur="indefinite" restart="never" nodeType="tmRoot">
+          <p:childTnLst>
+            <p:seq concurrent="1" nextAc="seek">
+              <p:cTn id="2" dur="indefinite" nodeType="mainSeq">
+                <p:childTnLst>
+                  <p:par>
+                    <p:cTn id="3" fill="hold">
+                      <p:stCondLst>
+                        <p:cond delay="indefinite"/>
+                      </p:stCondLst>
+                      <p:childTnLst>
+                        <p:par>
+                          <p:cTn id="4" fill="hold">
+                            <p:stCondLst>
+                              <p:cond delay="0"/>
+                            </p:stCondLst>
+                            <p:childTnLst>
+                              <p:par>
+                                <p:cTn id="5" presetID="1" presetClass="entr" presetSubtype="0" fill="hold" grpId="0" nodeType="clickEffect">
+                                  <p:stCondLst>
+                                    <p:cond delay="0"/>
+                                  </p:stCondLst>
+                                  <p:childTnLst>
+                                    <p:set>
+                                      <p:cBhvr>
+                                        <p:cTn id="6" dur="1" fill="hold">
+                                          <p:stCondLst>
+                                            <p:cond delay="0"/>
+                                          </p:stCondLst>
+                                        </p:cTn>
+                                        <p:tgtEl>
+                                          <p:spTgt spid="3"/>
+                                        </p:tgtEl>
+                                        <p:attrNameLst>
+                                          <p:attrName>style.visibility</p:attrName>
+                                        </p:attrNameLst>
+                                      </p:cBhvr>
+                                      <p:to>
+                                        <p:strVal val="visible"/>
+                                      </p:to>
+                                    </p:set>
+                                  </p:childTnLst>
+                                </p:cTn>
+                              </p:par>
+                            </p:childTnLst>
+                          </p:cTn>
+                        </p:par>
+                      </p:childTnLst>
+                    </p:cTn>
+                  </p:par>
+                  <p:par>
+                    <p:cTn id="7" fill="hold">
+                      <p:stCondLst>
+                        <p:cond delay="indefinite"/>
+                      </p:stCondLst>
+                      <p:childTnLst>
+                        <p:par>
+                          <p:cTn id="8" fill="hold">
+                            <p:stCondLst>
+                              <p:cond delay="0"/>
+                            </p:stCondLst>
+                            <p:childTnLst>
+                              <p:par>
+                                <p:cTn id="9" presetID="1" presetClass="entr" presetSubtype="0" fill="hold" grpId="0" nodeType="clickEffect">
+                                  <p:stCondLst>
+                                    <p:cond delay="0"/>
+                                  </p:stCondLst>
+                                  <p:childTnLst>
+                                    <p:set>
+                                      <p:cBhvr>
+                                        <p:cTn id="10" dur="1" fill="hold">
+                                          <p:stCondLst>
+                                            <p:cond delay="0"/>
+                                          </p:stCondLst>
+                                        </p:cTn>
+                                        <p:tgtEl>
+                                          <p:spTgt spid="6"/>
+                                        </p:tgtEl>
+                                        <p:attrNameLst>
+                                          <p:attrName>style.visibility</p:attrName>
+                                        </p:attrNameLst>
+                                      </p:cBhvr>
+                                      <p:to>
+                                        <p:strVal val="visible"/>
+                                      </p:to>
+                                    </p:set>
+                                  </p:childTnLst>
+                                </p:cTn>
+                              </p:par>
+                            </p:childTnLst>
+                          </p:cTn>
+                        </p:par>
+                      </p:childTnLst>
+                    </p:cTn>
+                  </p:par>
+                </p:childTnLst>
+              </p:cTn>
+              <p:prevCondLst>
+                <p:cond evt="onPrev" delay="0">
+                  <p:tgtEl>
+                    <p:sldTgt/>
+                  </p:tgtEl>
+                </p:cond>
+              </p:prevCondLst>
+              <p:nextCondLst>
+                <p:cond evt="onNext" delay="0">
+                  <p:tgtEl>
+                    <p:sldTgt/>
+                  </p:tgtEl>
+                </p:cond>
+              </p:nextCondLst>
+            </p:seq>
+          </p:childTnLst>
+        </p:cTn>
+      </p:par>
+    </p:tnLst>
+    <p:bldLst>
+      <p:bldP spid="3" grpId="0"/>
+      <p:bldP spid="6" grpId="0"/>
+    </p:bldLst>
+  </p:timing>
+</p:sld>
+</file>
+
+<file path=ppt/slides/slide7.xml><?xml version="1.0" encoding="utf-8"?>
 <p:sld xmlns:a="http://schemas.openxmlformats.org/drawingml/2006/main" xmlns:r="http://schemas.openxmlformats.org/officeDocument/2006/relationships" xmlns:p="http://schemas.openxmlformats.org/presentationml/2006/main">
   <p:cSld>
     <p:bg>
@@ -26549,7 +28024,7 @@
 </p:sld>
 </file>
 
-<file path=ppt/slides/slide6.xml><?xml version="1.0" encoding="utf-8"?>
+<file path=ppt/slides/slide8.xml><?xml version="1.0" encoding="utf-8"?>
 <p:sld xmlns:a="http://schemas.openxmlformats.org/drawingml/2006/main" xmlns:r="http://schemas.openxmlformats.org/officeDocument/2006/relationships" xmlns:p="http://schemas.openxmlformats.org/presentationml/2006/main">
   <p:cSld>
     <p:bg>
@@ -26745,7 +28220,7 @@
 </p:sld>
 </file>
 
-<file path=ppt/slides/slide7.xml><?xml version="1.0" encoding="utf-8"?>
+<file path=ppt/slides/slide9.xml><?xml version="1.0" encoding="utf-8"?>
 <p:sld xmlns:a="http://schemas.openxmlformats.org/drawingml/2006/main" xmlns:r="http://schemas.openxmlformats.org/officeDocument/2006/relationships" xmlns:p="http://schemas.openxmlformats.org/presentationml/2006/main">
   <p:cSld>
     <p:bg>
@@ -27584,925 +29059,6 @@
       <p:bldP spid="7" grpId="0"/>
     </p:bldLst>
   </p:timing>
-</p:sld>
-</file>
-
-<file path=ppt/slides/slide8.xml><?xml version="1.0" encoding="utf-8"?>
-<p:sld xmlns:a="http://schemas.openxmlformats.org/drawingml/2006/main" xmlns:r="http://schemas.openxmlformats.org/officeDocument/2006/relationships" xmlns:p="http://schemas.openxmlformats.org/presentationml/2006/main">
-  <p:cSld>
-    <p:bg>
-      <p:bgPr>
-        <a:solidFill>
-          <a:schemeClr val="bg1"/>
-        </a:solidFill>
-        <a:effectLst/>
-      </p:bgPr>
-    </p:bg>
-    <p:spTree>
-      <p:nvGrpSpPr>
-        <p:cNvPr id="1" name=""/>
-        <p:cNvGrpSpPr/>
-        <p:nvPr/>
-      </p:nvGrpSpPr>
-      <p:grpSpPr>
-        <a:xfrm>
-          <a:off x="0" y="0"/>
-          <a:ext cx="0" cy="0"/>
-          <a:chOff x="0" y="0"/>
-          <a:chExt cx="0" cy="0"/>
-        </a:xfrm>
-      </p:grpSpPr>
-      <p:sp>
-        <p:nvSpPr>
-          <p:cNvPr id="7" name="Rechteck 6">
-            <a:extLst>
-              <a:ext uri="{FF2B5EF4-FFF2-40B4-BE49-F238E27FC236}">
-                <a16:creationId xmlns:a16="http://schemas.microsoft.com/office/drawing/2014/main" id="{EA030FA5-D32F-4568-B2D5-AFE0D1428D14}"/>
-              </a:ext>
-            </a:extLst>
-          </p:cNvPr>
-          <p:cNvSpPr/>
-          <p:nvPr/>
-        </p:nvSpPr>
-        <p:spPr>
-          <a:xfrm>
-            <a:off x="3924014" y="2551837"/>
-            <a:ext cx="4343972" cy="1754326"/>
-          </a:xfrm>
-          <a:prstGeom prst="rect">
-            <a:avLst/>
-          </a:prstGeom>
-        </p:spPr>
-        <p:txBody>
-          <a:bodyPr wrap="square">
-            <a:spAutoFit/>
-          </a:bodyPr>
-          <a:lstStyle/>
-          <a:p>
-            <a:r>
-              <a:rPr lang="en-US" dirty="0">
-                <a:solidFill>
-                  <a:srgbClr val="7B30D0"/>
-                </a:solidFill>
-                <a:latin typeface="Fira Code" panose="020B0509050000020004" pitchFamily="49" charset="0"/>
-              </a:rPr>
-              <a:t>query</a:t>
-            </a:r>
-            <a:r>
-              <a:rPr lang="en-US" dirty="0">
-                <a:solidFill>
-                  <a:srgbClr val="236EBF"/>
-                </a:solidFill>
-                <a:latin typeface="Fira Code" panose="020B0509050000020004" pitchFamily="49" charset="0"/>
-              </a:rPr>
-              <a:t> </a:t>
-            </a:r>
-            <a:r>
-              <a:rPr lang="en-US" dirty="0" err="1">
-                <a:solidFill>
-                  <a:srgbClr val="B1108E"/>
-                </a:solidFill>
-                <a:latin typeface="Fira Code" panose="020B0509050000020004" pitchFamily="49" charset="0"/>
-              </a:rPr>
-              <a:t>PostsTitleAndContent</a:t>
-            </a:r>
-            <a:r>
-              <a:rPr lang="en-US" dirty="0">
-                <a:solidFill>
-                  <a:srgbClr val="236EBF"/>
-                </a:solidFill>
-                <a:latin typeface="Fira Code" panose="020B0509050000020004" pitchFamily="49" charset="0"/>
-              </a:rPr>
-              <a:t> {</a:t>
-            </a:r>
-          </a:p>
-          <a:p>
-            <a:r>
-              <a:rPr lang="en-US" dirty="0">
-                <a:solidFill>
-                  <a:srgbClr val="2F86D2"/>
-                </a:solidFill>
-                <a:latin typeface="Fira Code" panose="020B0509050000020004" pitchFamily="49" charset="0"/>
-              </a:rPr>
-              <a:t>  posts</a:t>
-            </a:r>
-            <a:r>
-              <a:rPr lang="en-US" dirty="0">
-                <a:solidFill>
-                  <a:srgbClr val="236EBF"/>
-                </a:solidFill>
-                <a:latin typeface="Fira Code" panose="020B0509050000020004" pitchFamily="49" charset="0"/>
-              </a:rPr>
-              <a:t> {</a:t>
-            </a:r>
-          </a:p>
-          <a:p>
-            <a:r>
-              <a:rPr lang="en-US" dirty="0">
-                <a:solidFill>
-                  <a:srgbClr val="2F86D2"/>
-                </a:solidFill>
-                <a:latin typeface="Fira Code" panose="020B0509050000020004" pitchFamily="49" charset="0"/>
-              </a:rPr>
-              <a:t>    title</a:t>
-            </a:r>
-            <a:endParaRPr lang="en-US" dirty="0">
-              <a:solidFill>
-                <a:srgbClr val="236EBF"/>
-              </a:solidFill>
-              <a:latin typeface="Fira Code" panose="020B0509050000020004" pitchFamily="49" charset="0"/>
-            </a:endParaRPr>
-          </a:p>
-          <a:p>
-            <a:r>
-              <a:rPr lang="en-US" dirty="0">
-                <a:solidFill>
-                  <a:srgbClr val="2F86D2"/>
-                </a:solidFill>
-                <a:latin typeface="Fira Code" panose="020B0509050000020004" pitchFamily="49" charset="0"/>
-              </a:rPr>
-              <a:t>    content</a:t>
-            </a:r>
-            <a:endParaRPr lang="en-US" dirty="0">
-              <a:solidFill>
-                <a:srgbClr val="236EBF"/>
-              </a:solidFill>
-              <a:latin typeface="Fira Code" panose="020B0509050000020004" pitchFamily="49" charset="0"/>
-            </a:endParaRPr>
-          </a:p>
-          <a:p>
-            <a:r>
-              <a:rPr lang="en-US" dirty="0">
-                <a:solidFill>
-                  <a:srgbClr val="236EBF"/>
-                </a:solidFill>
-                <a:latin typeface="Fira Code" panose="020B0509050000020004" pitchFamily="49" charset="0"/>
-              </a:rPr>
-              <a:t>  }</a:t>
-            </a:r>
-          </a:p>
-          <a:p>
-            <a:r>
-              <a:rPr lang="en-US" dirty="0">
-                <a:solidFill>
-                  <a:srgbClr val="236EBF"/>
-                </a:solidFill>
-                <a:latin typeface="Fira Code" panose="020B0509050000020004" pitchFamily="49" charset="0"/>
-              </a:rPr>
-              <a:t>}</a:t>
-            </a:r>
-          </a:p>
-        </p:txBody>
-      </p:sp>
-      <p:pic>
-        <p:nvPicPr>
-          <p:cNvPr id="3" name="Picture 6">
-            <a:extLst>
-              <a:ext uri="{FF2B5EF4-FFF2-40B4-BE49-F238E27FC236}">
-                <a16:creationId xmlns:a16="http://schemas.microsoft.com/office/drawing/2014/main" id="{95304938-8737-439A-B18B-96DED9B54370}"/>
-              </a:ext>
-            </a:extLst>
-          </p:cNvPr>
-          <p:cNvPicPr>
-            <a:picLocks noChangeAspect="1" noChangeArrowheads="1"/>
-          </p:cNvPicPr>
-          <p:nvPr/>
-        </p:nvPicPr>
-        <p:blipFill>
-          <a:blip r:embed="rId3">
-            <a:extLst>
-              <a:ext uri="{28A0092B-C50C-407E-A947-70E740481C1C}">
-                <a14:useLocalDpi xmlns:a14="http://schemas.microsoft.com/office/drawing/2010/main" val="0"/>
-              </a:ext>
-            </a:extLst>
-          </a:blip>
-          <a:stretch>
-            <a:fillRect/>
-          </a:stretch>
-        </p:blipFill>
-        <p:spPr bwMode="auto">
-          <a:xfrm>
-            <a:off x="10564167" y="6353503"/>
-            <a:ext cx="1475682" cy="352753"/>
-          </a:xfrm>
-          <a:prstGeom prst="rect">
-            <a:avLst/>
-          </a:prstGeom>
-          <a:noFill/>
-          <a:extLst>
-            <a:ext uri="{909E8E84-426E-40DD-AFC4-6F175D3DCCD1}">
-              <a14:hiddenFill xmlns:a14="http://schemas.microsoft.com/office/drawing/2010/main">
-                <a:solidFill>
-                  <a:srgbClr val="FFFFFF"/>
-                </a:solidFill>
-              </a14:hiddenFill>
-            </a:ext>
-          </a:extLst>
-        </p:spPr>
-      </p:pic>
-      <p:sp>
-        <p:nvSpPr>
-          <p:cNvPr id="6" name="Titel 4">
-            <a:extLst>
-              <a:ext uri="{FF2B5EF4-FFF2-40B4-BE49-F238E27FC236}">
-                <a16:creationId xmlns:a16="http://schemas.microsoft.com/office/drawing/2014/main" id="{13D31E87-1475-444D-B032-F4D3721C269A}"/>
-              </a:ext>
-            </a:extLst>
-          </p:cNvPr>
-          <p:cNvSpPr>
-            <a:spLocks noGrp="1"/>
-          </p:cNvSpPr>
-          <p:nvPr>
-            <p:ph type="title"/>
-          </p:nvPr>
-        </p:nvSpPr>
-        <p:spPr>
-          <a:xfrm>
-            <a:off x="838200" y="365125"/>
-            <a:ext cx="10515600" cy="1325563"/>
-          </a:xfrm>
-        </p:spPr>
-        <p:txBody>
-          <a:bodyPr/>
-          <a:lstStyle/>
-          <a:p>
-            <a:pPr algn="ctr"/>
-            <a:r>
-              <a:rPr lang="de-DE" dirty="0"/>
-              <a:t>Datenabfrage</a:t>
-            </a:r>
-          </a:p>
-        </p:txBody>
-      </p:sp>
-    </p:spTree>
-    <p:extLst>
-      <p:ext uri="{BB962C8B-B14F-4D97-AF65-F5344CB8AC3E}">
-        <p14:creationId xmlns:p14="http://schemas.microsoft.com/office/powerpoint/2010/main" val="3672302930"/>
-      </p:ext>
-    </p:extLst>
-  </p:cSld>
-  <p:clrMapOvr>
-    <a:masterClrMapping/>
-  </p:clrMapOvr>
-</p:sld>
-</file>
-
-<file path=ppt/slides/slide9.xml><?xml version="1.0" encoding="utf-8"?>
-<p:sld xmlns:a="http://schemas.openxmlformats.org/drawingml/2006/main" xmlns:r="http://schemas.openxmlformats.org/officeDocument/2006/relationships" xmlns:p="http://schemas.openxmlformats.org/presentationml/2006/main">
-  <p:cSld>
-    <p:bg>
-      <p:bgPr>
-        <a:solidFill>
-          <a:schemeClr val="bg1"/>
-        </a:solidFill>
-        <a:effectLst/>
-      </p:bgPr>
-    </p:bg>
-    <p:spTree>
-      <p:nvGrpSpPr>
-        <p:cNvPr id="1" name=""/>
-        <p:cNvGrpSpPr/>
-        <p:nvPr/>
-      </p:nvGrpSpPr>
-      <p:grpSpPr>
-        <a:xfrm>
-          <a:off x="0" y="0"/>
-          <a:ext cx="0" cy="0"/>
-          <a:chOff x="0" y="0"/>
-          <a:chExt cx="0" cy="0"/>
-        </a:xfrm>
-      </p:grpSpPr>
-      <p:sp>
-        <p:nvSpPr>
-          <p:cNvPr id="7" name="Rechteck 6">
-            <a:extLst>
-              <a:ext uri="{FF2B5EF4-FFF2-40B4-BE49-F238E27FC236}">
-                <a16:creationId xmlns:a16="http://schemas.microsoft.com/office/drawing/2014/main" id="{EA030FA5-D32F-4568-B2D5-AFE0D1428D14}"/>
-              </a:ext>
-            </a:extLst>
-          </p:cNvPr>
-          <p:cNvSpPr/>
-          <p:nvPr/>
-        </p:nvSpPr>
-        <p:spPr>
-          <a:xfrm>
-            <a:off x="3924014" y="2551837"/>
-            <a:ext cx="4343972" cy="1754326"/>
-          </a:xfrm>
-          <a:prstGeom prst="rect">
-            <a:avLst/>
-          </a:prstGeom>
-        </p:spPr>
-        <p:txBody>
-          <a:bodyPr wrap="square">
-            <a:spAutoFit/>
-          </a:bodyPr>
-          <a:lstStyle/>
-          <a:p>
-            <a:pPr marL="0" marR="0" lvl="0" indent="0" algn="l" defTabSz="914400" rtl="0" eaLnBrk="1" fontAlgn="auto" latinLnBrk="0" hangingPunct="1">
-              <a:lnSpc>
-                <a:spcPct val="100000"/>
-              </a:lnSpc>
-              <a:spcBef>
-                <a:spcPts val="0"/>
-              </a:spcBef>
-              <a:spcAft>
-                <a:spcPts val="0"/>
-              </a:spcAft>
-              <a:buClrTx/>
-              <a:buSzTx/>
-              <a:buFontTx/>
-              <a:buNone/>
-              <a:tabLst/>
-              <a:defRPr/>
-            </a:pPr>
-            <a:r>
-              <a:rPr lang="en-US" dirty="0">
-                <a:solidFill>
-                  <a:srgbClr val="7B30D0"/>
-                </a:solidFill>
-                <a:latin typeface="Fira Code" panose="020B0509050000020004" pitchFamily="49" charset="0"/>
-              </a:rPr>
-              <a:t>query</a:t>
-            </a:r>
-            <a:r>
-              <a:rPr kumimoji="0" lang="en-US" sz="1800" b="0" i="0" u="none" strike="noStrike" kern="1200" cap="none" spc="0" normalizeH="0" baseline="0" noProof="0" dirty="0">
-                <a:ln>
-                  <a:noFill/>
-                </a:ln>
-                <a:solidFill>
-                  <a:srgbClr val="F8F8F2"/>
-                </a:solidFill>
-                <a:effectLst/>
-                <a:uLnTx/>
-                <a:uFillTx/>
-                <a:latin typeface="Fira Code" panose="020B0509050000020004" pitchFamily="49" charset="0"/>
-                <a:ea typeface="+mn-ea"/>
-                <a:cs typeface="+mn-cs"/>
-              </a:rPr>
-              <a:t> </a:t>
-            </a:r>
-            <a:r>
-              <a:rPr kumimoji="0" lang="en-US" sz="1800" b="0" i="0" u="none" strike="noStrike" kern="1200" cap="none" spc="0" normalizeH="0" baseline="0" noProof="0" dirty="0" err="1">
-                <a:ln>
-                  <a:noFill/>
-                </a:ln>
-                <a:solidFill>
-                  <a:schemeClr val="bg2">
-                    <a:lumMod val="75000"/>
-                  </a:schemeClr>
-                </a:solidFill>
-                <a:effectLst/>
-                <a:uLnTx/>
-                <a:uFillTx/>
-                <a:latin typeface="Fira Code" panose="020B0509050000020004" pitchFamily="49" charset="0"/>
-                <a:ea typeface="+mn-ea"/>
-                <a:cs typeface="+mn-cs"/>
-              </a:rPr>
-              <a:t>PostsTitleAndContent</a:t>
-            </a:r>
-            <a:r>
-              <a:rPr kumimoji="0" lang="en-US" sz="1800" b="0" i="0" u="none" strike="noStrike" kern="1200" cap="none" spc="0" normalizeH="0" baseline="0" noProof="0" dirty="0">
-                <a:ln>
-                  <a:noFill/>
-                </a:ln>
-                <a:solidFill>
-                  <a:schemeClr val="bg2">
-                    <a:lumMod val="75000"/>
-                  </a:schemeClr>
-                </a:solidFill>
-                <a:effectLst/>
-                <a:uLnTx/>
-                <a:uFillTx/>
-                <a:latin typeface="Fira Code" panose="020B0509050000020004" pitchFamily="49" charset="0"/>
-                <a:ea typeface="+mn-ea"/>
-                <a:cs typeface="+mn-cs"/>
-              </a:rPr>
-              <a:t> {</a:t>
-            </a:r>
-          </a:p>
-          <a:p>
-            <a:pPr marL="0" marR="0" lvl="0" indent="0" algn="l" defTabSz="914400" rtl="0" eaLnBrk="1" fontAlgn="auto" latinLnBrk="0" hangingPunct="1">
-              <a:lnSpc>
-                <a:spcPct val="100000"/>
-              </a:lnSpc>
-              <a:spcBef>
-                <a:spcPts val="0"/>
-              </a:spcBef>
-              <a:spcAft>
-                <a:spcPts val="0"/>
-              </a:spcAft>
-              <a:buClrTx/>
-              <a:buSzTx/>
-              <a:buFontTx/>
-              <a:buNone/>
-              <a:tabLst/>
-              <a:defRPr/>
-            </a:pPr>
-            <a:r>
-              <a:rPr kumimoji="0" lang="en-US" sz="1800" b="0" i="0" u="none" strike="noStrike" kern="1200" cap="none" spc="0" normalizeH="0" baseline="0" noProof="0" dirty="0">
-                <a:ln>
-                  <a:noFill/>
-                </a:ln>
-                <a:solidFill>
-                  <a:schemeClr val="bg2">
-                    <a:lumMod val="75000"/>
-                  </a:schemeClr>
-                </a:solidFill>
-                <a:effectLst/>
-                <a:uLnTx/>
-                <a:uFillTx/>
-                <a:latin typeface="Fira Code" panose="020B0509050000020004" pitchFamily="49" charset="0"/>
-                <a:ea typeface="+mn-ea"/>
-                <a:cs typeface="+mn-cs"/>
-              </a:rPr>
-              <a:t>  posts {</a:t>
-            </a:r>
-          </a:p>
-          <a:p>
-            <a:pPr marL="0" marR="0" lvl="0" indent="0" algn="l" defTabSz="914400" rtl="0" eaLnBrk="1" fontAlgn="auto" latinLnBrk="0" hangingPunct="1">
-              <a:lnSpc>
-                <a:spcPct val="100000"/>
-              </a:lnSpc>
-              <a:spcBef>
-                <a:spcPts val="0"/>
-              </a:spcBef>
-              <a:spcAft>
-                <a:spcPts val="0"/>
-              </a:spcAft>
-              <a:buClrTx/>
-              <a:buSzTx/>
-              <a:buFontTx/>
-              <a:buNone/>
-              <a:tabLst/>
-              <a:defRPr/>
-            </a:pPr>
-            <a:r>
-              <a:rPr kumimoji="0" lang="en-US" sz="1800" b="0" i="0" u="none" strike="noStrike" kern="1200" cap="none" spc="0" normalizeH="0" baseline="0" noProof="0" dirty="0">
-                <a:ln>
-                  <a:noFill/>
-                </a:ln>
-                <a:solidFill>
-                  <a:schemeClr val="bg2">
-                    <a:lumMod val="75000"/>
-                  </a:schemeClr>
-                </a:solidFill>
-                <a:effectLst/>
-                <a:uLnTx/>
-                <a:uFillTx/>
-                <a:latin typeface="Fira Code" panose="020B0509050000020004" pitchFamily="49" charset="0"/>
-                <a:ea typeface="+mn-ea"/>
-                <a:cs typeface="+mn-cs"/>
-              </a:rPr>
-              <a:t>    title</a:t>
-            </a:r>
-          </a:p>
-          <a:p>
-            <a:pPr marL="0" marR="0" lvl="0" indent="0" algn="l" defTabSz="914400" rtl="0" eaLnBrk="1" fontAlgn="auto" latinLnBrk="0" hangingPunct="1">
-              <a:lnSpc>
-                <a:spcPct val="100000"/>
-              </a:lnSpc>
-              <a:spcBef>
-                <a:spcPts val="0"/>
-              </a:spcBef>
-              <a:spcAft>
-                <a:spcPts val="0"/>
-              </a:spcAft>
-              <a:buClrTx/>
-              <a:buSzTx/>
-              <a:buFontTx/>
-              <a:buNone/>
-              <a:tabLst/>
-              <a:defRPr/>
-            </a:pPr>
-            <a:r>
-              <a:rPr kumimoji="0" lang="en-US" sz="1800" b="0" i="0" u="none" strike="noStrike" kern="1200" cap="none" spc="0" normalizeH="0" baseline="0" noProof="0" dirty="0">
-                <a:ln>
-                  <a:noFill/>
-                </a:ln>
-                <a:solidFill>
-                  <a:schemeClr val="bg2">
-                    <a:lumMod val="75000"/>
-                  </a:schemeClr>
-                </a:solidFill>
-                <a:effectLst/>
-                <a:uLnTx/>
-                <a:uFillTx/>
-                <a:latin typeface="Fira Code" panose="020B0509050000020004" pitchFamily="49" charset="0"/>
-                <a:ea typeface="+mn-ea"/>
-                <a:cs typeface="+mn-cs"/>
-              </a:rPr>
-              <a:t>    content</a:t>
-            </a:r>
-          </a:p>
-          <a:p>
-            <a:pPr marL="0" marR="0" lvl="0" indent="0" algn="l" defTabSz="914400" rtl="0" eaLnBrk="1" fontAlgn="auto" latinLnBrk="0" hangingPunct="1">
-              <a:lnSpc>
-                <a:spcPct val="100000"/>
-              </a:lnSpc>
-              <a:spcBef>
-                <a:spcPts val="0"/>
-              </a:spcBef>
-              <a:spcAft>
-                <a:spcPts val="0"/>
-              </a:spcAft>
-              <a:buClrTx/>
-              <a:buSzTx/>
-              <a:buFontTx/>
-              <a:buNone/>
-              <a:tabLst/>
-              <a:defRPr/>
-            </a:pPr>
-            <a:r>
-              <a:rPr kumimoji="0" lang="en-US" sz="1800" b="0" i="0" u="none" strike="noStrike" kern="1200" cap="none" spc="0" normalizeH="0" baseline="0" noProof="0" dirty="0">
-                <a:ln>
-                  <a:noFill/>
-                </a:ln>
-                <a:solidFill>
-                  <a:schemeClr val="bg2">
-                    <a:lumMod val="75000"/>
-                  </a:schemeClr>
-                </a:solidFill>
-                <a:effectLst/>
-                <a:uLnTx/>
-                <a:uFillTx/>
-                <a:latin typeface="Fira Code" panose="020B0509050000020004" pitchFamily="49" charset="0"/>
-                <a:ea typeface="+mn-ea"/>
-                <a:cs typeface="+mn-cs"/>
-              </a:rPr>
-              <a:t>  }</a:t>
-            </a:r>
-          </a:p>
-          <a:p>
-            <a:pPr marL="0" marR="0" lvl="0" indent="0" algn="l" defTabSz="914400" rtl="0" eaLnBrk="1" fontAlgn="auto" latinLnBrk="0" hangingPunct="1">
-              <a:lnSpc>
-                <a:spcPct val="100000"/>
-              </a:lnSpc>
-              <a:spcBef>
-                <a:spcPts val="0"/>
-              </a:spcBef>
-              <a:spcAft>
-                <a:spcPts val="0"/>
-              </a:spcAft>
-              <a:buClrTx/>
-              <a:buSzTx/>
-              <a:buFontTx/>
-              <a:buNone/>
-              <a:tabLst/>
-              <a:defRPr/>
-            </a:pPr>
-            <a:r>
-              <a:rPr kumimoji="0" lang="en-US" sz="1800" b="0" i="0" u="none" strike="noStrike" kern="1200" cap="none" spc="0" normalizeH="0" baseline="0" noProof="0" dirty="0">
-                <a:ln>
-                  <a:noFill/>
-                </a:ln>
-                <a:solidFill>
-                  <a:schemeClr val="bg2">
-                    <a:lumMod val="75000"/>
-                  </a:schemeClr>
-                </a:solidFill>
-                <a:effectLst/>
-                <a:uLnTx/>
-                <a:uFillTx/>
-                <a:latin typeface="Fira Code" panose="020B0509050000020004" pitchFamily="49" charset="0"/>
-                <a:ea typeface="+mn-ea"/>
-                <a:cs typeface="+mn-cs"/>
-              </a:rPr>
-              <a:t>}</a:t>
-            </a:r>
-          </a:p>
-        </p:txBody>
-      </p:sp>
-      <p:sp>
-        <p:nvSpPr>
-          <p:cNvPr id="2" name="Rechteck 1">
-            <a:extLst>
-              <a:ext uri="{FF2B5EF4-FFF2-40B4-BE49-F238E27FC236}">
-                <a16:creationId xmlns:a16="http://schemas.microsoft.com/office/drawing/2014/main" id="{C0C89332-EAA2-45A9-8A22-9B4244C56635}"/>
-              </a:ext>
-            </a:extLst>
-          </p:cNvPr>
-          <p:cNvSpPr/>
-          <p:nvPr/>
-        </p:nvSpPr>
-        <p:spPr>
-          <a:xfrm>
-            <a:off x="3430719" y="1354411"/>
-            <a:ext cx="1835675" cy="419387"/>
-          </a:xfrm>
-          <a:prstGeom prst="rect">
-            <a:avLst/>
-          </a:prstGeom>
-          <a:noFill/>
-          <a:ln w="12700">
-            <a:solidFill>
-              <a:srgbClr val="7B30D0"/>
-            </a:solidFill>
-          </a:ln>
-        </p:spPr>
-        <p:style>
-          <a:lnRef idx="0">
-            <a:scrgbClr r="0" g="0" b="0"/>
-          </a:lnRef>
-          <a:fillRef idx="0">
-            <a:scrgbClr r="0" g="0" b="0"/>
-          </a:fillRef>
-          <a:effectRef idx="0">
-            <a:scrgbClr r="0" g="0" b="0"/>
-          </a:effectRef>
-          <a:fontRef idx="minor">
-            <a:schemeClr val="dk1"/>
-          </a:fontRef>
-        </p:style>
-        <p:txBody>
-          <a:bodyPr rtlCol="0" anchor="ctr"/>
-          <a:lstStyle/>
-          <a:p>
-            <a:pPr marL="0" marR="0" lvl="0" indent="0" algn="ctr" defTabSz="914400" rtl="0" eaLnBrk="1" fontAlgn="auto" latinLnBrk="0" hangingPunct="1">
-              <a:lnSpc>
-                <a:spcPct val="100000"/>
-              </a:lnSpc>
-              <a:spcBef>
-                <a:spcPts val="0"/>
-              </a:spcBef>
-              <a:spcAft>
-                <a:spcPts val="0"/>
-              </a:spcAft>
-              <a:buClrTx/>
-              <a:buSzTx/>
-              <a:buFontTx/>
-              <a:buNone/>
-              <a:tabLst/>
-              <a:defRPr/>
-            </a:pPr>
-            <a:r>
-              <a:rPr kumimoji="0" lang="de-DE" sz="1800" b="0" i="0" u="none" strike="noStrike" kern="1200" cap="none" spc="0" normalizeH="0" baseline="0" noProof="0" dirty="0">
-                <a:ln>
-                  <a:noFill/>
-                </a:ln>
-                <a:solidFill>
-                  <a:srgbClr val="7B30D0"/>
-                </a:solidFill>
-                <a:effectLst/>
-                <a:uLnTx/>
-                <a:uFillTx/>
-                <a:latin typeface="Calibri" panose="020F0502020204030204"/>
-                <a:ea typeface="+mn-ea"/>
-                <a:cs typeface="+mn-cs"/>
-              </a:rPr>
-              <a:t>Operation Type</a:t>
-            </a:r>
-          </a:p>
-        </p:txBody>
-      </p:sp>
-      <p:cxnSp>
-        <p:nvCxnSpPr>
-          <p:cNvPr id="4" name="Gerade Verbindung mit Pfeil 3">
-            <a:extLst>
-              <a:ext uri="{FF2B5EF4-FFF2-40B4-BE49-F238E27FC236}">
-                <a16:creationId xmlns:a16="http://schemas.microsoft.com/office/drawing/2014/main" id="{45F2B197-C07B-41D3-B398-F9D12F240DED}"/>
-              </a:ext>
-            </a:extLst>
-          </p:cNvPr>
-          <p:cNvCxnSpPr>
-            <a:stCxn id="2" idx="2"/>
-          </p:cNvCxnSpPr>
-          <p:nvPr/>
-        </p:nvCxnSpPr>
-        <p:spPr>
-          <a:xfrm flipH="1">
-            <a:off x="4338244" y="1773798"/>
-            <a:ext cx="10313" cy="778039"/>
-          </a:xfrm>
-          <a:prstGeom prst="straightConnector1">
-            <a:avLst/>
-          </a:prstGeom>
-          <a:ln w="12700">
-            <a:solidFill>
-              <a:srgbClr val="7B30D0"/>
-            </a:solidFill>
-            <a:tailEnd type="triangle"/>
-          </a:ln>
-        </p:spPr>
-        <p:style>
-          <a:lnRef idx="1">
-            <a:schemeClr val="accent1"/>
-          </a:lnRef>
-          <a:fillRef idx="0">
-            <a:schemeClr val="accent1"/>
-          </a:fillRef>
-          <a:effectRef idx="0">
-            <a:schemeClr val="accent1"/>
-          </a:effectRef>
-          <a:fontRef idx="minor">
-            <a:schemeClr val="tx1"/>
-          </a:fontRef>
-        </p:style>
-      </p:cxnSp>
-      <p:pic>
-        <p:nvPicPr>
-          <p:cNvPr id="5" name="Picture 6">
-            <a:extLst>
-              <a:ext uri="{FF2B5EF4-FFF2-40B4-BE49-F238E27FC236}">
-                <a16:creationId xmlns:a16="http://schemas.microsoft.com/office/drawing/2014/main" id="{BB9C04D6-F394-4D1E-96D2-ADEB04F78FEB}"/>
-              </a:ext>
-            </a:extLst>
-          </p:cNvPr>
-          <p:cNvPicPr>
-            <a:picLocks noChangeAspect="1" noChangeArrowheads="1"/>
-          </p:cNvPicPr>
-          <p:nvPr/>
-        </p:nvPicPr>
-        <p:blipFill>
-          <a:blip r:embed="rId2">
-            <a:extLst>
-              <a:ext uri="{28A0092B-C50C-407E-A947-70E740481C1C}">
-                <a14:useLocalDpi xmlns:a14="http://schemas.microsoft.com/office/drawing/2010/main" val="0"/>
-              </a:ext>
-            </a:extLst>
-          </a:blip>
-          <a:stretch>
-            <a:fillRect/>
-          </a:stretch>
-        </p:blipFill>
-        <p:spPr bwMode="auto">
-          <a:xfrm>
-            <a:off x="10564167" y="6353503"/>
-            <a:ext cx="1475682" cy="352753"/>
-          </a:xfrm>
-          <a:prstGeom prst="rect">
-            <a:avLst/>
-          </a:prstGeom>
-          <a:noFill/>
-          <a:extLst>
-            <a:ext uri="{909E8E84-426E-40DD-AFC4-6F175D3DCCD1}">
-              <a14:hiddenFill xmlns:a14="http://schemas.microsoft.com/office/drawing/2010/main">
-                <a:solidFill>
-                  <a:srgbClr val="FFFFFF"/>
-                </a:solidFill>
-              </a14:hiddenFill>
-            </a:ext>
-          </a:extLst>
-        </p:spPr>
-      </p:pic>
-      <p:sp>
-        <p:nvSpPr>
-          <p:cNvPr id="6" name="Titel 4">
-            <a:extLst>
-              <a:ext uri="{FF2B5EF4-FFF2-40B4-BE49-F238E27FC236}">
-                <a16:creationId xmlns:a16="http://schemas.microsoft.com/office/drawing/2014/main" id="{F4454CB3-97CF-4EAD-B669-9BD58C834AF4}"/>
-              </a:ext>
-            </a:extLst>
-          </p:cNvPr>
-          <p:cNvSpPr>
-            <a:spLocks noGrp="1"/>
-          </p:cNvSpPr>
-          <p:nvPr>
-            <p:ph type="title"/>
-          </p:nvPr>
-        </p:nvSpPr>
-        <p:spPr>
-          <a:xfrm>
-            <a:off x="838200" y="365125"/>
-            <a:ext cx="10515600" cy="1325563"/>
-          </a:xfrm>
-        </p:spPr>
-        <p:txBody>
-          <a:bodyPr/>
-          <a:lstStyle/>
-          <a:p>
-            <a:pPr algn="ctr"/>
-            <a:r>
-              <a:rPr lang="de-DE" dirty="0"/>
-              <a:t>Datenabfrage</a:t>
-            </a:r>
-          </a:p>
-        </p:txBody>
-      </p:sp>
-      <p:sp>
-        <p:nvSpPr>
-          <p:cNvPr id="3" name="Rechteck 2">
-            <a:extLst>
-              <a:ext uri="{FF2B5EF4-FFF2-40B4-BE49-F238E27FC236}">
-                <a16:creationId xmlns:a16="http://schemas.microsoft.com/office/drawing/2014/main" id="{7A71CF1B-35C7-44F9-AEE3-A57ED5FCE676}"/>
-              </a:ext>
-            </a:extLst>
-          </p:cNvPr>
-          <p:cNvSpPr/>
-          <p:nvPr/>
-        </p:nvSpPr>
-        <p:spPr>
-          <a:xfrm>
-            <a:off x="5208686" y="1383988"/>
-            <a:ext cx="1220783" cy="369332"/>
-          </a:xfrm>
-          <a:prstGeom prst="rect">
-            <a:avLst/>
-          </a:prstGeom>
-        </p:spPr>
-        <p:txBody>
-          <a:bodyPr wrap="none">
-            <a:spAutoFit/>
-          </a:bodyPr>
-          <a:lstStyle/>
-          <a:p>
-            <a:pPr algn="ctr">
-              <a:defRPr/>
-            </a:pPr>
-            <a:r>
-              <a:rPr lang="en-US" dirty="0">
-                <a:solidFill>
-                  <a:srgbClr val="7B30D0"/>
-                </a:solidFill>
-                <a:latin typeface="Calibri" panose="020F0502020204030204"/>
-              </a:rPr>
-              <a:t>(optional*)</a:t>
-            </a:r>
-            <a:endParaRPr lang="de-DE" dirty="0">
-              <a:solidFill>
-                <a:srgbClr val="7B30D0"/>
-              </a:solidFill>
-              <a:latin typeface="Calibri" panose="020F0502020204030204"/>
-            </a:endParaRPr>
-          </a:p>
-        </p:txBody>
-      </p:sp>
-      <p:sp>
-        <p:nvSpPr>
-          <p:cNvPr id="8" name="Rechteck 7">
-            <a:extLst>
-              <a:ext uri="{FF2B5EF4-FFF2-40B4-BE49-F238E27FC236}">
-                <a16:creationId xmlns:a16="http://schemas.microsoft.com/office/drawing/2014/main" id="{FB0D355D-11E3-4928-936A-ED901163972A}"/>
-              </a:ext>
-            </a:extLst>
-          </p:cNvPr>
-          <p:cNvSpPr/>
-          <p:nvPr/>
-        </p:nvSpPr>
-        <p:spPr>
-          <a:xfrm>
-            <a:off x="468166" y="5925124"/>
-            <a:ext cx="2156622" cy="369332"/>
-          </a:xfrm>
-          <a:prstGeom prst="rect">
-            <a:avLst/>
-          </a:prstGeom>
-        </p:spPr>
-        <p:txBody>
-          <a:bodyPr wrap="square">
-            <a:spAutoFit/>
-          </a:bodyPr>
-          <a:lstStyle/>
-          <a:p>
-            <a:pPr>
-              <a:defRPr/>
-            </a:pPr>
-            <a:r>
-              <a:rPr lang="en-US" dirty="0">
-                <a:solidFill>
-                  <a:srgbClr val="7B30D0"/>
-                </a:solidFill>
-                <a:latin typeface="Calibri" panose="020F0502020204030204"/>
-              </a:rPr>
-              <a:t>* </a:t>
-            </a:r>
-            <a:r>
-              <a:rPr lang="en-US" dirty="0" err="1">
-                <a:solidFill>
-                  <a:srgbClr val="7B30D0"/>
-                </a:solidFill>
-                <a:latin typeface="Calibri" panose="020F0502020204030204"/>
-              </a:rPr>
-              <a:t>Abgekürzte</a:t>
-            </a:r>
-            <a:r>
-              <a:rPr lang="en-US" dirty="0">
-                <a:solidFill>
-                  <a:srgbClr val="7B30D0"/>
-                </a:solidFill>
-                <a:latin typeface="Calibri" panose="020F0502020204030204"/>
-              </a:rPr>
-              <a:t> Syntax</a:t>
-            </a:r>
-            <a:endParaRPr lang="de-DE" dirty="0">
-              <a:solidFill>
-                <a:srgbClr val="7B30D0"/>
-              </a:solidFill>
-              <a:latin typeface="Calibri" panose="020F0502020204030204"/>
-            </a:endParaRPr>
-          </a:p>
-        </p:txBody>
-      </p:sp>
-    </p:spTree>
-    <p:extLst>
-      <p:ext uri="{BB962C8B-B14F-4D97-AF65-F5344CB8AC3E}">
-        <p14:creationId xmlns:p14="http://schemas.microsoft.com/office/powerpoint/2010/main" val="2354765338"/>
-      </p:ext>
-    </p:extLst>
-  </p:cSld>
-  <p:clrMapOvr>
-    <a:masterClrMapping/>
-  </p:clrMapOvr>
 </p:sld>
 </file>
 

--- a/slides/GraphqlSlides.pptx
+++ b/slides/GraphqlSlides.pptx
@@ -5,7 +5,7 @@
     <p:sldMasterId id="2147483648" r:id="rId1"/>
   </p:sldMasterIdLst>
   <p:notesMasterIdLst>
-    <p:notesMasterId r:id="rId56"/>
+    <p:notesMasterId r:id="rId57"/>
   </p:notesMasterIdLst>
   <p:sldIdLst>
     <p:sldId id="256" r:id="rId2"/>
@@ -15,53 +15,54 @@
     <p:sldId id="329" r:id="rId6"/>
     <p:sldId id="332" r:id="rId7"/>
     <p:sldId id="338" r:id="rId8"/>
-    <p:sldId id="287" r:id="rId9"/>
-    <p:sldId id="288" r:id="rId10"/>
-    <p:sldId id="305" r:id="rId11"/>
-    <p:sldId id="306" r:id="rId12"/>
-    <p:sldId id="307" r:id="rId13"/>
-    <p:sldId id="308" r:id="rId14"/>
-    <p:sldId id="309" r:id="rId15"/>
-    <p:sldId id="310" r:id="rId16"/>
-    <p:sldId id="311" r:id="rId17"/>
-    <p:sldId id="345" r:id="rId18"/>
-    <p:sldId id="281" r:id="rId19"/>
-    <p:sldId id="344" r:id="rId20"/>
-    <p:sldId id="323" r:id="rId21"/>
-    <p:sldId id="290" r:id="rId22"/>
-    <p:sldId id="291" r:id="rId23"/>
-    <p:sldId id="292" r:id="rId24"/>
-    <p:sldId id="293" r:id="rId25"/>
-    <p:sldId id="294" r:id="rId26"/>
-    <p:sldId id="333" r:id="rId27"/>
-    <p:sldId id="303" r:id="rId28"/>
-    <p:sldId id="273" r:id="rId29"/>
-    <p:sldId id="301" r:id="rId30"/>
-    <p:sldId id="302" r:id="rId31"/>
-    <p:sldId id="348" r:id="rId32"/>
-    <p:sldId id="334" r:id="rId33"/>
-    <p:sldId id="349" r:id="rId34"/>
-    <p:sldId id="266" r:id="rId35"/>
-    <p:sldId id="312" r:id="rId36"/>
-    <p:sldId id="331" r:id="rId37"/>
-    <p:sldId id="265" r:id="rId38"/>
-    <p:sldId id="316" r:id="rId39"/>
-    <p:sldId id="320" r:id="rId40"/>
-    <p:sldId id="321" r:id="rId41"/>
-    <p:sldId id="322" r:id="rId42"/>
-    <p:sldId id="335" r:id="rId43"/>
-    <p:sldId id="350" r:id="rId44"/>
-    <p:sldId id="313" r:id="rId45"/>
-    <p:sldId id="351" r:id="rId46"/>
-    <p:sldId id="279" r:id="rId47"/>
-    <p:sldId id="276" r:id="rId48"/>
-    <p:sldId id="268" r:id="rId49"/>
-    <p:sldId id="352" r:id="rId50"/>
-    <p:sldId id="330" r:id="rId51"/>
-    <p:sldId id="341" r:id="rId52"/>
-    <p:sldId id="343" r:id="rId53"/>
-    <p:sldId id="326" r:id="rId54"/>
-    <p:sldId id="270" r:id="rId55"/>
+    <p:sldId id="353" r:id="rId9"/>
+    <p:sldId id="287" r:id="rId10"/>
+    <p:sldId id="288" r:id="rId11"/>
+    <p:sldId id="305" r:id="rId12"/>
+    <p:sldId id="306" r:id="rId13"/>
+    <p:sldId id="307" r:id="rId14"/>
+    <p:sldId id="308" r:id="rId15"/>
+    <p:sldId id="309" r:id="rId16"/>
+    <p:sldId id="310" r:id="rId17"/>
+    <p:sldId id="311" r:id="rId18"/>
+    <p:sldId id="345" r:id="rId19"/>
+    <p:sldId id="281" r:id="rId20"/>
+    <p:sldId id="344" r:id="rId21"/>
+    <p:sldId id="323" r:id="rId22"/>
+    <p:sldId id="290" r:id="rId23"/>
+    <p:sldId id="291" r:id="rId24"/>
+    <p:sldId id="292" r:id="rId25"/>
+    <p:sldId id="293" r:id="rId26"/>
+    <p:sldId id="294" r:id="rId27"/>
+    <p:sldId id="333" r:id="rId28"/>
+    <p:sldId id="303" r:id="rId29"/>
+    <p:sldId id="273" r:id="rId30"/>
+    <p:sldId id="301" r:id="rId31"/>
+    <p:sldId id="302" r:id="rId32"/>
+    <p:sldId id="348" r:id="rId33"/>
+    <p:sldId id="334" r:id="rId34"/>
+    <p:sldId id="349" r:id="rId35"/>
+    <p:sldId id="266" r:id="rId36"/>
+    <p:sldId id="312" r:id="rId37"/>
+    <p:sldId id="331" r:id="rId38"/>
+    <p:sldId id="265" r:id="rId39"/>
+    <p:sldId id="316" r:id="rId40"/>
+    <p:sldId id="320" r:id="rId41"/>
+    <p:sldId id="321" r:id="rId42"/>
+    <p:sldId id="322" r:id="rId43"/>
+    <p:sldId id="335" r:id="rId44"/>
+    <p:sldId id="350" r:id="rId45"/>
+    <p:sldId id="313" r:id="rId46"/>
+    <p:sldId id="351" r:id="rId47"/>
+    <p:sldId id="279" r:id="rId48"/>
+    <p:sldId id="276" r:id="rId49"/>
+    <p:sldId id="268" r:id="rId50"/>
+    <p:sldId id="352" r:id="rId51"/>
+    <p:sldId id="330" r:id="rId52"/>
+    <p:sldId id="341" r:id="rId53"/>
+    <p:sldId id="343" r:id="rId54"/>
+    <p:sldId id="326" r:id="rId55"/>
+    <p:sldId id="270" r:id="rId56"/>
   </p:sldIdLst>
   <p:sldSz cx="12192000" cy="6858000"/>
   <p:notesSz cx="6858000" cy="9144000"/>
@@ -658,39 +659,17 @@
           <a:p>
             <a:r>
               <a:rPr lang="de-DE" dirty="0" err="1"/>
-              <a:t>Author</a:t>
+              <a:t>GraphQL</a:t>
             </a:r>
             <a:r>
               <a:rPr lang="de-DE" dirty="0"/>
-              <a:t> = </a:t>
-            </a:r>
-            <a:r>
-              <a:rPr lang="de-DE" dirty="0" err="1"/>
-              <a:t>Object</a:t>
-            </a:r>
+              <a:t> Services können prinzipiell in der Sprache geschrieben werden. Deswegen kann man sich bei der Schemadefinition nicht nur auf eine Sprachspezifische Syntax festlegen. </a:t>
+            </a:r>
+          </a:p>
+          <a:p>
             <a:r>
               <a:rPr lang="de-DE" dirty="0"/>
-              <a:t> Type =&gt; Typ mit einem oder mehreren Datenfeldern. Kommt am Häufigsten in einem Schema vor</a:t>
-            </a:r>
-          </a:p>
-          <a:p>
-            <a:r>
-              <a:rPr lang="de-DE" dirty="0"/>
-              <a:t>Name = Feld des </a:t>
-            </a:r>
-            <a:r>
-              <a:rPr lang="de-DE" dirty="0" err="1"/>
-              <a:t>Author</a:t>
-            </a:r>
-            <a:r>
-              <a:rPr lang="de-DE" dirty="0"/>
-              <a:t> Typs</a:t>
-            </a:r>
-          </a:p>
-          <a:p>
-            <a:r>
-              <a:rPr lang="de-DE" dirty="0"/>
-              <a:t>String = einer der eingebauten Scalar Typen von </a:t>
+              <a:t>Aus diesem Grund wurde die </a:t>
             </a:r>
             <a:r>
               <a:rPr lang="de-DE" dirty="0" err="1"/>
@@ -698,21 +677,15 @@
             </a:r>
             <a:r>
               <a:rPr lang="de-DE" dirty="0"/>
-              <a:t>, können keine Unterselektion mehr besitzen und lösen sich zu einem einzigen Wert auf</a:t>
-            </a:r>
-          </a:p>
-          <a:p>
+              <a:t> Schema </a:t>
+            </a:r>
+            <a:r>
+              <a:rPr lang="de-DE" dirty="0" err="1"/>
+              <a:t>language</a:t>
+            </a:r>
             <a:r>
               <a:rPr lang="de-DE" dirty="0"/>
-              <a:t>! = Das Feld ist nicht </a:t>
-            </a:r>
-            <a:r>
-              <a:rPr lang="de-DE" dirty="0" err="1"/>
-              <a:t>nullable</a:t>
-            </a:r>
-            <a:r>
-              <a:rPr lang="de-DE" dirty="0"/>
-              <a:t> =&gt; Server verspricht immer einen Wert zurück zu liefern</a:t>
+              <a:t> eingeführt. Sie ähnelt in einigen Teilen der Query Sprache und erlaubt es Schemas sprachagnostisch zu definieren.</a:t>
             </a:r>
           </a:p>
         </p:txBody>
@@ -734,7 +707,7 @@
           <a:p>
             <a:fld id="{4951A4F0-27A8-4C6D-A90A-FB4CDD31FFC6}" type="slidenum">
               <a:rPr lang="de-DE" smtClean="0"/>
-              <a:t>20</a:t>
+              <a:t>21</a:t>
             </a:fld>
             <a:endParaRPr lang="de-DE"/>
           </a:p>
@@ -797,64 +770,7 @@
           <a:bodyPr/>
           <a:lstStyle/>
           <a:p>
-            <a:r>
-              <a:rPr lang="de-DE" dirty="0" err="1"/>
-              <a:t>Author</a:t>
-            </a:r>
-            <a:r>
-              <a:rPr lang="de-DE" dirty="0"/>
-              <a:t> = </a:t>
-            </a:r>
-            <a:r>
-              <a:rPr lang="de-DE" dirty="0" err="1"/>
-              <a:t>Object</a:t>
-            </a:r>
-            <a:r>
-              <a:rPr lang="de-DE" dirty="0"/>
-              <a:t> Type =&gt; Typ mit einem oder mehreren Datenfeldern. Kommt am Häufigsten in einem Schema vor</a:t>
-            </a:r>
-          </a:p>
-          <a:p>
-            <a:r>
-              <a:rPr lang="de-DE" dirty="0"/>
-              <a:t>Name = Feld des </a:t>
-            </a:r>
-            <a:r>
-              <a:rPr lang="de-DE" dirty="0" err="1"/>
-              <a:t>Author</a:t>
-            </a:r>
-            <a:r>
-              <a:rPr lang="de-DE" dirty="0"/>
-              <a:t> Typs</a:t>
-            </a:r>
-          </a:p>
-          <a:p>
-            <a:r>
-              <a:rPr lang="de-DE" dirty="0"/>
-              <a:t>String = einer der eingebauten Scalar Typen von </a:t>
-            </a:r>
-            <a:r>
-              <a:rPr lang="de-DE" dirty="0" err="1"/>
-              <a:t>GraphQL</a:t>
-            </a:r>
-            <a:r>
-              <a:rPr lang="de-DE" dirty="0"/>
-              <a:t>, können keine Unterselektion mehr besitzen und lösen sich zu einem einzigen Wert auf</a:t>
-            </a:r>
-          </a:p>
-          <a:p>
-            <a:r>
-              <a:rPr lang="de-DE" dirty="0"/>
-              <a:t>! = Das Feld ist nicht </a:t>
-            </a:r>
-            <a:r>
-              <a:rPr lang="de-DE" dirty="0" err="1"/>
-              <a:t>nullable</a:t>
-            </a:r>
-            <a:r>
-              <a:rPr lang="de-DE" dirty="0"/>
-              <a:t> =&gt; Server verspricht immer einen Wert zurück zu liefern</a:t>
-            </a:r>
+            <a:endParaRPr lang="de-DE" dirty="0"/>
           </a:p>
         </p:txBody>
       </p:sp>
@@ -875,7 +791,7 @@
           <a:p>
             <a:fld id="{4951A4F0-27A8-4C6D-A90A-FB4CDD31FFC6}" type="slidenum">
               <a:rPr lang="de-DE" smtClean="0"/>
-              <a:t>21</a:t>
+              <a:t>22</a:t>
             </a:fld>
             <a:endParaRPr lang="de-DE"/>
           </a:p>
@@ -938,64 +854,7 @@
           <a:bodyPr/>
           <a:lstStyle/>
           <a:p>
-            <a:r>
-              <a:rPr lang="de-DE" dirty="0" err="1"/>
-              <a:t>Author</a:t>
-            </a:r>
-            <a:r>
-              <a:rPr lang="de-DE" dirty="0"/>
-              <a:t> = </a:t>
-            </a:r>
-            <a:r>
-              <a:rPr lang="de-DE" dirty="0" err="1"/>
-              <a:t>Object</a:t>
-            </a:r>
-            <a:r>
-              <a:rPr lang="de-DE" dirty="0"/>
-              <a:t> Type =&gt; Typ mit einem oder mehreren Datenfeldern. Kommt am Häufigsten in einem Schema vor</a:t>
-            </a:r>
-          </a:p>
-          <a:p>
-            <a:r>
-              <a:rPr lang="de-DE" dirty="0"/>
-              <a:t>Name = Feld des </a:t>
-            </a:r>
-            <a:r>
-              <a:rPr lang="de-DE" dirty="0" err="1"/>
-              <a:t>Author</a:t>
-            </a:r>
-            <a:r>
-              <a:rPr lang="de-DE" dirty="0"/>
-              <a:t> Typs</a:t>
-            </a:r>
-          </a:p>
-          <a:p>
-            <a:r>
-              <a:rPr lang="de-DE" dirty="0"/>
-              <a:t>String = einer der eingebauten Scalar Typen von </a:t>
-            </a:r>
-            <a:r>
-              <a:rPr lang="de-DE" dirty="0" err="1"/>
-              <a:t>GraphQL</a:t>
-            </a:r>
-            <a:r>
-              <a:rPr lang="de-DE" dirty="0"/>
-              <a:t>, können keine Unterselektion mehr besitzen und lösen sich zu einem einzigen Wert auf</a:t>
-            </a:r>
-          </a:p>
-          <a:p>
-            <a:r>
-              <a:rPr lang="de-DE" dirty="0"/>
-              <a:t>! = Das Feld ist nicht </a:t>
-            </a:r>
-            <a:r>
-              <a:rPr lang="de-DE" dirty="0" err="1"/>
-              <a:t>nullable</a:t>
-            </a:r>
-            <a:r>
-              <a:rPr lang="de-DE" dirty="0"/>
-              <a:t> =&gt; Server verspricht immer einen Wert zurück zu liefern</a:t>
-            </a:r>
+            <a:endParaRPr lang="de-DE" dirty="0"/>
           </a:p>
         </p:txBody>
       </p:sp>
@@ -1016,7 +875,7 @@
           <a:p>
             <a:fld id="{4951A4F0-27A8-4C6D-A90A-FB4CDD31FFC6}" type="slidenum">
               <a:rPr lang="de-DE" smtClean="0"/>
-              <a:t>22</a:t>
+              <a:t>23</a:t>
             </a:fld>
             <a:endParaRPr lang="de-DE"/>
           </a:p>
@@ -1079,64 +938,7 @@
           <a:bodyPr/>
           <a:lstStyle/>
           <a:p>
-            <a:r>
-              <a:rPr lang="de-DE" dirty="0" err="1"/>
-              <a:t>Author</a:t>
-            </a:r>
-            <a:r>
-              <a:rPr lang="de-DE" dirty="0"/>
-              <a:t> = </a:t>
-            </a:r>
-            <a:r>
-              <a:rPr lang="de-DE" dirty="0" err="1"/>
-              <a:t>Object</a:t>
-            </a:r>
-            <a:r>
-              <a:rPr lang="de-DE" dirty="0"/>
-              <a:t> Type =&gt; Typ mit einem oder mehreren Datenfeldern. Kommt am Häufigsten in einem Schema vor</a:t>
-            </a:r>
-          </a:p>
-          <a:p>
-            <a:r>
-              <a:rPr lang="de-DE" dirty="0"/>
-              <a:t>Name = Feld des </a:t>
-            </a:r>
-            <a:r>
-              <a:rPr lang="de-DE" dirty="0" err="1"/>
-              <a:t>Author</a:t>
-            </a:r>
-            <a:r>
-              <a:rPr lang="de-DE" dirty="0"/>
-              <a:t> Typs</a:t>
-            </a:r>
-          </a:p>
-          <a:p>
-            <a:r>
-              <a:rPr lang="de-DE" dirty="0"/>
-              <a:t>String = einer der eingebauten Scalar Typen von </a:t>
-            </a:r>
-            <a:r>
-              <a:rPr lang="de-DE" dirty="0" err="1"/>
-              <a:t>GraphQL</a:t>
-            </a:r>
-            <a:r>
-              <a:rPr lang="de-DE" dirty="0"/>
-              <a:t>, können keine Unterselektion mehr besitzen und lösen sich zu einem einzigen Wert auf</a:t>
-            </a:r>
-          </a:p>
-          <a:p>
-            <a:r>
-              <a:rPr lang="de-DE" dirty="0"/>
-              <a:t>! = Das Feld ist nicht </a:t>
-            </a:r>
-            <a:r>
-              <a:rPr lang="de-DE" dirty="0" err="1"/>
-              <a:t>nullable</a:t>
-            </a:r>
-            <a:r>
-              <a:rPr lang="de-DE" dirty="0"/>
-              <a:t> =&gt; Server verspricht immer einen Wert zurück zu liefern</a:t>
-            </a:r>
+            <a:endParaRPr lang="de-DE" dirty="0"/>
           </a:p>
         </p:txBody>
       </p:sp>
@@ -1157,7 +959,7 @@
           <a:p>
             <a:fld id="{4951A4F0-27A8-4C6D-A90A-FB4CDD31FFC6}" type="slidenum">
               <a:rPr lang="de-DE" smtClean="0"/>
-              <a:t>23</a:t>
+              <a:t>24</a:t>
             </a:fld>
             <a:endParaRPr lang="de-DE"/>
           </a:p>
@@ -1255,7 +1057,7 @@
           <a:p>
             <a:fld id="{4951A4F0-27A8-4C6D-A90A-FB4CDD31FFC6}" type="slidenum">
               <a:rPr lang="de-DE" smtClean="0"/>
-              <a:t>24</a:t>
+              <a:t>25</a:t>
             </a:fld>
             <a:endParaRPr lang="de-DE"/>
           </a:p>
@@ -1339,7 +1141,7 @@
           <a:p>
             <a:fld id="{4951A4F0-27A8-4C6D-A90A-FB4CDD31FFC6}" type="slidenum">
               <a:rPr lang="de-DE" smtClean="0"/>
-              <a:t>25</a:t>
+              <a:t>26</a:t>
             </a:fld>
             <a:endParaRPr lang="de-DE"/>
           </a:p>
@@ -1583,7 +1385,7 @@
           <a:p>
             <a:fld id="{4951A4F0-27A8-4C6D-A90A-FB4CDD31FFC6}" type="slidenum">
               <a:rPr lang="de-DE" smtClean="0"/>
-              <a:t>26</a:t>
+              <a:t>27</a:t>
             </a:fld>
             <a:endParaRPr lang="de-DE"/>
           </a:p>
@@ -1767,7 +1569,7 @@
           <a:p>
             <a:fld id="{4951A4F0-27A8-4C6D-A90A-FB4CDD31FFC6}" type="slidenum">
               <a:rPr lang="de-DE" smtClean="0"/>
-              <a:t>27</a:t>
+              <a:t>28</a:t>
             </a:fld>
             <a:endParaRPr lang="de-DE"/>
           </a:p>
@@ -1951,7 +1753,7 @@
           <a:p>
             <a:fld id="{4951A4F0-27A8-4C6D-A90A-FB4CDD31FFC6}" type="slidenum">
               <a:rPr lang="de-DE" smtClean="0"/>
-              <a:t>28</a:t>
+              <a:t>29</a:t>
             </a:fld>
             <a:endParaRPr lang="de-DE"/>
           </a:p>
@@ -2135,7 +1937,7 @@
           <a:p>
             <a:fld id="{4951A4F0-27A8-4C6D-A90A-FB4CDD31FFC6}" type="slidenum">
               <a:rPr lang="de-DE" smtClean="0"/>
-              <a:t>29</a:t>
+              <a:t>30</a:t>
             </a:fld>
             <a:endParaRPr lang="de-DE"/>
           </a:p>
@@ -2494,7 +2296,7 @@
           <a:p>
             <a:fld id="{4951A4F0-27A8-4C6D-A90A-FB4CDD31FFC6}" type="slidenum">
               <a:rPr lang="de-DE" smtClean="0"/>
-              <a:t>30</a:t>
+              <a:t>31</a:t>
             </a:fld>
             <a:endParaRPr lang="de-DE"/>
           </a:p>
@@ -2602,7 +2404,7 @@
           <a:p>
             <a:fld id="{4951A4F0-27A8-4C6D-A90A-FB4CDD31FFC6}" type="slidenum">
               <a:rPr lang="de-DE" smtClean="0"/>
-              <a:t>32</a:t>
+              <a:t>33</a:t>
             </a:fld>
             <a:endParaRPr lang="de-DE"/>
           </a:p>
@@ -2709,7 +2511,7 @@
           <a:p>
             <a:fld id="{4951A4F0-27A8-4C6D-A90A-FB4CDD31FFC6}" type="slidenum">
               <a:rPr lang="de-DE" smtClean="0"/>
-              <a:t>34</a:t>
+              <a:t>35</a:t>
             </a:fld>
             <a:endParaRPr lang="de-DE"/>
           </a:p>
@@ -2816,7 +2618,7 @@
           <a:p>
             <a:fld id="{4951A4F0-27A8-4C6D-A90A-FB4CDD31FFC6}" type="slidenum">
               <a:rPr lang="de-DE" smtClean="0"/>
-              <a:t>35</a:t>
+              <a:t>36</a:t>
             </a:fld>
             <a:endParaRPr lang="de-DE"/>
           </a:p>
@@ -2923,7 +2725,7 @@
           <a:p>
             <a:fld id="{4951A4F0-27A8-4C6D-A90A-FB4CDD31FFC6}" type="slidenum">
               <a:rPr lang="de-DE" smtClean="0"/>
-              <a:t>36</a:t>
+              <a:t>37</a:t>
             </a:fld>
             <a:endParaRPr lang="de-DE"/>
           </a:p>
@@ -3028,7 +2830,7 @@
           <a:p>
             <a:fld id="{4951A4F0-27A8-4C6D-A90A-FB4CDD31FFC6}" type="slidenum">
               <a:rPr lang="de-DE" smtClean="0"/>
-              <a:t>37</a:t>
+              <a:t>38</a:t>
             </a:fld>
             <a:endParaRPr lang="de-DE"/>
           </a:p>
@@ -3119,7 +2921,7 @@
           <a:p>
             <a:fld id="{4951A4F0-27A8-4C6D-A90A-FB4CDD31FFC6}" type="slidenum">
               <a:rPr lang="de-DE" smtClean="0"/>
-              <a:t>38</a:t>
+              <a:t>39</a:t>
             </a:fld>
             <a:endParaRPr lang="de-DE"/>
           </a:p>
@@ -3255,7 +3057,7 @@
           <a:p>
             <a:fld id="{4951A4F0-27A8-4C6D-A90A-FB4CDD31FFC6}" type="slidenum">
               <a:rPr lang="de-DE" smtClean="0"/>
-              <a:t>50</a:t>
+              <a:t>51</a:t>
             </a:fld>
             <a:endParaRPr lang="de-DE"/>
           </a:p>
@@ -3391,7 +3193,7 @@
           <a:p>
             <a:fld id="{4951A4F0-27A8-4C6D-A90A-FB4CDD31FFC6}" type="slidenum">
               <a:rPr lang="de-DE" smtClean="0"/>
-              <a:t>51</a:t>
+              <a:t>52</a:t>
             </a:fld>
             <a:endParaRPr lang="de-DE"/>
           </a:p>
@@ -3495,7 +3297,7 @@
           <a:p>
             <a:fld id="{4951A4F0-27A8-4C6D-A90A-FB4CDD31FFC6}" type="slidenum">
               <a:rPr lang="de-DE" smtClean="0"/>
-              <a:t>53</a:t>
+              <a:t>54</a:t>
             </a:fld>
             <a:endParaRPr lang="de-DE"/>
           </a:p>
@@ -3770,7 +3572,7 @@
           <a:p>
             <a:fld id="{4951A4F0-27A8-4C6D-A90A-FB4CDD31FFC6}" type="slidenum">
               <a:rPr lang="de-DE" smtClean="0"/>
-              <a:t>8</a:t>
+              <a:t>9</a:t>
             </a:fld>
             <a:endParaRPr lang="de-DE"/>
           </a:p>
@@ -3862,7 +3664,7 @@
           <a:p>
             <a:fld id="{4951A4F0-27A8-4C6D-A90A-FB4CDD31FFC6}" type="slidenum">
               <a:rPr lang="de-DE" smtClean="0"/>
-              <a:t>9</a:t>
+              <a:t>10</a:t>
             </a:fld>
             <a:endParaRPr lang="de-DE"/>
           </a:p>
@@ -3946,7 +3748,7 @@
           <a:p>
             <a:fld id="{4951A4F0-27A8-4C6D-A90A-FB4CDD31FFC6}" type="slidenum">
               <a:rPr lang="de-DE" smtClean="0"/>
-              <a:t>10</a:t>
+              <a:t>11</a:t>
             </a:fld>
             <a:endParaRPr lang="de-DE"/>
           </a:p>
@@ -4033,7 +3835,7 @@
           <a:p>
             <a:fld id="{4951A4F0-27A8-4C6D-A90A-FB4CDD31FFC6}" type="slidenum">
               <a:rPr lang="de-DE" smtClean="0"/>
-              <a:t>13</a:t>
+              <a:t>14</a:t>
             </a:fld>
             <a:endParaRPr lang="de-DE"/>
           </a:p>
@@ -4160,7 +3962,7 @@
           <a:p>
             <a:fld id="{4951A4F0-27A8-4C6D-A90A-FB4CDD31FFC6}" type="slidenum">
               <a:rPr lang="de-DE" smtClean="0"/>
-              <a:t>14</a:t>
+              <a:t>15</a:t>
             </a:fld>
             <a:endParaRPr lang="de-DE"/>
           </a:p>
@@ -7591,154 +7393,382 @@
           <a:chExt cx="0" cy="0"/>
         </a:xfrm>
       </p:grpSpPr>
-      <p:sp>
-        <p:nvSpPr>
-          <p:cNvPr id="7" name="Rechteck 6">
-            <a:extLst>
-              <a:ext uri="{FF2B5EF4-FFF2-40B4-BE49-F238E27FC236}">
-                <a16:creationId xmlns:a16="http://schemas.microsoft.com/office/drawing/2014/main" id="{EA030FA5-D32F-4568-B2D5-AFE0D1428D14}"/>
-              </a:ext>
-            </a:extLst>
-          </p:cNvPr>
-          <p:cNvSpPr/>
+      <p:pic>
+        <p:nvPicPr>
+          <p:cNvPr id="5" name="Grafik 4" descr="Uhr">
+            <a:extLst>
+              <a:ext uri="{FF2B5EF4-FFF2-40B4-BE49-F238E27FC236}">
+                <a16:creationId xmlns:a16="http://schemas.microsoft.com/office/drawing/2014/main" id="{1F46AA8F-D52E-4E39-8B03-38905A68A50A}"/>
+              </a:ext>
+            </a:extLst>
+          </p:cNvPr>
+          <p:cNvPicPr>
+            <a:picLocks noChangeAspect="1"/>
+          </p:cNvPicPr>
           <p:nvPr/>
-        </p:nvSpPr>
+        </p:nvPicPr>
+        <p:blipFill>
+          <a:blip r:embed="rId3" cstate="hqprint">
+            <a:extLst>
+              <a:ext uri="{28A0092B-C50C-407E-A947-70E740481C1C}">
+                <a14:useLocalDpi xmlns:a14="http://schemas.microsoft.com/office/drawing/2010/main" val="0"/>
+              </a:ext>
+              <a:ext uri="{96DAC541-7B7A-43D3-8B79-37D633B846F1}">
+                <asvg:svgBlip xmlns:asvg="http://schemas.microsoft.com/office/drawing/2016/SVG/main" r:embed="rId4"/>
+              </a:ext>
+            </a:extLst>
+          </a:blip>
+          <a:stretch>
+            <a:fillRect/>
+          </a:stretch>
+        </p:blipFill>
         <p:spPr>
           <a:xfrm>
-            <a:off x="3924014" y="2551837"/>
-            <a:ext cx="4343972" cy="1754326"/>
+            <a:off x="5915997" y="1702434"/>
+            <a:ext cx="360000" cy="360000"/>
           </a:xfrm>
           <a:prstGeom prst="rect">
             <a:avLst/>
           </a:prstGeom>
         </p:spPr>
+      </p:pic>
+      <p:pic>
+        <p:nvPicPr>
+          <p:cNvPr id="14" name="Grafik 13">
+            <a:extLst>
+              <a:ext uri="{FF2B5EF4-FFF2-40B4-BE49-F238E27FC236}">
+                <a16:creationId xmlns:a16="http://schemas.microsoft.com/office/drawing/2014/main" id="{81DF3B63-0EFF-483F-9631-FA48160518BD}"/>
+              </a:ext>
+            </a:extLst>
+          </p:cNvPr>
+          <p:cNvPicPr>
+            <a:picLocks noChangeAspect="1"/>
+          </p:cNvPicPr>
+          <p:nvPr/>
+        </p:nvPicPr>
+        <p:blipFill>
+          <a:blip r:embed="rId5" cstate="hqprint">
+            <a:extLst>
+              <a:ext uri="{28A0092B-C50C-407E-A947-70E740481C1C}">
+                <a14:useLocalDpi xmlns:a14="http://schemas.microsoft.com/office/drawing/2010/main" val="0"/>
+              </a:ext>
+              <a:ext uri="{96DAC541-7B7A-43D3-8B79-37D633B846F1}">
+                <asvg:svgBlip xmlns:asvg="http://schemas.microsoft.com/office/drawing/2016/SVG/main" r:embed="rId6"/>
+              </a:ext>
+            </a:extLst>
+          </a:blip>
+          <a:stretch>
+            <a:fillRect/>
+          </a:stretch>
+        </p:blipFill>
+        <p:spPr>
+          <a:xfrm>
+            <a:off x="5818869" y="3573516"/>
+            <a:ext cx="554255" cy="554255"/>
+          </a:xfrm>
+          <a:prstGeom prst="rect">
+            <a:avLst/>
+          </a:prstGeom>
+        </p:spPr>
+      </p:pic>
+      <p:pic>
+        <p:nvPicPr>
+          <p:cNvPr id="16" name="Grafik 15">
+            <a:extLst>
+              <a:ext uri="{FF2B5EF4-FFF2-40B4-BE49-F238E27FC236}">
+                <a16:creationId xmlns:a16="http://schemas.microsoft.com/office/drawing/2014/main" id="{97399A91-E849-4F1A-8A02-6D42BB2F46A4}"/>
+              </a:ext>
+            </a:extLst>
+          </p:cNvPr>
+          <p:cNvPicPr>
+            <a:picLocks noChangeAspect="1"/>
+          </p:cNvPicPr>
+          <p:nvPr/>
+        </p:nvPicPr>
+        <p:blipFill>
+          <a:blip r:embed="rId7" cstate="hqprint">
+            <a:extLst>
+              <a:ext uri="{28A0092B-C50C-407E-A947-70E740481C1C}">
+                <a14:useLocalDpi xmlns:a14="http://schemas.microsoft.com/office/drawing/2010/main" val="0"/>
+              </a:ext>
+              <a:ext uri="{96DAC541-7B7A-43D3-8B79-37D633B846F1}">
+                <asvg:svgBlip xmlns:asvg="http://schemas.microsoft.com/office/drawing/2016/SVG/main" r:embed="rId8"/>
+              </a:ext>
+            </a:extLst>
+          </a:blip>
+          <a:stretch>
+            <a:fillRect/>
+          </a:stretch>
+        </p:blipFill>
+        <p:spPr>
+          <a:xfrm>
+            <a:off x="5890184" y="2276580"/>
+            <a:ext cx="411626" cy="504825"/>
+          </a:xfrm>
+          <a:prstGeom prst="rect">
+            <a:avLst/>
+          </a:prstGeom>
+        </p:spPr>
+      </p:pic>
+      <p:pic>
+        <p:nvPicPr>
+          <p:cNvPr id="18" name="Grafik 17">
+            <a:extLst>
+              <a:ext uri="{FF2B5EF4-FFF2-40B4-BE49-F238E27FC236}">
+                <a16:creationId xmlns:a16="http://schemas.microsoft.com/office/drawing/2014/main" id="{7FA71E37-1451-4E2D-8562-4ECFAB3C0EE5}"/>
+              </a:ext>
+            </a:extLst>
+          </p:cNvPr>
+          <p:cNvPicPr>
+            <a:picLocks noChangeAspect="1"/>
+          </p:cNvPicPr>
+          <p:nvPr/>
+        </p:nvPicPr>
+        <p:blipFill>
+          <a:blip r:embed="rId9" cstate="hqprint">
+            <a:extLst>
+              <a:ext uri="{28A0092B-C50C-407E-A947-70E740481C1C}">
+                <a14:useLocalDpi xmlns:a14="http://schemas.microsoft.com/office/drawing/2010/main" val="0"/>
+              </a:ext>
+              <a:ext uri="{96DAC541-7B7A-43D3-8B79-37D633B846F1}">
+                <asvg:svgBlip xmlns:asvg="http://schemas.microsoft.com/office/drawing/2016/SVG/main" r:embed="rId10"/>
+              </a:ext>
+            </a:extLst>
+          </a:blip>
+          <a:stretch>
+            <a:fillRect/>
+          </a:stretch>
+        </p:blipFill>
+        <p:spPr>
+          <a:xfrm>
+            <a:off x="5619747" y="2781405"/>
+            <a:ext cx="952500" cy="952500"/>
+          </a:xfrm>
+          <a:prstGeom prst="rect">
+            <a:avLst/>
+          </a:prstGeom>
+        </p:spPr>
+      </p:pic>
+      <p:pic>
+        <p:nvPicPr>
+          <p:cNvPr id="19" name="Grafik 18">
+            <a:extLst>
+              <a:ext uri="{FF2B5EF4-FFF2-40B4-BE49-F238E27FC236}">
+                <a16:creationId xmlns:a16="http://schemas.microsoft.com/office/drawing/2014/main" id="{BD94C656-C696-48BD-9203-B5A6CECA3F8B}"/>
+              </a:ext>
+            </a:extLst>
+          </p:cNvPr>
+          <p:cNvPicPr>
+            <a:picLocks noChangeAspect="1"/>
+          </p:cNvPicPr>
+          <p:nvPr/>
+        </p:nvPicPr>
+        <p:blipFill>
+          <a:blip r:embed="rId11" cstate="hqprint">
+            <a:extLst>
+              <a:ext uri="{28A0092B-C50C-407E-A947-70E740481C1C}">
+                <a14:useLocalDpi xmlns:a14="http://schemas.microsoft.com/office/drawing/2010/main" val="0"/>
+              </a:ext>
+              <a:ext uri="{96DAC541-7B7A-43D3-8B79-37D633B846F1}">
+                <asvg:svgBlip xmlns:asvg="http://schemas.microsoft.com/office/drawing/2016/SVG/main" r:embed="rId12"/>
+              </a:ext>
+            </a:extLst>
+          </a:blip>
+          <a:stretch>
+            <a:fillRect/>
+          </a:stretch>
+        </p:blipFill>
+        <p:spPr>
+          <a:xfrm>
+            <a:off x="3066907" y="1749208"/>
+            <a:ext cx="2160000" cy="2160000"/>
+          </a:xfrm>
+          <a:prstGeom prst="rect">
+            <a:avLst/>
+          </a:prstGeom>
+        </p:spPr>
+      </p:pic>
+      <p:sp>
+        <p:nvSpPr>
+          <p:cNvPr id="2" name="Textfeld 1">
+            <a:extLst>
+              <a:ext uri="{FF2B5EF4-FFF2-40B4-BE49-F238E27FC236}">
+                <a16:creationId xmlns:a16="http://schemas.microsoft.com/office/drawing/2014/main" id="{37F0FA59-C917-48A2-99B3-B22143DBD475}"/>
+              </a:ext>
+            </a:extLst>
+          </p:cNvPr>
+          <p:cNvSpPr txBox="1"/>
+          <p:nvPr/>
+        </p:nvSpPr>
+        <p:spPr>
+          <a:xfrm>
+            <a:off x="6802395" y="1697768"/>
+            <a:ext cx="652743" cy="369332"/>
+          </a:xfrm>
+          <a:prstGeom prst="rect">
+            <a:avLst/>
+          </a:prstGeom>
+          <a:noFill/>
+        </p:spPr>
         <p:txBody>
-          <a:bodyPr wrap="square">
+          <a:bodyPr wrap="none" rtlCol="0">
             <a:spAutoFit/>
           </a:bodyPr>
           <a:lstStyle/>
           <a:p>
             <a:r>
-              <a:rPr lang="en-US" dirty="0">
-                <a:solidFill>
-                  <a:srgbClr val="7B30D0"/>
-                </a:solidFill>
-                <a:latin typeface="Fira Code" panose="020B0509050000020004" pitchFamily="49" charset="0"/>
-              </a:rPr>
-              <a:t>query</a:t>
-            </a:r>
-            <a:r>
-              <a:rPr lang="en-US" dirty="0">
-                <a:solidFill>
-                  <a:srgbClr val="236EBF"/>
-                </a:solidFill>
-                <a:latin typeface="Fira Code" panose="020B0509050000020004" pitchFamily="49" charset="0"/>
-              </a:rPr>
-              <a:t> </a:t>
-            </a:r>
-            <a:r>
-              <a:rPr lang="en-US" dirty="0" err="1">
-                <a:solidFill>
-                  <a:srgbClr val="B1108E"/>
-                </a:solidFill>
-                <a:latin typeface="Fira Code" panose="020B0509050000020004" pitchFamily="49" charset="0"/>
-              </a:rPr>
-              <a:t>PostsTitleAndContent</a:t>
-            </a:r>
-            <a:r>
-              <a:rPr lang="en-US" dirty="0">
-                <a:solidFill>
-                  <a:srgbClr val="236EBF"/>
-                </a:solidFill>
-                <a:latin typeface="Fira Code" panose="020B0509050000020004" pitchFamily="49" charset="0"/>
-              </a:rPr>
-              <a:t> {</a:t>
-            </a:r>
-          </a:p>
-          <a:p>
-            <a:r>
-              <a:rPr lang="en-US" dirty="0">
-                <a:solidFill>
-                  <a:srgbClr val="2F86D2"/>
-                </a:solidFill>
-                <a:latin typeface="Fira Code" panose="020B0509050000020004" pitchFamily="49" charset="0"/>
-              </a:rPr>
-              <a:t>  posts</a:t>
-            </a:r>
-            <a:r>
-              <a:rPr lang="en-US" dirty="0">
-                <a:solidFill>
-                  <a:srgbClr val="236EBF"/>
-                </a:solidFill>
-                <a:latin typeface="Fira Code" panose="020B0509050000020004" pitchFamily="49" charset="0"/>
-              </a:rPr>
-              <a:t> {</a:t>
-            </a:r>
-          </a:p>
-          <a:p>
-            <a:r>
-              <a:rPr lang="en-US" dirty="0">
-                <a:solidFill>
-                  <a:srgbClr val="2F86D2"/>
-                </a:solidFill>
-                <a:latin typeface="Fira Code" panose="020B0509050000020004" pitchFamily="49" charset="0"/>
-              </a:rPr>
-              <a:t>    title</a:t>
-            </a:r>
-            <a:endParaRPr lang="en-US" dirty="0">
-              <a:solidFill>
-                <a:srgbClr val="236EBF"/>
-              </a:solidFill>
-              <a:latin typeface="Fira Code" panose="020B0509050000020004" pitchFamily="49" charset="0"/>
-            </a:endParaRPr>
-          </a:p>
-          <a:p>
-            <a:r>
-              <a:rPr lang="en-US" dirty="0">
-                <a:solidFill>
-                  <a:srgbClr val="2F86D2"/>
-                </a:solidFill>
-                <a:latin typeface="Fira Code" panose="020B0509050000020004" pitchFamily="49" charset="0"/>
-              </a:rPr>
-              <a:t>    content</a:t>
-            </a:r>
-            <a:endParaRPr lang="en-US" dirty="0">
-              <a:solidFill>
-                <a:srgbClr val="236EBF"/>
-              </a:solidFill>
-              <a:latin typeface="Fira Code" panose="020B0509050000020004" pitchFamily="49" charset="0"/>
-            </a:endParaRPr>
-          </a:p>
-          <a:p>
-            <a:r>
-              <a:rPr lang="en-US" dirty="0">
-                <a:solidFill>
-                  <a:srgbClr val="236EBF"/>
-                </a:solidFill>
-                <a:latin typeface="Fira Code" panose="020B0509050000020004" pitchFamily="49" charset="0"/>
-              </a:rPr>
-              <a:t>  }</a:t>
-            </a:r>
-          </a:p>
-          <a:p>
-            <a:r>
-              <a:rPr lang="en-US" dirty="0">
-                <a:solidFill>
-                  <a:srgbClr val="236EBF"/>
-                </a:solidFill>
-                <a:latin typeface="Fira Code" panose="020B0509050000020004" pitchFamily="49" charset="0"/>
-              </a:rPr>
-              <a:t>}</a:t>
+              <a:rPr lang="de-DE" dirty="0"/>
+              <a:t>2015</a:t>
+            </a:r>
+          </a:p>
+        </p:txBody>
+      </p:sp>
+      <p:sp>
+        <p:nvSpPr>
+          <p:cNvPr id="10" name="Textfeld 9">
+            <a:extLst>
+              <a:ext uri="{FF2B5EF4-FFF2-40B4-BE49-F238E27FC236}">
+                <a16:creationId xmlns:a16="http://schemas.microsoft.com/office/drawing/2014/main" id="{2F36EFC5-9E4A-4FF8-855D-0481AB40DC18}"/>
+              </a:ext>
+            </a:extLst>
+          </p:cNvPr>
+          <p:cNvSpPr txBox="1"/>
+          <p:nvPr/>
+        </p:nvSpPr>
+        <p:spPr>
+          <a:xfrm>
+            <a:off x="6802395" y="2344326"/>
+            <a:ext cx="652743" cy="369332"/>
+          </a:xfrm>
+          <a:prstGeom prst="rect">
+            <a:avLst/>
+          </a:prstGeom>
+          <a:noFill/>
+        </p:spPr>
+        <p:txBody>
+          <a:bodyPr wrap="none" rtlCol="0">
+            <a:spAutoFit/>
+          </a:bodyPr>
+          <a:lstStyle/>
+          <a:p>
+            <a:r>
+              <a:rPr lang="de-DE" dirty="0"/>
+              <a:t>1195</a:t>
+            </a:r>
+          </a:p>
+        </p:txBody>
+      </p:sp>
+      <p:sp>
+        <p:nvSpPr>
+          <p:cNvPr id="11" name="Textfeld 10">
+            <a:extLst>
+              <a:ext uri="{FF2B5EF4-FFF2-40B4-BE49-F238E27FC236}">
+                <a16:creationId xmlns:a16="http://schemas.microsoft.com/office/drawing/2014/main" id="{66305469-8257-447A-8A04-604B40CD0670}"/>
+              </a:ext>
+            </a:extLst>
+          </p:cNvPr>
+          <p:cNvSpPr txBox="1"/>
+          <p:nvPr/>
+        </p:nvSpPr>
+        <p:spPr>
+          <a:xfrm>
+            <a:off x="6802395" y="3117112"/>
+            <a:ext cx="769763" cy="369332"/>
+          </a:xfrm>
+          <a:prstGeom prst="rect">
+            <a:avLst/>
+          </a:prstGeom>
+          <a:noFill/>
+        </p:spPr>
+        <p:txBody>
+          <a:bodyPr wrap="none" rtlCol="0">
+            <a:spAutoFit/>
+          </a:bodyPr>
+          <a:lstStyle/>
+          <a:p>
+            <a:r>
+              <a:rPr lang="de-DE" dirty="0"/>
+              <a:t>14027</a:t>
+            </a:r>
+          </a:p>
+        </p:txBody>
+      </p:sp>
+      <p:sp>
+        <p:nvSpPr>
+          <p:cNvPr id="12" name="Textfeld 11">
+            <a:extLst>
+              <a:ext uri="{FF2B5EF4-FFF2-40B4-BE49-F238E27FC236}">
+                <a16:creationId xmlns:a16="http://schemas.microsoft.com/office/drawing/2014/main" id="{502083DE-35AB-4483-B1F4-700F7B5A5D7F}"/>
+              </a:ext>
+            </a:extLst>
+          </p:cNvPr>
+          <p:cNvSpPr txBox="1"/>
+          <p:nvPr/>
+        </p:nvSpPr>
+        <p:spPr>
+          <a:xfrm>
+            <a:off x="6802395" y="3660942"/>
+            <a:ext cx="652743" cy="369332"/>
+          </a:xfrm>
+          <a:prstGeom prst="rect">
+            <a:avLst/>
+          </a:prstGeom>
+          <a:noFill/>
+        </p:spPr>
+        <p:txBody>
+          <a:bodyPr wrap="none" rtlCol="0">
+            <a:spAutoFit/>
+          </a:bodyPr>
+          <a:lstStyle/>
+          <a:p>
+            <a:r>
+              <a:rPr lang="de-DE" dirty="0"/>
+              <a:t>2111</a:t>
+            </a:r>
+          </a:p>
+        </p:txBody>
+      </p:sp>
+      <p:sp>
+        <p:nvSpPr>
+          <p:cNvPr id="4" name="Textfeld 3">
+            <a:extLst>
+              <a:ext uri="{FF2B5EF4-FFF2-40B4-BE49-F238E27FC236}">
+                <a16:creationId xmlns:a16="http://schemas.microsoft.com/office/drawing/2014/main" id="{8DA59DB5-7DC8-4EBD-A1FA-7E2642093C3E}"/>
+              </a:ext>
+            </a:extLst>
+          </p:cNvPr>
+          <p:cNvSpPr txBox="1"/>
+          <p:nvPr/>
+        </p:nvSpPr>
+        <p:spPr>
+          <a:xfrm>
+            <a:off x="6802395" y="4031410"/>
+            <a:ext cx="1314784" cy="261610"/>
+          </a:xfrm>
+          <a:prstGeom prst="rect">
+            <a:avLst/>
+          </a:prstGeom>
+          <a:noFill/>
+        </p:spPr>
+        <p:txBody>
+          <a:bodyPr wrap="none" rtlCol="0">
+            <a:spAutoFit/>
+          </a:bodyPr>
+          <a:lstStyle/>
+          <a:p>
+            <a:r>
+              <a:rPr lang="de-DE" sz="1100" dirty="0"/>
+              <a:t>(Stand: 23.06.2019)</a:t>
             </a:r>
           </a:p>
         </p:txBody>
       </p:sp>
       <p:pic>
         <p:nvPicPr>
-          <p:cNvPr id="3" name="Picture 6">
-            <a:extLst>
-              <a:ext uri="{FF2B5EF4-FFF2-40B4-BE49-F238E27FC236}">
-                <a16:creationId xmlns:a16="http://schemas.microsoft.com/office/drawing/2014/main" id="{95304938-8737-439A-B18B-96DED9B54370}"/>
+          <p:cNvPr id="15" name="Picture 6">
+            <a:extLst>
+              <a:ext uri="{FF2B5EF4-FFF2-40B4-BE49-F238E27FC236}">
+                <a16:creationId xmlns:a16="http://schemas.microsoft.com/office/drawing/2014/main" id="{9BDEA36E-C42A-495C-949C-68A82E8996CC}"/>
               </a:ext>
             </a:extLst>
           </p:cNvPr>
@@ -7748,7 +7778,7 @@
           <p:nvPr/>
         </p:nvPicPr>
         <p:blipFill>
-          <a:blip r:embed="rId3">
+          <a:blip r:embed="rId13">
             <a:extLst>
               <a:ext uri="{28A0092B-C50C-407E-A947-70E740481C1C}">
                 <a14:useLocalDpi xmlns:a14="http://schemas.microsoft.com/office/drawing/2010/main" val="0"/>
@@ -7781,6 +7811,620 @@
       </p:pic>
       <p:sp>
         <p:nvSpPr>
+          <p:cNvPr id="7" name="Textfeld 6">
+            <a:extLst>
+              <a:ext uri="{FF2B5EF4-FFF2-40B4-BE49-F238E27FC236}">
+                <a16:creationId xmlns:a16="http://schemas.microsoft.com/office/drawing/2014/main" id="{1994B4CD-9FB1-4F02-AAF6-0CB46AA5371F}"/>
+              </a:ext>
+            </a:extLst>
+          </p:cNvPr>
+          <p:cNvSpPr txBox="1"/>
+          <p:nvPr/>
+        </p:nvSpPr>
+        <p:spPr>
+          <a:xfrm>
+            <a:off x="2903794" y="4490127"/>
+            <a:ext cx="6024406" cy="369332"/>
+          </a:xfrm>
+          <a:prstGeom prst="rect">
+            <a:avLst/>
+          </a:prstGeom>
+          <a:noFill/>
+        </p:spPr>
+        <p:txBody>
+          <a:bodyPr wrap="none" rtlCol="0">
+            <a:spAutoFit/>
+          </a:bodyPr>
+          <a:lstStyle/>
+          <a:p>
+            <a:r>
+              <a:rPr lang="de-DE" dirty="0"/>
+              <a:t>GitHub, Pinterest, Twitter, Sky, New York Times, </a:t>
+            </a:r>
+            <a:r>
+              <a:rPr lang="de-DE" dirty="0" err="1"/>
+              <a:t>Shopify</a:t>
+            </a:r>
+            <a:r>
+              <a:rPr lang="de-DE" dirty="0"/>
+              <a:t>, Yelp,…</a:t>
+            </a:r>
+          </a:p>
+        </p:txBody>
+      </p:sp>
+      <p:sp>
+        <p:nvSpPr>
+          <p:cNvPr id="17" name="Titel 4">
+            <a:extLst>
+              <a:ext uri="{FF2B5EF4-FFF2-40B4-BE49-F238E27FC236}">
+                <a16:creationId xmlns:a16="http://schemas.microsoft.com/office/drawing/2014/main" id="{2CE417B8-A063-4D7D-B7F2-3828588EC2E8}"/>
+              </a:ext>
+            </a:extLst>
+          </p:cNvPr>
+          <p:cNvSpPr>
+            <a:spLocks noGrp="1"/>
+          </p:cNvSpPr>
+          <p:nvPr>
+            <p:ph type="title"/>
+          </p:nvPr>
+        </p:nvSpPr>
+        <p:spPr>
+          <a:xfrm>
+            <a:off x="838200" y="365125"/>
+            <a:ext cx="10515600" cy="1325563"/>
+          </a:xfrm>
+        </p:spPr>
+        <p:txBody>
+          <a:bodyPr/>
+          <a:lstStyle/>
+          <a:p>
+            <a:pPr algn="ctr"/>
+            <a:r>
+              <a:rPr lang="de-DE" dirty="0" err="1"/>
+              <a:t>GraphQL</a:t>
+            </a:r>
+            <a:endParaRPr lang="de-DE" dirty="0"/>
+          </a:p>
+        </p:txBody>
+      </p:sp>
+      <p:grpSp>
+        <p:nvGrpSpPr>
+          <p:cNvPr id="8" name="Gruppieren 7">
+            <a:extLst>
+              <a:ext uri="{FF2B5EF4-FFF2-40B4-BE49-F238E27FC236}">
+                <a16:creationId xmlns:a16="http://schemas.microsoft.com/office/drawing/2014/main" id="{D53358EA-2C81-42E6-B7CD-BDA09B5029A4}"/>
+              </a:ext>
+            </a:extLst>
+          </p:cNvPr>
+          <p:cNvGrpSpPr/>
+          <p:nvPr/>
+        </p:nvGrpSpPr>
+        <p:grpSpPr>
+          <a:xfrm>
+            <a:off x="2423486" y="5403185"/>
+            <a:ext cx="6392521" cy="875801"/>
+            <a:chOff x="1222067" y="5403185"/>
+            <a:chExt cx="6392521" cy="875801"/>
+          </a:xfrm>
+        </p:grpSpPr>
+        <p:sp>
+          <p:nvSpPr>
+            <p:cNvPr id="3" name="Rechteck 2">
+              <a:extLst>
+                <a:ext uri="{FF2B5EF4-FFF2-40B4-BE49-F238E27FC236}">
+                  <a16:creationId xmlns:a16="http://schemas.microsoft.com/office/drawing/2014/main" id="{3D6BCF93-9BD3-4261-9C2A-0FC6FBA84625}"/>
+                </a:ext>
+              </a:extLst>
+            </p:cNvPr>
+            <p:cNvSpPr/>
+            <p:nvPr/>
+          </p:nvSpPr>
+          <p:spPr>
+            <a:xfrm>
+              <a:off x="4146907" y="5925043"/>
+              <a:ext cx="3365665" cy="338554"/>
+            </a:xfrm>
+            <a:prstGeom prst="rect">
+              <a:avLst/>
+            </a:prstGeom>
+          </p:spPr>
+          <p:txBody>
+            <a:bodyPr wrap="none">
+              <a:spAutoFit/>
+            </a:bodyPr>
+            <a:lstStyle/>
+            <a:p>
+              <a:r>
+                <a:rPr lang="de-DE" sz="1600" dirty="0">
+                  <a:hlinkClick r:id="rId14">
+                    <a:extLst>
+                      <a:ext uri="{A12FA001-AC4F-418D-AE19-62706E023703}">
+                        <ahyp:hlinkClr xmlns:ahyp="http://schemas.microsoft.com/office/drawing/2018/hyperlinkcolor" val="tx"/>
+                      </a:ext>
+                    </a:extLst>
+                  </a:hlinkClick>
+                </a:rPr>
+                <a:t>https://github.com/graphql/graphql-js</a:t>
+              </a:r>
+              <a:endParaRPr lang="de-DE" sz="1600" dirty="0"/>
+            </a:p>
+          </p:txBody>
+        </p:sp>
+        <p:sp>
+          <p:nvSpPr>
+            <p:cNvPr id="6" name="Rechteck 5">
+              <a:extLst>
+                <a:ext uri="{FF2B5EF4-FFF2-40B4-BE49-F238E27FC236}">
+                  <a16:creationId xmlns:a16="http://schemas.microsoft.com/office/drawing/2014/main" id="{B9B98293-EB70-4400-8878-E413BC4C8486}"/>
+                </a:ext>
+              </a:extLst>
+            </p:cNvPr>
+            <p:cNvSpPr/>
+            <p:nvPr/>
+          </p:nvSpPr>
+          <p:spPr>
+            <a:xfrm>
+              <a:off x="4146907" y="5418574"/>
+              <a:ext cx="3467681" cy="338554"/>
+            </a:xfrm>
+            <a:prstGeom prst="rect">
+              <a:avLst/>
+            </a:prstGeom>
+          </p:spPr>
+          <p:txBody>
+            <a:bodyPr wrap="none">
+              <a:spAutoFit/>
+            </a:bodyPr>
+            <a:lstStyle/>
+            <a:p>
+              <a:r>
+                <a:rPr lang="de-DE" sz="1600" dirty="0">
+                  <a:hlinkClick r:id="rId15">
+                    <a:extLst>
+                      <a:ext uri="{A12FA001-AC4F-418D-AE19-62706E023703}">
+                        <ahyp:hlinkClr xmlns:ahyp="http://schemas.microsoft.com/office/drawing/2018/hyperlinkcolor" val="tx"/>
+                      </a:ext>
+                    </a:extLst>
+                  </a:hlinkClick>
+                </a:rPr>
+                <a:t>https://graphql.github.io/graphql-spec/</a:t>
+              </a:r>
+              <a:endParaRPr lang="de-DE" sz="1600" dirty="0"/>
+            </a:p>
+          </p:txBody>
+        </p:sp>
+        <p:sp>
+          <p:nvSpPr>
+            <p:cNvPr id="20" name="Rechteck 19">
+              <a:extLst>
+                <a:ext uri="{FF2B5EF4-FFF2-40B4-BE49-F238E27FC236}">
+                  <a16:creationId xmlns:a16="http://schemas.microsoft.com/office/drawing/2014/main" id="{57FDEEB5-0611-4D23-BB3B-9E9FA88988CD}"/>
+                </a:ext>
+              </a:extLst>
+            </p:cNvPr>
+            <p:cNvSpPr/>
+            <p:nvPr/>
+          </p:nvSpPr>
+          <p:spPr>
+            <a:xfrm>
+              <a:off x="1222067" y="5909654"/>
+              <a:ext cx="2974532" cy="369332"/>
+            </a:xfrm>
+            <a:prstGeom prst="rect">
+              <a:avLst/>
+            </a:prstGeom>
+          </p:spPr>
+          <p:txBody>
+            <a:bodyPr wrap="none">
+              <a:spAutoFit/>
+            </a:bodyPr>
+            <a:lstStyle/>
+            <a:p>
+              <a:r>
+                <a:rPr lang="de-DE" dirty="0"/>
+                <a:t>Referenzimplementierung JS:</a:t>
+              </a:r>
+            </a:p>
+          </p:txBody>
+        </p:sp>
+        <p:sp>
+          <p:nvSpPr>
+            <p:cNvPr id="21" name="Rechteck 20">
+              <a:extLst>
+                <a:ext uri="{FF2B5EF4-FFF2-40B4-BE49-F238E27FC236}">
+                  <a16:creationId xmlns:a16="http://schemas.microsoft.com/office/drawing/2014/main" id="{B261D34E-8275-4A59-9E89-08E6354EF382}"/>
+                </a:ext>
+              </a:extLst>
+            </p:cNvPr>
+            <p:cNvSpPr/>
+            <p:nvPr/>
+          </p:nvSpPr>
+          <p:spPr>
+            <a:xfrm>
+              <a:off x="1823001" y="5403185"/>
+              <a:ext cx="2323906" cy="369332"/>
+            </a:xfrm>
+            <a:prstGeom prst="rect">
+              <a:avLst/>
+            </a:prstGeom>
+          </p:spPr>
+          <p:txBody>
+            <a:bodyPr wrap="none">
+              <a:spAutoFit/>
+            </a:bodyPr>
+            <a:lstStyle/>
+            <a:p>
+              <a:r>
+                <a:rPr lang="de-DE" dirty="0" err="1"/>
+                <a:t>GraphQL</a:t>
+              </a:r>
+              <a:r>
+                <a:rPr lang="de-DE" dirty="0"/>
+                <a:t> </a:t>
+              </a:r>
+              <a:r>
+                <a:rPr lang="de-DE" dirty="0" err="1"/>
+                <a:t>Specification</a:t>
+              </a:r>
+              <a:r>
+                <a:rPr lang="de-DE" dirty="0"/>
+                <a:t>:</a:t>
+              </a:r>
+            </a:p>
+          </p:txBody>
+        </p:sp>
+      </p:grpSp>
+    </p:spTree>
+    <p:extLst>
+      <p:ext uri="{BB962C8B-B14F-4D97-AF65-F5344CB8AC3E}">
+        <p14:creationId xmlns:p14="http://schemas.microsoft.com/office/powerpoint/2010/main" val="2846145051"/>
+      </p:ext>
+    </p:extLst>
+  </p:cSld>
+  <p:clrMapOvr>
+    <a:masterClrMapping/>
+  </p:clrMapOvr>
+  <p:timing>
+    <p:tnLst>
+      <p:par>
+        <p:cTn id="1" dur="indefinite" restart="never" nodeType="tmRoot">
+          <p:childTnLst>
+            <p:seq concurrent="1" nextAc="seek">
+              <p:cTn id="2" dur="indefinite" nodeType="mainSeq">
+                <p:childTnLst>
+                  <p:par>
+                    <p:cTn id="3" fill="hold">
+                      <p:stCondLst>
+                        <p:cond delay="indefinite"/>
+                      </p:stCondLst>
+                      <p:childTnLst>
+                        <p:par>
+                          <p:cTn id="4" fill="hold">
+                            <p:stCondLst>
+                              <p:cond delay="0"/>
+                            </p:stCondLst>
+                            <p:childTnLst>
+                              <p:par>
+                                <p:cTn id="5" presetID="1" presetClass="entr" presetSubtype="0" fill="hold" grpId="0" nodeType="clickEffect">
+                                  <p:stCondLst>
+                                    <p:cond delay="0"/>
+                                  </p:stCondLst>
+                                  <p:childTnLst>
+                                    <p:set>
+                                      <p:cBhvr>
+                                        <p:cTn id="6" dur="1" fill="hold">
+                                          <p:stCondLst>
+                                            <p:cond delay="0"/>
+                                          </p:stCondLst>
+                                        </p:cTn>
+                                        <p:tgtEl>
+                                          <p:spTgt spid="7"/>
+                                        </p:tgtEl>
+                                        <p:attrNameLst>
+                                          <p:attrName>style.visibility</p:attrName>
+                                        </p:attrNameLst>
+                                      </p:cBhvr>
+                                      <p:to>
+                                        <p:strVal val="visible"/>
+                                      </p:to>
+                                    </p:set>
+                                  </p:childTnLst>
+                                </p:cTn>
+                              </p:par>
+                            </p:childTnLst>
+                          </p:cTn>
+                        </p:par>
+                      </p:childTnLst>
+                    </p:cTn>
+                  </p:par>
+                  <p:par>
+                    <p:cTn id="7" fill="hold">
+                      <p:stCondLst>
+                        <p:cond delay="indefinite"/>
+                      </p:stCondLst>
+                      <p:childTnLst>
+                        <p:par>
+                          <p:cTn id="8" fill="hold">
+                            <p:stCondLst>
+                              <p:cond delay="0"/>
+                            </p:stCondLst>
+                            <p:childTnLst>
+                              <p:par>
+                                <p:cTn id="9" presetID="1" presetClass="entr" presetSubtype="0" fill="hold" nodeType="clickEffect">
+                                  <p:stCondLst>
+                                    <p:cond delay="0"/>
+                                  </p:stCondLst>
+                                  <p:childTnLst>
+                                    <p:set>
+                                      <p:cBhvr>
+                                        <p:cTn id="10" dur="1" fill="hold">
+                                          <p:stCondLst>
+                                            <p:cond delay="0"/>
+                                          </p:stCondLst>
+                                        </p:cTn>
+                                        <p:tgtEl>
+                                          <p:spTgt spid="8"/>
+                                        </p:tgtEl>
+                                        <p:attrNameLst>
+                                          <p:attrName>style.visibility</p:attrName>
+                                        </p:attrNameLst>
+                                      </p:cBhvr>
+                                      <p:to>
+                                        <p:strVal val="visible"/>
+                                      </p:to>
+                                    </p:set>
+                                  </p:childTnLst>
+                                </p:cTn>
+                              </p:par>
+                            </p:childTnLst>
+                          </p:cTn>
+                        </p:par>
+                      </p:childTnLst>
+                    </p:cTn>
+                  </p:par>
+                </p:childTnLst>
+              </p:cTn>
+              <p:prevCondLst>
+                <p:cond evt="onPrev" delay="0">
+                  <p:tgtEl>
+                    <p:sldTgt/>
+                  </p:tgtEl>
+                </p:cond>
+              </p:prevCondLst>
+              <p:nextCondLst>
+                <p:cond evt="onNext" delay="0">
+                  <p:tgtEl>
+                    <p:sldTgt/>
+                  </p:tgtEl>
+                </p:cond>
+              </p:nextCondLst>
+            </p:seq>
+          </p:childTnLst>
+        </p:cTn>
+      </p:par>
+    </p:tnLst>
+    <p:bldLst>
+      <p:bldP spid="7" grpId="0"/>
+    </p:bldLst>
+  </p:timing>
+</p:sld>
+</file>
+
+<file path=ppt/slides/slide11.xml><?xml version="1.0" encoding="utf-8"?>
+<p:sld xmlns:a="http://schemas.openxmlformats.org/drawingml/2006/main" xmlns:r="http://schemas.openxmlformats.org/officeDocument/2006/relationships" xmlns:p="http://schemas.openxmlformats.org/presentationml/2006/main">
+  <p:cSld>
+    <p:bg>
+      <p:bgPr>
+        <a:solidFill>
+          <a:schemeClr val="bg1"/>
+        </a:solidFill>
+        <a:effectLst/>
+      </p:bgPr>
+    </p:bg>
+    <p:spTree>
+      <p:nvGrpSpPr>
+        <p:cNvPr id="1" name=""/>
+        <p:cNvGrpSpPr/>
+        <p:nvPr/>
+      </p:nvGrpSpPr>
+      <p:grpSpPr>
+        <a:xfrm>
+          <a:off x="0" y="0"/>
+          <a:ext cx="0" cy="0"/>
+          <a:chOff x="0" y="0"/>
+          <a:chExt cx="0" cy="0"/>
+        </a:xfrm>
+      </p:grpSpPr>
+      <p:sp>
+        <p:nvSpPr>
+          <p:cNvPr id="7" name="Rechteck 6">
+            <a:extLst>
+              <a:ext uri="{FF2B5EF4-FFF2-40B4-BE49-F238E27FC236}">
+                <a16:creationId xmlns:a16="http://schemas.microsoft.com/office/drawing/2014/main" id="{EA030FA5-D32F-4568-B2D5-AFE0D1428D14}"/>
+              </a:ext>
+            </a:extLst>
+          </p:cNvPr>
+          <p:cNvSpPr/>
+          <p:nvPr/>
+        </p:nvSpPr>
+        <p:spPr>
+          <a:xfrm>
+            <a:off x="3924014" y="2551837"/>
+            <a:ext cx="4343972" cy="1754326"/>
+          </a:xfrm>
+          <a:prstGeom prst="rect">
+            <a:avLst/>
+          </a:prstGeom>
+        </p:spPr>
+        <p:txBody>
+          <a:bodyPr wrap="square">
+            <a:spAutoFit/>
+          </a:bodyPr>
+          <a:lstStyle/>
+          <a:p>
+            <a:r>
+              <a:rPr lang="en-US" dirty="0">
+                <a:solidFill>
+                  <a:srgbClr val="7B30D0"/>
+                </a:solidFill>
+                <a:latin typeface="Fira Code" panose="020B0509050000020004" pitchFamily="49" charset="0"/>
+              </a:rPr>
+              <a:t>query</a:t>
+            </a:r>
+            <a:r>
+              <a:rPr lang="en-US" dirty="0">
+                <a:solidFill>
+                  <a:srgbClr val="236EBF"/>
+                </a:solidFill>
+                <a:latin typeface="Fira Code" panose="020B0509050000020004" pitchFamily="49" charset="0"/>
+              </a:rPr>
+              <a:t> </a:t>
+            </a:r>
+            <a:r>
+              <a:rPr lang="en-US" dirty="0" err="1">
+                <a:solidFill>
+                  <a:srgbClr val="B1108E"/>
+                </a:solidFill>
+                <a:latin typeface="Fira Code" panose="020B0509050000020004" pitchFamily="49" charset="0"/>
+              </a:rPr>
+              <a:t>PostsTitleAndContent</a:t>
+            </a:r>
+            <a:r>
+              <a:rPr lang="en-US" dirty="0">
+                <a:solidFill>
+                  <a:srgbClr val="236EBF"/>
+                </a:solidFill>
+                <a:latin typeface="Fira Code" panose="020B0509050000020004" pitchFamily="49" charset="0"/>
+              </a:rPr>
+              <a:t> {</a:t>
+            </a:r>
+          </a:p>
+          <a:p>
+            <a:r>
+              <a:rPr lang="en-US" dirty="0">
+                <a:solidFill>
+                  <a:srgbClr val="2F86D2"/>
+                </a:solidFill>
+                <a:latin typeface="Fira Code" panose="020B0509050000020004" pitchFamily="49" charset="0"/>
+              </a:rPr>
+              <a:t>  posts</a:t>
+            </a:r>
+            <a:r>
+              <a:rPr lang="en-US" dirty="0">
+                <a:solidFill>
+                  <a:srgbClr val="236EBF"/>
+                </a:solidFill>
+                <a:latin typeface="Fira Code" panose="020B0509050000020004" pitchFamily="49" charset="0"/>
+              </a:rPr>
+              <a:t> {</a:t>
+            </a:r>
+          </a:p>
+          <a:p>
+            <a:r>
+              <a:rPr lang="en-US" dirty="0">
+                <a:solidFill>
+                  <a:srgbClr val="2F86D2"/>
+                </a:solidFill>
+                <a:latin typeface="Fira Code" panose="020B0509050000020004" pitchFamily="49" charset="0"/>
+              </a:rPr>
+              <a:t>    title</a:t>
+            </a:r>
+            <a:endParaRPr lang="en-US" dirty="0">
+              <a:solidFill>
+                <a:srgbClr val="236EBF"/>
+              </a:solidFill>
+              <a:latin typeface="Fira Code" panose="020B0509050000020004" pitchFamily="49" charset="0"/>
+            </a:endParaRPr>
+          </a:p>
+          <a:p>
+            <a:r>
+              <a:rPr lang="en-US" dirty="0">
+                <a:solidFill>
+                  <a:srgbClr val="2F86D2"/>
+                </a:solidFill>
+                <a:latin typeface="Fira Code" panose="020B0509050000020004" pitchFamily="49" charset="0"/>
+              </a:rPr>
+              <a:t>    content</a:t>
+            </a:r>
+            <a:endParaRPr lang="en-US" dirty="0">
+              <a:solidFill>
+                <a:srgbClr val="236EBF"/>
+              </a:solidFill>
+              <a:latin typeface="Fira Code" panose="020B0509050000020004" pitchFamily="49" charset="0"/>
+            </a:endParaRPr>
+          </a:p>
+          <a:p>
+            <a:r>
+              <a:rPr lang="en-US" dirty="0">
+                <a:solidFill>
+                  <a:srgbClr val="236EBF"/>
+                </a:solidFill>
+                <a:latin typeface="Fira Code" panose="020B0509050000020004" pitchFamily="49" charset="0"/>
+              </a:rPr>
+              <a:t>  }</a:t>
+            </a:r>
+          </a:p>
+          <a:p>
+            <a:r>
+              <a:rPr lang="en-US" dirty="0">
+                <a:solidFill>
+                  <a:srgbClr val="236EBF"/>
+                </a:solidFill>
+                <a:latin typeface="Fira Code" panose="020B0509050000020004" pitchFamily="49" charset="0"/>
+              </a:rPr>
+              <a:t>}</a:t>
+            </a:r>
+          </a:p>
+        </p:txBody>
+      </p:sp>
+      <p:pic>
+        <p:nvPicPr>
+          <p:cNvPr id="3" name="Picture 6">
+            <a:extLst>
+              <a:ext uri="{FF2B5EF4-FFF2-40B4-BE49-F238E27FC236}">
+                <a16:creationId xmlns:a16="http://schemas.microsoft.com/office/drawing/2014/main" id="{95304938-8737-439A-B18B-96DED9B54370}"/>
+              </a:ext>
+            </a:extLst>
+          </p:cNvPr>
+          <p:cNvPicPr>
+            <a:picLocks noChangeAspect="1" noChangeArrowheads="1"/>
+          </p:cNvPicPr>
+          <p:nvPr/>
+        </p:nvPicPr>
+        <p:blipFill>
+          <a:blip r:embed="rId3">
+            <a:extLst>
+              <a:ext uri="{28A0092B-C50C-407E-A947-70E740481C1C}">
+                <a14:useLocalDpi xmlns:a14="http://schemas.microsoft.com/office/drawing/2010/main" val="0"/>
+              </a:ext>
+            </a:extLst>
+          </a:blip>
+          <a:stretch>
+            <a:fillRect/>
+          </a:stretch>
+        </p:blipFill>
+        <p:spPr bwMode="auto">
+          <a:xfrm>
+            <a:off x="10564167" y="6353503"/>
+            <a:ext cx="1475682" cy="352753"/>
+          </a:xfrm>
+          <a:prstGeom prst="rect">
+            <a:avLst/>
+          </a:prstGeom>
+          <a:noFill/>
+          <a:extLst>
+            <a:ext uri="{909E8E84-426E-40DD-AFC4-6F175D3DCCD1}">
+              <a14:hiddenFill xmlns:a14="http://schemas.microsoft.com/office/drawing/2010/main">
+                <a:solidFill>
+                  <a:srgbClr val="FFFFFF"/>
+                </a:solidFill>
+              </a14:hiddenFill>
+            </a:ext>
+          </a:extLst>
+        </p:spPr>
+      </p:pic>
+      <p:sp>
+        <p:nvSpPr>
           <p:cNvPr id="6" name="Titel 4">
             <a:extLst>
               <a:ext uri="{FF2B5EF4-FFF2-40B4-BE49-F238E27FC236}">
@@ -7826,7 +8470,7 @@
 </p:sld>
 </file>
 
-<file path=ppt/slides/slide11.xml><?xml version="1.0" encoding="utf-8"?>
+<file path=ppt/slides/slide12.xml><?xml version="1.0" encoding="utf-8"?>
 <p:sld xmlns:a="http://schemas.openxmlformats.org/drawingml/2006/main" xmlns:r="http://schemas.openxmlformats.org/officeDocument/2006/relationships" xmlns:p="http://schemas.openxmlformats.org/presentationml/2006/main">
   <p:cSld>
     <p:bg>
@@ -8485,7 +9129,7 @@
 </p:sld>
 </file>
 
-<file path=ppt/slides/slide12.xml><?xml version="1.0" encoding="utf-8"?>
+<file path=ppt/slides/slide13.xml><?xml version="1.0" encoding="utf-8"?>
 <p:sld xmlns:a="http://schemas.openxmlformats.org/drawingml/2006/main" xmlns:r="http://schemas.openxmlformats.org/officeDocument/2006/relationships" xmlns:p="http://schemas.openxmlformats.org/presentationml/2006/main">
   <p:cSld>
     <p:bg>
@@ -9119,6 +9763,54 @@
           </a:p>
         </p:txBody>
       </p:sp>
+      <p:sp>
+        <p:nvSpPr>
+          <p:cNvPr id="9" name="Rechteck 8">
+            <a:extLst>
+              <a:ext uri="{FF2B5EF4-FFF2-40B4-BE49-F238E27FC236}">
+                <a16:creationId xmlns:a16="http://schemas.microsoft.com/office/drawing/2014/main" id="{6522B70C-6DD9-4C38-8652-4A50A843E8B5}"/>
+              </a:ext>
+            </a:extLst>
+          </p:cNvPr>
+          <p:cNvSpPr/>
+          <p:nvPr/>
+        </p:nvSpPr>
+        <p:spPr>
+          <a:xfrm>
+            <a:off x="7466457" y="1379438"/>
+            <a:ext cx="1220783" cy="369332"/>
+          </a:xfrm>
+          <a:prstGeom prst="rect">
+            <a:avLst/>
+          </a:prstGeom>
+        </p:spPr>
+        <p:txBody>
+          <a:bodyPr wrap="none">
+            <a:spAutoFit/>
+          </a:bodyPr>
+          <a:lstStyle/>
+          <a:p>
+            <a:pPr algn="ctr">
+              <a:defRPr/>
+            </a:pPr>
+            <a:r>
+              <a:rPr lang="en-US" dirty="0">
+                <a:solidFill>
+                  <a:srgbClr val="B1108E"/>
+                </a:solidFill>
+                <a:latin typeface="Calibri" panose="020F0502020204030204"/>
+              </a:rPr>
+              <a:t>(optional*)</a:t>
+            </a:r>
+            <a:endParaRPr lang="de-DE" dirty="0">
+              <a:solidFill>
+                <a:srgbClr val="B1108E"/>
+              </a:solidFill>
+              <a:latin typeface="Calibri" panose="020F0502020204030204"/>
+            </a:endParaRPr>
+          </a:p>
+        </p:txBody>
+      </p:sp>
     </p:spTree>
     <p:extLst>
       <p:ext uri="{BB962C8B-B14F-4D97-AF65-F5344CB8AC3E}">
@@ -9132,7 +9824,7 @@
 </p:sld>
 </file>
 
-<file path=ppt/slides/slide13.xml><?xml version="1.0" encoding="utf-8"?>
+<file path=ppt/slides/slide14.xml><?xml version="1.0" encoding="utf-8"?>
 <p:sld xmlns:a="http://schemas.openxmlformats.org/drawingml/2006/main" xmlns:r="http://schemas.openxmlformats.org/officeDocument/2006/relationships" xmlns:p="http://schemas.openxmlformats.org/presentationml/2006/main">
   <p:cSld>
     <p:bg>
@@ -9621,7 +10313,7 @@
 </p:sld>
 </file>
 
-<file path=ppt/slides/slide14.xml><?xml version="1.0" encoding="utf-8"?>
+<file path=ppt/slides/slide15.xml><?xml version="1.0" encoding="utf-8"?>
 <p:sld xmlns:a="http://schemas.openxmlformats.org/drawingml/2006/main" xmlns:r="http://schemas.openxmlformats.org/officeDocument/2006/relationships" xmlns:p="http://schemas.openxmlformats.org/presentationml/2006/main">
   <p:cSld>
     <p:bg>
@@ -10180,7 +10872,7 @@
 </p:sld>
 </file>
 
-<file path=ppt/slides/slide15.xml><?xml version="1.0" encoding="utf-8"?>
+<file path=ppt/slides/slide16.xml><?xml version="1.0" encoding="utf-8"?>
 <p:sld xmlns:a="http://schemas.openxmlformats.org/drawingml/2006/main" xmlns:r="http://schemas.openxmlformats.org/officeDocument/2006/relationships" xmlns:p="http://schemas.openxmlformats.org/presentationml/2006/main">
   <p:cSld>
     <p:bg>
@@ -10486,7 +11178,7 @@
 </p:sld>
 </file>
 
-<file path=ppt/slides/slide16.xml><?xml version="1.0" encoding="utf-8"?>
+<file path=ppt/slides/slide17.xml><?xml version="1.0" encoding="utf-8"?>
 <p:sld xmlns:a="http://schemas.openxmlformats.org/drawingml/2006/main" xmlns:r="http://schemas.openxmlformats.org/officeDocument/2006/relationships" xmlns:p="http://schemas.openxmlformats.org/presentationml/2006/main">
   <p:cSld>
     <p:bg>
@@ -11094,7 +11786,7 @@
 </p:sld>
 </file>
 
-<file path=ppt/slides/slide17.xml><?xml version="1.0" encoding="utf-8"?>
+<file path=ppt/slides/slide18.xml><?xml version="1.0" encoding="utf-8"?>
 <p:sld xmlns:a="http://schemas.openxmlformats.org/drawingml/2006/main" xmlns:r="http://schemas.openxmlformats.org/officeDocument/2006/relationships" xmlns:p="http://schemas.openxmlformats.org/presentationml/2006/main" show="0">
   <p:cSld>
     <p:spTree>
@@ -11152,7 +11844,7 @@
 </p:sld>
 </file>
 
-<file path=ppt/slides/slide18.xml><?xml version="1.0" encoding="utf-8"?>
+<file path=ppt/slides/slide19.xml><?xml version="1.0" encoding="utf-8"?>
 <p:sld xmlns:a="http://schemas.openxmlformats.org/drawingml/2006/main" xmlns:r="http://schemas.openxmlformats.org/officeDocument/2006/relationships" xmlns:p="http://schemas.openxmlformats.org/presentationml/2006/main">
   <p:cSld>
     <p:bg>
@@ -11302,64 +11994,6 @@
 </p:sld>
 </file>
 
-<file path=ppt/slides/slide19.xml><?xml version="1.0" encoding="utf-8"?>
-<p:sld xmlns:a="http://schemas.openxmlformats.org/drawingml/2006/main" xmlns:r="http://schemas.openxmlformats.org/officeDocument/2006/relationships" xmlns:p="http://schemas.openxmlformats.org/presentationml/2006/main" show="0">
-  <p:cSld>
-    <p:spTree>
-      <p:nvGrpSpPr>
-        <p:cNvPr id="1" name=""/>
-        <p:cNvGrpSpPr/>
-        <p:nvPr/>
-      </p:nvGrpSpPr>
-      <p:grpSpPr>
-        <a:xfrm>
-          <a:off x="0" y="0"/>
-          <a:ext cx="0" cy="0"/>
-          <a:chOff x="0" y="0"/>
-          <a:chExt cx="0" cy="0"/>
-        </a:xfrm>
-      </p:grpSpPr>
-      <p:sp>
-        <p:nvSpPr>
-          <p:cNvPr id="2" name="Titel 1">
-            <a:extLst>
-              <a:ext uri="{FF2B5EF4-FFF2-40B4-BE49-F238E27FC236}">
-                <a16:creationId xmlns:a16="http://schemas.microsoft.com/office/drawing/2014/main" id="{35F51759-DA98-4AA6-898E-6F362C63A250}"/>
-              </a:ext>
-            </a:extLst>
-          </p:cNvPr>
-          <p:cNvSpPr>
-            <a:spLocks noGrp="1"/>
-          </p:cNvSpPr>
-          <p:nvPr>
-            <p:ph type="title"/>
-          </p:nvPr>
-        </p:nvSpPr>
-        <p:spPr/>
-        <p:txBody>
-          <a:bodyPr/>
-          <a:lstStyle/>
-          <a:p>
-            <a:r>
-              <a:rPr lang="de-DE" dirty="0"/>
-              <a:t>Alex</a:t>
-            </a:r>
-          </a:p>
-        </p:txBody>
-      </p:sp>
-    </p:spTree>
-    <p:extLst>
-      <p:ext uri="{BB962C8B-B14F-4D97-AF65-F5344CB8AC3E}">
-        <p14:creationId xmlns:p14="http://schemas.microsoft.com/office/powerpoint/2010/main" val="1749084205"/>
-      </p:ext>
-    </p:extLst>
-  </p:cSld>
-  <p:clrMapOvr>
-    <a:masterClrMapping/>
-  </p:clrMapOvr>
-</p:sld>
-</file>
-
 <file path=ppt/slides/slide2.xml><?xml version="1.0" encoding="utf-8"?>
 <p:sld xmlns:a="http://schemas.openxmlformats.org/drawingml/2006/main" xmlns:r="http://schemas.openxmlformats.org/officeDocument/2006/relationships" xmlns:p="http://schemas.openxmlformats.org/presentationml/2006/main" show="0">
   <p:cSld>
@@ -11444,16 +12078,8 @@
 </file>
 
 <file path=ppt/slides/slide20.xml><?xml version="1.0" encoding="utf-8"?>
-<p:sld xmlns:a="http://schemas.openxmlformats.org/drawingml/2006/main" xmlns:r="http://schemas.openxmlformats.org/officeDocument/2006/relationships" xmlns:p="http://schemas.openxmlformats.org/presentationml/2006/main">
+<p:sld xmlns:a="http://schemas.openxmlformats.org/drawingml/2006/main" xmlns:r="http://schemas.openxmlformats.org/officeDocument/2006/relationships" xmlns:p="http://schemas.openxmlformats.org/presentationml/2006/main" show="0">
   <p:cSld>
-    <p:bg>
-      <p:bgPr>
-        <a:solidFill>
-          <a:schemeClr val="bg1"/>
-        </a:solidFill>
-        <a:effectLst/>
-      </p:bgPr>
-    </p:bg>
     <p:spTree>
       <p:nvGrpSpPr>
         <p:cNvPr id="1" name=""/>
@@ -11473,7 +12099,7 @@
           <p:cNvPr id="2" name="Titel 1">
             <a:extLst>
               <a:ext uri="{FF2B5EF4-FFF2-40B4-BE49-F238E27FC236}">
-                <a16:creationId xmlns:a16="http://schemas.microsoft.com/office/drawing/2014/main" id="{DB384D59-67DE-4359-8CF6-2A9EBD043F3A}"/>
+                <a16:creationId xmlns:a16="http://schemas.microsoft.com/office/drawing/2014/main" id="{35F51759-DA98-4AA6-898E-6F362C63A250}"/>
               </a:ext>
             </a:extLst>
           </p:cNvPr>
@@ -11484,77 +12110,22 @@
             <p:ph type="title"/>
           </p:nvPr>
         </p:nvSpPr>
-        <p:spPr>
-          <a:xfrm>
-            <a:off x="1754318" y="2766219"/>
-            <a:ext cx="8683364" cy="1325563"/>
-          </a:xfrm>
-        </p:spPr>
+        <p:spPr/>
         <p:txBody>
           <a:bodyPr/>
           <a:lstStyle/>
           <a:p>
             <a:r>
-              <a:rPr lang="de-DE" dirty="0" err="1"/>
-              <a:t>GraphQL</a:t>
-            </a:r>
-            <a:r>
               <a:rPr lang="de-DE" dirty="0"/>
-              <a:t> Schema Definition Language</a:t>
+              <a:t>Alex</a:t>
             </a:r>
           </a:p>
         </p:txBody>
       </p:sp>
-      <p:pic>
-        <p:nvPicPr>
-          <p:cNvPr id="7" name="Picture 6">
-            <a:extLst>
-              <a:ext uri="{FF2B5EF4-FFF2-40B4-BE49-F238E27FC236}">
-                <a16:creationId xmlns:a16="http://schemas.microsoft.com/office/drawing/2014/main" id="{2D25B2C6-E1EF-4DD3-A588-D2CB2F28C629}"/>
-              </a:ext>
-            </a:extLst>
-          </p:cNvPr>
-          <p:cNvPicPr>
-            <a:picLocks noChangeAspect="1" noChangeArrowheads="1"/>
-          </p:cNvPicPr>
-          <p:nvPr/>
-        </p:nvPicPr>
-        <p:blipFill>
-          <a:blip r:embed="rId3">
-            <a:extLst>
-              <a:ext uri="{28A0092B-C50C-407E-A947-70E740481C1C}">
-                <a14:useLocalDpi xmlns:a14="http://schemas.microsoft.com/office/drawing/2010/main" val="0"/>
-              </a:ext>
-            </a:extLst>
-          </a:blip>
-          <a:stretch>
-            <a:fillRect/>
-          </a:stretch>
-        </p:blipFill>
-        <p:spPr bwMode="auto">
-          <a:xfrm>
-            <a:off x="10564167" y="6353503"/>
-            <a:ext cx="1475682" cy="352753"/>
-          </a:xfrm>
-          <a:prstGeom prst="rect">
-            <a:avLst/>
-          </a:prstGeom>
-          <a:noFill/>
-          <a:extLst>
-            <a:ext uri="{909E8E84-426E-40DD-AFC4-6F175D3DCCD1}">
-              <a14:hiddenFill xmlns:a14="http://schemas.microsoft.com/office/drawing/2010/main">
-                <a:solidFill>
-                  <a:srgbClr val="FFFFFF"/>
-                </a:solidFill>
-              </a14:hiddenFill>
-            </a:ext>
-          </a:extLst>
-        </p:spPr>
-      </p:pic>
     </p:spTree>
     <p:extLst>
       <p:ext uri="{BB962C8B-B14F-4D97-AF65-F5344CB8AC3E}">
-        <p14:creationId xmlns:p14="http://schemas.microsoft.com/office/powerpoint/2010/main" val="453060314"/>
+        <p14:creationId xmlns:p14="http://schemas.microsoft.com/office/powerpoint/2010/main" val="1749084205"/>
       </p:ext>
     </p:extLst>
   </p:cSld>
@@ -11591,6 +12162,127 @@
       </p:grpSpPr>
       <p:sp>
         <p:nvSpPr>
+          <p:cNvPr id="2" name="Titel 1">
+            <a:extLst>
+              <a:ext uri="{FF2B5EF4-FFF2-40B4-BE49-F238E27FC236}">
+                <a16:creationId xmlns:a16="http://schemas.microsoft.com/office/drawing/2014/main" id="{DB384D59-67DE-4359-8CF6-2A9EBD043F3A}"/>
+              </a:ext>
+            </a:extLst>
+          </p:cNvPr>
+          <p:cNvSpPr>
+            <a:spLocks noGrp="1"/>
+          </p:cNvSpPr>
+          <p:nvPr>
+            <p:ph type="title"/>
+          </p:nvPr>
+        </p:nvSpPr>
+        <p:spPr>
+          <a:xfrm>
+            <a:off x="1754318" y="2766219"/>
+            <a:ext cx="8683364" cy="1325563"/>
+          </a:xfrm>
+        </p:spPr>
+        <p:txBody>
+          <a:bodyPr/>
+          <a:lstStyle/>
+          <a:p>
+            <a:r>
+              <a:rPr lang="de-DE" dirty="0" err="1"/>
+              <a:t>GraphQL</a:t>
+            </a:r>
+            <a:r>
+              <a:rPr lang="de-DE" dirty="0"/>
+              <a:t> Schema Definition Language</a:t>
+            </a:r>
+          </a:p>
+        </p:txBody>
+      </p:sp>
+      <p:pic>
+        <p:nvPicPr>
+          <p:cNvPr id="7" name="Picture 6">
+            <a:extLst>
+              <a:ext uri="{FF2B5EF4-FFF2-40B4-BE49-F238E27FC236}">
+                <a16:creationId xmlns:a16="http://schemas.microsoft.com/office/drawing/2014/main" id="{2D25B2C6-E1EF-4DD3-A588-D2CB2F28C629}"/>
+              </a:ext>
+            </a:extLst>
+          </p:cNvPr>
+          <p:cNvPicPr>
+            <a:picLocks noChangeAspect="1" noChangeArrowheads="1"/>
+          </p:cNvPicPr>
+          <p:nvPr/>
+        </p:nvPicPr>
+        <p:blipFill>
+          <a:blip r:embed="rId3">
+            <a:extLst>
+              <a:ext uri="{28A0092B-C50C-407E-A947-70E740481C1C}">
+                <a14:useLocalDpi xmlns:a14="http://schemas.microsoft.com/office/drawing/2010/main" val="0"/>
+              </a:ext>
+            </a:extLst>
+          </a:blip>
+          <a:stretch>
+            <a:fillRect/>
+          </a:stretch>
+        </p:blipFill>
+        <p:spPr bwMode="auto">
+          <a:xfrm>
+            <a:off x="10564167" y="6353503"/>
+            <a:ext cx="1475682" cy="352753"/>
+          </a:xfrm>
+          <a:prstGeom prst="rect">
+            <a:avLst/>
+          </a:prstGeom>
+          <a:noFill/>
+          <a:extLst>
+            <a:ext uri="{909E8E84-426E-40DD-AFC4-6F175D3DCCD1}">
+              <a14:hiddenFill xmlns:a14="http://schemas.microsoft.com/office/drawing/2010/main">
+                <a:solidFill>
+                  <a:srgbClr val="FFFFFF"/>
+                </a:solidFill>
+              </a14:hiddenFill>
+            </a:ext>
+          </a:extLst>
+        </p:spPr>
+      </p:pic>
+    </p:spTree>
+    <p:extLst>
+      <p:ext uri="{BB962C8B-B14F-4D97-AF65-F5344CB8AC3E}">
+        <p14:creationId xmlns:p14="http://schemas.microsoft.com/office/powerpoint/2010/main" val="453060314"/>
+      </p:ext>
+    </p:extLst>
+  </p:cSld>
+  <p:clrMapOvr>
+    <a:masterClrMapping/>
+  </p:clrMapOvr>
+</p:sld>
+</file>
+
+<file path=ppt/slides/slide22.xml><?xml version="1.0" encoding="utf-8"?>
+<p:sld xmlns:a="http://schemas.openxmlformats.org/drawingml/2006/main" xmlns:r="http://schemas.openxmlformats.org/officeDocument/2006/relationships" xmlns:p="http://schemas.openxmlformats.org/presentationml/2006/main">
+  <p:cSld>
+    <p:bg>
+      <p:bgPr>
+        <a:solidFill>
+          <a:schemeClr val="bg1"/>
+        </a:solidFill>
+        <a:effectLst/>
+      </p:bgPr>
+    </p:bg>
+    <p:spTree>
+      <p:nvGrpSpPr>
+        <p:cNvPr id="1" name=""/>
+        <p:cNvGrpSpPr/>
+        <p:nvPr/>
+      </p:nvGrpSpPr>
+      <p:grpSpPr>
+        <a:xfrm>
+          <a:off x="0" y="0"/>
+          <a:ext cx="0" cy="0"/>
+          <a:chOff x="0" y="0"/>
+          <a:chExt cx="0" cy="0"/>
+        </a:xfrm>
+      </p:grpSpPr>
+      <p:sp>
+        <p:nvSpPr>
           <p:cNvPr id="3" name="Rechteck 2">
             <a:extLst>
               <a:ext uri="{FF2B5EF4-FFF2-40B4-BE49-F238E27FC236}">
@@ -11858,7 +12550,7 @@
 </p:sld>
 </file>
 
-<file path=ppt/slides/slide22.xml><?xml version="1.0" encoding="utf-8"?>
+<file path=ppt/slides/slide23.xml><?xml version="1.0" encoding="utf-8"?>
 <p:sld xmlns:a="http://schemas.openxmlformats.org/drawingml/2006/main" xmlns:r="http://schemas.openxmlformats.org/officeDocument/2006/relationships" xmlns:p="http://schemas.openxmlformats.org/presentationml/2006/main">
   <p:cSld>
     <p:bg>
@@ -12163,7 +12855,7 @@
 </p:sld>
 </file>
 
-<file path=ppt/slides/slide23.xml><?xml version="1.0" encoding="utf-8"?>
+<file path=ppt/slides/slide24.xml><?xml version="1.0" encoding="utf-8"?>
 <p:sld xmlns:a="http://schemas.openxmlformats.org/drawingml/2006/main" xmlns:r="http://schemas.openxmlformats.org/officeDocument/2006/relationships" xmlns:p="http://schemas.openxmlformats.org/presentationml/2006/main">
   <p:cSld>
     <p:bg>
@@ -12463,7 +13155,7 @@
 </p:sld>
 </file>
 
-<file path=ppt/slides/slide24.xml><?xml version="1.0" encoding="utf-8"?>
+<file path=ppt/slides/slide25.xml><?xml version="1.0" encoding="utf-8"?>
 <p:sld xmlns:a="http://schemas.openxmlformats.org/drawingml/2006/main" xmlns:r="http://schemas.openxmlformats.org/officeDocument/2006/relationships" xmlns:p="http://schemas.openxmlformats.org/presentationml/2006/main" show="0">
   <p:cSld>
     <p:bg>
@@ -12809,7 +13501,7 @@
 </p:sld>
 </file>
 
-<file path=ppt/slides/slide25.xml><?xml version="1.0" encoding="utf-8"?>
+<file path=ppt/slides/slide26.xml><?xml version="1.0" encoding="utf-8"?>
 <p:sld xmlns:a="http://schemas.openxmlformats.org/drawingml/2006/main" xmlns:r="http://schemas.openxmlformats.org/officeDocument/2006/relationships" xmlns:p="http://schemas.openxmlformats.org/presentationml/2006/main">
   <p:cSld>
     <p:bg>
@@ -13169,7 +13861,7 @@
 </p:sld>
 </file>
 
-<file path=ppt/slides/slide26.xml><?xml version="1.0" encoding="utf-8"?>
+<file path=ppt/slides/slide27.xml><?xml version="1.0" encoding="utf-8"?>
 <p:sld xmlns:a="http://schemas.openxmlformats.org/drawingml/2006/main" xmlns:r="http://schemas.openxmlformats.org/officeDocument/2006/relationships" xmlns:p="http://schemas.openxmlformats.org/presentationml/2006/main">
   <p:cSld>
     <p:bg>
@@ -13527,7 +14219,7 @@
 </p:sld>
 </file>
 
-<file path=ppt/slides/slide27.xml><?xml version="1.0" encoding="utf-8"?>
+<file path=ppt/slides/slide28.xml><?xml version="1.0" encoding="utf-8"?>
 <p:sld xmlns:a="http://schemas.openxmlformats.org/drawingml/2006/main" xmlns:r="http://schemas.openxmlformats.org/officeDocument/2006/relationships" xmlns:p="http://schemas.openxmlformats.org/presentationml/2006/main">
   <p:cSld>
     <p:bg>
@@ -14163,7 +14855,7 @@
 </p:sld>
 </file>
 
-<file path=ppt/slides/slide28.xml><?xml version="1.0" encoding="utf-8"?>
+<file path=ppt/slides/slide29.xml><?xml version="1.0" encoding="utf-8"?>
 <p:sld xmlns:a="http://schemas.openxmlformats.org/drawingml/2006/main" xmlns:r="http://schemas.openxmlformats.org/officeDocument/2006/relationships" xmlns:p="http://schemas.openxmlformats.org/presentationml/2006/main">
   <p:cSld>
     <p:bg>
@@ -14784,7 +15476,515 @@
 </p:sld>
 </file>
 
-<file path=ppt/slides/slide29.xml><?xml version="1.0" encoding="utf-8"?>
+<file path=ppt/slides/slide3.xml><?xml version="1.0" encoding="utf-8"?>
+<p:sld xmlns:a="http://schemas.openxmlformats.org/drawingml/2006/main" xmlns:r="http://schemas.openxmlformats.org/officeDocument/2006/relationships" xmlns:p="http://schemas.openxmlformats.org/presentationml/2006/main">
+  <p:cSld>
+    <p:bg>
+      <p:bgPr>
+        <a:solidFill>
+          <a:schemeClr val="bg1"/>
+        </a:solidFill>
+        <a:effectLst/>
+      </p:bgPr>
+    </p:bg>
+    <p:spTree>
+      <p:nvGrpSpPr>
+        <p:cNvPr id="1" name=""/>
+        <p:cNvGrpSpPr/>
+        <p:nvPr/>
+      </p:nvGrpSpPr>
+      <p:grpSpPr>
+        <a:xfrm>
+          <a:off x="0" y="0"/>
+          <a:ext cx="0" cy="0"/>
+          <a:chOff x="0" y="0"/>
+          <a:chExt cx="0" cy="0"/>
+        </a:xfrm>
+      </p:grpSpPr>
+      <p:pic>
+        <p:nvPicPr>
+          <p:cNvPr id="1026" name="Picture 2" descr="https://dotnet-day-franken.de/media/k2/items/cache/deb45d333d0414ba3de42155789fdb4a_XL.jpg">
+            <a:extLst>
+              <a:ext uri="{FF2B5EF4-FFF2-40B4-BE49-F238E27FC236}">
+                <a16:creationId xmlns:a16="http://schemas.microsoft.com/office/drawing/2014/main" id="{EFF0A15A-A760-449C-A3A8-4F643875E2ED}"/>
+              </a:ext>
+            </a:extLst>
+          </p:cNvPr>
+          <p:cNvPicPr>
+            <a:picLocks noChangeAspect="1" noChangeArrowheads="1"/>
+          </p:cNvPicPr>
+          <p:nvPr/>
+        </p:nvPicPr>
+        <p:blipFill>
+          <a:blip r:embed="rId2">
+            <a:extLst>
+              <a:ext uri="{28A0092B-C50C-407E-A947-70E740481C1C}">
+                <a14:useLocalDpi xmlns:a14="http://schemas.microsoft.com/office/drawing/2010/main" val="0"/>
+              </a:ext>
+            </a:extLst>
+          </a:blip>
+          <a:srcRect/>
+          <a:stretch>
+            <a:fillRect/>
+          </a:stretch>
+        </p:blipFill>
+        <p:spPr bwMode="auto">
+          <a:xfrm>
+            <a:off x="2103480" y="1025524"/>
+            <a:ext cx="2052000" cy="2052000"/>
+          </a:xfrm>
+          <a:prstGeom prst="rect">
+            <a:avLst/>
+          </a:prstGeom>
+          <a:ln>
+            <a:noFill/>
+          </a:ln>
+          <a:effectLst>
+            <a:outerShdw blurRad="292100" dist="139700" dir="2700000" algn="tl" rotWithShape="0">
+              <a:srgbClr val="333333">
+                <a:alpha val="65000"/>
+              </a:srgbClr>
+            </a:outerShdw>
+          </a:effectLst>
+          <a:extLst>
+            <a:ext uri="{909E8E84-426E-40DD-AFC4-6F175D3DCCD1}">
+              <a14:hiddenFill xmlns:a14="http://schemas.microsoft.com/office/drawing/2010/main">
+                <a:solidFill>
+                  <a:srgbClr val="FFFFFF"/>
+                </a:solidFill>
+              </a14:hiddenFill>
+            </a:ext>
+          </a:extLst>
+        </p:spPr>
+      </p:pic>
+      <p:pic>
+        <p:nvPicPr>
+          <p:cNvPr id="1028" name="Picture 4">
+            <a:extLst>
+              <a:ext uri="{FF2B5EF4-FFF2-40B4-BE49-F238E27FC236}">
+                <a16:creationId xmlns:a16="http://schemas.microsoft.com/office/drawing/2014/main" id="{73F5CAC7-69CC-4EEF-A338-4A36F03D4567}"/>
+              </a:ext>
+            </a:extLst>
+          </p:cNvPr>
+          <p:cNvPicPr>
+            <a:picLocks noChangeAspect="1" noChangeArrowheads="1"/>
+          </p:cNvPicPr>
+          <p:nvPr/>
+        </p:nvPicPr>
+        <p:blipFill>
+          <a:blip r:embed="rId3">
+            <a:extLst>
+              <a:ext uri="{28A0092B-C50C-407E-A947-70E740481C1C}">
+                <a14:useLocalDpi xmlns:a14="http://schemas.microsoft.com/office/drawing/2010/main" val="0"/>
+              </a:ext>
+            </a:extLst>
+          </a:blip>
+          <a:srcRect/>
+          <a:stretch/>
+        </p:blipFill>
+        <p:spPr bwMode="auto">
+          <a:xfrm>
+            <a:off x="7737000" y="1025524"/>
+            <a:ext cx="2052000" cy="2052000"/>
+          </a:xfrm>
+          <a:prstGeom prst="rect">
+            <a:avLst/>
+          </a:prstGeom>
+          <a:ln>
+            <a:noFill/>
+          </a:ln>
+          <a:effectLst>
+            <a:outerShdw blurRad="292100" dist="139700" dir="2700000" algn="tl" rotWithShape="0">
+              <a:srgbClr val="333333">
+                <a:alpha val="65000"/>
+              </a:srgbClr>
+            </a:outerShdw>
+          </a:effectLst>
+          <a:extLst>
+            <a:ext uri="{909E8E84-426E-40DD-AFC4-6F175D3DCCD1}">
+              <a14:hiddenFill xmlns:a14="http://schemas.microsoft.com/office/drawing/2010/main">
+                <a:solidFill>
+                  <a:srgbClr val="FFFFFF"/>
+                </a:solidFill>
+              </a14:hiddenFill>
+            </a:ext>
+          </a:extLst>
+        </p:spPr>
+      </p:pic>
+      <p:pic>
+        <p:nvPicPr>
+          <p:cNvPr id="1030" name="Picture 6">
+            <a:extLst>
+              <a:ext uri="{FF2B5EF4-FFF2-40B4-BE49-F238E27FC236}">
+                <a16:creationId xmlns:a16="http://schemas.microsoft.com/office/drawing/2014/main" id="{CBE8CB01-CC8D-4419-B73C-A5BFBA8696EC}"/>
+              </a:ext>
+            </a:extLst>
+          </p:cNvPr>
+          <p:cNvPicPr>
+            <a:picLocks noChangeAspect="1" noChangeArrowheads="1"/>
+          </p:cNvPicPr>
+          <p:nvPr/>
+        </p:nvPicPr>
+        <p:blipFill>
+          <a:blip r:embed="rId4">
+            <a:extLst>
+              <a:ext uri="{28A0092B-C50C-407E-A947-70E740481C1C}">
+                <a14:useLocalDpi xmlns:a14="http://schemas.microsoft.com/office/drawing/2010/main" val="0"/>
+              </a:ext>
+            </a:extLst>
+          </a:blip>
+          <a:stretch>
+            <a:fillRect/>
+          </a:stretch>
+        </p:blipFill>
+        <p:spPr bwMode="auto">
+          <a:xfrm>
+            <a:off x="10564167" y="6353503"/>
+            <a:ext cx="1475682" cy="352753"/>
+          </a:xfrm>
+          <a:prstGeom prst="rect">
+            <a:avLst/>
+          </a:prstGeom>
+          <a:noFill/>
+          <a:extLst>
+            <a:ext uri="{909E8E84-426E-40DD-AFC4-6F175D3DCCD1}">
+              <a14:hiddenFill xmlns:a14="http://schemas.microsoft.com/office/drawing/2010/main">
+                <a:solidFill>
+                  <a:srgbClr val="FFFFFF"/>
+                </a:solidFill>
+              </a14:hiddenFill>
+            </a:ext>
+          </a:extLst>
+        </p:spPr>
+      </p:pic>
+      <p:pic>
+        <p:nvPicPr>
+          <p:cNvPr id="3" name="Grafik 2">
+            <a:extLst>
+              <a:ext uri="{FF2B5EF4-FFF2-40B4-BE49-F238E27FC236}">
+                <a16:creationId xmlns:a16="http://schemas.microsoft.com/office/drawing/2014/main" id="{8625F835-E821-4264-AA27-8ABA10E38DD8}"/>
+              </a:ext>
+            </a:extLst>
+          </p:cNvPr>
+          <p:cNvPicPr>
+            <a:picLocks noChangeAspect="1"/>
+          </p:cNvPicPr>
+          <p:nvPr/>
+        </p:nvPicPr>
+        <p:blipFill>
+          <a:blip r:embed="rId5" cstate="hqprint">
+            <a:extLst>
+              <a:ext uri="{28A0092B-C50C-407E-A947-70E740481C1C}">
+                <a14:useLocalDpi xmlns:a14="http://schemas.microsoft.com/office/drawing/2010/main" val="0"/>
+              </a:ext>
+              <a:ext uri="{96DAC541-7B7A-43D3-8B79-37D633B846F1}">
+                <asvg:svgBlip xmlns:asvg="http://schemas.microsoft.com/office/drawing/2016/SVG/main" r:embed="rId6"/>
+              </a:ext>
+            </a:extLst>
+          </a:blip>
+          <a:stretch>
+            <a:fillRect/>
+          </a:stretch>
+        </p:blipFill>
+        <p:spPr>
+          <a:xfrm>
+            <a:off x="1716575" y="4266460"/>
+            <a:ext cx="386905" cy="314683"/>
+          </a:xfrm>
+          <a:prstGeom prst="rect">
+            <a:avLst/>
+          </a:prstGeom>
+        </p:spPr>
+      </p:pic>
+      <p:pic>
+        <p:nvPicPr>
+          <p:cNvPr id="7" name="Grafik 6">
+            <a:extLst>
+              <a:ext uri="{FF2B5EF4-FFF2-40B4-BE49-F238E27FC236}">
+                <a16:creationId xmlns:a16="http://schemas.microsoft.com/office/drawing/2014/main" id="{9008C4FA-F255-49C4-8F2C-B3DFC5DF9055}"/>
+              </a:ext>
+            </a:extLst>
+          </p:cNvPr>
+          <p:cNvPicPr>
+            <a:picLocks noChangeAspect="1"/>
+          </p:cNvPicPr>
+          <p:nvPr/>
+        </p:nvPicPr>
+        <p:blipFill>
+          <a:blip r:embed="rId5" cstate="hqprint">
+            <a:extLst>
+              <a:ext uri="{28A0092B-C50C-407E-A947-70E740481C1C}">
+                <a14:useLocalDpi xmlns:a14="http://schemas.microsoft.com/office/drawing/2010/main" val="0"/>
+              </a:ext>
+              <a:ext uri="{96DAC541-7B7A-43D3-8B79-37D633B846F1}">
+                <asvg:svgBlip xmlns:asvg="http://schemas.microsoft.com/office/drawing/2016/SVG/main" r:embed="rId6"/>
+              </a:ext>
+            </a:extLst>
+          </a:blip>
+          <a:stretch>
+            <a:fillRect/>
+          </a:stretch>
+        </p:blipFill>
+        <p:spPr>
+          <a:xfrm>
+            <a:off x="7350095" y="4266460"/>
+            <a:ext cx="386905" cy="314683"/>
+          </a:xfrm>
+          <a:prstGeom prst="rect">
+            <a:avLst/>
+          </a:prstGeom>
+        </p:spPr>
+      </p:pic>
+      <p:sp>
+        <p:nvSpPr>
+          <p:cNvPr id="5" name="Rechteck 4">
+            <a:extLst>
+              <a:ext uri="{FF2B5EF4-FFF2-40B4-BE49-F238E27FC236}">
+                <a16:creationId xmlns:a16="http://schemas.microsoft.com/office/drawing/2014/main" id="{BAFB28D1-4CDE-432B-9F73-4D8FD0748637}"/>
+              </a:ext>
+            </a:extLst>
+          </p:cNvPr>
+          <p:cNvSpPr/>
+          <p:nvPr/>
+        </p:nvSpPr>
+        <p:spPr>
+          <a:xfrm>
+            <a:off x="7737000" y="4211811"/>
+            <a:ext cx="1170257" cy="369332"/>
+          </a:xfrm>
+          <a:prstGeom prst="rect">
+            <a:avLst/>
+          </a:prstGeom>
+        </p:spPr>
+        <p:txBody>
+          <a:bodyPr wrap="none">
+            <a:spAutoFit/>
+          </a:bodyPr>
+          <a:lstStyle/>
+          <a:p>
+            <a:r>
+              <a:rPr lang="de-DE" dirty="0"/>
+              <a:t>@</a:t>
+            </a:r>
+            <a:r>
+              <a:rPr lang="de-DE" dirty="0" err="1"/>
+              <a:t>Al_exHo</a:t>
+            </a:r>
+            <a:endParaRPr lang="de-DE" dirty="0"/>
+          </a:p>
+        </p:txBody>
+      </p:sp>
+      <p:sp>
+        <p:nvSpPr>
+          <p:cNvPr id="6" name="Rechteck 5">
+            <a:extLst>
+              <a:ext uri="{FF2B5EF4-FFF2-40B4-BE49-F238E27FC236}">
+                <a16:creationId xmlns:a16="http://schemas.microsoft.com/office/drawing/2014/main" id="{CF3D8852-AEC2-40CD-9CE4-AA30F46BD37A}"/>
+              </a:ext>
+            </a:extLst>
+          </p:cNvPr>
+          <p:cNvSpPr/>
+          <p:nvPr/>
+        </p:nvSpPr>
+        <p:spPr>
+          <a:xfrm>
+            <a:off x="2103480" y="4239135"/>
+            <a:ext cx="1401153" cy="369332"/>
+          </a:xfrm>
+          <a:prstGeom prst="rect">
+            <a:avLst/>
+          </a:prstGeom>
+        </p:spPr>
+        <p:txBody>
+          <a:bodyPr wrap="none">
+            <a:spAutoFit/>
+          </a:bodyPr>
+          <a:lstStyle/>
+          <a:p>
+            <a:r>
+              <a:rPr lang="de-DE" b="1" dirty="0">
+                <a:latin typeface="Segoe UI" panose="020B0502040204020203" pitchFamily="34" charset="0"/>
+              </a:rPr>
+              <a:t>@</a:t>
+            </a:r>
+            <a:r>
+              <a:rPr lang="de-DE" dirty="0" err="1">
+                <a:latin typeface="Segoe UI" panose="020B0502040204020203" pitchFamily="34" charset="0"/>
+              </a:rPr>
+              <a:t>kingxelor</a:t>
+            </a:r>
+            <a:r>
+              <a:rPr lang="de-DE" b="1" dirty="0">
+                <a:latin typeface="Segoe UI" panose="020B0502040204020203" pitchFamily="34" charset="0"/>
+              </a:rPr>
+              <a:t> </a:t>
+            </a:r>
+            <a:endParaRPr lang="de-DE" dirty="0"/>
+          </a:p>
+        </p:txBody>
+      </p:sp>
+      <p:sp>
+        <p:nvSpPr>
+          <p:cNvPr id="11" name="Rechteck 10">
+            <a:extLst>
+              <a:ext uri="{FF2B5EF4-FFF2-40B4-BE49-F238E27FC236}">
+                <a16:creationId xmlns:a16="http://schemas.microsoft.com/office/drawing/2014/main" id="{6ACDA1E7-8D11-4BD9-9060-8A570813F845}"/>
+              </a:ext>
+            </a:extLst>
+          </p:cNvPr>
+          <p:cNvSpPr/>
+          <p:nvPr/>
+        </p:nvSpPr>
+        <p:spPr>
+          <a:xfrm>
+            <a:off x="2103480" y="3739257"/>
+            <a:ext cx="2102760" cy="369332"/>
+          </a:xfrm>
+          <a:prstGeom prst="rect">
+            <a:avLst/>
+          </a:prstGeom>
+        </p:spPr>
+        <p:txBody>
+          <a:bodyPr wrap="square">
+            <a:spAutoFit/>
+          </a:bodyPr>
+          <a:lstStyle/>
+          <a:p>
+            <a:r>
+              <a:rPr lang="de-DE" dirty="0">
+                <a:latin typeface="Segoe UI" panose="020B0502040204020203" pitchFamily="34" charset="0"/>
+              </a:rPr>
+              <a:t>Matthias Drescher</a:t>
+            </a:r>
+            <a:endParaRPr lang="de-DE" dirty="0"/>
+          </a:p>
+        </p:txBody>
+      </p:sp>
+      <p:sp>
+        <p:nvSpPr>
+          <p:cNvPr id="12" name="Rechteck 11">
+            <a:extLst>
+              <a:ext uri="{FF2B5EF4-FFF2-40B4-BE49-F238E27FC236}">
+                <a16:creationId xmlns:a16="http://schemas.microsoft.com/office/drawing/2014/main" id="{724FD4FB-89B5-4326-BFD1-F1C8686095A0}"/>
+              </a:ext>
+            </a:extLst>
+          </p:cNvPr>
+          <p:cNvSpPr/>
+          <p:nvPr/>
+        </p:nvSpPr>
+        <p:spPr>
+          <a:xfrm>
+            <a:off x="7737000" y="3738698"/>
+            <a:ext cx="2102760" cy="369332"/>
+          </a:xfrm>
+          <a:prstGeom prst="rect">
+            <a:avLst/>
+          </a:prstGeom>
+        </p:spPr>
+        <p:txBody>
+          <a:bodyPr wrap="square">
+            <a:spAutoFit/>
+          </a:bodyPr>
+          <a:lstStyle/>
+          <a:p>
+            <a:r>
+              <a:rPr lang="de-DE" dirty="0">
+                <a:latin typeface="Segoe UI" panose="020B0502040204020203" pitchFamily="34" charset="0"/>
+              </a:rPr>
+              <a:t>Alexander Horn</a:t>
+            </a:r>
+            <a:endParaRPr lang="de-DE" dirty="0"/>
+          </a:p>
+        </p:txBody>
+      </p:sp>
+      <p:sp>
+        <p:nvSpPr>
+          <p:cNvPr id="13" name="Rechteck 12">
+            <a:extLst>
+              <a:ext uri="{FF2B5EF4-FFF2-40B4-BE49-F238E27FC236}">
+                <a16:creationId xmlns:a16="http://schemas.microsoft.com/office/drawing/2014/main" id="{C5DC15D7-20BB-437A-B5CF-E9080615D5E2}"/>
+              </a:ext>
+            </a:extLst>
+          </p:cNvPr>
+          <p:cNvSpPr/>
+          <p:nvPr/>
+        </p:nvSpPr>
+        <p:spPr>
+          <a:xfrm>
+            <a:off x="2103480" y="4739013"/>
+            <a:ext cx="2102760" cy="646331"/>
+          </a:xfrm>
+          <a:prstGeom prst="rect">
+            <a:avLst/>
+          </a:prstGeom>
+        </p:spPr>
+        <p:txBody>
+          <a:bodyPr wrap="square">
+            <a:spAutoFit/>
+          </a:bodyPr>
+          <a:lstStyle/>
+          <a:p>
+            <a:r>
+              <a:rPr lang="de-DE">
+                <a:latin typeface="Segoe UI" panose="020B0502040204020203" pitchFamily="34" charset="0"/>
+              </a:rPr>
+              <a:t>Scrum Master &amp; Webentwickler</a:t>
+            </a:r>
+            <a:endParaRPr lang="de-DE" dirty="0"/>
+          </a:p>
+        </p:txBody>
+      </p:sp>
+      <p:sp>
+        <p:nvSpPr>
+          <p:cNvPr id="14" name="Rechteck 13">
+            <a:extLst>
+              <a:ext uri="{FF2B5EF4-FFF2-40B4-BE49-F238E27FC236}">
+                <a16:creationId xmlns:a16="http://schemas.microsoft.com/office/drawing/2014/main" id="{F4538B15-F0EC-43F9-8AB6-B8606C55BF2C}"/>
+              </a:ext>
+            </a:extLst>
+          </p:cNvPr>
+          <p:cNvSpPr/>
+          <p:nvPr/>
+        </p:nvSpPr>
+        <p:spPr>
+          <a:xfrm>
+            <a:off x="7737000" y="4739013"/>
+            <a:ext cx="2102760" cy="369332"/>
+          </a:xfrm>
+          <a:prstGeom prst="rect">
+            <a:avLst/>
+          </a:prstGeom>
+        </p:spPr>
+        <p:txBody>
+          <a:bodyPr wrap="square">
+            <a:spAutoFit/>
+          </a:bodyPr>
+          <a:lstStyle/>
+          <a:p>
+            <a:r>
+              <a:rPr lang="de-DE" dirty="0">
+                <a:latin typeface="Segoe UI" panose="020B0502040204020203" pitchFamily="34" charset="0"/>
+              </a:rPr>
+              <a:t>Webentwickler</a:t>
+            </a:r>
+            <a:endParaRPr lang="de-DE" dirty="0"/>
+          </a:p>
+        </p:txBody>
+      </p:sp>
+    </p:spTree>
+    <p:extLst>
+      <p:ext uri="{BB962C8B-B14F-4D97-AF65-F5344CB8AC3E}">
+        <p14:creationId xmlns:p14="http://schemas.microsoft.com/office/powerpoint/2010/main" val="2417779297"/>
+      </p:ext>
+    </p:extLst>
+  </p:cSld>
+  <p:clrMapOvr>
+    <a:masterClrMapping/>
+  </p:clrMapOvr>
+</p:sld>
+</file>
+
+<file path=ppt/slides/slide30.xml><?xml version="1.0" encoding="utf-8"?>
 <p:sld xmlns:a="http://schemas.openxmlformats.org/drawingml/2006/main" xmlns:r="http://schemas.openxmlformats.org/officeDocument/2006/relationships" xmlns:p="http://schemas.openxmlformats.org/presentationml/2006/main">
   <p:cSld>
     <p:bg>
@@ -15613,517 +16813,7 @@
 </p:sld>
 </file>
 
-<file path=ppt/slides/slide3.xml><?xml version="1.0" encoding="utf-8"?>
-<p:sld xmlns:a="http://schemas.openxmlformats.org/drawingml/2006/main" xmlns:r="http://schemas.openxmlformats.org/officeDocument/2006/relationships" xmlns:p="http://schemas.openxmlformats.org/presentationml/2006/main">
-  <p:cSld>
-    <p:bg>
-      <p:bgPr>
-        <a:solidFill>
-          <a:schemeClr val="bg1"/>
-        </a:solidFill>
-        <a:effectLst/>
-      </p:bgPr>
-    </p:bg>
-    <p:spTree>
-      <p:nvGrpSpPr>
-        <p:cNvPr id="1" name=""/>
-        <p:cNvGrpSpPr/>
-        <p:nvPr/>
-      </p:nvGrpSpPr>
-      <p:grpSpPr>
-        <a:xfrm>
-          <a:off x="0" y="0"/>
-          <a:ext cx="0" cy="0"/>
-          <a:chOff x="0" y="0"/>
-          <a:chExt cx="0" cy="0"/>
-        </a:xfrm>
-      </p:grpSpPr>
-      <p:pic>
-        <p:nvPicPr>
-          <p:cNvPr id="1026" name="Picture 2" descr="https://dotnet-day-franken.de/media/k2/items/cache/deb45d333d0414ba3de42155789fdb4a_XL.jpg">
-            <a:extLst>
-              <a:ext uri="{FF2B5EF4-FFF2-40B4-BE49-F238E27FC236}">
-                <a16:creationId xmlns:a16="http://schemas.microsoft.com/office/drawing/2014/main" id="{EFF0A15A-A760-449C-A3A8-4F643875E2ED}"/>
-              </a:ext>
-            </a:extLst>
-          </p:cNvPr>
-          <p:cNvPicPr>
-            <a:picLocks noChangeAspect="1" noChangeArrowheads="1"/>
-          </p:cNvPicPr>
-          <p:nvPr/>
-        </p:nvPicPr>
-        <p:blipFill>
-          <a:blip r:embed="rId2">
-            <a:extLst>
-              <a:ext uri="{28A0092B-C50C-407E-A947-70E740481C1C}">
-                <a14:useLocalDpi xmlns:a14="http://schemas.microsoft.com/office/drawing/2010/main" val="0"/>
-              </a:ext>
-            </a:extLst>
-          </a:blip>
-          <a:srcRect/>
-          <a:stretch>
-            <a:fillRect/>
-          </a:stretch>
-        </p:blipFill>
-        <p:spPr bwMode="auto">
-          <a:xfrm>
-            <a:off x="2103480" y="1025524"/>
-            <a:ext cx="2052000" cy="2052000"/>
-          </a:xfrm>
-          <a:prstGeom prst="rect">
-            <a:avLst/>
-          </a:prstGeom>
-          <a:ln>
-            <a:noFill/>
-          </a:ln>
-          <a:effectLst>
-            <a:outerShdw blurRad="292100" dist="139700" dir="2700000" algn="tl" rotWithShape="0">
-              <a:srgbClr val="333333">
-                <a:alpha val="65000"/>
-              </a:srgbClr>
-            </a:outerShdw>
-          </a:effectLst>
-          <a:extLst>
-            <a:ext uri="{909E8E84-426E-40DD-AFC4-6F175D3DCCD1}">
-              <a14:hiddenFill xmlns:a14="http://schemas.microsoft.com/office/drawing/2010/main">
-                <a:solidFill>
-                  <a:srgbClr val="FFFFFF"/>
-                </a:solidFill>
-              </a14:hiddenFill>
-            </a:ext>
-          </a:extLst>
-        </p:spPr>
-      </p:pic>
-      <p:pic>
-        <p:nvPicPr>
-          <p:cNvPr id="1028" name="Picture 4" descr="https://dotnet-day-franken.de/media/k2/items/cache/852967248dd3e6cb3942a1fe6af42945_XL.jpg">
-            <a:extLst>
-              <a:ext uri="{FF2B5EF4-FFF2-40B4-BE49-F238E27FC236}">
-                <a16:creationId xmlns:a16="http://schemas.microsoft.com/office/drawing/2014/main" id="{73F5CAC7-69CC-4EEF-A338-4A36F03D4567}"/>
-              </a:ext>
-            </a:extLst>
-          </p:cNvPr>
-          <p:cNvPicPr>
-            <a:picLocks noChangeAspect="1" noChangeArrowheads="1"/>
-          </p:cNvPicPr>
-          <p:nvPr/>
-        </p:nvPicPr>
-        <p:blipFill>
-          <a:blip r:embed="rId3">
-            <a:extLst>
-              <a:ext uri="{28A0092B-C50C-407E-A947-70E740481C1C}">
-                <a14:useLocalDpi xmlns:a14="http://schemas.microsoft.com/office/drawing/2010/main" val="0"/>
-              </a:ext>
-            </a:extLst>
-          </a:blip>
-          <a:srcRect/>
-          <a:stretch>
-            <a:fillRect/>
-          </a:stretch>
-        </p:blipFill>
-        <p:spPr bwMode="auto">
-          <a:xfrm>
-            <a:off x="7737000" y="1025524"/>
-            <a:ext cx="2052000" cy="2052000"/>
-          </a:xfrm>
-          <a:prstGeom prst="rect">
-            <a:avLst/>
-          </a:prstGeom>
-          <a:ln>
-            <a:noFill/>
-          </a:ln>
-          <a:effectLst>
-            <a:outerShdw blurRad="292100" dist="139700" dir="2700000" algn="tl" rotWithShape="0">
-              <a:srgbClr val="333333">
-                <a:alpha val="65000"/>
-              </a:srgbClr>
-            </a:outerShdw>
-          </a:effectLst>
-          <a:extLst>
-            <a:ext uri="{909E8E84-426E-40DD-AFC4-6F175D3DCCD1}">
-              <a14:hiddenFill xmlns:a14="http://schemas.microsoft.com/office/drawing/2010/main">
-                <a:solidFill>
-                  <a:srgbClr val="FFFFFF"/>
-                </a:solidFill>
-              </a14:hiddenFill>
-            </a:ext>
-          </a:extLst>
-        </p:spPr>
-      </p:pic>
-      <p:pic>
-        <p:nvPicPr>
-          <p:cNvPr id="1030" name="Picture 6">
-            <a:extLst>
-              <a:ext uri="{FF2B5EF4-FFF2-40B4-BE49-F238E27FC236}">
-                <a16:creationId xmlns:a16="http://schemas.microsoft.com/office/drawing/2014/main" id="{CBE8CB01-CC8D-4419-B73C-A5BFBA8696EC}"/>
-              </a:ext>
-            </a:extLst>
-          </p:cNvPr>
-          <p:cNvPicPr>
-            <a:picLocks noChangeAspect="1" noChangeArrowheads="1"/>
-          </p:cNvPicPr>
-          <p:nvPr/>
-        </p:nvPicPr>
-        <p:blipFill>
-          <a:blip r:embed="rId4">
-            <a:extLst>
-              <a:ext uri="{28A0092B-C50C-407E-A947-70E740481C1C}">
-                <a14:useLocalDpi xmlns:a14="http://schemas.microsoft.com/office/drawing/2010/main" val="0"/>
-              </a:ext>
-            </a:extLst>
-          </a:blip>
-          <a:stretch>
-            <a:fillRect/>
-          </a:stretch>
-        </p:blipFill>
-        <p:spPr bwMode="auto">
-          <a:xfrm>
-            <a:off x="10564167" y="6353503"/>
-            <a:ext cx="1475682" cy="352753"/>
-          </a:xfrm>
-          <a:prstGeom prst="rect">
-            <a:avLst/>
-          </a:prstGeom>
-          <a:noFill/>
-          <a:extLst>
-            <a:ext uri="{909E8E84-426E-40DD-AFC4-6F175D3DCCD1}">
-              <a14:hiddenFill xmlns:a14="http://schemas.microsoft.com/office/drawing/2010/main">
-                <a:solidFill>
-                  <a:srgbClr val="FFFFFF"/>
-                </a:solidFill>
-              </a14:hiddenFill>
-            </a:ext>
-          </a:extLst>
-        </p:spPr>
-      </p:pic>
-      <p:pic>
-        <p:nvPicPr>
-          <p:cNvPr id="3" name="Grafik 2">
-            <a:extLst>
-              <a:ext uri="{FF2B5EF4-FFF2-40B4-BE49-F238E27FC236}">
-                <a16:creationId xmlns:a16="http://schemas.microsoft.com/office/drawing/2014/main" id="{8625F835-E821-4264-AA27-8ABA10E38DD8}"/>
-              </a:ext>
-            </a:extLst>
-          </p:cNvPr>
-          <p:cNvPicPr>
-            <a:picLocks noChangeAspect="1"/>
-          </p:cNvPicPr>
-          <p:nvPr/>
-        </p:nvPicPr>
-        <p:blipFill>
-          <a:blip r:embed="rId5" cstate="hqprint">
-            <a:extLst>
-              <a:ext uri="{28A0092B-C50C-407E-A947-70E740481C1C}">
-                <a14:useLocalDpi xmlns:a14="http://schemas.microsoft.com/office/drawing/2010/main" val="0"/>
-              </a:ext>
-              <a:ext uri="{96DAC541-7B7A-43D3-8B79-37D633B846F1}">
-                <asvg:svgBlip xmlns:asvg="http://schemas.microsoft.com/office/drawing/2016/SVG/main" r:embed="rId6"/>
-              </a:ext>
-            </a:extLst>
-          </a:blip>
-          <a:stretch>
-            <a:fillRect/>
-          </a:stretch>
-        </p:blipFill>
-        <p:spPr>
-          <a:xfrm>
-            <a:off x="1716575" y="4266460"/>
-            <a:ext cx="386905" cy="314683"/>
-          </a:xfrm>
-          <a:prstGeom prst="rect">
-            <a:avLst/>
-          </a:prstGeom>
-        </p:spPr>
-      </p:pic>
-      <p:pic>
-        <p:nvPicPr>
-          <p:cNvPr id="7" name="Grafik 6">
-            <a:extLst>
-              <a:ext uri="{FF2B5EF4-FFF2-40B4-BE49-F238E27FC236}">
-                <a16:creationId xmlns:a16="http://schemas.microsoft.com/office/drawing/2014/main" id="{9008C4FA-F255-49C4-8F2C-B3DFC5DF9055}"/>
-              </a:ext>
-            </a:extLst>
-          </p:cNvPr>
-          <p:cNvPicPr>
-            <a:picLocks noChangeAspect="1"/>
-          </p:cNvPicPr>
-          <p:nvPr/>
-        </p:nvPicPr>
-        <p:blipFill>
-          <a:blip r:embed="rId5" cstate="hqprint">
-            <a:extLst>
-              <a:ext uri="{28A0092B-C50C-407E-A947-70E740481C1C}">
-                <a14:useLocalDpi xmlns:a14="http://schemas.microsoft.com/office/drawing/2010/main" val="0"/>
-              </a:ext>
-              <a:ext uri="{96DAC541-7B7A-43D3-8B79-37D633B846F1}">
-                <asvg:svgBlip xmlns:asvg="http://schemas.microsoft.com/office/drawing/2016/SVG/main" r:embed="rId6"/>
-              </a:ext>
-            </a:extLst>
-          </a:blip>
-          <a:stretch>
-            <a:fillRect/>
-          </a:stretch>
-        </p:blipFill>
-        <p:spPr>
-          <a:xfrm>
-            <a:off x="7350095" y="4266460"/>
-            <a:ext cx="386905" cy="314683"/>
-          </a:xfrm>
-          <a:prstGeom prst="rect">
-            <a:avLst/>
-          </a:prstGeom>
-        </p:spPr>
-      </p:pic>
-      <p:sp>
-        <p:nvSpPr>
-          <p:cNvPr id="5" name="Rechteck 4">
-            <a:extLst>
-              <a:ext uri="{FF2B5EF4-FFF2-40B4-BE49-F238E27FC236}">
-                <a16:creationId xmlns:a16="http://schemas.microsoft.com/office/drawing/2014/main" id="{BAFB28D1-4CDE-432B-9F73-4D8FD0748637}"/>
-              </a:ext>
-            </a:extLst>
-          </p:cNvPr>
-          <p:cNvSpPr/>
-          <p:nvPr/>
-        </p:nvSpPr>
-        <p:spPr>
-          <a:xfrm>
-            <a:off x="7737000" y="4211811"/>
-            <a:ext cx="1170257" cy="369332"/>
-          </a:xfrm>
-          <a:prstGeom prst="rect">
-            <a:avLst/>
-          </a:prstGeom>
-        </p:spPr>
-        <p:txBody>
-          <a:bodyPr wrap="none">
-            <a:spAutoFit/>
-          </a:bodyPr>
-          <a:lstStyle/>
-          <a:p>
-            <a:r>
-              <a:rPr lang="de-DE" dirty="0"/>
-              <a:t>@</a:t>
-            </a:r>
-            <a:r>
-              <a:rPr lang="de-DE" dirty="0" err="1"/>
-              <a:t>Al_exHo</a:t>
-            </a:r>
-            <a:endParaRPr lang="de-DE" dirty="0"/>
-          </a:p>
-        </p:txBody>
-      </p:sp>
-      <p:sp>
-        <p:nvSpPr>
-          <p:cNvPr id="6" name="Rechteck 5">
-            <a:extLst>
-              <a:ext uri="{FF2B5EF4-FFF2-40B4-BE49-F238E27FC236}">
-                <a16:creationId xmlns:a16="http://schemas.microsoft.com/office/drawing/2014/main" id="{CF3D8852-AEC2-40CD-9CE4-AA30F46BD37A}"/>
-              </a:ext>
-            </a:extLst>
-          </p:cNvPr>
-          <p:cNvSpPr/>
-          <p:nvPr/>
-        </p:nvSpPr>
-        <p:spPr>
-          <a:xfrm>
-            <a:off x="2103480" y="4239135"/>
-            <a:ext cx="1401153" cy="369332"/>
-          </a:xfrm>
-          <a:prstGeom prst="rect">
-            <a:avLst/>
-          </a:prstGeom>
-        </p:spPr>
-        <p:txBody>
-          <a:bodyPr wrap="none">
-            <a:spAutoFit/>
-          </a:bodyPr>
-          <a:lstStyle/>
-          <a:p>
-            <a:r>
-              <a:rPr lang="de-DE" b="1" dirty="0">
-                <a:latin typeface="Segoe UI" panose="020B0502040204020203" pitchFamily="34" charset="0"/>
-              </a:rPr>
-              <a:t>@</a:t>
-            </a:r>
-            <a:r>
-              <a:rPr lang="de-DE" dirty="0" err="1">
-                <a:latin typeface="Segoe UI" panose="020B0502040204020203" pitchFamily="34" charset="0"/>
-              </a:rPr>
-              <a:t>kingxelor</a:t>
-            </a:r>
-            <a:r>
-              <a:rPr lang="de-DE" b="1" dirty="0">
-                <a:latin typeface="Segoe UI" panose="020B0502040204020203" pitchFamily="34" charset="0"/>
-              </a:rPr>
-              <a:t> </a:t>
-            </a:r>
-            <a:endParaRPr lang="de-DE" dirty="0"/>
-          </a:p>
-        </p:txBody>
-      </p:sp>
-      <p:sp>
-        <p:nvSpPr>
-          <p:cNvPr id="11" name="Rechteck 10">
-            <a:extLst>
-              <a:ext uri="{FF2B5EF4-FFF2-40B4-BE49-F238E27FC236}">
-                <a16:creationId xmlns:a16="http://schemas.microsoft.com/office/drawing/2014/main" id="{6ACDA1E7-8D11-4BD9-9060-8A570813F845}"/>
-              </a:ext>
-            </a:extLst>
-          </p:cNvPr>
-          <p:cNvSpPr/>
-          <p:nvPr/>
-        </p:nvSpPr>
-        <p:spPr>
-          <a:xfrm>
-            <a:off x="2103480" y="3739257"/>
-            <a:ext cx="2102760" cy="369332"/>
-          </a:xfrm>
-          <a:prstGeom prst="rect">
-            <a:avLst/>
-          </a:prstGeom>
-        </p:spPr>
-        <p:txBody>
-          <a:bodyPr wrap="square">
-            <a:spAutoFit/>
-          </a:bodyPr>
-          <a:lstStyle/>
-          <a:p>
-            <a:r>
-              <a:rPr lang="de-DE" dirty="0">
-                <a:latin typeface="Segoe UI" panose="020B0502040204020203" pitchFamily="34" charset="0"/>
-              </a:rPr>
-              <a:t>Matthias Drescher</a:t>
-            </a:r>
-            <a:endParaRPr lang="de-DE" dirty="0"/>
-          </a:p>
-        </p:txBody>
-      </p:sp>
-      <p:sp>
-        <p:nvSpPr>
-          <p:cNvPr id="12" name="Rechteck 11">
-            <a:extLst>
-              <a:ext uri="{FF2B5EF4-FFF2-40B4-BE49-F238E27FC236}">
-                <a16:creationId xmlns:a16="http://schemas.microsoft.com/office/drawing/2014/main" id="{724FD4FB-89B5-4326-BFD1-F1C8686095A0}"/>
-              </a:ext>
-            </a:extLst>
-          </p:cNvPr>
-          <p:cNvSpPr/>
-          <p:nvPr/>
-        </p:nvSpPr>
-        <p:spPr>
-          <a:xfrm>
-            <a:off x="7737000" y="3738698"/>
-            <a:ext cx="2102760" cy="369332"/>
-          </a:xfrm>
-          <a:prstGeom prst="rect">
-            <a:avLst/>
-          </a:prstGeom>
-        </p:spPr>
-        <p:txBody>
-          <a:bodyPr wrap="square">
-            <a:spAutoFit/>
-          </a:bodyPr>
-          <a:lstStyle/>
-          <a:p>
-            <a:r>
-              <a:rPr lang="de-DE" dirty="0">
-                <a:latin typeface="Segoe UI" panose="020B0502040204020203" pitchFamily="34" charset="0"/>
-              </a:rPr>
-              <a:t>Alexander Horn</a:t>
-            </a:r>
-            <a:endParaRPr lang="de-DE" dirty="0"/>
-          </a:p>
-        </p:txBody>
-      </p:sp>
-      <p:sp>
-        <p:nvSpPr>
-          <p:cNvPr id="13" name="Rechteck 12">
-            <a:extLst>
-              <a:ext uri="{FF2B5EF4-FFF2-40B4-BE49-F238E27FC236}">
-                <a16:creationId xmlns:a16="http://schemas.microsoft.com/office/drawing/2014/main" id="{C5DC15D7-20BB-437A-B5CF-E9080615D5E2}"/>
-              </a:ext>
-            </a:extLst>
-          </p:cNvPr>
-          <p:cNvSpPr/>
-          <p:nvPr/>
-        </p:nvSpPr>
-        <p:spPr>
-          <a:xfrm>
-            <a:off x="2103480" y="4739013"/>
-            <a:ext cx="2102760" cy="646331"/>
-          </a:xfrm>
-          <a:prstGeom prst="rect">
-            <a:avLst/>
-          </a:prstGeom>
-        </p:spPr>
-        <p:txBody>
-          <a:bodyPr wrap="square">
-            <a:spAutoFit/>
-          </a:bodyPr>
-          <a:lstStyle/>
-          <a:p>
-            <a:r>
-              <a:rPr lang="de-DE">
-                <a:latin typeface="Segoe UI" panose="020B0502040204020203" pitchFamily="34" charset="0"/>
-              </a:rPr>
-              <a:t>Scrum Master &amp; Webentwickler</a:t>
-            </a:r>
-            <a:endParaRPr lang="de-DE" dirty="0"/>
-          </a:p>
-        </p:txBody>
-      </p:sp>
-      <p:sp>
-        <p:nvSpPr>
-          <p:cNvPr id="14" name="Rechteck 13">
-            <a:extLst>
-              <a:ext uri="{FF2B5EF4-FFF2-40B4-BE49-F238E27FC236}">
-                <a16:creationId xmlns:a16="http://schemas.microsoft.com/office/drawing/2014/main" id="{F4538B15-F0EC-43F9-8AB6-B8606C55BF2C}"/>
-              </a:ext>
-            </a:extLst>
-          </p:cNvPr>
-          <p:cNvSpPr/>
-          <p:nvPr/>
-        </p:nvSpPr>
-        <p:spPr>
-          <a:xfrm>
-            <a:off x="7737000" y="4739013"/>
-            <a:ext cx="2102760" cy="369332"/>
-          </a:xfrm>
-          <a:prstGeom prst="rect">
-            <a:avLst/>
-          </a:prstGeom>
-        </p:spPr>
-        <p:txBody>
-          <a:bodyPr wrap="square">
-            <a:spAutoFit/>
-          </a:bodyPr>
-          <a:lstStyle/>
-          <a:p>
-            <a:r>
-              <a:rPr lang="de-DE" dirty="0">
-                <a:latin typeface="Segoe UI" panose="020B0502040204020203" pitchFamily="34" charset="0"/>
-              </a:rPr>
-              <a:t>Webentwickler</a:t>
-            </a:r>
-            <a:endParaRPr lang="de-DE" dirty="0"/>
-          </a:p>
-        </p:txBody>
-      </p:sp>
-    </p:spTree>
-    <p:extLst>
-      <p:ext uri="{BB962C8B-B14F-4D97-AF65-F5344CB8AC3E}">
-        <p14:creationId xmlns:p14="http://schemas.microsoft.com/office/powerpoint/2010/main" val="2417779297"/>
-      </p:ext>
-    </p:extLst>
-  </p:cSld>
-  <p:clrMapOvr>
-    <a:masterClrMapping/>
-  </p:clrMapOvr>
-</p:sld>
-</file>
-
-<file path=ppt/slides/slide30.xml><?xml version="1.0" encoding="utf-8"?>
+<file path=ppt/slides/slide31.xml><?xml version="1.0" encoding="utf-8"?>
 <p:sld xmlns:a="http://schemas.openxmlformats.org/drawingml/2006/main" xmlns:r="http://schemas.openxmlformats.org/officeDocument/2006/relationships" xmlns:p="http://schemas.openxmlformats.org/presentationml/2006/main">
   <p:cSld>
     <p:bg>
@@ -16848,7 +17538,7 @@
 </p:sld>
 </file>
 
-<file path=ppt/slides/slide31.xml><?xml version="1.0" encoding="utf-8"?>
+<file path=ppt/slides/slide32.xml><?xml version="1.0" encoding="utf-8"?>
 <p:sld xmlns:a="http://schemas.openxmlformats.org/drawingml/2006/main" xmlns:r="http://schemas.openxmlformats.org/officeDocument/2006/relationships" xmlns:p="http://schemas.openxmlformats.org/presentationml/2006/main" show="0">
   <p:cSld>
     <p:spTree>
@@ -16906,7 +17596,7 @@
 </p:sld>
 </file>
 
-<file path=ppt/slides/slide32.xml><?xml version="1.0" encoding="utf-8"?>
+<file path=ppt/slides/slide33.xml><?xml version="1.0" encoding="utf-8"?>
 <p:sld xmlns:a="http://schemas.openxmlformats.org/drawingml/2006/main" xmlns:r="http://schemas.openxmlformats.org/officeDocument/2006/relationships" xmlns:p="http://schemas.openxmlformats.org/presentationml/2006/main">
   <p:cSld>
     <p:bg>
@@ -17140,7 +17830,7 @@
 </p:sld>
 </file>
 
-<file path=ppt/slides/slide33.xml><?xml version="1.0" encoding="utf-8"?>
+<file path=ppt/slides/slide34.xml><?xml version="1.0" encoding="utf-8"?>
 <p:sld xmlns:a="http://schemas.openxmlformats.org/drawingml/2006/main" xmlns:r="http://schemas.openxmlformats.org/officeDocument/2006/relationships" xmlns:p="http://schemas.openxmlformats.org/presentationml/2006/main" show="0">
   <p:cSld>
     <p:spTree>
@@ -17198,7 +17888,7 @@
 </p:sld>
 </file>
 
-<file path=ppt/slides/slide34.xml><?xml version="1.0" encoding="utf-8"?>
+<file path=ppt/slides/slide35.xml><?xml version="1.0" encoding="utf-8"?>
 <p:sld xmlns:a="http://schemas.openxmlformats.org/drawingml/2006/main" xmlns:r="http://schemas.openxmlformats.org/officeDocument/2006/relationships" xmlns:p="http://schemas.openxmlformats.org/presentationml/2006/main">
   <p:cSld>
     <p:bg>
@@ -17733,7 +18423,7 @@
 </p:sld>
 </file>
 
-<file path=ppt/slides/slide35.xml><?xml version="1.0" encoding="utf-8"?>
+<file path=ppt/slides/slide36.xml><?xml version="1.0" encoding="utf-8"?>
 <p:sld xmlns:a="http://schemas.openxmlformats.org/drawingml/2006/main" xmlns:r="http://schemas.openxmlformats.org/officeDocument/2006/relationships" xmlns:p="http://schemas.openxmlformats.org/presentationml/2006/main">
   <p:cSld>
     <p:bg>
@@ -18294,7 +18984,7 @@
 </p:sld>
 </file>
 
-<file path=ppt/slides/slide36.xml><?xml version="1.0" encoding="utf-8"?>
+<file path=ppt/slides/slide37.xml><?xml version="1.0" encoding="utf-8"?>
 <p:sld xmlns:a="http://schemas.openxmlformats.org/drawingml/2006/main" xmlns:r="http://schemas.openxmlformats.org/officeDocument/2006/relationships" xmlns:p="http://schemas.openxmlformats.org/presentationml/2006/main">
   <p:cSld>
     <p:bg>
@@ -18715,142 +19405,6 @@
 </p:sld>
 </file>
 
-<file path=ppt/slides/slide37.xml><?xml version="1.0" encoding="utf-8"?>
-<p:sld xmlns:a="http://schemas.openxmlformats.org/drawingml/2006/main" xmlns:r="http://schemas.openxmlformats.org/officeDocument/2006/relationships" xmlns:p="http://schemas.openxmlformats.org/presentationml/2006/main">
-  <p:cSld>
-    <p:bg>
-      <p:bgPr>
-        <a:solidFill>
-          <a:schemeClr val="bg1"/>
-        </a:solidFill>
-        <a:effectLst/>
-      </p:bgPr>
-    </p:bg>
-    <p:spTree>
-      <p:nvGrpSpPr>
-        <p:cNvPr id="1" name=""/>
-        <p:cNvGrpSpPr/>
-        <p:nvPr/>
-      </p:nvGrpSpPr>
-      <p:grpSpPr>
-        <a:xfrm>
-          <a:off x="0" y="0"/>
-          <a:ext cx="0" cy="0"/>
-          <a:chOff x="0" y="0"/>
-          <a:chExt cx="0" cy="0"/>
-        </a:xfrm>
-      </p:grpSpPr>
-      <p:sp>
-        <p:nvSpPr>
-          <p:cNvPr id="6" name="Textfeld 5">
-            <a:extLst>
-              <a:ext uri="{FF2B5EF4-FFF2-40B4-BE49-F238E27FC236}">
-                <a16:creationId xmlns:a16="http://schemas.microsoft.com/office/drawing/2014/main" id="{ED454F5B-2DBF-4CF5-B63D-4F1CB67703FB}"/>
-              </a:ext>
-            </a:extLst>
-          </p:cNvPr>
-          <p:cNvSpPr txBox="1"/>
-          <p:nvPr/>
-        </p:nvSpPr>
-        <p:spPr>
-          <a:xfrm>
-            <a:off x="3166024" y="2951946"/>
-            <a:ext cx="5859951" cy="954107"/>
-          </a:xfrm>
-          <a:prstGeom prst="rect">
-            <a:avLst/>
-          </a:prstGeom>
-          <a:noFill/>
-        </p:spPr>
-        <p:txBody>
-          <a:bodyPr wrap="square" rtlCol="0">
-            <a:spAutoFit/>
-          </a:bodyPr>
-          <a:lstStyle/>
-          <a:p>
-            <a:pPr algn="ctr"/>
-            <a:r>
-              <a:rPr lang="de-DE" sz="2800" dirty="0" err="1">
-                <a:solidFill>
-                  <a:srgbClr val="E10098"/>
-                </a:solidFill>
-              </a:rPr>
-              <a:t>Mutations</a:t>
-            </a:r>
-            <a:r>
-              <a:rPr lang="de-DE" sz="2800" dirty="0">
-                <a:solidFill>
-                  <a:schemeClr val="bg1"/>
-                </a:solidFill>
-              </a:rPr>
-              <a:t> </a:t>
-            </a:r>
-            <a:r>
-              <a:rPr lang="de-DE" sz="2800" dirty="0"/>
-              <a:t>– Daten hinzufügen und editieren</a:t>
-            </a:r>
-          </a:p>
-        </p:txBody>
-      </p:sp>
-      <p:pic>
-        <p:nvPicPr>
-          <p:cNvPr id="3" name="Picture 6">
-            <a:extLst>
-              <a:ext uri="{FF2B5EF4-FFF2-40B4-BE49-F238E27FC236}">
-                <a16:creationId xmlns:a16="http://schemas.microsoft.com/office/drawing/2014/main" id="{DBB61225-BEF4-4F2D-A9F7-45B031F498F8}"/>
-              </a:ext>
-            </a:extLst>
-          </p:cNvPr>
-          <p:cNvPicPr>
-            <a:picLocks noChangeAspect="1" noChangeArrowheads="1"/>
-          </p:cNvPicPr>
-          <p:nvPr/>
-        </p:nvPicPr>
-        <p:blipFill>
-          <a:blip r:embed="rId3">
-            <a:extLst>
-              <a:ext uri="{28A0092B-C50C-407E-A947-70E740481C1C}">
-                <a14:useLocalDpi xmlns:a14="http://schemas.microsoft.com/office/drawing/2010/main" val="0"/>
-              </a:ext>
-            </a:extLst>
-          </a:blip>
-          <a:stretch>
-            <a:fillRect/>
-          </a:stretch>
-        </p:blipFill>
-        <p:spPr bwMode="auto">
-          <a:xfrm>
-            <a:off x="10564167" y="6353503"/>
-            <a:ext cx="1475682" cy="352753"/>
-          </a:xfrm>
-          <a:prstGeom prst="rect">
-            <a:avLst/>
-          </a:prstGeom>
-          <a:noFill/>
-          <a:extLst>
-            <a:ext uri="{909E8E84-426E-40DD-AFC4-6F175D3DCCD1}">
-              <a14:hiddenFill xmlns:a14="http://schemas.microsoft.com/office/drawing/2010/main">
-                <a:solidFill>
-                  <a:srgbClr val="FFFFFF"/>
-                </a:solidFill>
-              </a14:hiddenFill>
-            </a:ext>
-          </a:extLst>
-        </p:spPr>
-      </p:pic>
-    </p:spTree>
-    <p:extLst>
-      <p:ext uri="{BB962C8B-B14F-4D97-AF65-F5344CB8AC3E}">
-        <p14:creationId xmlns:p14="http://schemas.microsoft.com/office/powerpoint/2010/main" val="374308926"/>
-      </p:ext>
-    </p:extLst>
-  </p:cSld>
-  <p:clrMapOvr>
-    <a:masterClrMapping/>
-  </p:clrMapOvr>
-</p:sld>
-</file>
-
 <file path=ppt/slides/slide38.xml><?xml version="1.0" encoding="utf-8"?>
 <p:sld xmlns:a="http://schemas.openxmlformats.org/drawingml/2006/main" xmlns:r="http://schemas.openxmlformats.org/officeDocument/2006/relationships" xmlns:p="http://schemas.openxmlformats.org/presentationml/2006/main">
   <p:cSld>
@@ -18878,196 +19432,52 @@
       </p:grpSpPr>
       <p:sp>
         <p:nvSpPr>
-          <p:cNvPr id="2" name="Rechteck 1">
-            <a:extLst>
-              <a:ext uri="{FF2B5EF4-FFF2-40B4-BE49-F238E27FC236}">
-                <a16:creationId xmlns:a16="http://schemas.microsoft.com/office/drawing/2014/main" id="{8EFBE8A8-51BD-47A6-A36F-82FE9757006D}"/>
-              </a:ext>
-            </a:extLst>
-          </p:cNvPr>
-          <p:cNvSpPr/>
+          <p:cNvPr id="6" name="Textfeld 5">
+            <a:extLst>
+              <a:ext uri="{FF2B5EF4-FFF2-40B4-BE49-F238E27FC236}">
+                <a16:creationId xmlns:a16="http://schemas.microsoft.com/office/drawing/2014/main" id="{ED454F5B-2DBF-4CF5-B63D-4F1CB67703FB}"/>
+              </a:ext>
+            </a:extLst>
+          </p:cNvPr>
+          <p:cNvSpPr txBox="1"/>
           <p:nvPr/>
         </p:nvSpPr>
         <p:spPr>
           <a:xfrm>
-            <a:off x="4065384" y="4377035"/>
-            <a:ext cx="7223532" cy="923330"/>
+            <a:off x="3166024" y="2951946"/>
+            <a:ext cx="5859951" cy="954107"/>
           </a:xfrm>
           <a:prstGeom prst="rect">
             <a:avLst/>
           </a:prstGeom>
+          <a:noFill/>
         </p:spPr>
         <p:txBody>
-          <a:bodyPr wrap="square">
+          <a:bodyPr wrap="square" rtlCol="0">
             <a:spAutoFit/>
           </a:bodyPr>
           <a:lstStyle/>
           <a:p>
-            <a:r>
-              <a:rPr lang="de-DE" dirty="0" err="1">
-                <a:solidFill>
-                  <a:srgbClr val="7B30D0"/>
-                </a:solidFill>
-                <a:latin typeface="Fira Code" panose="020B0509050000020004" pitchFamily="49" charset="0"/>
-              </a:rPr>
-              <a:t>mutation</a:t>
-            </a:r>
-            <a:r>
-              <a:rPr lang="de-DE" dirty="0">
-                <a:solidFill>
-                  <a:srgbClr val="236EBF"/>
-                </a:solidFill>
-                <a:latin typeface="Fira Code" panose="020B0509050000020004" pitchFamily="49" charset="0"/>
+            <a:pPr algn="ctr"/>
+            <a:r>
+              <a:rPr lang="de-DE" sz="2800" dirty="0" err="1">
+                <a:solidFill>
+                  <a:srgbClr val="E10098"/>
+                </a:solidFill>
+              </a:rPr>
+              <a:t>Mutations</a:t>
+            </a:r>
+            <a:r>
+              <a:rPr lang="de-DE" sz="2800" dirty="0">
+                <a:solidFill>
+                  <a:schemeClr val="bg1"/>
+                </a:solidFill>
               </a:rPr>
               <a:t> </a:t>
             </a:r>
             <a:r>
-              <a:rPr lang="de-DE" dirty="0" err="1">
-                <a:solidFill>
-                  <a:srgbClr val="B1108E"/>
-                </a:solidFill>
-                <a:latin typeface="Fira Code" panose="020B0509050000020004" pitchFamily="49" charset="0"/>
-              </a:rPr>
-              <a:t>CreatePostMutation</a:t>
-            </a:r>
-            <a:r>
-              <a:rPr lang="de-DE" dirty="0">
-                <a:solidFill>
-                  <a:srgbClr val="236EBF"/>
-                </a:solidFill>
-                <a:latin typeface="Fira Code" panose="020B0509050000020004" pitchFamily="49" charset="0"/>
-              </a:rPr>
-              <a:t>(</a:t>
-            </a:r>
-            <a:r>
-              <a:rPr lang="de-DE" dirty="0">
-                <a:solidFill>
-                  <a:srgbClr val="B1108E"/>
-                </a:solidFill>
-                <a:latin typeface="Fira Code" panose="020B0509050000020004" pitchFamily="49" charset="0"/>
-              </a:rPr>
-              <a:t>$</a:t>
-            </a:r>
-            <a:r>
-              <a:rPr lang="de-DE" dirty="0" err="1">
-                <a:solidFill>
-                  <a:srgbClr val="B1108E"/>
-                </a:solidFill>
-                <a:latin typeface="Fira Code" panose="020B0509050000020004" pitchFamily="49" charset="0"/>
-              </a:rPr>
-              <a:t>newPost</a:t>
-            </a:r>
-            <a:r>
-              <a:rPr lang="de-DE" dirty="0">
-                <a:solidFill>
-                  <a:srgbClr val="236EBF"/>
-                </a:solidFill>
-                <a:latin typeface="Fira Code" panose="020B0509050000020004" pitchFamily="49" charset="0"/>
-              </a:rPr>
-              <a:t>: </a:t>
-            </a:r>
-            <a:r>
-              <a:rPr lang="de-DE" dirty="0" err="1">
-                <a:solidFill>
-                  <a:srgbClr val="DC3EB7"/>
-                </a:solidFill>
-                <a:latin typeface="Fira Code" panose="020B0509050000020004" pitchFamily="49" charset="0"/>
-              </a:rPr>
-              <a:t>PostInput</a:t>
-            </a:r>
-            <a:r>
-              <a:rPr lang="de-DE" dirty="0">
-                <a:solidFill>
-                  <a:srgbClr val="236EBF"/>
-                </a:solidFill>
-                <a:latin typeface="Fira Code" panose="020B0509050000020004" pitchFamily="49" charset="0"/>
-              </a:rPr>
-              <a:t>) {</a:t>
-            </a:r>
-          </a:p>
-          <a:p>
-            <a:r>
-              <a:rPr lang="de-DE" dirty="0">
-                <a:solidFill>
-                  <a:srgbClr val="2F86D2"/>
-                </a:solidFill>
-                <a:latin typeface="Fira Code" panose="020B0509050000020004" pitchFamily="49" charset="0"/>
-              </a:rPr>
-              <a:t>  </a:t>
-            </a:r>
-            <a:r>
-              <a:rPr lang="de-DE" dirty="0" err="1">
-                <a:solidFill>
-                  <a:srgbClr val="2F86D2"/>
-                </a:solidFill>
-                <a:latin typeface="Fira Code" panose="020B0509050000020004" pitchFamily="49" charset="0"/>
-              </a:rPr>
-              <a:t>createPost</a:t>
-            </a:r>
-            <a:r>
-              <a:rPr lang="de-DE" dirty="0">
-                <a:solidFill>
-                  <a:srgbClr val="236EBF"/>
-                </a:solidFill>
-                <a:latin typeface="Fira Code" panose="020B0509050000020004" pitchFamily="49" charset="0"/>
-              </a:rPr>
-              <a:t>(</a:t>
-            </a:r>
-            <a:r>
-              <a:rPr lang="de-DE" dirty="0" err="1">
-                <a:solidFill>
-                  <a:srgbClr val="B1108E"/>
-                </a:solidFill>
-                <a:latin typeface="Fira Code" panose="020B0509050000020004" pitchFamily="49" charset="0"/>
-              </a:rPr>
-              <a:t>post</a:t>
-            </a:r>
-            <a:r>
-              <a:rPr lang="de-DE" dirty="0">
-                <a:solidFill>
-                  <a:srgbClr val="236EBF"/>
-                </a:solidFill>
-                <a:latin typeface="Fira Code" panose="020B0509050000020004" pitchFamily="49" charset="0"/>
-              </a:rPr>
-              <a:t>: </a:t>
-            </a:r>
-            <a:r>
-              <a:rPr lang="de-DE" dirty="0">
-                <a:solidFill>
-                  <a:srgbClr val="2F86D2"/>
-                </a:solidFill>
-                <a:latin typeface="Fira Code" panose="020B0509050000020004" pitchFamily="49" charset="0"/>
-              </a:rPr>
-              <a:t>$</a:t>
-            </a:r>
-            <a:r>
-              <a:rPr lang="de-DE" dirty="0" err="1">
-                <a:solidFill>
-                  <a:srgbClr val="2F86D2"/>
-                </a:solidFill>
-                <a:latin typeface="Fira Code" panose="020B0509050000020004" pitchFamily="49" charset="0"/>
-              </a:rPr>
-              <a:t>newPost</a:t>
-            </a:r>
-            <a:r>
-              <a:rPr lang="de-DE" dirty="0">
-                <a:solidFill>
-                  <a:srgbClr val="236EBF"/>
-                </a:solidFill>
-                <a:latin typeface="Fira Code" panose="020B0509050000020004" pitchFamily="49" charset="0"/>
-              </a:rPr>
-              <a:t>)</a:t>
-            </a:r>
-          </a:p>
-          <a:p>
-            <a:r>
-              <a:rPr lang="de-DE" dirty="0">
-                <a:solidFill>
-                  <a:srgbClr val="236EBF"/>
-                </a:solidFill>
-                <a:latin typeface="Fira Code" panose="020B0509050000020004" pitchFamily="49" charset="0"/>
-              </a:rPr>
-              <a:t>}</a:t>
+              <a:rPr lang="de-DE" sz="2800" dirty="0"/>
+              <a:t>– Daten hinzufügen und editieren</a:t>
             </a:r>
           </a:p>
         </p:txBody>
@@ -19077,7 +19487,7 @@
           <p:cNvPr id="3" name="Picture 6">
             <a:extLst>
               <a:ext uri="{FF2B5EF4-FFF2-40B4-BE49-F238E27FC236}">
-                <a16:creationId xmlns:a16="http://schemas.microsoft.com/office/drawing/2014/main" id="{CA092936-DD6D-49B0-8F74-2A72222F2733}"/>
+                <a16:creationId xmlns:a16="http://schemas.microsoft.com/office/drawing/2014/main" id="{DBB61225-BEF4-4F2D-A9F7-45B031F498F8}"/>
               </a:ext>
             </a:extLst>
           </p:cNvPr>
@@ -19118,6 +19528,286 @@
           </a:extLst>
         </p:spPr>
       </p:pic>
+    </p:spTree>
+    <p:extLst>
+      <p:ext uri="{BB962C8B-B14F-4D97-AF65-F5344CB8AC3E}">
+        <p14:creationId xmlns:p14="http://schemas.microsoft.com/office/powerpoint/2010/main" val="374308926"/>
+      </p:ext>
+    </p:extLst>
+  </p:cSld>
+  <p:clrMapOvr>
+    <a:masterClrMapping/>
+  </p:clrMapOvr>
+</p:sld>
+</file>
+
+<file path=ppt/slides/slide39.xml><?xml version="1.0" encoding="utf-8"?>
+<p:sld xmlns:a="http://schemas.openxmlformats.org/drawingml/2006/main" xmlns:r="http://schemas.openxmlformats.org/officeDocument/2006/relationships" xmlns:p="http://schemas.openxmlformats.org/presentationml/2006/main">
+  <p:cSld>
+    <p:bg>
+      <p:bgPr>
+        <a:solidFill>
+          <a:schemeClr val="bg1"/>
+        </a:solidFill>
+        <a:effectLst/>
+      </p:bgPr>
+    </p:bg>
+    <p:spTree>
+      <p:nvGrpSpPr>
+        <p:cNvPr id="1" name=""/>
+        <p:cNvGrpSpPr/>
+        <p:nvPr/>
+      </p:nvGrpSpPr>
+      <p:grpSpPr>
+        <a:xfrm>
+          <a:off x="0" y="0"/>
+          <a:ext cx="0" cy="0"/>
+          <a:chOff x="0" y="0"/>
+          <a:chExt cx="0" cy="0"/>
+        </a:xfrm>
+      </p:grpSpPr>
+      <p:sp>
+        <p:nvSpPr>
+          <p:cNvPr id="2" name="Rechteck 1">
+            <a:extLst>
+              <a:ext uri="{FF2B5EF4-FFF2-40B4-BE49-F238E27FC236}">
+                <a16:creationId xmlns:a16="http://schemas.microsoft.com/office/drawing/2014/main" id="{8EFBE8A8-51BD-47A6-A36F-82FE9757006D}"/>
+              </a:ext>
+            </a:extLst>
+          </p:cNvPr>
+          <p:cNvSpPr/>
+          <p:nvPr/>
+        </p:nvSpPr>
+        <p:spPr>
+          <a:xfrm>
+            <a:off x="4065384" y="4377035"/>
+            <a:ext cx="7223532" cy="923330"/>
+          </a:xfrm>
+          <a:prstGeom prst="rect">
+            <a:avLst/>
+          </a:prstGeom>
+        </p:spPr>
+        <p:txBody>
+          <a:bodyPr wrap="square">
+            <a:spAutoFit/>
+          </a:bodyPr>
+          <a:lstStyle/>
+          <a:p>
+            <a:r>
+              <a:rPr lang="de-DE" dirty="0" err="1">
+                <a:solidFill>
+                  <a:srgbClr val="7B30D0"/>
+                </a:solidFill>
+                <a:latin typeface="Fira Code" panose="020B0509050000020004" pitchFamily="49" charset="0"/>
+              </a:rPr>
+              <a:t>mutation</a:t>
+            </a:r>
+            <a:r>
+              <a:rPr lang="de-DE" dirty="0">
+                <a:solidFill>
+                  <a:srgbClr val="236EBF"/>
+                </a:solidFill>
+                <a:latin typeface="Fira Code" panose="020B0509050000020004" pitchFamily="49" charset="0"/>
+              </a:rPr>
+              <a:t> </a:t>
+            </a:r>
+            <a:r>
+              <a:rPr lang="de-DE" dirty="0" err="1">
+                <a:solidFill>
+                  <a:srgbClr val="B1108E"/>
+                </a:solidFill>
+                <a:latin typeface="Fira Code" panose="020B0509050000020004" pitchFamily="49" charset="0"/>
+              </a:rPr>
+              <a:t>CreatePostMutation</a:t>
+            </a:r>
+            <a:r>
+              <a:rPr lang="de-DE" dirty="0">
+                <a:solidFill>
+                  <a:srgbClr val="236EBF"/>
+                </a:solidFill>
+                <a:latin typeface="Fira Code" panose="020B0509050000020004" pitchFamily="49" charset="0"/>
+              </a:rPr>
+              <a:t>(</a:t>
+            </a:r>
+            <a:r>
+              <a:rPr lang="de-DE" dirty="0">
+                <a:solidFill>
+                  <a:srgbClr val="B1108E"/>
+                </a:solidFill>
+                <a:latin typeface="Fira Code" panose="020B0509050000020004" pitchFamily="49" charset="0"/>
+              </a:rPr>
+              <a:t>$</a:t>
+            </a:r>
+            <a:r>
+              <a:rPr lang="de-DE" dirty="0" err="1">
+                <a:solidFill>
+                  <a:srgbClr val="B1108E"/>
+                </a:solidFill>
+                <a:latin typeface="Fira Code" panose="020B0509050000020004" pitchFamily="49" charset="0"/>
+              </a:rPr>
+              <a:t>newPost</a:t>
+            </a:r>
+            <a:r>
+              <a:rPr lang="de-DE" dirty="0">
+                <a:solidFill>
+                  <a:srgbClr val="236EBF"/>
+                </a:solidFill>
+                <a:latin typeface="Fira Code" panose="020B0509050000020004" pitchFamily="49" charset="0"/>
+              </a:rPr>
+              <a:t>: </a:t>
+            </a:r>
+            <a:r>
+              <a:rPr lang="de-DE" dirty="0" err="1">
+                <a:solidFill>
+                  <a:srgbClr val="DC3EB7"/>
+                </a:solidFill>
+                <a:latin typeface="Fira Code" panose="020B0509050000020004" pitchFamily="49" charset="0"/>
+              </a:rPr>
+              <a:t>PostInput</a:t>
+            </a:r>
+            <a:r>
+              <a:rPr lang="de-DE" dirty="0">
+                <a:solidFill>
+                  <a:srgbClr val="236EBF"/>
+                </a:solidFill>
+                <a:latin typeface="Fira Code" panose="020B0509050000020004" pitchFamily="49" charset="0"/>
+              </a:rPr>
+              <a:t>) {</a:t>
+            </a:r>
+          </a:p>
+          <a:p>
+            <a:r>
+              <a:rPr lang="de-DE" dirty="0">
+                <a:solidFill>
+                  <a:srgbClr val="2F86D2"/>
+                </a:solidFill>
+                <a:latin typeface="Fira Code" panose="020B0509050000020004" pitchFamily="49" charset="0"/>
+              </a:rPr>
+              <a:t>  </a:t>
+            </a:r>
+            <a:r>
+              <a:rPr lang="de-DE" dirty="0" err="1">
+                <a:solidFill>
+                  <a:srgbClr val="2F86D2"/>
+                </a:solidFill>
+                <a:latin typeface="Fira Code" panose="020B0509050000020004" pitchFamily="49" charset="0"/>
+              </a:rPr>
+              <a:t>createPost</a:t>
+            </a:r>
+            <a:r>
+              <a:rPr lang="de-DE" dirty="0">
+                <a:solidFill>
+                  <a:srgbClr val="236EBF"/>
+                </a:solidFill>
+                <a:latin typeface="Fira Code" panose="020B0509050000020004" pitchFamily="49" charset="0"/>
+              </a:rPr>
+              <a:t>(</a:t>
+            </a:r>
+            <a:r>
+              <a:rPr lang="de-DE" dirty="0" err="1">
+                <a:solidFill>
+                  <a:srgbClr val="B1108E"/>
+                </a:solidFill>
+                <a:latin typeface="Fira Code" panose="020B0509050000020004" pitchFamily="49" charset="0"/>
+              </a:rPr>
+              <a:t>post</a:t>
+            </a:r>
+            <a:r>
+              <a:rPr lang="de-DE" dirty="0">
+                <a:solidFill>
+                  <a:srgbClr val="236EBF"/>
+                </a:solidFill>
+                <a:latin typeface="Fira Code" panose="020B0509050000020004" pitchFamily="49" charset="0"/>
+              </a:rPr>
+              <a:t>: </a:t>
+            </a:r>
+            <a:r>
+              <a:rPr lang="de-DE" dirty="0">
+                <a:solidFill>
+                  <a:srgbClr val="2F86D2"/>
+                </a:solidFill>
+                <a:latin typeface="Fira Code" panose="020B0509050000020004" pitchFamily="49" charset="0"/>
+              </a:rPr>
+              <a:t>$</a:t>
+            </a:r>
+            <a:r>
+              <a:rPr lang="de-DE" dirty="0" err="1">
+                <a:solidFill>
+                  <a:srgbClr val="2F86D2"/>
+                </a:solidFill>
+                <a:latin typeface="Fira Code" panose="020B0509050000020004" pitchFamily="49" charset="0"/>
+              </a:rPr>
+              <a:t>newPost</a:t>
+            </a:r>
+            <a:r>
+              <a:rPr lang="de-DE" dirty="0">
+                <a:solidFill>
+                  <a:srgbClr val="236EBF"/>
+                </a:solidFill>
+                <a:latin typeface="Fira Code" panose="020B0509050000020004" pitchFamily="49" charset="0"/>
+              </a:rPr>
+              <a:t>)</a:t>
+            </a:r>
+          </a:p>
+          <a:p>
+            <a:r>
+              <a:rPr lang="de-DE" dirty="0">
+                <a:solidFill>
+                  <a:srgbClr val="236EBF"/>
+                </a:solidFill>
+                <a:latin typeface="Fira Code" panose="020B0509050000020004" pitchFamily="49" charset="0"/>
+              </a:rPr>
+              <a:t>}</a:t>
+            </a:r>
+          </a:p>
+        </p:txBody>
+      </p:sp>
+      <p:pic>
+        <p:nvPicPr>
+          <p:cNvPr id="3" name="Picture 6">
+            <a:extLst>
+              <a:ext uri="{FF2B5EF4-FFF2-40B4-BE49-F238E27FC236}">
+                <a16:creationId xmlns:a16="http://schemas.microsoft.com/office/drawing/2014/main" id="{CA092936-DD6D-49B0-8F74-2A72222F2733}"/>
+              </a:ext>
+            </a:extLst>
+          </p:cNvPr>
+          <p:cNvPicPr>
+            <a:picLocks noChangeAspect="1" noChangeArrowheads="1"/>
+          </p:cNvPicPr>
+          <p:nvPr/>
+        </p:nvPicPr>
+        <p:blipFill>
+          <a:blip r:embed="rId3">
+            <a:extLst>
+              <a:ext uri="{28A0092B-C50C-407E-A947-70E740481C1C}">
+                <a14:useLocalDpi xmlns:a14="http://schemas.microsoft.com/office/drawing/2010/main" val="0"/>
+              </a:ext>
+            </a:extLst>
+          </a:blip>
+          <a:stretch>
+            <a:fillRect/>
+          </a:stretch>
+        </p:blipFill>
+        <p:spPr bwMode="auto">
+          <a:xfrm>
+            <a:off x="10564167" y="6353503"/>
+            <a:ext cx="1475682" cy="352753"/>
+          </a:xfrm>
+          <a:prstGeom prst="rect">
+            <a:avLst/>
+          </a:prstGeom>
+          <a:noFill/>
+          <a:extLst>
+            <a:ext uri="{909E8E84-426E-40DD-AFC4-6F175D3DCCD1}">
+              <a14:hiddenFill xmlns:a14="http://schemas.microsoft.com/office/drawing/2010/main">
+                <a:solidFill>
+                  <a:srgbClr val="FFFFFF"/>
+                </a:solidFill>
+              </a14:hiddenFill>
+            </a:ext>
+          </a:extLst>
+        </p:spPr>
+      </p:pic>
       <p:sp>
         <p:nvSpPr>
           <p:cNvPr id="4" name="Titel 1">
@@ -19402,7 +20092,65 @@
 </p:sld>
 </file>
 
-<file path=ppt/slides/slide39.xml><?xml version="1.0" encoding="utf-8"?>
+<file path=ppt/slides/slide4.xml><?xml version="1.0" encoding="utf-8"?>
+<p:sld xmlns:a="http://schemas.openxmlformats.org/drawingml/2006/main" xmlns:r="http://schemas.openxmlformats.org/officeDocument/2006/relationships" xmlns:p="http://schemas.openxmlformats.org/presentationml/2006/main" show="0">
+  <p:cSld>
+    <p:spTree>
+      <p:nvGrpSpPr>
+        <p:cNvPr id="1" name=""/>
+        <p:cNvGrpSpPr/>
+        <p:nvPr/>
+      </p:nvGrpSpPr>
+      <p:grpSpPr>
+        <a:xfrm>
+          <a:off x="0" y="0"/>
+          <a:ext cx="0" cy="0"/>
+          <a:chOff x="0" y="0"/>
+          <a:chExt cx="0" cy="0"/>
+        </a:xfrm>
+      </p:grpSpPr>
+      <p:sp>
+        <p:nvSpPr>
+          <p:cNvPr id="2" name="Titel 1">
+            <a:extLst>
+              <a:ext uri="{FF2B5EF4-FFF2-40B4-BE49-F238E27FC236}">
+                <a16:creationId xmlns:a16="http://schemas.microsoft.com/office/drawing/2014/main" id="{5F5A6E56-CCE7-49D6-A5D2-0B0CAB92FF54}"/>
+              </a:ext>
+            </a:extLst>
+          </p:cNvPr>
+          <p:cNvSpPr>
+            <a:spLocks noGrp="1"/>
+          </p:cNvSpPr>
+          <p:nvPr>
+            <p:ph type="title"/>
+          </p:nvPr>
+        </p:nvSpPr>
+        <p:spPr/>
+        <p:txBody>
+          <a:bodyPr/>
+          <a:lstStyle/>
+          <a:p>
+            <a:r>
+              <a:rPr lang="de-DE" dirty="0"/>
+              <a:t>Alex</a:t>
+            </a:r>
+          </a:p>
+        </p:txBody>
+      </p:sp>
+    </p:spTree>
+    <p:extLst>
+      <p:ext uri="{BB962C8B-B14F-4D97-AF65-F5344CB8AC3E}">
+        <p14:creationId xmlns:p14="http://schemas.microsoft.com/office/powerpoint/2010/main" val="3581460720"/>
+      </p:ext>
+    </p:extLst>
+  </p:cSld>
+  <p:clrMapOvr>
+    <a:masterClrMapping/>
+  </p:clrMapOvr>
+</p:sld>
+</file>
+
+<file path=ppt/slides/slide40.xml><?xml version="1.0" encoding="utf-8"?>
 <p:sld xmlns:a="http://schemas.openxmlformats.org/drawingml/2006/main" xmlns:r="http://schemas.openxmlformats.org/officeDocument/2006/relationships" xmlns:p="http://schemas.openxmlformats.org/presentationml/2006/main">
   <p:cSld>
     <p:bg>
@@ -20034,65 +20782,7 @@
 </p:sld>
 </file>
 
-<file path=ppt/slides/slide4.xml><?xml version="1.0" encoding="utf-8"?>
-<p:sld xmlns:a="http://schemas.openxmlformats.org/drawingml/2006/main" xmlns:r="http://schemas.openxmlformats.org/officeDocument/2006/relationships" xmlns:p="http://schemas.openxmlformats.org/presentationml/2006/main" show="0">
-  <p:cSld>
-    <p:spTree>
-      <p:nvGrpSpPr>
-        <p:cNvPr id="1" name=""/>
-        <p:cNvGrpSpPr/>
-        <p:nvPr/>
-      </p:nvGrpSpPr>
-      <p:grpSpPr>
-        <a:xfrm>
-          <a:off x="0" y="0"/>
-          <a:ext cx="0" cy="0"/>
-          <a:chOff x="0" y="0"/>
-          <a:chExt cx="0" cy="0"/>
-        </a:xfrm>
-      </p:grpSpPr>
-      <p:sp>
-        <p:nvSpPr>
-          <p:cNvPr id="2" name="Titel 1">
-            <a:extLst>
-              <a:ext uri="{FF2B5EF4-FFF2-40B4-BE49-F238E27FC236}">
-                <a16:creationId xmlns:a16="http://schemas.microsoft.com/office/drawing/2014/main" id="{5F5A6E56-CCE7-49D6-A5D2-0B0CAB92FF54}"/>
-              </a:ext>
-            </a:extLst>
-          </p:cNvPr>
-          <p:cNvSpPr>
-            <a:spLocks noGrp="1"/>
-          </p:cNvSpPr>
-          <p:nvPr>
-            <p:ph type="title"/>
-          </p:nvPr>
-        </p:nvSpPr>
-        <p:spPr/>
-        <p:txBody>
-          <a:bodyPr/>
-          <a:lstStyle/>
-          <a:p>
-            <a:r>
-              <a:rPr lang="de-DE" dirty="0"/>
-              <a:t>Alex</a:t>
-            </a:r>
-          </a:p>
-        </p:txBody>
-      </p:sp>
-    </p:spTree>
-    <p:extLst>
-      <p:ext uri="{BB962C8B-B14F-4D97-AF65-F5344CB8AC3E}">
-        <p14:creationId xmlns:p14="http://schemas.microsoft.com/office/powerpoint/2010/main" val="3581460720"/>
-      </p:ext>
-    </p:extLst>
-  </p:cSld>
-  <p:clrMapOvr>
-    <a:masterClrMapping/>
-  </p:clrMapOvr>
-</p:sld>
-</file>
-
-<file path=ppt/slides/slide40.xml><?xml version="1.0" encoding="utf-8"?>
+<file path=ppt/slides/slide41.xml><?xml version="1.0" encoding="utf-8"?>
 <p:sld xmlns:a="http://schemas.openxmlformats.org/drawingml/2006/main" xmlns:r="http://schemas.openxmlformats.org/officeDocument/2006/relationships" xmlns:p="http://schemas.openxmlformats.org/presentationml/2006/main">
   <p:cSld>
     <p:bg>
@@ -20971,7 +21661,7 @@
 </p:sld>
 </file>
 
-<file path=ppt/slides/slide41.xml><?xml version="1.0" encoding="utf-8"?>
+<file path=ppt/slides/slide42.xml><?xml version="1.0" encoding="utf-8"?>
 <p:sld xmlns:a="http://schemas.openxmlformats.org/drawingml/2006/main" xmlns:r="http://schemas.openxmlformats.org/officeDocument/2006/relationships" xmlns:p="http://schemas.openxmlformats.org/presentationml/2006/main">
   <p:cSld>
     <p:bg>
@@ -21107,7 +21797,7 @@
 </p:sld>
 </file>
 
-<file path=ppt/slides/slide42.xml><?xml version="1.0" encoding="utf-8"?>
+<file path=ppt/slides/slide43.xml><?xml version="1.0" encoding="utf-8"?>
 <p:sld xmlns:a="http://schemas.openxmlformats.org/drawingml/2006/main" xmlns:r="http://schemas.openxmlformats.org/officeDocument/2006/relationships" xmlns:p="http://schemas.openxmlformats.org/presentationml/2006/main">
   <p:cSld>
     <p:bg>
@@ -21649,7 +22339,7 @@
 </p:sld>
 </file>
 
-<file path=ppt/slides/slide43.xml><?xml version="1.0" encoding="utf-8"?>
+<file path=ppt/slides/slide44.xml><?xml version="1.0" encoding="utf-8"?>
 <p:sld xmlns:a="http://schemas.openxmlformats.org/drawingml/2006/main" xmlns:r="http://schemas.openxmlformats.org/officeDocument/2006/relationships" xmlns:p="http://schemas.openxmlformats.org/presentationml/2006/main" show="0">
   <p:cSld>
     <p:spTree>
@@ -21707,7 +22397,7 @@
 </p:sld>
 </file>
 
-<file path=ppt/slides/slide44.xml><?xml version="1.0" encoding="utf-8"?>
+<file path=ppt/slides/slide45.xml><?xml version="1.0" encoding="utf-8"?>
 <p:sld xmlns:a="http://schemas.openxmlformats.org/drawingml/2006/main" xmlns:r="http://schemas.openxmlformats.org/officeDocument/2006/relationships" xmlns:p="http://schemas.openxmlformats.org/presentationml/2006/main">
   <p:cSld>
     <p:bg>
@@ -21857,7 +22547,7 @@
 </p:sld>
 </file>
 
-<file path=ppt/slides/slide45.xml><?xml version="1.0" encoding="utf-8"?>
+<file path=ppt/slides/slide46.xml><?xml version="1.0" encoding="utf-8"?>
 <p:sld xmlns:a="http://schemas.openxmlformats.org/drawingml/2006/main" xmlns:r="http://schemas.openxmlformats.org/officeDocument/2006/relationships" xmlns:p="http://schemas.openxmlformats.org/presentationml/2006/main" show="0">
   <p:cSld>
     <p:spTree>
@@ -21915,7 +22605,7 @@
 </p:sld>
 </file>
 
-<file path=ppt/slides/slide46.xml><?xml version="1.0" encoding="utf-8"?>
+<file path=ppt/slides/slide47.xml><?xml version="1.0" encoding="utf-8"?>
 <p:sld xmlns:a="http://schemas.openxmlformats.org/drawingml/2006/main" xmlns:r="http://schemas.openxmlformats.org/officeDocument/2006/relationships" xmlns:p="http://schemas.openxmlformats.org/presentationml/2006/main">
   <p:cSld>
     <p:bg>
@@ -22371,7 +23061,7 @@
 </p:sld>
 </file>
 
-<file path=ppt/slides/slide47.xml><?xml version="1.0" encoding="utf-8"?>
+<file path=ppt/slides/slide48.xml><?xml version="1.0" encoding="utf-8"?>
 <p:sld xmlns:a="http://schemas.openxmlformats.org/drawingml/2006/main" xmlns:r="http://schemas.openxmlformats.org/officeDocument/2006/relationships" xmlns:p="http://schemas.openxmlformats.org/presentationml/2006/main">
   <p:cSld>
     <p:bg>
@@ -23803,7 +24493,7 @@
 </p:sld>
 </file>
 
-<file path=ppt/slides/slide48.xml><?xml version="1.0" encoding="utf-8"?>
+<file path=ppt/slides/slide49.xml><?xml version="1.0" encoding="utf-8"?>
 <p:sld xmlns:a="http://schemas.openxmlformats.org/drawingml/2006/main" xmlns:r="http://schemas.openxmlformats.org/officeDocument/2006/relationships" xmlns:p="http://schemas.openxmlformats.org/presentationml/2006/main">
   <p:cSld>
     <p:bg>
@@ -24059,64 +24749,6 @@
     <p:extLst>
       <p:ext uri="{BB962C8B-B14F-4D97-AF65-F5344CB8AC3E}">
         <p14:creationId xmlns:p14="http://schemas.microsoft.com/office/powerpoint/2010/main" val="2062361888"/>
-      </p:ext>
-    </p:extLst>
-  </p:cSld>
-  <p:clrMapOvr>
-    <a:masterClrMapping/>
-  </p:clrMapOvr>
-</p:sld>
-</file>
-
-<file path=ppt/slides/slide49.xml><?xml version="1.0" encoding="utf-8"?>
-<p:sld xmlns:a="http://schemas.openxmlformats.org/drawingml/2006/main" xmlns:r="http://schemas.openxmlformats.org/officeDocument/2006/relationships" xmlns:p="http://schemas.openxmlformats.org/presentationml/2006/main" show="0">
-  <p:cSld>
-    <p:spTree>
-      <p:nvGrpSpPr>
-        <p:cNvPr id="1" name=""/>
-        <p:cNvGrpSpPr/>
-        <p:nvPr/>
-      </p:nvGrpSpPr>
-      <p:grpSpPr>
-        <a:xfrm>
-          <a:off x="0" y="0"/>
-          <a:ext cx="0" cy="0"/>
-          <a:chOff x="0" y="0"/>
-          <a:chExt cx="0" cy="0"/>
-        </a:xfrm>
-      </p:grpSpPr>
-      <p:sp>
-        <p:nvSpPr>
-          <p:cNvPr id="2" name="Titel 1">
-            <a:extLst>
-              <a:ext uri="{FF2B5EF4-FFF2-40B4-BE49-F238E27FC236}">
-                <a16:creationId xmlns:a16="http://schemas.microsoft.com/office/drawing/2014/main" id="{CCB7073A-A3F6-4B28-B21C-0BE3DE9A44D0}"/>
-              </a:ext>
-            </a:extLst>
-          </p:cNvPr>
-          <p:cNvSpPr>
-            <a:spLocks noGrp="1"/>
-          </p:cNvSpPr>
-          <p:nvPr>
-            <p:ph type="title"/>
-          </p:nvPr>
-        </p:nvSpPr>
-        <p:spPr/>
-        <p:txBody>
-          <a:bodyPr/>
-          <a:lstStyle/>
-          <a:p>
-            <a:r>
-              <a:rPr lang="de-DE" dirty="0"/>
-              <a:t>Matthias</a:t>
-            </a:r>
-          </a:p>
-        </p:txBody>
-      </p:sp>
-    </p:spTree>
-    <p:extLst>
-      <p:ext uri="{BB962C8B-B14F-4D97-AF65-F5344CB8AC3E}">
-        <p14:creationId xmlns:p14="http://schemas.microsoft.com/office/powerpoint/2010/main" val="1840129318"/>
       </p:ext>
     </p:extLst>
   </p:cSld>
@@ -24559,7 +25191,7 @@
         <p:spPr>
           <a:xfrm>
             <a:off x="2558845" y="2452565"/>
-            <a:ext cx="792205" cy="369332"/>
+            <a:ext cx="1728999" cy="369332"/>
           </a:xfrm>
           <a:prstGeom prst="rect">
             <a:avLst/>
@@ -24579,7 +25211,15 @@
           <a:p>
             <a:r>
               <a:rPr lang="de-DE" dirty="0"/>
-              <a:t>[1,2,3]</a:t>
+              <a:t>{</a:t>
+            </a:r>
+            <a:r>
+              <a:rPr lang="de-DE" dirty="0" err="1"/>
+              <a:t>postIds</a:t>
+            </a:r>
+            <a:r>
+              <a:rPr lang="de-DE" dirty="0"/>
+              <a:t>: [1,2,3]}</a:t>
             </a:r>
           </a:p>
         </p:txBody>
@@ -25175,16 +25815,8 @@
 </file>
 
 <file path=ppt/slides/slide50.xml><?xml version="1.0" encoding="utf-8"?>
-<p:sld xmlns:a="http://schemas.openxmlformats.org/drawingml/2006/main" xmlns:r="http://schemas.openxmlformats.org/officeDocument/2006/relationships" xmlns:p="http://schemas.openxmlformats.org/presentationml/2006/main">
+<p:sld xmlns:a="http://schemas.openxmlformats.org/drawingml/2006/main" xmlns:r="http://schemas.openxmlformats.org/officeDocument/2006/relationships" xmlns:p="http://schemas.openxmlformats.org/presentationml/2006/main" show="0">
   <p:cSld>
-    <p:bg>
-      <p:bgPr>
-        <a:solidFill>
-          <a:schemeClr val="bg1"/>
-        </a:solidFill>
-        <a:effectLst/>
-      </p:bgPr>
-    </p:bg>
     <p:spTree>
       <p:nvGrpSpPr>
         <p:cNvPr id="1" name=""/>
@@ -25199,58 +25831,12 @@
           <a:chExt cx="0" cy="0"/>
         </a:xfrm>
       </p:grpSpPr>
-      <p:pic>
-        <p:nvPicPr>
-          <p:cNvPr id="3" name="Picture 6">
-            <a:extLst>
-              <a:ext uri="{FF2B5EF4-FFF2-40B4-BE49-F238E27FC236}">
-                <a16:creationId xmlns:a16="http://schemas.microsoft.com/office/drawing/2014/main" id="{BB4D76B5-F601-4182-8120-17433B9C7935}"/>
-              </a:ext>
-            </a:extLst>
-          </p:cNvPr>
-          <p:cNvPicPr>
-            <a:picLocks noChangeAspect="1" noChangeArrowheads="1"/>
-          </p:cNvPicPr>
-          <p:nvPr/>
-        </p:nvPicPr>
-        <p:blipFill>
-          <a:blip r:embed="rId3">
-            <a:extLst>
-              <a:ext uri="{28A0092B-C50C-407E-A947-70E740481C1C}">
-                <a14:useLocalDpi xmlns:a14="http://schemas.microsoft.com/office/drawing/2010/main" val="0"/>
-              </a:ext>
-            </a:extLst>
-          </a:blip>
-          <a:stretch>
-            <a:fillRect/>
-          </a:stretch>
-        </p:blipFill>
-        <p:spPr bwMode="auto">
-          <a:xfrm>
-            <a:off x="10564167" y="6353503"/>
-            <a:ext cx="1475682" cy="352753"/>
-          </a:xfrm>
-          <a:prstGeom prst="rect">
-            <a:avLst/>
-          </a:prstGeom>
-          <a:noFill/>
-          <a:extLst>
-            <a:ext uri="{909E8E84-426E-40DD-AFC4-6F175D3DCCD1}">
-              <a14:hiddenFill xmlns:a14="http://schemas.microsoft.com/office/drawing/2010/main">
-                <a:solidFill>
-                  <a:srgbClr val="FFFFFF"/>
-                </a:solidFill>
-              </a14:hiddenFill>
-            </a:ext>
-          </a:extLst>
-        </p:spPr>
-      </p:pic>
-      <p:sp>
-        <p:nvSpPr>
-          <p:cNvPr id="6" name="Titel 1">
-            <a:extLst>
-              <a:ext uri="{FF2B5EF4-FFF2-40B4-BE49-F238E27FC236}">
-                <a16:creationId xmlns:a16="http://schemas.microsoft.com/office/drawing/2014/main" id="{99D3E06E-2805-4C3F-BA38-2AFDADFF670A}"/>
+      <p:sp>
+        <p:nvSpPr>
+          <p:cNvPr id="2" name="Titel 1">
+            <a:extLst>
+              <a:ext uri="{FF2B5EF4-FFF2-40B4-BE49-F238E27FC236}">
+                <a16:creationId xmlns:a16="http://schemas.microsoft.com/office/drawing/2014/main" id="{CCB7073A-A3F6-4B28-B21C-0BE3DE9A44D0}"/>
               </a:ext>
             </a:extLst>
           </p:cNvPr>
@@ -25261,270 +25847,22 @@
             <p:ph type="title"/>
           </p:nvPr>
         </p:nvSpPr>
-        <p:spPr>
-          <a:xfrm>
-            <a:off x="838200" y="365125"/>
-            <a:ext cx="10515600" cy="1325563"/>
-          </a:xfrm>
-        </p:spPr>
+        <p:spPr/>
         <p:txBody>
           <a:bodyPr/>
           <a:lstStyle/>
           <a:p>
-            <a:pPr algn="ctr"/>
-            <a:r>
-              <a:rPr lang="de-DE"/>
-              <a:t>GraphQL vs. REST</a:t>
-            </a:r>
-            <a:endParaRPr lang="de-DE" dirty="0"/>
-          </a:p>
-        </p:txBody>
-      </p:sp>
-      <p:sp>
-        <p:nvSpPr>
-          <p:cNvPr id="8" name="Textfeld 7">
-            <a:extLst>
-              <a:ext uri="{FF2B5EF4-FFF2-40B4-BE49-F238E27FC236}">
-                <a16:creationId xmlns:a16="http://schemas.microsoft.com/office/drawing/2014/main" id="{E78A8F7B-DD53-43B3-B0C2-8C47CBB8C7B0}"/>
-              </a:ext>
-            </a:extLst>
-          </p:cNvPr>
-          <p:cNvSpPr txBox="1"/>
-          <p:nvPr/>
-        </p:nvSpPr>
-        <p:spPr>
-          <a:xfrm>
-            <a:off x="1746156" y="2264918"/>
-            <a:ext cx="9607643" cy="2677656"/>
-          </a:xfrm>
-          <a:prstGeom prst="rect">
-            <a:avLst/>
-          </a:prstGeom>
-          <a:noFill/>
-        </p:spPr>
-        <p:txBody>
-          <a:bodyPr wrap="square" rtlCol="0">
-            <a:spAutoFit/>
-          </a:bodyPr>
-          <a:lstStyle/>
-          <a:p>
-            <a:pPr marL="342900" indent="-342900">
-              <a:buFont typeface="Arial" panose="020B0604020202020204" pitchFamily="34" charset="0"/>
-              <a:buChar char="•"/>
-            </a:pPr>
-            <a:r>
-              <a:rPr lang="en-US" sz="2400" dirty="0"/>
-              <a:t>REST und </a:t>
-            </a:r>
-            <a:r>
-              <a:rPr lang="en-US" sz="2400" dirty="0" err="1"/>
-              <a:t>GraphQL</a:t>
-            </a:r>
-            <a:r>
-              <a:rPr lang="en-US" sz="2400" dirty="0"/>
-              <a:t> </a:t>
-            </a:r>
-            <a:r>
-              <a:rPr lang="en-US" sz="2400" dirty="0" err="1"/>
-              <a:t>sind</a:t>
-            </a:r>
-            <a:r>
-              <a:rPr lang="en-US" sz="2400" dirty="0"/>
-              <a:t> </a:t>
-            </a:r>
-            <a:r>
-              <a:rPr lang="en-US" sz="2400" dirty="0" err="1"/>
-              <a:t>sehr</a:t>
-            </a:r>
-            <a:r>
-              <a:rPr lang="en-US" sz="2400" dirty="0"/>
-              <a:t> </a:t>
-            </a:r>
-            <a:r>
-              <a:rPr lang="en-US" sz="2400" dirty="0" err="1"/>
-              <a:t>verschieden</a:t>
-            </a:r>
-            <a:endParaRPr lang="en-US" sz="2400" dirty="0"/>
-          </a:p>
-          <a:p>
-            <a:pPr marL="342900" indent="-342900">
-              <a:buFont typeface="Arial" panose="020B0604020202020204" pitchFamily="34" charset="0"/>
-              <a:buChar char="•"/>
-            </a:pPr>
-            <a:endParaRPr lang="en-US" sz="2400" dirty="0"/>
-          </a:p>
-          <a:p>
-            <a:pPr marL="342900" indent="-342900">
-              <a:buFont typeface="Arial" panose="020B0604020202020204" pitchFamily="34" charset="0"/>
-              <a:buChar char="•"/>
-            </a:pPr>
-            <a:r>
-              <a:rPr lang="en-US" sz="2400" dirty="0" err="1"/>
-              <a:t>GraphQL</a:t>
-            </a:r>
-            <a:r>
-              <a:rPr lang="en-US" sz="2400" dirty="0"/>
-              <a:t> </a:t>
-            </a:r>
-            <a:r>
-              <a:rPr lang="en-US" sz="2400" dirty="0" err="1"/>
-              <a:t>ist</a:t>
-            </a:r>
-            <a:r>
-              <a:rPr lang="en-US" sz="2400" dirty="0"/>
-              <a:t> </a:t>
-            </a:r>
-            <a:r>
-              <a:rPr lang="en-US" sz="2400" dirty="0" err="1"/>
-              <a:t>keine</a:t>
-            </a:r>
-            <a:r>
-              <a:rPr lang="en-US" sz="2400" dirty="0"/>
-              <a:t> “silver bullet”</a:t>
-            </a:r>
-          </a:p>
-          <a:p>
-            <a:pPr marL="342900" indent="-342900">
-              <a:buFont typeface="Arial" panose="020B0604020202020204" pitchFamily="34" charset="0"/>
-              <a:buChar char="•"/>
-            </a:pPr>
-            <a:endParaRPr lang="en-US" sz="2400" dirty="0"/>
-          </a:p>
-          <a:p>
-            <a:pPr marL="342900" indent="-342900">
-              <a:buFont typeface="Arial" panose="020B0604020202020204" pitchFamily="34" charset="0"/>
-              <a:buChar char="•"/>
-            </a:pPr>
-            <a:r>
-              <a:rPr lang="en-US" sz="2400" dirty="0"/>
-              <a:t>Man </a:t>
-            </a:r>
-            <a:r>
-              <a:rPr lang="en-US" sz="2400" dirty="0" err="1"/>
-              <a:t>kann</a:t>
-            </a:r>
-            <a:r>
-              <a:rPr lang="en-US" sz="2400" dirty="0"/>
-              <a:t> </a:t>
-            </a:r>
-            <a:r>
-              <a:rPr lang="en-US" sz="2400" dirty="0" err="1"/>
-              <a:t>Beides</a:t>
-            </a:r>
-            <a:r>
-              <a:rPr lang="en-US" sz="2400" dirty="0"/>
-              <a:t> </a:t>
-            </a:r>
-            <a:r>
-              <a:rPr lang="en-US" sz="2400" dirty="0" err="1"/>
-              <a:t>im</a:t>
-            </a:r>
-            <a:r>
-              <a:rPr lang="en-US" sz="2400" dirty="0"/>
-              <a:t> </a:t>
-            </a:r>
-            <a:r>
-              <a:rPr lang="en-US" sz="2400" dirty="0" err="1"/>
-              <a:t>gleichen</a:t>
-            </a:r>
-            <a:r>
-              <a:rPr lang="en-US" sz="2400" dirty="0"/>
-              <a:t> </a:t>
-            </a:r>
-            <a:r>
-              <a:rPr lang="en-US" sz="2400" dirty="0" err="1"/>
-              <a:t>Projekt</a:t>
-            </a:r>
-            <a:r>
-              <a:rPr lang="en-US" sz="2400" dirty="0"/>
-              <a:t> </a:t>
-            </a:r>
-            <a:r>
-              <a:rPr lang="en-US" sz="2400" dirty="0" err="1"/>
-              <a:t>verwenden</a:t>
-            </a:r>
-            <a:endParaRPr lang="en-US" sz="2400" dirty="0"/>
-          </a:p>
-          <a:p>
-            <a:pPr marL="342900" indent="-342900">
-              <a:buFont typeface="Arial" panose="020B0604020202020204" pitchFamily="34" charset="0"/>
-              <a:buChar char="•"/>
-            </a:pPr>
-            <a:endParaRPr lang="en-US" sz="2400" dirty="0"/>
-          </a:p>
-          <a:p>
-            <a:pPr marL="342900" indent="-342900">
-              <a:buFont typeface="Arial" panose="020B0604020202020204" pitchFamily="34" charset="0"/>
-              <a:buChar char="•"/>
-            </a:pPr>
-            <a:r>
-              <a:rPr lang="en-US" sz="2400" dirty="0" err="1"/>
-              <a:t>GraphQL</a:t>
-            </a:r>
-            <a:r>
-              <a:rPr lang="en-US" sz="2400" dirty="0"/>
-              <a:t> </a:t>
-            </a:r>
-            <a:r>
-              <a:rPr lang="en-US" sz="2400" dirty="0" err="1"/>
-              <a:t>ist</a:t>
-            </a:r>
-            <a:r>
-              <a:rPr lang="en-US" sz="2400" dirty="0"/>
-              <a:t> </a:t>
-            </a:r>
-            <a:r>
-              <a:rPr lang="en-US" sz="2400" dirty="0" err="1"/>
-              <a:t>richtig</a:t>
-            </a:r>
-            <a:r>
-              <a:rPr lang="en-US" sz="2400" dirty="0"/>
-              <a:t> cool, </a:t>
-            </a:r>
-            <a:r>
-              <a:rPr lang="en-US" sz="2400" dirty="0" err="1"/>
-              <a:t>wenn</a:t>
-            </a:r>
-            <a:r>
-              <a:rPr lang="en-US" sz="2400" dirty="0"/>
-              <a:t> man es </a:t>
-            </a:r>
-            <a:r>
-              <a:rPr lang="en-US" sz="2400" dirty="0" err="1"/>
-              <a:t>für</a:t>
-            </a:r>
-            <a:r>
-              <a:rPr lang="en-US" sz="2400" dirty="0"/>
-              <a:t> das </a:t>
-            </a:r>
-            <a:r>
-              <a:rPr lang="en-US" sz="2400" dirty="0" err="1"/>
-              <a:t>richtige</a:t>
-            </a:r>
-            <a:r>
-              <a:rPr lang="en-US" sz="2400" dirty="0"/>
-              <a:t> </a:t>
-            </a:r>
-            <a:r>
-              <a:rPr lang="en-US" sz="2400" dirty="0" err="1"/>
-              <a:t>Szenario</a:t>
-            </a:r>
-            <a:r>
-              <a:rPr lang="en-US" sz="2400" dirty="0"/>
-              <a:t> </a:t>
-            </a:r>
-            <a:r>
-              <a:rPr lang="en-US" sz="2400" dirty="0" err="1"/>
-              <a:t>einsetzt</a:t>
-            </a:r>
-            <a:endParaRPr lang="de-DE" sz="2400" dirty="0"/>
+            <a:r>
+              <a:rPr lang="de-DE" dirty="0"/>
+              <a:t>Matthias</a:t>
+            </a:r>
           </a:p>
         </p:txBody>
       </p:sp>
     </p:spTree>
     <p:extLst>
       <p:ext uri="{BB962C8B-B14F-4D97-AF65-F5344CB8AC3E}">
-        <p14:creationId xmlns:p14="http://schemas.microsoft.com/office/powerpoint/2010/main" val="4235993942"/>
+        <p14:creationId xmlns:p14="http://schemas.microsoft.com/office/powerpoint/2010/main" val="1840129318"/>
       </p:ext>
     </p:extLst>
   </p:cSld>
@@ -25633,13 +25971,10 @@
           <a:p>
             <a:pPr algn="ctr"/>
             <a:r>
-              <a:rPr lang="de-DE" dirty="0" err="1"/>
-              <a:t>GraphQL</a:t>
-            </a:r>
-            <a:r>
-              <a:rPr lang="de-DE" dirty="0"/>
-              <a:t> vs. REST</a:t>
-            </a:r>
+              <a:rPr lang="de-DE"/>
+              <a:t>GraphQL vs. REST</a:t>
+            </a:r>
+            <a:endParaRPr lang="de-DE" dirty="0"/>
           </a:p>
         </p:txBody>
       </p:sp>
@@ -25677,6 +26012,369 @@
             </a:pPr>
             <a:r>
               <a:rPr lang="en-US" sz="2400" dirty="0"/>
+              <a:t>REST und </a:t>
+            </a:r>
+            <a:r>
+              <a:rPr lang="en-US" sz="2400" dirty="0" err="1"/>
+              <a:t>GraphQL</a:t>
+            </a:r>
+            <a:r>
+              <a:rPr lang="en-US" sz="2400" dirty="0"/>
+              <a:t> </a:t>
+            </a:r>
+            <a:r>
+              <a:rPr lang="en-US" sz="2400" dirty="0" err="1"/>
+              <a:t>sind</a:t>
+            </a:r>
+            <a:r>
+              <a:rPr lang="en-US" sz="2400" dirty="0"/>
+              <a:t> </a:t>
+            </a:r>
+            <a:r>
+              <a:rPr lang="en-US" sz="2400" dirty="0" err="1"/>
+              <a:t>sehr</a:t>
+            </a:r>
+            <a:r>
+              <a:rPr lang="en-US" sz="2400" dirty="0"/>
+              <a:t> </a:t>
+            </a:r>
+            <a:r>
+              <a:rPr lang="en-US" sz="2400" dirty="0" err="1"/>
+              <a:t>verschieden</a:t>
+            </a:r>
+            <a:endParaRPr lang="en-US" sz="2400" dirty="0"/>
+          </a:p>
+          <a:p>
+            <a:pPr marL="342900" indent="-342900">
+              <a:buFont typeface="Arial" panose="020B0604020202020204" pitchFamily="34" charset="0"/>
+              <a:buChar char="•"/>
+            </a:pPr>
+            <a:endParaRPr lang="en-US" sz="2400" dirty="0"/>
+          </a:p>
+          <a:p>
+            <a:pPr marL="342900" indent="-342900">
+              <a:buFont typeface="Arial" panose="020B0604020202020204" pitchFamily="34" charset="0"/>
+              <a:buChar char="•"/>
+            </a:pPr>
+            <a:r>
+              <a:rPr lang="en-US" sz="2400" dirty="0" err="1"/>
+              <a:t>GraphQL</a:t>
+            </a:r>
+            <a:r>
+              <a:rPr lang="en-US" sz="2400" dirty="0"/>
+              <a:t> </a:t>
+            </a:r>
+            <a:r>
+              <a:rPr lang="en-US" sz="2400" dirty="0" err="1"/>
+              <a:t>ist</a:t>
+            </a:r>
+            <a:r>
+              <a:rPr lang="en-US" sz="2400" dirty="0"/>
+              <a:t> </a:t>
+            </a:r>
+            <a:r>
+              <a:rPr lang="en-US" sz="2400" dirty="0" err="1"/>
+              <a:t>keine</a:t>
+            </a:r>
+            <a:r>
+              <a:rPr lang="en-US" sz="2400" dirty="0"/>
+              <a:t> “silver bullet”</a:t>
+            </a:r>
+          </a:p>
+          <a:p>
+            <a:pPr marL="342900" indent="-342900">
+              <a:buFont typeface="Arial" panose="020B0604020202020204" pitchFamily="34" charset="0"/>
+              <a:buChar char="•"/>
+            </a:pPr>
+            <a:endParaRPr lang="en-US" sz="2400" dirty="0"/>
+          </a:p>
+          <a:p>
+            <a:pPr marL="342900" indent="-342900">
+              <a:buFont typeface="Arial" panose="020B0604020202020204" pitchFamily="34" charset="0"/>
+              <a:buChar char="•"/>
+            </a:pPr>
+            <a:r>
+              <a:rPr lang="en-US" sz="2400" dirty="0"/>
+              <a:t>Man </a:t>
+            </a:r>
+            <a:r>
+              <a:rPr lang="en-US" sz="2400" dirty="0" err="1"/>
+              <a:t>kann</a:t>
+            </a:r>
+            <a:r>
+              <a:rPr lang="en-US" sz="2400" dirty="0"/>
+              <a:t> </a:t>
+            </a:r>
+            <a:r>
+              <a:rPr lang="en-US" sz="2400" dirty="0" err="1"/>
+              <a:t>Beides</a:t>
+            </a:r>
+            <a:r>
+              <a:rPr lang="en-US" sz="2400" dirty="0"/>
+              <a:t> </a:t>
+            </a:r>
+            <a:r>
+              <a:rPr lang="en-US" sz="2400" dirty="0" err="1"/>
+              <a:t>im</a:t>
+            </a:r>
+            <a:r>
+              <a:rPr lang="en-US" sz="2400" dirty="0"/>
+              <a:t> </a:t>
+            </a:r>
+            <a:r>
+              <a:rPr lang="en-US" sz="2400" dirty="0" err="1"/>
+              <a:t>gleichen</a:t>
+            </a:r>
+            <a:r>
+              <a:rPr lang="en-US" sz="2400" dirty="0"/>
+              <a:t> </a:t>
+            </a:r>
+            <a:r>
+              <a:rPr lang="en-US" sz="2400" dirty="0" err="1"/>
+              <a:t>Projekt</a:t>
+            </a:r>
+            <a:r>
+              <a:rPr lang="en-US" sz="2400" dirty="0"/>
+              <a:t> </a:t>
+            </a:r>
+            <a:r>
+              <a:rPr lang="en-US" sz="2400" dirty="0" err="1"/>
+              <a:t>verwenden</a:t>
+            </a:r>
+            <a:endParaRPr lang="en-US" sz="2400" dirty="0"/>
+          </a:p>
+          <a:p>
+            <a:pPr marL="342900" indent="-342900">
+              <a:buFont typeface="Arial" panose="020B0604020202020204" pitchFamily="34" charset="0"/>
+              <a:buChar char="•"/>
+            </a:pPr>
+            <a:endParaRPr lang="en-US" sz="2400" dirty="0"/>
+          </a:p>
+          <a:p>
+            <a:pPr marL="342900" indent="-342900">
+              <a:buFont typeface="Arial" panose="020B0604020202020204" pitchFamily="34" charset="0"/>
+              <a:buChar char="•"/>
+            </a:pPr>
+            <a:r>
+              <a:rPr lang="en-US" sz="2400" dirty="0" err="1"/>
+              <a:t>GraphQL</a:t>
+            </a:r>
+            <a:r>
+              <a:rPr lang="en-US" sz="2400" dirty="0"/>
+              <a:t> </a:t>
+            </a:r>
+            <a:r>
+              <a:rPr lang="en-US" sz="2400" dirty="0" err="1"/>
+              <a:t>ist</a:t>
+            </a:r>
+            <a:r>
+              <a:rPr lang="en-US" sz="2400" dirty="0"/>
+              <a:t> </a:t>
+            </a:r>
+            <a:r>
+              <a:rPr lang="en-US" sz="2400" dirty="0" err="1"/>
+              <a:t>richtig</a:t>
+            </a:r>
+            <a:r>
+              <a:rPr lang="en-US" sz="2400" dirty="0"/>
+              <a:t> cool, </a:t>
+            </a:r>
+            <a:r>
+              <a:rPr lang="en-US" sz="2400" dirty="0" err="1"/>
+              <a:t>wenn</a:t>
+            </a:r>
+            <a:r>
+              <a:rPr lang="en-US" sz="2400" dirty="0"/>
+              <a:t> man es </a:t>
+            </a:r>
+            <a:r>
+              <a:rPr lang="en-US" sz="2400" dirty="0" err="1"/>
+              <a:t>für</a:t>
+            </a:r>
+            <a:r>
+              <a:rPr lang="en-US" sz="2400" dirty="0"/>
+              <a:t> das </a:t>
+            </a:r>
+            <a:r>
+              <a:rPr lang="en-US" sz="2400" dirty="0" err="1"/>
+              <a:t>richtige</a:t>
+            </a:r>
+            <a:r>
+              <a:rPr lang="en-US" sz="2400" dirty="0"/>
+              <a:t> </a:t>
+            </a:r>
+            <a:r>
+              <a:rPr lang="en-US" sz="2400" dirty="0" err="1"/>
+              <a:t>Szenario</a:t>
+            </a:r>
+            <a:r>
+              <a:rPr lang="en-US" sz="2400" dirty="0"/>
+              <a:t> </a:t>
+            </a:r>
+            <a:r>
+              <a:rPr lang="en-US" sz="2400" dirty="0" err="1"/>
+              <a:t>einsetzt</a:t>
+            </a:r>
+            <a:endParaRPr lang="de-DE" sz="2400" dirty="0"/>
+          </a:p>
+        </p:txBody>
+      </p:sp>
+    </p:spTree>
+    <p:extLst>
+      <p:ext uri="{BB962C8B-B14F-4D97-AF65-F5344CB8AC3E}">
+        <p14:creationId xmlns:p14="http://schemas.microsoft.com/office/powerpoint/2010/main" val="4235993942"/>
+      </p:ext>
+    </p:extLst>
+  </p:cSld>
+  <p:clrMapOvr>
+    <a:masterClrMapping/>
+  </p:clrMapOvr>
+</p:sld>
+</file>
+
+<file path=ppt/slides/slide52.xml><?xml version="1.0" encoding="utf-8"?>
+<p:sld xmlns:a="http://schemas.openxmlformats.org/drawingml/2006/main" xmlns:r="http://schemas.openxmlformats.org/officeDocument/2006/relationships" xmlns:p="http://schemas.openxmlformats.org/presentationml/2006/main">
+  <p:cSld>
+    <p:bg>
+      <p:bgPr>
+        <a:solidFill>
+          <a:schemeClr val="bg1"/>
+        </a:solidFill>
+        <a:effectLst/>
+      </p:bgPr>
+    </p:bg>
+    <p:spTree>
+      <p:nvGrpSpPr>
+        <p:cNvPr id="1" name=""/>
+        <p:cNvGrpSpPr/>
+        <p:nvPr/>
+      </p:nvGrpSpPr>
+      <p:grpSpPr>
+        <a:xfrm>
+          <a:off x="0" y="0"/>
+          <a:ext cx="0" cy="0"/>
+          <a:chOff x="0" y="0"/>
+          <a:chExt cx="0" cy="0"/>
+        </a:xfrm>
+      </p:grpSpPr>
+      <p:pic>
+        <p:nvPicPr>
+          <p:cNvPr id="3" name="Picture 6">
+            <a:extLst>
+              <a:ext uri="{FF2B5EF4-FFF2-40B4-BE49-F238E27FC236}">
+                <a16:creationId xmlns:a16="http://schemas.microsoft.com/office/drawing/2014/main" id="{BB4D76B5-F601-4182-8120-17433B9C7935}"/>
+              </a:ext>
+            </a:extLst>
+          </p:cNvPr>
+          <p:cNvPicPr>
+            <a:picLocks noChangeAspect="1" noChangeArrowheads="1"/>
+          </p:cNvPicPr>
+          <p:nvPr/>
+        </p:nvPicPr>
+        <p:blipFill>
+          <a:blip r:embed="rId3">
+            <a:extLst>
+              <a:ext uri="{28A0092B-C50C-407E-A947-70E740481C1C}">
+                <a14:useLocalDpi xmlns:a14="http://schemas.microsoft.com/office/drawing/2010/main" val="0"/>
+              </a:ext>
+            </a:extLst>
+          </a:blip>
+          <a:stretch>
+            <a:fillRect/>
+          </a:stretch>
+        </p:blipFill>
+        <p:spPr bwMode="auto">
+          <a:xfrm>
+            <a:off x="10564167" y="6353503"/>
+            <a:ext cx="1475682" cy="352753"/>
+          </a:xfrm>
+          <a:prstGeom prst="rect">
+            <a:avLst/>
+          </a:prstGeom>
+          <a:noFill/>
+          <a:extLst>
+            <a:ext uri="{909E8E84-426E-40DD-AFC4-6F175D3DCCD1}">
+              <a14:hiddenFill xmlns:a14="http://schemas.microsoft.com/office/drawing/2010/main">
+                <a:solidFill>
+                  <a:srgbClr val="FFFFFF"/>
+                </a:solidFill>
+              </a14:hiddenFill>
+            </a:ext>
+          </a:extLst>
+        </p:spPr>
+      </p:pic>
+      <p:sp>
+        <p:nvSpPr>
+          <p:cNvPr id="6" name="Titel 1">
+            <a:extLst>
+              <a:ext uri="{FF2B5EF4-FFF2-40B4-BE49-F238E27FC236}">
+                <a16:creationId xmlns:a16="http://schemas.microsoft.com/office/drawing/2014/main" id="{99D3E06E-2805-4C3F-BA38-2AFDADFF670A}"/>
+              </a:ext>
+            </a:extLst>
+          </p:cNvPr>
+          <p:cNvSpPr>
+            <a:spLocks noGrp="1"/>
+          </p:cNvSpPr>
+          <p:nvPr>
+            <p:ph type="title"/>
+          </p:nvPr>
+        </p:nvSpPr>
+        <p:spPr>
+          <a:xfrm>
+            <a:off x="838200" y="365125"/>
+            <a:ext cx="10515600" cy="1325563"/>
+          </a:xfrm>
+        </p:spPr>
+        <p:txBody>
+          <a:bodyPr/>
+          <a:lstStyle/>
+          <a:p>
+            <a:pPr algn="ctr"/>
+            <a:r>
+              <a:rPr lang="de-DE" dirty="0" err="1"/>
+              <a:t>GraphQL</a:t>
+            </a:r>
+            <a:r>
+              <a:rPr lang="de-DE" dirty="0"/>
+              <a:t> vs. REST</a:t>
+            </a:r>
+          </a:p>
+        </p:txBody>
+      </p:sp>
+      <p:sp>
+        <p:nvSpPr>
+          <p:cNvPr id="8" name="Textfeld 7">
+            <a:extLst>
+              <a:ext uri="{FF2B5EF4-FFF2-40B4-BE49-F238E27FC236}">
+                <a16:creationId xmlns:a16="http://schemas.microsoft.com/office/drawing/2014/main" id="{E78A8F7B-DD53-43B3-B0C2-8C47CBB8C7B0}"/>
+              </a:ext>
+            </a:extLst>
+          </p:cNvPr>
+          <p:cNvSpPr txBox="1"/>
+          <p:nvPr/>
+        </p:nvSpPr>
+        <p:spPr>
+          <a:xfrm>
+            <a:off x="1746156" y="2264918"/>
+            <a:ext cx="9607643" cy="2677656"/>
+          </a:xfrm>
+          <a:prstGeom prst="rect">
+            <a:avLst/>
+          </a:prstGeom>
+          <a:noFill/>
+        </p:spPr>
+        <p:txBody>
+          <a:bodyPr wrap="square" rtlCol="0">
+            <a:spAutoFit/>
+          </a:bodyPr>
+          <a:lstStyle/>
+          <a:p>
+            <a:pPr marL="342900" indent="-342900">
+              <a:buFont typeface="Arial" panose="020B0604020202020204" pitchFamily="34" charset="0"/>
+              <a:buChar char="•"/>
+            </a:pPr>
+            <a:r>
+              <a:rPr lang="en-US" sz="2400" dirty="0"/>
               <a:t>Wie </a:t>
             </a:r>
             <a:r>
@@ -25875,7 +26573,7 @@
 </p:sld>
 </file>
 
-<file path=ppt/slides/slide52.xml><?xml version="1.0" encoding="utf-8"?>
+<file path=ppt/slides/slide53.xml><?xml version="1.0" encoding="utf-8"?>
 <p:sld xmlns:a="http://schemas.openxmlformats.org/drawingml/2006/main" xmlns:r="http://schemas.openxmlformats.org/officeDocument/2006/relationships" xmlns:p="http://schemas.openxmlformats.org/presentationml/2006/main">
   <p:cSld>
     <p:bg>
@@ -26476,7 +27174,7 @@
 </p:sld>
 </file>
 
-<file path=ppt/slides/slide53.xml><?xml version="1.0" encoding="utf-8"?>
+<file path=ppt/slides/slide54.xml><?xml version="1.0" encoding="utf-8"?>
 <p:sld xmlns:a="http://schemas.openxmlformats.org/drawingml/2006/main" xmlns:r="http://schemas.openxmlformats.org/officeDocument/2006/relationships" xmlns:p="http://schemas.openxmlformats.org/presentationml/2006/main">
   <p:cSld>
     <p:bg>
@@ -26830,7 +27528,7 @@
 </p:sld>
 </file>
 
-<file path=ppt/slides/slide54.xml><?xml version="1.0" encoding="utf-8"?>
+<file path=ppt/slides/slide55.xml><?xml version="1.0" encoding="utf-8"?>
 <p:sld xmlns:a="http://schemas.openxmlformats.org/drawingml/2006/main" xmlns:r="http://schemas.openxmlformats.org/officeDocument/2006/relationships" xmlns:p="http://schemas.openxmlformats.org/presentationml/2006/main">
   <p:cSld>
     <p:bg>
@@ -27163,7 +27861,7 @@
             <a:pPr algn="ctr"/>
             <a:r>
               <a:rPr lang="de-DE" dirty="0"/>
-              <a:t>REST - Probleme</a:t>
+              <a:t>REST – klassische Probleme</a:t>
             </a:r>
           </a:p>
         </p:txBody>
@@ -28027,14 +28725,6 @@
 <file path=ppt/slides/slide8.xml><?xml version="1.0" encoding="utf-8"?>
 <p:sld xmlns:a="http://schemas.openxmlformats.org/drawingml/2006/main" xmlns:r="http://schemas.openxmlformats.org/officeDocument/2006/relationships" xmlns:p="http://schemas.openxmlformats.org/presentationml/2006/main">
   <p:cSld>
-    <p:bg>
-      <p:bgPr>
-        <a:solidFill>
-          <a:schemeClr val="bg1"/>
-        </a:solidFill>
-        <a:effectLst/>
-      </p:bgPr>
-    </p:bg>
     <p:spTree>
       <p:nvGrpSpPr>
         <p:cNvPr id="1" name=""/>
@@ -28049,168 +28739,103 @@
           <a:chExt cx="0" cy="0"/>
         </a:xfrm>
       </p:grpSpPr>
-      <p:sp>
-        <p:nvSpPr>
-          <p:cNvPr id="5" name="Titel 4">
-            <a:extLst>
-              <a:ext uri="{FF2B5EF4-FFF2-40B4-BE49-F238E27FC236}">
-                <a16:creationId xmlns:a16="http://schemas.microsoft.com/office/drawing/2014/main" id="{66853FFE-22E8-450D-AB2C-88C91713C721}"/>
-              </a:ext>
-            </a:extLst>
-          </p:cNvPr>
-          <p:cNvSpPr>
-            <a:spLocks noGrp="1"/>
-          </p:cNvSpPr>
-          <p:nvPr>
-            <p:ph type="title"/>
-          </p:nvPr>
-        </p:nvSpPr>
-        <p:spPr/>
-        <p:txBody>
-          <a:bodyPr/>
-          <a:lstStyle/>
-          <a:p>
-            <a:pPr algn="ctr"/>
-            <a:r>
-              <a:rPr lang="de-DE" dirty="0" err="1"/>
-              <a:t>GraphQL</a:t>
-            </a:r>
-            <a:endParaRPr lang="de-DE" dirty="0"/>
-          </a:p>
-        </p:txBody>
-      </p:sp>
-      <p:sp>
-        <p:nvSpPr>
-          <p:cNvPr id="2" name="Rechteck 1">
-            <a:extLst>
-              <a:ext uri="{FF2B5EF4-FFF2-40B4-BE49-F238E27FC236}">
-                <a16:creationId xmlns:a16="http://schemas.microsoft.com/office/drawing/2014/main" id="{7CB5F765-4F43-45F3-9C22-1C7D4EF58C77}"/>
-              </a:ext>
-            </a:extLst>
-          </p:cNvPr>
-          <p:cNvSpPr/>
+      <p:pic>
+        <p:nvPicPr>
+          <p:cNvPr id="3" name="Grafik 2">
+            <a:extLst>
+              <a:ext uri="{FF2B5EF4-FFF2-40B4-BE49-F238E27FC236}">
+                <a16:creationId xmlns:a16="http://schemas.microsoft.com/office/drawing/2014/main" id="{99E73A2F-DC12-4C63-A335-B9E870DBF181}"/>
+              </a:ext>
+            </a:extLst>
+          </p:cNvPr>
+          <p:cNvPicPr>
+            <a:picLocks noChangeAspect="1"/>
+          </p:cNvPicPr>
           <p:nvPr/>
-        </p:nvSpPr>
+        </p:nvPicPr>
+        <p:blipFill>
+          <a:blip r:embed="rId2" cstate="hqprint">
+            <a:extLst>
+              <a:ext uri="{28A0092B-C50C-407E-A947-70E740481C1C}">
+                <a14:useLocalDpi xmlns:a14="http://schemas.microsoft.com/office/drawing/2010/main" val="0"/>
+              </a:ext>
+              <a:ext uri="{96DAC541-7B7A-43D3-8B79-37D633B846F1}">
+                <asvg:svgBlip xmlns:asvg="http://schemas.microsoft.com/office/drawing/2016/SVG/main" r:embed="rId3"/>
+              </a:ext>
+            </a:extLst>
+          </a:blip>
+          <a:stretch>
+            <a:fillRect/>
+          </a:stretch>
+        </p:blipFill>
         <p:spPr>
           <a:xfrm>
-            <a:off x="3048000" y="2598003"/>
-            <a:ext cx="6096000" cy="830997"/>
+            <a:off x="5016000" y="2349000"/>
+            <a:ext cx="2160000" cy="2160000"/>
+          </a:xfrm>
+          <a:prstGeom prst="rect">
+            <a:avLst/>
+          </a:prstGeom>
+        </p:spPr>
+      </p:pic>
+      <p:sp>
+        <p:nvSpPr>
+          <p:cNvPr id="4" name="Titel 4">
+            <a:extLst>
+              <a:ext uri="{FF2B5EF4-FFF2-40B4-BE49-F238E27FC236}">
+                <a16:creationId xmlns:a16="http://schemas.microsoft.com/office/drawing/2014/main" id="{D67159A6-8772-4761-88FD-10816C887384}"/>
+              </a:ext>
+            </a:extLst>
+          </p:cNvPr>
+          <p:cNvSpPr txBox="1">
+            <a:spLocks/>
+          </p:cNvSpPr>
+          <p:nvPr/>
+        </p:nvSpPr>
+        <p:spPr>
+          <a:xfrm>
+            <a:off x="838200" y="4698586"/>
+            <a:ext cx="10515600" cy="799173"/>
           </a:xfrm>
           <a:prstGeom prst="rect">
             <a:avLst/>
           </a:prstGeom>
         </p:spPr>
         <p:txBody>
-          <a:bodyPr>
-            <a:spAutoFit/>
-          </a:bodyPr>
-          <a:lstStyle/>
-          <a:p>
-            <a:pPr lvl="1" algn="ctr"/>
-            <a:r>
-              <a:rPr lang="de-DE" sz="2400" dirty="0"/>
-              <a:t>Ein neuer Standard um eine API zu designen. </a:t>
-            </a:r>
-          </a:p>
-        </p:txBody>
-      </p:sp>
-      <p:pic>
-        <p:nvPicPr>
-          <p:cNvPr id="12" name="Picture 6">
-            <a:extLst>
-              <a:ext uri="{FF2B5EF4-FFF2-40B4-BE49-F238E27FC236}">
-                <a16:creationId xmlns:a16="http://schemas.microsoft.com/office/drawing/2014/main" id="{76D26A09-76D8-4BDB-B04C-EB633A68CA58}"/>
-              </a:ext>
-            </a:extLst>
-          </p:cNvPr>
-          <p:cNvPicPr>
-            <a:picLocks noChangeAspect="1" noChangeArrowheads="1"/>
-          </p:cNvPicPr>
-          <p:nvPr/>
-        </p:nvPicPr>
-        <p:blipFill>
-          <a:blip r:embed="rId3">
-            <a:extLst>
-              <a:ext uri="{28A0092B-C50C-407E-A947-70E740481C1C}">
-                <a14:useLocalDpi xmlns:a14="http://schemas.microsoft.com/office/drawing/2010/main" val="0"/>
-              </a:ext>
-            </a:extLst>
-          </a:blip>
-          <a:stretch>
-            <a:fillRect/>
-          </a:stretch>
-        </p:blipFill>
-        <p:spPr bwMode="auto">
-          <a:xfrm>
-            <a:off x="10564167" y="6353503"/>
-            <a:ext cx="1475682" cy="352753"/>
-          </a:xfrm>
-          <a:prstGeom prst="rect">
-            <a:avLst/>
-          </a:prstGeom>
-          <a:noFill/>
-          <a:extLst>
-            <a:ext uri="{909E8E84-426E-40DD-AFC4-6F175D3DCCD1}">
-              <a14:hiddenFill xmlns:a14="http://schemas.microsoft.com/office/drawing/2010/main">
-                <a:solidFill>
-                  <a:srgbClr val="FFFFFF"/>
-                </a:solidFill>
-              </a14:hiddenFill>
-            </a:ext>
-          </a:extLst>
-        </p:spPr>
-      </p:pic>
-      <p:sp>
-        <p:nvSpPr>
-          <p:cNvPr id="3" name="Rechteck 2">
-            <a:extLst>
-              <a:ext uri="{FF2B5EF4-FFF2-40B4-BE49-F238E27FC236}">
-                <a16:creationId xmlns:a16="http://schemas.microsoft.com/office/drawing/2014/main" id="{5CD09B57-6E00-4B2D-8F8C-8E4B0471A38F}"/>
-              </a:ext>
-            </a:extLst>
-          </p:cNvPr>
-          <p:cNvSpPr/>
-          <p:nvPr/>
-        </p:nvSpPr>
-        <p:spPr>
-          <a:xfrm>
-            <a:off x="3525232" y="3692412"/>
-            <a:ext cx="5141536" cy="461665"/>
-          </a:xfrm>
-          <a:prstGeom prst="rect">
-            <a:avLst/>
-          </a:prstGeom>
-        </p:spPr>
-        <p:txBody>
-          <a:bodyPr wrap="none">
-            <a:spAutoFit/>
-          </a:bodyPr>
-          <a:lstStyle/>
-          <a:p>
-            <a:pPr lvl="1" algn="ctr"/>
-            <a:r>
-              <a:rPr lang="de-DE" sz="2400" dirty="0" err="1">
-                <a:solidFill>
-                  <a:srgbClr val="E10098"/>
-                </a:solidFill>
-              </a:rPr>
-              <a:t>Query</a:t>
-            </a:r>
-            <a:r>
-              <a:rPr lang="de-DE" sz="2400" dirty="0" err="1"/>
-              <a:t>sprache</a:t>
-            </a:r>
-            <a:r>
-              <a:rPr lang="de-DE" sz="2400" dirty="0"/>
-              <a:t> um Daten abzufragen</a:t>
-            </a:r>
+          <a:bodyPr/>
+          <a:lstStyle>
+            <a:lvl1pPr algn="l" defTabSz="914400" rtl="0" eaLnBrk="1" latinLnBrk="0" hangingPunct="1">
+              <a:lnSpc>
+                <a:spcPct val="90000"/>
+              </a:lnSpc>
+              <a:spcBef>
+                <a:spcPct val="0"/>
+              </a:spcBef>
+              <a:buNone/>
+              <a:defRPr sz="4400" kern="1200">
+                <a:solidFill>
+                  <a:schemeClr val="tx1"/>
+                </a:solidFill>
+                <a:latin typeface="+mj-lt"/>
+                <a:ea typeface="+mj-ea"/>
+                <a:cs typeface="+mj-cs"/>
+              </a:defRPr>
+            </a:lvl1pPr>
+          </a:lstStyle>
+          <a:p>
+            <a:pPr algn="ctr"/>
+            <a:r>
+              <a:rPr lang="de-DE" dirty="0" err="1"/>
+              <a:t>GraphQL</a:t>
+            </a:r>
+            <a:endParaRPr lang="de-DE" dirty="0"/>
           </a:p>
         </p:txBody>
       </p:sp>
     </p:spTree>
     <p:extLst>
       <p:ext uri="{BB962C8B-B14F-4D97-AF65-F5344CB8AC3E}">
-        <p14:creationId xmlns:p14="http://schemas.microsoft.com/office/powerpoint/2010/main" val="1675189526"/>
+        <p14:creationId xmlns:p14="http://schemas.microsoft.com/office/powerpoint/2010/main" val="2813852416"/>
       </p:ext>
     </p:extLst>
   </p:cSld>
@@ -28245,382 +28870,89 @@
           <a:chExt cx="0" cy="0"/>
         </a:xfrm>
       </p:grpSpPr>
-      <p:pic>
-        <p:nvPicPr>
-          <p:cNvPr id="5" name="Grafik 4" descr="Uhr">
-            <a:extLst>
-              <a:ext uri="{FF2B5EF4-FFF2-40B4-BE49-F238E27FC236}">
-                <a16:creationId xmlns:a16="http://schemas.microsoft.com/office/drawing/2014/main" id="{1F46AA8F-D52E-4E39-8B03-38905A68A50A}"/>
-              </a:ext>
-            </a:extLst>
-          </p:cNvPr>
-          <p:cNvPicPr>
-            <a:picLocks noChangeAspect="1"/>
-          </p:cNvPicPr>
+      <p:sp>
+        <p:nvSpPr>
+          <p:cNvPr id="5" name="Titel 4">
+            <a:extLst>
+              <a:ext uri="{FF2B5EF4-FFF2-40B4-BE49-F238E27FC236}">
+                <a16:creationId xmlns:a16="http://schemas.microsoft.com/office/drawing/2014/main" id="{66853FFE-22E8-450D-AB2C-88C91713C721}"/>
+              </a:ext>
+            </a:extLst>
+          </p:cNvPr>
+          <p:cNvSpPr>
+            <a:spLocks noGrp="1"/>
+          </p:cNvSpPr>
+          <p:nvPr>
+            <p:ph type="title"/>
+          </p:nvPr>
+        </p:nvSpPr>
+        <p:spPr/>
+        <p:txBody>
+          <a:bodyPr/>
+          <a:lstStyle/>
+          <a:p>
+            <a:pPr algn="ctr"/>
+            <a:r>
+              <a:rPr lang="de-DE" dirty="0" err="1"/>
+              <a:t>GraphQL</a:t>
+            </a:r>
+            <a:endParaRPr lang="de-DE" dirty="0"/>
+          </a:p>
+        </p:txBody>
+      </p:sp>
+      <p:sp>
+        <p:nvSpPr>
+          <p:cNvPr id="2" name="Rechteck 1">
+            <a:extLst>
+              <a:ext uri="{FF2B5EF4-FFF2-40B4-BE49-F238E27FC236}">
+                <a16:creationId xmlns:a16="http://schemas.microsoft.com/office/drawing/2014/main" id="{7CB5F765-4F43-45F3-9C22-1C7D4EF58C77}"/>
+              </a:ext>
+            </a:extLst>
+          </p:cNvPr>
+          <p:cNvSpPr/>
           <p:nvPr/>
-        </p:nvPicPr>
-        <p:blipFill>
-          <a:blip r:embed="rId3" cstate="hqprint">
-            <a:extLst>
-              <a:ext uri="{28A0092B-C50C-407E-A947-70E740481C1C}">
-                <a14:useLocalDpi xmlns:a14="http://schemas.microsoft.com/office/drawing/2010/main" val="0"/>
-              </a:ext>
-              <a:ext uri="{96DAC541-7B7A-43D3-8B79-37D633B846F1}">
-                <asvg:svgBlip xmlns:asvg="http://schemas.microsoft.com/office/drawing/2016/SVG/main" r:embed="rId4"/>
-              </a:ext>
-            </a:extLst>
-          </a:blip>
-          <a:stretch>
-            <a:fillRect/>
-          </a:stretch>
-        </p:blipFill>
+        </p:nvSpPr>
         <p:spPr>
           <a:xfrm>
-            <a:off x="5915997" y="1702434"/>
-            <a:ext cx="360000" cy="360000"/>
+            <a:off x="3104795" y="3270613"/>
+            <a:ext cx="6096000" cy="461665"/>
           </a:xfrm>
           <a:prstGeom prst="rect">
             <a:avLst/>
           </a:prstGeom>
         </p:spPr>
-      </p:pic>
-      <p:pic>
-        <p:nvPicPr>
-          <p:cNvPr id="14" name="Grafik 13">
-            <a:extLst>
-              <a:ext uri="{FF2B5EF4-FFF2-40B4-BE49-F238E27FC236}">
-                <a16:creationId xmlns:a16="http://schemas.microsoft.com/office/drawing/2014/main" id="{81DF3B63-0EFF-483F-9631-FA48160518BD}"/>
-              </a:ext>
-            </a:extLst>
-          </p:cNvPr>
-          <p:cNvPicPr>
-            <a:picLocks noChangeAspect="1"/>
-          </p:cNvPicPr>
-          <p:nvPr/>
-        </p:nvPicPr>
-        <p:blipFill>
-          <a:blip r:embed="rId5" cstate="hqprint">
-            <a:extLst>
-              <a:ext uri="{28A0092B-C50C-407E-A947-70E740481C1C}">
-                <a14:useLocalDpi xmlns:a14="http://schemas.microsoft.com/office/drawing/2010/main" val="0"/>
-              </a:ext>
-              <a:ext uri="{96DAC541-7B7A-43D3-8B79-37D633B846F1}">
-                <asvg:svgBlip xmlns:asvg="http://schemas.microsoft.com/office/drawing/2016/SVG/main" r:embed="rId6"/>
-              </a:ext>
-            </a:extLst>
-          </a:blip>
-          <a:stretch>
-            <a:fillRect/>
-          </a:stretch>
-        </p:blipFill>
-        <p:spPr>
-          <a:xfrm>
-            <a:off x="5818869" y="3573516"/>
-            <a:ext cx="554255" cy="554255"/>
-          </a:xfrm>
-          <a:prstGeom prst="rect">
-            <a:avLst/>
-          </a:prstGeom>
-        </p:spPr>
-      </p:pic>
-      <p:pic>
-        <p:nvPicPr>
-          <p:cNvPr id="16" name="Grafik 15">
-            <a:extLst>
-              <a:ext uri="{FF2B5EF4-FFF2-40B4-BE49-F238E27FC236}">
-                <a16:creationId xmlns:a16="http://schemas.microsoft.com/office/drawing/2014/main" id="{97399A91-E849-4F1A-8A02-6D42BB2F46A4}"/>
-              </a:ext>
-            </a:extLst>
-          </p:cNvPr>
-          <p:cNvPicPr>
-            <a:picLocks noChangeAspect="1"/>
-          </p:cNvPicPr>
-          <p:nvPr/>
-        </p:nvPicPr>
-        <p:blipFill>
-          <a:blip r:embed="rId7" cstate="hqprint">
-            <a:extLst>
-              <a:ext uri="{28A0092B-C50C-407E-A947-70E740481C1C}">
-                <a14:useLocalDpi xmlns:a14="http://schemas.microsoft.com/office/drawing/2010/main" val="0"/>
-              </a:ext>
-              <a:ext uri="{96DAC541-7B7A-43D3-8B79-37D633B846F1}">
-                <asvg:svgBlip xmlns:asvg="http://schemas.microsoft.com/office/drawing/2016/SVG/main" r:embed="rId8"/>
-              </a:ext>
-            </a:extLst>
-          </a:blip>
-          <a:stretch>
-            <a:fillRect/>
-          </a:stretch>
-        </p:blipFill>
-        <p:spPr>
-          <a:xfrm>
-            <a:off x="5890184" y="2276580"/>
-            <a:ext cx="411626" cy="504825"/>
-          </a:xfrm>
-          <a:prstGeom prst="rect">
-            <a:avLst/>
-          </a:prstGeom>
-        </p:spPr>
-      </p:pic>
-      <p:pic>
-        <p:nvPicPr>
-          <p:cNvPr id="18" name="Grafik 17">
-            <a:extLst>
-              <a:ext uri="{FF2B5EF4-FFF2-40B4-BE49-F238E27FC236}">
-                <a16:creationId xmlns:a16="http://schemas.microsoft.com/office/drawing/2014/main" id="{7FA71E37-1451-4E2D-8562-4ECFAB3C0EE5}"/>
-              </a:ext>
-            </a:extLst>
-          </p:cNvPr>
-          <p:cNvPicPr>
-            <a:picLocks noChangeAspect="1"/>
-          </p:cNvPicPr>
-          <p:nvPr/>
-        </p:nvPicPr>
-        <p:blipFill>
-          <a:blip r:embed="rId9" cstate="hqprint">
-            <a:extLst>
-              <a:ext uri="{28A0092B-C50C-407E-A947-70E740481C1C}">
-                <a14:useLocalDpi xmlns:a14="http://schemas.microsoft.com/office/drawing/2010/main" val="0"/>
-              </a:ext>
-              <a:ext uri="{96DAC541-7B7A-43D3-8B79-37D633B846F1}">
-                <asvg:svgBlip xmlns:asvg="http://schemas.microsoft.com/office/drawing/2016/SVG/main" r:embed="rId10"/>
-              </a:ext>
-            </a:extLst>
-          </a:blip>
-          <a:stretch>
-            <a:fillRect/>
-          </a:stretch>
-        </p:blipFill>
-        <p:spPr>
-          <a:xfrm>
-            <a:off x="5619747" y="2781405"/>
-            <a:ext cx="952500" cy="952500"/>
-          </a:xfrm>
-          <a:prstGeom prst="rect">
-            <a:avLst/>
-          </a:prstGeom>
-        </p:spPr>
-      </p:pic>
-      <p:pic>
-        <p:nvPicPr>
-          <p:cNvPr id="19" name="Grafik 18">
-            <a:extLst>
-              <a:ext uri="{FF2B5EF4-FFF2-40B4-BE49-F238E27FC236}">
-                <a16:creationId xmlns:a16="http://schemas.microsoft.com/office/drawing/2014/main" id="{BD94C656-C696-48BD-9203-B5A6CECA3F8B}"/>
-              </a:ext>
-            </a:extLst>
-          </p:cNvPr>
-          <p:cNvPicPr>
-            <a:picLocks noChangeAspect="1"/>
-          </p:cNvPicPr>
-          <p:nvPr/>
-        </p:nvPicPr>
-        <p:blipFill>
-          <a:blip r:embed="rId11" cstate="hqprint">
-            <a:extLst>
-              <a:ext uri="{28A0092B-C50C-407E-A947-70E740481C1C}">
-                <a14:useLocalDpi xmlns:a14="http://schemas.microsoft.com/office/drawing/2010/main" val="0"/>
-              </a:ext>
-              <a:ext uri="{96DAC541-7B7A-43D3-8B79-37D633B846F1}">
-                <asvg:svgBlip xmlns:asvg="http://schemas.microsoft.com/office/drawing/2016/SVG/main" r:embed="rId12"/>
-              </a:ext>
-            </a:extLst>
-          </a:blip>
-          <a:stretch>
-            <a:fillRect/>
-          </a:stretch>
-        </p:blipFill>
-        <p:spPr>
-          <a:xfrm>
-            <a:off x="3066907" y="1749208"/>
-            <a:ext cx="2160000" cy="2160000"/>
-          </a:xfrm>
-          <a:prstGeom prst="rect">
-            <a:avLst/>
-          </a:prstGeom>
-        </p:spPr>
-      </p:pic>
-      <p:sp>
-        <p:nvSpPr>
-          <p:cNvPr id="2" name="Textfeld 1">
-            <a:extLst>
-              <a:ext uri="{FF2B5EF4-FFF2-40B4-BE49-F238E27FC236}">
-                <a16:creationId xmlns:a16="http://schemas.microsoft.com/office/drawing/2014/main" id="{37F0FA59-C917-48A2-99B3-B22143DBD475}"/>
-              </a:ext>
-            </a:extLst>
-          </p:cNvPr>
-          <p:cNvSpPr txBox="1"/>
-          <p:nvPr/>
-        </p:nvSpPr>
-        <p:spPr>
-          <a:xfrm>
-            <a:off x="6802395" y="1697768"/>
-            <a:ext cx="652743" cy="369332"/>
-          </a:xfrm>
-          <a:prstGeom prst="rect">
-            <a:avLst/>
-          </a:prstGeom>
-          <a:noFill/>
-        </p:spPr>
         <p:txBody>
-          <a:bodyPr wrap="none" rtlCol="0">
+          <a:bodyPr>
             <a:spAutoFit/>
           </a:bodyPr>
           <a:lstStyle/>
           <a:p>
-            <a:r>
-              <a:rPr lang="de-DE" dirty="0"/>
-              <a:t>2015</a:t>
-            </a:r>
-          </a:p>
-        </p:txBody>
-      </p:sp>
-      <p:sp>
-        <p:nvSpPr>
-          <p:cNvPr id="10" name="Textfeld 9">
-            <a:extLst>
-              <a:ext uri="{FF2B5EF4-FFF2-40B4-BE49-F238E27FC236}">
-                <a16:creationId xmlns:a16="http://schemas.microsoft.com/office/drawing/2014/main" id="{2F36EFC5-9E4A-4FF8-855D-0481AB40DC18}"/>
-              </a:ext>
-            </a:extLst>
-          </p:cNvPr>
-          <p:cNvSpPr txBox="1"/>
-          <p:nvPr/>
-        </p:nvSpPr>
-        <p:spPr>
-          <a:xfrm>
-            <a:off x="6802395" y="2344326"/>
-            <a:ext cx="652743" cy="369332"/>
-          </a:xfrm>
-          <a:prstGeom prst="rect">
-            <a:avLst/>
-          </a:prstGeom>
-          <a:noFill/>
-        </p:spPr>
-        <p:txBody>
-          <a:bodyPr wrap="none" rtlCol="0">
-            <a:spAutoFit/>
-          </a:bodyPr>
-          <a:lstStyle/>
-          <a:p>
-            <a:r>
-              <a:rPr lang="de-DE" dirty="0"/>
-              <a:t>1195</a:t>
-            </a:r>
-          </a:p>
-        </p:txBody>
-      </p:sp>
-      <p:sp>
-        <p:nvSpPr>
-          <p:cNvPr id="11" name="Textfeld 10">
-            <a:extLst>
-              <a:ext uri="{FF2B5EF4-FFF2-40B4-BE49-F238E27FC236}">
-                <a16:creationId xmlns:a16="http://schemas.microsoft.com/office/drawing/2014/main" id="{66305469-8257-447A-8A04-604B40CD0670}"/>
-              </a:ext>
-            </a:extLst>
-          </p:cNvPr>
-          <p:cNvSpPr txBox="1"/>
-          <p:nvPr/>
-        </p:nvSpPr>
-        <p:spPr>
-          <a:xfrm>
-            <a:off x="6802395" y="3117112"/>
-            <a:ext cx="769763" cy="369332"/>
-          </a:xfrm>
-          <a:prstGeom prst="rect">
-            <a:avLst/>
-          </a:prstGeom>
-          <a:noFill/>
-        </p:spPr>
-        <p:txBody>
-          <a:bodyPr wrap="none" rtlCol="0">
-            <a:spAutoFit/>
-          </a:bodyPr>
-          <a:lstStyle/>
-          <a:p>
-            <a:r>
-              <a:rPr lang="de-DE" dirty="0"/>
-              <a:t>14027</a:t>
-            </a:r>
-          </a:p>
-        </p:txBody>
-      </p:sp>
-      <p:sp>
-        <p:nvSpPr>
-          <p:cNvPr id="12" name="Textfeld 11">
-            <a:extLst>
-              <a:ext uri="{FF2B5EF4-FFF2-40B4-BE49-F238E27FC236}">
-                <a16:creationId xmlns:a16="http://schemas.microsoft.com/office/drawing/2014/main" id="{502083DE-35AB-4483-B1F4-700F7B5A5D7F}"/>
-              </a:ext>
-            </a:extLst>
-          </p:cNvPr>
-          <p:cNvSpPr txBox="1"/>
-          <p:nvPr/>
-        </p:nvSpPr>
-        <p:spPr>
-          <a:xfrm>
-            <a:off x="6802395" y="3660942"/>
-            <a:ext cx="652743" cy="369332"/>
-          </a:xfrm>
-          <a:prstGeom prst="rect">
-            <a:avLst/>
-          </a:prstGeom>
-          <a:noFill/>
-        </p:spPr>
-        <p:txBody>
-          <a:bodyPr wrap="none" rtlCol="0">
-            <a:spAutoFit/>
-          </a:bodyPr>
-          <a:lstStyle/>
-          <a:p>
-            <a:r>
-              <a:rPr lang="de-DE" dirty="0"/>
-              <a:t>2111</a:t>
-            </a:r>
-          </a:p>
-        </p:txBody>
-      </p:sp>
-      <p:sp>
-        <p:nvSpPr>
-          <p:cNvPr id="4" name="Textfeld 3">
-            <a:extLst>
-              <a:ext uri="{FF2B5EF4-FFF2-40B4-BE49-F238E27FC236}">
-                <a16:creationId xmlns:a16="http://schemas.microsoft.com/office/drawing/2014/main" id="{8DA59DB5-7DC8-4EBD-A1FA-7E2642093C3E}"/>
-              </a:ext>
-            </a:extLst>
-          </p:cNvPr>
-          <p:cNvSpPr txBox="1"/>
-          <p:nvPr/>
-        </p:nvSpPr>
-        <p:spPr>
-          <a:xfrm>
-            <a:off x="6802395" y="4031410"/>
-            <a:ext cx="1314784" cy="261610"/>
-          </a:xfrm>
-          <a:prstGeom prst="rect">
-            <a:avLst/>
-          </a:prstGeom>
-          <a:noFill/>
-        </p:spPr>
-        <p:txBody>
-          <a:bodyPr wrap="none" rtlCol="0">
-            <a:spAutoFit/>
-          </a:bodyPr>
-          <a:lstStyle/>
-          <a:p>
-            <a:r>
-              <a:rPr lang="de-DE" sz="1100" dirty="0"/>
-              <a:t>(Stand: 23.06.2019)</a:t>
+            <a:pPr lvl="1" algn="ctr"/>
+            <a:r>
+              <a:rPr lang="de-DE" sz="2400" dirty="0" err="1"/>
+              <a:t>Runtime</a:t>
+            </a:r>
+            <a:r>
+              <a:rPr lang="de-DE" sz="2400" dirty="0"/>
+              <a:t> um die </a:t>
+            </a:r>
+            <a:r>
+              <a:rPr lang="de-DE" sz="2400" dirty="0" err="1"/>
+              <a:t>Queries</a:t>
+            </a:r>
+            <a:r>
+              <a:rPr lang="de-DE" sz="2400" dirty="0"/>
+              <a:t> zu erfüllen</a:t>
             </a:r>
           </a:p>
         </p:txBody>
       </p:sp>
       <p:pic>
         <p:nvPicPr>
-          <p:cNvPr id="15" name="Picture 6">
-            <a:extLst>
-              <a:ext uri="{FF2B5EF4-FFF2-40B4-BE49-F238E27FC236}">
-                <a16:creationId xmlns:a16="http://schemas.microsoft.com/office/drawing/2014/main" id="{9BDEA36E-C42A-495C-949C-68A82E8996CC}"/>
+          <p:cNvPr id="12" name="Picture 6">
+            <a:extLst>
+              <a:ext uri="{FF2B5EF4-FFF2-40B4-BE49-F238E27FC236}">
+                <a16:creationId xmlns:a16="http://schemas.microsoft.com/office/drawing/2014/main" id="{76D26A09-76D8-4BDB-B04C-EB633A68CA58}"/>
               </a:ext>
             </a:extLst>
           </p:cNvPr>
@@ -28630,7 +28962,7 @@
           <p:nvPr/>
         </p:nvPicPr>
         <p:blipFill>
-          <a:blip r:embed="rId13">
+          <a:blip r:embed="rId3">
             <a:extLst>
               <a:ext uri="{28A0092B-C50C-407E-A947-70E740481C1C}">
                 <a14:useLocalDpi xmlns:a14="http://schemas.microsoft.com/office/drawing/2010/main" val="0"/>
@@ -28663,402 +28995,61 @@
       </p:pic>
       <p:sp>
         <p:nvSpPr>
-          <p:cNvPr id="7" name="Textfeld 6">
-            <a:extLst>
-              <a:ext uri="{FF2B5EF4-FFF2-40B4-BE49-F238E27FC236}">
-                <a16:creationId xmlns:a16="http://schemas.microsoft.com/office/drawing/2014/main" id="{1994B4CD-9FB1-4F02-AAF6-0CB46AA5371F}"/>
-              </a:ext>
-            </a:extLst>
-          </p:cNvPr>
-          <p:cNvSpPr txBox="1"/>
+          <p:cNvPr id="3" name="Rechteck 2">
+            <a:extLst>
+              <a:ext uri="{FF2B5EF4-FFF2-40B4-BE49-F238E27FC236}">
+                <a16:creationId xmlns:a16="http://schemas.microsoft.com/office/drawing/2014/main" id="{5CD09B57-6E00-4B2D-8F8C-8E4B0471A38F}"/>
+              </a:ext>
+            </a:extLst>
+          </p:cNvPr>
+          <p:cNvSpPr/>
           <p:nvPr/>
         </p:nvSpPr>
         <p:spPr>
           <a:xfrm>
-            <a:off x="2903794" y="4490127"/>
-            <a:ext cx="6024406" cy="369332"/>
+            <a:off x="3525232" y="2249818"/>
+            <a:ext cx="5141536" cy="461665"/>
           </a:xfrm>
           <a:prstGeom prst="rect">
             <a:avLst/>
           </a:prstGeom>
-          <a:noFill/>
         </p:spPr>
         <p:txBody>
-          <a:bodyPr wrap="none" rtlCol="0">
+          <a:bodyPr wrap="none">
             <a:spAutoFit/>
           </a:bodyPr>
           <a:lstStyle/>
           <a:p>
-            <a:r>
-              <a:rPr lang="de-DE" dirty="0"/>
-              <a:t>GitHub, Pinterest, Twitter, Sky, New York Times, </a:t>
-            </a:r>
-            <a:r>
-              <a:rPr lang="de-DE" dirty="0" err="1"/>
-              <a:t>Shopify</a:t>
-            </a:r>
-            <a:r>
-              <a:rPr lang="de-DE" dirty="0"/>
-              <a:t>, Yelp,…</a:t>
+            <a:pPr lvl="1" algn="ctr"/>
+            <a:r>
+              <a:rPr lang="de-DE" sz="2400" dirty="0" err="1">
+                <a:solidFill>
+                  <a:srgbClr val="E10098"/>
+                </a:solidFill>
+              </a:rPr>
+              <a:t>Query</a:t>
+            </a:r>
+            <a:r>
+              <a:rPr lang="de-DE" sz="2400" dirty="0" err="1"/>
+              <a:t>sprache</a:t>
+            </a:r>
+            <a:r>
+              <a:rPr lang="de-DE" sz="2400" dirty="0"/>
+              <a:t> um Daten abzufragen</a:t>
             </a:r>
           </a:p>
         </p:txBody>
       </p:sp>
-      <p:sp>
-        <p:nvSpPr>
-          <p:cNvPr id="17" name="Titel 4">
-            <a:extLst>
-              <a:ext uri="{FF2B5EF4-FFF2-40B4-BE49-F238E27FC236}">
-                <a16:creationId xmlns:a16="http://schemas.microsoft.com/office/drawing/2014/main" id="{2CE417B8-A063-4D7D-B7F2-3828588EC2E8}"/>
-              </a:ext>
-            </a:extLst>
-          </p:cNvPr>
-          <p:cNvSpPr>
-            <a:spLocks noGrp="1"/>
-          </p:cNvSpPr>
-          <p:nvPr>
-            <p:ph type="title"/>
-          </p:nvPr>
-        </p:nvSpPr>
-        <p:spPr>
-          <a:xfrm>
-            <a:off x="838200" y="365125"/>
-            <a:ext cx="10515600" cy="1325563"/>
-          </a:xfrm>
-        </p:spPr>
-        <p:txBody>
-          <a:bodyPr/>
-          <a:lstStyle/>
-          <a:p>
-            <a:pPr algn="ctr"/>
-            <a:r>
-              <a:rPr lang="de-DE" dirty="0" err="1"/>
-              <a:t>GraphQL</a:t>
-            </a:r>
-            <a:endParaRPr lang="de-DE" dirty="0"/>
-          </a:p>
-        </p:txBody>
-      </p:sp>
-      <p:grpSp>
-        <p:nvGrpSpPr>
-          <p:cNvPr id="8" name="Gruppieren 7">
-            <a:extLst>
-              <a:ext uri="{FF2B5EF4-FFF2-40B4-BE49-F238E27FC236}">
-                <a16:creationId xmlns:a16="http://schemas.microsoft.com/office/drawing/2014/main" id="{D53358EA-2C81-42E6-B7CD-BDA09B5029A4}"/>
-              </a:ext>
-            </a:extLst>
-          </p:cNvPr>
-          <p:cNvGrpSpPr/>
-          <p:nvPr/>
-        </p:nvGrpSpPr>
-        <p:grpSpPr>
-          <a:xfrm>
-            <a:off x="2423486" y="5403185"/>
-            <a:ext cx="6392521" cy="875801"/>
-            <a:chOff x="1222067" y="5403185"/>
-            <a:chExt cx="6392521" cy="875801"/>
-          </a:xfrm>
-        </p:grpSpPr>
-        <p:sp>
-          <p:nvSpPr>
-            <p:cNvPr id="3" name="Rechteck 2">
-              <a:extLst>
-                <a:ext uri="{FF2B5EF4-FFF2-40B4-BE49-F238E27FC236}">
-                  <a16:creationId xmlns:a16="http://schemas.microsoft.com/office/drawing/2014/main" id="{3D6BCF93-9BD3-4261-9C2A-0FC6FBA84625}"/>
-                </a:ext>
-              </a:extLst>
-            </p:cNvPr>
-            <p:cNvSpPr/>
-            <p:nvPr/>
-          </p:nvSpPr>
-          <p:spPr>
-            <a:xfrm>
-              <a:off x="4146907" y="5925043"/>
-              <a:ext cx="3365665" cy="338554"/>
-            </a:xfrm>
-            <a:prstGeom prst="rect">
-              <a:avLst/>
-            </a:prstGeom>
-          </p:spPr>
-          <p:txBody>
-            <a:bodyPr wrap="none">
-              <a:spAutoFit/>
-            </a:bodyPr>
-            <a:lstStyle/>
-            <a:p>
-              <a:r>
-                <a:rPr lang="de-DE" sz="1600" dirty="0">
-                  <a:hlinkClick r:id="rId14">
-                    <a:extLst>
-                      <a:ext uri="{A12FA001-AC4F-418D-AE19-62706E023703}">
-                        <ahyp:hlinkClr xmlns:ahyp="http://schemas.microsoft.com/office/drawing/2018/hyperlinkcolor" val="tx"/>
-                      </a:ext>
-                    </a:extLst>
-                  </a:hlinkClick>
-                </a:rPr>
-                <a:t>https://github.com/graphql/graphql-js</a:t>
-              </a:r>
-              <a:endParaRPr lang="de-DE" sz="1600" dirty="0"/>
-            </a:p>
-          </p:txBody>
-        </p:sp>
-        <p:sp>
-          <p:nvSpPr>
-            <p:cNvPr id="6" name="Rechteck 5">
-              <a:extLst>
-                <a:ext uri="{FF2B5EF4-FFF2-40B4-BE49-F238E27FC236}">
-                  <a16:creationId xmlns:a16="http://schemas.microsoft.com/office/drawing/2014/main" id="{B9B98293-EB70-4400-8878-E413BC4C8486}"/>
-                </a:ext>
-              </a:extLst>
-            </p:cNvPr>
-            <p:cNvSpPr/>
-            <p:nvPr/>
-          </p:nvSpPr>
-          <p:spPr>
-            <a:xfrm>
-              <a:off x="4146907" y="5418574"/>
-              <a:ext cx="3467681" cy="338554"/>
-            </a:xfrm>
-            <a:prstGeom prst="rect">
-              <a:avLst/>
-            </a:prstGeom>
-          </p:spPr>
-          <p:txBody>
-            <a:bodyPr wrap="none">
-              <a:spAutoFit/>
-            </a:bodyPr>
-            <a:lstStyle/>
-            <a:p>
-              <a:r>
-                <a:rPr lang="de-DE" sz="1600" dirty="0">
-                  <a:hlinkClick r:id="rId15">
-                    <a:extLst>
-                      <a:ext uri="{A12FA001-AC4F-418D-AE19-62706E023703}">
-                        <ahyp:hlinkClr xmlns:ahyp="http://schemas.microsoft.com/office/drawing/2018/hyperlinkcolor" val="tx"/>
-                      </a:ext>
-                    </a:extLst>
-                  </a:hlinkClick>
-                </a:rPr>
-                <a:t>https://graphql.github.io/graphql-spec/</a:t>
-              </a:r>
-              <a:endParaRPr lang="de-DE" sz="1600" dirty="0"/>
-            </a:p>
-          </p:txBody>
-        </p:sp>
-        <p:sp>
-          <p:nvSpPr>
-            <p:cNvPr id="20" name="Rechteck 19">
-              <a:extLst>
-                <a:ext uri="{FF2B5EF4-FFF2-40B4-BE49-F238E27FC236}">
-                  <a16:creationId xmlns:a16="http://schemas.microsoft.com/office/drawing/2014/main" id="{57FDEEB5-0611-4D23-BB3B-9E9FA88988CD}"/>
-                </a:ext>
-              </a:extLst>
-            </p:cNvPr>
-            <p:cNvSpPr/>
-            <p:nvPr/>
-          </p:nvSpPr>
-          <p:spPr>
-            <a:xfrm>
-              <a:off x="1222067" y="5909654"/>
-              <a:ext cx="2974532" cy="369332"/>
-            </a:xfrm>
-            <a:prstGeom prst="rect">
-              <a:avLst/>
-            </a:prstGeom>
-          </p:spPr>
-          <p:txBody>
-            <a:bodyPr wrap="none">
-              <a:spAutoFit/>
-            </a:bodyPr>
-            <a:lstStyle/>
-            <a:p>
-              <a:r>
-                <a:rPr lang="de-DE" dirty="0"/>
-                <a:t>Referenzimplementierung JS:</a:t>
-              </a:r>
-            </a:p>
-          </p:txBody>
-        </p:sp>
-        <p:sp>
-          <p:nvSpPr>
-            <p:cNvPr id="21" name="Rechteck 20">
-              <a:extLst>
-                <a:ext uri="{FF2B5EF4-FFF2-40B4-BE49-F238E27FC236}">
-                  <a16:creationId xmlns:a16="http://schemas.microsoft.com/office/drawing/2014/main" id="{B261D34E-8275-4A59-9E89-08E6354EF382}"/>
-                </a:ext>
-              </a:extLst>
-            </p:cNvPr>
-            <p:cNvSpPr/>
-            <p:nvPr/>
-          </p:nvSpPr>
-          <p:spPr>
-            <a:xfrm>
-              <a:off x="1823001" y="5403185"/>
-              <a:ext cx="2323906" cy="369332"/>
-            </a:xfrm>
-            <a:prstGeom prst="rect">
-              <a:avLst/>
-            </a:prstGeom>
-          </p:spPr>
-          <p:txBody>
-            <a:bodyPr wrap="none">
-              <a:spAutoFit/>
-            </a:bodyPr>
-            <a:lstStyle/>
-            <a:p>
-              <a:r>
-                <a:rPr lang="de-DE" dirty="0" err="1"/>
-                <a:t>GraphQL</a:t>
-              </a:r>
-              <a:r>
-                <a:rPr lang="de-DE" dirty="0"/>
-                <a:t> </a:t>
-              </a:r>
-              <a:r>
-                <a:rPr lang="de-DE" dirty="0" err="1"/>
-                <a:t>Specification</a:t>
-              </a:r>
-              <a:r>
-                <a:rPr lang="de-DE" dirty="0"/>
-                <a:t>:</a:t>
-              </a:r>
-            </a:p>
-          </p:txBody>
-        </p:sp>
-      </p:grpSp>
     </p:spTree>
     <p:extLst>
       <p:ext uri="{BB962C8B-B14F-4D97-AF65-F5344CB8AC3E}">
-        <p14:creationId xmlns:p14="http://schemas.microsoft.com/office/powerpoint/2010/main" val="2846145051"/>
+        <p14:creationId xmlns:p14="http://schemas.microsoft.com/office/powerpoint/2010/main" val="1675189526"/>
       </p:ext>
     </p:extLst>
   </p:cSld>
   <p:clrMapOvr>
     <a:masterClrMapping/>
   </p:clrMapOvr>
-  <p:timing>
-    <p:tnLst>
-      <p:par>
-        <p:cTn id="1" dur="indefinite" restart="never" nodeType="tmRoot">
-          <p:childTnLst>
-            <p:seq concurrent="1" nextAc="seek">
-              <p:cTn id="2" dur="indefinite" nodeType="mainSeq">
-                <p:childTnLst>
-                  <p:par>
-                    <p:cTn id="3" fill="hold">
-                      <p:stCondLst>
-                        <p:cond delay="indefinite"/>
-                      </p:stCondLst>
-                      <p:childTnLst>
-                        <p:par>
-                          <p:cTn id="4" fill="hold">
-                            <p:stCondLst>
-                              <p:cond delay="0"/>
-                            </p:stCondLst>
-                            <p:childTnLst>
-                              <p:par>
-                                <p:cTn id="5" presetID="1" presetClass="entr" presetSubtype="0" fill="hold" grpId="0" nodeType="clickEffect">
-                                  <p:stCondLst>
-                                    <p:cond delay="0"/>
-                                  </p:stCondLst>
-                                  <p:childTnLst>
-                                    <p:set>
-                                      <p:cBhvr>
-                                        <p:cTn id="6" dur="1" fill="hold">
-                                          <p:stCondLst>
-                                            <p:cond delay="0"/>
-                                          </p:stCondLst>
-                                        </p:cTn>
-                                        <p:tgtEl>
-                                          <p:spTgt spid="7"/>
-                                        </p:tgtEl>
-                                        <p:attrNameLst>
-                                          <p:attrName>style.visibility</p:attrName>
-                                        </p:attrNameLst>
-                                      </p:cBhvr>
-                                      <p:to>
-                                        <p:strVal val="visible"/>
-                                      </p:to>
-                                    </p:set>
-                                  </p:childTnLst>
-                                </p:cTn>
-                              </p:par>
-                            </p:childTnLst>
-                          </p:cTn>
-                        </p:par>
-                      </p:childTnLst>
-                    </p:cTn>
-                  </p:par>
-                  <p:par>
-                    <p:cTn id="7" fill="hold">
-                      <p:stCondLst>
-                        <p:cond delay="indefinite"/>
-                      </p:stCondLst>
-                      <p:childTnLst>
-                        <p:par>
-                          <p:cTn id="8" fill="hold">
-                            <p:stCondLst>
-                              <p:cond delay="0"/>
-                            </p:stCondLst>
-                            <p:childTnLst>
-                              <p:par>
-                                <p:cTn id="9" presetID="1" presetClass="entr" presetSubtype="0" fill="hold" nodeType="clickEffect">
-                                  <p:stCondLst>
-                                    <p:cond delay="0"/>
-                                  </p:stCondLst>
-                                  <p:childTnLst>
-                                    <p:set>
-                                      <p:cBhvr>
-                                        <p:cTn id="10" dur="1" fill="hold">
-                                          <p:stCondLst>
-                                            <p:cond delay="0"/>
-                                          </p:stCondLst>
-                                        </p:cTn>
-                                        <p:tgtEl>
-                                          <p:spTgt spid="8"/>
-                                        </p:tgtEl>
-                                        <p:attrNameLst>
-                                          <p:attrName>style.visibility</p:attrName>
-                                        </p:attrNameLst>
-                                      </p:cBhvr>
-                                      <p:to>
-                                        <p:strVal val="visible"/>
-                                      </p:to>
-                                    </p:set>
-                                  </p:childTnLst>
-                                </p:cTn>
-                              </p:par>
-                            </p:childTnLst>
-                          </p:cTn>
-                        </p:par>
-                      </p:childTnLst>
-                    </p:cTn>
-                  </p:par>
-                </p:childTnLst>
-              </p:cTn>
-              <p:prevCondLst>
-                <p:cond evt="onPrev" delay="0">
-                  <p:tgtEl>
-                    <p:sldTgt/>
-                  </p:tgtEl>
-                </p:cond>
-              </p:prevCondLst>
-              <p:nextCondLst>
-                <p:cond evt="onNext" delay="0">
-                  <p:tgtEl>
-                    <p:sldTgt/>
-                  </p:tgtEl>
-                </p:cond>
-              </p:nextCondLst>
-            </p:seq>
-          </p:childTnLst>
-        </p:cTn>
-      </p:par>
-    </p:tnLst>
-    <p:bldLst>
-      <p:bldP spid="7" grpId="0"/>
-    </p:bldLst>
-  </p:timing>
 </p:sld>
 </file>
 

--- a/slides/GraphqlSlides.pptx
+++ b/slides/GraphqlSlides.pptx
@@ -2682,28 +2682,16 @@
           <a:lstStyle/>
           <a:p>
             <a:r>
+              <a:rPr lang="de-DE" dirty="0"/>
+              <a:t>Wenn wir das Argument nicht hart codieren möchten, dann können wir bei </a:t>
+            </a:r>
+            <a:r>
               <a:rPr lang="de-DE" dirty="0" err="1"/>
-              <a:t>Passed</a:t>
+              <a:t>bei</a:t>
             </a:r>
             <a:r>
               <a:rPr lang="de-DE" dirty="0"/>
-              <a:t> </a:t>
-            </a:r>
-            <a:r>
-              <a:rPr lang="de-DE" dirty="0" err="1"/>
-              <a:t>by</a:t>
-            </a:r>
-            <a:r>
-              <a:rPr lang="de-DE" dirty="0"/>
-              <a:t> </a:t>
-            </a:r>
-            <a:r>
-              <a:rPr lang="de-DE" dirty="0" err="1"/>
-              <a:t>name</a:t>
-            </a:r>
-            <a:r>
-              <a:rPr lang="de-DE" dirty="0"/>
-              <a:t>, Argumente können zwingend oder optional sein.</a:t>
+              <a:t> der Query auch Variablen verwenden. Die Werte der Variablen werden dann im Request separat mitgeschickt, in der Regel als separates JSON Objekt.</a:t>
             </a:r>
           </a:p>
         </p:txBody>
@@ -2794,7 +2782,7 @@
             </a:r>
             <a:r>
               <a:rPr lang="de-DE" dirty="0"/>
-              <a:t> werden benutzt um Daten zu erstellen, upzudaten, oder zu löschen</a:t>
+              <a:t> werden benutzt um Daten zu erstellen, zu aktualisieren, oder zu löschen</a:t>
             </a:r>
           </a:p>
           <a:p>
@@ -14944,7 +14932,7 @@
                   <a:srgbClr val="DC3EB7"/>
                 </a:solidFill>
               </a:rPr>
-              <a:t> Type</a:t>
+              <a:t> Type Name</a:t>
             </a:r>
           </a:p>
         </p:txBody>
